--- a/WBS.pptx
+++ b/WBS.pptx
@@ -104,6 +104,11 @@
       </a:defRPr>
     </a:lvl9pPr>
   </p:defaultTextStyle>
+  <p:extLst>
+    <p:ext uri="{EFAFB233-063F-42B5-8137-9DF3F51BA10A}">
+      <p15:sldGuideLst xmlns:p15="http://schemas.microsoft.com/office/powerpoint/2012/main"/>
+    </p:ext>
+  </p:extLst>
 </p:presentation>
 </file>
 
@@ -880,9 +885,9 @@
         <a:lstStyle/>
         <a:p>
           <a:r>
-            <a:rPr lang="en-US" sz="1800" b="1">
-              <a:latin typeface="Arial" panose="020B0604020202020204" pitchFamily="34" charset="0"/>
-              <a:cs typeface="Arial" panose="020B0604020202020204" pitchFamily="34" charset="0"/>
+            <a:rPr lang="en-US" sz="2000" b="1">
+              <a:latin typeface="+mn-lt"/>
+              <a:cs typeface="Times New Roman" panose="02020603050405020304" pitchFamily="18" charset="0"/>
             </a:rPr>
             <a:t>WEBSITE TRUNG TÂM GIA SƯ BẢO NGỌC</a:t>
           </a:r>
@@ -896,7 +901,7 @@
         <a:bodyPr/>
         <a:lstStyle/>
         <a:p>
-          <a:endParaRPr lang="en-US"/>
+          <a:endParaRPr lang="en-US" sz="2400"/>
         </a:p>
       </dgm:t>
     </dgm:pt>
@@ -907,7 +912,7 @@
         <a:bodyPr/>
         <a:lstStyle/>
         <a:p>
-          <a:endParaRPr lang="en-US"/>
+          <a:endParaRPr lang="en-US" sz="2400"/>
         </a:p>
       </dgm:t>
     </dgm:pt>
@@ -925,9 +930,9 @@
         <a:lstStyle/>
         <a:p>
           <a:r>
-            <a:rPr lang="en-US" sz="1400">
-              <a:latin typeface="Arial" panose="020B0604020202020204" pitchFamily="34" charset="0"/>
-              <a:cs typeface="Arial" panose="020B0604020202020204" pitchFamily="34" charset="0"/>
+            <a:rPr lang="en-US" sz="1800">
+              <a:latin typeface="+mn-lt"/>
+              <a:cs typeface="Times New Roman" panose="02020603050405020304" pitchFamily="18" charset="0"/>
             </a:rPr>
             <a:t>Tài khoản</a:t>
           </a:r>
@@ -941,9 +946,9 @@
         <a:bodyPr/>
         <a:lstStyle/>
         <a:p>
-          <a:endParaRPr lang="en-US" sz="1400">
-            <a:latin typeface="Arial" panose="020B0604020202020204" pitchFamily="34" charset="0"/>
-            <a:cs typeface="Arial" panose="020B0604020202020204" pitchFamily="34" charset="0"/>
+          <a:endParaRPr lang="en-US" sz="1800">
+            <a:latin typeface="+mn-lt"/>
+            <a:cs typeface="Times New Roman" panose="02020603050405020304" pitchFamily="18" charset="0"/>
           </a:endParaRPr>
         </a:p>
       </dgm:t>
@@ -955,7 +960,7 @@
         <a:bodyPr/>
         <a:lstStyle/>
         <a:p>
-          <a:endParaRPr lang="en-US"/>
+          <a:endParaRPr lang="en-US" sz="2400"/>
         </a:p>
       </dgm:t>
     </dgm:pt>
@@ -973,9 +978,9 @@
         <a:lstStyle/>
         <a:p>
           <a:r>
-            <a:rPr lang="en-US" sz="1400">
-              <a:latin typeface="Arial" panose="020B0604020202020204" pitchFamily="34" charset="0"/>
-              <a:cs typeface="Arial" panose="020B0604020202020204" pitchFamily="34" charset="0"/>
+            <a:rPr lang="en-US" sz="1800">
+              <a:latin typeface="+mn-lt"/>
+              <a:cs typeface="Times New Roman" panose="02020603050405020304" pitchFamily="18" charset="0"/>
             </a:rPr>
             <a:t>Trang chủ</a:t>
           </a:r>
@@ -989,9 +994,9 @@
         <a:bodyPr/>
         <a:lstStyle/>
         <a:p>
-          <a:endParaRPr lang="en-US" sz="1400">
-            <a:latin typeface="Arial" panose="020B0604020202020204" pitchFamily="34" charset="0"/>
-            <a:cs typeface="Arial" panose="020B0604020202020204" pitchFamily="34" charset="0"/>
+          <a:endParaRPr lang="en-US" sz="1800">
+            <a:latin typeface="+mn-lt"/>
+            <a:cs typeface="Times New Roman" panose="02020603050405020304" pitchFamily="18" charset="0"/>
           </a:endParaRPr>
         </a:p>
       </dgm:t>
@@ -1003,7 +1008,7 @@
         <a:bodyPr/>
         <a:lstStyle/>
         <a:p>
-          <a:endParaRPr lang="en-US"/>
+          <a:endParaRPr lang="en-US" sz="2400"/>
         </a:p>
       </dgm:t>
     </dgm:pt>
@@ -1015,9 +1020,9 @@
         <a:lstStyle/>
         <a:p>
           <a:r>
-            <a:rPr lang="en-US" sz="1400">
-              <a:latin typeface="Arial" panose="020B0604020202020204" pitchFamily="34" charset="0"/>
-              <a:cs typeface="Arial" panose="020B0604020202020204" pitchFamily="34" charset="0"/>
+            <a:rPr lang="en-US" sz="1800">
+              <a:latin typeface="+mn-lt"/>
+              <a:cs typeface="Times New Roman" panose="02020603050405020304" pitchFamily="18" charset="0"/>
             </a:rPr>
             <a:t>Tạo trang đăng ký</a:t>
           </a:r>
@@ -1031,9 +1036,9 @@
         <a:bodyPr/>
         <a:lstStyle/>
         <a:p>
-          <a:endParaRPr lang="en-US" sz="1400">
-            <a:latin typeface="Arial" panose="020B0604020202020204" pitchFamily="34" charset="0"/>
-            <a:cs typeface="Arial" panose="020B0604020202020204" pitchFamily="34" charset="0"/>
+          <a:endParaRPr lang="en-US" sz="1800">
+            <a:latin typeface="+mn-lt"/>
+            <a:cs typeface="Times New Roman" panose="02020603050405020304" pitchFamily="18" charset="0"/>
           </a:endParaRPr>
         </a:p>
       </dgm:t>
@@ -1045,7 +1050,7 @@
         <a:bodyPr/>
         <a:lstStyle/>
         <a:p>
-          <a:endParaRPr lang="en-US"/>
+          <a:endParaRPr lang="en-US" sz="2400"/>
         </a:p>
       </dgm:t>
     </dgm:pt>
@@ -1057,9 +1062,9 @@
         <a:lstStyle/>
         <a:p>
           <a:r>
-            <a:rPr lang="en-US" sz="1400">
-              <a:latin typeface="Arial" panose="020B0604020202020204" pitchFamily="34" charset="0"/>
-              <a:cs typeface="Arial" panose="020B0604020202020204" pitchFamily="34" charset="0"/>
+            <a:rPr lang="en-US" sz="1800">
+              <a:latin typeface="+mn-lt"/>
+              <a:cs typeface="Times New Roman" panose="02020603050405020304" pitchFamily="18" charset="0"/>
             </a:rPr>
             <a:t>Tạo trang đăng nhập</a:t>
           </a:r>
@@ -1073,9 +1078,9 @@
         <a:bodyPr/>
         <a:lstStyle/>
         <a:p>
-          <a:endParaRPr lang="en-US" sz="1400">
-            <a:latin typeface="Arial" panose="020B0604020202020204" pitchFamily="34" charset="0"/>
-            <a:cs typeface="Arial" panose="020B0604020202020204" pitchFamily="34" charset="0"/>
+          <a:endParaRPr lang="en-US" sz="1800">
+            <a:latin typeface="+mn-lt"/>
+            <a:cs typeface="Times New Roman" panose="02020603050405020304" pitchFamily="18" charset="0"/>
           </a:endParaRPr>
         </a:p>
       </dgm:t>
@@ -1087,7 +1092,7 @@
         <a:bodyPr/>
         <a:lstStyle/>
         <a:p>
-          <a:endParaRPr lang="en-US"/>
+          <a:endParaRPr lang="en-US" sz="2400"/>
         </a:p>
       </dgm:t>
     </dgm:pt>
@@ -1099,9 +1104,9 @@
         <a:lstStyle/>
         <a:p>
           <a:r>
-            <a:rPr lang="en-US" sz="1400">
-              <a:latin typeface="Arial" panose="020B0604020202020204" pitchFamily="34" charset="0"/>
-              <a:cs typeface="Arial" panose="020B0604020202020204" pitchFamily="34" charset="0"/>
+            <a:rPr lang="en-US" sz="1800">
+              <a:latin typeface="+mn-lt"/>
+              <a:cs typeface="Times New Roman" panose="02020603050405020304" pitchFamily="18" charset="0"/>
             </a:rPr>
             <a:t>Phần quản lý tài khoản</a:t>
           </a:r>
@@ -1115,9 +1120,9 @@
         <a:bodyPr/>
         <a:lstStyle/>
         <a:p>
-          <a:endParaRPr lang="en-US" sz="1400">
-            <a:latin typeface="Arial" panose="020B0604020202020204" pitchFamily="34" charset="0"/>
-            <a:cs typeface="Arial" panose="020B0604020202020204" pitchFamily="34" charset="0"/>
+          <a:endParaRPr lang="en-US" sz="1800">
+            <a:latin typeface="+mn-lt"/>
+            <a:cs typeface="Times New Roman" panose="02020603050405020304" pitchFamily="18" charset="0"/>
           </a:endParaRPr>
         </a:p>
       </dgm:t>
@@ -1129,7 +1134,7 @@
         <a:bodyPr/>
         <a:lstStyle/>
         <a:p>
-          <a:endParaRPr lang="en-US"/>
+          <a:endParaRPr lang="en-US" sz="2400"/>
         </a:p>
       </dgm:t>
     </dgm:pt>
@@ -1141,9 +1146,9 @@
         <a:lstStyle/>
         <a:p>
           <a:r>
-            <a:rPr lang="en-US" sz="1400">
-              <a:latin typeface="Arial" panose="020B0604020202020204" pitchFamily="34" charset="0"/>
-              <a:cs typeface="Arial" panose="020B0604020202020204" pitchFamily="34" charset="0"/>
+            <a:rPr lang="en-US" sz="1800">
+              <a:latin typeface="+mn-lt"/>
+              <a:cs typeface="Times New Roman" panose="02020603050405020304" pitchFamily="18" charset="0"/>
             </a:rPr>
             <a:t>Tạo tính năng Đăng xuất</a:t>
           </a:r>
@@ -1157,9 +1162,9 @@
         <a:bodyPr/>
         <a:lstStyle/>
         <a:p>
-          <a:endParaRPr lang="en-US" sz="1400">
-            <a:latin typeface="Arial" panose="020B0604020202020204" pitchFamily="34" charset="0"/>
-            <a:cs typeface="Arial" panose="020B0604020202020204" pitchFamily="34" charset="0"/>
+          <a:endParaRPr lang="en-US" sz="1800">
+            <a:latin typeface="+mn-lt"/>
+            <a:cs typeface="Times New Roman" panose="02020603050405020304" pitchFamily="18" charset="0"/>
           </a:endParaRPr>
         </a:p>
       </dgm:t>
@@ -1171,7 +1176,7 @@
         <a:bodyPr/>
         <a:lstStyle/>
         <a:p>
-          <a:endParaRPr lang="en-US"/>
+          <a:endParaRPr lang="en-US" sz="2400"/>
         </a:p>
       </dgm:t>
     </dgm:pt>
@@ -1183,9 +1188,9 @@
         <a:lstStyle/>
         <a:p>
           <a:r>
-            <a:rPr lang="en-US" sz="1400">
-              <a:latin typeface="Arial" panose="020B0604020202020204" pitchFamily="34" charset="0"/>
-              <a:cs typeface="Arial" panose="020B0604020202020204" pitchFamily="34" charset="0"/>
+            <a:rPr lang="en-US" sz="1800">
+              <a:latin typeface="+mn-lt"/>
+              <a:cs typeface="Times New Roman" panose="02020603050405020304" pitchFamily="18" charset="0"/>
             </a:rPr>
             <a:t>Tạo tính năng Đổi mật khẩu</a:t>
           </a:r>
@@ -1199,9 +1204,9 @@
         <a:bodyPr/>
         <a:lstStyle/>
         <a:p>
-          <a:endParaRPr lang="en-US" sz="1400">
-            <a:latin typeface="Arial" panose="020B0604020202020204" pitchFamily="34" charset="0"/>
-            <a:cs typeface="Arial" panose="020B0604020202020204" pitchFamily="34" charset="0"/>
+          <a:endParaRPr lang="en-US" sz="1800">
+            <a:latin typeface="+mn-lt"/>
+            <a:cs typeface="Times New Roman" panose="02020603050405020304" pitchFamily="18" charset="0"/>
           </a:endParaRPr>
         </a:p>
       </dgm:t>
@@ -1213,7 +1218,7 @@
         <a:bodyPr/>
         <a:lstStyle/>
         <a:p>
-          <a:endParaRPr lang="en-US"/>
+          <a:endParaRPr lang="en-US" sz="2400"/>
         </a:p>
       </dgm:t>
     </dgm:pt>
@@ -1225,9 +1230,9 @@
         <a:lstStyle/>
         <a:p>
           <a:r>
-            <a:rPr lang="en-US" sz="1400">
-              <a:latin typeface="Arial" panose="020B0604020202020204" pitchFamily="34" charset="0"/>
-              <a:cs typeface="Arial" panose="020B0604020202020204" pitchFamily="34" charset="0"/>
+            <a:rPr lang="en-US" sz="1800">
+              <a:latin typeface="+mn-lt"/>
+              <a:cs typeface="Times New Roman" panose="02020603050405020304" pitchFamily="18" charset="0"/>
             </a:rPr>
             <a:t>Tạo tính năng Chỉnh sửa hồ sơ</a:t>
           </a:r>
@@ -1241,9 +1246,9 @@
         <a:bodyPr/>
         <a:lstStyle/>
         <a:p>
-          <a:endParaRPr lang="en-US" sz="1400">
-            <a:latin typeface="Arial" panose="020B0604020202020204" pitchFamily="34" charset="0"/>
-            <a:cs typeface="Arial" panose="020B0604020202020204" pitchFamily="34" charset="0"/>
+          <a:endParaRPr lang="en-US" sz="1800">
+            <a:latin typeface="+mn-lt"/>
+            <a:cs typeface="Times New Roman" panose="02020603050405020304" pitchFamily="18" charset="0"/>
           </a:endParaRPr>
         </a:p>
       </dgm:t>
@@ -1255,7 +1260,7 @@
         <a:bodyPr/>
         <a:lstStyle/>
         <a:p>
-          <a:endParaRPr lang="en-US"/>
+          <a:endParaRPr lang="en-US" sz="2400"/>
         </a:p>
       </dgm:t>
     </dgm:pt>
@@ -1267,9 +1272,9 @@
         <a:lstStyle/>
         <a:p>
           <a:r>
-            <a:rPr lang="en-US" sz="1400">
-              <a:latin typeface="Arial" panose="020B0604020202020204" pitchFamily="34" charset="0"/>
-              <a:cs typeface="Arial" panose="020B0604020202020204" pitchFamily="34" charset="0"/>
+            <a:rPr lang="en-US" sz="1800">
+              <a:latin typeface="+mn-lt"/>
+              <a:cs typeface="Times New Roman" panose="02020603050405020304" pitchFamily="18" charset="0"/>
             </a:rPr>
             <a:t>Tạo trang hiển thị các suất dạy mới</a:t>
           </a:r>
@@ -1283,9 +1288,9 @@
         <a:bodyPr/>
         <a:lstStyle/>
         <a:p>
-          <a:endParaRPr lang="en-US" sz="1400">
-            <a:latin typeface="Arial" panose="020B0604020202020204" pitchFamily="34" charset="0"/>
-            <a:cs typeface="Arial" panose="020B0604020202020204" pitchFamily="34" charset="0"/>
+          <a:endParaRPr lang="en-US" sz="1800">
+            <a:latin typeface="+mn-lt"/>
+            <a:cs typeface="Times New Roman" panose="02020603050405020304" pitchFamily="18" charset="0"/>
           </a:endParaRPr>
         </a:p>
       </dgm:t>
@@ -1297,7 +1302,7 @@
         <a:bodyPr/>
         <a:lstStyle/>
         <a:p>
-          <a:endParaRPr lang="en-US"/>
+          <a:endParaRPr lang="en-US" sz="2400"/>
         </a:p>
       </dgm:t>
     </dgm:pt>
@@ -1309,9 +1314,9 @@
         <a:lstStyle/>
         <a:p>
           <a:r>
-            <a:rPr lang="en-US" sz="1400">
-              <a:latin typeface="Arial" panose="020B0604020202020204" pitchFamily="34" charset="0"/>
-              <a:cs typeface="Arial" panose="020B0604020202020204" pitchFamily="34" charset="0"/>
+            <a:rPr lang="en-US" sz="1800">
+              <a:latin typeface="+mn-lt"/>
+              <a:cs typeface="Times New Roman" panose="02020603050405020304" pitchFamily="18" charset="0"/>
             </a:rPr>
             <a:t>Thiết lập Bộ lọc tìm kiếm suất dạy</a:t>
           </a:r>
@@ -1325,9 +1330,9 @@
         <a:bodyPr/>
         <a:lstStyle/>
         <a:p>
-          <a:endParaRPr lang="en-US" sz="1400">
-            <a:latin typeface="Arial" panose="020B0604020202020204" pitchFamily="34" charset="0"/>
-            <a:cs typeface="Arial" panose="020B0604020202020204" pitchFamily="34" charset="0"/>
+          <a:endParaRPr lang="en-US" sz="1800">
+            <a:latin typeface="+mn-lt"/>
+            <a:cs typeface="Times New Roman" panose="02020603050405020304" pitchFamily="18" charset="0"/>
           </a:endParaRPr>
         </a:p>
       </dgm:t>
@@ -1339,7 +1344,7 @@
         <a:bodyPr/>
         <a:lstStyle/>
         <a:p>
-          <a:endParaRPr lang="en-US"/>
+          <a:endParaRPr lang="en-US" sz="2400"/>
         </a:p>
       </dgm:t>
     </dgm:pt>
@@ -1351,9 +1356,9 @@
         <a:lstStyle/>
         <a:p>
           <a:r>
-            <a:rPr lang="en-US" sz="1400">
-              <a:latin typeface="Arial" panose="020B0604020202020204" pitchFamily="34" charset="0"/>
-              <a:cs typeface="Arial" panose="020B0604020202020204" pitchFamily="34" charset="0"/>
+            <a:rPr lang="en-US" sz="1800">
+              <a:latin typeface="+mn-lt"/>
+              <a:cs typeface="Times New Roman" panose="02020603050405020304" pitchFamily="18" charset="0"/>
             </a:rPr>
             <a:t>Xây dựng tính năng Đăng ký tìm gia sư</a:t>
           </a:r>
@@ -1367,9 +1372,9 @@
         <a:bodyPr/>
         <a:lstStyle/>
         <a:p>
-          <a:endParaRPr lang="en-US" sz="1400">
-            <a:latin typeface="Arial" panose="020B0604020202020204" pitchFamily="34" charset="0"/>
-            <a:cs typeface="Arial" panose="020B0604020202020204" pitchFamily="34" charset="0"/>
+          <a:endParaRPr lang="en-US" sz="1800">
+            <a:latin typeface="+mn-lt"/>
+            <a:cs typeface="Times New Roman" panose="02020603050405020304" pitchFamily="18" charset="0"/>
           </a:endParaRPr>
         </a:p>
       </dgm:t>
@@ -1381,7 +1386,7 @@
         <a:bodyPr/>
         <a:lstStyle/>
         <a:p>
-          <a:endParaRPr lang="en-US"/>
+          <a:endParaRPr lang="en-US" sz="2400"/>
         </a:p>
       </dgm:t>
     </dgm:pt>
@@ -1393,9 +1398,9 @@
         <a:lstStyle/>
         <a:p>
           <a:r>
-            <a:rPr lang="en-US" sz="1400">
-              <a:latin typeface="Arial" panose="020B0604020202020204" pitchFamily="34" charset="0"/>
-              <a:cs typeface="Arial" panose="020B0604020202020204" pitchFamily="34" charset="0"/>
+            <a:rPr lang="en-US" sz="1800">
+              <a:latin typeface="+mn-lt"/>
+              <a:cs typeface="Times New Roman" panose="02020603050405020304" pitchFamily="18" charset="0"/>
             </a:rPr>
             <a:t>Tạo tính năng hiển thị gia sư tiêu biểu</a:t>
           </a:r>
@@ -1409,9 +1414,9 @@
         <a:bodyPr/>
         <a:lstStyle/>
         <a:p>
-          <a:endParaRPr lang="en-US" sz="1400">
-            <a:latin typeface="Arial" panose="020B0604020202020204" pitchFamily="34" charset="0"/>
-            <a:cs typeface="Arial" panose="020B0604020202020204" pitchFamily="34" charset="0"/>
+          <a:endParaRPr lang="en-US" sz="1800">
+            <a:latin typeface="+mn-lt"/>
+            <a:cs typeface="Times New Roman" panose="02020603050405020304" pitchFamily="18" charset="0"/>
           </a:endParaRPr>
         </a:p>
       </dgm:t>
@@ -1423,7 +1428,7 @@
         <a:bodyPr/>
         <a:lstStyle/>
         <a:p>
-          <a:endParaRPr lang="en-US"/>
+          <a:endParaRPr lang="en-US" sz="2400"/>
         </a:p>
       </dgm:t>
     </dgm:pt>
@@ -1441,9 +1446,9 @@
         <a:lstStyle/>
         <a:p>
           <a:r>
-            <a:rPr lang="en-US" sz="1400">
-              <a:latin typeface="Arial" panose="020B0604020202020204" pitchFamily="34" charset="0"/>
-              <a:cs typeface="Arial" panose="020B0604020202020204" pitchFamily="34" charset="0"/>
+            <a:rPr lang="en-US" sz="1800">
+              <a:latin typeface="+mn-lt"/>
+              <a:cs typeface="Times New Roman" panose="02020603050405020304" pitchFamily="18" charset="0"/>
             </a:rPr>
             <a:t>Trang tài liệu học tập</a:t>
           </a:r>
@@ -1457,9 +1462,9 @@
         <a:bodyPr/>
         <a:lstStyle/>
         <a:p>
-          <a:endParaRPr lang="en-US" sz="1400">
-            <a:latin typeface="Arial" panose="020B0604020202020204" pitchFamily="34" charset="0"/>
-            <a:cs typeface="Arial" panose="020B0604020202020204" pitchFamily="34" charset="0"/>
+          <a:endParaRPr lang="en-US" sz="1800">
+            <a:latin typeface="+mn-lt"/>
+            <a:cs typeface="Times New Roman" panose="02020603050405020304" pitchFamily="18" charset="0"/>
           </a:endParaRPr>
         </a:p>
       </dgm:t>
@@ -1471,7 +1476,7 @@
         <a:bodyPr/>
         <a:lstStyle/>
         <a:p>
-          <a:endParaRPr lang="en-US"/>
+          <a:endParaRPr lang="en-US" sz="2400"/>
         </a:p>
       </dgm:t>
     </dgm:pt>
@@ -1483,9 +1488,9 @@
         <a:lstStyle/>
         <a:p>
           <a:r>
-            <a:rPr lang="en-US" sz="1400">
-              <a:latin typeface="Arial" panose="020B0604020202020204" pitchFamily="34" charset="0"/>
-              <a:cs typeface="Arial" panose="020B0604020202020204" pitchFamily="34" charset="0"/>
+            <a:rPr lang="en-US" sz="1800">
+              <a:latin typeface="+mn-lt"/>
+              <a:cs typeface="Times New Roman" panose="02020603050405020304" pitchFamily="18" charset="0"/>
             </a:rPr>
             <a:t>Thiết lập Danh mục theo lớp, môn</a:t>
           </a:r>
@@ -1499,9 +1504,9 @@
         <a:bodyPr/>
         <a:lstStyle/>
         <a:p>
-          <a:endParaRPr lang="en-US" sz="1400">
-            <a:latin typeface="Arial" panose="020B0604020202020204" pitchFamily="34" charset="0"/>
-            <a:cs typeface="Arial" panose="020B0604020202020204" pitchFamily="34" charset="0"/>
+          <a:endParaRPr lang="en-US" sz="1800">
+            <a:latin typeface="+mn-lt"/>
+            <a:cs typeface="Times New Roman" panose="02020603050405020304" pitchFamily="18" charset="0"/>
           </a:endParaRPr>
         </a:p>
       </dgm:t>
@@ -1513,7 +1518,7 @@
         <a:bodyPr/>
         <a:lstStyle/>
         <a:p>
-          <a:endParaRPr lang="en-US"/>
+          <a:endParaRPr lang="en-US" sz="2400"/>
         </a:p>
       </dgm:t>
     </dgm:pt>
@@ -1531,9 +1536,9 @@
         <a:lstStyle/>
         <a:p>
           <a:r>
-            <a:rPr lang="en-US" sz="1400">
-              <a:latin typeface="Arial" panose="020B0604020202020204" pitchFamily="34" charset="0"/>
-              <a:cs typeface="Arial" panose="020B0604020202020204" pitchFamily="34" charset="0"/>
+            <a:rPr lang="en-US" sz="1800">
+              <a:latin typeface="+mn-lt"/>
+              <a:cs typeface="Times New Roman" panose="02020603050405020304" pitchFamily="18" charset="0"/>
             </a:rPr>
             <a:t>Khung chat</a:t>
           </a:r>
@@ -1547,7 +1552,7 @@
         <a:bodyPr/>
         <a:lstStyle/>
         <a:p>
-          <a:endParaRPr lang="en-US"/>
+          <a:endParaRPr lang="en-US" sz="2400"/>
         </a:p>
       </dgm:t>
     </dgm:pt>
@@ -1558,9 +1563,9 @@
         <a:bodyPr/>
         <a:lstStyle/>
         <a:p>
-          <a:endParaRPr lang="en-US" sz="1400">
-            <a:latin typeface="Arial" panose="020B0604020202020204" pitchFamily="34" charset="0"/>
-            <a:cs typeface="Arial" panose="020B0604020202020204" pitchFamily="34" charset="0"/>
+          <a:endParaRPr lang="en-US" sz="1800">
+            <a:latin typeface="+mn-lt"/>
+            <a:cs typeface="Times New Roman" panose="02020603050405020304" pitchFamily="18" charset="0"/>
           </a:endParaRPr>
         </a:p>
       </dgm:t>
@@ -1573,9 +1578,9 @@
         <a:lstStyle/>
         <a:p>
           <a:r>
-            <a:rPr lang="en-US" sz="1400">
-              <a:latin typeface="Arial" panose="020B0604020202020204" pitchFamily="34" charset="0"/>
-              <a:cs typeface="Arial" panose="020B0604020202020204" pitchFamily="34" charset="0"/>
+            <a:rPr lang="en-US" sz="1800">
+              <a:latin typeface="+mn-lt"/>
+              <a:cs typeface="Times New Roman" panose="02020603050405020304" pitchFamily="18" charset="0"/>
             </a:rPr>
             <a:t>Tạo khung chat với trung tâm</a:t>
           </a:r>
@@ -1589,9 +1594,9 @@
         <a:bodyPr/>
         <a:lstStyle/>
         <a:p>
-          <a:endParaRPr lang="en-US" sz="1400">
-            <a:latin typeface="Arial" panose="020B0604020202020204" pitchFamily="34" charset="0"/>
-            <a:cs typeface="Arial" panose="020B0604020202020204" pitchFamily="34" charset="0"/>
+          <a:endParaRPr lang="en-US" sz="1800">
+            <a:latin typeface="+mn-lt"/>
+            <a:cs typeface="Times New Roman" panose="02020603050405020304" pitchFamily="18" charset="0"/>
           </a:endParaRPr>
         </a:p>
       </dgm:t>
@@ -1603,7 +1608,7 @@
         <a:bodyPr/>
         <a:lstStyle/>
         <a:p>
-          <a:endParaRPr lang="en-US"/>
+          <a:endParaRPr lang="en-US" sz="2400"/>
         </a:p>
       </dgm:t>
     </dgm:pt>
@@ -1646,13 +1651,13 @@
             <a:buNone/>
           </a:pPr>
           <a:r>
-            <a:rPr lang="en-US" sz="1400" kern="1200">
+            <a:rPr lang="en-US" sz="1800" kern="1200">
               <a:solidFill>
                 <a:prstClr val="white"/>
               </a:solidFill>
-              <a:latin typeface="Arial" panose="020B0604020202020204" pitchFamily="34" charset="0"/>
+              <a:latin typeface="+mn-lt"/>
               <a:ea typeface="+mn-ea"/>
-              <a:cs typeface="Arial" panose="020B0604020202020204" pitchFamily="34" charset="0"/>
+              <a:cs typeface="Times New Roman" panose="02020603050405020304" pitchFamily="18" charset="0"/>
             </a:rPr>
             <a:t>Trang giới thiệu</a:t>
           </a:r>
@@ -1666,7 +1671,10 @@
         <a:bodyPr/>
         <a:lstStyle/>
         <a:p>
-          <a:endParaRPr lang="en-US"/>
+          <a:endParaRPr lang="en-US" sz="2400">
+            <a:latin typeface="+mn-lt"/>
+            <a:cs typeface="Times New Roman" panose="02020603050405020304" pitchFamily="18" charset="0"/>
+          </a:endParaRPr>
         </a:p>
       </dgm:t>
     </dgm:pt>
@@ -1677,7 +1685,7 @@
         <a:bodyPr/>
         <a:lstStyle/>
         <a:p>
-          <a:endParaRPr lang="en-US"/>
+          <a:endParaRPr lang="en-US" sz="2400"/>
         </a:p>
       </dgm:t>
     </dgm:pt>
@@ -1689,9 +1697,9 @@
         <a:lstStyle/>
         <a:p>
           <a:r>
-            <a:rPr lang="en-US" sz="1400">
-              <a:latin typeface="Arial" panose="020B0604020202020204" pitchFamily="34" charset="0"/>
-              <a:cs typeface="Arial" panose="020B0604020202020204" pitchFamily="34" charset="0"/>
+            <a:rPr lang="en-US" sz="1800">
+              <a:latin typeface="+mn-lt"/>
+              <a:cs typeface="Times New Roman" panose="02020603050405020304" pitchFamily="18" charset="0"/>
             </a:rPr>
             <a:t>Tạo trang giới thiệu trung tâm</a:t>
           </a:r>
@@ -1705,7 +1713,10 @@
         <a:bodyPr/>
         <a:lstStyle/>
         <a:p>
-          <a:endParaRPr lang="en-US"/>
+          <a:endParaRPr lang="en-US" sz="2400">
+            <a:latin typeface="+mn-lt"/>
+            <a:cs typeface="Times New Roman" panose="02020603050405020304" pitchFamily="18" charset="0"/>
+          </a:endParaRPr>
         </a:p>
       </dgm:t>
     </dgm:pt>
@@ -1716,7 +1727,7 @@
         <a:bodyPr/>
         <a:lstStyle/>
         <a:p>
-          <a:endParaRPr lang="en-US"/>
+          <a:endParaRPr lang="en-US" sz="2400"/>
         </a:p>
       </dgm:t>
     </dgm:pt>
@@ -1728,11 +1739,11 @@
         <a:lstStyle/>
         <a:p>
           <a:r>
-            <a:rPr lang="en-US" sz="1400">
-              <a:latin typeface="Arial" panose="020B0604020202020204" pitchFamily="34" charset="0"/>
-              <a:cs typeface="Arial" panose="020B0604020202020204" pitchFamily="34" charset="0"/>
+            <a:rPr lang="en-US" sz="1800">
+              <a:latin typeface="+mn-lt"/>
+              <a:cs typeface="Times New Roman" panose="02020603050405020304" pitchFamily="18" charset="0"/>
             </a:rPr>
-            <a:t>Tạo trang bài viết Hướng dẫn</a:t>
+            <a:t>Tạo trang Hướng dẫn</a:t>
           </a:r>
         </a:p>
       </dgm:t>
@@ -1744,7 +1755,10 @@
         <a:bodyPr/>
         <a:lstStyle/>
         <a:p>
-          <a:endParaRPr lang="en-US"/>
+          <a:endParaRPr lang="en-US" sz="2400">
+            <a:latin typeface="+mn-lt"/>
+            <a:cs typeface="Times New Roman" panose="02020603050405020304" pitchFamily="18" charset="0"/>
+          </a:endParaRPr>
         </a:p>
       </dgm:t>
     </dgm:pt>
@@ -1755,7 +1769,7 @@
         <a:bodyPr/>
         <a:lstStyle/>
         <a:p>
-          <a:endParaRPr lang="en-US"/>
+          <a:endParaRPr lang="en-US" sz="2400"/>
         </a:p>
       </dgm:t>
     </dgm:pt>
@@ -1786,9 +1800,9 @@
         <a:lstStyle/>
         <a:p>
           <a:r>
-            <a:rPr lang="en-US" sz="1400">
-              <a:latin typeface="Arial" panose="020B0604020202020204" pitchFamily="34" charset="0"/>
-              <a:cs typeface="Arial" panose="020B0604020202020204" pitchFamily="34" charset="0"/>
+            <a:rPr lang="en-US" sz="1800">
+              <a:latin typeface="+mn-lt"/>
+              <a:cs typeface="Times New Roman" panose="02020603050405020304" pitchFamily="18" charset="0"/>
             </a:rPr>
             <a:t>Danh mục Gia Sư</a:t>
           </a:r>
@@ -1802,7 +1816,7 @@
         <a:bodyPr/>
         <a:lstStyle/>
         <a:p>
-          <a:endParaRPr lang="en-US"/>
+          <a:endParaRPr lang="en-US" sz="2400"/>
         </a:p>
       </dgm:t>
     </dgm:pt>
@@ -1813,7 +1827,10 @@
         <a:bodyPr/>
         <a:lstStyle/>
         <a:p>
-          <a:endParaRPr lang="en-US"/>
+          <a:endParaRPr lang="en-US" sz="2400">
+            <a:latin typeface="+mn-lt"/>
+            <a:cs typeface="Times New Roman" panose="02020603050405020304" pitchFamily="18" charset="0"/>
+          </a:endParaRPr>
         </a:p>
       </dgm:t>
     </dgm:pt>
@@ -1825,9 +1842,9 @@
         <a:lstStyle/>
         <a:p>
           <a:r>
-            <a:rPr lang="en-US" sz="1400">
-              <a:latin typeface="Arial" panose="020B0604020202020204" pitchFamily="34" charset="0"/>
-              <a:cs typeface="Arial" panose="020B0604020202020204" pitchFamily="34" charset="0"/>
+            <a:rPr lang="en-US" sz="1800">
+              <a:latin typeface="+mn-lt"/>
+              <a:cs typeface="Times New Roman" panose="02020603050405020304" pitchFamily="18" charset="0"/>
             </a:rPr>
             <a:t>Xây dựng tính năng Đăng ký suất dạy</a:t>
           </a:r>
@@ -1841,7 +1858,10 @@
         <a:bodyPr/>
         <a:lstStyle/>
         <a:p>
-          <a:endParaRPr lang="en-US"/>
+          <a:endParaRPr lang="en-US" sz="2400">
+            <a:latin typeface="+mn-lt"/>
+            <a:cs typeface="Times New Roman" panose="02020603050405020304" pitchFamily="18" charset="0"/>
+          </a:endParaRPr>
         </a:p>
       </dgm:t>
     </dgm:pt>
@@ -1852,7 +1872,7 @@
         <a:bodyPr/>
         <a:lstStyle/>
         <a:p>
-          <a:endParaRPr lang="en-US"/>
+          <a:endParaRPr lang="en-US" sz="2400"/>
         </a:p>
       </dgm:t>
     </dgm:pt>
@@ -1870,9 +1890,9 @@
         <a:lstStyle/>
         <a:p>
           <a:r>
-            <a:rPr lang="en-US" sz="1400">
-              <a:latin typeface="Arial" panose="020B0604020202020204" pitchFamily="34" charset="0"/>
-              <a:cs typeface="Arial" panose="020B0604020202020204" pitchFamily="34" charset="0"/>
+            <a:rPr lang="en-US" sz="1800">
+              <a:latin typeface="+mn-lt"/>
+              <a:cs typeface="Times New Roman" panose="02020603050405020304" pitchFamily="18" charset="0"/>
             </a:rPr>
             <a:t>Danh mục Phụ huynh</a:t>
           </a:r>
@@ -1886,7 +1906,7 @@
         <a:bodyPr/>
         <a:lstStyle/>
         <a:p>
-          <a:endParaRPr lang="en-US"/>
+          <a:endParaRPr lang="en-US" sz="2400"/>
         </a:p>
       </dgm:t>
     </dgm:pt>
@@ -1897,9 +1917,9 @@
         <a:bodyPr/>
         <a:lstStyle/>
         <a:p>
-          <a:endParaRPr lang="en-US" sz="1400">
-            <a:latin typeface="Arial" panose="020B0604020202020204" pitchFamily="34" charset="0"/>
-            <a:cs typeface="Arial" panose="020B0604020202020204" pitchFamily="34" charset="0"/>
+          <a:endParaRPr lang="en-US" sz="1800">
+            <a:latin typeface="+mn-lt"/>
+            <a:cs typeface="Times New Roman" panose="02020603050405020304" pitchFamily="18" charset="0"/>
           </a:endParaRPr>
         </a:p>
       </dgm:t>
@@ -1912,11 +1932,11 @@
         <a:lstStyle/>
         <a:p>
           <a:r>
-            <a:rPr lang="en-US" sz="1400">
-              <a:latin typeface="Arial" panose="020B0604020202020204" pitchFamily="34" charset="0"/>
-              <a:cs typeface="Arial" panose="020B0604020202020204" pitchFamily="34" charset="0"/>
+            <a:rPr lang="en-US" sz="1800">
+              <a:latin typeface="+mn-lt"/>
+              <a:cs typeface="Times New Roman" panose="02020603050405020304" pitchFamily="18" charset="0"/>
             </a:rPr>
-            <a:t>Tạo các trích dẫn đoạn đầu của các bài viết: giới thiệu trung tâm, các suất dạy</a:t>
+            <a:t>Tạo các trích dẫn đoạn đầu các trang: Giới thiệu, Các suất dạy, Gia sư tiêu biểu</a:t>
           </a:r>
         </a:p>
       </dgm:t>
@@ -1928,7 +1948,10 @@
         <a:bodyPr/>
         <a:lstStyle/>
         <a:p>
-          <a:endParaRPr lang="en-US"/>
+          <a:endParaRPr lang="en-US" sz="2400">
+            <a:latin typeface="+mn-lt"/>
+            <a:cs typeface="Times New Roman" panose="02020603050405020304" pitchFamily="18" charset="0"/>
+          </a:endParaRPr>
         </a:p>
       </dgm:t>
     </dgm:pt>
@@ -1939,11 +1962,11 @@
         <a:bodyPr/>
         <a:lstStyle/>
         <a:p>
-          <a:endParaRPr lang="en-US"/>
+          <a:endParaRPr lang="en-US" sz="2400"/>
         </a:p>
       </dgm:t>
     </dgm:pt>
-    <dgm:pt modelId="{8AD961FB-8067-404A-A4C0-0D996631FE7D}">
+    <dgm:pt modelId="{1CBD54AD-199B-41F4-A56A-B83E1100B10F}">
       <dgm:prSet phldrT="[Text]" custT="1"/>
       <dgm:spPr/>
       <dgm:t>
@@ -1951,48 +1974,9 @@
         <a:lstStyle/>
         <a:p>
           <a:r>
-            <a:rPr lang="en-US" sz="1400">
-              <a:latin typeface="Arial" panose="020B0604020202020204" pitchFamily="34" charset="0"/>
-              <a:cs typeface="Arial" panose="020B0604020202020204" pitchFamily="34" charset="0"/>
-            </a:rPr>
-            <a:t>Tạo các nút “Chi tiết” để liên kết đến trang cụ thể</a:t>
-          </a:r>
-        </a:p>
-      </dgm:t>
-    </dgm:pt>
-    <dgm:pt modelId="{D1B6B00D-5FBD-4ECC-A64D-8ED7131DC3C8}" type="parTrans" cxnId="{8CE351E8-C473-4E7B-B966-8EB38B7D3EFE}">
-      <dgm:prSet/>
-      <dgm:spPr/>
-      <dgm:t>
-        <a:bodyPr/>
-        <a:lstStyle/>
-        <a:p>
-          <a:endParaRPr lang="en-US"/>
-        </a:p>
-      </dgm:t>
-    </dgm:pt>
-    <dgm:pt modelId="{A1183AC8-4D51-42F6-94E0-3EF06AAE3CC3}" type="sibTrans" cxnId="{8CE351E8-C473-4E7B-B966-8EB38B7D3EFE}">
-      <dgm:prSet/>
-      <dgm:spPr/>
-      <dgm:t>
-        <a:bodyPr/>
-        <a:lstStyle/>
-        <a:p>
-          <a:endParaRPr lang="en-US"/>
-        </a:p>
-      </dgm:t>
-    </dgm:pt>
-    <dgm:pt modelId="{1CBD54AD-199B-41F4-A56A-B83E1100B10F}">
-      <dgm:prSet phldrT="[Text]" custT="1"/>
-      <dgm:spPr/>
-      <dgm:t>
-        <a:bodyPr/>
-        <a:lstStyle/>
-        <a:p>
-          <a:r>
-            <a:rPr lang="en-US" sz="1400">
-              <a:latin typeface="Arial" panose="020B0604020202020204" pitchFamily="34" charset="0"/>
-              <a:cs typeface="Arial" panose="020B0604020202020204" pitchFamily="34" charset="0"/>
+            <a:rPr lang="en-US" sz="1800">
+              <a:latin typeface="+mn-lt"/>
+              <a:cs typeface="Times New Roman" panose="02020603050405020304" pitchFamily="18" charset="0"/>
             </a:rPr>
             <a:t>Tạo tính năng upload file</a:t>
           </a:r>
@@ -2006,7 +1990,10 @@
         <a:bodyPr/>
         <a:lstStyle/>
         <a:p>
-          <a:endParaRPr lang="en-US"/>
+          <a:endParaRPr lang="en-US" sz="2400">
+            <a:latin typeface="+mn-lt"/>
+            <a:cs typeface="Times New Roman" panose="02020603050405020304" pitchFamily="18" charset="0"/>
+          </a:endParaRPr>
         </a:p>
       </dgm:t>
     </dgm:pt>
@@ -2017,7 +2004,7 @@
         <a:bodyPr/>
         <a:lstStyle/>
         <a:p>
-          <a:endParaRPr lang="en-US"/>
+          <a:endParaRPr lang="en-US" sz="2400"/>
         </a:p>
       </dgm:t>
     </dgm:pt>
@@ -2047,7 +2034,7 @@
       <dgm:spPr/>
     </dgm:pt>
     <dgm:pt modelId="{6302EC25-0FA3-4522-B92F-9D3204F0624D}" type="pres">
-      <dgm:prSet presAssocID="{3D3E6FCA-8AEE-411D-A4E1-ACE6C7D8F9E3}" presName="rootText1" presStyleLbl="node0" presStyleIdx="0" presStyleCnt="1" custScaleX="345533" custScaleY="125110">
+      <dgm:prSet presAssocID="{3D3E6FCA-8AEE-411D-A4E1-ACE6C7D8F9E3}" presName="rootText1" presStyleLbl="node0" presStyleIdx="0" presStyleCnt="1" custScaleX="345533" custScaleY="144619" custLinFactNeighborX="-63801" custLinFactNeighborY="-36180">
         <dgm:presLayoutVars>
           <dgm:chPref val="3"/>
         </dgm:presLayoutVars>
@@ -2095,7 +2082,7 @@
       <dgm:spPr/>
     </dgm:pt>
     <dgm:pt modelId="{CE57E79B-91A1-45D9-9054-4AA806126F70}" type="pres">
-      <dgm:prSet presAssocID="{E2404425-DF5A-4900-AC6B-AD69ABF082BB}" presName="Name37" presStyleLbl="parChTrans1D3" presStyleIdx="0" presStyleCnt="15"/>
+      <dgm:prSet presAssocID="{E2404425-DF5A-4900-AC6B-AD69ABF082BB}" presName="Name37" presStyleLbl="parChTrans1D3" presStyleIdx="0" presStyleCnt="14"/>
       <dgm:spPr/>
     </dgm:pt>
     <dgm:pt modelId="{EDBAEEB4-8A0E-4BE2-9FB0-1764D8491C39}" type="pres">
@@ -2111,7 +2098,7 @@
       <dgm:spPr/>
     </dgm:pt>
     <dgm:pt modelId="{5B5A2CFE-D8A2-4D10-A223-7C772AA3761E}" type="pres">
-      <dgm:prSet presAssocID="{E95B3E6E-F4B6-4A9A-ACC6-03B477B2366A}" presName="rootText" presStyleLbl="node3" presStyleIdx="0" presStyleCnt="15">
+      <dgm:prSet presAssocID="{E95B3E6E-F4B6-4A9A-ACC6-03B477B2366A}" presName="rootText" presStyleLbl="node3" presStyleIdx="0" presStyleCnt="14" custScaleY="119183" custLinFactNeighborX="12281" custLinFactNeighborY="3509">
         <dgm:presLayoutVars>
           <dgm:chPref val="3"/>
         </dgm:presLayoutVars>
@@ -2119,7 +2106,7 @@
       <dgm:spPr/>
     </dgm:pt>
     <dgm:pt modelId="{D1635F23-6BA6-420F-B347-F339D4FCB37A}" type="pres">
-      <dgm:prSet presAssocID="{E95B3E6E-F4B6-4A9A-ACC6-03B477B2366A}" presName="rootConnector" presStyleLbl="node3" presStyleIdx="0" presStyleCnt="15"/>
+      <dgm:prSet presAssocID="{E95B3E6E-F4B6-4A9A-ACC6-03B477B2366A}" presName="rootConnector" presStyleLbl="node3" presStyleIdx="0" presStyleCnt="14"/>
       <dgm:spPr/>
     </dgm:pt>
     <dgm:pt modelId="{A81D1323-823B-4F34-88D4-FBAAABEB7750}" type="pres">
@@ -2131,7 +2118,7 @@
       <dgm:spPr/>
     </dgm:pt>
     <dgm:pt modelId="{5AFF7517-EB29-4610-89B6-F3E090CBCBC7}" type="pres">
-      <dgm:prSet presAssocID="{AE14D9DA-5738-4C88-BCA9-129E5BCE7C19}" presName="Name37" presStyleLbl="parChTrans1D3" presStyleIdx="1" presStyleCnt="15"/>
+      <dgm:prSet presAssocID="{AE14D9DA-5738-4C88-BCA9-129E5BCE7C19}" presName="Name37" presStyleLbl="parChTrans1D3" presStyleIdx="1" presStyleCnt="14"/>
       <dgm:spPr/>
     </dgm:pt>
     <dgm:pt modelId="{E171953B-953A-46DE-924E-34637AE1B0A8}" type="pres">
@@ -2147,7 +2134,7 @@
       <dgm:spPr/>
     </dgm:pt>
     <dgm:pt modelId="{308F0DD8-1408-400B-82E9-CB3D609622DE}" type="pres">
-      <dgm:prSet presAssocID="{FBE8C648-DBEA-4440-A561-796DF248BE69}" presName="rootText" presStyleLbl="node3" presStyleIdx="1" presStyleCnt="15">
+      <dgm:prSet presAssocID="{FBE8C648-DBEA-4440-A561-796DF248BE69}" presName="rootText" presStyleLbl="node3" presStyleIdx="1" presStyleCnt="14" custScaleX="111841" custScaleY="119460">
         <dgm:presLayoutVars>
           <dgm:chPref val="3"/>
         </dgm:presLayoutVars>
@@ -2155,7 +2142,7 @@
       <dgm:spPr/>
     </dgm:pt>
     <dgm:pt modelId="{FE76E950-6410-41CC-B804-B55BA2E32DAC}" type="pres">
-      <dgm:prSet presAssocID="{FBE8C648-DBEA-4440-A561-796DF248BE69}" presName="rootConnector" presStyleLbl="node3" presStyleIdx="1" presStyleCnt="15"/>
+      <dgm:prSet presAssocID="{FBE8C648-DBEA-4440-A561-796DF248BE69}" presName="rootConnector" presStyleLbl="node3" presStyleIdx="1" presStyleCnt="14"/>
       <dgm:spPr/>
     </dgm:pt>
     <dgm:pt modelId="{22DB0C8A-F2D8-4B29-9C5E-FD9C047863D2}" type="pres">
@@ -2167,7 +2154,7 @@
       <dgm:spPr/>
     </dgm:pt>
     <dgm:pt modelId="{EFD0AB61-B32D-405D-B64D-49F23D49F0CE}" type="pres">
-      <dgm:prSet presAssocID="{AB325E58-1A60-4F10-8E80-262F09BC46C9}" presName="Name37" presStyleLbl="parChTrans1D3" presStyleIdx="2" presStyleCnt="15"/>
+      <dgm:prSet presAssocID="{AB325E58-1A60-4F10-8E80-262F09BC46C9}" presName="Name37" presStyleLbl="parChTrans1D3" presStyleIdx="2" presStyleCnt="14"/>
       <dgm:spPr/>
     </dgm:pt>
     <dgm:pt modelId="{BBE52911-0C50-4C97-A8C0-8E0323A4F92E}" type="pres">
@@ -2183,7 +2170,7 @@
       <dgm:spPr/>
     </dgm:pt>
     <dgm:pt modelId="{A11CF4DF-4582-472F-9953-7C13703AA3AE}" type="pres">
-      <dgm:prSet presAssocID="{2E3F007D-E604-456A-BFA9-0F1C1408CFF8}" presName="rootText" presStyleLbl="node3" presStyleIdx="2" presStyleCnt="15">
+      <dgm:prSet presAssocID="{2E3F007D-E604-456A-BFA9-0F1C1408CFF8}" presName="rootText" presStyleLbl="node3" presStyleIdx="2" presStyleCnt="14" custScaleX="128277" custScaleY="118579" custLinFactNeighborX="-8772" custLinFactNeighborY="3509">
         <dgm:presLayoutVars>
           <dgm:chPref val="3"/>
         </dgm:presLayoutVars>
@@ -2191,7 +2178,7 @@
       <dgm:spPr/>
     </dgm:pt>
     <dgm:pt modelId="{70094910-1505-4F8D-8C4E-07B41E2A6D4F}" type="pres">
-      <dgm:prSet presAssocID="{2E3F007D-E604-456A-BFA9-0F1C1408CFF8}" presName="rootConnector" presStyleLbl="node3" presStyleIdx="2" presStyleCnt="15"/>
+      <dgm:prSet presAssocID="{2E3F007D-E604-456A-BFA9-0F1C1408CFF8}" presName="rootConnector" presStyleLbl="node3" presStyleIdx="2" presStyleCnt="14"/>
       <dgm:spPr/>
     </dgm:pt>
     <dgm:pt modelId="{9FD60928-04D8-46DE-A380-631FB1B2FC00}" type="pres">
@@ -2215,7 +2202,7 @@
       <dgm:spPr/>
     </dgm:pt>
     <dgm:pt modelId="{49B00A58-B398-46D7-A3F4-D5A929224F79}" type="pres">
-      <dgm:prSet presAssocID="{8EC5C32E-DC49-4E7C-9CD4-D84AE8625971}" presName="rootText" presStyleLbl="node4" presStyleIdx="0" presStyleCnt="3" custScaleY="123559">
+      <dgm:prSet presAssocID="{8EC5C32E-DC49-4E7C-9CD4-D84AE8625971}" presName="rootText" presStyleLbl="node4" presStyleIdx="0" presStyleCnt="3" custScaleY="156378" custLinFactNeighborX="-7017">
         <dgm:presLayoutVars>
           <dgm:chPref val="3"/>
         </dgm:presLayoutVars>
@@ -2251,7 +2238,7 @@
       <dgm:spPr/>
     </dgm:pt>
     <dgm:pt modelId="{5D81A248-700D-4C8B-9866-4BDDF473C71D}" type="pres">
-      <dgm:prSet presAssocID="{16E11150-6742-402A-BAB5-092FF2FEFC20}" presName="rootText" presStyleLbl="node4" presStyleIdx="1" presStyleCnt="3" custScaleY="131875">
+      <dgm:prSet presAssocID="{16E11150-6742-402A-BAB5-092FF2FEFC20}" presName="rootText" presStyleLbl="node4" presStyleIdx="1" presStyleCnt="3" custScaleY="182895" custLinFactNeighborX="-8772" custLinFactNeighborY="-1754">
         <dgm:presLayoutVars>
           <dgm:chPref val="3"/>
         </dgm:presLayoutVars>
@@ -2287,7 +2274,7 @@
       <dgm:spPr/>
     </dgm:pt>
     <dgm:pt modelId="{C679B91D-3B93-4027-9D07-E7FFF0DDE787}" type="pres">
-      <dgm:prSet presAssocID="{89B35E07-409D-4740-A26B-245D6C7B7197}" presName="rootText" presStyleLbl="node4" presStyleIdx="2" presStyleCnt="3" custScaleY="122026">
+      <dgm:prSet presAssocID="{89B35E07-409D-4740-A26B-245D6C7B7197}" presName="rootText" presStyleLbl="node4" presStyleIdx="2" presStyleCnt="3" custScaleY="166199">
         <dgm:presLayoutVars>
           <dgm:chPref val="3"/>
         </dgm:presLayoutVars>
@@ -2347,7 +2334,7 @@
       <dgm:spPr/>
     </dgm:pt>
     <dgm:pt modelId="{7DDB132B-A4F8-48FE-810C-89A31529AF00}" type="pres">
-      <dgm:prSet presAssocID="{950CAF7C-2461-4E6B-B6FF-E08DE629537C}" presName="Name37" presStyleLbl="parChTrans1D3" presStyleIdx="3" presStyleCnt="15"/>
+      <dgm:prSet presAssocID="{950CAF7C-2461-4E6B-B6FF-E08DE629537C}" presName="Name37" presStyleLbl="parChTrans1D3" presStyleIdx="3" presStyleCnt="14"/>
       <dgm:spPr/>
     </dgm:pt>
     <dgm:pt modelId="{57590EC3-53BB-4C53-9DB6-F22937BAA231}" type="pres">
@@ -2363,7 +2350,7 @@
       <dgm:spPr/>
     </dgm:pt>
     <dgm:pt modelId="{AB595D8C-E7F7-4BFF-8A44-9D60162DED92}" type="pres">
-      <dgm:prSet presAssocID="{F678FEA9-D712-44FF-B03A-E47B93DD299E}" presName="rootText" presStyleLbl="node3" presStyleIdx="3" presStyleCnt="15" custScaleY="260280">
+      <dgm:prSet presAssocID="{F678FEA9-D712-44FF-B03A-E47B93DD299E}" presName="rootText" presStyleLbl="node3" presStyleIdx="3" presStyleCnt="14" custScaleY="449259">
         <dgm:presLayoutVars>
           <dgm:chPref val="3"/>
         </dgm:presLayoutVars>
@@ -2371,7 +2358,7 @@
       <dgm:spPr/>
     </dgm:pt>
     <dgm:pt modelId="{E3FE14C3-1868-400D-9348-792B937044CB}" type="pres">
-      <dgm:prSet presAssocID="{F678FEA9-D712-44FF-B03A-E47B93DD299E}" presName="rootConnector" presStyleLbl="node3" presStyleIdx="3" presStyleCnt="15"/>
+      <dgm:prSet presAssocID="{F678FEA9-D712-44FF-B03A-E47B93DD299E}" presName="rootConnector" presStyleLbl="node3" presStyleIdx="3" presStyleCnt="14"/>
       <dgm:spPr/>
     </dgm:pt>
     <dgm:pt modelId="{D3F8DFE7-A0EE-4063-A7F9-3FC8E8082601}" type="pres">
@@ -2380,42 +2367,6 @@
     </dgm:pt>
     <dgm:pt modelId="{0229598E-8333-4AB5-B7BB-7C309BC1312C}" type="pres">
       <dgm:prSet presAssocID="{F678FEA9-D712-44FF-B03A-E47B93DD299E}" presName="hierChild5" presStyleCnt="0"/>
-      <dgm:spPr/>
-    </dgm:pt>
-    <dgm:pt modelId="{9D4F16E2-AF61-4A4C-97D9-671FADA66045}" type="pres">
-      <dgm:prSet presAssocID="{D1B6B00D-5FBD-4ECC-A64D-8ED7131DC3C8}" presName="Name37" presStyleLbl="parChTrans1D3" presStyleIdx="4" presStyleCnt="15"/>
-      <dgm:spPr/>
-    </dgm:pt>
-    <dgm:pt modelId="{2B57A523-C0B5-4054-9E1D-20076420BE77}" type="pres">
-      <dgm:prSet presAssocID="{8AD961FB-8067-404A-A4C0-0D996631FE7D}" presName="hierRoot2" presStyleCnt="0">
-        <dgm:presLayoutVars>
-          <dgm:hierBranch val="init"/>
-        </dgm:presLayoutVars>
-      </dgm:prSet>
-      <dgm:spPr/>
-    </dgm:pt>
-    <dgm:pt modelId="{5DC4BAE8-E1BE-441B-AA94-3BB307499036}" type="pres">
-      <dgm:prSet presAssocID="{8AD961FB-8067-404A-A4C0-0D996631FE7D}" presName="rootComposite" presStyleCnt="0"/>
-      <dgm:spPr/>
-    </dgm:pt>
-    <dgm:pt modelId="{5F07E9E9-AE2F-4673-97B4-9AA55BEAA546}" type="pres">
-      <dgm:prSet presAssocID="{8AD961FB-8067-404A-A4C0-0D996631FE7D}" presName="rootText" presStyleLbl="node3" presStyleIdx="4" presStyleCnt="15" custScaleY="182287">
-        <dgm:presLayoutVars>
-          <dgm:chPref val="3"/>
-        </dgm:presLayoutVars>
-      </dgm:prSet>
-      <dgm:spPr/>
-    </dgm:pt>
-    <dgm:pt modelId="{F31392C9-E49E-4CE7-A5D2-4F993CBE7C17}" type="pres">
-      <dgm:prSet presAssocID="{8AD961FB-8067-404A-A4C0-0D996631FE7D}" presName="rootConnector" presStyleLbl="node3" presStyleIdx="4" presStyleCnt="15"/>
-      <dgm:spPr/>
-    </dgm:pt>
-    <dgm:pt modelId="{A9DC3469-1870-4408-B64A-BCB6DBA06E59}" type="pres">
-      <dgm:prSet presAssocID="{8AD961FB-8067-404A-A4C0-0D996631FE7D}" presName="hierChild4" presStyleCnt="0"/>
-      <dgm:spPr/>
-    </dgm:pt>
-    <dgm:pt modelId="{4F10847A-AAE6-4007-8A05-12D948234B61}" type="pres">
-      <dgm:prSet presAssocID="{8AD961FB-8067-404A-A4C0-0D996631FE7D}" presName="hierChild5" presStyleCnt="0"/>
       <dgm:spPr/>
     </dgm:pt>
     <dgm:pt modelId="{3A2D2C22-EBAA-4004-B70A-6169629333CD}" type="pres">
@@ -2463,7 +2414,7 @@
       <dgm:spPr/>
     </dgm:pt>
     <dgm:pt modelId="{485591B9-5708-47A2-BAA5-824FF6E2DD2F}" type="pres">
-      <dgm:prSet presAssocID="{A70C1F43-52FE-4363-8A29-E38B9E801940}" presName="Name37" presStyleLbl="parChTrans1D3" presStyleIdx="5" presStyleCnt="15"/>
+      <dgm:prSet presAssocID="{A70C1F43-52FE-4363-8A29-E38B9E801940}" presName="Name37" presStyleLbl="parChTrans1D3" presStyleIdx="4" presStyleCnt="14"/>
       <dgm:spPr/>
     </dgm:pt>
     <dgm:pt modelId="{ACC89364-EA04-4D2D-A80A-7A6EA994F7B2}" type="pres">
@@ -2479,7 +2430,7 @@
       <dgm:spPr/>
     </dgm:pt>
     <dgm:pt modelId="{22C5D4E4-B183-4908-A417-8AFC2ABB6675}" type="pres">
-      <dgm:prSet presAssocID="{1AA9336A-8F84-4E05-B5DA-FC298999BD02}" presName="rootText" presStyleLbl="node3" presStyleIdx="5" presStyleCnt="15" custScaleY="122245">
+      <dgm:prSet presAssocID="{1AA9336A-8F84-4E05-B5DA-FC298999BD02}" presName="rootText" presStyleLbl="node3" presStyleIdx="4" presStyleCnt="14" custScaleY="187853">
         <dgm:presLayoutVars>
           <dgm:chPref val="3"/>
         </dgm:presLayoutVars>
@@ -2487,7 +2438,7 @@
       <dgm:spPr/>
     </dgm:pt>
     <dgm:pt modelId="{8F75B651-F2DB-4771-A33F-AC230E15378D}" type="pres">
-      <dgm:prSet presAssocID="{1AA9336A-8F84-4E05-B5DA-FC298999BD02}" presName="rootConnector" presStyleLbl="node3" presStyleIdx="5" presStyleCnt="15"/>
+      <dgm:prSet presAssocID="{1AA9336A-8F84-4E05-B5DA-FC298999BD02}" presName="rootConnector" presStyleLbl="node3" presStyleIdx="4" presStyleCnt="14"/>
       <dgm:spPr/>
     </dgm:pt>
     <dgm:pt modelId="{24E9373F-B877-45D2-9A00-894A6B6A677B}" type="pres">
@@ -2499,7 +2450,7 @@
       <dgm:spPr/>
     </dgm:pt>
     <dgm:pt modelId="{779DDC95-C78F-47F2-827D-246A24C3D463}" type="pres">
-      <dgm:prSet presAssocID="{F06EC88D-9AEE-4503-BAE4-FF30A832FD7D}" presName="Name37" presStyleLbl="parChTrans1D3" presStyleIdx="6" presStyleCnt="15"/>
+      <dgm:prSet presAssocID="{F06EC88D-9AEE-4503-BAE4-FF30A832FD7D}" presName="Name37" presStyleLbl="parChTrans1D3" presStyleIdx="5" presStyleCnt="14"/>
       <dgm:spPr/>
     </dgm:pt>
     <dgm:pt modelId="{CE8BEA3C-1AEB-4CE0-B09A-2B33D8DE115C}" type="pres">
@@ -2515,7 +2466,7 @@
       <dgm:spPr/>
     </dgm:pt>
     <dgm:pt modelId="{5A053106-4DC6-4069-98DF-7CCE0F31AF65}" type="pres">
-      <dgm:prSet presAssocID="{C49A89BA-FEBB-4221-B546-3FCF4E260CEE}" presName="rootText" presStyleLbl="node3" presStyleIdx="6" presStyleCnt="15" custScaleY="132974">
+      <dgm:prSet presAssocID="{C49A89BA-FEBB-4221-B546-3FCF4E260CEE}" presName="rootText" presStyleLbl="node3" presStyleIdx="5" presStyleCnt="14" custScaleY="162079">
         <dgm:presLayoutVars>
           <dgm:chPref val="3"/>
         </dgm:presLayoutVars>
@@ -2523,7 +2474,7 @@
       <dgm:spPr/>
     </dgm:pt>
     <dgm:pt modelId="{D032EA75-E7E4-495D-BF2B-F6AB2780B1CD}" type="pres">
-      <dgm:prSet presAssocID="{C49A89BA-FEBB-4221-B546-3FCF4E260CEE}" presName="rootConnector" presStyleLbl="node3" presStyleIdx="6" presStyleCnt="15"/>
+      <dgm:prSet presAssocID="{C49A89BA-FEBB-4221-B546-3FCF4E260CEE}" presName="rootConnector" presStyleLbl="node3" presStyleIdx="5" presStyleCnt="14"/>
       <dgm:spPr/>
     </dgm:pt>
     <dgm:pt modelId="{B6A0AF89-1E94-40C9-9FD9-4D6A2FF74AF0}" type="pres">
@@ -2555,7 +2506,7 @@
       <dgm:spPr/>
     </dgm:pt>
     <dgm:pt modelId="{C3614074-BE64-4719-8F4C-2795D39F0663}" type="pres">
-      <dgm:prSet presAssocID="{3393CED3-3F25-46DA-9851-DCBC919C8ABB}" presName="rootText" presStyleLbl="node2" presStyleIdx="3" presStyleCnt="7">
+      <dgm:prSet presAssocID="{3393CED3-3F25-46DA-9851-DCBC919C8ABB}" presName="rootText" presStyleLbl="node2" presStyleIdx="3" presStyleCnt="7" custScaleX="109110">
         <dgm:presLayoutVars>
           <dgm:chPref val="3"/>
         </dgm:presLayoutVars>
@@ -2579,7 +2530,7 @@
       <dgm:spPr/>
     </dgm:pt>
     <dgm:pt modelId="{494C062B-A136-488A-92E0-72A9B999A4C7}" type="pres">
-      <dgm:prSet presAssocID="{F5CC9385-3F68-4461-A3D4-D990CBA25D9C}" presName="Name37" presStyleLbl="parChTrans1D3" presStyleIdx="7" presStyleCnt="15"/>
+      <dgm:prSet presAssocID="{F5CC9385-3F68-4461-A3D4-D990CBA25D9C}" presName="Name37" presStyleLbl="parChTrans1D3" presStyleIdx="6" presStyleCnt="14"/>
       <dgm:spPr/>
     </dgm:pt>
     <dgm:pt modelId="{0BD6E2AC-8758-4C74-B0D1-B2400357E9B4}" type="pres">
@@ -2595,7 +2546,7 @@
       <dgm:spPr/>
     </dgm:pt>
     <dgm:pt modelId="{98A4BD74-F07E-470E-BABA-EA955F4355E8}" type="pres">
-      <dgm:prSet presAssocID="{16B24D9E-3B96-47CF-AB63-B7EAE10F94C9}" presName="rootText" presStyleLbl="node3" presStyleIdx="7" presStyleCnt="15" custScaleY="158815">
+      <dgm:prSet presAssocID="{16B24D9E-3B96-47CF-AB63-B7EAE10F94C9}" presName="rootText" presStyleLbl="node3" presStyleIdx="6" presStyleCnt="14" custScaleY="188151">
         <dgm:presLayoutVars>
           <dgm:chPref val="3"/>
         </dgm:presLayoutVars>
@@ -2603,7 +2554,7 @@
       <dgm:spPr/>
     </dgm:pt>
     <dgm:pt modelId="{1AEA9C5E-E176-4070-92BF-AF000A600440}" type="pres">
-      <dgm:prSet presAssocID="{16B24D9E-3B96-47CF-AB63-B7EAE10F94C9}" presName="rootConnector" presStyleLbl="node3" presStyleIdx="7" presStyleCnt="15"/>
+      <dgm:prSet presAssocID="{16B24D9E-3B96-47CF-AB63-B7EAE10F94C9}" presName="rootConnector" presStyleLbl="node3" presStyleIdx="6" presStyleCnt="14"/>
       <dgm:spPr/>
     </dgm:pt>
     <dgm:pt modelId="{B3558CCC-BFC3-4DC3-9497-866EB41304E7}" type="pres">
@@ -2615,7 +2566,7 @@
       <dgm:spPr/>
     </dgm:pt>
     <dgm:pt modelId="{F47E7DFE-6025-479F-8924-BD5F0FBB723B}" type="pres">
-      <dgm:prSet presAssocID="{078A9EF8-7DC1-4C04-9CD5-6645FB548397}" presName="Name37" presStyleLbl="parChTrans1D3" presStyleIdx="8" presStyleCnt="15"/>
+      <dgm:prSet presAssocID="{078A9EF8-7DC1-4C04-9CD5-6645FB548397}" presName="Name37" presStyleLbl="parChTrans1D3" presStyleIdx="7" presStyleCnt="14"/>
       <dgm:spPr/>
     </dgm:pt>
     <dgm:pt modelId="{7F18BD66-07E0-4090-9FF9-96E10ECC7E1F}" type="pres">
@@ -2631,7 +2582,7 @@
       <dgm:spPr/>
     </dgm:pt>
     <dgm:pt modelId="{99227BDC-C259-45D0-A460-2210C1707885}" type="pres">
-      <dgm:prSet presAssocID="{775415AE-F9F6-4E93-B43E-75133F887C0A}" presName="rootText" presStyleLbl="node3" presStyleIdx="8" presStyleCnt="15" custScaleY="131865">
+      <dgm:prSet presAssocID="{775415AE-F9F6-4E93-B43E-75133F887C0A}" presName="rootText" presStyleLbl="node3" presStyleIdx="7" presStyleCnt="14" custScaleY="213810">
         <dgm:presLayoutVars>
           <dgm:chPref val="3"/>
         </dgm:presLayoutVars>
@@ -2639,7 +2590,7 @@
       <dgm:spPr/>
     </dgm:pt>
     <dgm:pt modelId="{3AC4ACA7-B183-438B-87DD-D51302E58CDD}" type="pres">
-      <dgm:prSet presAssocID="{775415AE-F9F6-4E93-B43E-75133F887C0A}" presName="rootConnector" presStyleLbl="node3" presStyleIdx="8" presStyleCnt="15"/>
+      <dgm:prSet presAssocID="{775415AE-F9F6-4E93-B43E-75133F887C0A}" presName="rootConnector" presStyleLbl="node3" presStyleIdx="7" presStyleCnt="14"/>
       <dgm:spPr/>
     </dgm:pt>
     <dgm:pt modelId="{73E93A0D-5A86-4FD1-98CC-73E3CB6503C6}" type="pres">
@@ -2651,7 +2602,7 @@
       <dgm:spPr/>
     </dgm:pt>
     <dgm:pt modelId="{AE778A62-DDF5-4A28-AC93-5293E77B3641}" type="pres">
-      <dgm:prSet presAssocID="{240259B6-DBFB-4919-9DDE-5CAF113EE454}" presName="Name37" presStyleLbl="parChTrans1D3" presStyleIdx="9" presStyleCnt="15"/>
+      <dgm:prSet presAssocID="{240259B6-DBFB-4919-9DDE-5CAF113EE454}" presName="Name37" presStyleLbl="parChTrans1D3" presStyleIdx="8" presStyleCnt="14"/>
       <dgm:spPr/>
     </dgm:pt>
     <dgm:pt modelId="{32B4A313-EB99-4D54-82C9-1D97568DBB4F}" type="pres">
@@ -2667,7 +2618,7 @@
       <dgm:spPr/>
     </dgm:pt>
     <dgm:pt modelId="{47A8CFEC-4A04-4D93-9934-806CA3DCC72D}" type="pres">
-      <dgm:prSet presAssocID="{CFBD6630-C7B3-41D5-A79C-D56203F6493D}" presName="rootText" presStyleLbl="node3" presStyleIdx="9" presStyleCnt="15" custScaleY="137868">
+      <dgm:prSet presAssocID="{CFBD6630-C7B3-41D5-A79C-D56203F6493D}" presName="rootText" presStyleLbl="node3" presStyleIdx="8" presStyleCnt="14" custScaleY="203394">
         <dgm:presLayoutVars>
           <dgm:chPref val="3"/>
         </dgm:presLayoutVars>
@@ -2675,7 +2626,7 @@
       <dgm:spPr/>
     </dgm:pt>
     <dgm:pt modelId="{DFA7A816-55DD-44E3-8D4E-7E58D086312E}" type="pres">
-      <dgm:prSet presAssocID="{CFBD6630-C7B3-41D5-A79C-D56203F6493D}" presName="rootConnector" presStyleLbl="node3" presStyleIdx="9" presStyleCnt="15"/>
+      <dgm:prSet presAssocID="{CFBD6630-C7B3-41D5-A79C-D56203F6493D}" presName="rootConnector" presStyleLbl="node3" presStyleIdx="8" presStyleCnt="14"/>
       <dgm:spPr/>
     </dgm:pt>
     <dgm:pt modelId="{5FF2D378-CDAF-4A7E-BB2A-5ED9A40068D4}" type="pres">
@@ -2707,7 +2658,7 @@
       <dgm:spPr/>
     </dgm:pt>
     <dgm:pt modelId="{232BC1A4-5D42-4608-9C98-C1F86B699B19}" type="pres">
-      <dgm:prSet presAssocID="{7164FFB0-612A-4C9C-85D5-FA047A1EF429}" presName="rootText" presStyleLbl="node2" presStyleIdx="4" presStyleCnt="7">
+      <dgm:prSet presAssocID="{7164FFB0-612A-4C9C-85D5-FA047A1EF429}" presName="rootText" presStyleLbl="node2" presStyleIdx="4" presStyleCnt="7" custScaleX="114051">
         <dgm:presLayoutVars>
           <dgm:chPref val="3"/>
         </dgm:presLayoutVars>
@@ -2723,7 +2674,7 @@
       <dgm:spPr/>
     </dgm:pt>
     <dgm:pt modelId="{E563C1B3-C7EE-4AD2-9F4B-603C2E17D74F}" type="pres">
-      <dgm:prSet presAssocID="{8C9DE4D2-EFEE-46A7-BC53-8D203C90ACF8}" presName="Name37" presStyleLbl="parChTrans1D3" presStyleIdx="10" presStyleCnt="15"/>
+      <dgm:prSet presAssocID="{8C9DE4D2-EFEE-46A7-BC53-8D203C90ACF8}" presName="Name37" presStyleLbl="parChTrans1D3" presStyleIdx="9" presStyleCnt="14"/>
       <dgm:spPr/>
     </dgm:pt>
     <dgm:pt modelId="{92B93AD6-EA80-4560-968E-2CE20A12AA52}" type="pres">
@@ -2739,7 +2690,7 @@
       <dgm:spPr/>
     </dgm:pt>
     <dgm:pt modelId="{FE752E61-95AF-4158-9A59-C0E65CA926C8}" type="pres">
-      <dgm:prSet presAssocID="{865D5362-C4FA-4F2A-AA5C-076A123F6009}" presName="rootText" presStyleLbl="node3" presStyleIdx="10" presStyleCnt="15" custScaleY="156155">
+      <dgm:prSet presAssocID="{865D5362-C4FA-4F2A-AA5C-076A123F6009}" presName="rootText" presStyleLbl="node3" presStyleIdx="9" presStyleCnt="14" custScaleY="187490">
         <dgm:presLayoutVars>
           <dgm:chPref val="3"/>
         </dgm:presLayoutVars>
@@ -2747,7 +2698,7 @@
       <dgm:spPr/>
     </dgm:pt>
     <dgm:pt modelId="{5C63C944-FC6E-4491-A583-BB5782D6FF33}" type="pres">
-      <dgm:prSet presAssocID="{865D5362-C4FA-4F2A-AA5C-076A123F6009}" presName="rootConnector" presStyleLbl="node3" presStyleIdx="10" presStyleCnt="15"/>
+      <dgm:prSet presAssocID="{865D5362-C4FA-4F2A-AA5C-076A123F6009}" presName="rootConnector" presStyleLbl="node3" presStyleIdx="9" presStyleCnt="14"/>
       <dgm:spPr/>
     </dgm:pt>
     <dgm:pt modelId="{8F77C9DC-93E5-4B70-8592-43A34760BCCA}" type="pres">
@@ -2759,7 +2710,7 @@
       <dgm:spPr/>
     </dgm:pt>
     <dgm:pt modelId="{AC6F3EE0-ECEB-4902-A1BA-0E280E64D26A}" type="pres">
-      <dgm:prSet presAssocID="{6722DE6D-A4F9-48BE-A36B-8AE76FC8E0DC}" presName="Name37" presStyleLbl="parChTrans1D3" presStyleIdx="11" presStyleCnt="15"/>
+      <dgm:prSet presAssocID="{6722DE6D-A4F9-48BE-A36B-8AE76FC8E0DC}" presName="Name37" presStyleLbl="parChTrans1D3" presStyleIdx="10" presStyleCnt="14"/>
       <dgm:spPr/>
     </dgm:pt>
     <dgm:pt modelId="{5A725BB3-CCBE-473D-AFD0-447140D52D05}" type="pres">
@@ -2775,7 +2726,7 @@
       <dgm:spPr/>
     </dgm:pt>
     <dgm:pt modelId="{91098537-C4A3-489F-9CB3-D301620B7E77}" type="pres">
-      <dgm:prSet presAssocID="{5CF5E847-3D4A-4422-9636-3A118E07766D}" presName="rootText" presStyleLbl="node3" presStyleIdx="11" presStyleCnt="15" custScaleY="157371">
+      <dgm:prSet presAssocID="{5CF5E847-3D4A-4422-9636-3A118E07766D}" presName="rootText" presStyleLbl="node3" presStyleIdx="10" presStyleCnt="14" custScaleY="206715">
         <dgm:presLayoutVars>
           <dgm:chPref val="3"/>
         </dgm:presLayoutVars>
@@ -2783,7 +2734,7 @@
       <dgm:spPr/>
     </dgm:pt>
     <dgm:pt modelId="{4EAC9CA8-B42C-4FF0-8229-812721E7DA3E}" type="pres">
-      <dgm:prSet presAssocID="{5CF5E847-3D4A-4422-9636-3A118E07766D}" presName="rootConnector" presStyleLbl="node3" presStyleIdx="11" presStyleCnt="15"/>
+      <dgm:prSet presAssocID="{5CF5E847-3D4A-4422-9636-3A118E07766D}" presName="rootConnector" presStyleLbl="node3" presStyleIdx="10" presStyleCnt="14"/>
       <dgm:spPr/>
     </dgm:pt>
     <dgm:pt modelId="{C8CCCC43-5C61-4196-9B57-C08913929A34}" type="pres">
@@ -2815,7 +2766,7 @@
       <dgm:spPr/>
     </dgm:pt>
     <dgm:pt modelId="{CAA2CAD7-F6F3-4272-8434-87A293491845}" type="pres">
-      <dgm:prSet presAssocID="{D7AF68C1-A051-4FDD-AD7F-5CC5EFCD0C5F}" presName="rootText" presStyleLbl="node2" presStyleIdx="5" presStyleCnt="7">
+      <dgm:prSet presAssocID="{D7AF68C1-A051-4FDD-AD7F-5CC5EFCD0C5F}" presName="rootText" presStyleLbl="node2" presStyleIdx="5" presStyleCnt="7" custScaleX="117932">
         <dgm:presLayoutVars>
           <dgm:chPref val="3"/>
         </dgm:presLayoutVars>
@@ -2831,7 +2782,7 @@
       <dgm:spPr/>
     </dgm:pt>
     <dgm:pt modelId="{D5D8680C-1E5D-4829-80FC-4C5F482CA7B4}" type="pres">
-      <dgm:prSet presAssocID="{0EDE459A-66FC-4014-A666-96497C7A4E8A}" presName="Name37" presStyleLbl="parChTrans1D3" presStyleIdx="12" presStyleCnt="15"/>
+      <dgm:prSet presAssocID="{0EDE459A-66FC-4014-A666-96497C7A4E8A}" presName="Name37" presStyleLbl="parChTrans1D3" presStyleIdx="11" presStyleCnt="14"/>
       <dgm:spPr/>
     </dgm:pt>
     <dgm:pt modelId="{43882B16-ED98-43B1-99FC-50FFE490D493}" type="pres">
@@ -2847,7 +2798,7 @@
       <dgm:spPr/>
     </dgm:pt>
     <dgm:pt modelId="{8BFCFC47-56C4-415E-8026-CC4EC0F7A329}" type="pres">
-      <dgm:prSet presAssocID="{2EB1F0B3-14EE-4818-9AF9-A40D705ED5F2}" presName="rootText" presStyleLbl="node3" presStyleIdx="12" presStyleCnt="15" custScaleY="116549">
+      <dgm:prSet presAssocID="{2EB1F0B3-14EE-4818-9AF9-A40D705ED5F2}" presName="rootText" presStyleLbl="node3" presStyleIdx="11" presStyleCnt="14" custScaleY="213687">
         <dgm:presLayoutVars>
           <dgm:chPref val="3"/>
         </dgm:presLayoutVars>
@@ -2855,7 +2806,7 @@
       <dgm:spPr/>
     </dgm:pt>
     <dgm:pt modelId="{B209973E-5613-4E4A-8599-D51EEF644DA9}" type="pres">
-      <dgm:prSet presAssocID="{2EB1F0B3-14EE-4818-9AF9-A40D705ED5F2}" presName="rootConnector" presStyleLbl="node3" presStyleIdx="12" presStyleCnt="15"/>
+      <dgm:prSet presAssocID="{2EB1F0B3-14EE-4818-9AF9-A40D705ED5F2}" presName="rootConnector" presStyleLbl="node3" presStyleIdx="11" presStyleCnt="14"/>
       <dgm:spPr/>
     </dgm:pt>
     <dgm:pt modelId="{08FE092E-DD68-4378-952E-C78B014B8A7E}" type="pres">
@@ -2867,7 +2818,7 @@
       <dgm:spPr/>
     </dgm:pt>
     <dgm:pt modelId="{271C0A07-6260-4A81-8AAD-B97A863C6C27}" type="pres">
-      <dgm:prSet presAssocID="{5F9E29BB-E5A1-4807-BBED-59E86755BB27}" presName="Name37" presStyleLbl="parChTrans1D3" presStyleIdx="13" presStyleCnt="15"/>
+      <dgm:prSet presAssocID="{5F9E29BB-E5A1-4807-BBED-59E86755BB27}" presName="Name37" presStyleLbl="parChTrans1D3" presStyleIdx="12" presStyleCnt="14"/>
       <dgm:spPr/>
     </dgm:pt>
     <dgm:pt modelId="{1375302C-6960-48E6-AAEE-0E1504071A9F}" type="pres">
@@ -2883,7 +2834,7 @@
       <dgm:spPr/>
     </dgm:pt>
     <dgm:pt modelId="{B326573B-B8B2-401F-B6D7-2226BB443445}" type="pres">
-      <dgm:prSet presAssocID="{1CBD54AD-199B-41F4-A56A-B83E1100B10F}" presName="rootText" presStyleLbl="node3" presStyleIdx="13" presStyleCnt="15">
+      <dgm:prSet presAssocID="{1CBD54AD-199B-41F4-A56A-B83E1100B10F}" presName="rootText" presStyleLbl="node3" presStyleIdx="12" presStyleCnt="14" custScaleY="170822">
         <dgm:presLayoutVars>
           <dgm:chPref val="3"/>
         </dgm:presLayoutVars>
@@ -2891,7 +2842,7 @@
       <dgm:spPr/>
     </dgm:pt>
     <dgm:pt modelId="{70BD551B-CB6F-4DE0-9E89-BC264BBFB06B}" type="pres">
-      <dgm:prSet presAssocID="{1CBD54AD-199B-41F4-A56A-B83E1100B10F}" presName="rootConnector" presStyleLbl="node3" presStyleIdx="13" presStyleCnt="15"/>
+      <dgm:prSet presAssocID="{1CBD54AD-199B-41F4-A56A-B83E1100B10F}" presName="rootConnector" presStyleLbl="node3" presStyleIdx="12" presStyleCnt="14"/>
       <dgm:spPr/>
     </dgm:pt>
     <dgm:pt modelId="{9B40011A-5AD4-4AE3-AF1C-1386AF7F27EE}" type="pres">
@@ -2923,7 +2874,7 @@
       <dgm:spPr/>
     </dgm:pt>
     <dgm:pt modelId="{4D11E440-8D50-47A5-ACC1-F96AD06F61D5}" type="pres">
-      <dgm:prSet presAssocID="{5082563B-6E32-431B-B101-7F7DC0EA5AEC}" presName="rootText" presStyleLbl="node2" presStyleIdx="6" presStyleCnt="7">
+      <dgm:prSet presAssocID="{5082563B-6E32-431B-B101-7F7DC0EA5AEC}" presName="rootText" presStyleLbl="node2" presStyleIdx="6" presStyleCnt="7" custScaleX="115391">
         <dgm:presLayoutVars>
           <dgm:chPref val="3"/>
         </dgm:presLayoutVars>
@@ -2939,7 +2890,7 @@
       <dgm:spPr/>
     </dgm:pt>
     <dgm:pt modelId="{0EC0C316-9124-498C-8D07-5534CAC3828F}" type="pres">
-      <dgm:prSet presAssocID="{914CE761-5665-4E8B-A42C-980CA1452463}" presName="Name37" presStyleLbl="parChTrans1D3" presStyleIdx="14" presStyleCnt="15"/>
+      <dgm:prSet presAssocID="{914CE761-5665-4E8B-A42C-980CA1452463}" presName="Name37" presStyleLbl="parChTrans1D3" presStyleIdx="13" presStyleCnt="14"/>
       <dgm:spPr/>
     </dgm:pt>
     <dgm:pt modelId="{E6FF80CC-054A-40F6-ABCA-651E74D00C00}" type="pres">
@@ -2955,7 +2906,7 @@
       <dgm:spPr/>
     </dgm:pt>
     <dgm:pt modelId="{35230603-A411-4B6C-B4C9-3745E89C0DDE}" type="pres">
-      <dgm:prSet presAssocID="{423DA2F3-8E29-4E37-B519-E45E3F027535}" presName="rootText" presStyleLbl="node3" presStyleIdx="14" presStyleCnt="15" custScaleY="123208">
+      <dgm:prSet presAssocID="{423DA2F3-8E29-4E37-B519-E45E3F027535}" presName="rootText" presStyleLbl="node3" presStyleIdx="13" presStyleCnt="14" custScaleY="190549" custLinFactNeighborX="-9649">
         <dgm:presLayoutVars>
           <dgm:chPref val="3"/>
         </dgm:presLayoutVars>
@@ -2963,7 +2914,7 @@
       <dgm:spPr/>
     </dgm:pt>
     <dgm:pt modelId="{17FA0A26-46B8-4784-AB79-2242AE18C577}" type="pres">
-      <dgm:prSet presAssocID="{423DA2F3-8E29-4E37-B519-E45E3F027535}" presName="rootConnector" presStyleLbl="node3" presStyleIdx="14" presStyleCnt="15"/>
+      <dgm:prSet presAssocID="{423DA2F3-8E29-4E37-B519-E45E3F027535}" presName="rootConnector" presStyleLbl="node3" presStyleIdx="13" presStyleCnt="14"/>
       <dgm:spPr/>
     </dgm:pt>
     <dgm:pt modelId="{DA3C7F52-BB33-48DA-A9C2-7DC1C7CC88A8}" type="pres">
@@ -3003,7 +2954,6 @@
     <dgm:cxn modelId="{54AA4A2E-91E4-45E2-9364-DFE9BAFA8147}" type="presOf" srcId="{5CF5E847-3D4A-4422-9636-3A118E07766D}" destId="{4EAC9CA8-B42C-4FF0-8229-812721E7DA3E}" srcOrd="1" destOrd="0" presId="urn:microsoft.com/office/officeart/2005/8/layout/orgChart1"/>
     <dgm:cxn modelId="{3C6E392F-7A20-4DE4-AAB9-9D7E8A5D82B2}" type="presOf" srcId="{FBE8C648-DBEA-4440-A561-796DF248BE69}" destId="{FE76E950-6410-41CC-B804-B55BA2E32DAC}" srcOrd="1" destOrd="0" presId="urn:microsoft.com/office/officeart/2005/8/layout/orgChart1"/>
     <dgm:cxn modelId="{65DA2C33-C188-4AA3-A629-4C5031F5C350}" type="presOf" srcId="{685737CF-67AA-48C0-B251-9E42C69348CF}" destId="{520D2C64-044E-4AE5-9052-90F1A25D6BCA}" srcOrd="0" destOrd="0" presId="urn:microsoft.com/office/officeart/2005/8/layout/orgChart1"/>
-    <dgm:cxn modelId="{C6692437-57E5-4D2E-80DB-B43B025F5919}" type="presOf" srcId="{D1B6B00D-5FBD-4ECC-A64D-8ED7131DC3C8}" destId="{9D4F16E2-AF61-4A4C-97D9-671FADA66045}" srcOrd="0" destOrd="0" presId="urn:microsoft.com/office/officeart/2005/8/layout/orgChart1"/>
     <dgm:cxn modelId="{A96EB039-9E94-4601-8525-59FF637EB88D}" type="presOf" srcId="{E2404425-DF5A-4900-AC6B-AD69ABF082BB}" destId="{CE57E79B-91A1-45D9-9054-4AA806126F70}" srcOrd="0" destOrd="0" presId="urn:microsoft.com/office/officeart/2005/8/layout/orgChart1"/>
     <dgm:cxn modelId="{7BFF733A-1567-4A8D-AE97-C4194B2A1F9F}" srcId="{DD283DBF-7238-4196-A281-ED2CE3A0B825}" destId="{1AA9336A-8F84-4E05-B5DA-FC298999BD02}" srcOrd="0" destOrd="0" parTransId="{A70C1F43-52FE-4363-8A29-E38B9E801940}" sibTransId="{25D285C3-27E4-4879-B208-51538971B042}"/>
     <dgm:cxn modelId="{2DC31F3F-FB90-44EE-8F1A-265ED0FD8FEC}" type="presOf" srcId="{950CAF7C-2461-4E6B-B6FF-E08DE629537C}" destId="{7DDB132B-A4F8-48FE-810C-89A31529AF00}" srcOrd="0" destOrd="0" presId="urn:microsoft.com/office/officeart/2005/8/layout/orgChart1"/>
@@ -3073,12 +3023,9 @@
     <dgm:cxn modelId="{4E301ADE-ECDC-4F49-9683-844FC0E4593D}" srcId="{3393CED3-3F25-46DA-9851-DCBC919C8ABB}" destId="{16B24D9E-3B96-47CF-AB63-B7EAE10F94C9}" srcOrd="0" destOrd="0" parTransId="{F5CC9385-3F68-4461-A3D4-D990CBA25D9C}" sibTransId="{B2BDBF7D-72C7-4DB8-9263-0B10B0CA4E56}"/>
     <dgm:cxn modelId="{F0824BDE-3630-478F-923D-EA62DA35C14E}" type="presOf" srcId="{078A9EF8-7DC1-4C04-9CD5-6645FB548397}" destId="{F47E7DFE-6025-479F-8924-BD5F0FBB723B}" srcOrd="0" destOrd="0" presId="urn:microsoft.com/office/officeart/2005/8/layout/orgChart1"/>
     <dgm:cxn modelId="{32B5E4DE-7ABC-4BA0-8DBA-E47E279D158C}" type="presOf" srcId="{0942F559-9E1E-412A-90DE-E72F4AA612A3}" destId="{D6D5100B-E9EA-4C6D-B08C-2F1A1B0007AB}" srcOrd="0" destOrd="0" presId="urn:microsoft.com/office/officeart/2005/8/layout/orgChart1"/>
-    <dgm:cxn modelId="{4ED364DF-9193-4A60-8BAE-438F74B1E6C8}" type="presOf" srcId="{8AD961FB-8067-404A-A4C0-0D996631FE7D}" destId="{F31392C9-E49E-4CE7-A5D2-4F993CBE7C17}" srcOrd="1" destOrd="0" presId="urn:microsoft.com/office/officeart/2005/8/layout/orgChart1"/>
-    <dgm:cxn modelId="{4054C0DF-BACD-4ABD-842F-DF21AC9A5ADE}" type="presOf" srcId="{8AD961FB-8067-404A-A4C0-0D996631FE7D}" destId="{5F07E9E9-AE2F-4673-97B4-9AA55BEAA546}" srcOrd="0" destOrd="0" presId="urn:microsoft.com/office/officeart/2005/8/layout/orgChart1"/>
     <dgm:cxn modelId="{1671A4E1-EC4C-4E2A-8A61-CED36D25E3E7}" srcId="{D7AF68C1-A051-4FDD-AD7F-5CC5EFCD0C5F}" destId="{1CBD54AD-199B-41F4-A56A-B83E1100B10F}" srcOrd="1" destOrd="0" parTransId="{5F9E29BB-E5A1-4807-BBED-59E86755BB27}" sibTransId="{82002884-55BE-4AB7-A3E2-F6DA6B9C3336}"/>
     <dgm:cxn modelId="{A4B1E4E2-8EA7-4071-9D08-5CAC66F69430}" srcId="{2E3F007D-E604-456A-BFA9-0F1C1408CFF8}" destId="{16E11150-6742-402A-BAB5-092FF2FEFC20}" srcOrd="1" destOrd="0" parTransId="{F9D4094C-89B1-4093-B9AB-53BDFF585FF3}" sibTransId="{BA2143E9-6C7E-460B-8711-C229E13FFBED}"/>
     <dgm:cxn modelId="{23ABF6E5-8F12-450C-9FBE-12C31952DAE6}" srcId="{3D3E6FCA-8AEE-411D-A4E1-ACE6C7D8F9E3}" destId="{3393CED3-3F25-46DA-9851-DCBC919C8ABB}" srcOrd="3" destOrd="0" parTransId="{685737CF-67AA-48C0-B251-9E42C69348CF}" sibTransId="{CC4AD53B-4B44-4C73-B6E6-CAE3EB22815C}"/>
-    <dgm:cxn modelId="{8CE351E8-C473-4E7B-B966-8EB38B7D3EFE}" srcId="{46948CF3-05E0-42E2-A61A-CBFEED5B9BF3}" destId="{8AD961FB-8067-404A-A4C0-0D996631FE7D}" srcOrd="1" destOrd="0" parTransId="{D1B6B00D-5FBD-4ECC-A64D-8ED7131DC3C8}" sibTransId="{A1183AC8-4D51-42F6-94E0-3EF06AAE3CC3}"/>
     <dgm:cxn modelId="{CAF0BCE8-53C2-4FF3-B19E-54ABA0DF6242}" type="presOf" srcId="{F9D4094C-89B1-4093-B9AB-53BDFF585FF3}" destId="{DF1A49CA-C4C6-4CC3-BD0A-E3EE3F60F4B9}" srcOrd="0" destOrd="0" presId="urn:microsoft.com/office/officeart/2005/8/layout/orgChart1"/>
     <dgm:cxn modelId="{95E9E0E8-6B16-4BDE-A6C8-1404C3808838}" type="presOf" srcId="{B2F4B0F2-6F26-4578-AD95-3D8619D80688}" destId="{FB260E04-35B6-4E8C-83AC-FB6F2C8E4EFD}" srcOrd="0" destOrd="0" presId="urn:microsoft.com/office/officeart/2005/8/layout/orgChart1"/>
     <dgm:cxn modelId="{24EEFAE9-1C5D-42D1-A0D6-CC278C823140}" type="presOf" srcId="{40BD90D1-3943-4EB3-906D-84CDCE6C80CD}" destId="{B18747D8-A8AC-417D-B464-BDA8C868E1C1}" srcOrd="0" destOrd="0" presId="urn:microsoft.com/office/officeart/2005/8/layout/orgChart1"/>
@@ -3155,13 +3102,6 @@
     <dgm:cxn modelId="{2B956FEB-1716-476A-9A66-E0F419C0954E}" type="presParOf" srcId="{3A099E5D-1279-4E46-A4CE-375B05FC46F9}" destId="{E3FE14C3-1868-400D-9348-792B937044CB}" srcOrd="1" destOrd="0" presId="urn:microsoft.com/office/officeart/2005/8/layout/orgChart1"/>
     <dgm:cxn modelId="{6B59BEA3-9524-4ED5-93E8-611F030284FC}" type="presParOf" srcId="{57590EC3-53BB-4C53-9DB6-F22937BAA231}" destId="{D3F8DFE7-A0EE-4063-A7F9-3FC8E8082601}" srcOrd="1" destOrd="0" presId="urn:microsoft.com/office/officeart/2005/8/layout/orgChart1"/>
     <dgm:cxn modelId="{F780E5CF-6D98-472C-A9C0-E633F8837369}" type="presParOf" srcId="{57590EC3-53BB-4C53-9DB6-F22937BAA231}" destId="{0229598E-8333-4AB5-B7BB-7C309BC1312C}" srcOrd="2" destOrd="0" presId="urn:microsoft.com/office/officeart/2005/8/layout/orgChart1"/>
-    <dgm:cxn modelId="{7A5A526A-65A7-4E12-9AFB-FD4216EC99BA}" type="presParOf" srcId="{B860504E-2354-42C8-B02D-D2E80A98164F}" destId="{9D4F16E2-AF61-4A4C-97D9-671FADA66045}" srcOrd="2" destOrd="0" presId="urn:microsoft.com/office/officeart/2005/8/layout/orgChart1"/>
-    <dgm:cxn modelId="{68EFA781-8EC9-48F0-B5C0-44FAF9B2FAAE}" type="presParOf" srcId="{B860504E-2354-42C8-B02D-D2E80A98164F}" destId="{2B57A523-C0B5-4054-9E1D-20076420BE77}" srcOrd="3" destOrd="0" presId="urn:microsoft.com/office/officeart/2005/8/layout/orgChart1"/>
-    <dgm:cxn modelId="{144C8279-B8C7-4082-8360-D10C3D185109}" type="presParOf" srcId="{2B57A523-C0B5-4054-9E1D-20076420BE77}" destId="{5DC4BAE8-E1BE-441B-AA94-3BB307499036}" srcOrd="0" destOrd="0" presId="urn:microsoft.com/office/officeart/2005/8/layout/orgChart1"/>
-    <dgm:cxn modelId="{95898A7A-21C5-44B9-9544-F9EC178B9EFD}" type="presParOf" srcId="{5DC4BAE8-E1BE-441B-AA94-3BB307499036}" destId="{5F07E9E9-AE2F-4673-97B4-9AA55BEAA546}" srcOrd="0" destOrd="0" presId="urn:microsoft.com/office/officeart/2005/8/layout/orgChart1"/>
-    <dgm:cxn modelId="{C6A0E43C-F793-427F-8328-E8F6E59A647E}" type="presParOf" srcId="{5DC4BAE8-E1BE-441B-AA94-3BB307499036}" destId="{F31392C9-E49E-4CE7-A5D2-4F993CBE7C17}" srcOrd="1" destOrd="0" presId="urn:microsoft.com/office/officeart/2005/8/layout/orgChart1"/>
-    <dgm:cxn modelId="{A90F8736-1474-4D03-89F7-77ACE3B5E255}" type="presParOf" srcId="{2B57A523-C0B5-4054-9E1D-20076420BE77}" destId="{A9DC3469-1870-4408-B64A-BCB6DBA06E59}" srcOrd="1" destOrd="0" presId="urn:microsoft.com/office/officeart/2005/8/layout/orgChart1"/>
-    <dgm:cxn modelId="{4659E984-DD6B-461C-AE03-4C7076CB675E}" type="presParOf" srcId="{2B57A523-C0B5-4054-9E1D-20076420BE77}" destId="{4F10847A-AAE6-4007-8A05-12D948234B61}" srcOrd="2" destOrd="0" presId="urn:microsoft.com/office/officeart/2005/8/layout/orgChart1"/>
     <dgm:cxn modelId="{7CEF09A7-3546-432F-AF4E-219B2772BC7C}" type="presParOf" srcId="{7DD2E7F6-857F-4B82-A967-8DB7E508B033}" destId="{3A2D2C22-EBAA-4004-B70A-6169629333CD}" srcOrd="2" destOrd="0" presId="urn:microsoft.com/office/officeart/2005/8/layout/orgChart1"/>
     <dgm:cxn modelId="{ABE2DEEB-4A8A-4BD9-B556-47936381777F}" type="presParOf" srcId="{AB8B45BD-FFB7-46AA-B065-C8615184BE03}" destId="{DCA1E5F4-90DF-4E81-A0D7-28A5F3B01880}" srcOrd="4" destOrd="0" presId="urn:microsoft.com/office/officeart/2005/8/layout/orgChart1"/>
     <dgm:cxn modelId="{F6125DFE-A61C-49EF-9E10-F3F0D8DA9011}" type="presParOf" srcId="{AB8B45BD-FFB7-46AA-B065-C8615184BE03}" destId="{C7733892-2F6A-47DC-9F83-05913C4C8A3B}" srcOrd="5" destOrd="0" presId="urn:microsoft.com/office/officeart/2005/8/layout/orgChart1"/>
@@ -3297,8 +3237,8 @@
       </dsp:nvSpPr>
       <dsp:spPr>
         <a:xfrm>
-          <a:off x="10904421" y="2374963"/>
-          <a:ext cx="167152" cy="577255"/>
+          <a:off x="10905650" y="2098502"/>
+          <a:ext cx="91440" cy="722722"/>
         </a:xfrm>
         <a:custGeom>
           <a:avLst/>
@@ -3309,13 +3249,13 @@
           <a:pathLst>
             <a:path>
               <a:moveTo>
-                <a:pt x="0" y="0"/>
+                <a:pt x="45720" y="0"/>
               </a:moveTo>
               <a:lnTo>
-                <a:pt x="0" y="577255"/>
+                <a:pt x="45720" y="722722"/>
               </a:lnTo>
               <a:lnTo>
-                <a:pt x="167152" y="577255"/>
+                <a:pt x="126372" y="722722"/>
               </a:lnTo>
             </a:path>
           </a:pathLst>
@@ -3356,8 +3296,8 @@
       </dsp:nvSpPr>
       <dsp:spPr>
         <a:xfrm>
-          <a:off x="6630887" y="1583774"/>
-          <a:ext cx="4719274" cy="234013"/>
+          <a:off x="6096000" y="1160421"/>
+          <a:ext cx="5341377" cy="411601"/>
         </a:xfrm>
         <a:custGeom>
           <a:avLst/>
@@ -3371,13 +3311,13 @@
                 <a:pt x="0" y="0"/>
               </a:moveTo>
               <a:lnTo>
-                <a:pt x="0" y="117006"/>
+                <a:pt x="0" y="301040"/>
               </a:lnTo>
               <a:lnTo>
-                <a:pt x="4719274" y="117006"/>
+                <a:pt x="5341377" y="301040"/>
               </a:lnTo>
               <a:lnTo>
-                <a:pt x="4719274" y="234013"/>
+                <a:pt x="5341377" y="411601"/>
               </a:lnTo>
             </a:path>
           </a:pathLst>
@@ -3418,8 +3358,8 @@
       </dsp:nvSpPr>
       <dsp:spPr>
         <a:xfrm>
-          <a:off x="9556057" y="2374963"/>
-          <a:ext cx="167152" cy="1395997"/>
+          <a:off x="9491149" y="2098502"/>
+          <a:ext cx="186266" cy="2016932"/>
         </a:xfrm>
         <a:custGeom>
           <a:avLst/>
@@ -3433,10 +3373,10 @@
                 <a:pt x="0" y="0"/>
               </a:moveTo>
               <a:lnTo>
-                <a:pt x="0" y="1395997"/>
+                <a:pt x="0" y="2016932"/>
               </a:lnTo>
               <a:lnTo>
-                <a:pt x="167152" y="1395997"/>
+                <a:pt x="186266" y="2016932"/>
               </a:lnTo>
             </a:path>
           </a:pathLst>
@@ -3477,8 +3417,8 @@
       </dsp:nvSpPr>
       <dsp:spPr>
         <a:xfrm>
-          <a:off x="9556057" y="2374963"/>
-          <a:ext cx="167152" cy="558704"/>
+          <a:off x="9491149" y="2098502"/>
+          <a:ext cx="186266" cy="783630"/>
         </a:xfrm>
         <a:custGeom>
           <a:avLst/>
@@ -3492,10 +3432,10 @@
                 <a:pt x="0" y="0"/>
               </a:moveTo>
               <a:lnTo>
-                <a:pt x="0" y="558704"/>
+                <a:pt x="0" y="783630"/>
               </a:lnTo>
               <a:lnTo>
-                <a:pt x="167152" y="558704"/>
+                <a:pt x="186266" y="783630"/>
               </a:lnTo>
             </a:path>
           </a:pathLst>
@@ -3536,8 +3476,8 @@
       </dsp:nvSpPr>
       <dsp:spPr>
         <a:xfrm>
-          <a:off x="6630887" y="1583774"/>
-          <a:ext cx="3370910" cy="234013"/>
+          <a:off x="6096000" y="1160421"/>
+          <a:ext cx="3891858" cy="411601"/>
         </a:xfrm>
         <a:custGeom>
           <a:avLst/>
@@ -3551,13 +3491,13 @@
                 <a:pt x="0" y="0"/>
               </a:moveTo>
               <a:lnTo>
-                <a:pt x="0" y="117006"/>
+                <a:pt x="0" y="301040"/>
               </a:lnTo>
               <a:lnTo>
-                <a:pt x="3370910" y="117006"/>
+                <a:pt x="3891858" y="301040"/>
               </a:lnTo>
               <a:lnTo>
-                <a:pt x="3370910" y="234013"/>
+                <a:pt x="3891858" y="411601"/>
               </a:lnTo>
             </a:path>
           </a:pathLst>
@@ -3598,8 +3538,8 @@
       </dsp:nvSpPr>
       <dsp:spPr>
         <a:xfrm>
-          <a:off x="8207693" y="2374963"/>
-          <a:ext cx="167152" cy="1776500"/>
+          <a:off x="8065031" y="2098502"/>
+          <a:ext cx="180136" cy="1973495"/>
         </a:xfrm>
         <a:custGeom>
           <a:avLst/>
@@ -3613,10 +3553,10 @@
                 <a:pt x="0" y="0"/>
               </a:moveTo>
               <a:lnTo>
-                <a:pt x="0" y="1776500"/>
+                <a:pt x="0" y="1973495"/>
               </a:lnTo>
               <a:lnTo>
-                <a:pt x="167152" y="1776500"/>
+                <a:pt x="180136" y="1973495"/>
               </a:lnTo>
             </a:path>
           </a:pathLst>
@@ -3657,8 +3597,8 @@
       </dsp:nvSpPr>
       <dsp:spPr>
         <a:xfrm>
-          <a:off x="8207693" y="2374963"/>
-          <a:ext cx="167152" cy="669042"/>
+          <a:off x="8065031" y="2098502"/>
+          <a:ext cx="180136" cy="714669"/>
         </a:xfrm>
         <a:custGeom>
           <a:avLst/>
@@ -3672,10 +3612,10 @@
                 <a:pt x="0" y="0"/>
               </a:moveTo>
               <a:lnTo>
-                <a:pt x="0" y="669042"/>
+                <a:pt x="0" y="714669"/>
               </a:lnTo>
               <a:lnTo>
-                <a:pt x="167152" y="669042"/>
+                <a:pt x="180136" y="714669"/>
               </a:lnTo>
             </a:path>
           </a:pathLst>
@@ -3716,8 +3656,8 @@
       </dsp:nvSpPr>
       <dsp:spPr>
         <a:xfrm>
-          <a:off x="6630887" y="1583774"/>
-          <a:ext cx="2022546" cy="234013"/>
+          <a:off x="6096000" y="1160421"/>
+          <a:ext cx="2449394" cy="411601"/>
         </a:xfrm>
         <a:custGeom>
           <a:avLst/>
@@ -3731,13 +3671,13 @@
                 <a:pt x="0" y="0"/>
               </a:moveTo>
               <a:lnTo>
-                <a:pt x="0" y="117006"/>
+                <a:pt x="0" y="301040"/>
               </a:lnTo>
               <a:lnTo>
-                <a:pt x="2022546" y="117006"/>
+                <a:pt x="2449394" y="301040"/>
               </a:lnTo>
               <a:lnTo>
-                <a:pt x="2022546" y="234013"/>
+                <a:pt x="2449394" y="411601"/>
               </a:lnTo>
             </a:path>
           </a:pathLst>
@@ -3778,8 +3718,8 @@
       </dsp:nvSpPr>
       <dsp:spPr>
         <a:xfrm>
-          <a:off x="6859329" y="2374963"/>
-          <a:ext cx="167152" cy="2705721"/>
+          <a:off x="6689823" y="2098502"/>
+          <a:ext cx="172332" cy="3315019"/>
         </a:xfrm>
         <a:custGeom>
           <a:avLst/>
@@ -3793,10 +3733,10 @@
                 <a:pt x="0" y="0"/>
               </a:moveTo>
               <a:lnTo>
-                <a:pt x="0" y="2705721"/>
+                <a:pt x="0" y="3315019"/>
               </a:lnTo>
               <a:lnTo>
-                <a:pt x="167152" y="2705721"/>
+                <a:pt x="172332" y="3315019"/>
               </a:lnTo>
             </a:path>
           </a:pathLst>
@@ -3837,8 +3777,8 @@
       </dsp:nvSpPr>
       <dsp:spPr>
         <a:xfrm>
-          <a:off x="6859329" y="2374963"/>
-          <a:ext cx="167152" cy="1720264"/>
+          <a:off x="6689823" y="2098502"/>
+          <a:ext cx="172332" cy="1995651"/>
         </a:xfrm>
         <a:custGeom>
           <a:avLst/>
@@ -3852,10 +3792,10 @@
                 <a:pt x="0" y="0"/>
               </a:moveTo>
               <a:lnTo>
-                <a:pt x="0" y="1720264"/>
+                <a:pt x="0" y="1995651"/>
               </a:lnTo>
               <a:lnTo>
-                <a:pt x="167152" y="1720264"/>
+                <a:pt x="172332" y="1995651"/>
               </a:lnTo>
             </a:path>
           </a:pathLst>
@@ -3896,8 +3836,8 @@
       </dsp:nvSpPr>
       <dsp:spPr>
         <a:xfrm>
-          <a:off x="6859329" y="2374963"/>
-          <a:ext cx="167152" cy="676452"/>
+          <a:off x="6689823" y="2098502"/>
+          <a:ext cx="172332" cy="716409"/>
         </a:xfrm>
         <a:custGeom>
           <a:avLst/>
@@ -3911,10 +3851,10 @@
                 <a:pt x="0" y="0"/>
               </a:moveTo>
               <a:lnTo>
-                <a:pt x="0" y="676452"/>
+                <a:pt x="0" y="716409"/>
               </a:lnTo>
               <a:lnTo>
-                <a:pt x="167152" y="676452"/>
+                <a:pt x="172332" y="716409"/>
               </a:lnTo>
             </a:path>
           </a:pathLst>
@@ -3955,8 +3895,8 @@
       </dsp:nvSpPr>
       <dsp:spPr>
         <a:xfrm>
-          <a:off x="6630887" y="1583774"/>
-          <a:ext cx="674182" cy="234013"/>
+          <a:off x="6096000" y="1160421"/>
+          <a:ext cx="1053376" cy="411601"/>
         </a:xfrm>
         <a:custGeom>
           <a:avLst/>
@@ -3970,13 +3910,13 @@
                 <a:pt x="0" y="0"/>
               </a:moveTo>
               <a:lnTo>
-                <a:pt x="0" y="117006"/>
+                <a:pt x="0" y="301040"/>
               </a:lnTo>
               <a:lnTo>
-                <a:pt x="674182" y="117006"/>
+                <a:pt x="1053376" y="301040"/>
               </a:lnTo>
               <a:lnTo>
-                <a:pt x="674182" y="234013"/>
+                <a:pt x="1053376" y="411601"/>
               </a:lnTo>
             </a:path>
           </a:pathLst>
@@ -4017,8 +3957,8 @@
       </dsp:nvSpPr>
       <dsp:spPr>
         <a:xfrm>
-          <a:off x="5510965" y="2374963"/>
-          <a:ext cx="167152" cy="1519595"/>
+          <a:off x="5406150" y="2098502"/>
+          <a:ext cx="157943" cy="1857906"/>
         </a:xfrm>
         <a:custGeom>
           <a:avLst/>
@@ -4032,10 +3972,10 @@
                 <a:pt x="0" y="0"/>
               </a:moveTo>
               <a:lnTo>
-                <a:pt x="0" y="1519595"/>
+                <a:pt x="0" y="1857906"/>
               </a:lnTo>
               <a:lnTo>
-                <a:pt x="167152" y="1519595"/>
+                <a:pt x="157943" y="1857906"/>
               </a:lnTo>
             </a:path>
           </a:pathLst>
@@ -4076,8 +4016,8 @@
       </dsp:nvSpPr>
       <dsp:spPr>
         <a:xfrm>
-          <a:off x="5510965" y="2374963"/>
-          <a:ext cx="167152" cy="574573"/>
+          <a:off x="5406150" y="2098502"/>
+          <a:ext cx="157943" cy="715625"/>
         </a:xfrm>
         <a:custGeom>
           <a:avLst/>
@@ -4091,10 +4031,10 @@
                 <a:pt x="0" y="0"/>
               </a:moveTo>
               <a:lnTo>
-                <a:pt x="0" y="574573"/>
+                <a:pt x="0" y="715625"/>
               </a:lnTo>
               <a:lnTo>
-                <a:pt x="167152" y="574573"/>
+                <a:pt x="157943" y="715625"/>
               </a:lnTo>
             </a:path>
           </a:pathLst>
@@ -4135,8 +4075,8 @@
       </dsp:nvSpPr>
       <dsp:spPr>
         <a:xfrm>
-          <a:off x="5956705" y="1583774"/>
-          <a:ext cx="674182" cy="234013"/>
+          <a:off x="5827334" y="1160421"/>
+          <a:ext cx="268666" cy="411601"/>
         </a:xfrm>
         <a:custGeom>
           <a:avLst/>
@@ -4147,16 +4087,16 @@
           <a:pathLst>
             <a:path>
               <a:moveTo>
-                <a:pt x="674182" y="0"/>
+                <a:pt x="268666" y="0"/>
               </a:moveTo>
               <a:lnTo>
-                <a:pt x="674182" y="117006"/>
+                <a:pt x="268666" y="301040"/>
               </a:lnTo>
               <a:lnTo>
-                <a:pt x="0" y="117006"/>
+                <a:pt x="0" y="301040"/>
               </a:lnTo>
               <a:lnTo>
-                <a:pt x="0" y="234013"/>
+                <a:pt x="0" y="411601"/>
               </a:lnTo>
             </a:path>
           </a:pathLst>
@@ -4190,15 +4130,15 @@
         <a:fontRef idx="minor"/>
       </dsp:style>
     </dsp:sp>
-    <dsp:sp modelId="{9D4F16E2-AF61-4A4C-97D9-671FADA66045}">
+    <dsp:sp modelId="{7DDB132B-A4F8-48FE-810C-89A31529AF00}">
       <dsp:nvSpPr>
         <dsp:cNvPr id="0" name=""/>
         <dsp:cNvSpPr/>
       </dsp:nvSpPr>
       <dsp:spPr>
         <a:xfrm>
-          <a:off x="4162601" y="2374963"/>
-          <a:ext cx="167152" cy="2426071"/>
+          <a:off x="4132070" y="2098502"/>
+          <a:ext cx="157943" cy="1403749"/>
         </a:xfrm>
         <a:custGeom>
           <a:avLst/>
@@ -4212,10 +4152,10 @@
                 <a:pt x="0" y="0"/>
               </a:moveTo>
               <a:lnTo>
-                <a:pt x="0" y="2426071"/>
+                <a:pt x="0" y="1403749"/>
               </a:lnTo>
               <a:lnTo>
-                <a:pt x="167152" y="2426071"/>
+                <a:pt x="157943" y="1403749"/>
               </a:lnTo>
             </a:path>
           </a:pathLst>
@@ -4249,15 +4189,77 @@
         <a:fontRef idx="minor"/>
       </dsp:style>
     </dsp:sp>
-    <dsp:sp modelId="{7DDB132B-A4F8-48FE-810C-89A31529AF00}">
+    <dsp:sp modelId="{9E0AE47D-26DC-4B27-AAF0-F66555219251}">
       <dsp:nvSpPr>
         <dsp:cNvPr id="0" name=""/>
         <dsp:cNvSpPr/>
       </dsp:nvSpPr>
       <dsp:spPr>
         <a:xfrm>
-          <a:off x="4162601" y="2374963"/>
-          <a:ext cx="167152" cy="959121"/>
+          <a:off x="4553254" y="1160421"/>
+          <a:ext cx="1542746" cy="411601"/>
+        </a:xfrm>
+        <a:custGeom>
+          <a:avLst/>
+          <a:gdLst/>
+          <a:ahLst/>
+          <a:cxnLst/>
+          <a:rect l="0" t="0" r="0" b="0"/>
+          <a:pathLst>
+            <a:path>
+              <a:moveTo>
+                <a:pt x="1542746" y="0"/>
+              </a:moveTo>
+              <a:lnTo>
+                <a:pt x="1542746" y="301040"/>
+              </a:lnTo>
+              <a:lnTo>
+                <a:pt x="0" y="301040"/>
+              </a:lnTo>
+              <a:lnTo>
+                <a:pt x="0" y="411601"/>
+              </a:lnTo>
+            </a:path>
+          </a:pathLst>
+        </a:custGeom>
+        <a:noFill/>
+        <a:ln w="12700" cap="flat" cmpd="sng" algn="ctr">
+          <a:solidFill>
+            <a:schemeClr val="accent1">
+              <a:shade val="60000"/>
+              <a:hueOff val="0"/>
+              <a:satOff val="0"/>
+              <a:lumOff val="0"/>
+              <a:alphaOff val="0"/>
+            </a:schemeClr>
+          </a:solidFill>
+          <a:prstDash val="solid"/>
+          <a:miter lim="800000"/>
+        </a:ln>
+        <a:effectLst/>
+      </dsp:spPr>
+      <dsp:style>
+        <a:lnRef idx="2">
+          <a:scrgbClr r="0" g="0" b="0"/>
+        </a:lnRef>
+        <a:fillRef idx="0">
+          <a:scrgbClr r="0" g="0" b="0"/>
+        </a:fillRef>
+        <a:effectRef idx="0">
+          <a:scrgbClr r="0" g="0" b="0"/>
+        </a:effectRef>
+        <a:fontRef idx="minor"/>
+      </dsp:style>
+    </dsp:sp>
+    <dsp:sp modelId="{2E7DE53D-30FA-4AAF-9BF1-212C50DCF1E8}">
+      <dsp:nvSpPr>
+        <dsp:cNvPr id="0" name=""/>
+        <dsp:cNvSpPr/>
+      </dsp:nvSpPr>
+      <dsp:spPr>
+        <a:xfrm>
+          <a:off x="2720962" y="2962391"/>
+          <a:ext cx="294971" cy="2868594"/>
         </a:xfrm>
         <a:custGeom>
           <a:avLst/>
@@ -4271,10 +4273,10 @@
                 <a:pt x="0" y="0"/>
               </a:moveTo>
               <a:lnTo>
-                <a:pt x="0" y="959121"/>
+                <a:pt x="0" y="2868594"/>
               </a:lnTo>
               <a:lnTo>
-                <a:pt x="167152" y="959121"/>
+                <a:pt x="294971" y="2868594"/>
               </a:lnTo>
             </a:path>
           </a:pathLst>
@@ -4308,15 +4310,15 @@
         <a:fontRef idx="minor"/>
       </dsp:style>
     </dsp:sp>
-    <dsp:sp modelId="{9E0AE47D-26DC-4B27-AAF0-F66555219251}">
+    <dsp:sp modelId="{DF1A49CA-C4C6-4CC3-BD0A-E3EE3F60F4B9}">
       <dsp:nvSpPr>
         <dsp:cNvPr id="0" name=""/>
         <dsp:cNvSpPr/>
       </dsp:nvSpPr>
       <dsp:spPr>
         <a:xfrm>
-          <a:off x="4608341" y="1583774"/>
-          <a:ext cx="2022546" cy="234013"/>
+          <a:off x="2720962" y="2962391"/>
+          <a:ext cx="202605" cy="1719284"/>
         </a:xfrm>
         <a:custGeom>
           <a:avLst/>
@@ -4327,16 +4329,320 @@
           <a:pathLst>
             <a:path>
               <a:moveTo>
-                <a:pt x="2022546" y="0"/>
+                <a:pt x="0" y="0"/>
               </a:moveTo>
               <a:lnTo>
-                <a:pt x="2022546" y="117006"/>
+                <a:pt x="0" y="1719284"/>
               </a:lnTo>
               <a:lnTo>
-                <a:pt x="0" y="117006"/>
+                <a:pt x="202605" y="1719284"/>
+              </a:lnTo>
+            </a:path>
+          </a:pathLst>
+        </a:custGeom>
+        <a:noFill/>
+        <a:ln w="12700" cap="flat" cmpd="sng" algn="ctr">
+          <a:solidFill>
+            <a:schemeClr val="accent1">
+              <a:shade val="80000"/>
+              <a:hueOff val="0"/>
+              <a:satOff val="0"/>
+              <a:lumOff val="0"/>
+              <a:alphaOff val="0"/>
+            </a:schemeClr>
+          </a:solidFill>
+          <a:prstDash val="solid"/>
+          <a:miter lim="800000"/>
+        </a:ln>
+        <a:effectLst/>
+      </dsp:spPr>
+      <dsp:style>
+        <a:lnRef idx="2">
+          <a:scrgbClr r="0" g="0" b="0"/>
+        </a:lnRef>
+        <a:fillRef idx="0">
+          <a:scrgbClr r="0" g="0" b="0"/>
+        </a:fillRef>
+        <a:effectRef idx="0">
+          <a:scrgbClr r="0" g="0" b="0"/>
+        </a:effectRef>
+        <a:fontRef idx="minor"/>
+      </dsp:style>
+    </dsp:sp>
+    <dsp:sp modelId="{73337C2E-84A7-45D4-BA2B-2EDA4AC1748C}">
+      <dsp:nvSpPr>
+        <dsp:cNvPr id="0" name=""/>
+        <dsp:cNvSpPr/>
+      </dsp:nvSpPr>
+      <dsp:spPr>
+        <a:xfrm>
+          <a:off x="2720962" y="2962391"/>
+          <a:ext cx="221085" cy="614296"/>
+        </a:xfrm>
+        <a:custGeom>
+          <a:avLst/>
+          <a:gdLst/>
+          <a:ahLst/>
+          <a:cxnLst/>
+          <a:rect l="0" t="0" r="0" b="0"/>
+          <a:pathLst>
+            <a:path>
+              <a:moveTo>
+                <a:pt x="0" y="0"/>
+              </a:moveTo>
+              <a:lnTo>
+                <a:pt x="0" y="614296"/>
               </a:lnTo>
               <a:lnTo>
-                <a:pt x="0" y="234013"/>
+                <a:pt x="221085" y="614296"/>
+              </a:lnTo>
+            </a:path>
+          </a:pathLst>
+        </a:custGeom>
+        <a:noFill/>
+        <a:ln w="12700" cap="flat" cmpd="sng" algn="ctr">
+          <a:solidFill>
+            <a:schemeClr val="accent1">
+              <a:shade val="80000"/>
+              <a:hueOff val="0"/>
+              <a:satOff val="0"/>
+              <a:lumOff val="0"/>
+              <a:alphaOff val="0"/>
+            </a:schemeClr>
+          </a:solidFill>
+          <a:prstDash val="solid"/>
+          <a:miter lim="800000"/>
+        </a:ln>
+        <a:effectLst/>
+      </dsp:spPr>
+      <dsp:style>
+        <a:lnRef idx="2">
+          <a:scrgbClr r="0" g="0" b="0"/>
+        </a:lnRef>
+        <a:fillRef idx="0">
+          <a:scrgbClr r="0" g="0" b="0"/>
+        </a:fillRef>
+        <a:effectRef idx="0">
+          <a:scrgbClr r="0" g="0" b="0"/>
+        </a:effectRef>
+        <a:fontRef idx="minor"/>
+      </dsp:style>
+    </dsp:sp>
+    <dsp:sp modelId="{EFD0AB61-B32D-405D-B64D-49F23D49F0CE}">
+      <dsp:nvSpPr>
+        <dsp:cNvPr id="0" name=""/>
+        <dsp:cNvSpPr/>
+      </dsp:nvSpPr>
+      <dsp:spPr>
+        <a:xfrm>
+          <a:off x="2017189" y="2098502"/>
+          <a:ext cx="1244055" cy="239595"/>
+        </a:xfrm>
+        <a:custGeom>
+          <a:avLst/>
+          <a:gdLst/>
+          <a:ahLst/>
+          <a:cxnLst/>
+          <a:rect l="0" t="0" r="0" b="0"/>
+          <a:pathLst>
+            <a:path>
+              <a:moveTo>
+                <a:pt x="0" y="0"/>
+              </a:moveTo>
+              <a:lnTo>
+                <a:pt x="0" y="129034"/>
+              </a:lnTo>
+              <a:lnTo>
+                <a:pt x="1244055" y="129034"/>
+              </a:lnTo>
+              <a:lnTo>
+                <a:pt x="1244055" y="239595"/>
+              </a:lnTo>
+            </a:path>
+          </a:pathLst>
+        </a:custGeom>
+        <a:noFill/>
+        <a:ln w="12700" cap="flat" cmpd="sng" algn="ctr">
+          <a:solidFill>
+            <a:schemeClr val="accent1">
+              <a:shade val="80000"/>
+              <a:hueOff val="0"/>
+              <a:satOff val="0"/>
+              <a:lumOff val="0"/>
+              <a:alphaOff val="0"/>
+            </a:schemeClr>
+          </a:solidFill>
+          <a:prstDash val="solid"/>
+          <a:miter lim="800000"/>
+        </a:ln>
+        <a:effectLst/>
+      </dsp:spPr>
+      <dsp:style>
+        <a:lnRef idx="2">
+          <a:scrgbClr r="0" g="0" b="0"/>
+        </a:lnRef>
+        <a:fillRef idx="0">
+          <a:scrgbClr r="0" g="0" b="0"/>
+        </a:fillRef>
+        <a:effectRef idx="0">
+          <a:scrgbClr r="0" g="0" b="0"/>
+        </a:effectRef>
+        <a:fontRef idx="minor"/>
+      </dsp:style>
+    </dsp:sp>
+    <dsp:sp modelId="{5AFF7517-EB29-4610-89B6-F3E090CBCBC7}">
+      <dsp:nvSpPr>
+        <dsp:cNvPr id="0" name=""/>
+        <dsp:cNvSpPr/>
+      </dsp:nvSpPr>
+      <dsp:spPr>
+        <a:xfrm>
+          <a:off x="1868316" y="2098502"/>
+          <a:ext cx="148872" cy="221121"/>
+        </a:xfrm>
+        <a:custGeom>
+          <a:avLst/>
+          <a:gdLst/>
+          <a:ahLst/>
+          <a:cxnLst/>
+          <a:rect l="0" t="0" r="0" b="0"/>
+          <a:pathLst>
+            <a:path>
+              <a:moveTo>
+                <a:pt x="148872" y="0"/>
+              </a:moveTo>
+              <a:lnTo>
+                <a:pt x="148872" y="110560"/>
+              </a:lnTo>
+              <a:lnTo>
+                <a:pt x="0" y="110560"/>
+              </a:lnTo>
+              <a:lnTo>
+                <a:pt x="0" y="221121"/>
+              </a:lnTo>
+            </a:path>
+          </a:pathLst>
+        </a:custGeom>
+        <a:noFill/>
+        <a:ln w="12700" cap="flat" cmpd="sng" algn="ctr">
+          <a:solidFill>
+            <a:schemeClr val="accent1">
+              <a:shade val="80000"/>
+              <a:hueOff val="0"/>
+              <a:satOff val="0"/>
+              <a:lumOff val="0"/>
+              <a:alphaOff val="0"/>
+            </a:schemeClr>
+          </a:solidFill>
+          <a:prstDash val="solid"/>
+          <a:miter lim="800000"/>
+        </a:ln>
+        <a:effectLst/>
+      </dsp:spPr>
+      <dsp:style>
+        <a:lnRef idx="2">
+          <a:scrgbClr r="0" g="0" b="0"/>
+        </a:lnRef>
+        <a:fillRef idx="0">
+          <a:scrgbClr r="0" g="0" b="0"/>
+        </a:fillRef>
+        <a:effectRef idx="0">
+          <a:scrgbClr r="0" g="0" b="0"/>
+        </a:effectRef>
+        <a:fontRef idx="minor"/>
+      </dsp:style>
+    </dsp:sp>
+    <dsp:sp modelId="{CE57E79B-91A1-45D9-9054-4AA806126F70}">
+      <dsp:nvSpPr>
+        <dsp:cNvPr id="0" name=""/>
+        <dsp:cNvSpPr/>
+      </dsp:nvSpPr>
+      <dsp:spPr>
+        <a:xfrm>
+          <a:off x="661210" y="2098502"/>
+          <a:ext cx="1355979" cy="239595"/>
+        </a:xfrm>
+        <a:custGeom>
+          <a:avLst/>
+          <a:gdLst/>
+          <a:ahLst/>
+          <a:cxnLst/>
+          <a:rect l="0" t="0" r="0" b="0"/>
+          <a:pathLst>
+            <a:path>
+              <a:moveTo>
+                <a:pt x="1355979" y="0"/>
+              </a:moveTo>
+              <a:lnTo>
+                <a:pt x="1355979" y="129034"/>
+              </a:lnTo>
+              <a:lnTo>
+                <a:pt x="0" y="129034"/>
+              </a:lnTo>
+              <a:lnTo>
+                <a:pt x="0" y="239595"/>
+              </a:lnTo>
+            </a:path>
+          </a:pathLst>
+        </a:custGeom>
+        <a:noFill/>
+        <a:ln w="12700" cap="flat" cmpd="sng" algn="ctr">
+          <a:solidFill>
+            <a:schemeClr val="accent1">
+              <a:shade val="80000"/>
+              <a:hueOff val="0"/>
+              <a:satOff val="0"/>
+              <a:lumOff val="0"/>
+              <a:alphaOff val="0"/>
+            </a:schemeClr>
+          </a:solidFill>
+          <a:prstDash val="solid"/>
+          <a:miter lim="800000"/>
+        </a:ln>
+        <a:effectLst/>
+      </dsp:spPr>
+      <dsp:style>
+        <a:lnRef idx="2">
+          <a:scrgbClr r="0" g="0" b="0"/>
+        </a:lnRef>
+        <a:fillRef idx="0">
+          <a:scrgbClr r="0" g="0" b="0"/>
+        </a:fillRef>
+        <a:effectRef idx="0">
+          <a:scrgbClr r="0" g="0" b="0"/>
+        </a:effectRef>
+        <a:fontRef idx="minor"/>
+      </dsp:style>
+    </dsp:sp>
+    <dsp:sp modelId="{E9DF77F9-A7A8-4C25-8840-B0CBC3B54A41}">
+      <dsp:nvSpPr>
+        <dsp:cNvPr id="0" name=""/>
+        <dsp:cNvSpPr/>
+      </dsp:nvSpPr>
+      <dsp:spPr>
+        <a:xfrm>
+          <a:off x="2017189" y="1160421"/>
+          <a:ext cx="4078811" cy="411601"/>
+        </a:xfrm>
+        <a:custGeom>
+          <a:avLst/>
+          <a:gdLst/>
+          <a:ahLst/>
+          <a:cxnLst/>
+          <a:rect l="0" t="0" r="0" b="0"/>
+          <a:pathLst>
+            <a:path>
+              <a:moveTo>
+                <a:pt x="4078811" y="0"/>
+              </a:moveTo>
+              <a:lnTo>
+                <a:pt x="4078811" y="301040"/>
+              </a:lnTo>
+              <a:lnTo>
+                <a:pt x="0" y="301040"/>
+              </a:lnTo>
+              <a:lnTo>
+                <a:pt x="0" y="411601"/>
               </a:lnTo>
             </a:path>
           </a:pathLst>
@@ -4370,425 +4676,6 @@
         <a:fontRef idx="minor"/>
       </dsp:style>
     </dsp:sp>
-    <dsp:sp modelId="{2E7DE53D-30FA-4AAF-9BF1-212C50DCF1E8}">
-      <dsp:nvSpPr>
-        <dsp:cNvPr id="0" name=""/>
-        <dsp:cNvSpPr/>
-      </dsp:nvSpPr>
-      <dsp:spPr>
-        <a:xfrm>
-          <a:off x="2814237" y="3166152"/>
-          <a:ext cx="167152" cy="2465205"/>
-        </a:xfrm>
-        <a:custGeom>
-          <a:avLst/>
-          <a:gdLst/>
-          <a:ahLst/>
-          <a:cxnLst/>
-          <a:rect l="0" t="0" r="0" b="0"/>
-          <a:pathLst>
-            <a:path>
-              <a:moveTo>
-                <a:pt x="0" y="0"/>
-              </a:moveTo>
-              <a:lnTo>
-                <a:pt x="0" y="2465205"/>
-              </a:lnTo>
-              <a:lnTo>
-                <a:pt x="167152" y="2465205"/>
-              </a:lnTo>
-            </a:path>
-          </a:pathLst>
-        </a:custGeom>
-        <a:noFill/>
-        <a:ln w="12700" cap="flat" cmpd="sng" algn="ctr">
-          <a:solidFill>
-            <a:schemeClr val="accent1">
-              <a:shade val="80000"/>
-              <a:hueOff val="0"/>
-              <a:satOff val="0"/>
-              <a:lumOff val="0"/>
-              <a:alphaOff val="0"/>
-            </a:schemeClr>
-          </a:solidFill>
-          <a:prstDash val="solid"/>
-          <a:miter lim="800000"/>
-        </a:ln>
-        <a:effectLst/>
-      </dsp:spPr>
-      <dsp:style>
-        <a:lnRef idx="2">
-          <a:scrgbClr r="0" g="0" b="0"/>
-        </a:lnRef>
-        <a:fillRef idx="0">
-          <a:scrgbClr r="0" g="0" b="0"/>
-        </a:fillRef>
-        <a:effectRef idx="0">
-          <a:scrgbClr r="0" g="0" b="0"/>
-        </a:effectRef>
-        <a:fontRef idx="minor"/>
-      </dsp:style>
-    </dsp:sp>
-    <dsp:sp modelId="{DF1A49CA-C4C6-4CC3-BD0A-E3EE3F60F4B9}">
-      <dsp:nvSpPr>
-        <dsp:cNvPr id="0" name=""/>
-        <dsp:cNvSpPr/>
-      </dsp:nvSpPr>
-      <dsp:spPr>
-        <a:xfrm>
-          <a:off x="2814237" y="3166152"/>
-          <a:ext cx="167152" cy="1523854"/>
-        </a:xfrm>
-        <a:custGeom>
-          <a:avLst/>
-          <a:gdLst/>
-          <a:ahLst/>
-          <a:cxnLst/>
-          <a:rect l="0" t="0" r="0" b="0"/>
-          <a:pathLst>
-            <a:path>
-              <a:moveTo>
-                <a:pt x="0" y="0"/>
-              </a:moveTo>
-              <a:lnTo>
-                <a:pt x="0" y="1523854"/>
-              </a:lnTo>
-              <a:lnTo>
-                <a:pt x="167152" y="1523854"/>
-              </a:lnTo>
-            </a:path>
-          </a:pathLst>
-        </a:custGeom>
-        <a:noFill/>
-        <a:ln w="12700" cap="flat" cmpd="sng" algn="ctr">
-          <a:solidFill>
-            <a:schemeClr val="accent1">
-              <a:shade val="80000"/>
-              <a:hueOff val="0"/>
-              <a:satOff val="0"/>
-              <a:lumOff val="0"/>
-              <a:alphaOff val="0"/>
-            </a:schemeClr>
-          </a:solidFill>
-          <a:prstDash val="solid"/>
-          <a:miter lim="800000"/>
-        </a:ln>
-        <a:effectLst/>
-      </dsp:spPr>
-      <dsp:style>
-        <a:lnRef idx="2">
-          <a:scrgbClr r="0" g="0" b="0"/>
-        </a:lnRef>
-        <a:fillRef idx="0">
-          <a:scrgbClr r="0" g="0" b="0"/>
-        </a:fillRef>
-        <a:effectRef idx="0">
-          <a:scrgbClr r="0" g="0" b="0"/>
-        </a:effectRef>
-        <a:fontRef idx="minor"/>
-      </dsp:style>
-    </dsp:sp>
-    <dsp:sp modelId="{73337C2E-84A7-45D4-BA2B-2EDA4AC1748C}">
-      <dsp:nvSpPr>
-        <dsp:cNvPr id="0" name=""/>
-        <dsp:cNvSpPr/>
-      </dsp:nvSpPr>
-      <dsp:spPr>
-        <a:xfrm>
-          <a:off x="2814237" y="3166152"/>
-          <a:ext cx="167152" cy="578233"/>
-        </a:xfrm>
-        <a:custGeom>
-          <a:avLst/>
-          <a:gdLst/>
-          <a:ahLst/>
-          <a:cxnLst/>
-          <a:rect l="0" t="0" r="0" b="0"/>
-          <a:pathLst>
-            <a:path>
-              <a:moveTo>
-                <a:pt x="0" y="0"/>
-              </a:moveTo>
-              <a:lnTo>
-                <a:pt x="0" y="578233"/>
-              </a:lnTo>
-              <a:lnTo>
-                <a:pt x="167152" y="578233"/>
-              </a:lnTo>
-            </a:path>
-          </a:pathLst>
-        </a:custGeom>
-        <a:noFill/>
-        <a:ln w="12700" cap="flat" cmpd="sng" algn="ctr">
-          <a:solidFill>
-            <a:schemeClr val="accent1">
-              <a:shade val="80000"/>
-              <a:hueOff val="0"/>
-              <a:satOff val="0"/>
-              <a:lumOff val="0"/>
-              <a:alphaOff val="0"/>
-            </a:schemeClr>
-          </a:solidFill>
-          <a:prstDash val="solid"/>
-          <a:miter lim="800000"/>
-        </a:ln>
-        <a:effectLst/>
-      </dsp:spPr>
-      <dsp:style>
-        <a:lnRef idx="2">
-          <a:scrgbClr r="0" g="0" b="0"/>
-        </a:lnRef>
-        <a:fillRef idx="0">
-          <a:scrgbClr r="0" g="0" b="0"/>
-        </a:fillRef>
-        <a:effectRef idx="0">
-          <a:scrgbClr r="0" g="0" b="0"/>
-        </a:effectRef>
-        <a:fontRef idx="minor"/>
-      </dsp:style>
-    </dsp:sp>
-    <dsp:sp modelId="{EFD0AB61-B32D-405D-B64D-49F23D49F0CE}">
-      <dsp:nvSpPr>
-        <dsp:cNvPr id="0" name=""/>
-        <dsp:cNvSpPr/>
-      </dsp:nvSpPr>
-      <dsp:spPr>
-        <a:xfrm>
-          <a:off x="1911613" y="2374963"/>
-          <a:ext cx="1348364" cy="234013"/>
-        </a:xfrm>
-        <a:custGeom>
-          <a:avLst/>
-          <a:gdLst/>
-          <a:ahLst/>
-          <a:cxnLst/>
-          <a:rect l="0" t="0" r="0" b="0"/>
-          <a:pathLst>
-            <a:path>
-              <a:moveTo>
-                <a:pt x="0" y="0"/>
-              </a:moveTo>
-              <a:lnTo>
-                <a:pt x="0" y="117006"/>
-              </a:lnTo>
-              <a:lnTo>
-                <a:pt x="1348364" y="117006"/>
-              </a:lnTo>
-              <a:lnTo>
-                <a:pt x="1348364" y="234013"/>
-              </a:lnTo>
-            </a:path>
-          </a:pathLst>
-        </a:custGeom>
-        <a:noFill/>
-        <a:ln w="12700" cap="flat" cmpd="sng" algn="ctr">
-          <a:solidFill>
-            <a:schemeClr val="accent1">
-              <a:shade val="80000"/>
-              <a:hueOff val="0"/>
-              <a:satOff val="0"/>
-              <a:lumOff val="0"/>
-              <a:alphaOff val="0"/>
-            </a:schemeClr>
-          </a:solidFill>
-          <a:prstDash val="solid"/>
-          <a:miter lim="800000"/>
-        </a:ln>
-        <a:effectLst/>
-      </dsp:spPr>
-      <dsp:style>
-        <a:lnRef idx="2">
-          <a:scrgbClr r="0" g="0" b="0"/>
-        </a:lnRef>
-        <a:fillRef idx="0">
-          <a:scrgbClr r="0" g="0" b="0"/>
-        </a:fillRef>
-        <a:effectRef idx="0">
-          <a:scrgbClr r="0" g="0" b="0"/>
-        </a:effectRef>
-        <a:fontRef idx="minor"/>
-      </dsp:style>
-    </dsp:sp>
-    <dsp:sp modelId="{5AFF7517-EB29-4610-89B6-F3E090CBCBC7}">
-      <dsp:nvSpPr>
-        <dsp:cNvPr id="0" name=""/>
-        <dsp:cNvSpPr/>
-      </dsp:nvSpPr>
-      <dsp:spPr>
-        <a:xfrm>
-          <a:off x="1865893" y="2374963"/>
-          <a:ext cx="91440" cy="234013"/>
-        </a:xfrm>
-        <a:custGeom>
-          <a:avLst/>
-          <a:gdLst/>
-          <a:ahLst/>
-          <a:cxnLst/>
-          <a:rect l="0" t="0" r="0" b="0"/>
-          <a:pathLst>
-            <a:path>
-              <a:moveTo>
-                <a:pt x="45720" y="0"/>
-              </a:moveTo>
-              <a:lnTo>
-                <a:pt x="45720" y="234013"/>
-              </a:lnTo>
-            </a:path>
-          </a:pathLst>
-        </a:custGeom>
-        <a:noFill/>
-        <a:ln w="12700" cap="flat" cmpd="sng" algn="ctr">
-          <a:solidFill>
-            <a:schemeClr val="accent1">
-              <a:shade val="80000"/>
-              <a:hueOff val="0"/>
-              <a:satOff val="0"/>
-              <a:lumOff val="0"/>
-              <a:alphaOff val="0"/>
-            </a:schemeClr>
-          </a:solidFill>
-          <a:prstDash val="solid"/>
-          <a:miter lim="800000"/>
-        </a:ln>
-        <a:effectLst/>
-      </dsp:spPr>
-      <dsp:style>
-        <a:lnRef idx="2">
-          <a:scrgbClr r="0" g="0" b="0"/>
-        </a:lnRef>
-        <a:fillRef idx="0">
-          <a:scrgbClr r="0" g="0" b="0"/>
-        </a:fillRef>
-        <a:effectRef idx="0">
-          <a:scrgbClr r="0" g="0" b="0"/>
-        </a:effectRef>
-        <a:fontRef idx="minor"/>
-      </dsp:style>
-    </dsp:sp>
-    <dsp:sp modelId="{CE57E79B-91A1-45D9-9054-4AA806126F70}">
-      <dsp:nvSpPr>
-        <dsp:cNvPr id="0" name=""/>
-        <dsp:cNvSpPr/>
-      </dsp:nvSpPr>
-      <dsp:spPr>
-        <a:xfrm>
-          <a:off x="563249" y="2374963"/>
-          <a:ext cx="1348364" cy="234013"/>
-        </a:xfrm>
-        <a:custGeom>
-          <a:avLst/>
-          <a:gdLst/>
-          <a:ahLst/>
-          <a:cxnLst/>
-          <a:rect l="0" t="0" r="0" b="0"/>
-          <a:pathLst>
-            <a:path>
-              <a:moveTo>
-                <a:pt x="1348364" y="0"/>
-              </a:moveTo>
-              <a:lnTo>
-                <a:pt x="1348364" y="117006"/>
-              </a:lnTo>
-              <a:lnTo>
-                <a:pt x="0" y="117006"/>
-              </a:lnTo>
-              <a:lnTo>
-                <a:pt x="0" y="234013"/>
-              </a:lnTo>
-            </a:path>
-          </a:pathLst>
-        </a:custGeom>
-        <a:noFill/>
-        <a:ln w="12700" cap="flat" cmpd="sng" algn="ctr">
-          <a:solidFill>
-            <a:schemeClr val="accent1">
-              <a:shade val="80000"/>
-              <a:hueOff val="0"/>
-              <a:satOff val="0"/>
-              <a:lumOff val="0"/>
-              <a:alphaOff val="0"/>
-            </a:schemeClr>
-          </a:solidFill>
-          <a:prstDash val="solid"/>
-          <a:miter lim="800000"/>
-        </a:ln>
-        <a:effectLst/>
-      </dsp:spPr>
-      <dsp:style>
-        <a:lnRef idx="2">
-          <a:scrgbClr r="0" g="0" b="0"/>
-        </a:lnRef>
-        <a:fillRef idx="0">
-          <a:scrgbClr r="0" g="0" b="0"/>
-        </a:fillRef>
-        <a:effectRef idx="0">
-          <a:scrgbClr r="0" g="0" b="0"/>
-        </a:effectRef>
-        <a:fontRef idx="minor"/>
-      </dsp:style>
-    </dsp:sp>
-    <dsp:sp modelId="{E9DF77F9-A7A8-4C25-8840-B0CBC3B54A41}">
-      <dsp:nvSpPr>
-        <dsp:cNvPr id="0" name=""/>
-        <dsp:cNvSpPr/>
-      </dsp:nvSpPr>
-      <dsp:spPr>
-        <a:xfrm>
-          <a:off x="1911613" y="1583774"/>
-          <a:ext cx="4719274" cy="234013"/>
-        </a:xfrm>
-        <a:custGeom>
-          <a:avLst/>
-          <a:gdLst/>
-          <a:ahLst/>
-          <a:cxnLst/>
-          <a:rect l="0" t="0" r="0" b="0"/>
-          <a:pathLst>
-            <a:path>
-              <a:moveTo>
-                <a:pt x="4719274" y="0"/>
-              </a:moveTo>
-              <a:lnTo>
-                <a:pt x="4719274" y="117006"/>
-              </a:lnTo>
-              <a:lnTo>
-                <a:pt x="0" y="117006"/>
-              </a:lnTo>
-              <a:lnTo>
-                <a:pt x="0" y="234013"/>
-              </a:lnTo>
-            </a:path>
-          </a:pathLst>
-        </a:custGeom>
-        <a:noFill/>
-        <a:ln w="12700" cap="flat" cmpd="sng" algn="ctr">
-          <a:solidFill>
-            <a:schemeClr val="accent1">
-              <a:shade val="60000"/>
-              <a:hueOff val="0"/>
-              <a:satOff val="0"/>
-              <a:lumOff val="0"/>
-              <a:alphaOff val="0"/>
-            </a:schemeClr>
-          </a:solidFill>
-          <a:prstDash val="solid"/>
-          <a:miter lim="800000"/>
-        </a:ln>
-        <a:effectLst/>
-      </dsp:spPr>
-      <dsp:style>
-        <a:lnRef idx="2">
-          <a:scrgbClr r="0" g="0" b="0"/>
-        </a:lnRef>
-        <a:fillRef idx="0">
-          <a:scrgbClr r="0" g="0" b="0"/>
-        </a:fillRef>
-        <a:effectRef idx="0">
-          <a:scrgbClr r="0" g="0" b="0"/>
-        </a:effectRef>
-        <a:fontRef idx="minor"/>
-      </dsp:style>
-    </dsp:sp>
     <dsp:sp modelId="{6302EC25-0FA3-4522-B92F-9D3204F0624D}">
       <dsp:nvSpPr>
         <dsp:cNvPr id="0" name=""/>
@@ -4796,8 +4683,8 @@
       </dsp:nvSpPr>
       <dsp:spPr>
         <a:xfrm>
-          <a:off x="4705663" y="886692"/>
-          <a:ext cx="3850448" cy="697081"/>
+          <a:off x="4276840" y="399031"/>
+          <a:ext cx="3638320" cy="761389"/>
         </a:xfrm>
         <a:prstGeom prst="rect">
           <a:avLst/>
@@ -4834,12 +4721,12 @@
         </a:fontRef>
       </dsp:style>
       <dsp:txBody>
-        <a:bodyPr spcFirstLastPara="0" vert="horz" wrap="square" lIns="11430" tIns="11430" rIns="11430" bIns="11430" numCol="1" spcCol="1270" anchor="ctr" anchorCtr="0">
+        <a:bodyPr spcFirstLastPara="0" vert="horz" wrap="square" lIns="12700" tIns="12700" rIns="12700" bIns="12700" numCol="1" spcCol="1270" anchor="ctr" anchorCtr="0">
           <a:noAutofit/>
         </a:bodyPr>
         <a:lstStyle/>
         <a:p>
-          <a:pPr marL="0" lvl="0" indent="0" algn="ctr" defTabSz="800100">
+          <a:pPr marL="0" lvl="0" indent="0" algn="ctr" defTabSz="889000">
             <a:lnSpc>
               <a:spcPct val="90000"/>
             </a:lnSpc>
@@ -4852,17 +4739,17 @@
             <a:buNone/>
           </a:pPr>
           <a:r>
-            <a:rPr lang="en-US" sz="1800" b="1" kern="1200">
-              <a:latin typeface="Arial" panose="020B0604020202020204" pitchFamily="34" charset="0"/>
-              <a:cs typeface="Arial" panose="020B0604020202020204" pitchFamily="34" charset="0"/>
+            <a:rPr lang="en-US" sz="2000" b="1" kern="1200">
+              <a:latin typeface="+mn-lt"/>
+              <a:cs typeface="Times New Roman" panose="02020603050405020304" pitchFamily="18" charset="0"/>
             </a:rPr>
             <a:t>WEBSITE TRUNG TÂM GIA SƯ BẢO NGỌC</a:t>
           </a:r>
         </a:p>
       </dsp:txBody>
       <dsp:txXfrm>
-        <a:off x="4705663" y="886692"/>
-        <a:ext cx="3850448" cy="697081"/>
+        <a:off x="4276840" y="399031"/>
+        <a:ext cx="3638320" cy="761389"/>
       </dsp:txXfrm>
     </dsp:sp>
     <dsp:sp modelId="{B18747D8-A8AC-417D-B464-BDA8C868E1C1}">
@@ -4872,8 +4759,8 @@
       </dsp:nvSpPr>
       <dsp:spPr>
         <a:xfrm>
-          <a:off x="1354438" y="1817788"/>
-          <a:ext cx="1114350" cy="557175"/>
+          <a:off x="1490710" y="1572022"/>
+          <a:ext cx="1052958" cy="526479"/>
         </a:xfrm>
         <a:prstGeom prst="rect">
           <a:avLst/>
@@ -4912,12 +4799,12 @@
         </a:fontRef>
       </dsp:style>
       <dsp:txBody>
-        <a:bodyPr spcFirstLastPara="0" vert="horz" wrap="square" lIns="8890" tIns="8890" rIns="8890" bIns="8890" numCol="1" spcCol="1270" anchor="ctr" anchorCtr="0">
+        <a:bodyPr spcFirstLastPara="0" vert="horz" wrap="square" lIns="11430" tIns="11430" rIns="11430" bIns="11430" numCol="1" spcCol="1270" anchor="ctr" anchorCtr="0">
           <a:noAutofit/>
         </a:bodyPr>
         <a:lstStyle/>
         <a:p>
-          <a:pPr marL="0" lvl="0" indent="0" algn="ctr" defTabSz="622300">
+          <a:pPr marL="0" lvl="0" indent="0" algn="ctr" defTabSz="800100">
             <a:lnSpc>
               <a:spcPct val="90000"/>
             </a:lnSpc>
@@ -4930,17 +4817,17 @@
             <a:buNone/>
           </a:pPr>
           <a:r>
-            <a:rPr lang="en-US" sz="1400" kern="1200">
-              <a:latin typeface="Arial" panose="020B0604020202020204" pitchFamily="34" charset="0"/>
-              <a:cs typeface="Arial" panose="020B0604020202020204" pitchFamily="34" charset="0"/>
+            <a:rPr lang="en-US" sz="1800" kern="1200">
+              <a:latin typeface="+mn-lt"/>
+              <a:cs typeface="Times New Roman" panose="02020603050405020304" pitchFamily="18" charset="0"/>
             </a:rPr>
             <a:t>Tài khoản</a:t>
           </a:r>
         </a:p>
       </dsp:txBody>
       <dsp:txXfrm>
-        <a:off x="1354438" y="1817788"/>
-        <a:ext cx="1114350" cy="557175"/>
+        <a:off x="1490710" y="1572022"/>
+        <a:ext cx="1052958" cy="526479"/>
       </dsp:txXfrm>
     </dsp:sp>
     <dsp:sp modelId="{5B5A2CFE-D8A2-4D10-A223-7C772AA3761E}">
@@ -4950,8 +4837,8 @@
       </dsp:nvSpPr>
       <dsp:spPr>
         <a:xfrm>
-          <a:off x="6074" y="2608977"/>
-          <a:ext cx="1114350" cy="557175"/>
+          <a:off x="134730" y="2338097"/>
+          <a:ext cx="1052958" cy="627474"/>
         </a:xfrm>
         <a:prstGeom prst="rect">
           <a:avLst/>
@@ -4993,12 +4880,12 @@
         </a:fontRef>
       </dsp:style>
       <dsp:txBody>
-        <a:bodyPr spcFirstLastPara="0" vert="horz" wrap="square" lIns="8890" tIns="8890" rIns="8890" bIns="8890" numCol="1" spcCol="1270" anchor="ctr" anchorCtr="0">
+        <a:bodyPr spcFirstLastPara="0" vert="horz" wrap="square" lIns="11430" tIns="11430" rIns="11430" bIns="11430" numCol="1" spcCol="1270" anchor="ctr" anchorCtr="0">
           <a:noAutofit/>
         </a:bodyPr>
         <a:lstStyle/>
         <a:p>
-          <a:pPr marL="0" lvl="0" indent="0" algn="ctr" defTabSz="622300">
+          <a:pPr marL="0" lvl="0" indent="0" algn="ctr" defTabSz="800100">
             <a:lnSpc>
               <a:spcPct val="90000"/>
             </a:lnSpc>
@@ -5011,17 +4898,17 @@
             <a:buNone/>
           </a:pPr>
           <a:r>
-            <a:rPr lang="en-US" sz="1400" kern="1200">
-              <a:latin typeface="Arial" panose="020B0604020202020204" pitchFamily="34" charset="0"/>
-              <a:cs typeface="Arial" panose="020B0604020202020204" pitchFamily="34" charset="0"/>
+            <a:rPr lang="en-US" sz="1800" kern="1200">
+              <a:latin typeface="+mn-lt"/>
+              <a:cs typeface="Times New Roman" panose="02020603050405020304" pitchFamily="18" charset="0"/>
             </a:rPr>
             <a:t>Tạo trang đăng ký</a:t>
           </a:r>
         </a:p>
       </dsp:txBody>
       <dsp:txXfrm>
-        <a:off x="6074" y="2608977"/>
-        <a:ext cx="1114350" cy="557175"/>
+        <a:off x="134730" y="2338097"/>
+        <a:ext cx="1052958" cy="627474"/>
       </dsp:txXfrm>
     </dsp:sp>
     <dsp:sp modelId="{308F0DD8-1408-400B-82E9-CB3D609622DE}">
@@ -5031,8 +4918,8 @@
       </dsp:nvSpPr>
       <dsp:spPr>
         <a:xfrm>
-          <a:off x="1354438" y="2608977"/>
-          <a:ext cx="1114350" cy="557175"/>
+          <a:off x="1279496" y="2319623"/>
+          <a:ext cx="1177639" cy="628932"/>
         </a:xfrm>
         <a:prstGeom prst="rect">
           <a:avLst/>
@@ -5074,12 +4961,12 @@
         </a:fontRef>
       </dsp:style>
       <dsp:txBody>
-        <a:bodyPr spcFirstLastPara="0" vert="horz" wrap="square" lIns="8890" tIns="8890" rIns="8890" bIns="8890" numCol="1" spcCol="1270" anchor="ctr" anchorCtr="0">
+        <a:bodyPr spcFirstLastPara="0" vert="horz" wrap="square" lIns="11430" tIns="11430" rIns="11430" bIns="11430" numCol="1" spcCol="1270" anchor="ctr" anchorCtr="0">
           <a:noAutofit/>
         </a:bodyPr>
         <a:lstStyle/>
         <a:p>
-          <a:pPr marL="0" lvl="0" indent="0" algn="ctr" defTabSz="622300">
+          <a:pPr marL="0" lvl="0" indent="0" algn="ctr" defTabSz="800100">
             <a:lnSpc>
               <a:spcPct val="90000"/>
             </a:lnSpc>
@@ -5092,17 +4979,17 @@
             <a:buNone/>
           </a:pPr>
           <a:r>
-            <a:rPr lang="en-US" sz="1400" kern="1200">
-              <a:latin typeface="Arial" panose="020B0604020202020204" pitchFamily="34" charset="0"/>
-              <a:cs typeface="Arial" panose="020B0604020202020204" pitchFamily="34" charset="0"/>
+            <a:rPr lang="en-US" sz="1800" kern="1200">
+              <a:latin typeface="+mn-lt"/>
+              <a:cs typeface="Times New Roman" panose="02020603050405020304" pitchFamily="18" charset="0"/>
             </a:rPr>
             <a:t>Tạo trang đăng nhập</a:t>
           </a:r>
         </a:p>
       </dsp:txBody>
       <dsp:txXfrm>
-        <a:off x="1354438" y="2608977"/>
-        <a:ext cx="1114350" cy="557175"/>
+        <a:off x="1279496" y="2319623"/>
+        <a:ext cx="1177639" cy="628932"/>
       </dsp:txXfrm>
     </dsp:sp>
     <dsp:sp modelId="{A11CF4DF-4582-472F-9953-7C13703AA3AE}">
@@ -5112,8 +4999,8 @@
       </dsp:nvSpPr>
       <dsp:spPr>
         <a:xfrm>
-          <a:off x="2702802" y="2608977"/>
-          <a:ext cx="1114350" cy="557175"/>
+          <a:off x="2585892" y="2338097"/>
+          <a:ext cx="1350704" cy="624294"/>
         </a:xfrm>
         <a:prstGeom prst="rect">
           <a:avLst/>
@@ -5155,12 +5042,12 @@
         </a:fontRef>
       </dsp:style>
       <dsp:txBody>
-        <a:bodyPr spcFirstLastPara="0" vert="horz" wrap="square" lIns="8890" tIns="8890" rIns="8890" bIns="8890" numCol="1" spcCol="1270" anchor="ctr" anchorCtr="0">
+        <a:bodyPr spcFirstLastPara="0" vert="horz" wrap="square" lIns="11430" tIns="11430" rIns="11430" bIns="11430" numCol="1" spcCol="1270" anchor="ctr" anchorCtr="0">
           <a:noAutofit/>
         </a:bodyPr>
         <a:lstStyle/>
         <a:p>
-          <a:pPr marL="0" lvl="0" indent="0" algn="ctr" defTabSz="622300">
+          <a:pPr marL="0" lvl="0" indent="0" algn="ctr" defTabSz="800100">
             <a:lnSpc>
               <a:spcPct val="90000"/>
             </a:lnSpc>
@@ -5173,17 +5060,17 @@
             <a:buNone/>
           </a:pPr>
           <a:r>
-            <a:rPr lang="en-US" sz="1400" kern="1200">
-              <a:latin typeface="Arial" panose="020B0604020202020204" pitchFamily="34" charset="0"/>
-              <a:cs typeface="Arial" panose="020B0604020202020204" pitchFamily="34" charset="0"/>
+            <a:rPr lang="en-US" sz="1800" kern="1200">
+              <a:latin typeface="+mn-lt"/>
+              <a:cs typeface="Times New Roman" panose="02020603050405020304" pitchFamily="18" charset="0"/>
             </a:rPr>
             <a:t>Phần quản lý tài khoản</a:t>
           </a:r>
         </a:p>
       </dsp:txBody>
       <dsp:txXfrm>
-        <a:off x="2702802" y="2608977"/>
-        <a:ext cx="1114350" cy="557175"/>
+        <a:off x="2585892" y="2338097"/>
+        <a:ext cx="1350704" cy="624294"/>
       </dsp:txXfrm>
     </dsp:sp>
     <dsp:sp modelId="{49B00A58-B398-46D7-A3F4-D5A929224F79}">
@@ -5193,8 +5080,8 @@
       </dsp:nvSpPr>
       <dsp:spPr>
         <a:xfrm>
-          <a:off x="2981389" y="3400166"/>
-          <a:ext cx="1114350" cy="688440"/>
+          <a:off x="2942048" y="3165038"/>
+          <a:ext cx="1052958" cy="823298"/>
         </a:xfrm>
         <a:prstGeom prst="rect">
           <a:avLst/>
@@ -5236,12 +5123,12 @@
         </a:fontRef>
       </dsp:style>
       <dsp:txBody>
-        <a:bodyPr spcFirstLastPara="0" vert="horz" wrap="square" lIns="8890" tIns="8890" rIns="8890" bIns="8890" numCol="1" spcCol="1270" anchor="ctr" anchorCtr="0">
+        <a:bodyPr spcFirstLastPara="0" vert="horz" wrap="square" lIns="11430" tIns="11430" rIns="11430" bIns="11430" numCol="1" spcCol="1270" anchor="ctr" anchorCtr="0">
           <a:noAutofit/>
         </a:bodyPr>
         <a:lstStyle/>
         <a:p>
-          <a:pPr marL="0" lvl="0" indent="0" algn="ctr" defTabSz="622300">
+          <a:pPr marL="0" lvl="0" indent="0" algn="ctr" defTabSz="800100">
             <a:lnSpc>
               <a:spcPct val="90000"/>
             </a:lnSpc>
@@ -5254,17 +5141,17 @@
             <a:buNone/>
           </a:pPr>
           <a:r>
-            <a:rPr lang="en-US" sz="1400" kern="1200">
-              <a:latin typeface="Arial" panose="020B0604020202020204" pitchFamily="34" charset="0"/>
-              <a:cs typeface="Arial" panose="020B0604020202020204" pitchFamily="34" charset="0"/>
+            <a:rPr lang="en-US" sz="1800" kern="1200">
+              <a:latin typeface="+mn-lt"/>
+              <a:cs typeface="Times New Roman" panose="02020603050405020304" pitchFamily="18" charset="0"/>
             </a:rPr>
             <a:t>Tạo tính năng Đổi mật khẩu</a:t>
           </a:r>
         </a:p>
       </dsp:txBody>
       <dsp:txXfrm>
-        <a:off x="2981389" y="3400166"/>
-        <a:ext cx="1114350" cy="688440"/>
+        <a:off x="2942048" y="3165038"/>
+        <a:ext cx="1052958" cy="823298"/>
       </dsp:txXfrm>
     </dsp:sp>
     <dsp:sp modelId="{5D81A248-700D-4C8B-9866-4BDDF473C71D}">
@@ -5274,8 +5161,8 @@
       </dsp:nvSpPr>
       <dsp:spPr>
         <a:xfrm>
-          <a:off x="2981389" y="4322619"/>
-          <a:ext cx="1114350" cy="734774"/>
+          <a:off x="2923568" y="4200223"/>
+          <a:ext cx="1052958" cy="962904"/>
         </a:xfrm>
         <a:prstGeom prst="rect">
           <a:avLst/>
@@ -5317,12 +5204,12 @@
         </a:fontRef>
       </dsp:style>
       <dsp:txBody>
-        <a:bodyPr spcFirstLastPara="0" vert="horz" wrap="square" lIns="8890" tIns="8890" rIns="8890" bIns="8890" numCol="1" spcCol="1270" anchor="ctr" anchorCtr="0">
+        <a:bodyPr spcFirstLastPara="0" vert="horz" wrap="square" lIns="11430" tIns="11430" rIns="11430" bIns="11430" numCol="1" spcCol="1270" anchor="ctr" anchorCtr="0">
           <a:noAutofit/>
         </a:bodyPr>
         <a:lstStyle/>
         <a:p>
-          <a:pPr marL="0" lvl="0" indent="0" algn="ctr" defTabSz="622300">
+          <a:pPr marL="0" lvl="0" indent="0" algn="ctr" defTabSz="800100">
             <a:lnSpc>
               <a:spcPct val="90000"/>
             </a:lnSpc>
@@ -5335,17 +5222,17 @@
             <a:buNone/>
           </a:pPr>
           <a:r>
-            <a:rPr lang="en-US" sz="1400" kern="1200">
-              <a:latin typeface="Arial" panose="020B0604020202020204" pitchFamily="34" charset="0"/>
-              <a:cs typeface="Arial" panose="020B0604020202020204" pitchFamily="34" charset="0"/>
+            <a:rPr lang="en-US" sz="1800" kern="1200">
+              <a:latin typeface="+mn-lt"/>
+              <a:cs typeface="Times New Roman" panose="02020603050405020304" pitchFamily="18" charset="0"/>
             </a:rPr>
             <a:t>Tạo tính năng Chỉnh sửa hồ sơ</a:t>
           </a:r>
         </a:p>
       </dsp:txBody>
       <dsp:txXfrm>
-        <a:off x="2981389" y="4322619"/>
-        <a:ext cx="1114350" cy="734774"/>
+        <a:off x="2923568" y="4200223"/>
+        <a:ext cx="1052958" cy="962904"/>
       </dsp:txXfrm>
     </dsp:sp>
     <dsp:sp modelId="{C679B91D-3B93-4027-9D07-E7FFF0DDE787}">
@@ -5355,8 +5242,8 @@
       </dsp:nvSpPr>
       <dsp:spPr>
         <a:xfrm>
-          <a:off x="2981389" y="5291408"/>
-          <a:ext cx="1114350" cy="679898"/>
+          <a:off x="3015934" y="5393484"/>
+          <a:ext cx="1052958" cy="875003"/>
         </a:xfrm>
         <a:prstGeom prst="rect">
           <a:avLst/>
@@ -5398,12 +5285,12 @@
         </a:fontRef>
       </dsp:style>
       <dsp:txBody>
-        <a:bodyPr spcFirstLastPara="0" vert="horz" wrap="square" lIns="8890" tIns="8890" rIns="8890" bIns="8890" numCol="1" spcCol="1270" anchor="ctr" anchorCtr="0">
+        <a:bodyPr spcFirstLastPara="0" vert="horz" wrap="square" lIns="11430" tIns="11430" rIns="11430" bIns="11430" numCol="1" spcCol="1270" anchor="ctr" anchorCtr="0">
           <a:noAutofit/>
         </a:bodyPr>
         <a:lstStyle/>
         <a:p>
-          <a:pPr marL="0" lvl="0" indent="0" algn="ctr" defTabSz="622300">
+          <a:pPr marL="0" lvl="0" indent="0" algn="ctr" defTabSz="800100">
             <a:lnSpc>
               <a:spcPct val="90000"/>
             </a:lnSpc>
@@ -5416,17 +5303,17 @@
             <a:buNone/>
           </a:pPr>
           <a:r>
-            <a:rPr lang="en-US" sz="1400" kern="1200">
-              <a:latin typeface="Arial" panose="020B0604020202020204" pitchFamily="34" charset="0"/>
-              <a:cs typeface="Arial" panose="020B0604020202020204" pitchFamily="34" charset="0"/>
+            <a:rPr lang="en-US" sz="1800" kern="1200">
+              <a:latin typeface="+mn-lt"/>
+              <a:cs typeface="Times New Roman" panose="02020603050405020304" pitchFamily="18" charset="0"/>
             </a:rPr>
             <a:t>Tạo tính năng Đăng xuất</a:t>
           </a:r>
         </a:p>
       </dsp:txBody>
       <dsp:txXfrm>
-        <a:off x="2981389" y="5291408"/>
-        <a:ext cx="1114350" cy="679898"/>
+        <a:off x="3015934" y="5393484"/>
+        <a:ext cx="1052958" cy="875003"/>
       </dsp:txXfrm>
     </dsp:sp>
     <dsp:sp modelId="{DFBB2094-69A1-4A52-A92D-360B1A07D1A3}">
@@ -5436,8 +5323,8 @@
       </dsp:nvSpPr>
       <dsp:spPr>
         <a:xfrm>
-          <a:off x="4051166" y="1817788"/>
-          <a:ext cx="1114350" cy="557175"/>
+          <a:off x="4026774" y="1572022"/>
+          <a:ext cx="1052958" cy="526479"/>
         </a:xfrm>
         <a:prstGeom prst="rect">
           <a:avLst/>
@@ -5476,12 +5363,12 @@
         </a:fontRef>
       </dsp:style>
       <dsp:txBody>
-        <a:bodyPr spcFirstLastPara="0" vert="horz" wrap="square" lIns="8890" tIns="8890" rIns="8890" bIns="8890" numCol="1" spcCol="1270" anchor="ctr" anchorCtr="0">
+        <a:bodyPr spcFirstLastPara="0" vert="horz" wrap="square" lIns="11430" tIns="11430" rIns="11430" bIns="11430" numCol="1" spcCol="1270" anchor="ctr" anchorCtr="0">
           <a:noAutofit/>
         </a:bodyPr>
         <a:lstStyle/>
         <a:p>
-          <a:pPr marL="0" lvl="0" indent="0" algn="ctr" defTabSz="622300">
+          <a:pPr marL="0" lvl="0" indent="0" algn="ctr" defTabSz="800100">
             <a:lnSpc>
               <a:spcPct val="90000"/>
             </a:lnSpc>
@@ -5494,17 +5381,17 @@
             <a:buNone/>
           </a:pPr>
           <a:r>
-            <a:rPr lang="en-US" sz="1400" kern="1200">
-              <a:latin typeface="Arial" panose="020B0604020202020204" pitchFamily="34" charset="0"/>
-              <a:cs typeface="Arial" panose="020B0604020202020204" pitchFamily="34" charset="0"/>
+            <a:rPr lang="en-US" sz="1800" kern="1200">
+              <a:latin typeface="+mn-lt"/>
+              <a:cs typeface="Times New Roman" panose="02020603050405020304" pitchFamily="18" charset="0"/>
             </a:rPr>
             <a:t>Trang chủ</a:t>
           </a:r>
         </a:p>
       </dsp:txBody>
       <dsp:txXfrm>
-        <a:off x="4051166" y="1817788"/>
-        <a:ext cx="1114350" cy="557175"/>
+        <a:off x="4026774" y="1572022"/>
+        <a:ext cx="1052958" cy="526479"/>
       </dsp:txXfrm>
     </dsp:sp>
     <dsp:sp modelId="{AB595D8C-E7F7-4BFF-8A44-9D60162DED92}">
@@ -5514,8 +5401,8 @@
       </dsp:nvSpPr>
       <dsp:spPr>
         <a:xfrm>
-          <a:off x="4329753" y="2608977"/>
-          <a:ext cx="1114350" cy="1450215"/>
+          <a:off x="4290014" y="2319623"/>
+          <a:ext cx="1052958" cy="2365256"/>
         </a:xfrm>
         <a:prstGeom prst="rect">
           <a:avLst/>
@@ -5557,6 +5444,84 @@
         </a:fontRef>
       </dsp:style>
       <dsp:txBody>
+        <a:bodyPr spcFirstLastPara="0" vert="horz" wrap="square" lIns="11430" tIns="11430" rIns="11430" bIns="11430" numCol="1" spcCol="1270" anchor="ctr" anchorCtr="0">
+          <a:noAutofit/>
+        </a:bodyPr>
+        <a:lstStyle/>
+        <a:p>
+          <a:pPr marL="0" lvl="0" indent="0" algn="ctr" defTabSz="800100">
+            <a:lnSpc>
+              <a:spcPct val="90000"/>
+            </a:lnSpc>
+            <a:spcBef>
+              <a:spcPct val="0"/>
+            </a:spcBef>
+            <a:spcAft>
+              <a:spcPct val="35000"/>
+            </a:spcAft>
+            <a:buNone/>
+          </a:pPr>
+          <a:r>
+            <a:rPr lang="en-US" sz="1800" kern="1200">
+              <a:latin typeface="+mn-lt"/>
+              <a:cs typeface="Times New Roman" panose="02020603050405020304" pitchFamily="18" charset="0"/>
+            </a:rPr>
+            <a:t>Tạo các trích dẫn đoạn đầu các trang: Giới thiệu, Các suất dạy, Gia sư tiêu biểu</a:t>
+          </a:r>
+        </a:p>
+      </dsp:txBody>
+      <dsp:txXfrm>
+        <a:off x="4290014" y="2319623"/>
+        <a:ext cx="1052958" cy="2365256"/>
+      </dsp:txXfrm>
+    </dsp:sp>
+    <dsp:sp modelId="{57B96674-772E-4E2C-94DF-4D142CFE3C18}">
+      <dsp:nvSpPr>
+        <dsp:cNvPr id="0" name=""/>
+        <dsp:cNvSpPr/>
+      </dsp:nvSpPr>
+      <dsp:spPr>
+        <a:xfrm>
+          <a:off x="5300854" y="1572022"/>
+          <a:ext cx="1052958" cy="526479"/>
+        </a:xfrm>
+        <a:prstGeom prst="rect">
+          <a:avLst/>
+        </a:prstGeom>
+        <a:solidFill>
+          <a:srgbClr val="70AD47">
+            <a:lumMod val="75000"/>
+          </a:srgbClr>
+        </a:solidFill>
+        <a:ln w="12700" cap="flat" cmpd="sng" algn="ctr">
+          <a:solidFill>
+            <a:prstClr val="white">
+              <a:hueOff val="0"/>
+              <a:satOff val="0"/>
+              <a:lumOff val="0"/>
+              <a:alphaOff val="0"/>
+            </a:prstClr>
+          </a:solidFill>
+          <a:prstDash val="solid"/>
+          <a:miter lim="800000"/>
+        </a:ln>
+        <a:effectLst/>
+      </dsp:spPr>
+      <dsp:style>
+        <a:lnRef idx="2">
+          <a:scrgbClr r="0" g="0" b="0"/>
+        </a:lnRef>
+        <a:fillRef idx="1">
+          <a:scrgbClr r="0" g="0" b="0"/>
+        </a:fillRef>
+        <a:effectRef idx="0">
+          <a:scrgbClr r="0" g="0" b="0"/>
+        </a:effectRef>
+        <a:fontRef idx="minor">
+          <a:schemeClr val="lt1"/>
+        </a:fontRef>
+      </dsp:style>
+      <dsp:txBody>
         <a:bodyPr spcFirstLastPara="0" vert="horz" wrap="square" lIns="8890" tIns="8890" rIns="8890" bIns="8890" numCol="1" spcCol="1270" anchor="ctr" anchorCtr="0">
           <a:noAutofit/>
         </a:bodyPr>
@@ -5575,28 +5540,32 @@
             <a:buNone/>
           </a:pPr>
           <a:r>
-            <a:rPr lang="en-US" sz="1400" kern="1200">
-              <a:latin typeface="Arial" panose="020B0604020202020204" pitchFamily="34" charset="0"/>
-              <a:cs typeface="Arial" panose="020B0604020202020204" pitchFamily="34" charset="0"/>
+            <a:rPr lang="en-US" sz="1800" kern="1200">
+              <a:solidFill>
+                <a:prstClr val="white"/>
+              </a:solidFill>
+              <a:latin typeface="+mn-lt"/>
+              <a:ea typeface="+mn-ea"/>
+              <a:cs typeface="Times New Roman" panose="02020603050405020304" pitchFamily="18" charset="0"/>
             </a:rPr>
-            <a:t>Tạo các trích dẫn đoạn đầu của các bài viết: giới thiệu trung tâm, các suất dạy</a:t>
+            <a:t>Trang giới thiệu</a:t>
           </a:r>
         </a:p>
       </dsp:txBody>
       <dsp:txXfrm>
-        <a:off x="4329753" y="2608977"/>
-        <a:ext cx="1114350" cy="1450215"/>
+        <a:off x="5300854" y="1572022"/>
+        <a:ext cx="1052958" cy="526479"/>
       </dsp:txXfrm>
     </dsp:sp>
-    <dsp:sp modelId="{5F07E9E9-AE2F-4673-97B4-9AA55BEAA546}">
+    <dsp:sp modelId="{22C5D4E4-B183-4908-A417-8AFC2ABB6675}">
       <dsp:nvSpPr>
         <dsp:cNvPr id="0" name=""/>
         <dsp:cNvSpPr/>
       </dsp:nvSpPr>
       <dsp:spPr>
         <a:xfrm>
-          <a:off x="4329753" y="4293206"/>
-          <a:ext cx="1114350" cy="1015658"/>
+          <a:off x="5564094" y="2319623"/>
+          <a:ext cx="1052958" cy="989007"/>
         </a:xfrm>
         <a:prstGeom prst="rect">
           <a:avLst/>
@@ -5638,12 +5607,12 @@
         </a:fontRef>
       </dsp:style>
       <dsp:txBody>
-        <a:bodyPr spcFirstLastPara="0" vert="horz" wrap="square" lIns="8890" tIns="8890" rIns="8890" bIns="8890" numCol="1" spcCol="1270" anchor="ctr" anchorCtr="0">
+        <a:bodyPr spcFirstLastPara="0" vert="horz" wrap="square" lIns="11430" tIns="11430" rIns="11430" bIns="11430" numCol="1" spcCol="1270" anchor="ctr" anchorCtr="0">
           <a:noAutofit/>
         </a:bodyPr>
         <a:lstStyle/>
         <a:p>
-          <a:pPr marL="0" lvl="0" indent="0" algn="ctr" defTabSz="622300">
+          <a:pPr marL="0" lvl="0" indent="0" algn="ctr" defTabSz="800100">
             <a:lnSpc>
               <a:spcPct val="90000"/>
             </a:lnSpc>
@@ -5656,110 +5625,28 @@
             <a:buNone/>
           </a:pPr>
           <a:r>
-            <a:rPr lang="en-US" sz="1400" kern="1200">
-              <a:latin typeface="Arial" panose="020B0604020202020204" pitchFamily="34" charset="0"/>
-              <a:cs typeface="Arial" panose="020B0604020202020204" pitchFamily="34" charset="0"/>
+            <a:rPr lang="en-US" sz="1800" kern="1200">
+              <a:latin typeface="+mn-lt"/>
+              <a:cs typeface="Times New Roman" panose="02020603050405020304" pitchFamily="18" charset="0"/>
             </a:rPr>
-            <a:t>Tạo các nút “Chi tiết” để liên kết đến trang cụ thể</a:t>
+            <a:t>Tạo trang giới thiệu trung tâm</a:t>
           </a:r>
         </a:p>
       </dsp:txBody>
       <dsp:txXfrm>
-        <a:off x="4329753" y="4293206"/>
-        <a:ext cx="1114350" cy="1015658"/>
+        <a:off x="5564094" y="2319623"/>
+        <a:ext cx="1052958" cy="989007"/>
       </dsp:txXfrm>
     </dsp:sp>
-    <dsp:sp modelId="{57B96674-772E-4E2C-94DF-4D142CFE3C18}">
+    <dsp:sp modelId="{5A053106-4DC6-4069-98DF-7CCE0F31AF65}">
       <dsp:nvSpPr>
         <dsp:cNvPr id="0" name=""/>
         <dsp:cNvSpPr/>
       </dsp:nvSpPr>
       <dsp:spPr>
         <a:xfrm>
-          <a:off x="5399530" y="1817788"/>
-          <a:ext cx="1114350" cy="557175"/>
-        </a:xfrm>
-        <a:prstGeom prst="rect">
-          <a:avLst/>
-        </a:prstGeom>
-        <a:solidFill>
-          <a:srgbClr val="70AD47">
-            <a:lumMod val="75000"/>
-          </a:srgbClr>
-        </a:solidFill>
-        <a:ln w="12700" cap="flat" cmpd="sng" algn="ctr">
-          <a:solidFill>
-            <a:prstClr val="white">
-              <a:hueOff val="0"/>
-              <a:satOff val="0"/>
-              <a:lumOff val="0"/>
-              <a:alphaOff val="0"/>
-            </a:prstClr>
-          </a:solidFill>
-          <a:prstDash val="solid"/>
-          <a:miter lim="800000"/>
-        </a:ln>
-        <a:effectLst/>
-      </dsp:spPr>
-      <dsp:style>
-        <a:lnRef idx="2">
-          <a:scrgbClr r="0" g="0" b="0"/>
-        </a:lnRef>
-        <a:fillRef idx="1">
-          <a:scrgbClr r="0" g="0" b="0"/>
-        </a:fillRef>
-        <a:effectRef idx="0">
-          <a:scrgbClr r="0" g="0" b="0"/>
-        </a:effectRef>
-        <a:fontRef idx="minor">
-          <a:schemeClr val="lt1"/>
-        </a:fontRef>
-      </dsp:style>
-      <dsp:txBody>
-        <a:bodyPr spcFirstLastPara="0" vert="horz" wrap="square" lIns="8890" tIns="8890" rIns="8890" bIns="8890" numCol="1" spcCol="1270" anchor="ctr" anchorCtr="0">
-          <a:noAutofit/>
-        </a:bodyPr>
-        <a:lstStyle/>
-        <a:p>
-          <a:pPr marL="0" lvl="0" indent="0" algn="ctr" defTabSz="622300">
-            <a:lnSpc>
-              <a:spcPct val="90000"/>
-            </a:lnSpc>
-            <a:spcBef>
-              <a:spcPct val="0"/>
-            </a:spcBef>
-            <a:spcAft>
-              <a:spcPct val="35000"/>
-            </a:spcAft>
-            <a:buNone/>
-          </a:pPr>
-          <a:r>
-            <a:rPr lang="en-US" sz="1400" kern="1200">
-              <a:solidFill>
-                <a:prstClr val="white"/>
-              </a:solidFill>
-              <a:latin typeface="Arial" panose="020B0604020202020204" pitchFamily="34" charset="0"/>
-              <a:ea typeface="+mn-ea"/>
-              <a:cs typeface="Arial" panose="020B0604020202020204" pitchFamily="34" charset="0"/>
-            </a:rPr>
-            <a:t>Trang giới thiệu</a:t>
-          </a:r>
-        </a:p>
-      </dsp:txBody>
-      <dsp:txXfrm>
-        <a:off x="5399530" y="1817788"/>
-        <a:ext cx="1114350" cy="557175"/>
-      </dsp:txXfrm>
-    </dsp:sp>
-    <dsp:sp modelId="{22C5D4E4-B183-4908-A417-8AFC2ABB6675}">
-      <dsp:nvSpPr>
-        <dsp:cNvPr id="0" name=""/>
-        <dsp:cNvSpPr/>
-      </dsp:nvSpPr>
-      <dsp:spPr>
-        <a:xfrm>
-          <a:off x="5678118" y="2608977"/>
-          <a:ext cx="1114350" cy="681118"/>
+          <a:off x="5564094" y="3529752"/>
+          <a:ext cx="1052958" cy="853312"/>
         </a:xfrm>
         <a:prstGeom prst="rect">
           <a:avLst/>
@@ -5801,12 +5688,12 @@
         </a:fontRef>
       </dsp:style>
       <dsp:txBody>
-        <a:bodyPr spcFirstLastPara="0" vert="horz" wrap="square" lIns="8890" tIns="8890" rIns="8890" bIns="8890" numCol="1" spcCol="1270" anchor="ctr" anchorCtr="0">
+        <a:bodyPr spcFirstLastPara="0" vert="horz" wrap="square" lIns="11430" tIns="11430" rIns="11430" bIns="11430" numCol="1" spcCol="1270" anchor="ctr" anchorCtr="0">
           <a:noAutofit/>
         </a:bodyPr>
         <a:lstStyle/>
         <a:p>
-          <a:pPr marL="0" lvl="0" indent="0" algn="ctr" defTabSz="622300">
+          <a:pPr marL="0" lvl="0" indent="0" algn="ctr" defTabSz="800100">
             <a:lnSpc>
               <a:spcPct val="90000"/>
             </a:lnSpc>
@@ -5819,28 +5706,106 @@
             <a:buNone/>
           </a:pPr>
           <a:r>
-            <a:rPr lang="en-US" sz="1400" kern="1200">
-              <a:latin typeface="Arial" panose="020B0604020202020204" pitchFamily="34" charset="0"/>
-              <a:cs typeface="Arial" panose="020B0604020202020204" pitchFamily="34" charset="0"/>
+            <a:rPr lang="en-US" sz="1800" kern="1200">
+              <a:latin typeface="+mn-lt"/>
+              <a:cs typeface="Times New Roman" panose="02020603050405020304" pitchFamily="18" charset="0"/>
             </a:rPr>
-            <a:t>Tạo trang giới thiệu trung tâm</a:t>
+            <a:t>Tạo trang Hướng dẫn</a:t>
           </a:r>
         </a:p>
       </dsp:txBody>
       <dsp:txXfrm>
-        <a:off x="5678118" y="2608977"/>
-        <a:ext cx="1114350" cy="681118"/>
+        <a:off x="5564094" y="3529752"/>
+        <a:ext cx="1052958" cy="853312"/>
       </dsp:txXfrm>
     </dsp:sp>
-    <dsp:sp modelId="{5A053106-4DC6-4069-98DF-7CCE0F31AF65}">
+    <dsp:sp modelId="{C3614074-BE64-4719-8F4C-2795D39F0663}">
       <dsp:nvSpPr>
         <dsp:cNvPr id="0" name=""/>
         <dsp:cNvSpPr/>
       </dsp:nvSpPr>
       <dsp:spPr>
         <a:xfrm>
-          <a:off x="5678118" y="3524109"/>
-          <a:ext cx="1114350" cy="740898"/>
+          <a:off x="6574935" y="1572022"/>
+          <a:ext cx="1148883" cy="526479"/>
+        </a:xfrm>
+        <a:prstGeom prst="rect">
+          <a:avLst/>
+        </a:prstGeom>
+        <a:solidFill>
+          <a:srgbClr val="70AD47">
+            <a:lumMod val="75000"/>
+          </a:srgbClr>
+        </a:solidFill>
+        <a:ln w="12700" cap="flat" cmpd="sng" algn="ctr">
+          <a:solidFill>
+            <a:prstClr val="white">
+              <a:hueOff val="0"/>
+              <a:satOff val="0"/>
+              <a:lumOff val="0"/>
+              <a:alphaOff val="0"/>
+            </a:prstClr>
+          </a:solidFill>
+          <a:prstDash val="solid"/>
+          <a:miter lim="800000"/>
+        </a:ln>
+        <a:effectLst/>
+      </dsp:spPr>
+      <dsp:style>
+        <a:lnRef idx="2">
+          <a:scrgbClr r="0" g="0" b="0"/>
+        </a:lnRef>
+        <a:fillRef idx="1">
+          <a:scrgbClr r="0" g="0" b="0"/>
+        </a:fillRef>
+        <a:effectRef idx="0">
+          <a:scrgbClr r="0" g="0" b="0"/>
+        </a:effectRef>
+        <a:fontRef idx="minor">
+          <a:schemeClr val="lt1"/>
+        </a:fontRef>
+      </dsp:style>
+      <dsp:txBody>
+        <a:bodyPr spcFirstLastPara="0" vert="horz" wrap="square" lIns="8890" tIns="8890" rIns="8890" bIns="8890" numCol="1" spcCol="1270" anchor="ctr" anchorCtr="0">
+          <a:noAutofit/>
+        </a:bodyPr>
+        <a:lstStyle/>
+        <a:p>
+          <a:pPr marL="0" lvl="0" indent="0" algn="ctr" defTabSz="800100">
+            <a:lnSpc>
+              <a:spcPct val="90000"/>
+            </a:lnSpc>
+            <a:spcBef>
+              <a:spcPct val="0"/>
+            </a:spcBef>
+            <a:spcAft>
+              <a:spcPct val="35000"/>
+            </a:spcAft>
+            <a:buNone/>
+          </a:pPr>
+          <a:r>
+            <a:rPr lang="en-US" sz="1800" kern="1200">
+              <a:latin typeface="+mn-lt"/>
+              <a:cs typeface="Times New Roman" panose="02020603050405020304" pitchFamily="18" charset="0"/>
+            </a:rPr>
+            <a:t>Danh mục Gia Sư</a:t>
+          </a:r>
+        </a:p>
+      </dsp:txBody>
+      <dsp:txXfrm>
+        <a:off x="6574935" y="1572022"/>
+        <a:ext cx="1148883" cy="526479"/>
+      </dsp:txXfrm>
+    </dsp:sp>
+    <dsp:sp modelId="{98A4BD74-F07E-470E-BABA-EA955F4355E8}">
+      <dsp:nvSpPr>
+        <dsp:cNvPr id="0" name=""/>
+        <dsp:cNvSpPr/>
+      </dsp:nvSpPr>
+      <dsp:spPr>
+        <a:xfrm>
+          <a:off x="6862156" y="2319623"/>
+          <a:ext cx="1052958" cy="990576"/>
         </a:xfrm>
         <a:prstGeom prst="rect">
           <a:avLst/>
@@ -5882,12 +5847,12 @@
         </a:fontRef>
       </dsp:style>
       <dsp:txBody>
-        <a:bodyPr spcFirstLastPara="0" vert="horz" wrap="square" lIns="8890" tIns="8890" rIns="8890" bIns="8890" numCol="1" spcCol="1270" anchor="ctr" anchorCtr="0">
+        <a:bodyPr spcFirstLastPara="0" vert="horz" wrap="square" lIns="11430" tIns="11430" rIns="11430" bIns="11430" numCol="1" spcCol="1270" anchor="ctr" anchorCtr="0">
           <a:noAutofit/>
         </a:bodyPr>
         <a:lstStyle/>
         <a:p>
-          <a:pPr marL="0" lvl="0" indent="0" algn="ctr" defTabSz="622300">
+          <a:pPr marL="0" lvl="0" indent="0" algn="ctr" defTabSz="800100">
             <a:lnSpc>
               <a:spcPct val="90000"/>
             </a:lnSpc>
@@ -5900,106 +5865,28 @@
             <a:buNone/>
           </a:pPr>
           <a:r>
-            <a:rPr lang="en-US" sz="1400" kern="1200">
-              <a:latin typeface="Arial" panose="020B0604020202020204" pitchFamily="34" charset="0"/>
-              <a:cs typeface="Arial" panose="020B0604020202020204" pitchFamily="34" charset="0"/>
+            <a:rPr lang="en-US" sz="1800" kern="1200">
+              <a:latin typeface="+mn-lt"/>
+              <a:cs typeface="Times New Roman" panose="02020603050405020304" pitchFamily="18" charset="0"/>
             </a:rPr>
-            <a:t>Tạo trang bài viết Hướng dẫn</a:t>
+            <a:t>Xây dựng tính năng Đăng ký suất dạy</a:t>
           </a:r>
         </a:p>
       </dsp:txBody>
       <dsp:txXfrm>
-        <a:off x="5678118" y="3524109"/>
-        <a:ext cx="1114350" cy="740898"/>
+        <a:off x="6862156" y="2319623"/>
+        <a:ext cx="1052958" cy="990576"/>
       </dsp:txXfrm>
     </dsp:sp>
-    <dsp:sp modelId="{C3614074-BE64-4719-8F4C-2795D39F0663}">
+    <dsp:sp modelId="{99227BDC-C259-45D0-A460-2210C1707885}">
       <dsp:nvSpPr>
         <dsp:cNvPr id="0" name=""/>
         <dsp:cNvSpPr/>
       </dsp:nvSpPr>
       <dsp:spPr>
         <a:xfrm>
-          <a:off x="6747894" y="1817788"/>
-          <a:ext cx="1114350" cy="557175"/>
-        </a:xfrm>
-        <a:prstGeom prst="rect">
-          <a:avLst/>
-        </a:prstGeom>
-        <a:solidFill>
-          <a:srgbClr val="70AD47">
-            <a:lumMod val="75000"/>
-          </a:srgbClr>
-        </a:solidFill>
-        <a:ln w="12700" cap="flat" cmpd="sng" algn="ctr">
-          <a:solidFill>
-            <a:prstClr val="white">
-              <a:hueOff val="0"/>
-              <a:satOff val="0"/>
-              <a:lumOff val="0"/>
-              <a:alphaOff val="0"/>
-            </a:prstClr>
-          </a:solidFill>
-          <a:prstDash val="solid"/>
-          <a:miter lim="800000"/>
-        </a:ln>
-        <a:effectLst/>
-      </dsp:spPr>
-      <dsp:style>
-        <a:lnRef idx="2">
-          <a:scrgbClr r="0" g="0" b="0"/>
-        </a:lnRef>
-        <a:fillRef idx="1">
-          <a:scrgbClr r="0" g="0" b="0"/>
-        </a:fillRef>
-        <a:effectRef idx="0">
-          <a:scrgbClr r="0" g="0" b="0"/>
-        </a:effectRef>
-        <a:fontRef idx="minor">
-          <a:schemeClr val="lt1"/>
-        </a:fontRef>
-      </dsp:style>
-      <dsp:txBody>
-        <a:bodyPr spcFirstLastPara="0" vert="horz" wrap="square" lIns="8890" tIns="8890" rIns="8890" bIns="8890" numCol="1" spcCol="1270" anchor="ctr" anchorCtr="0">
-          <a:noAutofit/>
-        </a:bodyPr>
-        <a:lstStyle/>
-        <a:p>
-          <a:pPr marL="0" lvl="0" indent="0" algn="ctr" defTabSz="622300">
-            <a:lnSpc>
-              <a:spcPct val="90000"/>
-            </a:lnSpc>
-            <a:spcBef>
-              <a:spcPct val="0"/>
-            </a:spcBef>
-            <a:spcAft>
-              <a:spcPct val="35000"/>
-            </a:spcAft>
-            <a:buNone/>
-          </a:pPr>
-          <a:r>
-            <a:rPr lang="en-US" sz="1400" kern="1200">
-              <a:latin typeface="Arial" panose="020B0604020202020204" pitchFamily="34" charset="0"/>
-              <a:cs typeface="Arial" panose="020B0604020202020204" pitchFamily="34" charset="0"/>
-            </a:rPr>
-            <a:t>Danh mục Gia Sư</a:t>
-          </a:r>
-        </a:p>
-      </dsp:txBody>
-      <dsp:txXfrm>
-        <a:off x="6747894" y="1817788"/>
-        <a:ext cx="1114350" cy="557175"/>
-      </dsp:txXfrm>
-    </dsp:sp>
-    <dsp:sp modelId="{98A4BD74-F07E-470E-BABA-EA955F4355E8}">
-      <dsp:nvSpPr>
-        <dsp:cNvPr id="0" name=""/>
-        <dsp:cNvSpPr/>
-      </dsp:nvSpPr>
-      <dsp:spPr>
-        <a:xfrm>
-          <a:off x="7026482" y="2608977"/>
-          <a:ext cx="1114350" cy="884877"/>
+          <a:off x="6862156" y="3531321"/>
+          <a:ext cx="1052958" cy="1125665"/>
         </a:xfrm>
         <a:prstGeom prst="rect">
           <a:avLst/>
@@ -6041,12 +5928,12 @@
         </a:fontRef>
       </dsp:style>
       <dsp:txBody>
-        <a:bodyPr spcFirstLastPara="0" vert="horz" wrap="square" lIns="8890" tIns="8890" rIns="8890" bIns="8890" numCol="1" spcCol="1270" anchor="ctr" anchorCtr="0">
+        <a:bodyPr spcFirstLastPara="0" vert="horz" wrap="square" lIns="11430" tIns="11430" rIns="11430" bIns="11430" numCol="1" spcCol="1270" anchor="ctr" anchorCtr="0">
           <a:noAutofit/>
         </a:bodyPr>
         <a:lstStyle/>
         <a:p>
-          <a:pPr marL="0" lvl="0" indent="0" algn="ctr" defTabSz="622300">
+          <a:pPr marL="0" lvl="0" indent="0" algn="ctr" defTabSz="800100">
             <a:lnSpc>
               <a:spcPct val="90000"/>
             </a:lnSpc>
@@ -6059,28 +5946,28 @@
             <a:buNone/>
           </a:pPr>
           <a:r>
-            <a:rPr lang="en-US" sz="1400" kern="1200">
-              <a:latin typeface="Arial" panose="020B0604020202020204" pitchFamily="34" charset="0"/>
-              <a:cs typeface="Arial" panose="020B0604020202020204" pitchFamily="34" charset="0"/>
+            <a:rPr lang="en-US" sz="1800" kern="1200">
+              <a:latin typeface="+mn-lt"/>
+              <a:cs typeface="Times New Roman" panose="02020603050405020304" pitchFamily="18" charset="0"/>
             </a:rPr>
-            <a:t>Xây dựng tính năng Đăng ký suất dạy</a:t>
+            <a:t>Tạo trang hiển thị các suất dạy mới</a:t>
           </a:r>
         </a:p>
       </dsp:txBody>
       <dsp:txXfrm>
-        <a:off x="7026482" y="2608977"/>
-        <a:ext cx="1114350" cy="884877"/>
+        <a:off x="6862156" y="3531321"/>
+        <a:ext cx="1052958" cy="1125665"/>
       </dsp:txXfrm>
     </dsp:sp>
-    <dsp:sp modelId="{99227BDC-C259-45D0-A460-2210C1707885}">
+    <dsp:sp modelId="{47A8CFEC-4A04-4D93-9934-806CA3DCC72D}">
       <dsp:nvSpPr>
         <dsp:cNvPr id="0" name=""/>
         <dsp:cNvSpPr/>
       </dsp:nvSpPr>
       <dsp:spPr>
         <a:xfrm>
-          <a:off x="7026482" y="3727868"/>
-          <a:ext cx="1114350" cy="734719"/>
+          <a:off x="6862156" y="4878108"/>
+          <a:ext cx="1052958" cy="1070827"/>
         </a:xfrm>
         <a:prstGeom prst="rect">
           <a:avLst/>
@@ -6122,12 +6009,12 @@
         </a:fontRef>
       </dsp:style>
       <dsp:txBody>
-        <a:bodyPr spcFirstLastPara="0" vert="horz" wrap="square" lIns="8890" tIns="8890" rIns="8890" bIns="8890" numCol="1" spcCol="1270" anchor="ctr" anchorCtr="0">
+        <a:bodyPr spcFirstLastPara="0" vert="horz" wrap="square" lIns="11430" tIns="11430" rIns="11430" bIns="11430" numCol="1" spcCol="1270" anchor="ctr" anchorCtr="0">
           <a:noAutofit/>
         </a:bodyPr>
         <a:lstStyle/>
         <a:p>
-          <a:pPr marL="0" lvl="0" indent="0" algn="ctr" defTabSz="622300">
+          <a:pPr marL="0" lvl="0" indent="0" algn="ctr" defTabSz="800100">
             <a:lnSpc>
               <a:spcPct val="90000"/>
             </a:lnSpc>
@@ -6140,28 +6027,106 @@
             <a:buNone/>
           </a:pPr>
           <a:r>
-            <a:rPr lang="en-US" sz="1400" kern="1200">
-              <a:latin typeface="Arial" panose="020B0604020202020204" pitchFamily="34" charset="0"/>
-              <a:cs typeface="Arial" panose="020B0604020202020204" pitchFamily="34" charset="0"/>
+            <a:rPr lang="en-US" sz="1800" kern="1200">
+              <a:latin typeface="+mn-lt"/>
+              <a:cs typeface="Times New Roman" panose="02020603050405020304" pitchFamily="18" charset="0"/>
             </a:rPr>
-            <a:t>Tạo trang hiển thị các suất dạy mới</a:t>
+            <a:t>Thiết lập Bộ lọc tìm kiếm suất dạy</a:t>
           </a:r>
         </a:p>
       </dsp:txBody>
       <dsp:txXfrm>
-        <a:off x="7026482" y="3727868"/>
-        <a:ext cx="1114350" cy="734719"/>
+        <a:off x="6862156" y="4878108"/>
+        <a:ext cx="1052958" cy="1070827"/>
       </dsp:txXfrm>
     </dsp:sp>
-    <dsp:sp modelId="{47A8CFEC-4A04-4D93-9934-806CA3DCC72D}">
+    <dsp:sp modelId="{232BC1A4-5D42-4608-9C98-C1F86B699B19}">
       <dsp:nvSpPr>
         <dsp:cNvPr id="0" name=""/>
         <dsp:cNvSpPr/>
       </dsp:nvSpPr>
       <dsp:spPr>
         <a:xfrm>
-          <a:off x="7026482" y="4696601"/>
-          <a:ext cx="1114350" cy="768166"/>
+          <a:off x="7944940" y="1572022"/>
+          <a:ext cx="1200910" cy="526479"/>
+        </a:xfrm>
+        <a:prstGeom prst="rect">
+          <a:avLst/>
+        </a:prstGeom>
+        <a:solidFill>
+          <a:schemeClr val="accent6">
+            <a:lumMod val="75000"/>
+          </a:schemeClr>
+        </a:solidFill>
+        <a:ln w="12700" cap="flat" cmpd="sng" algn="ctr">
+          <a:solidFill>
+            <a:schemeClr val="lt1">
+              <a:hueOff val="0"/>
+              <a:satOff val="0"/>
+              <a:lumOff val="0"/>
+              <a:alphaOff val="0"/>
+            </a:schemeClr>
+          </a:solidFill>
+          <a:prstDash val="solid"/>
+          <a:miter lim="800000"/>
+        </a:ln>
+        <a:effectLst/>
+      </dsp:spPr>
+      <dsp:style>
+        <a:lnRef idx="2">
+          <a:scrgbClr r="0" g="0" b="0"/>
+        </a:lnRef>
+        <a:fillRef idx="1">
+          <a:scrgbClr r="0" g="0" b="0"/>
+        </a:fillRef>
+        <a:effectRef idx="0">
+          <a:scrgbClr r="0" g="0" b="0"/>
+        </a:effectRef>
+        <a:fontRef idx="minor">
+          <a:schemeClr val="lt1"/>
+        </a:fontRef>
+      </dsp:style>
+      <dsp:txBody>
+        <a:bodyPr spcFirstLastPara="0" vert="horz" wrap="square" lIns="11430" tIns="11430" rIns="11430" bIns="11430" numCol="1" spcCol="1270" anchor="ctr" anchorCtr="0">
+          <a:noAutofit/>
+        </a:bodyPr>
+        <a:lstStyle/>
+        <a:p>
+          <a:pPr marL="0" lvl="0" indent="0" algn="ctr" defTabSz="800100">
+            <a:lnSpc>
+              <a:spcPct val="90000"/>
+            </a:lnSpc>
+            <a:spcBef>
+              <a:spcPct val="0"/>
+            </a:spcBef>
+            <a:spcAft>
+              <a:spcPct val="35000"/>
+            </a:spcAft>
+            <a:buNone/>
+          </a:pPr>
+          <a:r>
+            <a:rPr lang="en-US" sz="1800" kern="1200">
+              <a:latin typeface="+mn-lt"/>
+              <a:cs typeface="Times New Roman" panose="02020603050405020304" pitchFamily="18" charset="0"/>
+            </a:rPr>
+            <a:t>Danh mục Phụ huynh</a:t>
+          </a:r>
+        </a:p>
+      </dsp:txBody>
+      <dsp:txXfrm>
+        <a:off x="7944940" y="1572022"/>
+        <a:ext cx="1200910" cy="526479"/>
+      </dsp:txXfrm>
+    </dsp:sp>
+    <dsp:sp modelId="{FE752E61-95AF-4158-9A59-C0E65CA926C8}">
+      <dsp:nvSpPr>
+        <dsp:cNvPr id="0" name=""/>
+        <dsp:cNvSpPr/>
+      </dsp:nvSpPr>
+      <dsp:spPr>
+        <a:xfrm>
+          <a:off x="8245167" y="2319623"/>
+          <a:ext cx="1052958" cy="987096"/>
         </a:xfrm>
         <a:prstGeom prst="rect">
           <a:avLst/>
@@ -6203,12 +6168,12 @@
         </a:fontRef>
       </dsp:style>
       <dsp:txBody>
-        <a:bodyPr spcFirstLastPara="0" vert="horz" wrap="square" lIns="8890" tIns="8890" rIns="8890" bIns="8890" numCol="1" spcCol="1270" anchor="ctr" anchorCtr="0">
+        <a:bodyPr spcFirstLastPara="0" vert="horz" wrap="square" lIns="11430" tIns="11430" rIns="11430" bIns="11430" numCol="1" spcCol="1270" anchor="ctr" anchorCtr="0">
           <a:noAutofit/>
         </a:bodyPr>
         <a:lstStyle/>
         <a:p>
-          <a:pPr marL="0" lvl="0" indent="0" algn="ctr" defTabSz="622300">
+          <a:pPr marL="0" lvl="0" indent="0" algn="ctr" defTabSz="800100">
             <a:lnSpc>
               <a:spcPct val="90000"/>
             </a:lnSpc>
@@ -6221,106 +6186,28 @@
             <a:buNone/>
           </a:pPr>
           <a:r>
-            <a:rPr lang="en-US" sz="1400" kern="1200">
-              <a:latin typeface="Arial" panose="020B0604020202020204" pitchFamily="34" charset="0"/>
-              <a:cs typeface="Arial" panose="020B0604020202020204" pitchFamily="34" charset="0"/>
+            <a:rPr lang="en-US" sz="1800" kern="1200">
+              <a:latin typeface="+mn-lt"/>
+              <a:cs typeface="Times New Roman" panose="02020603050405020304" pitchFamily="18" charset="0"/>
             </a:rPr>
-            <a:t>Thiết lập Bộ lọc tìm kiếm suất dạy</a:t>
+            <a:t>Tạo tính năng hiển thị gia sư tiêu biểu</a:t>
           </a:r>
         </a:p>
       </dsp:txBody>
       <dsp:txXfrm>
-        <a:off x="7026482" y="4696601"/>
-        <a:ext cx="1114350" cy="768166"/>
+        <a:off x="8245167" y="2319623"/>
+        <a:ext cx="1052958" cy="987096"/>
       </dsp:txXfrm>
     </dsp:sp>
-    <dsp:sp modelId="{232BC1A4-5D42-4608-9C98-C1F86B699B19}">
+    <dsp:sp modelId="{91098537-C4A3-489F-9CB3-D301620B7E77}">
       <dsp:nvSpPr>
         <dsp:cNvPr id="0" name=""/>
         <dsp:cNvSpPr/>
       </dsp:nvSpPr>
       <dsp:spPr>
         <a:xfrm>
-          <a:off x="8096258" y="1817788"/>
-          <a:ext cx="1114350" cy="557175"/>
-        </a:xfrm>
-        <a:prstGeom prst="rect">
-          <a:avLst/>
-        </a:prstGeom>
-        <a:solidFill>
-          <a:schemeClr val="accent6">
-            <a:lumMod val="75000"/>
-          </a:schemeClr>
-        </a:solidFill>
-        <a:ln w="12700" cap="flat" cmpd="sng" algn="ctr">
-          <a:solidFill>
-            <a:schemeClr val="lt1">
-              <a:hueOff val="0"/>
-              <a:satOff val="0"/>
-              <a:lumOff val="0"/>
-              <a:alphaOff val="0"/>
-            </a:schemeClr>
-          </a:solidFill>
-          <a:prstDash val="solid"/>
-          <a:miter lim="800000"/>
-        </a:ln>
-        <a:effectLst/>
-      </dsp:spPr>
-      <dsp:style>
-        <a:lnRef idx="2">
-          <a:scrgbClr r="0" g="0" b="0"/>
-        </a:lnRef>
-        <a:fillRef idx="1">
-          <a:scrgbClr r="0" g="0" b="0"/>
-        </a:fillRef>
-        <a:effectRef idx="0">
-          <a:scrgbClr r="0" g="0" b="0"/>
-        </a:effectRef>
-        <a:fontRef idx="minor">
-          <a:schemeClr val="lt1"/>
-        </a:fontRef>
-      </dsp:style>
-      <dsp:txBody>
-        <a:bodyPr spcFirstLastPara="0" vert="horz" wrap="square" lIns="8890" tIns="8890" rIns="8890" bIns="8890" numCol="1" spcCol="1270" anchor="ctr" anchorCtr="0">
-          <a:noAutofit/>
-        </a:bodyPr>
-        <a:lstStyle/>
-        <a:p>
-          <a:pPr marL="0" lvl="0" indent="0" algn="ctr" defTabSz="622300">
-            <a:lnSpc>
-              <a:spcPct val="90000"/>
-            </a:lnSpc>
-            <a:spcBef>
-              <a:spcPct val="0"/>
-            </a:spcBef>
-            <a:spcAft>
-              <a:spcPct val="35000"/>
-            </a:spcAft>
-            <a:buNone/>
-          </a:pPr>
-          <a:r>
-            <a:rPr lang="en-US" sz="1400" kern="1200">
-              <a:latin typeface="Arial" panose="020B0604020202020204" pitchFamily="34" charset="0"/>
-              <a:cs typeface="Arial" panose="020B0604020202020204" pitchFamily="34" charset="0"/>
-            </a:rPr>
-            <a:t>Danh mục Phụ huynh</a:t>
-          </a:r>
-        </a:p>
-      </dsp:txBody>
-      <dsp:txXfrm>
-        <a:off x="8096258" y="1817788"/>
-        <a:ext cx="1114350" cy="557175"/>
-      </dsp:txXfrm>
-    </dsp:sp>
-    <dsp:sp modelId="{FE752E61-95AF-4158-9A59-C0E65CA926C8}">
-      <dsp:nvSpPr>
-        <dsp:cNvPr id="0" name=""/>
-        <dsp:cNvSpPr/>
-      </dsp:nvSpPr>
-      <dsp:spPr>
-        <a:xfrm>
-          <a:off x="8374846" y="2608977"/>
-          <a:ext cx="1114350" cy="870057"/>
+          <a:off x="8245167" y="3527841"/>
+          <a:ext cx="1052958" cy="1088311"/>
         </a:xfrm>
         <a:prstGeom prst="rect">
           <a:avLst/>
@@ -6362,12 +6249,12 @@
         </a:fontRef>
       </dsp:style>
       <dsp:txBody>
-        <a:bodyPr spcFirstLastPara="0" vert="horz" wrap="square" lIns="8890" tIns="8890" rIns="8890" bIns="8890" numCol="1" spcCol="1270" anchor="ctr" anchorCtr="0">
+        <a:bodyPr spcFirstLastPara="0" vert="horz" wrap="square" lIns="11430" tIns="11430" rIns="11430" bIns="11430" numCol="1" spcCol="1270" anchor="ctr" anchorCtr="0">
           <a:noAutofit/>
         </a:bodyPr>
         <a:lstStyle/>
         <a:p>
-          <a:pPr marL="0" lvl="0" indent="0" algn="ctr" defTabSz="622300">
+          <a:pPr marL="0" lvl="0" indent="0" algn="ctr" defTabSz="800100">
             <a:lnSpc>
               <a:spcPct val="90000"/>
             </a:lnSpc>
@@ -6380,28 +6267,106 @@
             <a:buNone/>
           </a:pPr>
           <a:r>
-            <a:rPr lang="en-US" sz="1400" kern="1200">
-              <a:latin typeface="Arial" panose="020B0604020202020204" pitchFamily="34" charset="0"/>
-              <a:cs typeface="Arial" panose="020B0604020202020204" pitchFamily="34" charset="0"/>
+            <a:rPr lang="en-US" sz="1800" kern="1200">
+              <a:latin typeface="+mn-lt"/>
+              <a:cs typeface="Times New Roman" panose="02020603050405020304" pitchFamily="18" charset="0"/>
             </a:rPr>
-            <a:t>Tạo tính năng hiển thị gia sư tiêu biểu</a:t>
+            <a:t>Xây dựng tính năng Đăng ký tìm gia sư</a:t>
           </a:r>
         </a:p>
       </dsp:txBody>
       <dsp:txXfrm>
-        <a:off x="8374846" y="2608977"/>
-        <a:ext cx="1114350" cy="870057"/>
+        <a:off x="8245167" y="3527841"/>
+        <a:ext cx="1052958" cy="1088311"/>
       </dsp:txXfrm>
     </dsp:sp>
-    <dsp:sp modelId="{91098537-C4A3-489F-9CB3-D301620B7E77}">
+    <dsp:sp modelId="{CAA2CAD7-F6F3-4272-8434-87A293491845}">
       <dsp:nvSpPr>
         <dsp:cNvPr id="0" name=""/>
         <dsp:cNvSpPr/>
       </dsp:nvSpPr>
       <dsp:spPr>
         <a:xfrm>
-          <a:off x="8374846" y="3713047"/>
-          <a:ext cx="1114350" cy="876832"/>
+          <a:off x="9366971" y="1572022"/>
+          <a:ext cx="1241775" cy="526479"/>
+        </a:xfrm>
+        <a:prstGeom prst="rect">
+          <a:avLst/>
+        </a:prstGeom>
+        <a:solidFill>
+          <a:schemeClr val="accent6">
+            <a:lumMod val="75000"/>
+          </a:schemeClr>
+        </a:solidFill>
+        <a:ln w="12700" cap="flat" cmpd="sng" algn="ctr">
+          <a:solidFill>
+            <a:schemeClr val="lt1">
+              <a:hueOff val="0"/>
+              <a:satOff val="0"/>
+              <a:lumOff val="0"/>
+              <a:alphaOff val="0"/>
+            </a:schemeClr>
+          </a:solidFill>
+          <a:prstDash val="solid"/>
+          <a:miter lim="800000"/>
+        </a:ln>
+        <a:effectLst/>
+      </dsp:spPr>
+      <dsp:style>
+        <a:lnRef idx="2">
+          <a:scrgbClr r="0" g="0" b="0"/>
+        </a:lnRef>
+        <a:fillRef idx="1">
+          <a:scrgbClr r="0" g="0" b="0"/>
+        </a:fillRef>
+        <a:effectRef idx="0">
+          <a:scrgbClr r="0" g="0" b="0"/>
+        </a:effectRef>
+        <a:fontRef idx="minor">
+          <a:schemeClr val="lt1"/>
+        </a:fontRef>
+      </dsp:style>
+      <dsp:txBody>
+        <a:bodyPr spcFirstLastPara="0" vert="horz" wrap="square" lIns="11430" tIns="11430" rIns="11430" bIns="11430" numCol="1" spcCol="1270" anchor="ctr" anchorCtr="0">
+          <a:noAutofit/>
+        </a:bodyPr>
+        <a:lstStyle/>
+        <a:p>
+          <a:pPr marL="0" lvl="0" indent="0" algn="ctr" defTabSz="800100">
+            <a:lnSpc>
+              <a:spcPct val="90000"/>
+            </a:lnSpc>
+            <a:spcBef>
+              <a:spcPct val="0"/>
+            </a:spcBef>
+            <a:spcAft>
+              <a:spcPct val="35000"/>
+            </a:spcAft>
+            <a:buNone/>
+          </a:pPr>
+          <a:r>
+            <a:rPr lang="en-US" sz="1800" kern="1200">
+              <a:latin typeface="+mn-lt"/>
+              <a:cs typeface="Times New Roman" panose="02020603050405020304" pitchFamily="18" charset="0"/>
+            </a:rPr>
+            <a:t>Trang tài liệu học tập</a:t>
+          </a:r>
+        </a:p>
+      </dsp:txBody>
+      <dsp:txXfrm>
+        <a:off x="9366971" y="1572022"/>
+        <a:ext cx="1241775" cy="526479"/>
+      </dsp:txXfrm>
+    </dsp:sp>
+    <dsp:sp modelId="{8BFCFC47-56C4-415E-8026-CC4EC0F7A329}">
+      <dsp:nvSpPr>
+        <dsp:cNvPr id="0" name=""/>
+        <dsp:cNvSpPr/>
+      </dsp:nvSpPr>
+      <dsp:spPr>
+        <a:xfrm>
+          <a:off x="9677415" y="2319623"/>
+          <a:ext cx="1052958" cy="1125018"/>
         </a:xfrm>
         <a:prstGeom prst="rect">
           <a:avLst/>
@@ -6443,12 +6408,12 @@
         </a:fontRef>
       </dsp:style>
       <dsp:txBody>
-        <a:bodyPr spcFirstLastPara="0" vert="horz" wrap="square" lIns="8890" tIns="8890" rIns="8890" bIns="8890" numCol="1" spcCol="1270" anchor="ctr" anchorCtr="0">
+        <a:bodyPr spcFirstLastPara="0" vert="horz" wrap="square" lIns="11430" tIns="11430" rIns="11430" bIns="11430" numCol="1" spcCol="1270" anchor="ctr" anchorCtr="0">
           <a:noAutofit/>
         </a:bodyPr>
         <a:lstStyle/>
         <a:p>
-          <a:pPr marL="0" lvl="0" indent="0" algn="ctr" defTabSz="622300">
+          <a:pPr marL="0" lvl="0" indent="0" algn="ctr" defTabSz="800100">
             <a:lnSpc>
               <a:spcPct val="90000"/>
             </a:lnSpc>
@@ -6461,106 +6426,28 @@
             <a:buNone/>
           </a:pPr>
           <a:r>
-            <a:rPr lang="en-US" sz="1400" kern="1200">
-              <a:latin typeface="Arial" panose="020B0604020202020204" pitchFamily="34" charset="0"/>
-              <a:cs typeface="Arial" panose="020B0604020202020204" pitchFamily="34" charset="0"/>
+            <a:rPr lang="en-US" sz="1800" kern="1200">
+              <a:latin typeface="+mn-lt"/>
+              <a:cs typeface="Times New Roman" panose="02020603050405020304" pitchFamily="18" charset="0"/>
             </a:rPr>
-            <a:t>Xây dựng tính năng Đăng ký tìm gia sư</a:t>
+            <a:t>Thiết lập Danh mục theo lớp, môn</a:t>
           </a:r>
         </a:p>
       </dsp:txBody>
       <dsp:txXfrm>
-        <a:off x="8374846" y="3713047"/>
-        <a:ext cx="1114350" cy="876832"/>
+        <a:off x="9677415" y="2319623"/>
+        <a:ext cx="1052958" cy="1125018"/>
       </dsp:txXfrm>
     </dsp:sp>
-    <dsp:sp modelId="{CAA2CAD7-F6F3-4272-8434-87A293491845}">
+    <dsp:sp modelId="{B326573B-B8B2-401F-B6D7-2226BB443445}">
       <dsp:nvSpPr>
         <dsp:cNvPr id="0" name=""/>
         <dsp:cNvSpPr/>
       </dsp:nvSpPr>
       <dsp:spPr>
         <a:xfrm>
-          <a:off x="9444622" y="1817788"/>
-          <a:ext cx="1114350" cy="557175"/>
-        </a:xfrm>
-        <a:prstGeom prst="rect">
-          <a:avLst/>
-        </a:prstGeom>
-        <a:solidFill>
-          <a:schemeClr val="accent6">
-            <a:lumMod val="75000"/>
-          </a:schemeClr>
-        </a:solidFill>
-        <a:ln w="12700" cap="flat" cmpd="sng" algn="ctr">
-          <a:solidFill>
-            <a:schemeClr val="lt1">
-              <a:hueOff val="0"/>
-              <a:satOff val="0"/>
-              <a:lumOff val="0"/>
-              <a:alphaOff val="0"/>
-            </a:schemeClr>
-          </a:solidFill>
-          <a:prstDash val="solid"/>
-          <a:miter lim="800000"/>
-        </a:ln>
-        <a:effectLst/>
-      </dsp:spPr>
-      <dsp:style>
-        <a:lnRef idx="2">
-          <a:scrgbClr r="0" g="0" b="0"/>
-        </a:lnRef>
-        <a:fillRef idx="1">
-          <a:scrgbClr r="0" g="0" b="0"/>
-        </a:fillRef>
-        <a:effectRef idx="0">
-          <a:scrgbClr r="0" g="0" b="0"/>
-        </a:effectRef>
-        <a:fontRef idx="minor">
-          <a:schemeClr val="lt1"/>
-        </a:fontRef>
-      </dsp:style>
-      <dsp:txBody>
-        <a:bodyPr spcFirstLastPara="0" vert="horz" wrap="square" lIns="8890" tIns="8890" rIns="8890" bIns="8890" numCol="1" spcCol="1270" anchor="ctr" anchorCtr="0">
-          <a:noAutofit/>
-        </a:bodyPr>
-        <a:lstStyle/>
-        <a:p>
-          <a:pPr marL="0" lvl="0" indent="0" algn="ctr" defTabSz="622300">
-            <a:lnSpc>
-              <a:spcPct val="90000"/>
-            </a:lnSpc>
-            <a:spcBef>
-              <a:spcPct val="0"/>
-            </a:spcBef>
-            <a:spcAft>
-              <a:spcPct val="35000"/>
-            </a:spcAft>
-            <a:buNone/>
-          </a:pPr>
-          <a:r>
-            <a:rPr lang="en-US" sz="1400" kern="1200">
-              <a:latin typeface="Arial" panose="020B0604020202020204" pitchFamily="34" charset="0"/>
-              <a:cs typeface="Arial" panose="020B0604020202020204" pitchFamily="34" charset="0"/>
-            </a:rPr>
-            <a:t>Trang tài liệu học tập</a:t>
-          </a:r>
-        </a:p>
-      </dsp:txBody>
-      <dsp:txXfrm>
-        <a:off x="9444622" y="1817788"/>
-        <a:ext cx="1114350" cy="557175"/>
-      </dsp:txXfrm>
-    </dsp:sp>
-    <dsp:sp modelId="{8BFCFC47-56C4-415E-8026-CC4EC0F7A329}">
-      <dsp:nvSpPr>
-        <dsp:cNvPr id="0" name=""/>
-        <dsp:cNvSpPr/>
-      </dsp:nvSpPr>
-      <dsp:spPr>
-        <a:xfrm>
-          <a:off x="9723210" y="2608977"/>
-          <a:ext cx="1114350" cy="649382"/>
+          <a:off x="9677415" y="3665763"/>
+          <a:ext cx="1052958" cy="899342"/>
         </a:xfrm>
         <a:prstGeom prst="rect">
           <a:avLst/>
@@ -6602,12 +6489,12 @@
         </a:fontRef>
       </dsp:style>
       <dsp:txBody>
-        <a:bodyPr spcFirstLastPara="0" vert="horz" wrap="square" lIns="8890" tIns="8890" rIns="8890" bIns="8890" numCol="1" spcCol="1270" anchor="ctr" anchorCtr="0">
+        <a:bodyPr spcFirstLastPara="0" vert="horz" wrap="square" lIns="11430" tIns="11430" rIns="11430" bIns="11430" numCol="1" spcCol="1270" anchor="ctr" anchorCtr="0">
           <a:noAutofit/>
         </a:bodyPr>
         <a:lstStyle/>
         <a:p>
-          <a:pPr marL="0" lvl="0" indent="0" algn="ctr" defTabSz="622300">
+          <a:pPr marL="0" lvl="0" indent="0" algn="ctr" defTabSz="800100">
             <a:lnSpc>
               <a:spcPct val="90000"/>
             </a:lnSpc>
@@ -6620,28 +6507,106 @@
             <a:buNone/>
           </a:pPr>
           <a:r>
-            <a:rPr lang="en-US" sz="1400" kern="1200">
-              <a:latin typeface="Arial" panose="020B0604020202020204" pitchFamily="34" charset="0"/>
-              <a:cs typeface="Arial" panose="020B0604020202020204" pitchFamily="34" charset="0"/>
+            <a:rPr lang="en-US" sz="1800" kern="1200">
+              <a:latin typeface="+mn-lt"/>
+              <a:cs typeface="Times New Roman" panose="02020603050405020304" pitchFamily="18" charset="0"/>
             </a:rPr>
-            <a:t>Thiết lập Danh mục theo lớp, môn</a:t>
+            <a:t>Tạo tính năng upload file</a:t>
           </a:r>
         </a:p>
       </dsp:txBody>
       <dsp:txXfrm>
-        <a:off x="9723210" y="2608977"/>
-        <a:ext cx="1114350" cy="649382"/>
+        <a:off x="9677415" y="3665763"/>
+        <a:ext cx="1052958" cy="899342"/>
       </dsp:txXfrm>
     </dsp:sp>
-    <dsp:sp modelId="{B326573B-B8B2-401F-B6D7-2226BB443445}">
+    <dsp:sp modelId="{4D11E440-8D50-47A5-ACC1-F96AD06F61D5}">
       <dsp:nvSpPr>
         <dsp:cNvPr id="0" name=""/>
         <dsp:cNvSpPr/>
       </dsp:nvSpPr>
       <dsp:spPr>
         <a:xfrm>
-          <a:off x="9723210" y="3492373"/>
-          <a:ext cx="1114350" cy="557175"/>
+          <a:off x="10829868" y="1572022"/>
+          <a:ext cx="1215019" cy="526479"/>
+        </a:xfrm>
+        <a:prstGeom prst="rect">
+          <a:avLst/>
+        </a:prstGeom>
+        <a:solidFill>
+          <a:schemeClr val="accent6">
+            <a:lumMod val="75000"/>
+          </a:schemeClr>
+        </a:solidFill>
+        <a:ln w="12700" cap="flat" cmpd="sng" algn="ctr">
+          <a:solidFill>
+            <a:schemeClr val="lt1">
+              <a:hueOff val="0"/>
+              <a:satOff val="0"/>
+              <a:lumOff val="0"/>
+              <a:alphaOff val="0"/>
+            </a:schemeClr>
+          </a:solidFill>
+          <a:prstDash val="solid"/>
+          <a:miter lim="800000"/>
+        </a:ln>
+        <a:effectLst/>
+      </dsp:spPr>
+      <dsp:style>
+        <a:lnRef idx="2">
+          <a:scrgbClr r="0" g="0" b="0"/>
+        </a:lnRef>
+        <a:fillRef idx="1">
+          <a:scrgbClr r="0" g="0" b="0"/>
+        </a:fillRef>
+        <a:effectRef idx="0">
+          <a:scrgbClr r="0" g="0" b="0"/>
+        </a:effectRef>
+        <a:fontRef idx="minor">
+          <a:schemeClr val="lt1"/>
+        </a:fontRef>
+      </dsp:style>
+      <dsp:txBody>
+        <a:bodyPr spcFirstLastPara="0" vert="horz" wrap="square" lIns="11430" tIns="11430" rIns="11430" bIns="11430" numCol="1" spcCol="1270" anchor="ctr" anchorCtr="0">
+          <a:noAutofit/>
+        </a:bodyPr>
+        <a:lstStyle/>
+        <a:p>
+          <a:pPr marL="0" lvl="0" indent="0" algn="ctr" defTabSz="800100">
+            <a:lnSpc>
+              <a:spcPct val="90000"/>
+            </a:lnSpc>
+            <a:spcBef>
+              <a:spcPct val="0"/>
+            </a:spcBef>
+            <a:spcAft>
+              <a:spcPct val="35000"/>
+            </a:spcAft>
+            <a:buNone/>
+          </a:pPr>
+          <a:r>
+            <a:rPr lang="en-US" sz="1800" kern="1200">
+              <a:latin typeface="+mn-lt"/>
+              <a:cs typeface="Times New Roman" panose="02020603050405020304" pitchFamily="18" charset="0"/>
+            </a:rPr>
+            <a:t>Khung chat</a:t>
+          </a:r>
+        </a:p>
+      </dsp:txBody>
+      <dsp:txXfrm>
+        <a:off x="10829868" y="1572022"/>
+        <a:ext cx="1215019" cy="526479"/>
+      </dsp:txXfrm>
+    </dsp:sp>
+    <dsp:sp modelId="{35230603-A411-4B6C-B4C9-3745E89C0DDE}">
+      <dsp:nvSpPr>
+        <dsp:cNvPr id="0" name=""/>
+        <dsp:cNvSpPr/>
+      </dsp:nvSpPr>
+      <dsp:spPr>
+        <a:xfrm>
+          <a:off x="11032023" y="2319623"/>
+          <a:ext cx="1052958" cy="1003201"/>
         </a:xfrm>
         <a:prstGeom prst="rect">
           <a:avLst/>
@@ -6683,12 +6648,12 @@
         </a:fontRef>
       </dsp:style>
       <dsp:txBody>
-        <a:bodyPr spcFirstLastPara="0" vert="horz" wrap="square" lIns="8890" tIns="8890" rIns="8890" bIns="8890" numCol="1" spcCol="1270" anchor="ctr" anchorCtr="0">
+        <a:bodyPr spcFirstLastPara="0" vert="horz" wrap="square" lIns="11430" tIns="11430" rIns="11430" bIns="11430" numCol="1" spcCol="1270" anchor="ctr" anchorCtr="0">
           <a:noAutofit/>
         </a:bodyPr>
         <a:lstStyle/>
         <a:p>
-          <a:pPr marL="0" lvl="0" indent="0" algn="ctr" defTabSz="622300">
+          <a:pPr marL="0" lvl="0" indent="0" algn="ctr" defTabSz="800100">
             <a:lnSpc>
               <a:spcPct val="90000"/>
             </a:lnSpc>
@@ -6701,176 +6666,17 @@
             <a:buNone/>
           </a:pPr>
           <a:r>
-            <a:rPr lang="en-US" sz="1400" kern="1200">
-              <a:latin typeface="Arial" panose="020B0604020202020204" pitchFamily="34" charset="0"/>
-              <a:cs typeface="Arial" panose="020B0604020202020204" pitchFamily="34" charset="0"/>
-            </a:rPr>
-            <a:t>Tạo tính năng upload file</a:t>
-          </a:r>
-        </a:p>
-      </dsp:txBody>
-      <dsp:txXfrm>
-        <a:off x="9723210" y="3492373"/>
-        <a:ext cx="1114350" cy="557175"/>
-      </dsp:txXfrm>
-    </dsp:sp>
-    <dsp:sp modelId="{4D11E440-8D50-47A5-ACC1-F96AD06F61D5}">
-      <dsp:nvSpPr>
-        <dsp:cNvPr id="0" name=""/>
-        <dsp:cNvSpPr/>
-      </dsp:nvSpPr>
-      <dsp:spPr>
-        <a:xfrm>
-          <a:off x="10792986" y="1817788"/>
-          <a:ext cx="1114350" cy="557175"/>
-        </a:xfrm>
-        <a:prstGeom prst="rect">
-          <a:avLst/>
-        </a:prstGeom>
-        <a:solidFill>
-          <a:schemeClr val="accent6">
-            <a:lumMod val="75000"/>
-          </a:schemeClr>
-        </a:solidFill>
-        <a:ln w="12700" cap="flat" cmpd="sng" algn="ctr">
-          <a:solidFill>
-            <a:schemeClr val="lt1">
-              <a:hueOff val="0"/>
-              <a:satOff val="0"/>
-              <a:lumOff val="0"/>
-              <a:alphaOff val="0"/>
-            </a:schemeClr>
-          </a:solidFill>
-          <a:prstDash val="solid"/>
-          <a:miter lim="800000"/>
-        </a:ln>
-        <a:effectLst/>
-      </dsp:spPr>
-      <dsp:style>
-        <a:lnRef idx="2">
-          <a:scrgbClr r="0" g="0" b="0"/>
-        </a:lnRef>
-        <a:fillRef idx="1">
-          <a:scrgbClr r="0" g="0" b="0"/>
-        </a:fillRef>
-        <a:effectRef idx="0">
-          <a:scrgbClr r="0" g="0" b="0"/>
-        </a:effectRef>
-        <a:fontRef idx="minor">
-          <a:schemeClr val="lt1"/>
-        </a:fontRef>
-      </dsp:style>
-      <dsp:txBody>
-        <a:bodyPr spcFirstLastPara="0" vert="horz" wrap="square" lIns="8890" tIns="8890" rIns="8890" bIns="8890" numCol="1" spcCol="1270" anchor="ctr" anchorCtr="0">
-          <a:noAutofit/>
-        </a:bodyPr>
-        <a:lstStyle/>
-        <a:p>
-          <a:pPr marL="0" lvl="0" indent="0" algn="ctr" defTabSz="622300">
-            <a:lnSpc>
-              <a:spcPct val="90000"/>
-            </a:lnSpc>
-            <a:spcBef>
-              <a:spcPct val="0"/>
-            </a:spcBef>
-            <a:spcAft>
-              <a:spcPct val="35000"/>
-            </a:spcAft>
-            <a:buNone/>
-          </a:pPr>
-          <a:r>
-            <a:rPr lang="en-US" sz="1400" kern="1200">
-              <a:latin typeface="Arial" panose="020B0604020202020204" pitchFamily="34" charset="0"/>
-              <a:cs typeface="Arial" panose="020B0604020202020204" pitchFamily="34" charset="0"/>
-            </a:rPr>
-            <a:t>Khung chat</a:t>
-          </a:r>
-        </a:p>
-      </dsp:txBody>
-      <dsp:txXfrm>
-        <a:off x="10792986" y="1817788"/>
-        <a:ext cx="1114350" cy="557175"/>
-      </dsp:txXfrm>
-    </dsp:sp>
-    <dsp:sp modelId="{35230603-A411-4B6C-B4C9-3745E89C0DDE}">
-      <dsp:nvSpPr>
-        <dsp:cNvPr id="0" name=""/>
-        <dsp:cNvSpPr/>
-      </dsp:nvSpPr>
-      <dsp:spPr>
-        <a:xfrm>
-          <a:off x="11071574" y="2608977"/>
-          <a:ext cx="1114350" cy="686484"/>
-        </a:xfrm>
-        <a:prstGeom prst="rect">
-          <a:avLst/>
-        </a:prstGeom>
-        <a:solidFill>
-          <a:schemeClr val="accent1">
-            <a:hueOff val="0"/>
-            <a:satOff val="0"/>
-            <a:lumOff val="0"/>
-            <a:alphaOff val="0"/>
-          </a:schemeClr>
-        </a:solidFill>
-        <a:ln w="12700" cap="flat" cmpd="sng" algn="ctr">
-          <a:solidFill>
-            <a:schemeClr val="lt1">
-              <a:hueOff val="0"/>
-              <a:satOff val="0"/>
-              <a:lumOff val="0"/>
-              <a:alphaOff val="0"/>
-            </a:schemeClr>
-          </a:solidFill>
-          <a:prstDash val="solid"/>
-          <a:miter lim="800000"/>
-        </a:ln>
-        <a:effectLst/>
-      </dsp:spPr>
-      <dsp:style>
-        <a:lnRef idx="2">
-          <a:scrgbClr r="0" g="0" b="0"/>
-        </a:lnRef>
-        <a:fillRef idx="1">
-          <a:scrgbClr r="0" g="0" b="0"/>
-        </a:fillRef>
-        <a:effectRef idx="0">
-          <a:scrgbClr r="0" g="0" b="0"/>
-        </a:effectRef>
-        <a:fontRef idx="minor">
-          <a:schemeClr val="lt1"/>
-        </a:fontRef>
-      </dsp:style>
-      <dsp:txBody>
-        <a:bodyPr spcFirstLastPara="0" vert="horz" wrap="square" lIns="8890" tIns="8890" rIns="8890" bIns="8890" numCol="1" spcCol="1270" anchor="ctr" anchorCtr="0">
-          <a:noAutofit/>
-        </a:bodyPr>
-        <a:lstStyle/>
-        <a:p>
-          <a:pPr marL="0" lvl="0" indent="0" algn="ctr" defTabSz="622300">
-            <a:lnSpc>
-              <a:spcPct val="90000"/>
-            </a:lnSpc>
-            <a:spcBef>
-              <a:spcPct val="0"/>
-            </a:spcBef>
-            <a:spcAft>
-              <a:spcPct val="35000"/>
-            </a:spcAft>
-            <a:buNone/>
-          </a:pPr>
-          <a:r>
-            <a:rPr lang="en-US" sz="1400" kern="1200">
-              <a:latin typeface="Arial" panose="020B0604020202020204" pitchFamily="34" charset="0"/>
-              <a:cs typeface="Arial" panose="020B0604020202020204" pitchFamily="34" charset="0"/>
+            <a:rPr lang="en-US" sz="1800" kern="1200">
+              <a:latin typeface="+mn-lt"/>
+              <a:cs typeface="Times New Roman" panose="02020603050405020304" pitchFamily="18" charset="0"/>
             </a:rPr>
             <a:t>Tạo khung chat với trung tâm</a:t>
           </a:r>
         </a:p>
       </dsp:txBody>
       <dsp:txXfrm>
-        <a:off x="11071574" y="2608977"/>
-        <a:ext cx="1114350" cy="686484"/>
+        <a:off x="11032023" y="2319623"/>
+        <a:ext cx="1052958" cy="1003201"/>
       </dsp:txXfrm>
     </dsp:sp>
   </dsp:spTree>
@@ -9204,7 +9010,7 @@
           <a:p>
             <a:fld id="{49DA504F-0E7D-4DF3-BC26-4F28BB22433E}" type="datetimeFigureOut">
               <a:rPr lang="en-US" smtClean="0"/>
-              <a:t>9/26/2020</a:t>
+              <a:t>9/27/2020</a:t>
             </a:fld>
             <a:endParaRPr lang="en-US"/>
           </a:p>
@@ -9402,7 +9208,7 @@
           <a:p>
             <a:fld id="{49DA504F-0E7D-4DF3-BC26-4F28BB22433E}" type="datetimeFigureOut">
               <a:rPr lang="en-US" smtClean="0"/>
-              <a:t>9/26/2020</a:t>
+              <a:t>9/27/2020</a:t>
             </a:fld>
             <a:endParaRPr lang="en-US"/>
           </a:p>
@@ -9610,7 +9416,7 @@
           <a:p>
             <a:fld id="{49DA504F-0E7D-4DF3-BC26-4F28BB22433E}" type="datetimeFigureOut">
               <a:rPr lang="en-US" smtClean="0"/>
-              <a:t>9/26/2020</a:t>
+              <a:t>9/27/2020</a:t>
             </a:fld>
             <a:endParaRPr lang="en-US"/>
           </a:p>
@@ -9808,7 +9614,7 @@
           <a:p>
             <a:fld id="{49DA504F-0E7D-4DF3-BC26-4F28BB22433E}" type="datetimeFigureOut">
               <a:rPr lang="en-US" smtClean="0"/>
-              <a:t>9/26/2020</a:t>
+              <a:t>9/27/2020</a:t>
             </a:fld>
             <a:endParaRPr lang="en-US"/>
           </a:p>
@@ -10083,7 +9889,7 @@
           <a:p>
             <a:fld id="{49DA504F-0E7D-4DF3-BC26-4F28BB22433E}" type="datetimeFigureOut">
               <a:rPr lang="en-US" smtClean="0"/>
-              <a:t>9/26/2020</a:t>
+              <a:t>9/27/2020</a:t>
             </a:fld>
             <a:endParaRPr lang="en-US"/>
           </a:p>
@@ -10348,7 +10154,7 @@
           <a:p>
             <a:fld id="{49DA504F-0E7D-4DF3-BC26-4F28BB22433E}" type="datetimeFigureOut">
               <a:rPr lang="en-US" smtClean="0"/>
-              <a:t>9/26/2020</a:t>
+              <a:t>9/27/2020</a:t>
             </a:fld>
             <a:endParaRPr lang="en-US"/>
           </a:p>
@@ -10760,7 +10566,7 @@
           <a:p>
             <a:fld id="{49DA504F-0E7D-4DF3-BC26-4F28BB22433E}" type="datetimeFigureOut">
               <a:rPr lang="en-US" smtClean="0"/>
-              <a:t>9/26/2020</a:t>
+              <a:t>9/27/2020</a:t>
             </a:fld>
             <a:endParaRPr lang="en-US"/>
           </a:p>
@@ -10901,7 +10707,7 @@
           <a:p>
             <a:fld id="{49DA504F-0E7D-4DF3-BC26-4F28BB22433E}" type="datetimeFigureOut">
               <a:rPr lang="en-US" smtClean="0"/>
-              <a:t>9/26/2020</a:t>
+              <a:t>9/27/2020</a:t>
             </a:fld>
             <a:endParaRPr lang="en-US"/>
           </a:p>
@@ -11014,7 +10820,7 @@
           <a:p>
             <a:fld id="{49DA504F-0E7D-4DF3-BC26-4F28BB22433E}" type="datetimeFigureOut">
               <a:rPr lang="en-US" smtClean="0"/>
-              <a:t>9/26/2020</a:t>
+              <a:t>9/27/2020</a:t>
             </a:fld>
             <a:endParaRPr lang="en-US"/>
           </a:p>
@@ -11325,7 +11131,7 @@
           <a:p>
             <a:fld id="{49DA504F-0E7D-4DF3-BC26-4F28BB22433E}" type="datetimeFigureOut">
               <a:rPr lang="en-US" smtClean="0"/>
-              <a:t>9/26/2020</a:t>
+              <a:t>9/27/2020</a:t>
             </a:fld>
             <a:endParaRPr lang="en-US"/>
           </a:p>
@@ -11613,7 +11419,7 @@
           <a:p>
             <a:fld id="{49DA504F-0E7D-4DF3-BC26-4F28BB22433E}" type="datetimeFigureOut">
               <a:rPr lang="en-US" smtClean="0"/>
-              <a:t>9/26/2020</a:t>
+              <a:t>9/27/2020</a:t>
             </a:fld>
             <a:endParaRPr lang="en-US"/>
           </a:p>
@@ -11854,7 +11660,7 @@
           <a:p>
             <a:fld id="{49DA504F-0E7D-4DF3-BC26-4F28BB22433E}" type="datetimeFigureOut">
               <a:rPr lang="en-US" smtClean="0"/>
-              <a:t>9/26/2020</a:t>
+              <a:t>9/27/2020</a:t>
             </a:fld>
             <a:endParaRPr lang="en-US"/>
           </a:p>
@@ -12284,7 +12090,7 @@
           <p:nvPr>
             <p:extLst>
               <p:ext uri="{D42A27DB-BD31-4B8C-83A1-F6EECF244321}">
-                <p14:modId xmlns:p14="http://schemas.microsoft.com/office/powerpoint/2010/main" val="2419350465"/>
+                <p14:modId xmlns:p14="http://schemas.microsoft.com/office/powerpoint/2010/main" val="3700490588"/>
               </p:ext>
             </p:extLst>
           </p:nvPr>

--- a/WBS.pptx
+++ b/WBS.pptx
@@ -1966,7 +1966,11 @@
     </dgm:pt>
     <dgm:pt modelId="{34EFF2C1-D24A-4A68-BA15-9F9436464740}">
       <dgm:prSet phldrT="[Text]" custT="1"/>
-      <dgm:spPr/>
+      <dgm:spPr>
+        <a:solidFill>
+          <a:srgbClr val="00CC99"/>
+        </a:solidFill>
+      </dgm:spPr>
       <dgm:t>
         <a:bodyPr/>
         <a:lstStyle/>
@@ -1976,7 +1980,7 @@
               <a:latin typeface="Times New Roman" panose="02020603050405020304" pitchFamily="18" charset="0"/>
               <a:cs typeface="Times New Roman" panose="02020603050405020304" pitchFamily="18" charset="0"/>
             </a:rPr>
-            <a:t>A.4 Tạo tính năng quản lý thông tin gia sư đăng ký suất dạy</a:t>
+            <a:t>A.4 Quản lý thông tin gia sư đăng ký suất dạy</a:t>
           </a:r>
         </a:p>
       </dgm:t>
@@ -2575,6 +2579,45 @@
         </a:p>
       </dgm:t>
     </dgm:pt>
+    <dgm:pt modelId="{DD96F167-5C9D-4A08-9E07-9744C5377838}">
+      <dgm:prSet phldrT="[Text]" custT="1"/>
+      <dgm:spPr/>
+      <dgm:t>
+        <a:bodyPr/>
+        <a:lstStyle/>
+        <a:p>
+          <a:r>
+            <a:rPr lang="en-US" sz="1100" b="0">
+              <a:latin typeface="Times New Roman" panose="02020603050405020304" pitchFamily="18" charset="0"/>
+              <a:cs typeface="Times New Roman" panose="02020603050405020304" pitchFamily="18" charset="0"/>
+            </a:rPr>
+            <a:t>A.4.1 Tạo tính năng quản lý thông tin gia sư đăng ký suất dạy</a:t>
+          </a:r>
+        </a:p>
+      </dgm:t>
+    </dgm:pt>
+    <dgm:pt modelId="{5D3ACED8-760F-4869-AD3E-69AC72742C53}" type="parTrans" cxnId="{7A9510EF-1D07-4E2F-B1CF-D660D5891140}">
+      <dgm:prSet/>
+      <dgm:spPr/>
+      <dgm:t>
+        <a:bodyPr/>
+        <a:lstStyle/>
+        <a:p>
+          <a:endParaRPr lang="en-US"/>
+        </a:p>
+      </dgm:t>
+    </dgm:pt>
+    <dgm:pt modelId="{E4E1AD9B-EBB9-4A09-A856-ED0A81DDF270}" type="sibTrans" cxnId="{7A9510EF-1D07-4E2F-B1CF-D660D5891140}">
+      <dgm:prSet/>
+      <dgm:spPr/>
+      <dgm:t>
+        <a:bodyPr/>
+        <a:lstStyle/>
+        <a:p>
+          <a:endParaRPr lang="en-US"/>
+        </a:p>
+      </dgm:t>
+    </dgm:pt>
     <dgm:pt modelId="{FB260E04-35B6-4E8C-83AC-FB6F2C8E4EFD}" type="pres">
       <dgm:prSet presAssocID="{B2F4B0F2-6F26-4578-AD95-3D8619D80688}" presName="hierChild1" presStyleCnt="0">
         <dgm:presLayoutVars>
@@ -2681,7 +2724,7 @@
       <dgm:spPr/>
     </dgm:pt>
     <dgm:pt modelId="{8A3670DB-3CE8-4868-9FC4-A1C9C06459E0}" type="pres">
-      <dgm:prSet presAssocID="{72F3F161-AC00-4375-A9A2-ED17741A9442}" presName="Name37" presStyleLbl="parChTrans1D4" presStyleIdx="0" presStyleCnt="25"/>
+      <dgm:prSet presAssocID="{72F3F161-AC00-4375-A9A2-ED17741A9442}" presName="Name37" presStyleLbl="parChTrans1D4" presStyleIdx="0" presStyleCnt="26"/>
       <dgm:spPr/>
     </dgm:pt>
     <dgm:pt modelId="{E205A641-785F-458F-AA34-440F31BD226D}" type="pres">
@@ -2697,7 +2740,7 @@
       <dgm:spPr/>
     </dgm:pt>
     <dgm:pt modelId="{A195EF81-432E-40B1-973A-200211B5B643}" type="pres">
-      <dgm:prSet presAssocID="{97AEABBD-DC29-4F6C-8F5B-E9D45FAAC1B9}" presName="rootText" presStyleLbl="node4" presStyleIdx="0" presStyleCnt="25" custScaleY="170690" custLinFactNeighborX="-6187" custLinFactNeighborY="-29387">
+      <dgm:prSet presAssocID="{97AEABBD-DC29-4F6C-8F5B-E9D45FAAC1B9}" presName="rootText" presStyleLbl="node4" presStyleIdx="0" presStyleCnt="26" custScaleY="170690" custLinFactNeighborX="-6187" custLinFactNeighborY="-29387">
         <dgm:presLayoutVars>
           <dgm:chPref val="3"/>
         </dgm:presLayoutVars>
@@ -2705,7 +2748,7 @@
       <dgm:spPr/>
     </dgm:pt>
     <dgm:pt modelId="{71B461F5-9AF1-4694-AEC2-66ADEDEA8545}" type="pres">
-      <dgm:prSet presAssocID="{97AEABBD-DC29-4F6C-8F5B-E9D45FAAC1B9}" presName="rootConnector" presStyleLbl="node4" presStyleIdx="0" presStyleCnt="25"/>
+      <dgm:prSet presAssocID="{97AEABBD-DC29-4F6C-8F5B-E9D45FAAC1B9}" presName="rootConnector" presStyleLbl="node4" presStyleIdx="0" presStyleCnt="26"/>
       <dgm:spPr/>
     </dgm:pt>
     <dgm:pt modelId="{F7491341-6A12-4E0B-97F9-3A56BEB72480}" type="pres">
@@ -2717,7 +2760,7 @@
       <dgm:spPr/>
     </dgm:pt>
     <dgm:pt modelId="{6BAE05D9-6A41-4091-95E8-68A33DF82B14}" type="pres">
-      <dgm:prSet presAssocID="{AEC748EA-71A3-4734-A8A3-9B1E03D3A743}" presName="Name37" presStyleLbl="parChTrans1D4" presStyleIdx="1" presStyleCnt="25"/>
+      <dgm:prSet presAssocID="{AEC748EA-71A3-4734-A8A3-9B1E03D3A743}" presName="Name37" presStyleLbl="parChTrans1D4" presStyleIdx="1" presStyleCnt="26"/>
       <dgm:spPr/>
     </dgm:pt>
     <dgm:pt modelId="{F4962733-41E4-4A17-984F-FD00E2BC4580}" type="pres">
@@ -2733,7 +2776,7 @@
       <dgm:spPr/>
     </dgm:pt>
     <dgm:pt modelId="{1507248B-4C77-4B46-962C-0E5912097852}" type="pres">
-      <dgm:prSet presAssocID="{01537F03-F3D9-4D1B-AC59-2593EC164C23}" presName="rootText" presStyleLbl="node4" presStyleIdx="1" presStyleCnt="25" custScaleY="206301">
+      <dgm:prSet presAssocID="{01537F03-F3D9-4D1B-AC59-2593EC164C23}" presName="rootText" presStyleLbl="node4" presStyleIdx="1" presStyleCnt="26" custScaleY="206301">
         <dgm:presLayoutVars>
           <dgm:chPref val="3"/>
         </dgm:presLayoutVars>
@@ -2741,7 +2784,7 @@
       <dgm:spPr/>
     </dgm:pt>
     <dgm:pt modelId="{F499D5E6-F5FB-43AF-8130-AF3D13846AF0}" type="pres">
-      <dgm:prSet presAssocID="{01537F03-F3D9-4D1B-AC59-2593EC164C23}" presName="rootConnector" presStyleLbl="node4" presStyleIdx="1" presStyleCnt="25"/>
+      <dgm:prSet presAssocID="{01537F03-F3D9-4D1B-AC59-2593EC164C23}" presName="rootConnector" presStyleLbl="node4" presStyleIdx="1" presStyleCnt="26"/>
       <dgm:spPr/>
     </dgm:pt>
     <dgm:pt modelId="{061A4F29-78DF-4267-8039-BCA454957592}" type="pres">
@@ -2753,7 +2796,7 @@
       <dgm:spPr/>
     </dgm:pt>
     <dgm:pt modelId="{22E5391B-784F-4143-B6B3-25B2FC68E290}" type="pres">
-      <dgm:prSet presAssocID="{0CBE7315-D4C8-4475-9163-FD569F3B9D7F}" presName="Name37" presStyleLbl="parChTrans1D4" presStyleIdx="2" presStyleCnt="25"/>
+      <dgm:prSet presAssocID="{0CBE7315-D4C8-4475-9163-FD569F3B9D7F}" presName="Name37" presStyleLbl="parChTrans1D4" presStyleIdx="2" presStyleCnt="26"/>
       <dgm:spPr/>
     </dgm:pt>
     <dgm:pt modelId="{FB08BDCB-50CA-4269-8749-04D4B5FED4D1}" type="pres">
@@ -2769,7 +2812,7 @@
       <dgm:spPr/>
     </dgm:pt>
     <dgm:pt modelId="{057ADC8E-D401-4B7A-80F8-965E0B1DE7E7}" type="pres">
-      <dgm:prSet presAssocID="{CBEBEAC0-41EA-4E80-99AC-73D95F03DB44}" presName="rootText" presStyleLbl="node4" presStyleIdx="2" presStyleCnt="25" custScaleY="160648">
+      <dgm:prSet presAssocID="{CBEBEAC0-41EA-4E80-99AC-73D95F03DB44}" presName="rootText" presStyleLbl="node4" presStyleIdx="2" presStyleCnt="26" custScaleY="160648">
         <dgm:presLayoutVars>
           <dgm:chPref val="3"/>
         </dgm:presLayoutVars>
@@ -2777,7 +2820,7 @@
       <dgm:spPr/>
     </dgm:pt>
     <dgm:pt modelId="{A5696A52-CE52-412C-832C-92CA89BF4F76}" type="pres">
-      <dgm:prSet presAssocID="{CBEBEAC0-41EA-4E80-99AC-73D95F03DB44}" presName="rootConnector" presStyleLbl="node4" presStyleIdx="2" presStyleCnt="25"/>
+      <dgm:prSet presAssocID="{CBEBEAC0-41EA-4E80-99AC-73D95F03DB44}" presName="rootConnector" presStyleLbl="node4" presStyleIdx="2" presStyleCnt="26"/>
       <dgm:spPr/>
     </dgm:pt>
     <dgm:pt modelId="{5E2B17EC-12C3-4466-8831-1D03EBCB056D}" type="pres">
@@ -2825,7 +2868,7 @@
       <dgm:spPr/>
     </dgm:pt>
     <dgm:pt modelId="{C79509A8-C35F-46AB-A074-7B8DEE5D237D}" type="pres">
-      <dgm:prSet presAssocID="{1AD0514A-44FF-4115-9BBD-E3ABDA0CDA03}" presName="Name37" presStyleLbl="parChTrans1D4" presStyleIdx="3" presStyleCnt="25"/>
+      <dgm:prSet presAssocID="{1AD0514A-44FF-4115-9BBD-E3ABDA0CDA03}" presName="Name37" presStyleLbl="parChTrans1D4" presStyleIdx="3" presStyleCnt="26"/>
       <dgm:spPr/>
     </dgm:pt>
     <dgm:pt modelId="{E9A7E159-3F02-4407-AB6B-71834C5AB57B}" type="pres">
@@ -2841,7 +2884,7 @@
       <dgm:spPr/>
     </dgm:pt>
     <dgm:pt modelId="{D87EB8F4-D2A6-420C-A392-0F2348289EAB}" type="pres">
-      <dgm:prSet presAssocID="{CEE74021-399E-4E4C-BA61-9A29AC15D92B}" presName="rootText" presStyleLbl="node4" presStyleIdx="3" presStyleCnt="25" custScaleY="144853">
+      <dgm:prSet presAssocID="{CEE74021-399E-4E4C-BA61-9A29AC15D92B}" presName="rootText" presStyleLbl="node4" presStyleIdx="3" presStyleCnt="26" custScaleY="144853">
         <dgm:presLayoutVars>
           <dgm:chPref val="3"/>
         </dgm:presLayoutVars>
@@ -2849,7 +2892,7 @@
       <dgm:spPr/>
     </dgm:pt>
     <dgm:pt modelId="{9ADB31AE-363E-427C-A376-78F1A9C2BC60}" type="pres">
-      <dgm:prSet presAssocID="{CEE74021-399E-4E4C-BA61-9A29AC15D92B}" presName="rootConnector" presStyleLbl="node4" presStyleIdx="3" presStyleCnt="25"/>
+      <dgm:prSet presAssocID="{CEE74021-399E-4E4C-BA61-9A29AC15D92B}" presName="rootConnector" presStyleLbl="node4" presStyleIdx="3" presStyleCnt="26"/>
       <dgm:spPr/>
     </dgm:pt>
     <dgm:pt modelId="{FF3DC231-73AA-4A66-86F3-1F35425E8AE3}" type="pres">
@@ -2861,7 +2904,7 @@
       <dgm:spPr/>
     </dgm:pt>
     <dgm:pt modelId="{C134C906-810F-4953-9B94-F46FB84BAC3C}" type="pres">
-      <dgm:prSet presAssocID="{0E206134-7479-474E-96DD-1EC451F779C9}" presName="Name37" presStyleLbl="parChTrans1D4" presStyleIdx="4" presStyleCnt="25"/>
+      <dgm:prSet presAssocID="{0E206134-7479-474E-96DD-1EC451F779C9}" presName="Name37" presStyleLbl="parChTrans1D4" presStyleIdx="4" presStyleCnt="26"/>
       <dgm:spPr/>
     </dgm:pt>
     <dgm:pt modelId="{4BCC3319-F312-4F07-984E-6B78BEF9690F}" type="pres">
@@ -2877,7 +2920,7 @@
       <dgm:spPr/>
     </dgm:pt>
     <dgm:pt modelId="{D00CD897-9005-44A3-A210-E3BEA1543754}" type="pres">
-      <dgm:prSet presAssocID="{E997091C-0851-4FC7-988A-9300DEEC715B}" presName="rootText" presStyleLbl="node4" presStyleIdx="4" presStyleCnt="25" custScaleY="154119">
+      <dgm:prSet presAssocID="{E997091C-0851-4FC7-988A-9300DEEC715B}" presName="rootText" presStyleLbl="node4" presStyleIdx="4" presStyleCnt="26" custScaleY="154119">
         <dgm:presLayoutVars>
           <dgm:chPref val="3"/>
         </dgm:presLayoutVars>
@@ -2885,7 +2928,7 @@
       <dgm:spPr/>
     </dgm:pt>
     <dgm:pt modelId="{5F9820CE-0CBC-43AF-A010-B153AB19C692}" type="pres">
-      <dgm:prSet presAssocID="{E997091C-0851-4FC7-988A-9300DEEC715B}" presName="rootConnector" presStyleLbl="node4" presStyleIdx="4" presStyleCnt="25"/>
+      <dgm:prSet presAssocID="{E997091C-0851-4FC7-988A-9300DEEC715B}" presName="rootConnector" presStyleLbl="node4" presStyleIdx="4" presStyleCnt="26"/>
       <dgm:spPr/>
     </dgm:pt>
     <dgm:pt modelId="{47E5E5A8-7ED0-4CE8-A157-1A5B14DBF576}" type="pres">
@@ -2933,7 +2976,7 @@
       <dgm:spPr/>
     </dgm:pt>
     <dgm:pt modelId="{DF491AA7-2609-4004-9172-94358970DEFA}" type="pres">
-      <dgm:prSet presAssocID="{A962B823-1F6E-48B3-81D8-4786B054E895}" presName="Name37" presStyleLbl="parChTrans1D4" presStyleIdx="5" presStyleCnt="25"/>
+      <dgm:prSet presAssocID="{A962B823-1F6E-48B3-81D8-4786B054E895}" presName="Name37" presStyleLbl="parChTrans1D4" presStyleIdx="5" presStyleCnt="26"/>
       <dgm:spPr/>
     </dgm:pt>
     <dgm:pt modelId="{897CB597-4485-4A55-AFDF-2F8EC563CA30}" type="pres">
@@ -2949,7 +2992,7 @@
       <dgm:spPr/>
     </dgm:pt>
     <dgm:pt modelId="{F79599B6-5AA4-419C-A843-B014E267737D}" type="pres">
-      <dgm:prSet presAssocID="{CA6EC252-7BBB-4AB1-8E2E-E92B838C87AC}" presName="rootText" presStyleLbl="node4" presStyleIdx="5" presStyleCnt="25" custScaleY="128053">
+      <dgm:prSet presAssocID="{CA6EC252-7BBB-4AB1-8E2E-E92B838C87AC}" presName="rootText" presStyleLbl="node4" presStyleIdx="5" presStyleCnt="26" custScaleY="128053">
         <dgm:presLayoutVars>
           <dgm:chPref val="3"/>
         </dgm:presLayoutVars>
@@ -2957,7 +3000,7 @@
       <dgm:spPr/>
     </dgm:pt>
     <dgm:pt modelId="{92ECA936-0850-4F06-86B0-00C66D9F7859}" type="pres">
-      <dgm:prSet presAssocID="{CA6EC252-7BBB-4AB1-8E2E-E92B838C87AC}" presName="rootConnector" presStyleLbl="node4" presStyleIdx="5" presStyleCnt="25"/>
+      <dgm:prSet presAssocID="{CA6EC252-7BBB-4AB1-8E2E-E92B838C87AC}" presName="rootConnector" presStyleLbl="node4" presStyleIdx="5" presStyleCnt="26"/>
       <dgm:spPr/>
     </dgm:pt>
     <dgm:pt modelId="{9989907D-6845-400A-8F0F-2167E8DDCE1C}" type="pres">
@@ -2969,7 +3012,7 @@
       <dgm:spPr/>
     </dgm:pt>
     <dgm:pt modelId="{AFD63886-2D9C-4A3F-95AF-EA105D23C88D}" type="pres">
-      <dgm:prSet presAssocID="{4E37C03E-C76D-43B3-8BCA-58BD79F48F58}" presName="Name37" presStyleLbl="parChTrans1D4" presStyleIdx="6" presStyleCnt="25"/>
+      <dgm:prSet presAssocID="{4E37C03E-C76D-43B3-8BCA-58BD79F48F58}" presName="Name37" presStyleLbl="parChTrans1D4" presStyleIdx="6" presStyleCnt="26"/>
       <dgm:spPr/>
     </dgm:pt>
     <dgm:pt modelId="{51C6CF09-2480-4143-A02D-8506B204D6F5}" type="pres">
@@ -2985,7 +3028,7 @@
       <dgm:spPr/>
     </dgm:pt>
     <dgm:pt modelId="{B21A6AC8-FFF2-425C-AC5E-CA7D615973BB}" type="pres">
-      <dgm:prSet presAssocID="{B857C1A6-326F-4F8C-8248-EF5B96F10141}" presName="rootText" presStyleLbl="node4" presStyleIdx="6" presStyleCnt="25" custScaleY="211797">
+      <dgm:prSet presAssocID="{B857C1A6-326F-4F8C-8248-EF5B96F10141}" presName="rootText" presStyleLbl="node4" presStyleIdx="6" presStyleCnt="26" custScaleY="211797">
         <dgm:presLayoutVars>
           <dgm:chPref val="3"/>
         </dgm:presLayoutVars>
@@ -2993,7 +3036,7 @@
       <dgm:spPr/>
     </dgm:pt>
     <dgm:pt modelId="{5FE29621-C083-4554-AC03-9C340B68B2A8}" type="pres">
-      <dgm:prSet presAssocID="{B857C1A6-326F-4F8C-8248-EF5B96F10141}" presName="rootConnector" presStyleLbl="node4" presStyleIdx="6" presStyleCnt="25"/>
+      <dgm:prSet presAssocID="{B857C1A6-326F-4F8C-8248-EF5B96F10141}" presName="rootConnector" presStyleLbl="node4" presStyleIdx="6" presStyleCnt="26"/>
       <dgm:spPr/>
     </dgm:pt>
     <dgm:pt modelId="{47938B0A-C42F-43CD-8221-FA84E122CDA8}" type="pres">
@@ -3025,7 +3068,7 @@
       <dgm:spPr/>
     </dgm:pt>
     <dgm:pt modelId="{32C9AB5B-10B9-4F44-9859-626B9D531E18}" type="pres">
-      <dgm:prSet presAssocID="{34EFF2C1-D24A-4A68-BA15-9F9436464740}" presName="rootText" presStyleLbl="node3" presStyleIdx="3" presStyleCnt="11" custScaleY="209876">
+      <dgm:prSet presAssocID="{34EFF2C1-D24A-4A68-BA15-9F9436464740}" presName="rootText" presStyleLbl="node3" presStyleIdx="3" presStyleCnt="11" custScaleY="155186">
         <dgm:presLayoutVars>
           <dgm:chPref val="3"/>
         </dgm:presLayoutVars>
@@ -3038,6 +3081,42 @@
     </dgm:pt>
     <dgm:pt modelId="{5C4670F0-83E8-426D-B9D5-184B3195F042}" type="pres">
       <dgm:prSet presAssocID="{34EFF2C1-D24A-4A68-BA15-9F9436464740}" presName="hierChild4" presStyleCnt="0"/>
+      <dgm:spPr/>
+    </dgm:pt>
+    <dgm:pt modelId="{D5CD53A4-F7BE-464C-AC03-488250BE654E}" type="pres">
+      <dgm:prSet presAssocID="{5D3ACED8-760F-4869-AD3E-69AC72742C53}" presName="Name37" presStyleLbl="parChTrans1D4" presStyleIdx="7" presStyleCnt="26"/>
+      <dgm:spPr/>
+    </dgm:pt>
+    <dgm:pt modelId="{7E97391D-BC8B-4F85-8543-981FB6C32CE1}" type="pres">
+      <dgm:prSet presAssocID="{DD96F167-5C9D-4A08-9E07-9744C5377838}" presName="hierRoot2" presStyleCnt="0">
+        <dgm:presLayoutVars>
+          <dgm:hierBranch val="init"/>
+        </dgm:presLayoutVars>
+      </dgm:prSet>
+      <dgm:spPr/>
+    </dgm:pt>
+    <dgm:pt modelId="{417377DF-2823-417C-B6E9-C5BE30BB0094}" type="pres">
+      <dgm:prSet presAssocID="{DD96F167-5C9D-4A08-9E07-9744C5377838}" presName="rootComposite" presStyleCnt="0"/>
+      <dgm:spPr/>
+    </dgm:pt>
+    <dgm:pt modelId="{32E150E0-EA9D-4225-9AF4-BA6A76BA4AC2}" type="pres">
+      <dgm:prSet presAssocID="{DD96F167-5C9D-4A08-9E07-9744C5377838}" presName="rootText" presStyleLbl="node4" presStyleIdx="7" presStyleCnt="26" custScaleY="226968">
+        <dgm:presLayoutVars>
+          <dgm:chPref val="3"/>
+        </dgm:presLayoutVars>
+      </dgm:prSet>
+      <dgm:spPr/>
+    </dgm:pt>
+    <dgm:pt modelId="{C5BB10D6-36DA-4E77-B8B1-88F7BA551BA7}" type="pres">
+      <dgm:prSet presAssocID="{DD96F167-5C9D-4A08-9E07-9744C5377838}" presName="rootConnector" presStyleLbl="node4" presStyleIdx="7" presStyleCnt="26"/>
+      <dgm:spPr/>
+    </dgm:pt>
+    <dgm:pt modelId="{35B99BE6-4F52-4897-A432-9B7B2875997E}" type="pres">
+      <dgm:prSet presAssocID="{DD96F167-5C9D-4A08-9E07-9744C5377838}" presName="hierChild4" presStyleCnt="0"/>
+      <dgm:spPr/>
+    </dgm:pt>
+    <dgm:pt modelId="{CEAF2D6F-3442-4598-B979-EDBAAF846A22}" type="pres">
+      <dgm:prSet presAssocID="{DD96F167-5C9D-4A08-9E07-9744C5377838}" presName="hierChild5" presStyleCnt="0"/>
       <dgm:spPr/>
     </dgm:pt>
     <dgm:pt modelId="{2E5539CE-2D77-47D7-B250-283F0B6BD149}" type="pres">
@@ -3113,7 +3192,7 @@
       <dgm:spPr/>
     </dgm:pt>
     <dgm:pt modelId="{CE57E79B-91A1-45D9-9054-4AA806126F70}" type="pres">
-      <dgm:prSet presAssocID="{E2404425-DF5A-4900-AC6B-AD69ABF082BB}" presName="Name37" presStyleLbl="parChTrans1D4" presStyleIdx="7" presStyleCnt="25"/>
+      <dgm:prSet presAssocID="{E2404425-DF5A-4900-AC6B-AD69ABF082BB}" presName="Name37" presStyleLbl="parChTrans1D4" presStyleIdx="8" presStyleCnt="26"/>
       <dgm:spPr/>
     </dgm:pt>
     <dgm:pt modelId="{EDBAEEB4-8A0E-4BE2-9FB0-1764D8491C39}" type="pres">
@@ -3129,7 +3208,7 @@
       <dgm:spPr/>
     </dgm:pt>
     <dgm:pt modelId="{5B5A2CFE-D8A2-4D10-A223-7C772AA3761E}" type="pres">
-      <dgm:prSet presAssocID="{E95B3E6E-F4B6-4A9A-ACC6-03B477B2366A}" presName="rootText" presStyleLbl="node4" presStyleIdx="7" presStyleCnt="25" custScaleX="105972" custScaleY="152020" custLinFactNeighborX="-1533" custLinFactNeighborY="6759">
+      <dgm:prSet presAssocID="{E95B3E6E-F4B6-4A9A-ACC6-03B477B2366A}" presName="rootText" presStyleLbl="node4" presStyleIdx="8" presStyleCnt="26" custScaleX="105972" custScaleY="152020" custLinFactNeighborX="-1533" custLinFactNeighborY="6759">
         <dgm:presLayoutVars>
           <dgm:chPref val="3"/>
         </dgm:presLayoutVars>
@@ -3137,7 +3216,7 @@
       <dgm:spPr/>
     </dgm:pt>
     <dgm:pt modelId="{D1635F23-6BA6-420F-B347-F339D4FCB37A}" type="pres">
-      <dgm:prSet presAssocID="{E95B3E6E-F4B6-4A9A-ACC6-03B477B2366A}" presName="rootConnector" presStyleLbl="node4" presStyleIdx="7" presStyleCnt="25"/>
+      <dgm:prSet presAssocID="{E95B3E6E-F4B6-4A9A-ACC6-03B477B2366A}" presName="rootConnector" presStyleLbl="node4" presStyleIdx="8" presStyleCnt="26"/>
       <dgm:spPr/>
     </dgm:pt>
     <dgm:pt modelId="{A81D1323-823B-4F34-88D4-FBAAABEB7750}" type="pres">
@@ -3145,7 +3224,7 @@
       <dgm:spPr/>
     </dgm:pt>
     <dgm:pt modelId="{91664526-4DB9-413C-9EC3-DA21462838F7}" type="pres">
-      <dgm:prSet presAssocID="{5FC77B26-0ADB-4E54-8BC0-333F96712607}" presName="Name37" presStyleLbl="parChTrans1D4" presStyleIdx="8" presStyleCnt="25"/>
+      <dgm:prSet presAssocID="{5FC77B26-0ADB-4E54-8BC0-333F96712607}" presName="Name37" presStyleLbl="parChTrans1D4" presStyleIdx="9" presStyleCnt="26"/>
       <dgm:spPr/>
     </dgm:pt>
     <dgm:pt modelId="{DF423A09-C453-4DCF-9464-7D030A9D09B1}" type="pres">
@@ -3161,7 +3240,7 @@
       <dgm:spPr/>
     </dgm:pt>
     <dgm:pt modelId="{26F50A34-2972-4CB4-B149-74B75042E0B2}" type="pres">
-      <dgm:prSet presAssocID="{14CB117C-5D8D-47FE-AD95-449999D2727A}" presName="rootText" presStyleLbl="node4" presStyleIdx="8" presStyleCnt="25" custScaleX="93931" custScaleY="137293" custLinFactNeighborX="-3108" custLinFactNeighborY="7552">
+      <dgm:prSet presAssocID="{14CB117C-5D8D-47FE-AD95-449999D2727A}" presName="rootText" presStyleLbl="node4" presStyleIdx="9" presStyleCnt="26" custScaleX="93931" custScaleY="137293" custLinFactNeighborX="-3108" custLinFactNeighborY="7552">
         <dgm:presLayoutVars>
           <dgm:chPref val="3"/>
         </dgm:presLayoutVars>
@@ -3169,7 +3248,7 @@
       <dgm:spPr/>
     </dgm:pt>
     <dgm:pt modelId="{B6534123-CA5E-40E6-8B0B-672F315DD99A}" type="pres">
-      <dgm:prSet presAssocID="{14CB117C-5D8D-47FE-AD95-449999D2727A}" presName="rootConnector" presStyleLbl="node4" presStyleIdx="8" presStyleCnt="25"/>
+      <dgm:prSet presAssocID="{14CB117C-5D8D-47FE-AD95-449999D2727A}" presName="rootConnector" presStyleLbl="node4" presStyleIdx="9" presStyleCnt="26"/>
       <dgm:spPr/>
     </dgm:pt>
     <dgm:pt modelId="{A4944CC1-86D2-4B52-98D2-6FEB23C770DC}" type="pres">
@@ -3181,7 +3260,7 @@
       <dgm:spPr/>
     </dgm:pt>
     <dgm:pt modelId="{D5B4410B-E7FA-4880-92E6-938163BF4B17}" type="pres">
-      <dgm:prSet presAssocID="{3989EAB0-CD04-49F3-A172-4CE0E3497E5B}" presName="Name37" presStyleLbl="parChTrans1D4" presStyleIdx="9" presStyleCnt="25"/>
+      <dgm:prSet presAssocID="{3989EAB0-CD04-49F3-A172-4CE0E3497E5B}" presName="Name37" presStyleLbl="parChTrans1D4" presStyleIdx="10" presStyleCnt="26"/>
       <dgm:spPr/>
     </dgm:pt>
     <dgm:pt modelId="{CC9D4333-0876-4391-B97C-6A0633046B8A}" type="pres">
@@ -3197,7 +3276,7 @@
       <dgm:spPr/>
     </dgm:pt>
     <dgm:pt modelId="{F39452D4-698F-41D6-9282-939800A13C4F}" type="pres">
-      <dgm:prSet presAssocID="{5965E9D4-33CA-4441-B062-D12F26934982}" presName="rootText" presStyleLbl="node4" presStyleIdx="9" presStyleCnt="25" custScaleX="90823" custScaleY="118479">
+      <dgm:prSet presAssocID="{5965E9D4-33CA-4441-B062-D12F26934982}" presName="rootText" presStyleLbl="node4" presStyleIdx="10" presStyleCnt="26" custScaleX="90823" custScaleY="118479">
         <dgm:presLayoutVars>
           <dgm:chPref val="3"/>
         </dgm:presLayoutVars>
@@ -3205,7 +3284,7 @@
       <dgm:spPr/>
     </dgm:pt>
     <dgm:pt modelId="{EF20A190-C364-41AF-9FFA-F5E6F4444129}" type="pres">
-      <dgm:prSet presAssocID="{5965E9D4-33CA-4441-B062-D12F26934982}" presName="rootConnector" presStyleLbl="node4" presStyleIdx="9" presStyleCnt="25"/>
+      <dgm:prSet presAssocID="{5965E9D4-33CA-4441-B062-D12F26934982}" presName="rootConnector" presStyleLbl="node4" presStyleIdx="10" presStyleCnt="26"/>
       <dgm:spPr/>
     </dgm:pt>
     <dgm:pt modelId="{6D357552-025A-4A3E-8D5E-DAA73CCD4055}" type="pres">
@@ -3217,7 +3296,7 @@
       <dgm:spPr/>
     </dgm:pt>
     <dgm:pt modelId="{71AE1C3D-E1BE-4B56-ABD5-061FBA1493BC}" type="pres">
-      <dgm:prSet presAssocID="{A2C78E2B-5F78-4DBF-9417-040F124B0960}" presName="Name37" presStyleLbl="parChTrans1D4" presStyleIdx="10" presStyleCnt="25"/>
+      <dgm:prSet presAssocID="{A2C78E2B-5F78-4DBF-9417-040F124B0960}" presName="Name37" presStyleLbl="parChTrans1D4" presStyleIdx="11" presStyleCnt="26"/>
       <dgm:spPr/>
     </dgm:pt>
     <dgm:pt modelId="{66138FD5-2EF9-4F75-AAB3-600C99B2AE28}" type="pres">
@@ -3233,7 +3312,7 @@
       <dgm:spPr/>
     </dgm:pt>
     <dgm:pt modelId="{9E36C3EA-D343-48A9-BED7-585AFBFB178B}" type="pres">
-      <dgm:prSet presAssocID="{6C254CC0-842F-4926-BB2C-76EFCE2790A3}" presName="rootText" presStyleLbl="node4" presStyleIdx="10" presStyleCnt="25" custScaleX="89039" custScaleY="125397" custLinFactNeighborX="1198" custLinFactNeighborY="-11447">
+      <dgm:prSet presAssocID="{6C254CC0-842F-4926-BB2C-76EFCE2790A3}" presName="rootText" presStyleLbl="node4" presStyleIdx="11" presStyleCnt="26" custScaleX="89039" custScaleY="125397" custLinFactNeighborX="1198" custLinFactNeighborY="-11447">
         <dgm:presLayoutVars>
           <dgm:chPref val="3"/>
         </dgm:presLayoutVars>
@@ -3241,7 +3320,7 @@
       <dgm:spPr/>
     </dgm:pt>
     <dgm:pt modelId="{B55A76DA-6E35-44E0-8CC6-A49B0025AC0C}" type="pres">
-      <dgm:prSet presAssocID="{6C254CC0-842F-4926-BB2C-76EFCE2790A3}" presName="rootConnector" presStyleLbl="node4" presStyleIdx="10" presStyleCnt="25"/>
+      <dgm:prSet presAssocID="{6C254CC0-842F-4926-BB2C-76EFCE2790A3}" presName="rootConnector" presStyleLbl="node4" presStyleIdx="11" presStyleCnt="26"/>
       <dgm:spPr/>
     </dgm:pt>
     <dgm:pt modelId="{7F8EDADB-BB07-43CE-844B-35B1D412B94F}" type="pres">
@@ -3257,7 +3336,7 @@
       <dgm:spPr/>
     </dgm:pt>
     <dgm:pt modelId="{EFD0AB61-B32D-405D-B64D-49F23D49F0CE}" type="pres">
-      <dgm:prSet presAssocID="{AB325E58-1A60-4F10-8E80-262F09BC46C9}" presName="Name37" presStyleLbl="parChTrans1D4" presStyleIdx="11" presStyleCnt="25"/>
+      <dgm:prSet presAssocID="{AB325E58-1A60-4F10-8E80-262F09BC46C9}" presName="Name37" presStyleLbl="parChTrans1D4" presStyleIdx="12" presStyleCnt="26"/>
       <dgm:spPr/>
     </dgm:pt>
     <dgm:pt modelId="{BBE52911-0C50-4C97-A8C0-8E0323A4F92E}" type="pres">
@@ -3273,7 +3352,7 @@
       <dgm:spPr/>
     </dgm:pt>
     <dgm:pt modelId="{A11CF4DF-4582-472F-9953-7C13703AA3AE}" type="pres">
-      <dgm:prSet presAssocID="{2E3F007D-E604-456A-BFA9-0F1C1408CFF8}" presName="rootText" presStyleLbl="node4" presStyleIdx="11" presStyleCnt="25" custScaleX="89252" custScaleY="124123" custLinFactNeighborX="-8772" custLinFactNeighborY="3509">
+      <dgm:prSet presAssocID="{2E3F007D-E604-456A-BFA9-0F1C1408CFF8}" presName="rootText" presStyleLbl="node4" presStyleIdx="12" presStyleCnt="26" custScaleX="89252" custScaleY="124123" custLinFactNeighborX="-8772" custLinFactNeighborY="3509">
         <dgm:presLayoutVars>
           <dgm:chPref val="3"/>
         </dgm:presLayoutVars>
@@ -3281,7 +3360,7 @@
       <dgm:spPr/>
     </dgm:pt>
     <dgm:pt modelId="{70094910-1505-4F8D-8C4E-07B41E2A6D4F}" type="pres">
-      <dgm:prSet presAssocID="{2E3F007D-E604-456A-BFA9-0F1C1408CFF8}" presName="rootConnector" presStyleLbl="node4" presStyleIdx="11" presStyleCnt="25"/>
+      <dgm:prSet presAssocID="{2E3F007D-E604-456A-BFA9-0F1C1408CFF8}" presName="rootConnector" presStyleLbl="node4" presStyleIdx="12" presStyleCnt="26"/>
       <dgm:spPr/>
     </dgm:pt>
     <dgm:pt modelId="{9FD60928-04D8-46DE-A380-631FB1B2FC00}" type="pres">
@@ -3289,7 +3368,7 @@
       <dgm:spPr/>
     </dgm:pt>
     <dgm:pt modelId="{73337C2E-84A7-45D4-BA2B-2EDA4AC1748C}" type="pres">
-      <dgm:prSet presAssocID="{474E1523-FA71-4651-868C-5B355AB66A8F}" presName="Name37" presStyleLbl="parChTrans1D4" presStyleIdx="12" presStyleCnt="25"/>
+      <dgm:prSet presAssocID="{474E1523-FA71-4651-868C-5B355AB66A8F}" presName="Name37" presStyleLbl="parChTrans1D4" presStyleIdx="13" presStyleCnt="26"/>
       <dgm:spPr/>
     </dgm:pt>
     <dgm:pt modelId="{66CB05A9-FB46-48FC-83F9-7F76607BA5FC}" type="pres">
@@ -3305,7 +3384,7 @@
       <dgm:spPr/>
     </dgm:pt>
     <dgm:pt modelId="{49B00A58-B398-46D7-A3F4-D5A929224F79}" type="pres">
-      <dgm:prSet presAssocID="{8EC5C32E-DC49-4E7C-9CD4-D84AE8625971}" presName="rootText" presStyleLbl="node4" presStyleIdx="12" presStyleCnt="25" custScaleY="120571" custLinFactNeighborX="-7017">
+      <dgm:prSet presAssocID="{8EC5C32E-DC49-4E7C-9CD4-D84AE8625971}" presName="rootText" presStyleLbl="node4" presStyleIdx="13" presStyleCnt="26" custScaleY="120571" custLinFactNeighborX="-7017">
         <dgm:presLayoutVars>
           <dgm:chPref val="3"/>
         </dgm:presLayoutVars>
@@ -3313,7 +3392,7 @@
       <dgm:spPr/>
     </dgm:pt>
     <dgm:pt modelId="{B7FB0917-8213-4B59-9087-DBC4A12CD7A8}" type="pres">
-      <dgm:prSet presAssocID="{8EC5C32E-DC49-4E7C-9CD4-D84AE8625971}" presName="rootConnector" presStyleLbl="node4" presStyleIdx="12" presStyleCnt="25"/>
+      <dgm:prSet presAssocID="{8EC5C32E-DC49-4E7C-9CD4-D84AE8625971}" presName="rootConnector" presStyleLbl="node4" presStyleIdx="13" presStyleCnt="26"/>
       <dgm:spPr/>
     </dgm:pt>
     <dgm:pt modelId="{00C8FA00-0551-4B34-9615-4D3098DD4C6F}" type="pres">
@@ -3325,7 +3404,7 @@
       <dgm:spPr/>
     </dgm:pt>
     <dgm:pt modelId="{DF1A49CA-C4C6-4CC3-BD0A-E3EE3F60F4B9}" type="pres">
-      <dgm:prSet presAssocID="{F9D4094C-89B1-4093-B9AB-53BDFF585FF3}" presName="Name37" presStyleLbl="parChTrans1D4" presStyleIdx="13" presStyleCnt="25"/>
+      <dgm:prSet presAssocID="{F9D4094C-89B1-4093-B9AB-53BDFF585FF3}" presName="Name37" presStyleLbl="parChTrans1D4" presStyleIdx="14" presStyleCnt="26"/>
       <dgm:spPr/>
     </dgm:pt>
     <dgm:pt modelId="{2FEF5612-00C3-4855-B88A-03B28963EE11}" type="pres">
@@ -3341,7 +3420,7 @@
       <dgm:spPr/>
     </dgm:pt>
     <dgm:pt modelId="{5D81A248-700D-4C8B-9866-4BDDF473C71D}" type="pres">
-      <dgm:prSet presAssocID="{16E11150-6742-402A-BAB5-092FF2FEFC20}" presName="rootText" presStyleLbl="node4" presStyleIdx="13" presStyleCnt="25" custScaleY="144984" custLinFactNeighborX="-7959" custLinFactNeighborY="-18006">
+      <dgm:prSet presAssocID="{16E11150-6742-402A-BAB5-092FF2FEFC20}" presName="rootText" presStyleLbl="node4" presStyleIdx="14" presStyleCnt="26" custScaleY="144984" custLinFactNeighborX="-7959" custLinFactNeighborY="-18006">
         <dgm:presLayoutVars>
           <dgm:chPref val="3"/>
         </dgm:presLayoutVars>
@@ -3349,7 +3428,7 @@
       <dgm:spPr/>
     </dgm:pt>
     <dgm:pt modelId="{11399B0C-D207-4924-A800-4DD8025D920F}" type="pres">
-      <dgm:prSet presAssocID="{16E11150-6742-402A-BAB5-092FF2FEFC20}" presName="rootConnector" presStyleLbl="node4" presStyleIdx="13" presStyleCnt="25"/>
+      <dgm:prSet presAssocID="{16E11150-6742-402A-BAB5-092FF2FEFC20}" presName="rootConnector" presStyleLbl="node4" presStyleIdx="14" presStyleCnt="26"/>
       <dgm:spPr/>
     </dgm:pt>
     <dgm:pt modelId="{7588DF8B-DC25-4BE1-AAB4-8907041D986D}" type="pres">
@@ -3401,7 +3480,7 @@
       <dgm:spPr/>
     </dgm:pt>
     <dgm:pt modelId="{FD53E89B-641C-4DE1-BCAA-B1BE6DE402AA}" type="pres">
-      <dgm:prSet presAssocID="{E3984623-EF8F-45C7-A80A-238E6B9BC61B}" presName="Name37" presStyleLbl="parChTrans1D4" presStyleIdx="14" presStyleCnt="25"/>
+      <dgm:prSet presAssocID="{E3984623-EF8F-45C7-A80A-238E6B9BC61B}" presName="Name37" presStyleLbl="parChTrans1D4" presStyleIdx="15" presStyleCnt="26"/>
       <dgm:spPr/>
     </dgm:pt>
     <dgm:pt modelId="{F8A94415-CB36-41F3-8695-24D27DE38302}" type="pres">
@@ -3417,7 +3496,7 @@
       <dgm:spPr/>
     </dgm:pt>
     <dgm:pt modelId="{23CCBA72-FE18-4FD3-A65C-DB406EB3BA0C}" type="pres">
-      <dgm:prSet presAssocID="{AF6B9632-F743-47ED-9C57-43057DABD278}" presName="rootText" presStyleLbl="node4" presStyleIdx="14" presStyleCnt="25" custScaleY="207535">
+      <dgm:prSet presAssocID="{AF6B9632-F743-47ED-9C57-43057DABD278}" presName="rootText" presStyleLbl="node4" presStyleIdx="15" presStyleCnt="26" custScaleY="207535">
         <dgm:presLayoutVars>
           <dgm:chPref val="3"/>
         </dgm:presLayoutVars>
@@ -3425,7 +3504,7 @@
       <dgm:spPr/>
     </dgm:pt>
     <dgm:pt modelId="{45991460-B34E-4A4B-84B1-8741B1F8E571}" type="pres">
-      <dgm:prSet presAssocID="{AF6B9632-F743-47ED-9C57-43057DABD278}" presName="rootConnector" presStyleLbl="node4" presStyleIdx="14" presStyleCnt="25"/>
+      <dgm:prSet presAssocID="{AF6B9632-F743-47ED-9C57-43057DABD278}" presName="rootConnector" presStyleLbl="node4" presStyleIdx="15" presStyleCnt="26"/>
       <dgm:spPr/>
     </dgm:pt>
     <dgm:pt modelId="{6A249C7F-EAD1-4B6E-91F6-98D9A19F4ACE}" type="pres">
@@ -3481,7 +3560,7 @@
       <dgm:spPr/>
     </dgm:pt>
     <dgm:pt modelId="{485591B9-5708-47A2-BAA5-824FF6E2DD2F}" type="pres">
-      <dgm:prSet presAssocID="{A70C1F43-52FE-4363-8A29-E38B9E801940}" presName="Name37" presStyleLbl="parChTrans1D4" presStyleIdx="15" presStyleCnt="25"/>
+      <dgm:prSet presAssocID="{A70C1F43-52FE-4363-8A29-E38B9E801940}" presName="Name37" presStyleLbl="parChTrans1D4" presStyleIdx="16" presStyleCnt="26"/>
       <dgm:spPr/>
     </dgm:pt>
     <dgm:pt modelId="{ACC89364-EA04-4D2D-A80A-7A6EA994F7B2}" type="pres">
@@ -3497,7 +3576,7 @@
       <dgm:spPr/>
     </dgm:pt>
     <dgm:pt modelId="{22C5D4E4-B183-4908-A417-8AFC2ABB6675}" type="pres">
-      <dgm:prSet presAssocID="{1AA9336A-8F84-4E05-B5DA-FC298999BD02}" presName="rootText" presStyleLbl="node4" presStyleIdx="15" presStyleCnt="25" custScaleY="161877">
+      <dgm:prSet presAssocID="{1AA9336A-8F84-4E05-B5DA-FC298999BD02}" presName="rootText" presStyleLbl="node4" presStyleIdx="16" presStyleCnt="26" custScaleY="161877">
         <dgm:presLayoutVars>
           <dgm:chPref val="3"/>
         </dgm:presLayoutVars>
@@ -3505,7 +3584,7 @@
       <dgm:spPr/>
     </dgm:pt>
     <dgm:pt modelId="{8F75B651-F2DB-4771-A33F-AC230E15378D}" type="pres">
-      <dgm:prSet presAssocID="{1AA9336A-8F84-4E05-B5DA-FC298999BD02}" presName="rootConnector" presStyleLbl="node4" presStyleIdx="15" presStyleCnt="25"/>
+      <dgm:prSet presAssocID="{1AA9336A-8F84-4E05-B5DA-FC298999BD02}" presName="rootConnector" presStyleLbl="node4" presStyleIdx="16" presStyleCnt="26"/>
       <dgm:spPr/>
     </dgm:pt>
     <dgm:pt modelId="{24E9373F-B877-45D2-9A00-894A6B6A677B}" type="pres">
@@ -3517,7 +3596,7 @@
       <dgm:spPr/>
     </dgm:pt>
     <dgm:pt modelId="{779DDC95-C78F-47F2-827D-246A24C3D463}" type="pres">
-      <dgm:prSet presAssocID="{F06EC88D-9AEE-4503-BAE4-FF30A832FD7D}" presName="Name37" presStyleLbl="parChTrans1D4" presStyleIdx="16" presStyleCnt="25"/>
+      <dgm:prSet presAssocID="{F06EC88D-9AEE-4503-BAE4-FF30A832FD7D}" presName="Name37" presStyleLbl="parChTrans1D4" presStyleIdx="17" presStyleCnt="26"/>
       <dgm:spPr/>
     </dgm:pt>
     <dgm:pt modelId="{CE8BEA3C-1AEB-4CE0-B09A-2B33D8DE115C}" type="pres">
@@ -3533,7 +3612,7 @@
       <dgm:spPr/>
     </dgm:pt>
     <dgm:pt modelId="{5A053106-4DC6-4069-98DF-7CCE0F31AF65}" type="pres">
-      <dgm:prSet presAssocID="{C49A89BA-FEBB-4221-B546-3FCF4E260CEE}" presName="rootText" presStyleLbl="node4" presStyleIdx="16" presStyleCnt="25" custScaleY="114323">
+      <dgm:prSet presAssocID="{C49A89BA-FEBB-4221-B546-3FCF4E260CEE}" presName="rootText" presStyleLbl="node4" presStyleIdx="17" presStyleCnt="26" custScaleY="114323">
         <dgm:presLayoutVars>
           <dgm:chPref val="3"/>
         </dgm:presLayoutVars>
@@ -3541,7 +3620,7 @@
       <dgm:spPr/>
     </dgm:pt>
     <dgm:pt modelId="{D032EA75-E7E4-495D-BF2B-F6AB2780B1CD}" type="pres">
-      <dgm:prSet presAssocID="{C49A89BA-FEBB-4221-B546-3FCF4E260CEE}" presName="rootConnector" presStyleLbl="node4" presStyleIdx="16" presStyleCnt="25"/>
+      <dgm:prSet presAssocID="{C49A89BA-FEBB-4221-B546-3FCF4E260CEE}" presName="rootConnector" presStyleLbl="node4" presStyleIdx="17" presStyleCnt="26"/>
       <dgm:spPr/>
     </dgm:pt>
     <dgm:pt modelId="{B6A0AF89-1E94-40C9-9FD9-4D6A2FF74AF0}" type="pres">
@@ -3597,7 +3676,7 @@
       <dgm:spPr/>
     </dgm:pt>
     <dgm:pt modelId="{494C062B-A136-488A-92E0-72A9B999A4C7}" type="pres">
-      <dgm:prSet presAssocID="{F5CC9385-3F68-4461-A3D4-D990CBA25D9C}" presName="Name37" presStyleLbl="parChTrans1D4" presStyleIdx="17" presStyleCnt="25"/>
+      <dgm:prSet presAssocID="{F5CC9385-3F68-4461-A3D4-D990CBA25D9C}" presName="Name37" presStyleLbl="parChTrans1D4" presStyleIdx="18" presStyleCnt="26"/>
       <dgm:spPr/>
     </dgm:pt>
     <dgm:pt modelId="{0BD6E2AC-8758-4C74-B0D1-B2400357E9B4}" type="pres">
@@ -3613,7 +3692,7 @@
       <dgm:spPr/>
     </dgm:pt>
     <dgm:pt modelId="{98A4BD74-F07E-470E-BABA-EA955F4355E8}" type="pres">
-      <dgm:prSet presAssocID="{16B24D9E-3B96-47CF-AB63-B7EAE10F94C9}" presName="rootText" presStyleLbl="node4" presStyleIdx="17" presStyleCnt="25" custScaleY="163950">
+      <dgm:prSet presAssocID="{16B24D9E-3B96-47CF-AB63-B7EAE10F94C9}" presName="rootText" presStyleLbl="node4" presStyleIdx="18" presStyleCnt="26" custScaleY="163950">
         <dgm:presLayoutVars>
           <dgm:chPref val="3"/>
         </dgm:presLayoutVars>
@@ -3621,7 +3700,7 @@
       <dgm:spPr/>
     </dgm:pt>
     <dgm:pt modelId="{1AEA9C5E-E176-4070-92BF-AF000A600440}" type="pres">
-      <dgm:prSet presAssocID="{16B24D9E-3B96-47CF-AB63-B7EAE10F94C9}" presName="rootConnector" presStyleLbl="node4" presStyleIdx="17" presStyleCnt="25"/>
+      <dgm:prSet presAssocID="{16B24D9E-3B96-47CF-AB63-B7EAE10F94C9}" presName="rootConnector" presStyleLbl="node4" presStyleIdx="18" presStyleCnt="26"/>
       <dgm:spPr/>
     </dgm:pt>
     <dgm:pt modelId="{B3558CCC-BFC3-4DC3-9497-866EB41304E7}" type="pres">
@@ -3633,7 +3712,7 @@
       <dgm:spPr/>
     </dgm:pt>
     <dgm:pt modelId="{F47E7DFE-6025-479F-8924-BD5F0FBB723B}" type="pres">
-      <dgm:prSet presAssocID="{078A9EF8-7DC1-4C04-9CD5-6645FB548397}" presName="Name37" presStyleLbl="parChTrans1D4" presStyleIdx="18" presStyleCnt="25"/>
+      <dgm:prSet presAssocID="{078A9EF8-7DC1-4C04-9CD5-6645FB548397}" presName="Name37" presStyleLbl="parChTrans1D4" presStyleIdx="19" presStyleCnt="26"/>
       <dgm:spPr/>
     </dgm:pt>
     <dgm:pt modelId="{7F18BD66-07E0-4090-9FF9-96E10ECC7E1F}" type="pres">
@@ -3649,7 +3728,7 @@
       <dgm:spPr/>
     </dgm:pt>
     <dgm:pt modelId="{99227BDC-C259-45D0-A460-2210C1707885}" type="pres">
-      <dgm:prSet presAssocID="{775415AE-F9F6-4E93-B43E-75133F887C0A}" presName="rootText" presStyleLbl="node4" presStyleIdx="18" presStyleCnt="25" custScaleY="167960" custLinFactNeighborX="777" custLinFactNeighborY="-26417">
+      <dgm:prSet presAssocID="{775415AE-F9F6-4E93-B43E-75133F887C0A}" presName="rootText" presStyleLbl="node4" presStyleIdx="19" presStyleCnt="26" custScaleY="167960" custLinFactNeighborX="777" custLinFactNeighborY="-26417">
         <dgm:presLayoutVars>
           <dgm:chPref val="3"/>
         </dgm:presLayoutVars>
@@ -3657,7 +3736,7 @@
       <dgm:spPr/>
     </dgm:pt>
     <dgm:pt modelId="{3AC4ACA7-B183-438B-87DD-D51302E58CDD}" type="pres">
-      <dgm:prSet presAssocID="{775415AE-F9F6-4E93-B43E-75133F887C0A}" presName="rootConnector" presStyleLbl="node4" presStyleIdx="18" presStyleCnt="25"/>
+      <dgm:prSet presAssocID="{775415AE-F9F6-4E93-B43E-75133F887C0A}" presName="rootConnector" presStyleLbl="node4" presStyleIdx="19" presStyleCnt="26"/>
       <dgm:spPr/>
     </dgm:pt>
     <dgm:pt modelId="{73E93A0D-5A86-4FD1-98CC-73E3CB6503C6}" type="pres">
@@ -3669,7 +3748,7 @@
       <dgm:spPr/>
     </dgm:pt>
     <dgm:pt modelId="{AE778A62-DDF5-4A28-AC93-5293E77B3641}" type="pres">
-      <dgm:prSet presAssocID="{240259B6-DBFB-4919-9DDE-5CAF113EE454}" presName="Name37" presStyleLbl="parChTrans1D4" presStyleIdx="19" presStyleCnt="25"/>
+      <dgm:prSet presAssocID="{240259B6-DBFB-4919-9DDE-5CAF113EE454}" presName="Name37" presStyleLbl="parChTrans1D4" presStyleIdx="20" presStyleCnt="26"/>
       <dgm:spPr/>
     </dgm:pt>
     <dgm:pt modelId="{32B4A313-EB99-4D54-82C9-1D97568DBB4F}" type="pres">
@@ -3685,7 +3764,7 @@
       <dgm:spPr/>
     </dgm:pt>
     <dgm:pt modelId="{47A8CFEC-4A04-4D93-9934-806CA3DCC72D}" type="pres">
-      <dgm:prSet presAssocID="{CFBD6630-C7B3-41D5-A79C-D56203F6493D}" presName="rootText" presStyleLbl="node4" presStyleIdx="19" presStyleCnt="25" custScaleY="146256" custLinFactNeighborX="0" custLinFactNeighborY="-38848">
+      <dgm:prSet presAssocID="{CFBD6630-C7B3-41D5-A79C-D56203F6493D}" presName="rootText" presStyleLbl="node4" presStyleIdx="20" presStyleCnt="26" custScaleY="146256" custLinFactNeighborX="0" custLinFactNeighborY="-38848">
         <dgm:presLayoutVars>
           <dgm:chPref val="3"/>
         </dgm:presLayoutVars>
@@ -3693,7 +3772,7 @@
       <dgm:spPr/>
     </dgm:pt>
     <dgm:pt modelId="{DFA7A816-55DD-44E3-8D4E-7E58D086312E}" type="pres">
-      <dgm:prSet presAssocID="{CFBD6630-C7B3-41D5-A79C-D56203F6493D}" presName="rootConnector" presStyleLbl="node4" presStyleIdx="19" presStyleCnt="25"/>
+      <dgm:prSet presAssocID="{CFBD6630-C7B3-41D5-A79C-D56203F6493D}" presName="rootConnector" presStyleLbl="node4" presStyleIdx="20" presStyleCnt="26"/>
       <dgm:spPr/>
     </dgm:pt>
     <dgm:pt modelId="{5FF2D378-CDAF-4A7E-BB2A-5ED9A40068D4}" type="pres">
@@ -3741,7 +3820,7 @@
       <dgm:spPr/>
     </dgm:pt>
     <dgm:pt modelId="{E563C1B3-C7EE-4AD2-9F4B-603C2E17D74F}" type="pres">
-      <dgm:prSet presAssocID="{8C9DE4D2-EFEE-46A7-BC53-8D203C90ACF8}" presName="Name37" presStyleLbl="parChTrans1D4" presStyleIdx="20" presStyleCnt="25"/>
+      <dgm:prSet presAssocID="{8C9DE4D2-EFEE-46A7-BC53-8D203C90ACF8}" presName="Name37" presStyleLbl="parChTrans1D4" presStyleIdx="21" presStyleCnt="26"/>
       <dgm:spPr/>
     </dgm:pt>
     <dgm:pt modelId="{92B93AD6-EA80-4560-968E-2CE20A12AA52}" type="pres">
@@ -3757,7 +3836,7 @@
       <dgm:spPr/>
     </dgm:pt>
     <dgm:pt modelId="{FE752E61-95AF-4158-9A59-C0E65CA926C8}" type="pres">
-      <dgm:prSet presAssocID="{865D5362-C4FA-4F2A-AA5C-076A123F6009}" presName="rootText" presStyleLbl="node4" presStyleIdx="20" presStyleCnt="25" custScaleY="168474">
+      <dgm:prSet presAssocID="{865D5362-C4FA-4F2A-AA5C-076A123F6009}" presName="rootText" presStyleLbl="node4" presStyleIdx="21" presStyleCnt="26" custScaleY="168474">
         <dgm:presLayoutVars>
           <dgm:chPref val="3"/>
         </dgm:presLayoutVars>
@@ -3765,7 +3844,7 @@
       <dgm:spPr/>
     </dgm:pt>
     <dgm:pt modelId="{5C63C944-FC6E-4491-A583-BB5782D6FF33}" type="pres">
-      <dgm:prSet presAssocID="{865D5362-C4FA-4F2A-AA5C-076A123F6009}" presName="rootConnector" presStyleLbl="node4" presStyleIdx="20" presStyleCnt="25"/>
+      <dgm:prSet presAssocID="{865D5362-C4FA-4F2A-AA5C-076A123F6009}" presName="rootConnector" presStyleLbl="node4" presStyleIdx="21" presStyleCnt="26"/>
       <dgm:spPr/>
     </dgm:pt>
     <dgm:pt modelId="{8F77C9DC-93E5-4B70-8592-43A34760BCCA}" type="pres">
@@ -3777,7 +3856,7 @@
       <dgm:spPr/>
     </dgm:pt>
     <dgm:pt modelId="{AC6F3EE0-ECEB-4902-A1BA-0E280E64D26A}" type="pres">
-      <dgm:prSet presAssocID="{6722DE6D-A4F9-48BE-A36B-8AE76FC8E0DC}" presName="Name37" presStyleLbl="parChTrans1D4" presStyleIdx="21" presStyleCnt="25"/>
+      <dgm:prSet presAssocID="{6722DE6D-A4F9-48BE-A36B-8AE76FC8E0DC}" presName="Name37" presStyleLbl="parChTrans1D4" presStyleIdx="22" presStyleCnt="26"/>
       <dgm:spPr/>
     </dgm:pt>
     <dgm:pt modelId="{5A725BB3-CCBE-473D-AFD0-447140D52D05}" type="pres">
@@ -3793,7 +3872,7 @@
       <dgm:spPr/>
     </dgm:pt>
     <dgm:pt modelId="{91098537-C4A3-489F-9CB3-D301620B7E77}" type="pres">
-      <dgm:prSet presAssocID="{5CF5E847-3D4A-4422-9636-3A118E07766D}" presName="rootText" presStyleLbl="node4" presStyleIdx="21" presStyleCnt="25" custScaleY="125722">
+      <dgm:prSet presAssocID="{5CF5E847-3D4A-4422-9636-3A118E07766D}" presName="rootText" presStyleLbl="node4" presStyleIdx="22" presStyleCnt="26" custScaleY="125722">
         <dgm:presLayoutVars>
           <dgm:chPref val="3"/>
         </dgm:presLayoutVars>
@@ -3801,7 +3880,7 @@
       <dgm:spPr/>
     </dgm:pt>
     <dgm:pt modelId="{4EAC9CA8-B42C-4FF0-8229-812721E7DA3E}" type="pres">
-      <dgm:prSet presAssocID="{5CF5E847-3D4A-4422-9636-3A118E07766D}" presName="rootConnector" presStyleLbl="node4" presStyleIdx="21" presStyleCnt="25"/>
+      <dgm:prSet presAssocID="{5CF5E847-3D4A-4422-9636-3A118E07766D}" presName="rootConnector" presStyleLbl="node4" presStyleIdx="22" presStyleCnt="26"/>
       <dgm:spPr/>
     </dgm:pt>
     <dgm:pt modelId="{C8CCCC43-5C61-4196-9B57-C08913929A34}" type="pres">
@@ -3849,7 +3928,7 @@
       <dgm:spPr/>
     </dgm:pt>
     <dgm:pt modelId="{D5D8680C-1E5D-4829-80FC-4C5F482CA7B4}" type="pres">
-      <dgm:prSet presAssocID="{0EDE459A-66FC-4014-A666-96497C7A4E8A}" presName="Name37" presStyleLbl="parChTrans1D4" presStyleIdx="22" presStyleCnt="25"/>
+      <dgm:prSet presAssocID="{0EDE459A-66FC-4014-A666-96497C7A4E8A}" presName="Name37" presStyleLbl="parChTrans1D4" presStyleIdx="23" presStyleCnt="26"/>
       <dgm:spPr/>
     </dgm:pt>
     <dgm:pt modelId="{43882B16-ED98-43B1-99FC-50FFE490D493}" type="pres">
@@ -3865,7 +3944,7 @@
       <dgm:spPr/>
     </dgm:pt>
     <dgm:pt modelId="{8BFCFC47-56C4-415E-8026-CC4EC0F7A329}" type="pres">
-      <dgm:prSet presAssocID="{2EB1F0B3-14EE-4818-9AF9-A40D705ED5F2}" presName="rootText" presStyleLbl="node4" presStyleIdx="22" presStyleCnt="25" custScaleY="165990">
+      <dgm:prSet presAssocID="{2EB1F0B3-14EE-4818-9AF9-A40D705ED5F2}" presName="rootText" presStyleLbl="node4" presStyleIdx="23" presStyleCnt="26" custScaleY="165990">
         <dgm:presLayoutVars>
           <dgm:chPref val="3"/>
         </dgm:presLayoutVars>
@@ -3873,7 +3952,7 @@
       <dgm:spPr/>
     </dgm:pt>
     <dgm:pt modelId="{B209973E-5613-4E4A-8599-D51EEF644DA9}" type="pres">
-      <dgm:prSet presAssocID="{2EB1F0B3-14EE-4818-9AF9-A40D705ED5F2}" presName="rootConnector" presStyleLbl="node4" presStyleIdx="22" presStyleCnt="25"/>
+      <dgm:prSet presAssocID="{2EB1F0B3-14EE-4818-9AF9-A40D705ED5F2}" presName="rootConnector" presStyleLbl="node4" presStyleIdx="23" presStyleCnt="26"/>
       <dgm:spPr/>
     </dgm:pt>
     <dgm:pt modelId="{08FE092E-DD68-4378-952E-C78B014B8A7E}" type="pres">
@@ -3885,7 +3964,7 @@
       <dgm:spPr/>
     </dgm:pt>
     <dgm:pt modelId="{31F31732-87E0-4733-AB71-1537200BE92E}" type="pres">
-      <dgm:prSet presAssocID="{03B1EFF5-4820-42E4-BF8E-E691A3DA3749}" presName="Name37" presStyleLbl="parChTrans1D4" presStyleIdx="23" presStyleCnt="25"/>
+      <dgm:prSet presAssocID="{03B1EFF5-4820-42E4-BF8E-E691A3DA3749}" presName="Name37" presStyleLbl="parChTrans1D4" presStyleIdx="24" presStyleCnt="26"/>
       <dgm:spPr/>
     </dgm:pt>
     <dgm:pt modelId="{6778F3B5-5AE7-46CD-B119-D56071F573E0}" type="pres">
@@ -3901,7 +3980,7 @@
       <dgm:spPr/>
     </dgm:pt>
     <dgm:pt modelId="{60F8C25F-5BC0-4AB1-B365-9DA0AC3B2CB8}" type="pres">
-      <dgm:prSet presAssocID="{5F7B9B9A-A4F4-450A-B791-4E41EC3C420B}" presName="rootText" presStyleLbl="node4" presStyleIdx="23" presStyleCnt="25" custScaleY="124945">
+      <dgm:prSet presAssocID="{5F7B9B9A-A4F4-450A-B791-4E41EC3C420B}" presName="rootText" presStyleLbl="node4" presStyleIdx="24" presStyleCnt="26" custScaleY="124945">
         <dgm:presLayoutVars>
           <dgm:chPref val="3"/>
         </dgm:presLayoutVars>
@@ -3909,7 +3988,7 @@
       <dgm:spPr/>
     </dgm:pt>
     <dgm:pt modelId="{128880AB-A96F-4B96-A7EB-40CF1335E0F4}" type="pres">
-      <dgm:prSet presAssocID="{5F7B9B9A-A4F4-450A-B791-4E41EC3C420B}" presName="rootConnector" presStyleLbl="node4" presStyleIdx="23" presStyleCnt="25"/>
+      <dgm:prSet presAssocID="{5F7B9B9A-A4F4-450A-B791-4E41EC3C420B}" presName="rootConnector" presStyleLbl="node4" presStyleIdx="24" presStyleCnt="26"/>
       <dgm:spPr/>
     </dgm:pt>
     <dgm:pt modelId="{0778EAEC-AC33-4C59-8027-E193F96B6957}" type="pres">
@@ -3957,7 +4036,7 @@
       <dgm:spPr/>
     </dgm:pt>
     <dgm:pt modelId="{0EC0C316-9124-498C-8D07-5534CAC3828F}" type="pres">
-      <dgm:prSet presAssocID="{914CE761-5665-4E8B-A42C-980CA1452463}" presName="Name37" presStyleLbl="parChTrans1D4" presStyleIdx="24" presStyleCnt="25"/>
+      <dgm:prSet presAssocID="{914CE761-5665-4E8B-A42C-980CA1452463}" presName="Name37" presStyleLbl="parChTrans1D4" presStyleIdx="25" presStyleCnt="26"/>
       <dgm:spPr/>
     </dgm:pt>
     <dgm:pt modelId="{E6FF80CC-054A-40F6-ABCA-651E74D00C00}" type="pres">
@@ -3973,7 +4052,7 @@
       <dgm:spPr/>
     </dgm:pt>
     <dgm:pt modelId="{35230603-A411-4B6C-B4C9-3745E89C0DDE}" type="pres">
-      <dgm:prSet presAssocID="{423DA2F3-8E29-4E37-B519-E45E3F027535}" presName="rootText" presStyleLbl="node4" presStyleIdx="24" presStyleCnt="25" custScaleY="141553" custLinFactNeighborX="-9649">
+      <dgm:prSet presAssocID="{423DA2F3-8E29-4E37-B519-E45E3F027535}" presName="rootText" presStyleLbl="node4" presStyleIdx="25" presStyleCnt="26" custScaleY="141553" custLinFactNeighborX="-9649">
         <dgm:presLayoutVars>
           <dgm:chPref val="3"/>
         </dgm:presLayoutVars>
@@ -3981,7 +4060,7 @@
       <dgm:spPr/>
     </dgm:pt>
     <dgm:pt modelId="{17FA0A26-46B8-4784-AB79-2242AE18C577}" type="pres">
-      <dgm:prSet presAssocID="{423DA2F3-8E29-4E37-B519-E45E3F027535}" presName="rootConnector" presStyleLbl="node4" presStyleIdx="24" presStyleCnt="25"/>
+      <dgm:prSet presAssocID="{423DA2F3-8E29-4E37-B519-E45E3F027535}" presName="rootConnector" presStyleLbl="node4" presStyleIdx="25" presStyleCnt="26"/>
       <dgm:spPr/>
     </dgm:pt>
     <dgm:pt modelId="{DA3C7F52-BB33-48DA-A9C2-7DC1C7CC88A8}" type="pres">
@@ -4065,6 +4144,7 @@
     <dgm:cxn modelId="{17725248-DDE8-40E8-B58B-D372A7094278}" type="presOf" srcId="{5F7B9B9A-A4F4-450A-B791-4E41EC3C420B}" destId="{128880AB-A96F-4B96-A7EB-40CF1335E0F4}" srcOrd="1" destOrd="0" presId="urn:microsoft.com/office/officeart/2005/8/layout/orgChart1"/>
     <dgm:cxn modelId="{D62BD048-3F13-49D1-A513-A7ECD0B60F9A}" type="presOf" srcId="{6722DE6D-A4F9-48BE-A36B-8AE76FC8E0DC}" destId="{AC6F3EE0-ECEB-4902-A1BA-0E280E64D26A}" srcOrd="0" destOrd="0" presId="urn:microsoft.com/office/officeart/2005/8/layout/orgChart1"/>
     <dgm:cxn modelId="{CC99654A-072E-493F-B296-34AC1C887643}" srcId="{28D4303A-1160-4269-9F32-C562151D69AB}" destId="{34EFF2C1-D24A-4A68-BA15-9F9436464740}" srcOrd="3" destOrd="0" parTransId="{118DB96C-A361-4AE2-A784-B73BD97C64F1}" sibTransId="{6705BE10-459A-487C-ADCF-D848063CCA35}"/>
+    <dgm:cxn modelId="{FCE3986A-A1AB-4C46-9F8B-00108BC6F5BC}" type="presOf" srcId="{5D3ACED8-760F-4869-AD3E-69AC72742C53}" destId="{D5CD53A4-F7BE-464C-AC03-488250BE654E}" srcOrd="0" destOrd="0" presId="urn:microsoft.com/office/officeart/2005/8/layout/orgChart1"/>
     <dgm:cxn modelId="{E92CF04B-8F2B-43A1-99B5-BF91925D56B5}" type="presOf" srcId="{2EB1F0B3-14EE-4818-9AF9-A40D705ED5F2}" destId="{8BFCFC47-56C4-415E-8026-CC4EC0F7A329}" srcOrd="0" destOrd="0" presId="urn:microsoft.com/office/officeart/2005/8/layout/orgChart1"/>
     <dgm:cxn modelId="{54E3366C-6BF2-44B0-BFD7-A87FC8072C3D}" type="presOf" srcId="{F9D4094C-89B1-4093-B9AB-53BDFF585FF3}" destId="{DF1A49CA-C4C6-4CC3-BD0A-E3EE3F60F4B9}" srcOrd="0" destOrd="0" presId="urn:microsoft.com/office/officeart/2005/8/layout/orgChart1"/>
     <dgm:cxn modelId="{A039E46C-4F2D-45FA-8238-9271D759EFB7}" srcId="{5DD5215F-282A-4DBC-8CFA-B92466F64176}" destId="{40BD90D1-3943-4EB3-906D-84CDCE6C80CD}" srcOrd="0" destOrd="0" parTransId="{675C4F1C-C396-4C25-A319-AC83AE009AA5}" sibTransId="{D8ABC79C-4223-493A-AF2E-691F1437B264}"/>
@@ -4127,6 +4207,7 @@
     <dgm:cxn modelId="{A8EC5BC6-007E-43BB-BAC7-CAFF5D80AF50}" srcId="{40BD90D1-3943-4EB3-906D-84CDCE6C80CD}" destId="{2E3F007D-E604-456A-BFA9-0F1C1408CFF8}" srcOrd="1" destOrd="0" parTransId="{AB325E58-1A60-4F10-8E80-262F09BC46C9}" sibTransId="{984992FE-94E8-45B5-8D4F-AEE882FC7EAB}"/>
     <dgm:cxn modelId="{6FDEF9C6-5347-40D8-885B-72DFCF1034DB}" type="presOf" srcId="{0EDE459A-66FC-4014-A666-96497C7A4E8A}" destId="{D5D8680C-1E5D-4829-80FC-4C5F482CA7B4}" srcOrd="0" destOrd="0" presId="urn:microsoft.com/office/officeart/2005/8/layout/orgChart1"/>
     <dgm:cxn modelId="{1BB6FBC8-83D4-4B21-8336-9E5171C4DB69}" type="presOf" srcId="{E3984623-EF8F-45C7-A80A-238E6B9BC61B}" destId="{FD53E89B-641C-4DE1-BCAA-B1BE6DE402AA}" srcOrd="0" destOrd="0" presId="urn:microsoft.com/office/officeart/2005/8/layout/orgChart1"/>
+    <dgm:cxn modelId="{36AB8DCC-7ABF-461D-A8CF-29D15ABD271C}" type="presOf" srcId="{DD96F167-5C9D-4A08-9E07-9744C5377838}" destId="{32E150E0-EA9D-4225-9AF4-BA6A76BA4AC2}" srcOrd="0" destOrd="0" presId="urn:microsoft.com/office/officeart/2005/8/layout/orgChart1"/>
     <dgm:cxn modelId="{26F3DED0-8580-4ADA-945A-1302BD26E298}" srcId="{E95B3E6E-F4B6-4A9A-ACC6-03B477B2366A}" destId="{6C254CC0-842F-4926-BB2C-76EFCE2790A3}" srcOrd="2" destOrd="0" parTransId="{A2C78E2B-5F78-4DBF-9417-040F124B0960}" sibTransId="{3BFE953F-51C5-483B-B117-CE93D3F23636}"/>
     <dgm:cxn modelId="{91105BD1-F1AA-4145-A707-62131350E4C9}" type="presOf" srcId="{40BD90D1-3943-4EB3-906D-84CDCE6C80CD}" destId="{B18747D8-A8AC-417D-B464-BDA8C868E1C1}" srcOrd="0" destOrd="0" presId="urn:microsoft.com/office/officeart/2005/8/layout/orgChart1"/>
     <dgm:cxn modelId="{0BB7D0D1-433B-436A-86FA-8C61A1902FA1}" type="presOf" srcId="{01537F03-F3D9-4D1B-AC59-2593EC164C23}" destId="{F499D5E6-F5FB-43AF-8130-AF3D13846AF0}" srcOrd="1" destOrd="0" presId="urn:microsoft.com/office/officeart/2005/8/layout/orgChart1"/>
@@ -4144,6 +4225,7 @@
     <dgm:cxn modelId="{0D6B1EE0-813C-46A6-8D5F-4F52C697FFD2}" type="presOf" srcId="{423DA2F3-8E29-4E37-B519-E45E3F027535}" destId="{17FA0A26-46B8-4784-AB79-2242AE18C577}" srcOrd="1" destOrd="0" presId="urn:microsoft.com/office/officeart/2005/8/layout/orgChart1"/>
     <dgm:cxn modelId="{A4B1E4E2-8EA7-4071-9D08-5CAC66F69430}" srcId="{2E3F007D-E604-456A-BFA9-0F1C1408CFF8}" destId="{16E11150-6742-402A-BAB5-092FF2FEFC20}" srcOrd="1" destOrd="0" parTransId="{F9D4094C-89B1-4093-B9AB-53BDFF585FF3}" sibTransId="{BA2143E9-6C7E-460B-8711-C229E13FFBED}"/>
     <dgm:cxn modelId="{D5B930E4-70C5-4D61-A77B-93413279E6CB}" type="presOf" srcId="{16B24D9E-3B96-47CF-AB63-B7EAE10F94C9}" destId="{98A4BD74-F07E-470E-BABA-EA955F4355E8}" srcOrd="0" destOrd="0" presId="urn:microsoft.com/office/officeart/2005/8/layout/orgChart1"/>
+    <dgm:cxn modelId="{1CF505E5-D9BB-41AA-B27B-0D3D92E25F28}" type="presOf" srcId="{DD96F167-5C9D-4A08-9E07-9744C5377838}" destId="{C5BB10D6-36DA-4E77-B8B1-88F7BA551BA7}" srcOrd="1" destOrd="0" presId="urn:microsoft.com/office/officeart/2005/8/layout/orgChart1"/>
     <dgm:cxn modelId="{B8E2D6E5-DE8C-468D-8F9E-3E36D9B7F1CE}" type="presOf" srcId="{CBEBEAC0-41EA-4E80-99AC-73D95F03DB44}" destId="{057ADC8E-D401-4B7A-80F8-965E0B1DE7E7}" srcOrd="0" destOrd="0" presId="urn:microsoft.com/office/officeart/2005/8/layout/orgChart1"/>
     <dgm:cxn modelId="{23ABF6E5-8F12-450C-9FBE-12C31952DAE6}" srcId="{5DD5215F-282A-4DBC-8CFA-B92466F64176}" destId="{3393CED3-3F25-46DA-9851-DCBC919C8ABB}" srcOrd="3" destOrd="0" parTransId="{685737CF-67AA-48C0-B251-9E42C69348CF}" sibTransId="{CC4AD53B-4B44-4C73-B6E6-CAE3EB22815C}"/>
     <dgm:cxn modelId="{95E9E0E8-6B16-4BDE-A6C8-1404C3808838}" type="presOf" srcId="{B2F4B0F2-6F26-4578-AD95-3D8619D80688}" destId="{FB260E04-35B6-4E8C-83AC-FB6F2C8E4EFD}" srcOrd="0" destOrd="0" presId="urn:microsoft.com/office/officeart/2005/8/layout/orgChart1"/>
@@ -4152,6 +4234,7 @@
     <dgm:cxn modelId="{99E07EEC-1DB1-46D4-8054-77123371E838}" type="presOf" srcId="{14CB117C-5D8D-47FE-AD95-449999D2727A}" destId="{26F50A34-2972-4CB4-B149-74B75042E0B2}" srcOrd="0" destOrd="0" presId="urn:microsoft.com/office/officeart/2005/8/layout/orgChart1"/>
     <dgm:cxn modelId="{855FFBEC-4818-4995-B706-FD019A96547B}" type="presOf" srcId="{775415AE-F9F6-4E93-B43E-75133F887C0A}" destId="{3AC4ACA7-B183-438B-87DD-D51302E58CDD}" srcOrd="1" destOrd="0" presId="urn:microsoft.com/office/officeart/2005/8/layout/orgChart1"/>
     <dgm:cxn modelId="{8D9A38EE-56C8-4E7D-8262-04E14D0C88B6}" type="presOf" srcId="{AB325E58-1A60-4F10-8E80-262F09BC46C9}" destId="{EFD0AB61-B32D-405D-B64D-49F23D49F0CE}" srcOrd="0" destOrd="0" presId="urn:microsoft.com/office/officeart/2005/8/layout/orgChart1"/>
+    <dgm:cxn modelId="{7A9510EF-1D07-4E2F-B1CF-D660D5891140}" srcId="{34EFF2C1-D24A-4A68-BA15-9F9436464740}" destId="{DD96F167-5C9D-4A08-9E07-9744C5377838}" srcOrd="0" destOrd="0" parTransId="{5D3ACED8-760F-4869-AD3E-69AC72742C53}" sibTransId="{E4E1AD9B-EBB9-4A09-A856-ED0A81DDF270}"/>
     <dgm:cxn modelId="{A1D216EF-1CEE-4F30-BFB2-2974A5255E0B}" type="presOf" srcId="{0E206134-7479-474E-96DD-1EC451F779C9}" destId="{C134C906-810F-4953-9B94-F46FB84BAC3C}" srcOrd="0" destOrd="0" presId="urn:microsoft.com/office/officeart/2005/8/layout/orgChart1"/>
     <dgm:cxn modelId="{1C1E87EF-2A9C-4A8A-881C-13758D1B3581}" type="presOf" srcId="{5082563B-6E32-431B-B101-7F7DC0EA5AEC}" destId="{4D11E440-8D50-47A5-ACC1-F96AD06F61D5}" srcOrd="0" destOrd="0" presId="urn:microsoft.com/office/officeart/2005/8/layout/orgChart1"/>
     <dgm:cxn modelId="{224707F1-BC71-4897-B21C-8B9AEAD3163A}" srcId="{28D4303A-1160-4269-9F32-C562151D69AB}" destId="{372B1EA8-094C-467E-A85E-8054D27A9E9B}" srcOrd="2" destOrd="0" parTransId="{8B601E00-D559-418A-AEB4-69B318B8B6B1}" sibTransId="{5AD3D811-5515-4D03-AA96-C87F011DB2B0}"/>
@@ -4249,6 +4332,13 @@
     <dgm:cxn modelId="{312C836A-D8D9-41EE-8019-C16D26E1D298}" type="presParOf" srcId="{D2188ECB-8073-43B6-93C8-BB3DECDE400D}" destId="{32C9AB5B-10B9-4F44-9859-626B9D531E18}" srcOrd="0" destOrd="0" presId="urn:microsoft.com/office/officeart/2005/8/layout/orgChart1"/>
     <dgm:cxn modelId="{8E9ECB70-4E26-4B6C-B8E2-222529EBCDE5}" type="presParOf" srcId="{D2188ECB-8073-43B6-93C8-BB3DECDE400D}" destId="{36CA30D9-5DEA-4841-AF31-B7E50EE1DF57}" srcOrd="1" destOrd="0" presId="urn:microsoft.com/office/officeart/2005/8/layout/orgChart1"/>
     <dgm:cxn modelId="{1363CB7F-9374-483A-B5DA-55A5C2D75B17}" type="presParOf" srcId="{EFFED77E-68C6-4031-92C7-AC04431E16AC}" destId="{5C4670F0-83E8-426D-B9D5-184B3195F042}" srcOrd="1" destOrd="0" presId="urn:microsoft.com/office/officeart/2005/8/layout/orgChart1"/>
+    <dgm:cxn modelId="{DC7F49BB-D634-45B8-8A09-A92FEC287B37}" type="presParOf" srcId="{5C4670F0-83E8-426D-B9D5-184B3195F042}" destId="{D5CD53A4-F7BE-464C-AC03-488250BE654E}" srcOrd="0" destOrd="0" presId="urn:microsoft.com/office/officeart/2005/8/layout/orgChart1"/>
+    <dgm:cxn modelId="{D030CA7E-37A4-47F3-8719-7FF704A8358B}" type="presParOf" srcId="{5C4670F0-83E8-426D-B9D5-184B3195F042}" destId="{7E97391D-BC8B-4F85-8543-981FB6C32CE1}" srcOrd="1" destOrd="0" presId="urn:microsoft.com/office/officeart/2005/8/layout/orgChart1"/>
+    <dgm:cxn modelId="{C53055CB-2A7A-4486-836F-52CB2BF4BFA8}" type="presParOf" srcId="{7E97391D-BC8B-4F85-8543-981FB6C32CE1}" destId="{417377DF-2823-417C-B6E9-C5BE30BB0094}" srcOrd="0" destOrd="0" presId="urn:microsoft.com/office/officeart/2005/8/layout/orgChart1"/>
+    <dgm:cxn modelId="{8F5B9CA1-B836-43D4-8727-7D7212EA9492}" type="presParOf" srcId="{417377DF-2823-417C-B6E9-C5BE30BB0094}" destId="{32E150E0-EA9D-4225-9AF4-BA6A76BA4AC2}" srcOrd="0" destOrd="0" presId="urn:microsoft.com/office/officeart/2005/8/layout/orgChart1"/>
+    <dgm:cxn modelId="{B9D361FE-DAE6-4FAB-AE02-AD99F1FB5949}" type="presParOf" srcId="{417377DF-2823-417C-B6E9-C5BE30BB0094}" destId="{C5BB10D6-36DA-4E77-B8B1-88F7BA551BA7}" srcOrd="1" destOrd="0" presId="urn:microsoft.com/office/officeart/2005/8/layout/orgChart1"/>
+    <dgm:cxn modelId="{A533F086-0420-41F0-98E8-E63D9A29A0D1}" type="presParOf" srcId="{7E97391D-BC8B-4F85-8543-981FB6C32CE1}" destId="{35B99BE6-4F52-4897-A432-9B7B2875997E}" srcOrd="1" destOrd="0" presId="urn:microsoft.com/office/officeart/2005/8/layout/orgChart1"/>
+    <dgm:cxn modelId="{5CACF961-0F3B-4893-80EE-ECA0EE36EC94}" type="presParOf" srcId="{7E97391D-BC8B-4F85-8543-981FB6C32CE1}" destId="{CEAF2D6F-3442-4598-B979-EDBAAF846A22}" srcOrd="2" destOrd="0" presId="urn:microsoft.com/office/officeart/2005/8/layout/orgChart1"/>
     <dgm:cxn modelId="{8E69E475-E0B4-4591-802C-661426B1E5EE}" type="presParOf" srcId="{EFFED77E-68C6-4031-92C7-AC04431E16AC}" destId="{2E5539CE-2D77-47D7-B250-283F0B6BD149}" srcOrd="2" destOrd="0" presId="urn:microsoft.com/office/officeart/2005/8/layout/orgChart1"/>
     <dgm:cxn modelId="{07FD210B-DD05-4CAE-B123-14C5686C20C6}" type="presParOf" srcId="{BC14034E-5435-404A-81FE-DAB633C4DD1C}" destId="{11A48BFF-443A-49B7-9496-1A868AE72A47}" srcOrd="2" destOrd="0" presId="urn:microsoft.com/office/officeart/2005/8/layout/orgChart1"/>
     <dgm:cxn modelId="{73A4D928-C9E4-42AB-BB26-1FCCE0A95CF7}" type="presParOf" srcId="{AB8B45BD-FFB7-46AA-B065-C8615184BE03}" destId="{58A7D03D-DE21-4D2A-AB70-798F7F5CC173}" srcOrd="2" destOrd="0" presId="urn:microsoft.com/office/officeart/2005/8/layout/orgChart1"/>
@@ -4462,8 +4552,8 @@
       </dsp:nvSpPr>
       <dsp:spPr>
         <a:xfrm>
-          <a:off x="11210333" y="2817583"/>
-          <a:ext cx="91440" cy="449504"/>
+          <a:off x="11224055" y="2827571"/>
+          <a:ext cx="91440" cy="442161"/>
         </a:xfrm>
         <a:custGeom>
           <a:avLst/>
@@ -4477,10 +4567,10 @@
                 <a:pt x="45720" y="0"/>
               </a:moveTo>
               <a:lnTo>
-                <a:pt x="45720" y="449504"/>
+                <a:pt x="45720" y="442161"/>
               </a:lnTo>
               <a:lnTo>
-                <a:pt x="106779" y="449504"/>
+                <a:pt x="105782" y="442161"/>
               </a:lnTo>
             </a:path>
           </a:pathLst>
@@ -4521,8 +4611,8 @@
       </dsp:nvSpPr>
       <dsp:spPr>
         <a:xfrm>
-          <a:off x="8302760" y="2251599"/>
-          <a:ext cx="3321234" cy="167403"/>
+          <a:off x="8364727" y="2270833"/>
+          <a:ext cx="3266978" cy="164669"/>
         </a:xfrm>
         <a:custGeom>
           <a:avLst/>
@@ -4536,13 +4626,13 @@
                 <a:pt x="0" y="0"/>
               </a:moveTo>
               <a:lnTo>
-                <a:pt x="0" y="83701"/>
+                <a:pt x="0" y="82334"/>
               </a:lnTo>
               <a:lnTo>
-                <a:pt x="3321234" y="83701"/>
+                <a:pt x="3266978" y="82334"/>
               </a:lnTo>
               <a:lnTo>
-                <a:pt x="3321234" y="167403"/>
+                <a:pt x="3266978" y="164669"/>
               </a:lnTo>
             </a:path>
           </a:pathLst>
@@ -4583,8 +4673,8 @@
       </dsp:nvSpPr>
       <dsp:spPr>
         <a:xfrm>
-          <a:off x="10150568" y="2817583"/>
-          <a:ext cx="141016" cy="1245413"/>
+          <a:off x="10182349" y="2827571"/>
+          <a:ext cx="138712" cy="1225068"/>
         </a:xfrm>
         <a:custGeom>
           <a:avLst/>
@@ -4598,10 +4688,10 @@
                 <a:pt x="0" y="0"/>
               </a:moveTo>
               <a:lnTo>
-                <a:pt x="0" y="1245413"/>
+                <a:pt x="0" y="1225068"/>
               </a:lnTo>
               <a:lnTo>
-                <a:pt x="141016" y="1245413"/>
+                <a:pt x="138712" y="1225068"/>
               </a:lnTo>
             </a:path>
           </a:pathLst>
@@ -4642,8 +4732,8 @@
       </dsp:nvSpPr>
       <dsp:spPr>
         <a:xfrm>
-          <a:off x="10150568" y="2817583"/>
-          <a:ext cx="141016" cy="498205"/>
+          <a:off x="10182349" y="2827571"/>
+          <a:ext cx="138712" cy="490066"/>
         </a:xfrm>
         <a:custGeom>
           <a:avLst/>
@@ -4657,10 +4747,10 @@
                 <a:pt x="0" y="0"/>
               </a:moveTo>
               <a:lnTo>
-                <a:pt x="0" y="498205"/>
+                <a:pt x="0" y="490066"/>
               </a:lnTo>
               <a:lnTo>
-                <a:pt x="141016" y="498205"/>
+                <a:pt x="138712" y="490066"/>
               </a:lnTo>
             </a:path>
           </a:pathLst>
@@ -4701,8 +4791,8 @@
       </dsp:nvSpPr>
       <dsp:spPr>
         <a:xfrm>
-          <a:off x="8302760" y="2251599"/>
-          <a:ext cx="2223850" cy="167403"/>
+          <a:off x="8364727" y="2270833"/>
+          <a:ext cx="2187521" cy="164669"/>
         </a:xfrm>
         <a:custGeom>
           <a:avLst/>
@@ -4716,13 +4806,13 @@
                 <a:pt x="0" y="0"/>
               </a:moveTo>
               <a:lnTo>
-                <a:pt x="0" y="83701"/>
+                <a:pt x="0" y="82334"/>
               </a:lnTo>
               <a:lnTo>
-                <a:pt x="2223850" y="83701"/>
+                <a:pt x="2187521" y="82334"/>
               </a:lnTo>
               <a:lnTo>
-                <a:pt x="2223850" y="167403"/>
+                <a:pt x="2187521" y="164669"/>
               </a:lnTo>
             </a:path>
           </a:pathLst>
@@ -4763,8 +4853,8 @@
       </dsp:nvSpPr>
       <dsp:spPr>
         <a:xfrm>
-          <a:off x="9070900" y="2817583"/>
-          <a:ext cx="136375" cy="1256863"/>
+          <a:off x="9120320" y="2827571"/>
+          <a:ext cx="134147" cy="1236330"/>
         </a:xfrm>
         <a:custGeom>
           <a:avLst/>
@@ -4778,10 +4868,10 @@
                 <a:pt x="0" y="0"/>
               </a:moveTo>
               <a:lnTo>
-                <a:pt x="0" y="1256863"/>
+                <a:pt x="0" y="1236330"/>
               </a:lnTo>
               <a:lnTo>
-                <a:pt x="136375" y="1256863"/>
+                <a:pt x="134147" y="1236330"/>
               </a:lnTo>
             </a:path>
           </a:pathLst>
@@ -4822,8 +4912,8 @@
       </dsp:nvSpPr>
       <dsp:spPr>
         <a:xfrm>
-          <a:off x="9070900" y="2817583"/>
-          <a:ext cx="136375" cy="503155"/>
+          <a:off x="9120320" y="2827571"/>
+          <a:ext cx="134147" cy="494936"/>
         </a:xfrm>
         <a:custGeom>
           <a:avLst/>
@@ -4837,10 +4927,10 @@
                 <a:pt x="0" y="0"/>
               </a:moveTo>
               <a:lnTo>
-                <a:pt x="0" y="503155"/>
+                <a:pt x="0" y="494936"/>
               </a:lnTo>
               <a:lnTo>
-                <a:pt x="136375" y="503155"/>
+                <a:pt x="134147" y="494936"/>
               </a:lnTo>
             </a:path>
           </a:pathLst>
@@ -4881,8 +4971,8 @@
       </dsp:nvSpPr>
       <dsp:spPr>
         <a:xfrm>
-          <a:off x="8302760" y="2251599"/>
-          <a:ext cx="1131808" cy="167403"/>
+          <a:off x="8364727" y="2270833"/>
+          <a:ext cx="1113319" cy="164669"/>
         </a:xfrm>
         <a:custGeom>
           <a:avLst/>
@@ -4896,13 +4986,13 @@
                 <a:pt x="0" y="0"/>
               </a:moveTo>
               <a:lnTo>
-                <a:pt x="0" y="83701"/>
+                <a:pt x="0" y="82334"/>
               </a:lnTo>
               <a:lnTo>
-                <a:pt x="1131808" y="83701"/>
+                <a:pt x="1113319" y="82334"/>
               </a:lnTo>
               <a:lnTo>
-                <a:pt x="1131808" y="167403"/>
+                <a:pt x="1113319" y="164669"/>
               </a:lnTo>
             </a:path>
           </a:pathLst>
@@ -4943,8 +5033,8 @@
       </dsp:nvSpPr>
       <dsp:spPr>
         <a:xfrm>
-          <a:off x="8029776" y="2817583"/>
-          <a:ext cx="130467" cy="1961772"/>
+          <a:off x="8096203" y="2827571"/>
+          <a:ext cx="128335" cy="1929724"/>
         </a:xfrm>
         <a:custGeom>
           <a:avLst/>
@@ -4958,10 +5048,10 @@
                 <a:pt x="0" y="0"/>
               </a:moveTo>
               <a:lnTo>
-                <a:pt x="0" y="1961772"/>
+                <a:pt x="0" y="1929724"/>
               </a:lnTo>
               <a:lnTo>
-                <a:pt x="130467" y="1961772"/>
+                <a:pt x="128335" y="1929724"/>
               </a:lnTo>
             </a:path>
           </a:pathLst>
@@ -5002,8 +5092,8 @@
       </dsp:nvSpPr>
       <dsp:spPr>
         <a:xfrm>
-          <a:off x="8029776" y="2817583"/>
-          <a:ext cx="136661" cy="1217714"/>
+          <a:off x="8096203" y="2827571"/>
+          <a:ext cx="134428" cy="1197821"/>
         </a:xfrm>
         <a:custGeom>
           <a:avLst/>
@@ -5017,10 +5107,10 @@
                 <a:pt x="0" y="0"/>
               </a:moveTo>
               <a:lnTo>
-                <a:pt x="0" y="1217714"/>
+                <a:pt x="0" y="1197821"/>
               </a:lnTo>
               <a:lnTo>
-                <a:pt x="136661" y="1217714"/>
+                <a:pt x="134428" y="1197821"/>
               </a:lnTo>
             </a:path>
           </a:pathLst>
@@ -5061,8 +5151,8 @@
       </dsp:nvSpPr>
       <dsp:spPr>
         <a:xfrm>
-          <a:off x="8029776" y="2817583"/>
-          <a:ext cx="130467" cy="494139"/>
+          <a:off x="8096203" y="2827571"/>
+          <a:ext cx="128335" cy="486067"/>
         </a:xfrm>
         <a:custGeom>
           <a:avLst/>
@@ -5076,10 +5166,10 @@
                 <a:pt x="0" y="0"/>
               </a:moveTo>
               <a:lnTo>
-                <a:pt x="0" y="494139"/>
+                <a:pt x="0" y="486067"/>
               </a:lnTo>
               <a:lnTo>
-                <a:pt x="130467" y="494139"/>
+                <a:pt x="128335" y="486067"/>
               </a:lnTo>
             </a:path>
           </a:pathLst>
@@ -5120,8 +5210,8 @@
       </dsp:nvSpPr>
       <dsp:spPr>
         <a:xfrm>
-          <a:off x="8257040" y="2251599"/>
-          <a:ext cx="91440" cy="167403"/>
+          <a:off x="8319007" y="2270833"/>
+          <a:ext cx="91440" cy="164669"/>
         </a:xfrm>
         <a:custGeom>
           <a:avLst/>
@@ -5135,13 +5225,13 @@
                 <a:pt x="45720" y="0"/>
               </a:moveTo>
               <a:lnTo>
-                <a:pt x="45720" y="83701"/>
+                <a:pt x="45720" y="82334"/>
               </a:lnTo>
               <a:lnTo>
-                <a:pt x="120649" y="83701"/>
+                <a:pt x="119425" y="82334"/>
               </a:lnTo>
               <a:lnTo>
-                <a:pt x="120649" y="167403"/>
+                <a:pt x="119425" y="164669"/>
               </a:lnTo>
             </a:path>
           </a:pathLst>
@@ -5182,8 +5272,8 @@
       </dsp:nvSpPr>
       <dsp:spPr>
         <a:xfrm>
-          <a:off x="7057950" y="2817583"/>
-          <a:ext cx="119574" cy="1207851"/>
+          <a:off x="7140252" y="2827571"/>
+          <a:ext cx="117620" cy="1188120"/>
         </a:xfrm>
         <a:custGeom>
           <a:avLst/>
@@ -5197,10 +5287,10 @@
                 <a:pt x="0" y="0"/>
               </a:moveTo>
               <a:lnTo>
-                <a:pt x="0" y="1207851"/>
+                <a:pt x="0" y="1188120"/>
               </a:lnTo>
               <a:lnTo>
-                <a:pt x="119574" y="1207851"/>
+                <a:pt x="117620" y="1188120"/>
               </a:lnTo>
             </a:path>
           </a:pathLst>
@@ -5241,8 +5331,8 @@
       </dsp:nvSpPr>
       <dsp:spPr>
         <a:xfrm>
-          <a:off x="7057950" y="2817583"/>
-          <a:ext cx="119574" cy="490008"/>
+          <a:off x="7140252" y="2827571"/>
+          <a:ext cx="117620" cy="482003"/>
         </a:xfrm>
         <a:custGeom>
           <a:avLst/>
@@ -5256,10 +5346,10 @@
                 <a:pt x="0" y="0"/>
               </a:moveTo>
               <a:lnTo>
-                <a:pt x="0" y="490008"/>
+                <a:pt x="0" y="482003"/>
               </a:lnTo>
               <a:lnTo>
-                <a:pt x="119574" y="490008"/>
+                <a:pt x="117620" y="482003"/>
               </a:lnTo>
             </a:path>
           </a:pathLst>
@@ -5300,8 +5390,8 @@
       </dsp:nvSpPr>
       <dsp:spPr>
         <a:xfrm>
-          <a:off x="7376814" y="2251599"/>
-          <a:ext cx="925945" cy="167403"/>
+          <a:off x="7453908" y="2270833"/>
+          <a:ext cx="910819" cy="164669"/>
         </a:xfrm>
         <a:custGeom>
           <a:avLst/>
@@ -5312,16 +5402,16 @@
           <a:pathLst>
             <a:path>
               <a:moveTo>
-                <a:pt x="925945" y="0"/>
+                <a:pt x="910819" y="0"/>
               </a:moveTo>
               <a:lnTo>
-                <a:pt x="925945" y="83701"/>
+                <a:pt x="910819" y="82334"/>
               </a:lnTo>
               <a:lnTo>
-                <a:pt x="0" y="83701"/>
+                <a:pt x="0" y="82334"/>
               </a:lnTo>
               <a:lnTo>
-                <a:pt x="0" y="167403"/>
+                <a:pt x="0" y="164669"/>
               </a:lnTo>
             </a:path>
           </a:pathLst>
@@ -5362,8 +5452,8 @@
       </dsp:nvSpPr>
       <dsp:spPr>
         <a:xfrm>
-          <a:off x="6093385" y="2817583"/>
-          <a:ext cx="119574" cy="581000"/>
+          <a:off x="6191445" y="2827571"/>
+          <a:ext cx="117620" cy="571509"/>
         </a:xfrm>
         <a:custGeom>
           <a:avLst/>
@@ -5377,10 +5467,10 @@
                 <a:pt x="0" y="0"/>
               </a:moveTo>
               <a:lnTo>
-                <a:pt x="0" y="581000"/>
+                <a:pt x="0" y="571509"/>
               </a:lnTo>
               <a:lnTo>
-                <a:pt x="119574" y="581000"/>
+                <a:pt x="117620" y="571509"/>
               </a:lnTo>
             </a:path>
           </a:pathLst>
@@ -5421,8 +5511,8 @@
       </dsp:nvSpPr>
       <dsp:spPr>
         <a:xfrm>
-          <a:off x="6412250" y="2251599"/>
-          <a:ext cx="1890510" cy="167403"/>
+          <a:off x="6505101" y="2270833"/>
+          <a:ext cx="1859626" cy="164669"/>
         </a:xfrm>
         <a:custGeom>
           <a:avLst/>
@@ -5433,16 +5523,16 @@
           <a:pathLst>
             <a:path>
               <a:moveTo>
-                <a:pt x="1890510" y="0"/>
+                <a:pt x="1859626" y="0"/>
               </a:moveTo>
               <a:lnTo>
-                <a:pt x="1890510" y="83701"/>
+                <a:pt x="1859626" y="82334"/>
               </a:lnTo>
               <a:lnTo>
-                <a:pt x="0" y="83701"/>
+                <a:pt x="0" y="82334"/>
               </a:lnTo>
               <a:lnTo>
-                <a:pt x="0" y="167403"/>
+                <a:pt x="0" y="164669"/>
               </a:lnTo>
             </a:path>
           </a:pathLst>
@@ -5483,8 +5573,8 @@
       </dsp:nvSpPr>
       <dsp:spPr>
         <a:xfrm>
-          <a:off x="5071746" y="3493703"/>
-          <a:ext cx="113203" cy="1018563"/>
+          <a:off x="5186495" y="3492646"/>
+          <a:ext cx="111353" cy="1001924"/>
         </a:xfrm>
         <a:custGeom>
           <a:avLst/>
@@ -5498,10 +5588,10 @@
                 <a:pt x="0" y="0"/>
               </a:moveTo>
               <a:lnTo>
-                <a:pt x="0" y="1018563"/>
+                <a:pt x="0" y="1001924"/>
               </a:lnTo>
               <a:lnTo>
-                <a:pt x="113203" y="1018563"/>
+                <a:pt x="111353" y="1001924"/>
               </a:lnTo>
             </a:path>
           </a:pathLst>
@@ -5542,8 +5632,8 @@
       </dsp:nvSpPr>
       <dsp:spPr>
         <a:xfrm>
-          <a:off x="5071746" y="3493703"/>
-          <a:ext cx="120712" cy="393703"/>
+          <a:off x="5186495" y="3492646"/>
+          <a:ext cx="118740" cy="387272"/>
         </a:xfrm>
         <a:custGeom>
           <a:avLst/>
@@ -5557,10 +5647,10 @@
                 <a:pt x="0" y="0"/>
               </a:moveTo>
               <a:lnTo>
-                <a:pt x="0" y="393703"/>
+                <a:pt x="0" y="387272"/>
               </a:lnTo>
               <a:lnTo>
-                <a:pt x="120712" y="393703"/>
+                <a:pt x="118740" y="387272"/>
               </a:lnTo>
             </a:path>
           </a:pathLst>
@@ -5601,8 +5691,8 @@
       </dsp:nvSpPr>
       <dsp:spPr>
         <a:xfrm>
-          <a:off x="4920180" y="2817583"/>
-          <a:ext cx="436158" cy="181389"/>
+          <a:off x="5037406" y="2827571"/>
+          <a:ext cx="429033" cy="178426"/>
         </a:xfrm>
         <a:custGeom>
           <a:avLst/>
@@ -5616,13 +5706,13 @@
                 <a:pt x="0" y="0"/>
               </a:moveTo>
               <a:lnTo>
-                <a:pt x="0" y="97688"/>
+                <a:pt x="0" y="96092"/>
               </a:lnTo>
               <a:lnTo>
-                <a:pt x="436158" y="97688"/>
+                <a:pt x="429033" y="96092"/>
               </a:lnTo>
               <a:lnTo>
-                <a:pt x="436158" y="181389"/>
+                <a:pt x="429033" y="178426"/>
               </a:lnTo>
             </a:path>
           </a:pathLst>
@@ -5663,8 +5753,8 @@
       </dsp:nvSpPr>
       <dsp:spPr>
         <a:xfrm>
-          <a:off x="4130610" y="3617849"/>
-          <a:ext cx="148485" cy="1699006"/>
+          <a:off x="4260734" y="3614764"/>
+          <a:ext cx="146059" cy="1671251"/>
         </a:xfrm>
         <a:custGeom>
           <a:avLst/>
@@ -5678,10 +5768,10 @@
                 <a:pt x="0" y="0"/>
               </a:moveTo>
               <a:lnTo>
-                <a:pt x="0" y="1699006"/>
+                <a:pt x="0" y="1671251"/>
               </a:lnTo>
               <a:lnTo>
-                <a:pt x="148485" y="1699006"/>
+                <a:pt x="146059" y="1671251"/>
               </a:lnTo>
             </a:path>
           </a:pathLst>
@@ -5722,8 +5812,8 @@
       </dsp:nvSpPr>
       <dsp:spPr>
         <a:xfrm>
-          <a:off x="4130610" y="3617849"/>
-          <a:ext cx="138935" cy="1091207"/>
+          <a:off x="4260734" y="3614764"/>
+          <a:ext cx="136665" cy="1073381"/>
         </a:xfrm>
         <a:custGeom>
           <a:avLst/>
@@ -5737,10 +5827,10 @@
                 <a:pt x="0" y="0"/>
               </a:moveTo>
               <a:lnTo>
-                <a:pt x="0" y="1091207"/>
+                <a:pt x="0" y="1073381"/>
               </a:lnTo>
               <a:lnTo>
-                <a:pt x="138935" y="1091207"/>
+                <a:pt x="136665" y="1073381"/>
               </a:lnTo>
             </a:path>
           </a:pathLst>
@@ -5781,8 +5871,8 @@
       </dsp:nvSpPr>
       <dsp:spPr>
         <a:xfrm>
-          <a:off x="4130610" y="3617849"/>
-          <a:ext cx="114159" cy="444175"/>
+          <a:off x="4260734" y="3614764"/>
+          <a:ext cx="112294" cy="436919"/>
         </a:xfrm>
         <a:custGeom>
           <a:avLst/>
@@ -5796,10 +5886,10 @@
                 <a:pt x="0" y="0"/>
               </a:moveTo>
               <a:lnTo>
-                <a:pt x="0" y="444175"/>
+                <a:pt x="0" y="436919"/>
               </a:lnTo>
               <a:lnTo>
-                <a:pt x="114159" y="444175"/>
+                <a:pt x="112294" y="436919"/>
               </a:lnTo>
             </a:path>
           </a:pathLst>
@@ -5840,8 +5930,8 @@
       </dsp:nvSpPr>
       <dsp:spPr>
         <a:xfrm>
-          <a:off x="4468517" y="2817583"/>
-          <a:ext cx="451663" cy="194343"/>
+          <a:off x="4593121" y="2827571"/>
+          <a:ext cx="444284" cy="191168"/>
         </a:xfrm>
         <a:custGeom>
           <a:avLst/>
@@ -5852,16 +5942,16 @@
           <a:pathLst>
             <a:path>
               <a:moveTo>
-                <a:pt x="451663" y="0"/>
+                <a:pt x="444284" y="0"/>
               </a:moveTo>
               <a:lnTo>
-                <a:pt x="451663" y="110641"/>
+                <a:pt x="444284" y="108834"/>
               </a:lnTo>
               <a:lnTo>
-                <a:pt x="0" y="110641"/>
+                <a:pt x="0" y="108834"/>
               </a:lnTo>
               <a:lnTo>
-                <a:pt x="0" y="194343"/>
+                <a:pt x="0" y="191168"/>
               </a:lnTo>
             </a:path>
           </a:pathLst>
@@ -5902,8 +5992,8 @@
       </dsp:nvSpPr>
       <dsp:spPr>
         <a:xfrm>
-          <a:off x="4920180" y="2251599"/>
-          <a:ext cx="3382579" cy="167403"/>
+          <a:off x="5037406" y="2270833"/>
+          <a:ext cx="3327321" cy="164669"/>
         </a:xfrm>
         <a:custGeom>
           <a:avLst/>
@@ -5914,16 +6004,16 @@
           <a:pathLst>
             <a:path>
               <a:moveTo>
-                <a:pt x="3382579" y="0"/>
+                <a:pt x="3327321" y="0"/>
               </a:moveTo>
               <a:lnTo>
-                <a:pt x="3382579" y="83701"/>
+                <a:pt x="3327321" y="82334"/>
               </a:lnTo>
               <a:lnTo>
-                <a:pt x="0" y="83701"/>
+                <a:pt x="0" y="82334"/>
               </a:lnTo>
               <a:lnTo>
-                <a:pt x="0" y="167403"/>
+                <a:pt x="0" y="164669"/>
               </a:lnTo>
             </a:path>
           </a:pathLst>
@@ -5964,8 +6054,8 @@
       </dsp:nvSpPr>
       <dsp:spPr>
         <a:xfrm>
-          <a:off x="4615723" y="1541409"/>
-          <a:ext cx="3687037" cy="311610"/>
+          <a:off x="4639905" y="1572245"/>
+          <a:ext cx="3724822" cy="306519"/>
         </a:xfrm>
         <a:custGeom>
           <a:avLst/>
@@ -5979,13 +6069,13 @@
                 <a:pt x="0" y="0"/>
               </a:moveTo>
               <a:lnTo>
-                <a:pt x="0" y="227908"/>
+                <a:pt x="0" y="224185"/>
               </a:lnTo>
               <a:lnTo>
-                <a:pt x="3687037" y="227908"/>
+                <a:pt x="3724822" y="224185"/>
               </a:lnTo>
               <a:lnTo>
-                <a:pt x="3687037" y="311610"/>
+                <a:pt x="3724822" y="306519"/>
               </a:lnTo>
             </a:path>
           </a:pathLst>
@@ -6019,15 +6109,15 @@
         <a:fontRef idx="minor"/>
       </dsp:style>
     </dsp:sp>
-    <dsp:sp modelId="{F86FCEE3-0E56-43A0-B480-F308801B86C6}">
+    <dsp:sp modelId="{D5CD53A4-F7BE-464C-AC03-488250BE654E}">
       <dsp:nvSpPr>
         <dsp:cNvPr id="0" name=""/>
         <dsp:cNvSpPr/>
       </dsp:nvSpPr>
       <dsp:spPr>
         <a:xfrm>
-          <a:off x="2102425" y="2221782"/>
-          <a:ext cx="1389945" cy="197221"/>
+          <a:off x="3123230" y="3043939"/>
+          <a:ext cx="117620" cy="609604"/>
         </a:xfrm>
         <a:custGeom>
           <a:avLst/>
@@ -6041,13 +6131,10 @@
                 <a:pt x="0" y="0"/>
               </a:moveTo>
               <a:lnTo>
-                <a:pt x="0" y="113519"/>
+                <a:pt x="0" y="609604"/>
               </a:lnTo>
               <a:lnTo>
-                <a:pt x="1389945" y="113519"/>
-              </a:lnTo>
-              <a:lnTo>
-                <a:pt x="1389945" y="197221"/>
+                <a:pt x="117620" y="609604"/>
               </a:lnTo>
             </a:path>
           </a:pathLst>
@@ -6081,15 +6168,15 @@
         <a:fontRef idx="minor"/>
       </dsp:style>
     </dsp:sp>
-    <dsp:sp modelId="{AFD63886-2D9C-4A3F-95AF-EA105D23C88D}">
+    <dsp:sp modelId="{F86FCEE3-0E56-43A0-B480-F308801B86C6}">
       <dsp:nvSpPr>
         <dsp:cNvPr id="0" name=""/>
         <dsp:cNvSpPr/>
       </dsp:nvSpPr>
       <dsp:spPr>
         <a:xfrm>
-          <a:off x="2009651" y="2817583"/>
-          <a:ext cx="119574" cy="1267292"/>
+          <a:off x="2069647" y="2241503"/>
+          <a:ext cx="1367238" cy="193999"/>
         </a:xfrm>
         <a:custGeom>
           <a:avLst/>
@@ -6103,10 +6190,13 @@
                 <a:pt x="0" y="0"/>
               </a:moveTo>
               <a:lnTo>
-                <a:pt x="0" y="1267292"/>
+                <a:pt x="0" y="111665"/>
               </a:lnTo>
               <a:lnTo>
-                <a:pt x="119574" y="1267292"/>
+                <a:pt x="1367238" y="111665"/>
+              </a:lnTo>
+              <a:lnTo>
+                <a:pt x="1367238" y="193999"/>
               </a:lnTo>
             </a:path>
           </a:pathLst>
@@ -6140,15 +6230,15 @@
         <a:fontRef idx="minor"/>
       </dsp:style>
     </dsp:sp>
-    <dsp:sp modelId="{DF491AA7-2609-4004-9172-94358970DEFA}">
+    <dsp:sp modelId="{AFD63886-2D9C-4A3F-95AF-EA105D23C88D}">
       <dsp:nvSpPr>
         <dsp:cNvPr id="0" name=""/>
         <dsp:cNvSpPr/>
       </dsp:nvSpPr>
       <dsp:spPr>
         <a:xfrm>
-          <a:off x="2009651" y="2817583"/>
-          <a:ext cx="119574" cy="422600"/>
+          <a:off x="1978389" y="2827571"/>
+          <a:ext cx="117620" cy="1246589"/>
         </a:xfrm>
         <a:custGeom>
           <a:avLst/>
@@ -6162,10 +6252,10 @@
                 <a:pt x="0" y="0"/>
               </a:moveTo>
               <a:lnTo>
-                <a:pt x="0" y="422600"/>
+                <a:pt x="0" y="1246589"/>
               </a:lnTo>
               <a:lnTo>
-                <a:pt x="119574" y="422600"/>
+                <a:pt x="117620" y="1246589"/>
               </a:lnTo>
             </a:path>
           </a:pathLst>
@@ -6199,15 +6289,15 @@
         <a:fontRef idx="minor"/>
       </dsp:style>
     </dsp:sp>
-    <dsp:sp modelId="{F4B1F69A-56D4-474E-8F40-ABA6F6E62EA1}">
+    <dsp:sp modelId="{DF491AA7-2609-4004-9172-94358970DEFA}">
       <dsp:nvSpPr>
         <dsp:cNvPr id="0" name=""/>
         <dsp:cNvSpPr/>
       </dsp:nvSpPr>
       <dsp:spPr>
         <a:xfrm>
-          <a:off x="2102425" y="2221782"/>
-          <a:ext cx="226090" cy="197221"/>
+          <a:off x="1978389" y="2827571"/>
+          <a:ext cx="117620" cy="415697"/>
         </a:xfrm>
         <a:custGeom>
           <a:avLst/>
@@ -6221,13 +6311,10 @@
                 <a:pt x="0" y="0"/>
               </a:moveTo>
               <a:lnTo>
-                <a:pt x="0" y="113519"/>
+                <a:pt x="0" y="415697"/>
               </a:lnTo>
               <a:lnTo>
-                <a:pt x="226090" y="113519"/>
-              </a:lnTo>
-              <a:lnTo>
-                <a:pt x="226090" y="197221"/>
+                <a:pt x="117620" y="415697"/>
               </a:lnTo>
             </a:path>
           </a:pathLst>
@@ -6261,15 +6348,15 @@
         <a:fontRef idx="minor"/>
       </dsp:style>
     </dsp:sp>
-    <dsp:sp modelId="{C134C906-810F-4953-9B94-F46FB84BAC3C}">
+    <dsp:sp modelId="{F4B1F69A-56D4-474E-8F40-ABA6F6E62EA1}">
       <dsp:nvSpPr>
         <dsp:cNvPr id="0" name=""/>
         <dsp:cNvSpPr/>
       </dsp:nvSpPr>
       <dsp:spPr>
         <a:xfrm>
-          <a:off x="1045087" y="2817583"/>
-          <a:ext cx="119574" cy="1219306"/>
+          <a:off x="2069647" y="2241503"/>
+          <a:ext cx="222397" cy="193999"/>
         </a:xfrm>
         <a:custGeom>
           <a:avLst/>
@@ -6283,10 +6370,13 @@
                 <a:pt x="0" y="0"/>
               </a:moveTo>
               <a:lnTo>
-                <a:pt x="0" y="1219306"/>
+                <a:pt x="0" y="111665"/>
               </a:lnTo>
               <a:lnTo>
-                <a:pt x="119574" y="1219306"/>
+                <a:pt x="222397" y="111665"/>
+              </a:lnTo>
+              <a:lnTo>
+                <a:pt x="222397" y="193999"/>
               </a:lnTo>
             </a:path>
           </a:pathLst>
@@ -6320,15 +6410,15 @@
         <a:fontRef idx="minor"/>
       </dsp:style>
     </dsp:sp>
-    <dsp:sp modelId="{C79509A8-C35F-46AB-A074-7B8DEE5D237D}">
+    <dsp:sp modelId="{C134C906-810F-4953-9B94-F46FB84BAC3C}">
       <dsp:nvSpPr>
         <dsp:cNvPr id="0" name=""/>
         <dsp:cNvSpPr/>
       </dsp:nvSpPr>
       <dsp:spPr>
         <a:xfrm>
-          <a:off x="1045087" y="2817583"/>
-          <a:ext cx="119574" cy="456081"/>
+          <a:off x="1029582" y="2827571"/>
+          <a:ext cx="117620" cy="1199388"/>
         </a:xfrm>
         <a:custGeom>
           <a:avLst/>
@@ -6342,10 +6432,10 @@
                 <a:pt x="0" y="0"/>
               </a:moveTo>
               <a:lnTo>
-                <a:pt x="0" y="456081"/>
+                <a:pt x="0" y="1199388"/>
               </a:lnTo>
               <a:lnTo>
-                <a:pt x="119574" y="456081"/>
+                <a:pt x="117620" y="1199388"/>
               </a:lnTo>
             </a:path>
           </a:pathLst>
@@ -6379,15 +6469,15 @@
         <a:fontRef idx="minor"/>
       </dsp:style>
     </dsp:sp>
-    <dsp:sp modelId="{8231ACE8-FC84-4A8D-94AC-EB56CD6C62A3}">
+    <dsp:sp modelId="{C79509A8-C35F-46AB-A074-7B8DEE5D237D}">
       <dsp:nvSpPr>
         <dsp:cNvPr id="0" name=""/>
         <dsp:cNvSpPr/>
       </dsp:nvSpPr>
       <dsp:spPr>
         <a:xfrm>
-          <a:off x="1363951" y="2221782"/>
-          <a:ext cx="738473" cy="197221"/>
+          <a:off x="1029582" y="2827571"/>
+          <a:ext cx="117620" cy="448630"/>
         </a:xfrm>
         <a:custGeom>
           <a:avLst/>
@@ -6398,16 +6488,13 @@
           <a:pathLst>
             <a:path>
               <a:moveTo>
-                <a:pt x="738473" y="0"/>
+                <a:pt x="0" y="0"/>
               </a:moveTo>
               <a:lnTo>
-                <a:pt x="738473" y="113519"/>
+                <a:pt x="0" y="448630"/>
               </a:lnTo>
               <a:lnTo>
-                <a:pt x="0" y="113519"/>
-              </a:lnTo>
-              <a:lnTo>
-                <a:pt x="0" y="197221"/>
+                <a:pt x="117620" y="448630"/>
               </a:lnTo>
             </a:path>
           </a:pathLst>
@@ -6441,15 +6528,15 @@
         <a:fontRef idx="minor"/>
       </dsp:style>
     </dsp:sp>
-    <dsp:sp modelId="{22E5391B-784F-4143-B6B3-25B2FC68E290}">
+    <dsp:sp modelId="{8231ACE8-FC84-4A8D-94AC-EB56CD6C62A3}">
       <dsp:nvSpPr>
         <dsp:cNvPr id="0" name=""/>
         <dsp:cNvSpPr/>
       </dsp:nvSpPr>
       <dsp:spPr>
         <a:xfrm>
-          <a:off x="80523" y="2817583"/>
-          <a:ext cx="119574" cy="2324978"/>
+          <a:off x="1343237" y="2241503"/>
+          <a:ext cx="726409" cy="193999"/>
         </a:xfrm>
         <a:custGeom>
           <a:avLst/>
@@ -6460,13 +6547,16 @@
           <a:pathLst>
             <a:path>
               <a:moveTo>
-                <a:pt x="0" y="0"/>
+                <a:pt x="726409" y="0"/>
               </a:moveTo>
               <a:lnTo>
-                <a:pt x="0" y="2324978"/>
+                <a:pt x="726409" y="111665"/>
               </a:lnTo>
               <a:lnTo>
-                <a:pt x="119574" y="2324978"/>
+                <a:pt x="0" y="111665"/>
+              </a:lnTo>
+              <a:lnTo>
+                <a:pt x="0" y="193999"/>
               </a:lnTo>
             </a:path>
           </a:pathLst>
@@ -6500,15 +6590,15 @@
         <a:fontRef idx="minor"/>
       </dsp:style>
     </dsp:sp>
-    <dsp:sp modelId="{6BAE05D9-6A41-4091-95E8-68A33DF82B14}">
+    <dsp:sp modelId="{22E5391B-784F-4143-B6B3-25B2FC68E290}">
       <dsp:nvSpPr>
         <dsp:cNvPr id="0" name=""/>
         <dsp:cNvSpPr/>
       </dsp:nvSpPr>
       <dsp:spPr>
         <a:xfrm>
-          <a:off x="80523" y="2817583"/>
-          <a:ext cx="119574" cy="1426281"/>
+          <a:off x="80775" y="2827571"/>
+          <a:ext cx="117620" cy="2286997"/>
         </a:xfrm>
         <a:custGeom>
           <a:avLst/>
@@ -6522,10 +6612,10 @@
                 <a:pt x="0" y="0"/>
               </a:moveTo>
               <a:lnTo>
-                <a:pt x="0" y="1426281"/>
+                <a:pt x="0" y="2286997"/>
               </a:lnTo>
               <a:lnTo>
-                <a:pt x="119574" y="1426281"/>
+                <a:pt x="117620" y="2286997"/>
               </a:lnTo>
             </a:path>
           </a:pathLst>
@@ -6559,15 +6649,15 @@
         <a:fontRef idx="minor"/>
       </dsp:style>
     </dsp:sp>
-    <dsp:sp modelId="{8A3670DB-3CE8-4868-9FC4-A1C9C06459E0}">
+    <dsp:sp modelId="{6BAE05D9-6A41-4091-95E8-68A33DF82B14}">
       <dsp:nvSpPr>
         <dsp:cNvPr id="0" name=""/>
         <dsp:cNvSpPr/>
       </dsp:nvSpPr>
       <dsp:spPr>
         <a:xfrm>
-          <a:off x="34803" y="2817583"/>
-          <a:ext cx="91440" cy="390441"/>
+          <a:off x="80775" y="2827571"/>
+          <a:ext cx="117620" cy="1402981"/>
         </a:xfrm>
         <a:custGeom>
           <a:avLst/>
@@ -6578,13 +6668,13 @@
           <a:pathLst>
             <a:path>
               <a:moveTo>
-                <a:pt x="45720" y="0"/>
+                <a:pt x="0" y="0"/>
               </a:moveTo>
               <a:lnTo>
-                <a:pt x="45720" y="390441"/>
+                <a:pt x="0" y="1402981"/>
               </a:lnTo>
               <a:lnTo>
-                <a:pt x="115973" y="390441"/>
+                <a:pt x="117620" y="1402981"/>
               </a:lnTo>
             </a:path>
           </a:pathLst>
@@ -6618,15 +6708,15 @@
         <a:fontRef idx="minor"/>
       </dsp:style>
     </dsp:sp>
-    <dsp:sp modelId="{2F5DF828-87F4-4FEB-9424-6DE04A74B74C}">
+    <dsp:sp modelId="{8A3670DB-3CE8-4868-9FC4-A1C9C06459E0}">
       <dsp:nvSpPr>
         <dsp:cNvPr id="0" name=""/>
         <dsp:cNvSpPr/>
       </dsp:nvSpPr>
       <dsp:spPr>
         <a:xfrm>
-          <a:off x="399387" y="2221782"/>
-          <a:ext cx="1703037" cy="197221"/>
+          <a:off x="35055" y="2827571"/>
+          <a:ext cx="91440" cy="384063"/>
         </a:xfrm>
         <a:custGeom>
           <a:avLst/>
@@ -6637,16 +6727,13 @@
           <a:pathLst>
             <a:path>
               <a:moveTo>
-                <a:pt x="1703037" y="0"/>
+                <a:pt x="45720" y="0"/>
               </a:moveTo>
               <a:lnTo>
-                <a:pt x="1703037" y="113519"/>
+                <a:pt x="45720" y="384063"/>
               </a:lnTo>
               <a:lnTo>
-                <a:pt x="0" y="113519"/>
-              </a:lnTo>
-              <a:lnTo>
-                <a:pt x="0" y="197221"/>
+                <a:pt x="114826" y="384063"/>
               </a:lnTo>
             </a:path>
           </a:pathLst>
@@ -6680,15 +6767,15 @@
         <a:fontRef idx="minor"/>
       </dsp:style>
     </dsp:sp>
-    <dsp:sp modelId="{D5F350A2-DF08-457D-AD3A-C4E861E74202}">
+    <dsp:sp modelId="{2F5DF828-87F4-4FEB-9424-6DE04A74B74C}">
       <dsp:nvSpPr>
         <dsp:cNvPr id="0" name=""/>
         <dsp:cNvSpPr/>
       </dsp:nvSpPr>
       <dsp:spPr>
         <a:xfrm>
-          <a:off x="2102425" y="1541409"/>
-          <a:ext cx="2513297" cy="281792"/>
+          <a:off x="394430" y="2241503"/>
+          <a:ext cx="1675216" cy="193999"/>
         </a:xfrm>
         <a:custGeom>
           <a:avLst/>
@@ -6699,16 +6786,78 @@
           <a:pathLst>
             <a:path>
               <a:moveTo>
-                <a:pt x="2513297" y="0"/>
+                <a:pt x="1675216" y="0"/>
               </a:moveTo>
               <a:lnTo>
-                <a:pt x="2513297" y="198090"/>
+                <a:pt x="1675216" y="111665"/>
               </a:lnTo>
               <a:lnTo>
-                <a:pt x="0" y="198090"/>
+                <a:pt x="0" y="111665"/>
               </a:lnTo>
               <a:lnTo>
-                <a:pt x="0" y="281792"/>
+                <a:pt x="0" y="193999"/>
+              </a:lnTo>
+            </a:path>
+          </a:pathLst>
+        </a:custGeom>
+        <a:noFill/>
+        <a:ln w="12700" cap="flat" cmpd="sng" algn="ctr">
+          <a:solidFill>
+            <a:schemeClr val="accent1">
+              <a:shade val="80000"/>
+              <a:hueOff val="0"/>
+              <a:satOff val="0"/>
+              <a:lumOff val="0"/>
+              <a:alphaOff val="0"/>
+            </a:schemeClr>
+          </a:solidFill>
+          <a:prstDash val="solid"/>
+          <a:miter lim="800000"/>
+        </a:ln>
+        <a:effectLst/>
+      </dsp:spPr>
+      <dsp:style>
+        <a:lnRef idx="2">
+          <a:scrgbClr r="0" g="0" b="0"/>
+        </a:lnRef>
+        <a:fillRef idx="0">
+          <a:scrgbClr r="0" g="0" b="0"/>
+        </a:fillRef>
+        <a:effectRef idx="0">
+          <a:scrgbClr r="0" g="0" b="0"/>
+        </a:effectRef>
+        <a:fontRef idx="minor"/>
+      </dsp:style>
+    </dsp:sp>
+    <dsp:sp modelId="{D5F350A2-DF08-457D-AD3A-C4E861E74202}">
+      <dsp:nvSpPr>
+        <dsp:cNvPr id="0" name=""/>
+        <dsp:cNvSpPr/>
+      </dsp:nvSpPr>
+      <dsp:spPr>
+        <a:xfrm>
+          <a:off x="2069647" y="1572245"/>
+          <a:ext cx="2570257" cy="277188"/>
+        </a:xfrm>
+        <a:custGeom>
+          <a:avLst/>
+          <a:gdLst/>
+          <a:ahLst/>
+          <a:cxnLst/>
+          <a:rect l="0" t="0" r="0" b="0"/>
+          <a:pathLst>
+            <a:path>
+              <a:moveTo>
+                <a:pt x="2570257" y="0"/>
+              </a:moveTo>
+              <a:lnTo>
+                <a:pt x="2570257" y="194854"/>
+              </a:lnTo>
+              <a:lnTo>
+                <a:pt x="0" y="194854"/>
+              </a:lnTo>
+              <a:lnTo>
+                <a:pt x="0" y="277188"/>
               </a:lnTo>
             </a:path>
           </a:pathLst>
@@ -6749,8 +6898,8 @@
       </dsp:nvSpPr>
       <dsp:spPr>
         <a:xfrm>
-          <a:off x="3238496" y="1101408"/>
-          <a:ext cx="2754452" cy="440000"/>
+          <a:off x="3285177" y="1139432"/>
+          <a:ext cx="2709455" cy="432812"/>
         </a:xfrm>
         <a:prstGeom prst="rect">
           <a:avLst/>
@@ -6835,8 +6984,8 @@
         </a:p>
       </dsp:txBody>
       <dsp:txXfrm>
-        <a:off x="3238496" y="1101408"/>
-        <a:ext cx="2754452" cy="440000"/>
+        <a:off x="3285177" y="1139432"/>
+        <a:ext cx="2709455" cy="432812"/>
       </dsp:txXfrm>
     </dsp:sp>
     <dsp:sp modelId="{944860FD-94E1-4AC6-B10C-17A4ACDE3C20}">
@@ -6846,8 +6995,8 @@
       </dsp:nvSpPr>
       <dsp:spPr>
         <a:xfrm>
-          <a:off x="1703844" y="1823201"/>
-          <a:ext cx="797160" cy="398580"/>
+          <a:off x="1677578" y="1849434"/>
+          <a:ext cx="784138" cy="392069"/>
         </a:xfrm>
         <a:prstGeom prst="rect">
           <a:avLst/>
@@ -6911,8 +7060,8 @@
         </a:p>
       </dsp:txBody>
       <dsp:txXfrm>
-        <a:off x="1703844" y="1823201"/>
-        <a:ext cx="797160" cy="398580"/>
+        <a:off x="1677578" y="1849434"/>
+        <a:ext cx="784138" cy="392069"/>
       </dsp:txXfrm>
     </dsp:sp>
     <dsp:sp modelId="{9717F0D1-3146-4E87-A2D2-9ED039501628}">
@@ -6922,8 +7071,8 @@
       </dsp:nvSpPr>
       <dsp:spPr>
         <a:xfrm>
-          <a:off x="807" y="2419003"/>
-          <a:ext cx="797160" cy="398580"/>
+          <a:off x="2361" y="2435502"/>
+          <a:ext cx="784138" cy="392069"/>
         </a:xfrm>
         <a:prstGeom prst="rect">
           <a:avLst/>
@@ -6987,8 +7136,8 @@
         </a:p>
       </dsp:txBody>
       <dsp:txXfrm>
-        <a:off x="807" y="2419003"/>
-        <a:ext cx="797160" cy="398580"/>
+        <a:off x="2361" y="2435502"/>
+        <a:ext cx="784138" cy="392069"/>
       </dsp:txXfrm>
     </dsp:sp>
     <dsp:sp modelId="{A195EF81-432E-40B1-973A-200211B5B643}">
@@ -6998,8 +7147,8 @@
       </dsp:nvSpPr>
       <dsp:spPr>
         <a:xfrm>
-          <a:off x="150776" y="2867856"/>
-          <a:ext cx="797160" cy="680336"/>
+          <a:off x="149881" y="2877023"/>
+          <a:ext cx="784138" cy="669222"/>
         </a:xfrm>
         <a:prstGeom prst="rect">
           <a:avLst/>
@@ -7068,8 +7217,8 @@
         </a:p>
       </dsp:txBody>
       <dsp:txXfrm>
-        <a:off x="150776" y="2867856"/>
-        <a:ext cx="797160" cy="680336"/>
+        <a:off x="149881" y="2877023"/>
+        <a:ext cx="784138" cy="669222"/>
       </dsp:txXfrm>
     </dsp:sp>
     <dsp:sp modelId="{1507248B-4C77-4B46-962C-0E5912097852}">
@@ -7079,8 +7228,8 @@
       </dsp:nvSpPr>
       <dsp:spPr>
         <a:xfrm>
-          <a:off x="200097" y="3832727"/>
-          <a:ext cx="797160" cy="822275"/>
+          <a:off x="198395" y="3826132"/>
+          <a:ext cx="784138" cy="808842"/>
         </a:xfrm>
         <a:prstGeom prst="rect">
           <a:avLst/>
@@ -7149,8 +7298,8 @@
         </a:p>
       </dsp:txBody>
       <dsp:txXfrm>
-        <a:off x="200097" y="3832727"/>
-        <a:ext cx="797160" cy="822275"/>
+        <a:off x="198395" y="3826132"/>
+        <a:ext cx="784138" cy="808842"/>
       </dsp:txXfrm>
     </dsp:sp>
     <dsp:sp modelId="{057ADC8E-D401-4B7A-80F8-965E0B1DE7E7}">
@@ -7160,8 +7309,8 @@
       </dsp:nvSpPr>
       <dsp:spPr>
         <a:xfrm>
-          <a:off x="200097" y="4822406"/>
-          <a:ext cx="797160" cy="640311"/>
+          <a:off x="198395" y="4799644"/>
+          <a:ext cx="784138" cy="629851"/>
         </a:xfrm>
         <a:prstGeom prst="rect">
           <a:avLst/>
@@ -7230,8 +7379,8 @@
         </a:p>
       </dsp:txBody>
       <dsp:txXfrm>
-        <a:off x="200097" y="4822406"/>
-        <a:ext cx="797160" cy="640311"/>
+        <a:off x="198395" y="4799644"/>
+        <a:ext cx="784138" cy="629851"/>
       </dsp:txXfrm>
     </dsp:sp>
     <dsp:sp modelId="{72041271-086E-4F4E-9BA1-4757A5EBDB5C}">
@@ -7241,8 +7390,8 @@
       </dsp:nvSpPr>
       <dsp:spPr>
         <a:xfrm>
-          <a:off x="965371" y="2419003"/>
-          <a:ext cx="797160" cy="398580"/>
+          <a:off x="951168" y="2435502"/>
+          <a:ext cx="784138" cy="392069"/>
         </a:xfrm>
         <a:prstGeom prst="rect">
           <a:avLst/>
@@ -7306,8 +7455,8 @@
         </a:p>
       </dsp:txBody>
       <dsp:txXfrm>
-        <a:off x="965371" y="2419003"/>
-        <a:ext cx="797160" cy="398580"/>
+        <a:off x="951168" y="2435502"/>
+        <a:ext cx="784138" cy="392069"/>
       </dsp:txXfrm>
     </dsp:sp>
     <dsp:sp modelId="{D87EB8F4-D2A6-420C-A392-0F2348289EAB}">
@@ -7317,8 +7466,8 @@
       </dsp:nvSpPr>
       <dsp:spPr>
         <a:xfrm>
-          <a:off x="1164661" y="2984987"/>
-          <a:ext cx="797160" cy="577355"/>
+          <a:off x="1147202" y="2992240"/>
+          <a:ext cx="784138" cy="567923"/>
         </a:xfrm>
         <a:prstGeom prst="rect">
           <a:avLst/>
@@ -7387,8 +7536,8 @@
         </a:p>
       </dsp:txBody>
       <dsp:txXfrm>
-        <a:off x="1164661" y="2984987"/>
-        <a:ext cx="797160" cy="577355"/>
+        <a:off x="1147202" y="2992240"/>
+        <a:ext cx="784138" cy="567923"/>
       </dsp:txXfrm>
     </dsp:sp>
     <dsp:sp modelId="{D00CD897-9005-44A3-A210-E3BEA1543754}">
@@ -7398,8 +7547,8 @@
       </dsp:nvSpPr>
       <dsp:spPr>
         <a:xfrm>
-          <a:off x="1164661" y="3729746"/>
-          <a:ext cx="797160" cy="614287"/>
+          <a:off x="1147202" y="3724833"/>
+          <a:ext cx="784138" cy="604252"/>
         </a:xfrm>
         <a:prstGeom prst="rect">
           <a:avLst/>
@@ -7468,8 +7617,8 @@
         </a:p>
       </dsp:txBody>
       <dsp:txXfrm>
-        <a:off x="1164661" y="3729746"/>
-        <a:ext cx="797160" cy="614287"/>
+        <a:off x="1147202" y="3724833"/>
+        <a:ext cx="784138" cy="604252"/>
       </dsp:txXfrm>
     </dsp:sp>
     <dsp:sp modelId="{2FFC276A-0E14-472D-A393-466F670FFD91}">
@@ -7479,8 +7628,8 @@
       </dsp:nvSpPr>
       <dsp:spPr>
         <a:xfrm>
-          <a:off x="1929935" y="2419003"/>
-          <a:ext cx="797160" cy="398580"/>
+          <a:off x="1899975" y="2435502"/>
+          <a:ext cx="784138" cy="392069"/>
         </a:xfrm>
         <a:prstGeom prst="rect">
           <a:avLst/>
@@ -7544,8 +7693,8 @@
         </a:p>
       </dsp:txBody>
       <dsp:txXfrm>
-        <a:off x="1929935" y="2419003"/>
-        <a:ext cx="797160" cy="398580"/>
+        <a:off x="1899975" y="2435502"/>
+        <a:ext cx="784138" cy="392069"/>
       </dsp:txXfrm>
     </dsp:sp>
     <dsp:sp modelId="{F79599B6-5AA4-419C-A843-B014E267737D}">
@@ -7555,8 +7704,8 @@
       </dsp:nvSpPr>
       <dsp:spPr>
         <a:xfrm>
-          <a:off x="2129225" y="2984987"/>
-          <a:ext cx="797160" cy="510394"/>
+          <a:off x="2096009" y="2992240"/>
+          <a:ext cx="784138" cy="502056"/>
         </a:xfrm>
         <a:prstGeom prst="rect">
           <a:avLst/>
@@ -7625,8 +7774,8 @@
         </a:p>
       </dsp:txBody>
       <dsp:txXfrm>
-        <a:off x="2129225" y="2984987"/>
-        <a:ext cx="797160" cy="510394"/>
+        <a:off x="2096009" y="2992240"/>
+        <a:ext cx="784138" cy="502056"/>
       </dsp:txXfrm>
     </dsp:sp>
     <dsp:sp modelId="{B21A6AC8-FFF2-425C-AC5E-CA7D615973BB}">
@@ -7636,8 +7785,8 @@
       </dsp:nvSpPr>
       <dsp:spPr>
         <a:xfrm>
-          <a:off x="2129225" y="3662785"/>
-          <a:ext cx="797160" cy="844181"/>
+          <a:off x="2096009" y="3658966"/>
+          <a:ext cx="784138" cy="830390"/>
         </a:xfrm>
         <a:prstGeom prst="rect">
           <a:avLst/>
@@ -7706,8 +7855,8 @@
         </a:p>
       </dsp:txBody>
       <dsp:txXfrm>
-        <a:off x="2129225" y="3662785"/>
-        <a:ext cx="797160" cy="844181"/>
+        <a:off x="2096009" y="3658966"/>
+        <a:ext cx="784138" cy="830390"/>
       </dsp:txXfrm>
     </dsp:sp>
     <dsp:sp modelId="{32C9AB5B-10B9-4F44-9859-626B9D531E18}">
@@ -7717,8 +7866,84 @@
       </dsp:nvSpPr>
       <dsp:spPr>
         <a:xfrm>
-          <a:off x="3093790" y="2419003"/>
-          <a:ext cx="797160" cy="836524"/>
+          <a:off x="3044817" y="2435502"/>
+          <a:ext cx="784138" cy="608436"/>
+        </a:xfrm>
+        <a:prstGeom prst="rect">
+          <a:avLst/>
+        </a:prstGeom>
+        <a:solidFill>
+          <a:srgbClr val="00CC99"/>
+        </a:solidFill>
+        <a:ln w="12700" cap="flat" cmpd="sng" algn="ctr">
+          <a:solidFill>
+            <a:schemeClr val="lt1">
+              <a:hueOff val="0"/>
+              <a:satOff val="0"/>
+              <a:lumOff val="0"/>
+              <a:alphaOff val="0"/>
+            </a:schemeClr>
+          </a:solidFill>
+          <a:prstDash val="solid"/>
+          <a:miter lim="800000"/>
+        </a:ln>
+        <a:effectLst/>
+      </dsp:spPr>
+      <dsp:style>
+        <a:lnRef idx="2">
+          <a:scrgbClr r="0" g="0" b="0"/>
+        </a:lnRef>
+        <a:fillRef idx="1">
+          <a:scrgbClr r="0" g="0" b="0"/>
+        </a:fillRef>
+        <a:effectRef idx="0">
+          <a:scrgbClr r="0" g="0" b="0"/>
+        </a:effectRef>
+        <a:fontRef idx="minor">
+          <a:schemeClr val="lt1"/>
+        </a:fontRef>
+      </dsp:style>
+      <dsp:txBody>
+        <a:bodyPr spcFirstLastPara="0" vert="horz" wrap="square" lIns="6985" tIns="6985" rIns="6985" bIns="6985" numCol="1" spcCol="1270" anchor="ctr" anchorCtr="0">
+          <a:noAutofit/>
+        </a:bodyPr>
+        <a:lstStyle/>
+        <a:p>
+          <a:pPr marL="0" lvl="0" indent="0" algn="ctr" defTabSz="488950">
+            <a:lnSpc>
+              <a:spcPct val="90000"/>
+            </a:lnSpc>
+            <a:spcBef>
+              <a:spcPct val="0"/>
+            </a:spcBef>
+            <a:spcAft>
+              <a:spcPct val="35000"/>
+            </a:spcAft>
+            <a:buNone/>
+          </a:pPr>
+          <a:r>
+            <a:rPr lang="en-US" sz="1100" b="0" kern="1200">
+              <a:latin typeface="Times New Roman" panose="02020603050405020304" pitchFamily="18" charset="0"/>
+              <a:cs typeface="Times New Roman" panose="02020603050405020304" pitchFamily="18" charset="0"/>
+            </a:rPr>
+            <a:t>A.4 Quản lý thông tin gia sư đăng ký suất dạy</a:t>
+          </a:r>
+        </a:p>
+      </dsp:txBody>
+      <dsp:txXfrm>
+        <a:off x="3044817" y="2435502"/>
+        <a:ext cx="784138" cy="608436"/>
+      </dsp:txXfrm>
+    </dsp:sp>
+    <dsp:sp modelId="{32E150E0-EA9D-4225-9AF4-BA6A76BA4AC2}">
+      <dsp:nvSpPr>
+        <dsp:cNvPr id="0" name=""/>
+        <dsp:cNvSpPr/>
+      </dsp:nvSpPr>
+      <dsp:spPr>
+        <a:xfrm>
+          <a:off x="3240851" y="3208608"/>
+          <a:ext cx="784138" cy="889871"/>
         </a:xfrm>
         <a:prstGeom prst="rect">
           <a:avLst/>
@@ -7782,13 +8007,13 @@
               <a:latin typeface="Times New Roman" panose="02020603050405020304" pitchFamily="18" charset="0"/>
               <a:cs typeface="Times New Roman" panose="02020603050405020304" pitchFamily="18" charset="0"/>
             </a:rPr>
-            <a:t>A.4 Tạo tính năng quản lý thông tin gia sư đăng ký suất dạy</a:t>
+            <a:t>A.4.1 Tạo tính năng quản lý thông tin gia sư đăng ký suất dạy</a:t>
           </a:r>
         </a:p>
       </dsp:txBody>
       <dsp:txXfrm>
-        <a:off x="3093790" y="2419003"/>
-        <a:ext cx="797160" cy="836524"/>
+        <a:off x="3240851" y="3208608"/>
+        <a:ext cx="784138" cy="889871"/>
       </dsp:txXfrm>
     </dsp:sp>
     <dsp:sp modelId="{02EEE9B5-B9B1-42CF-A276-4C5A2E131847}">
@@ -7798,8 +8023,8 @@
       </dsp:nvSpPr>
       <dsp:spPr>
         <a:xfrm>
-          <a:off x="7904179" y="1853019"/>
-          <a:ext cx="797160" cy="398580"/>
+          <a:off x="7972658" y="1878764"/>
+          <a:ext cx="784138" cy="392069"/>
         </a:xfrm>
         <a:prstGeom prst="rect">
           <a:avLst/>
@@ -7863,8 +8088,8 @@
         </a:p>
       </dsp:txBody>
       <dsp:txXfrm>
-        <a:off x="7904179" y="1853019"/>
-        <a:ext cx="797160" cy="398580"/>
+        <a:off x="7972658" y="1878764"/>
+        <a:ext cx="784138" cy="392069"/>
       </dsp:txXfrm>
     </dsp:sp>
     <dsp:sp modelId="{B18747D8-A8AC-417D-B464-BDA8C868E1C1}">
@@ -7874,8 +8099,8 @@
       </dsp:nvSpPr>
       <dsp:spPr>
         <a:xfrm>
-          <a:off x="4521600" y="2419003"/>
-          <a:ext cx="797160" cy="398580"/>
+          <a:off x="4645337" y="2435502"/>
+          <a:ext cx="784138" cy="392069"/>
         </a:xfrm>
         <a:prstGeom prst="rect">
           <a:avLst/>
@@ -7939,8 +8164,8 @@
         </a:p>
       </dsp:txBody>
       <dsp:txXfrm>
-        <a:off x="4521600" y="2419003"/>
-        <a:ext cx="797160" cy="398580"/>
+        <a:off x="4645337" y="2435502"/>
+        <a:ext cx="784138" cy="392069"/>
       </dsp:txXfrm>
     </dsp:sp>
     <dsp:sp modelId="{5B5A2CFE-D8A2-4D10-A223-7C772AA3761E}">
@@ -7950,8 +8175,8 @@
       </dsp:nvSpPr>
       <dsp:spPr>
         <a:xfrm>
-          <a:off x="4046133" y="3011927"/>
-          <a:ext cx="844767" cy="605921"/>
+          <a:off x="4177637" y="3018740"/>
+          <a:ext cx="830966" cy="596023"/>
         </a:xfrm>
         <a:prstGeom prst="rect">
           <a:avLst/>
@@ -8015,8 +8240,8 @@
         </a:p>
       </dsp:txBody>
       <dsp:txXfrm>
-        <a:off x="4046133" y="3011927"/>
-        <a:ext cx="844767" cy="605921"/>
+        <a:off x="4177637" y="3018740"/>
+        <a:ext cx="830966" cy="596023"/>
       </dsp:txXfrm>
     </dsp:sp>
     <dsp:sp modelId="{26F50A34-2972-4CB4-B149-74B75042E0B2}">
@@ -8026,8 +8251,8 @@
       </dsp:nvSpPr>
       <dsp:spPr>
         <a:xfrm>
-          <a:off x="4244770" y="3788413"/>
-          <a:ext cx="748780" cy="547222"/>
+          <a:off x="4373029" y="3782542"/>
+          <a:ext cx="736548" cy="538283"/>
         </a:xfrm>
         <a:prstGeom prst="rect">
           <a:avLst/>
@@ -8096,8 +8321,8 @@
         </a:p>
       </dsp:txBody>
       <dsp:txXfrm>
-        <a:off x="4244770" y="3788413"/>
-        <a:ext cx="748780" cy="547222"/>
+        <a:off x="4373029" y="3782542"/>
+        <a:ext cx="736548" cy="538283"/>
       </dsp:txXfrm>
     </dsp:sp>
     <dsp:sp modelId="{F39452D4-698F-41D6-9282-939800A13C4F}">
@@ -8107,8 +8332,8 @@
       </dsp:nvSpPr>
       <dsp:spPr>
         <a:xfrm>
-          <a:off x="4269546" y="4472939"/>
-          <a:ext cx="724005" cy="472233"/>
+          <a:off x="4397400" y="4455885"/>
+          <a:ext cx="712177" cy="464519"/>
         </a:xfrm>
         <a:prstGeom prst="rect">
           <a:avLst/>
@@ -8177,8 +8402,8 @@
         </a:p>
       </dsp:txBody>
       <dsp:txXfrm>
-        <a:off x="4269546" y="4472939"/>
-        <a:ext cx="724005" cy="472233"/>
+        <a:off x="4397400" y="4455885"/>
+        <a:ext cx="712177" cy="464519"/>
       </dsp:txXfrm>
     </dsp:sp>
     <dsp:sp modelId="{9E36C3EA-D343-48A9-BED7-585AFBFB178B}">
@@ -8188,8 +8413,8 @@
       </dsp:nvSpPr>
       <dsp:spPr>
         <a:xfrm>
-          <a:off x="4279096" y="5066951"/>
-          <a:ext cx="709783" cy="499807"/>
+          <a:off x="4406794" y="5040194"/>
+          <a:ext cx="698188" cy="491642"/>
         </a:xfrm>
         <a:prstGeom prst="rect">
           <a:avLst/>
@@ -8258,8 +8483,8 @@
         </a:p>
       </dsp:txBody>
       <dsp:txXfrm>
-        <a:off x="4279096" y="5066951"/>
-        <a:ext cx="709783" cy="499807"/>
+        <a:off x="4406794" y="5040194"/>
+        <a:ext cx="698188" cy="491642"/>
       </dsp:txXfrm>
     </dsp:sp>
     <dsp:sp modelId="{A11CF4DF-4582-472F-9953-7C13703AA3AE}">
@@ -8269,8 +8494,8 @@
       </dsp:nvSpPr>
       <dsp:spPr>
         <a:xfrm>
-          <a:off x="5000598" y="2998973"/>
-          <a:ext cx="711481" cy="494729"/>
+          <a:off x="5116510" y="3005998"/>
+          <a:ext cx="699858" cy="486647"/>
         </a:xfrm>
         <a:prstGeom prst="rect">
           <a:avLst/>
@@ -8334,8 +8559,8 @@
         </a:p>
       </dsp:txBody>
       <dsp:txXfrm>
-        <a:off x="5000598" y="2998973"/>
-        <a:ext cx="711481" cy="494729"/>
+        <a:off x="5116510" y="3005998"/>
+        <a:ext cx="699858" cy="486647"/>
       </dsp:txXfrm>
     </dsp:sp>
     <dsp:sp modelId="{49B00A58-B398-46D7-A3F4-D5A929224F79}">
@@ -8345,8 +8570,8 @@
       </dsp:nvSpPr>
       <dsp:spPr>
         <a:xfrm>
-          <a:off x="5192458" y="3647121"/>
-          <a:ext cx="797160" cy="480572"/>
+          <a:off x="5305236" y="3643557"/>
+          <a:ext cx="784138" cy="472721"/>
         </a:xfrm>
         <a:prstGeom prst="rect">
           <a:avLst/>
@@ -8415,8 +8640,8 @@
         </a:p>
       </dsp:txBody>
       <dsp:txXfrm>
-        <a:off x="5192458" y="3647121"/>
-        <a:ext cx="797160" cy="480572"/>
+        <a:off x="5305236" y="3643557"/>
+        <a:ext cx="784138" cy="472721"/>
       </dsp:txXfrm>
     </dsp:sp>
     <dsp:sp modelId="{5D81A248-700D-4C8B-9866-4BDDF473C71D}">
@@ -8426,8 +8651,8 @@
       </dsp:nvSpPr>
       <dsp:spPr>
         <a:xfrm>
-          <a:off x="5184949" y="4223328"/>
-          <a:ext cx="797160" cy="577877"/>
+          <a:off x="5297849" y="4210352"/>
+          <a:ext cx="784138" cy="568437"/>
         </a:xfrm>
         <a:prstGeom prst="rect">
           <a:avLst/>
@@ -8496,8 +8721,8 @@
         </a:p>
       </dsp:txBody>
       <dsp:txXfrm>
-        <a:off x="5184949" y="4223328"/>
-        <a:ext cx="797160" cy="577877"/>
+        <a:off x="5297849" y="4210352"/>
+        <a:ext cx="784138" cy="568437"/>
       </dsp:txXfrm>
     </dsp:sp>
     <dsp:sp modelId="{DFBB2094-69A1-4A52-A92D-360B1A07D1A3}">
@@ -8507,8 +8732,8 @@
       </dsp:nvSpPr>
       <dsp:spPr>
         <a:xfrm>
-          <a:off x="6013669" y="2419003"/>
-          <a:ext cx="797160" cy="398580"/>
+          <a:off x="6113031" y="2435502"/>
+          <a:ext cx="784138" cy="392069"/>
         </a:xfrm>
         <a:prstGeom prst="rect">
           <a:avLst/>
@@ -8572,8 +8797,8 @@
         </a:p>
       </dsp:txBody>
       <dsp:txXfrm>
-        <a:off x="6013669" y="2419003"/>
-        <a:ext cx="797160" cy="398580"/>
+        <a:off x="6113031" y="2435502"/>
+        <a:ext cx="784138" cy="392069"/>
       </dsp:txXfrm>
     </dsp:sp>
     <dsp:sp modelId="{23CCBA72-FE18-4FD3-A65C-DB406EB3BA0C}">
@@ -8583,8 +8808,8 @@
       </dsp:nvSpPr>
       <dsp:spPr>
         <a:xfrm>
-          <a:off x="6212959" y="2984987"/>
-          <a:ext cx="797160" cy="827193"/>
+          <a:off x="6309066" y="2992240"/>
+          <a:ext cx="784138" cy="813680"/>
         </a:xfrm>
         <a:prstGeom prst="rect">
           <a:avLst/>
@@ -8653,8 +8878,8 @@
         </a:p>
       </dsp:txBody>
       <dsp:txXfrm>
-        <a:off x="6212959" y="2984987"/>
-        <a:ext cx="797160" cy="827193"/>
+        <a:off x="6309066" y="2992240"/>
+        <a:ext cx="784138" cy="813680"/>
       </dsp:txXfrm>
     </dsp:sp>
     <dsp:sp modelId="{57B96674-772E-4E2C-94DF-4D142CFE3C18}">
@@ -8664,8 +8889,8 @@
       </dsp:nvSpPr>
       <dsp:spPr>
         <a:xfrm>
-          <a:off x="6978234" y="2419003"/>
-          <a:ext cx="797160" cy="398580"/>
+          <a:off x="7061839" y="2435502"/>
+          <a:ext cx="784138" cy="392069"/>
         </a:xfrm>
         <a:prstGeom prst="rect">
           <a:avLst/>
@@ -8740,8 +8965,8 @@
         </a:p>
       </dsp:txBody>
       <dsp:txXfrm>
-        <a:off x="6978234" y="2419003"/>
-        <a:ext cx="797160" cy="398580"/>
+        <a:off x="7061839" y="2435502"/>
+        <a:ext cx="784138" cy="392069"/>
       </dsp:txXfrm>
     </dsp:sp>
     <dsp:sp modelId="{22C5D4E4-B183-4908-A417-8AFC2ABB6675}">
@@ -8751,8 +8976,8 @@
       </dsp:nvSpPr>
       <dsp:spPr>
         <a:xfrm>
-          <a:off x="7177524" y="2984987"/>
-          <a:ext cx="797160" cy="645209"/>
+          <a:off x="7257873" y="2992240"/>
+          <a:ext cx="784138" cy="634669"/>
         </a:xfrm>
         <a:prstGeom prst="rect">
           <a:avLst/>
@@ -8821,8 +9046,8 @@
         </a:p>
       </dsp:txBody>
       <dsp:txXfrm>
-        <a:off x="7177524" y="2984987"/>
-        <a:ext cx="797160" cy="645209"/>
+        <a:off x="7257873" y="2992240"/>
+        <a:ext cx="784138" cy="634669"/>
       </dsp:txXfrm>
     </dsp:sp>
     <dsp:sp modelId="{5A053106-4DC6-4069-98DF-7CCE0F31AF65}">
@@ -8832,8 +9057,8 @@
       </dsp:nvSpPr>
       <dsp:spPr>
         <a:xfrm>
-          <a:off x="7177524" y="3797601"/>
-          <a:ext cx="797160" cy="455668"/>
+          <a:off x="7257873" y="3791579"/>
+          <a:ext cx="784138" cy="448225"/>
         </a:xfrm>
         <a:prstGeom prst="rect">
           <a:avLst/>
@@ -8902,8 +9127,8 @@
         </a:p>
       </dsp:txBody>
       <dsp:txXfrm>
-        <a:off x="7177524" y="3797601"/>
-        <a:ext cx="797160" cy="455668"/>
+        <a:off x="7257873" y="3791579"/>
+        <a:ext cx="784138" cy="448225"/>
       </dsp:txXfrm>
     </dsp:sp>
     <dsp:sp modelId="{C3614074-BE64-4719-8F4C-2795D39F0663}">
@@ -8913,8 +9138,8 @@
       </dsp:nvSpPr>
       <dsp:spPr>
         <a:xfrm>
-          <a:off x="7942798" y="2419003"/>
-          <a:ext cx="869781" cy="398580"/>
+          <a:off x="8010646" y="2435502"/>
+          <a:ext cx="855573" cy="392069"/>
         </a:xfrm>
         <a:prstGeom prst="rect">
           <a:avLst/>
@@ -8978,8 +9203,8 @@
         </a:p>
       </dsp:txBody>
       <dsp:txXfrm>
-        <a:off x="7942798" y="2419003"/>
-        <a:ext cx="869781" cy="398580"/>
+        <a:off x="8010646" y="2435502"/>
+        <a:ext cx="855573" cy="392069"/>
       </dsp:txXfrm>
     </dsp:sp>
     <dsp:sp modelId="{98A4BD74-F07E-470E-BABA-EA955F4355E8}">
@@ -8989,8 +9214,8 @@
       </dsp:nvSpPr>
       <dsp:spPr>
         <a:xfrm>
-          <a:off x="8160243" y="2984987"/>
-          <a:ext cx="797160" cy="653472"/>
+          <a:off x="8224539" y="2992240"/>
+          <a:ext cx="784138" cy="642797"/>
         </a:xfrm>
         <a:prstGeom prst="rect">
           <a:avLst/>
@@ -9059,8 +9284,8 @@
         </a:p>
       </dsp:txBody>
       <dsp:txXfrm>
-        <a:off x="8160243" y="2984987"/>
-        <a:ext cx="797160" cy="653472"/>
+        <a:off x="8224539" y="2992240"/>
+        <a:ext cx="784138" cy="642797"/>
       </dsp:txXfrm>
     </dsp:sp>
     <dsp:sp modelId="{99227BDC-C259-45D0-A460-2210C1707885}">
@@ -9070,8 +9295,8 @@
       </dsp:nvSpPr>
       <dsp:spPr>
         <a:xfrm>
-          <a:off x="8166437" y="3700570"/>
-          <a:ext cx="797160" cy="669455"/>
+          <a:off x="8230632" y="3696134"/>
+          <a:ext cx="784138" cy="658519"/>
         </a:xfrm>
         <a:prstGeom prst="rect">
           <a:avLst/>
@@ -9140,8 +9365,8 @@
         </a:p>
       </dsp:txBody>
       <dsp:txXfrm>
-        <a:off x="8166437" y="3700570"/>
-        <a:ext cx="797160" cy="669455"/>
+        <a:off x="8230632" y="3696134"/>
+        <a:ext cx="784138" cy="658519"/>
       </dsp:txXfrm>
     </dsp:sp>
     <dsp:sp modelId="{47A8CFEC-4A04-4D93-9934-806CA3DCC72D}">
@@ -9151,8 +9376,8 @@
       </dsp:nvSpPr>
       <dsp:spPr>
         <a:xfrm>
-          <a:off x="8160243" y="4487882"/>
-          <a:ext cx="797160" cy="582947"/>
+          <a:off x="8224539" y="4470584"/>
+          <a:ext cx="784138" cy="573424"/>
         </a:xfrm>
         <a:prstGeom prst="rect">
           <a:avLst/>
@@ -9221,8 +9446,8 @@
         </a:p>
       </dsp:txBody>
       <dsp:txXfrm>
-        <a:off x="8160243" y="4487882"/>
-        <a:ext cx="797160" cy="582947"/>
+        <a:off x="8224539" y="4470584"/>
+        <a:ext cx="784138" cy="573424"/>
       </dsp:txXfrm>
     </dsp:sp>
     <dsp:sp modelId="{232BC1A4-5D42-4608-9C98-C1F86B699B19}">
@@ -9232,8 +9457,8 @@
       </dsp:nvSpPr>
       <dsp:spPr>
         <a:xfrm>
-          <a:off x="8979983" y="2419003"/>
-          <a:ext cx="909169" cy="398580"/>
+          <a:off x="9030888" y="2435502"/>
+          <a:ext cx="894317" cy="392069"/>
         </a:xfrm>
         <a:prstGeom prst="rect">
           <a:avLst/>
@@ -9297,8 +9522,8 @@
         </a:p>
       </dsp:txBody>
       <dsp:txXfrm>
-        <a:off x="8979983" y="2419003"/>
-        <a:ext cx="909169" cy="398580"/>
+        <a:off x="9030888" y="2435502"/>
+        <a:ext cx="894317" cy="392069"/>
       </dsp:txXfrm>
     </dsp:sp>
     <dsp:sp modelId="{FE752E61-95AF-4158-9A59-C0E65CA926C8}">
@@ -9308,8 +9533,8 @@
       </dsp:nvSpPr>
       <dsp:spPr>
         <a:xfrm>
-          <a:off x="9207276" y="2984987"/>
-          <a:ext cx="797160" cy="671504"/>
+          <a:off x="9254467" y="2992240"/>
+          <a:ext cx="784138" cy="660534"/>
         </a:xfrm>
         <a:prstGeom prst="rect">
           <a:avLst/>
@@ -9378,8 +9603,8 @@
         </a:p>
       </dsp:txBody>
       <dsp:txXfrm>
-        <a:off x="9207276" y="2984987"/>
-        <a:ext cx="797160" cy="671504"/>
+        <a:off x="9254467" y="2992240"/>
+        <a:ext cx="784138" cy="660534"/>
       </dsp:txXfrm>
     </dsp:sp>
     <dsp:sp modelId="{91098537-C4A3-489F-9CB3-D301620B7E77}">
@@ -9389,8 +9614,8 @@
       </dsp:nvSpPr>
       <dsp:spPr>
         <a:xfrm>
-          <a:off x="9207276" y="3823895"/>
-          <a:ext cx="797160" cy="501103"/>
+          <a:off x="9254467" y="3817444"/>
+          <a:ext cx="784138" cy="492917"/>
         </a:xfrm>
         <a:prstGeom prst="rect">
           <a:avLst/>
@@ -9459,8 +9684,8 @@
         </a:p>
       </dsp:txBody>
       <dsp:txXfrm>
-        <a:off x="9207276" y="3823895"/>
-        <a:ext cx="797160" cy="501103"/>
+        <a:off x="9254467" y="3817444"/>
+        <a:ext cx="784138" cy="492917"/>
       </dsp:txXfrm>
     </dsp:sp>
     <dsp:sp modelId="{CAA2CAD7-F6F3-4272-8434-87A293491845}">
@@ -9470,8 +9695,8 @@
       </dsp:nvSpPr>
       <dsp:spPr>
         <a:xfrm>
-          <a:off x="10056557" y="2419003"/>
-          <a:ext cx="940107" cy="398580"/>
+          <a:off x="10089874" y="2435502"/>
+          <a:ext cx="924749" cy="392069"/>
         </a:xfrm>
         <a:prstGeom prst="rect">
           <a:avLst/>
@@ -9535,8 +9760,8 @@
         </a:p>
       </dsp:txBody>
       <dsp:txXfrm>
-        <a:off x="10056557" y="2419003"/>
-        <a:ext cx="940107" cy="398580"/>
+        <a:off x="10089874" y="2435502"/>
+        <a:ext cx="924749" cy="392069"/>
       </dsp:txXfrm>
     </dsp:sp>
     <dsp:sp modelId="{8BFCFC47-56C4-415E-8026-CC4EC0F7A329}">
@@ -9546,8 +9771,8 @@
       </dsp:nvSpPr>
       <dsp:spPr>
         <a:xfrm>
-          <a:off x="10291584" y="2984987"/>
-          <a:ext cx="797160" cy="661603"/>
+          <a:off x="10321062" y="2992240"/>
+          <a:ext cx="784138" cy="650795"/>
         </a:xfrm>
         <a:prstGeom prst="rect">
           <a:avLst/>
@@ -9616,8 +9841,8 @@
         </a:p>
       </dsp:txBody>
       <dsp:txXfrm>
-        <a:off x="10291584" y="2984987"/>
-        <a:ext cx="797160" cy="661603"/>
+        <a:off x="10321062" y="2992240"/>
+        <a:ext cx="784138" cy="650795"/>
       </dsp:txXfrm>
     </dsp:sp>
     <dsp:sp modelId="{60F8C25F-5BC0-4AB1-B365-9DA0AC3B2CB8}">
@@ -9627,8 +9852,8 @@
       </dsp:nvSpPr>
       <dsp:spPr>
         <a:xfrm>
-          <a:off x="10291584" y="3813994"/>
-          <a:ext cx="797160" cy="498006"/>
+          <a:off x="10321062" y="3807705"/>
+          <a:ext cx="784138" cy="489870"/>
         </a:xfrm>
         <a:prstGeom prst="rect">
           <a:avLst/>
@@ -9697,8 +9922,8 @@
         </a:p>
       </dsp:txBody>
       <dsp:txXfrm>
-        <a:off x="10291584" y="3813994"/>
-        <a:ext cx="797160" cy="498006"/>
+        <a:off x="10321062" y="3807705"/>
+        <a:ext cx="784138" cy="489870"/>
       </dsp:txXfrm>
     </dsp:sp>
     <dsp:sp modelId="{4D11E440-8D50-47A5-ACC1-F96AD06F61D5}">
@@ -9708,8 +9933,8 @@
       </dsp:nvSpPr>
       <dsp:spPr>
         <a:xfrm>
-          <a:off x="11164068" y="2419003"/>
-          <a:ext cx="919851" cy="398580"/>
+          <a:off x="11179293" y="2435502"/>
+          <a:ext cx="904824" cy="392069"/>
         </a:xfrm>
         <a:prstGeom prst="rect">
           <a:avLst/>
@@ -9773,8 +9998,8 @@
         </a:p>
       </dsp:txBody>
       <dsp:txXfrm>
-        <a:off x="11164068" y="2419003"/>
-        <a:ext cx="919851" cy="398580"/>
+        <a:off x="11179293" y="2435502"/>
+        <a:ext cx="904824" cy="392069"/>
       </dsp:txXfrm>
     </dsp:sp>
     <dsp:sp modelId="{35230603-A411-4B6C-B4C9-3745E89C0DDE}">
@@ -9784,8 +10009,8 @@
       </dsp:nvSpPr>
       <dsp:spPr>
         <a:xfrm>
-          <a:off x="11317113" y="2984987"/>
-          <a:ext cx="797160" cy="564202"/>
+          <a:off x="11329838" y="2992240"/>
+          <a:ext cx="784138" cy="554985"/>
         </a:xfrm>
         <a:prstGeom prst="rect">
           <a:avLst/>
@@ -9854,8 +10079,8 @@
         </a:p>
       </dsp:txBody>
       <dsp:txXfrm>
-        <a:off x="11317113" y="2984987"/>
-        <a:ext cx="797160" cy="564202"/>
+        <a:off x="11329838" y="2992240"/>
+        <a:ext cx="784138" cy="554985"/>
       </dsp:txXfrm>
     </dsp:sp>
   </dsp:spTree>
@@ -12189,7 +12414,7 @@
           <a:p>
             <a:fld id="{49DA504F-0E7D-4DF3-BC26-4F28BB22433E}" type="datetimeFigureOut">
               <a:rPr lang="en-US" smtClean="0"/>
-              <a:t>10/4/2020</a:t>
+              <a:t>10/5/2020</a:t>
             </a:fld>
             <a:endParaRPr lang="en-US"/>
           </a:p>
@@ -12387,7 +12612,7 @@
           <a:p>
             <a:fld id="{49DA504F-0E7D-4DF3-BC26-4F28BB22433E}" type="datetimeFigureOut">
               <a:rPr lang="en-US" smtClean="0"/>
-              <a:t>10/4/2020</a:t>
+              <a:t>10/5/2020</a:t>
             </a:fld>
             <a:endParaRPr lang="en-US"/>
           </a:p>
@@ -12595,7 +12820,7 @@
           <a:p>
             <a:fld id="{49DA504F-0E7D-4DF3-BC26-4F28BB22433E}" type="datetimeFigureOut">
               <a:rPr lang="en-US" smtClean="0"/>
-              <a:t>10/4/2020</a:t>
+              <a:t>10/5/2020</a:t>
             </a:fld>
             <a:endParaRPr lang="en-US"/>
           </a:p>
@@ -12793,7 +13018,7 @@
           <a:p>
             <a:fld id="{49DA504F-0E7D-4DF3-BC26-4F28BB22433E}" type="datetimeFigureOut">
               <a:rPr lang="en-US" smtClean="0"/>
-              <a:t>10/4/2020</a:t>
+              <a:t>10/5/2020</a:t>
             </a:fld>
             <a:endParaRPr lang="en-US"/>
           </a:p>
@@ -13068,7 +13293,7 @@
           <a:p>
             <a:fld id="{49DA504F-0E7D-4DF3-BC26-4F28BB22433E}" type="datetimeFigureOut">
               <a:rPr lang="en-US" smtClean="0"/>
-              <a:t>10/4/2020</a:t>
+              <a:t>10/5/2020</a:t>
             </a:fld>
             <a:endParaRPr lang="en-US"/>
           </a:p>
@@ -13333,7 +13558,7 @@
           <a:p>
             <a:fld id="{49DA504F-0E7D-4DF3-BC26-4F28BB22433E}" type="datetimeFigureOut">
               <a:rPr lang="en-US" smtClean="0"/>
-              <a:t>10/4/2020</a:t>
+              <a:t>10/5/2020</a:t>
             </a:fld>
             <a:endParaRPr lang="en-US"/>
           </a:p>
@@ -13745,7 +13970,7 @@
           <a:p>
             <a:fld id="{49DA504F-0E7D-4DF3-BC26-4F28BB22433E}" type="datetimeFigureOut">
               <a:rPr lang="en-US" smtClean="0"/>
-              <a:t>10/4/2020</a:t>
+              <a:t>10/5/2020</a:t>
             </a:fld>
             <a:endParaRPr lang="en-US"/>
           </a:p>
@@ -13886,7 +14111,7 @@
           <a:p>
             <a:fld id="{49DA504F-0E7D-4DF3-BC26-4F28BB22433E}" type="datetimeFigureOut">
               <a:rPr lang="en-US" smtClean="0"/>
-              <a:t>10/4/2020</a:t>
+              <a:t>10/5/2020</a:t>
             </a:fld>
             <a:endParaRPr lang="en-US"/>
           </a:p>
@@ -13999,7 +14224,7 @@
           <a:p>
             <a:fld id="{49DA504F-0E7D-4DF3-BC26-4F28BB22433E}" type="datetimeFigureOut">
               <a:rPr lang="en-US" smtClean="0"/>
-              <a:t>10/4/2020</a:t>
+              <a:t>10/5/2020</a:t>
             </a:fld>
             <a:endParaRPr lang="en-US"/>
           </a:p>
@@ -14310,7 +14535,7 @@
           <a:p>
             <a:fld id="{49DA504F-0E7D-4DF3-BC26-4F28BB22433E}" type="datetimeFigureOut">
               <a:rPr lang="en-US" smtClean="0"/>
-              <a:t>10/4/2020</a:t>
+              <a:t>10/5/2020</a:t>
             </a:fld>
             <a:endParaRPr lang="en-US"/>
           </a:p>
@@ -14598,7 +14823,7 @@
           <a:p>
             <a:fld id="{49DA504F-0E7D-4DF3-BC26-4F28BB22433E}" type="datetimeFigureOut">
               <a:rPr lang="en-US" smtClean="0"/>
-              <a:t>10/4/2020</a:t>
+              <a:t>10/5/2020</a:t>
             </a:fld>
             <a:endParaRPr lang="en-US"/>
           </a:p>
@@ -14839,7 +15064,7 @@
           <a:p>
             <a:fld id="{49DA504F-0E7D-4DF3-BC26-4F28BB22433E}" type="datetimeFigureOut">
               <a:rPr lang="en-US" smtClean="0"/>
-              <a:t>10/4/2020</a:t>
+              <a:t>10/5/2020</a:t>
             </a:fld>
             <a:endParaRPr lang="en-US"/>
           </a:p>
@@ -15269,7 +15494,7 @@
           <p:nvPr>
             <p:extLst>
               <p:ext uri="{D42A27DB-BD31-4B8C-83A1-F6EECF244321}">
-                <p14:modId xmlns:p14="http://schemas.microsoft.com/office/powerpoint/2010/main" val="2806076916"/>
+                <p14:modId xmlns:p14="http://schemas.microsoft.com/office/powerpoint/2010/main" val="4164591712"/>
               </p:ext>
             </p:extLst>
           </p:nvPr>

--- a/WBS.pptx
+++ b/WBS.pptx
@@ -925,144 +925,6 @@
         </a:p>
       </dgm:t>
     </dgm:pt>
-    <dgm:pt modelId="{40BD90D1-3943-4EB3-906D-84CDCE6C80CD}">
-      <dgm:prSet phldrT="[Text]" custT="1"/>
-      <dgm:spPr>
-        <a:solidFill>
-          <a:srgbClr val="00CC99"/>
-        </a:solidFill>
-      </dgm:spPr>
-      <dgm:t>
-        <a:bodyPr/>
-        <a:lstStyle/>
-        <a:p>
-          <a:r>
-            <a:rPr lang="en-US" sz="1100" b="0">
-              <a:latin typeface="Times New Roman" panose="02020603050405020304" pitchFamily="18" charset="0"/>
-              <a:cs typeface="Times New Roman" panose="02020603050405020304" pitchFamily="18" charset="0"/>
-            </a:rPr>
-            <a:t> B.1 Tài khoản</a:t>
-          </a:r>
-        </a:p>
-      </dgm:t>
-    </dgm:pt>
-    <dgm:pt modelId="{675C4F1C-C396-4C25-A319-AC83AE009AA5}" type="parTrans" cxnId="{A039E46C-4F2D-45FA-8238-9271D759EFB7}">
-      <dgm:prSet/>
-      <dgm:spPr/>
-      <dgm:t>
-        <a:bodyPr/>
-        <a:lstStyle/>
-        <a:p>
-          <a:endParaRPr lang="en-US" sz="1100" b="0">
-            <a:latin typeface="Times New Roman" panose="02020603050405020304" pitchFamily="18" charset="0"/>
-            <a:cs typeface="Times New Roman" panose="02020603050405020304" pitchFamily="18" charset="0"/>
-          </a:endParaRPr>
-        </a:p>
-      </dgm:t>
-    </dgm:pt>
-    <dgm:pt modelId="{D8ABC79C-4223-493A-AF2E-691F1437B264}" type="sibTrans" cxnId="{A039E46C-4F2D-45FA-8238-9271D759EFB7}">
-      <dgm:prSet/>
-      <dgm:spPr/>
-      <dgm:t>
-        <a:bodyPr/>
-        <a:lstStyle/>
-        <a:p>
-          <a:endParaRPr lang="en-US" sz="2400"/>
-        </a:p>
-      </dgm:t>
-    </dgm:pt>
-    <dgm:pt modelId="{46948CF3-05E0-42E2-A61A-CBFEED5B9BF3}">
-      <dgm:prSet phldrT="[Text]" custT="1"/>
-      <dgm:spPr>
-        <a:solidFill>
-          <a:srgbClr val="00CC99"/>
-        </a:solidFill>
-      </dgm:spPr>
-      <dgm:t>
-        <a:bodyPr/>
-        <a:lstStyle/>
-        <a:p>
-          <a:r>
-            <a:rPr lang="en-US" sz="1100" b="0">
-              <a:latin typeface="Times New Roman" panose="02020603050405020304" pitchFamily="18" charset="0"/>
-              <a:cs typeface="Times New Roman" panose="02020603050405020304" pitchFamily="18" charset="0"/>
-            </a:rPr>
-            <a:t>B.2. Trang chủ</a:t>
-          </a:r>
-        </a:p>
-      </dgm:t>
-    </dgm:pt>
-    <dgm:pt modelId="{EBC982DF-151E-4344-9CF7-5A8CAAE23D03}" type="parTrans" cxnId="{90B1AB8B-118B-4BA2-9CF3-F5019F99CBE1}">
-      <dgm:prSet/>
-      <dgm:spPr/>
-      <dgm:t>
-        <a:bodyPr/>
-        <a:lstStyle/>
-        <a:p>
-          <a:endParaRPr lang="en-US" sz="1100" b="0">
-            <a:latin typeface="Times New Roman" panose="02020603050405020304" pitchFamily="18" charset="0"/>
-            <a:cs typeface="Times New Roman" panose="02020603050405020304" pitchFamily="18" charset="0"/>
-          </a:endParaRPr>
-        </a:p>
-      </dgm:t>
-    </dgm:pt>
-    <dgm:pt modelId="{5999E493-6D58-4F51-8A7C-8B58F4D69AA8}" type="sibTrans" cxnId="{90B1AB8B-118B-4BA2-9CF3-F5019F99CBE1}">
-      <dgm:prSet/>
-      <dgm:spPr/>
-      <dgm:t>
-        <a:bodyPr/>
-        <a:lstStyle/>
-        <a:p>
-          <a:endParaRPr lang="en-US" sz="2400"/>
-        </a:p>
-      </dgm:t>
-    </dgm:pt>
-    <dgm:pt modelId="{E95B3E6E-F4B6-4A9A-ACC6-03B477B2366A}">
-      <dgm:prSet phldrT="[Text]" custT="1"/>
-      <dgm:spPr>
-        <a:solidFill>
-          <a:srgbClr val="00CC99"/>
-        </a:solidFill>
-      </dgm:spPr>
-      <dgm:t>
-        <a:bodyPr/>
-        <a:lstStyle/>
-        <a:p>
-          <a:r>
-            <a:rPr lang="en-US" sz="1100" b="0">
-              <a:latin typeface="Times New Roman" panose="02020603050405020304" pitchFamily="18" charset="0"/>
-              <a:cs typeface="Times New Roman" panose="02020603050405020304" pitchFamily="18" charset="0"/>
-            </a:rPr>
-            <a:t>B.1.1 Đăng ký, đăng nhập, đăng xuất tài khoản</a:t>
-          </a:r>
-        </a:p>
-      </dgm:t>
-    </dgm:pt>
-    <dgm:pt modelId="{E2404425-DF5A-4900-AC6B-AD69ABF082BB}" type="parTrans" cxnId="{828858B2-573B-4D9F-8784-30B8A45FAA46}">
-      <dgm:prSet/>
-      <dgm:spPr/>
-      <dgm:t>
-        <a:bodyPr/>
-        <a:lstStyle/>
-        <a:p>
-          <a:endParaRPr lang="en-US" sz="1100" b="0">
-            <a:latin typeface="Times New Roman" panose="02020603050405020304" pitchFamily="18" charset="0"/>
-            <a:cs typeface="Times New Roman" panose="02020603050405020304" pitchFamily="18" charset="0"/>
-          </a:endParaRPr>
-        </a:p>
-      </dgm:t>
-    </dgm:pt>
-    <dgm:pt modelId="{E684EC3F-5288-4465-B6D3-2DE133715D63}" type="sibTrans" cxnId="{828858B2-573B-4D9F-8784-30B8A45FAA46}">
-      <dgm:prSet/>
-      <dgm:spPr/>
-      <dgm:t>
-        <a:bodyPr/>
-        <a:lstStyle/>
-        <a:p>
-          <a:endParaRPr lang="en-US" sz="2400"/>
-        </a:p>
-      </dgm:t>
-    </dgm:pt>
     <dgm:pt modelId="{2E3F007D-E604-456A-BFA9-0F1C1408CFF8}">
       <dgm:prSet phldrT="[Text]" custT="1"/>
       <dgm:spPr>
@@ -1079,7 +941,7 @@
               <a:latin typeface="Times New Roman" panose="02020603050405020304" pitchFamily="18" charset="0"/>
               <a:cs typeface="Times New Roman" panose="02020603050405020304" pitchFamily="18" charset="0"/>
             </a:rPr>
-            <a:t>B.1.2 Quản lý tài khoản</a:t>
+            <a:t>B.2.Tính năng download tài liệu</a:t>
           </a:r>
         </a:p>
       </dgm:t>
@@ -1121,7 +983,7 @@
               <a:latin typeface="Times New Roman" panose="02020603050405020304" pitchFamily="18" charset="0"/>
               <a:cs typeface="Times New Roman" panose="02020603050405020304" pitchFamily="18" charset="0"/>
             </a:rPr>
-            <a:t>B.1.2.1 Tạo tính năng Đổi mật khẩu</a:t>
+            <a:t>B.2.1 Tạo nút download và hiển thị lượt dowload</a:t>
           </a:r>
         </a:p>
       </dgm:t>
@@ -1151,7 +1013,7 @@
         </a:p>
       </dgm:t>
     </dgm:pt>
-    <dgm:pt modelId="{16E11150-6742-402A-BAB5-092FF2FEFC20}">
+    <dgm:pt modelId="{1AA9336A-8F84-4E05-B5DA-FC298999BD02}">
       <dgm:prSet phldrT="[Text]" custT="1"/>
       <dgm:spPr/>
       <dgm:t>
@@ -1163,91 +1025,7 @@
               <a:latin typeface="Times New Roman" panose="02020603050405020304" pitchFamily="18" charset="0"/>
               <a:cs typeface="Times New Roman" panose="02020603050405020304" pitchFamily="18" charset="0"/>
             </a:rPr>
-            <a:t>B.1.2.2 Tạo tính năng Chỉnh sửa hồ sơ</a:t>
-          </a:r>
-        </a:p>
-      </dgm:t>
-    </dgm:pt>
-    <dgm:pt modelId="{F9D4094C-89B1-4093-B9AB-53BDFF585FF3}" type="parTrans" cxnId="{A4B1E4E2-8EA7-4071-9D08-5CAC66F69430}">
-      <dgm:prSet/>
-      <dgm:spPr/>
-      <dgm:t>
-        <a:bodyPr/>
-        <a:lstStyle/>
-        <a:p>
-          <a:endParaRPr lang="en-US" sz="1100" b="0">
-            <a:latin typeface="Times New Roman" panose="02020603050405020304" pitchFamily="18" charset="0"/>
-            <a:cs typeface="Times New Roman" panose="02020603050405020304" pitchFamily="18" charset="0"/>
-          </a:endParaRPr>
-        </a:p>
-      </dgm:t>
-    </dgm:pt>
-    <dgm:pt modelId="{BA2143E9-6C7E-460B-8711-C229E13FFBED}" type="sibTrans" cxnId="{A4B1E4E2-8EA7-4071-9D08-5CAC66F69430}">
-      <dgm:prSet/>
-      <dgm:spPr/>
-      <dgm:t>
-        <a:bodyPr/>
-        <a:lstStyle/>
-        <a:p>
-          <a:endParaRPr lang="en-US" sz="2400"/>
-        </a:p>
-      </dgm:t>
-    </dgm:pt>
-    <dgm:pt modelId="{AF6B9632-F743-47ED-9C57-43057DABD278}">
-      <dgm:prSet phldrT="[Text]" custT="1"/>
-      <dgm:spPr/>
-      <dgm:t>
-        <a:bodyPr/>
-        <a:lstStyle/>
-        <a:p>
-          <a:r>
-            <a:rPr lang="en-US" sz="1100" b="0">
-              <a:latin typeface="Times New Roman" panose="02020603050405020304" pitchFamily="18" charset="0"/>
-              <a:cs typeface="Times New Roman" panose="02020603050405020304" pitchFamily="18" charset="0"/>
-            </a:rPr>
-            <a:t>B.2.1 Tạo các đoạn trích dẫn nội dung của các trang khác</a:t>
-          </a:r>
-        </a:p>
-      </dgm:t>
-    </dgm:pt>
-    <dgm:pt modelId="{E3984623-EF8F-45C7-A80A-238E6B9BC61B}" type="parTrans" cxnId="{01256ABD-A83F-441F-9960-5FF1D9639562}">
-      <dgm:prSet/>
-      <dgm:spPr/>
-      <dgm:t>
-        <a:bodyPr/>
-        <a:lstStyle/>
-        <a:p>
-          <a:endParaRPr lang="en-US" sz="1100" b="0">
-            <a:latin typeface="Times New Roman" panose="02020603050405020304" pitchFamily="18" charset="0"/>
-            <a:cs typeface="Times New Roman" panose="02020603050405020304" pitchFamily="18" charset="0"/>
-          </a:endParaRPr>
-        </a:p>
-      </dgm:t>
-    </dgm:pt>
-    <dgm:pt modelId="{06ADA712-0D93-4082-BBEE-3FE501F9A3E3}" type="sibTrans" cxnId="{01256ABD-A83F-441F-9960-5FF1D9639562}">
-      <dgm:prSet/>
-      <dgm:spPr/>
-      <dgm:t>
-        <a:bodyPr/>
-        <a:lstStyle/>
-        <a:p>
-          <a:endParaRPr lang="en-US"/>
-        </a:p>
-      </dgm:t>
-    </dgm:pt>
-    <dgm:pt modelId="{1AA9336A-8F84-4E05-B5DA-FC298999BD02}">
-      <dgm:prSet phldrT="[Text]" custT="1"/>
-      <dgm:spPr/>
-      <dgm:t>
-        <a:bodyPr/>
-        <a:lstStyle/>
-        <a:p>
-          <a:r>
-            <a:rPr lang="en-US" sz="1100" b="0">
-              <a:latin typeface="Times New Roman" panose="02020603050405020304" pitchFamily="18" charset="0"/>
-              <a:cs typeface="Times New Roman" panose="02020603050405020304" pitchFamily="18" charset="0"/>
-            </a:rPr>
-            <a:t>B.3.1 Tạo trang giới thiệu trung tâm</a:t>
+            <a:t>B.3.1 Lựa chọn thêm, plugin</a:t>
           </a:r>
         </a:p>
       </dgm:t>
@@ -1329,7 +1107,7 @@
               <a:ea typeface="+mn-ea"/>
               <a:cs typeface="Times New Roman" panose="02020603050405020304" pitchFamily="18" charset="0"/>
             </a:rPr>
-            <a:t>3. Giới thiệu</a:t>
+            <a:t>3. Thiết kế bố cục website</a:t>
           </a:r>
         </a:p>
       </dgm:t>
@@ -1356,123 +1134,6 @@
             <a:latin typeface="Times New Roman" panose="02020603050405020304" pitchFamily="18" charset="0"/>
             <a:cs typeface="Times New Roman" panose="02020603050405020304" pitchFamily="18" charset="0"/>
           </a:endParaRPr>
-        </a:p>
-      </dgm:t>
-    </dgm:pt>
-    <dgm:pt modelId="{14CB117C-5D8D-47FE-AD95-449999D2727A}">
-      <dgm:prSet phldrT="[Text]" custT="1"/>
-      <dgm:spPr/>
-      <dgm:t>
-        <a:bodyPr/>
-        <a:lstStyle/>
-        <a:p>
-          <a:r>
-            <a:rPr lang="en-US" sz="1100" b="0">
-              <a:latin typeface="Times New Roman" panose="02020603050405020304" pitchFamily="18" charset="0"/>
-              <a:cs typeface="Times New Roman" panose="02020603050405020304" pitchFamily="18" charset="0"/>
-            </a:rPr>
-            <a:t>B.1.1.1 Tạo trang đăng ký</a:t>
-          </a:r>
-        </a:p>
-      </dgm:t>
-    </dgm:pt>
-    <dgm:pt modelId="{5FC77B26-0ADB-4E54-8BC0-333F96712607}" type="parTrans" cxnId="{92F41C3B-F5B6-44D2-9158-1A4AFB19964E}">
-      <dgm:prSet/>
-      <dgm:spPr/>
-      <dgm:t>
-        <a:bodyPr/>
-        <a:lstStyle/>
-        <a:p>
-          <a:endParaRPr lang="en-US" sz="1100" b="0"/>
-        </a:p>
-      </dgm:t>
-    </dgm:pt>
-    <dgm:pt modelId="{E56DDED0-A072-4973-A68A-C7FAA2D58B43}" type="sibTrans" cxnId="{92F41C3B-F5B6-44D2-9158-1A4AFB19964E}">
-      <dgm:prSet/>
-      <dgm:spPr/>
-      <dgm:t>
-        <a:bodyPr/>
-        <a:lstStyle/>
-        <a:p>
-          <a:endParaRPr lang="en-US"/>
-        </a:p>
-      </dgm:t>
-    </dgm:pt>
-    <dgm:pt modelId="{5965E9D4-33CA-4441-B062-D12F26934982}">
-      <dgm:prSet phldrT="[Text]" custT="1"/>
-      <dgm:spPr/>
-      <dgm:t>
-        <a:bodyPr/>
-        <a:lstStyle/>
-        <a:p>
-          <a:r>
-            <a:rPr lang="en-US" sz="1100" b="0">
-              <a:latin typeface="Times New Roman" panose="02020603050405020304" pitchFamily="18" charset="0"/>
-              <a:cs typeface="Times New Roman" panose="02020603050405020304" pitchFamily="18" charset="0"/>
-            </a:rPr>
-            <a:t>B.1.1.2 Tạo trang đăng nhập</a:t>
-          </a:r>
-        </a:p>
-      </dgm:t>
-    </dgm:pt>
-    <dgm:pt modelId="{3989EAB0-CD04-49F3-A172-4CE0E3497E5B}" type="parTrans" cxnId="{E29C96B1-138C-459B-9E78-17393E7106AA}">
-      <dgm:prSet/>
-      <dgm:spPr/>
-      <dgm:t>
-        <a:bodyPr/>
-        <a:lstStyle/>
-        <a:p>
-          <a:endParaRPr lang="en-US" sz="1100" b="0"/>
-        </a:p>
-      </dgm:t>
-    </dgm:pt>
-    <dgm:pt modelId="{49BEF1FF-0364-4D5A-AC7B-2652444F6F6D}" type="sibTrans" cxnId="{E29C96B1-138C-459B-9E78-17393E7106AA}">
-      <dgm:prSet/>
-      <dgm:spPr/>
-      <dgm:t>
-        <a:bodyPr/>
-        <a:lstStyle/>
-        <a:p>
-          <a:endParaRPr lang="en-US"/>
-        </a:p>
-      </dgm:t>
-    </dgm:pt>
-    <dgm:pt modelId="{6C254CC0-842F-4926-BB2C-76EFCE2790A3}">
-      <dgm:prSet phldrT="[Text]" custT="1"/>
-      <dgm:spPr/>
-      <dgm:t>
-        <a:bodyPr/>
-        <a:lstStyle/>
-        <a:p>
-          <a:r>
-            <a:rPr lang="en-US" sz="1100" b="0">
-              <a:latin typeface="Times New Roman" panose="02020603050405020304" pitchFamily="18" charset="0"/>
-              <a:cs typeface="Times New Roman" panose="02020603050405020304" pitchFamily="18" charset="0"/>
-            </a:rPr>
-            <a:t>B.1.1.3 Tạo tính năng Đăng xuất</a:t>
-          </a:r>
-        </a:p>
-      </dgm:t>
-    </dgm:pt>
-    <dgm:pt modelId="{A2C78E2B-5F78-4DBF-9417-040F124B0960}" type="parTrans" cxnId="{26F3DED0-8580-4ADA-945A-1302BD26E298}">
-      <dgm:prSet/>
-      <dgm:spPr/>
-      <dgm:t>
-        <a:bodyPr/>
-        <a:lstStyle/>
-        <a:p>
-          <a:endParaRPr lang="en-US" sz="1100" b="0"/>
-        </a:p>
-      </dgm:t>
-    </dgm:pt>
-    <dgm:pt modelId="{3BFE953F-51C5-483B-B117-CE93D3F23636}" type="sibTrans" cxnId="{26F3DED0-8580-4ADA-945A-1302BD26E298}">
-      <dgm:prSet/>
-      <dgm:spPr/>
-      <dgm:t>
-        <a:bodyPr/>
-        <a:lstStyle/>
-        <a:p>
-          <a:endParaRPr lang="en-US"/>
         </a:p>
       </dgm:t>
     </dgm:pt>
@@ -1578,7 +1239,7 @@
               <a:latin typeface="Times New Roman" panose="02020603050405020304" pitchFamily="18" charset="0"/>
               <a:cs typeface="Times New Roman" panose="02020603050405020304" pitchFamily="18" charset="0"/>
             </a:rPr>
-            <a:t>A.1 Tài khoản</a:t>
+            <a:t>A.1 Tính năng quản lý tài khoản user</a:t>
           </a:r>
         </a:p>
       </dgm:t>
@@ -1644,7 +1305,7 @@
         </a:p>
       </dgm:t>
     </dgm:pt>
-    <dgm:pt modelId="{01537F03-F3D9-4D1B-AC59-2593EC164C23}">
+    <dgm:pt modelId="{CBEBEAC0-41EA-4E80-99AC-73D95F03DB44}">
       <dgm:prSet phldrT="[Text]" custT="1"/>
       <dgm:spPr/>
       <dgm:t>
@@ -1656,46 +1317,7 @@
               <a:latin typeface="Times New Roman" panose="02020603050405020304" pitchFamily="18" charset="0"/>
               <a:cs typeface="Times New Roman" panose="02020603050405020304" pitchFamily="18" charset="0"/>
             </a:rPr>
-            <a:t>A.1.2 Tạo tính năng thêm, sửa, xóa, đổi mật khẩu user</a:t>
-          </a:r>
-        </a:p>
-      </dgm:t>
-    </dgm:pt>
-    <dgm:pt modelId="{AEC748EA-71A3-4734-A8A3-9B1E03D3A743}" type="parTrans" cxnId="{6D6AC91A-D2D0-4E1E-A6AF-90BBD7F759F9}">
-      <dgm:prSet/>
-      <dgm:spPr/>
-      <dgm:t>
-        <a:bodyPr/>
-        <a:lstStyle/>
-        <a:p>
-          <a:endParaRPr lang="en-US" sz="1100" b="0"/>
-        </a:p>
-      </dgm:t>
-    </dgm:pt>
-    <dgm:pt modelId="{3CB9475C-C461-4A6D-9D6A-C954FDD68E97}" type="sibTrans" cxnId="{6D6AC91A-D2D0-4E1E-A6AF-90BBD7F759F9}">
-      <dgm:prSet/>
-      <dgm:spPr/>
-      <dgm:t>
-        <a:bodyPr/>
-        <a:lstStyle/>
-        <a:p>
-          <a:endParaRPr lang="en-US"/>
-        </a:p>
-      </dgm:t>
-    </dgm:pt>
-    <dgm:pt modelId="{CBEBEAC0-41EA-4E80-99AC-73D95F03DB44}">
-      <dgm:prSet phldrT="[Text]" custT="1"/>
-      <dgm:spPr/>
-      <dgm:t>
-        <a:bodyPr/>
-        <a:lstStyle/>
-        <a:p>
-          <a:r>
-            <a:rPr lang="en-US" sz="1100" b="0">
-              <a:latin typeface="Times New Roman" panose="02020603050405020304" pitchFamily="18" charset="0"/>
-              <a:cs typeface="Times New Roman" panose="02020603050405020304" pitchFamily="18" charset="0"/>
-            </a:rPr>
-            <a:t>A.1.3 Tạo tính năng Phân quyền user</a:t>
+            <a:t>A.1.2 Tạo tính năng Phân quyền user</a:t>
           </a:r>
         </a:p>
       </dgm:t>
@@ -1738,7 +1360,7 @@
               <a:latin typeface="Times New Roman" panose="02020603050405020304" pitchFamily="18" charset="0"/>
               <a:cs typeface="Times New Roman" panose="02020603050405020304" pitchFamily="18" charset="0"/>
             </a:rPr>
-            <a:t>A.2 Quản lý suất dạy</a:t>
+            <a:t>A.2 Tính năng cập nhật suất dạy</a:t>
           </a:r>
         </a:p>
       </dgm:t>
@@ -1777,7 +1399,7 @@
               <a:latin typeface="Times New Roman" panose="02020603050405020304" pitchFamily="18" charset="0"/>
               <a:cs typeface="Times New Roman" panose="02020603050405020304" pitchFamily="18" charset="0"/>
             </a:rPr>
-            <a:t>A.2.2 Tạo tính năng cập nhật suất dạy</a:t>
+            <a:t>A.2.2 Tạo tính năng cập nhật, xóa suất dạy</a:t>
           </a:r>
         </a:p>
       </dgm:t>
@@ -1855,7 +1477,7 @@
               <a:latin typeface="Times New Roman" panose="02020603050405020304" pitchFamily="18" charset="0"/>
               <a:cs typeface="Times New Roman" panose="02020603050405020304" pitchFamily="18" charset="0"/>
             </a:rPr>
-            <a:t>A.3.2 Tạo tính năng thêm, sửa, xóa danh mục</a:t>
+            <a:t>A.3.2 Tạo tính năng thêm, sửa, xóa danh mục tài liệu</a:t>
           </a:r>
         </a:p>
       </dgm:t>
@@ -1894,7 +1516,7 @@
               <a:latin typeface="Times New Roman" panose="02020603050405020304" pitchFamily="18" charset="0"/>
               <a:cs typeface="Times New Roman" panose="02020603050405020304" pitchFamily="18" charset="0"/>
             </a:rPr>
-            <a:t>A.2.1 Tạo tính năng thống kê suất dạy</a:t>
+            <a:t>A.2.1 Tạo form nhập thông tin suất dạy</a:t>
           </a:r>
         </a:p>
       </dgm:t>
@@ -1980,7 +1602,7 @@
               <a:latin typeface="Times New Roman" panose="02020603050405020304" pitchFamily="18" charset="0"/>
               <a:cs typeface="Times New Roman" panose="02020603050405020304" pitchFamily="18" charset="0"/>
             </a:rPr>
-            <a:t>A.4 Quản lý thông tin gia sư đăng ký suất dạy</a:t>
+            <a:t>A.4 Tính năng quản lý thông tin gia sư đăng ký suất dạy</a:t>
           </a:r>
         </a:p>
       </dgm:t>
@@ -2019,7 +1641,7 @@
               <a:latin typeface="Times New Roman" panose="02020603050405020304" pitchFamily="18" charset="0"/>
               <a:cs typeface="Times New Roman" panose="02020603050405020304" pitchFamily="18" charset="0"/>
             </a:rPr>
-            <a:t>B.7.1 Tạo khung chat với trung tâm.</a:t>
+            <a:t>B.7.1 Tạo trang giới thiệu và thêm nội dung</a:t>
           </a:r>
         </a:p>
       </dgm:t>
@@ -2061,7 +1683,7 @@
               <a:latin typeface="Times New Roman" panose="02020603050405020304" pitchFamily="18" charset="0"/>
               <a:cs typeface="Times New Roman" panose="02020603050405020304" pitchFamily="18" charset="0"/>
             </a:rPr>
-            <a:t>B.3.2 Tạo trang Hướng dẫn</a:t>
+            <a:t>B.3.2 Chỉnh sửa menu chính, slidebar</a:t>
           </a:r>
         </a:p>
       </dgm:t>
@@ -2120,7 +1742,7 @@
               <a:latin typeface="Times New Roman" panose="02020603050405020304" pitchFamily="18" charset="0"/>
               <a:cs typeface="Times New Roman" panose="02020603050405020304" pitchFamily="18" charset="0"/>
             </a:rPr>
-            <a:t>B.4. Danh mục Gia Sư</a:t>
+            <a:t>B.4. Tính năng đăng ký, đăng nhập, đăng xuất tài khoản</a:t>
           </a:r>
         </a:p>
       </dgm:t>
@@ -2162,7 +1784,7 @@
               <a:latin typeface="Times New Roman" panose="02020603050405020304" pitchFamily="18" charset="0"/>
               <a:cs typeface="Times New Roman" panose="02020603050405020304" pitchFamily="18" charset="0"/>
             </a:rPr>
-            <a:t>B.4.1 Tạo tính năng Đăng ký suất dạy</a:t>
+            <a:t>B.4.1 Tạo tính năng đăng xuất</a:t>
           </a:r>
         </a:p>
       </dgm:t>
@@ -2204,7 +1826,7 @@
               <a:latin typeface="Times New Roman" panose="02020603050405020304" pitchFamily="18" charset="0"/>
               <a:cs typeface="Times New Roman" panose="02020603050405020304" pitchFamily="18" charset="0"/>
             </a:rPr>
-            <a:t>B.4.2 Tạo trang hiển thị các suất dạy mới</a:t>
+            <a:t>B.4.2 Tạo tính năng đăng nhập</a:t>
           </a:r>
         </a:p>
       </dgm:t>
@@ -2246,7 +1868,7 @@
               <a:latin typeface="Times New Roman" panose="02020603050405020304" pitchFamily="18" charset="0"/>
               <a:cs typeface="Times New Roman" panose="02020603050405020304" pitchFamily="18" charset="0"/>
             </a:rPr>
-            <a:t>B.4.3 Thiết lập Bộ lọc tìm kiếm suất dạy</a:t>
+            <a:t>B.4.3 Tạo tính năng đăng ký</a:t>
           </a:r>
         </a:p>
       </dgm:t>
@@ -2292,7 +1914,7 @@
               <a:latin typeface="Times New Roman" panose="02020603050405020304" pitchFamily="18" charset="0"/>
               <a:cs typeface="Times New Roman" panose="02020603050405020304" pitchFamily="18" charset="0"/>
             </a:rPr>
-            <a:t>B.5. Danh mục Phụ huynh</a:t>
+            <a:t>B.5. Tính năng hiển thị các suất dạy mới</a:t>
           </a:r>
         </a:p>
       </dgm:t>
@@ -2322,7 +1944,7 @@
         </a:p>
       </dgm:t>
     </dgm:pt>
-    <dgm:pt modelId="{865D5362-C4FA-4F2A-AA5C-076A123F6009}">
+    <dgm:pt modelId="{5CF5E847-3D4A-4422-9636-3A118E07766D}">
       <dgm:prSet phldrT="[Text]" custT="1"/>
       <dgm:spPr/>
       <dgm:t>
@@ -2334,49 +1956,7 @@
               <a:latin typeface="Times New Roman" panose="02020603050405020304" pitchFamily="18" charset="0"/>
               <a:cs typeface="Times New Roman" panose="02020603050405020304" pitchFamily="18" charset="0"/>
             </a:rPr>
-            <a:t>B.5.1 Tạo tính năng hiển thị gia sư tiêu biểu</a:t>
-          </a:r>
-        </a:p>
-      </dgm:t>
-    </dgm:pt>
-    <dgm:pt modelId="{391EB5EE-91B3-441C-8DC5-48641DD49188}" type="sibTrans" cxnId="{A4852891-8BD5-43C5-B59C-73583860D9AD}">
-      <dgm:prSet/>
-      <dgm:spPr/>
-      <dgm:t>
-        <a:bodyPr/>
-        <a:lstStyle/>
-        <a:p>
-          <a:endParaRPr lang="en-US" sz="2400"/>
-        </a:p>
-      </dgm:t>
-    </dgm:pt>
-    <dgm:pt modelId="{8C9DE4D2-EFEE-46A7-BC53-8D203C90ACF8}" type="parTrans" cxnId="{A4852891-8BD5-43C5-B59C-73583860D9AD}">
-      <dgm:prSet/>
-      <dgm:spPr/>
-      <dgm:t>
-        <a:bodyPr/>
-        <a:lstStyle/>
-        <a:p>
-          <a:endParaRPr lang="en-US" sz="1100" b="0">
-            <a:latin typeface="Times New Roman" panose="02020603050405020304" pitchFamily="18" charset="0"/>
-            <a:cs typeface="Times New Roman" panose="02020603050405020304" pitchFamily="18" charset="0"/>
-          </a:endParaRPr>
-        </a:p>
-      </dgm:t>
-    </dgm:pt>
-    <dgm:pt modelId="{5CF5E847-3D4A-4422-9636-3A118E07766D}">
-      <dgm:prSet phldrT="[Text]" custT="1"/>
-      <dgm:spPr/>
-      <dgm:t>
-        <a:bodyPr/>
-        <a:lstStyle/>
-        <a:p>
-          <a:r>
-            <a:rPr lang="en-US" sz="1100" b="0">
-              <a:latin typeface="Times New Roman" panose="02020603050405020304" pitchFamily="18" charset="0"/>
-              <a:cs typeface="Times New Roman" panose="02020603050405020304" pitchFamily="18" charset="0"/>
-            </a:rPr>
-            <a:t>B.5.2 Tạo form Đăng ký tìm gia sư</a:t>
+            <a:t>B.5.2 Trích xuất dữ liệu từ CSDL ra</a:t>
           </a:r>
         </a:p>
       </dgm:t>
@@ -2422,7 +2002,7 @@
               <a:latin typeface="Times New Roman" panose="02020603050405020304" pitchFamily="18" charset="0"/>
               <a:cs typeface="Times New Roman" panose="02020603050405020304" pitchFamily="18" charset="0"/>
             </a:rPr>
-            <a:t>B.6. Trang tài liệu học tập</a:t>
+            <a:t>B.6. Tính năng đăng ký tìm gia sư (cho PH)</a:t>
           </a:r>
         </a:p>
       </dgm:t>
@@ -2464,7 +2044,7 @@
               <a:latin typeface="Times New Roman" panose="02020603050405020304" pitchFamily="18" charset="0"/>
               <a:cs typeface="Times New Roman" panose="02020603050405020304" pitchFamily="18" charset="0"/>
             </a:rPr>
-            <a:t>B.6.1 Thiết lập danh mục theo lớp, môn học</a:t>
+            <a:t>B.6.1 Tạo CSDL lưu trữ</a:t>
           </a:r>
         </a:p>
       </dgm:t>
@@ -2506,7 +2086,7 @@
               <a:latin typeface="Times New Roman" panose="02020603050405020304" pitchFamily="18" charset="0"/>
               <a:cs typeface="Times New Roman" panose="02020603050405020304" pitchFamily="18" charset="0"/>
             </a:rPr>
-            <a:t>B.6.2 Tạo tính năng download file</a:t>
+            <a:t>B.6.2 Tạo form đăng ký tìm gia sư</a:t>
           </a:r>
         </a:p>
       </dgm:t>
@@ -2549,7 +2129,7 @@
               <a:latin typeface="Times New Roman" panose="02020603050405020304" pitchFamily="18" charset="0"/>
               <a:cs typeface="Times New Roman" panose="02020603050405020304" pitchFamily="18" charset="0"/>
             </a:rPr>
-            <a:t>B.7. Khung chat</a:t>
+            <a:t>B.7. Tạo trang giới thiệu trung tâm</a:t>
           </a:r>
         </a:p>
       </dgm:t>
@@ -2591,7 +2171,7 @@
               <a:latin typeface="Times New Roman" panose="02020603050405020304" pitchFamily="18" charset="0"/>
               <a:cs typeface="Times New Roman" panose="02020603050405020304" pitchFamily="18" charset="0"/>
             </a:rPr>
-            <a:t>A.4.1 Tạo tính năng quản lý thông tin gia sư đăng ký suất dạy</a:t>
+            <a:t>A.4.1 Tạo tính năng cập nhật thông tin gia sư</a:t>
           </a:r>
         </a:p>
       </dgm:t>
@@ -2608,6 +2188,862 @@
       </dgm:t>
     </dgm:pt>
     <dgm:pt modelId="{E4E1AD9B-EBB9-4A09-A856-ED0A81DDF270}" type="sibTrans" cxnId="{7A9510EF-1D07-4E2F-B1CF-D660D5891140}">
+      <dgm:prSet/>
+      <dgm:spPr/>
+      <dgm:t>
+        <a:bodyPr/>
+        <a:lstStyle/>
+        <a:p>
+          <a:endParaRPr lang="en-US"/>
+        </a:p>
+      </dgm:t>
+    </dgm:pt>
+    <dgm:pt modelId="{7937C63B-2983-4F6C-B3AA-FD47C3CE5A7F}">
+      <dgm:prSet phldrT="[Text]" custT="1"/>
+      <dgm:spPr/>
+      <dgm:t>
+        <a:bodyPr/>
+        <a:lstStyle/>
+        <a:p>
+          <a:r>
+            <a:rPr lang="en-US" sz="1100" b="0">
+              <a:latin typeface="Times New Roman" panose="02020603050405020304" pitchFamily="18" charset="0"/>
+              <a:cs typeface="Times New Roman" panose="02020603050405020304" pitchFamily="18" charset="0"/>
+            </a:rPr>
+            <a:t>A.4.2 Tạo bộ lọc</a:t>
+          </a:r>
+        </a:p>
+      </dgm:t>
+    </dgm:pt>
+    <dgm:pt modelId="{7F983F57-0F8A-4912-851A-4617052E093A}" type="parTrans" cxnId="{9CB650AF-F310-4CDA-9D5F-7BA368537DDC}">
+      <dgm:prSet/>
+      <dgm:spPr/>
+      <dgm:t>
+        <a:bodyPr/>
+        <a:lstStyle/>
+        <a:p>
+          <a:endParaRPr lang="en-US"/>
+        </a:p>
+      </dgm:t>
+    </dgm:pt>
+    <dgm:pt modelId="{C3D12B92-CD3B-4998-87F4-240E67A547FC}" type="sibTrans" cxnId="{9CB650AF-F310-4CDA-9D5F-7BA368537DDC}">
+      <dgm:prSet/>
+      <dgm:spPr/>
+      <dgm:t>
+        <a:bodyPr/>
+        <a:lstStyle/>
+        <a:p>
+          <a:endParaRPr lang="en-US"/>
+        </a:p>
+      </dgm:t>
+    </dgm:pt>
+    <dgm:pt modelId="{FF328F05-0183-4B89-A3DF-B23554307359}">
+      <dgm:prSet phldrT="[Text]" custT="1"/>
+      <dgm:spPr/>
+      <dgm:t>
+        <a:bodyPr/>
+        <a:lstStyle/>
+        <a:p>
+          <a:r>
+            <a:rPr lang="en-US" sz="1100" b="0">
+              <a:latin typeface="Times New Roman" panose="02020603050405020304" pitchFamily="18" charset="0"/>
+              <a:cs typeface="Times New Roman" panose="02020603050405020304" pitchFamily="18" charset="0"/>
+            </a:rPr>
+            <a:t>A.4.3 Thiết kế bố cục trang</a:t>
+          </a:r>
+        </a:p>
+      </dgm:t>
+    </dgm:pt>
+    <dgm:pt modelId="{4E533A91-9EB6-4C0E-A316-D56EDD1D9C15}" type="parTrans" cxnId="{DB080178-E9CB-497B-B0EE-E6D3043385AE}">
+      <dgm:prSet/>
+      <dgm:spPr/>
+      <dgm:t>
+        <a:bodyPr/>
+        <a:lstStyle/>
+        <a:p>
+          <a:endParaRPr lang="en-US"/>
+        </a:p>
+      </dgm:t>
+    </dgm:pt>
+    <dgm:pt modelId="{1419CB3D-37BD-48FE-A124-61AB1ABE526F}" type="sibTrans" cxnId="{DB080178-E9CB-497B-B0EE-E6D3043385AE}">
+      <dgm:prSet/>
+      <dgm:spPr/>
+      <dgm:t>
+        <a:bodyPr/>
+        <a:lstStyle/>
+        <a:p>
+          <a:endParaRPr lang="en-US"/>
+        </a:p>
+      </dgm:t>
+    </dgm:pt>
+    <dgm:pt modelId="{40BD90D1-3943-4EB3-906D-84CDCE6C80CD}">
+      <dgm:prSet phldrT="[Text]" custT="1"/>
+      <dgm:spPr>
+        <a:solidFill>
+          <a:srgbClr val="00CC99"/>
+        </a:solidFill>
+      </dgm:spPr>
+      <dgm:t>
+        <a:bodyPr/>
+        <a:lstStyle/>
+        <a:p>
+          <a:r>
+            <a:rPr lang="en-US" sz="1100" b="0">
+              <a:latin typeface="Times New Roman" panose="02020603050405020304" pitchFamily="18" charset="0"/>
+              <a:cs typeface="Times New Roman" panose="02020603050405020304" pitchFamily="18" charset="0"/>
+            </a:rPr>
+            <a:t> B.1 Tính năng quản lý tài khoản</a:t>
+          </a:r>
+        </a:p>
+      </dgm:t>
+    </dgm:pt>
+    <dgm:pt modelId="{D8ABC79C-4223-493A-AF2E-691F1437B264}" type="sibTrans" cxnId="{A039E46C-4F2D-45FA-8238-9271D759EFB7}">
+      <dgm:prSet/>
+      <dgm:spPr/>
+      <dgm:t>
+        <a:bodyPr/>
+        <a:lstStyle/>
+        <a:p>
+          <a:endParaRPr lang="en-US" sz="2400"/>
+        </a:p>
+      </dgm:t>
+    </dgm:pt>
+    <dgm:pt modelId="{675C4F1C-C396-4C25-A319-AC83AE009AA5}" type="parTrans" cxnId="{A039E46C-4F2D-45FA-8238-9271D759EFB7}">
+      <dgm:prSet/>
+      <dgm:spPr/>
+      <dgm:t>
+        <a:bodyPr/>
+        <a:lstStyle/>
+        <a:p>
+          <a:endParaRPr lang="en-US" sz="1100" b="0">
+            <a:latin typeface="Times New Roman" panose="02020603050405020304" pitchFamily="18" charset="0"/>
+            <a:cs typeface="Times New Roman" panose="02020603050405020304" pitchFamily="18" charset="0"/>
+          </a:endParaRPr>
+        </a:p>
+      </dgm:t>
+    </dgm:pt>
+    <dgm:pt modelId="{E95B3E6E-F4B6-4A9A-ACC6-03B477B2366A}">
+      <dgm:prSet phldrT="[Text]" custT="1"/>
+      <dgm:spPr>
+        <a:solidFill>
+          <a:srgbClr val="0070C0"/>
+        </a:solidFill>
+      </dgm:spPr>
+      <dgm:t>
+        <a:bodyPr/>
+        <a:lstStyle/>
+        <a:p>
+          <a:r>
+            <a:rPr lang="en-US" sz="1100" b="0">
+              <a:latin typeface="Times New Roman" panose="02020603050405020304" pitchFamily="18" charset="0"/>
+              <a:cs typeface="Times New Roman" panose="02020603050405020304" pitchFamily="18" charset="0"/>
+            </a:rPr>
+            <a:t>B.1.1 Tạo tính năng đổi mật khẩu</a:t>
+          </a:r>
+        </a:p>
+      </dgm:t>
+    </dgm:pt>
+    <dgm:pt modelId="{E684EC3F-5288-4465-B6D3-2DE133715D63}" type="sibTrans" cxnId="{828858B2-573B-4D9F-8784-30B8A45FAA46}">
+      <dgm:prSet/>
+      <dgm:spPr/>
+      <dgm:t>
+        <a:bodyPr/>
+        <a:lstStyle/>
+        <a:p>
+          <a:endParaRPr lang="en-US" sz="2400"/>
+        </a:p>
+      </dgm:t>
+    </dgm:pt>
+    <dgm:pt modelId="{E2404425-DF5A-4900-AC6B-AD69ABF082BB}" type="parTrans" cxnId="{828858B2-573B-4D9F-8784-30B8A45FAA46}">
+      <dgm:prSet/>
+      <dgm:spPr/>
+      <dgm:t>
+        <a:bodyPr/>
+        <a:lstStyle/>
+        <a:p>
+          <a:endParaRPr lang="en-US" sz="1100" b="0">
+            <a:latin typeface="Times New Roman" panose="02020603050405020304" pitchFamily="18" charset="0"/>
+            <a:cs typeface="Times New Roman" panose="02020603050405020304" pitchFamily="18" charset="0"/>
+          </a:endParaRPr>
+        </a:p>
+      </dgm:t>
+    </dgm:pt>
+    <dgm:pt modelId="{14CB117C-5D8D-47FE-AD95-449999D2727A}">
+      <dgm:prSet phldrT="[Text]" custT="1"/>
+      <dgm:spPr/>
+      <dgm:t>
+        <a:bodyPr/>
+        <a:lstStyle/>
+        <a:p>
+          <a:r>
+            <a:rPr lang="en-US" sz="1100" b="0">
+              <a:latin typeface="Times New Roman" panose="02020603050405020304" pitchFamily="18" charset="0"/>
+              <a:cs typeface="Times New Roman" panose="02020603050405020304" pitchFamily="18" charset="0"/>
+            </a:rPr>
+            <a:t>B.1.2 Tạo tính năng chỉnh sửa hồ sơ</a:t>
+          </a:r>
+        </a:p>
+      </dgm:t>
+    </dgm:pt>
+    <dgm:pt modelId="{E56DDED0-A072-4973-A68A-C7FAA2D58B43}" type="sibTrans" cxnId="{92F41C3B-F5B6-44D2-9158-1A4AFB19964E}">
+      <dgm:prSet/>
+      <dgm:spPr/>
+      <dgm:t>
+        <a:bodyPr/>
+        <a:lstStyle/>
+        <a:p>
+          <a:endParaRPr lang="en-US"/>
+        </a:p>
+      </dgm:t>
+    </dgm:pt>
+    <dgm:pt modelId="{5FC77B26-0ADB-4E54-8BC0-333F96712607}" type="parTrans" cxnId="{92F41C3B-F5B6-44D2-9158-1A4AFB19964E}">
+      <dgm:prSet/>
+      <dgm:spPr/>
+      <dgm:t>
+        <a:bodyPr/>
+        <a:lstStyle/>
+        <a:p>
+          <a:endParaRPr lang="en-US" sz="1100" b="0"/>
+        </a:p>
+      </dgm:t>
+    </dgm:pt>
+    <dgm:pt modelId="{29ABE36A-A02F-4902-94C2-FEBDCB25E7FD}">
+      <dgm:prSet phldrT="[Text]" custT="1"/>
+      <dgm:spPr/>
+      <dgm:t>
+        <a:bodyPr/>
+        <a:lstStyle/>
+        <a:p>
+          <a:r>
+            <a:rPr lang="en-US" sz="1100" b="0">
+              <a:latin typeface="Times New Roman" panose="02020603050405020304" pitchFamily="18" charset="0"/>
+              <a:cs typeface="Times New Roman" panose="02020603050405020304" pitchFamily="18" charset="0"/>
+            </a:rPr>
+            <a:t>B.3.3 Chỉnh sửa header, footer</a:t>
+          </a:r>
+        </a:p>
+      </dgm:t>
+    </dgm:pt>
+    <dgm:pt modelId="{74FACBEE-4D09-4A2A-B9C4-79239761E8F4}" type="parTrans" cxnId="{D73FB79E-497C-467F-BB05-E2F263C13640}">
+      <dgm:prSet/>
+      <dgm:spPr/>
+      <dgm:t>
+        <a:bodyPr/>
+        <a:lstStyle/>
+        <a:p>
+          <a:endParaRPr lang="en-US"/>
+        </a:p>
+      </dgm:t>
+    </dgm:pt>
+    <dgm:pt modelId="{73208AB8-6A43-4A9D-9056-64A9CEF0EE68}" type="sibTrans" cxnId="{D73FB79E-497C-467F-BB05-E2F263C13640}">
+      <dgm:prSet/>
+      <dgm:spPr/>
+      <dgm:t>
+        <a:bodyPr/>
+        <a:lstStyle/>
+        <a:p>
+          <a:endParaRPr lang="en-US"/>
+        </a:p>
+      </dgm:t>
+    </dgm:pt>
+    <dgm:pt modelId="{865D5362-C4FA-4F2A-AA5C-076A123F6009}">
+      <dgm:prSet phldrT="[Text]" custT="1"/>
+      <dgm:spPr/>
+      <dgm:t>
+        <a:bodyPr/>
+        <a:lstStyle/>
+        <a:p>
+          <a:r>
+            <a:rPr lang="en-US" sz="1100" b="0">
+              <a:latin typeface="Times New Roman" panose="02020603050405020304" pitchFamily="18" charset="0"/>
+              <a:cs typeface="Times New Roman" panose="02020603050405020304" pitchFamily="18" charset="0"/>
+            </a:rPr>
+            <a:t>B.5.1 Tạo trang hiển thị suất dạy</a:t>
+          </a:r>
+        </a:p>
+      </dgm:t>
+    </dgm:pt>
+    <dgm:pt modelId="{391EB5EE-91B3-441C-8DC5-48641DD49188}" type="sibTrans" cxnId="{A4852891-8BD5-43C5-B59C-73583860D9AD}">
+      <dgm:prSet/>
+      <dgm:spPr/>
+      <dgm:t>
+        <a:bodyPr/>
+        <a:lstStyle/>
+        <a:p>
+          <a:endParaRPr lang="en-US" sz="2400"/>
+        </a:p>
+      </dgm:t>
+    </dgm:pt>
+    <dgm:pt modelId="{8C9DE4D2-EFEE-46A7-BC53-8D203C90ACF8}" type="parTrans" cxnId="{A4852891-8BD5-43C5-B59C-73583860D9AD}">
+      <dgm:prSet/>
+      <dgm:spPr/>
+      <dgm:t>
+        <a:bodyPr/>
+        <a:lstStyle/>
+        <a:p>
+          <a:endParaRPr lang="en-US" sz="1100" b="0">
+            <a:latin typeface="Times New Roman" panose="02020603050405020304" pitchFamily="18" charset="0"/>
+            <a:cs typeface="Times New Roman" panose="02020603050405020304" pitchFamily="18" charset="0"/>
+          </a:endParaRPr>
+        </a:p>
+      </dgm:t>
+    </dgm:pt>
+    <dgm:pt modelId="{B1AF95EB-664F-4DF1-A3FB-EA214C68FE40}">
+      <dgm:prSet phldrT="[Text]" custT="1"/>
+      <dgm:spPr/>
+      <dgm:t>
+        <a:bodyPr/>
+        <a:lstStyle/>
+        <a:p>
+          <a:r>
+            <a:rPr lang="en-US" sz="1100" b="0">
+              <a:latin typeface="Times New Roman" panose="02020603050405020304" pitchFamily="18" charset="0"/>
+              <a:cs typeface="Times New Roman" panose="02020603050405020304" pitchFamily="18" charset="0"/>
+            </a:rPr>
+            <a:t>B.7.2 Thêm nút dẫn đến bài viết giới thiệu chi tiết</a:t>
+          </a:r>
+        </a:p>
+      </dgm:t>
+    </dgm:pt>
+    <dgm:pt modelId="{AD558FFA-5E93-42FB-A76B-6456D223A77D}" type="parTrans" cxnId="{E5B7857A-1402-4851-89EB-57F8298D399F}">
+      <dgm:prSet/>
+      <dgm:spPr/>
+      <dgm:t>
+        <a:bodyPr/>
+        <a:lstStyle/>
+        <a:p>
+          <a:endParaRPr lang="en-US"/>
+        </a:p>
+      </dgm:t>
+    </dgm:pt>
+    <dgm:pt modelId="{CEDBAEDE-F002-43D2-BA75-2C087EF5C4F2}" type="sibTrans" cxnId="{E5B7857A-1402-4851-89EB-57F8298D399F}">
+      <dgm:prSet/>
+      <dgm:spPr/>
+      <dgm:t>
+        <a:bodyPr/>
+        <a:lstStyle/>
+        <a:p>
+          <a:endParaRPr lang="en-US"/>
+        </a:p>
+      </dgm:t>
+    </dgm:pt>
+    <dgm:pt modelId="{A884A69C-E852-4409-B995-293F5246191A}">
+      <dgm:prSet phldrT="[Text]" custT="1"/>
+      <dgm:spPr>
+        <a:solidFill>
+          <a:srgbClr val="00CC99"/>
+        </a:solidFill>
+      </dgm:spPr>
+      <dgm:t>
+        <a:bodyPr/>
+        <a:lstStyle/>
+        <a:p>
+          <a:r>
+            <a:rPr lang="en-US" sz="1100" b="0">
+              <a:latin typeface="Times New Roman" panose="02020603050405020304" pitchFamily="18" charset="0"/>
+              <a:cs typeface="Times New Roman" panose="02020603050405020304" pitchFamily="18" charset="0"/>
+            </a:rPr>
+            <a:t>B.8 Tạo tính năng hiển thị gia sư tiêu biểu</a:t>
+          </a:r>
+        </a:p>
+      </dgm:t>
+    </dgm:pt>
+    <dgm:pt modelId="{EA159134-99A1-4133-B855-C5A501646E3E}" type="parTrans" cxnId="{94DD296E-1FAC-4E4C-BBB0-28B86E3DCAA5}">
+      <dgm:prSet/>
+      <dgm:spPr/>
+      <dgm:t>
+        <a:bodyPr/>
+        <a:lstStyle/>
+        <a:p>
+          <a:endParaRPr lang="en-US"/>
+        </a:p>
+      </dgm:t>
+    </dgm:pt>
+    <dgm:pt modelId="{32808636-57F3-4C61-8FED-DD61514AC526}" type="sibTrans" cxnId="{94DD296E-1FAC-4E4C-BBB0-28B86E3DCAA5}">
+      <dgm:prSet/>
+      <dgm:spPr/>
+      <dgm:t>
+        <a:bodyPr/>
+        <a:lstStyle/>
+        <a:p>
+          <a:endParaRPr lang="en-US"/>
+        </a:p>
+      </dgm:t>
+    </dgm:pt>
+    <dgm:pt modelId="{78256266-2C8A-4D31-9E4A-151A278E5A52}">
+      <dgm:prSet phldrT="[Text]" custT="1"/>
+      <dgm:spPr/>
+      <dgm:t>
+        <a:bodyPr/>
+        <a:lstStyle/>
+        <a:p>
+          <a:r>
+            <a:rPr lang="en-US" sz="1100" b="0">
+              <a:latin typeface="Times New Roman" panose="02020603050405020304" pitchFamily="18" charset="0"/>
+              <a:cs typeface="Times New Roman" panose="02020603050405020304" pitchFamily="18" charset="0"/>
+            </a:rPr>
+            <a:t>B.8.1 Tạo và thiết kế bố cục trang hiển thị</a:t>
+          </a:r>
+        </a:p>
+      </dgm:t>
+    </dgm:pt>
+    <dgm:pt modelId="{75E135FB-F9A2-4F70-B4E0-49E731D980E4}" type="parTrans" cxnId="{3AEE384F-E432-4CFA-9F0B-9F0349C8050F}">
+      <dgm:prSet/>
+      <dgm:spPr/>
+      <dgm:t>
+        <a:bodyPr/>
+        <a:lstStyle/>
+        <a:p>
+          <a:endParaRPr lang="en-US"/>
+        </a:p>
+      </dgm:t>
+    </dgm:pt>
+    <dgm:pt modelId="{D48CBAE9-EAAC-49F6-8F44-3BD915705A7E}" type="sibTrans" cxnId="{3AEE384F-E432-4CFA-9F0B-9F0349C8050F}">
+      <dgm:prSet/>
+      <dgm:spPr/>
+      <dgm:t>
+        <a:bodyPr/>
+        <a:lstStyle/>
+        <a:p>
+          <a:endParaRPr lang="en-US"/>
+        </a:p>
+      </dgm:t>
+    </dgm:pt>
+    <dgm:pt modelId="{08676534-0F05-4BFA-943C-BF9EBFB1C25B}">
+      <dgm:prSet phldrT="[Text]" custT="1"/>
+      <dgm:spPr/>
+      <dgm:t>
+        <a:bodyPr/>
+        <a:lstStyle/>
+        <a:p>
+          <a:r>
+            <a:rPr lang="en-US" sz="1100" b="0">
+              <a:latin typeface="Times New Roman" panose="02020603050405020304" pitchFamily="18" charset="0"/>
+              <a:cs typeface="Times New Roman" panose="02020603050405020304" pitchFamily="18" charset="0"/>
+            </a:rPr>
+            <a:t>B.8.2 Nhập, hiển thị thông tin 10 gia sư tiêu biểu</a:t>
+          </a:r>
+        </a:p>
+      </dgm:t>
+    </dgm:pt>
+    <dgm:pt modelId="{A09C3195-0960-4176-96E5-08CCF2386905}" type="parTrans" cxnId="{73A8499B-B8F7-452A-869D-1CCE4679D86E}">
+      <dgm:prSet/>
+      <dgm:spPr/>
+      <dgm:t>
+        <a:bodyPr/>
+        <a:lstStyle/>
+        <a:p>
+          <a:endParaRPr lang="en-US"/>
+        </a:p>
+      </dgm:t>
+    </dgm:pt>
+    <dgm:pt modelId="{34FFBE1D-7691-49E9-B9D2-20656C52FD14}" type="sibTrans" cxnId="{73A8499B-B8F7-452A-869D-1CCE4679D86E}">
+      <dgm:prSet/>
+      <dgm:spPr/>
+      <dgm:t>
+        <a:bodyPr/>
+        <a:lstStyle/>
+        <a:p>
+          <a:endParaRPr lang="en-US"/>
+        </a:p>
+      </dgm:t>
+    </dgm:pt>
+    <dgm:pt modelId="{BF661DDF-C9D4-4AC4-9C67-7A0B0516C7C5}">
+      <dgm:prSet phldrT="[Text]" custT="1"/>
+      <dgm:spPr>
+        <a:solidFill>
+          <a:srgbClr val="00CC99"/>
+        </a:solidFill>
+      </dgm:spPr>
+      <dgm:t>
+        <a:bodyPr/>
+        <a:lstStyle/>
+        <a:p>
+          <a:r>
+            <a:rPr lang="en-US" sz="1100" b="0">
+              <a:latin typeface="Times New Roman" panose="02020603050405020304" pitchFamily="18" charset="0"/>
+              <a:cs typeface="Times New Roman" panose="02020603050405020304" pitchFamily="18" charset="0"/>
+            </a:rPr>
+            <a:t>B.9 Trang hướng dẫn gia sư, phụ huynh đăng ký</a:t>
+          </a:r>
+        </a:p>
+      </dgm:t>
+    </dgm:pt>
+    <dgm:pt modelId="{4CB64E0F-E34F-4C27-A909-3D91622779AE}" type="parTrans" cxnId="{30C882AF-6DED-483F-A9D4-0A3179C45434}">
+      <dgm:prSet/>
+      <dgm:spPr/>
+      <dgm:t>
+        <a:bodyPr/>
+        <a:lstStyle/>
+        <a:p>
+          <a:endParaRPr lang="en-US"/>
+        </a:p>
+      </dgm:t>
+    </dgm:pt>
+    <dgm:pt modelId="{A9CADBB2-CBBC-4C0B-84FC-B9C49C1B4DAB}" type="sibTrans" cxnId="{30C882AF-6DED-483F-A9D4-0A3179C45434}">
+      <dgm:prSet/>
+      <dgm:spPr/>
+      <dgm:t>
+        <a:bodyPr/>
+        <a:lstStyle/>
+        <a:p>
+          <a:endParaRPr lang="en-US"/>
+        </a:p>
+      </dgm:t>
+    </dgm:pt>
+    <dgm:pt modelId="{FB639B9A-CF5E-4000-A8BC-04CACCA9C104}">
+      <dgm:prSet phldrT="[Text]" custT="1"/>
+      <dgm:spPr>
+        <a:solidFill>
+          <a:srgbClr val="00CC99"/>
+        </a:solidFill>
+      </dgm:spPr>
+      <dgm:t>
+        <a:bodyPr/>
+        <a:lstStyle/>
+        <a:p>
+          <a:r>
+            <a:rPr lang="en-US" sz="1100" b="0">
+              <a:latin typeface="Times New Roman" panose="02020603050405020304" pitchFamily="18" charset="0"/>
+              <a:cs typeface="Times New Roman" panose="02020603050405020304" pitchFamily="18" charset="0"/>
+            </a:rPr>
+            <a:t>B.10 Tính năng chat</a:t>
+          </a:r>
+        </a:p>
+      </dgm:t>
+    </dgm:pt>
+    <dgm:pt modelId="{5176FAB4-FE8D-42D6-BB1C-281AAC0CE160}" type="parTrans" cxnId="{05F900BF-05EE-46A7-A92A-9DA86E75355A}">
+      <dgm:prSet/>
+      <dgm:spPr/>
+      <dgm:t>
+        <a:bodyPr/>
+        <a:lstStyle/>
+        <a:p>
+          <a:endParaRPr lang="en-US"/>
+        </a:p>
+      </dgm:t>
+    </dgm:pt>
+    <dgm:pt modelId="{FF4AE07E-F461-4B61-AF77-C87F2CA2BFD9}" type="sibTrans" cxnId="{05F900BF-05EE-46A7-A92A-9DA86E75355A}">
+      <dgm:prSet/>
+      <dgm:spPr/>
+      <dgm:t>
+        <a:bodyPr/>
+        <a:lstStyle/>
+        <a:p>
+          <a:endParaRPr lang="en-US"/>
+        </a:p>
+      </dgm:t>
+    </dgm:pt>
+    <dgm:pt modelId="{32EEBD9B-38F4-4B3E-AD63-8C6A30DB2EE3}">
+      <dgm:prSet phldrT="[Text]" custT="1"/>
+      <dgm:spPr>
+        <a:solidFill>
+          <a:srgbClr val="00CC99"/>
+        </a:solidFill>
+      </dgm:spPr>
+      <dgm:t>
+        <a:bodyPr/>
+        <a:lstStyle/>
+        <a:p>
+          <a:r>
+            <a:rPr lang="en-US" sz="1100" b="0">
+              <a:latin typeface="Times New Roman" panose="02020603050405020304" pitchFamily="18" charset="0"/>
+              <a:cs typeface="Times New Roman" panose="02020603050405020304" pitchFamily="18" charset="0"/>
+            </a:rPr>
+            <a:t>B.11 Tính năng tìm kiếm suất dạy</a:t>
+          </a:r>
+        </a:p>
+      </dgm:t>
+    </dgm:pt>
+    <dgm:pt modelId="{6B854B9F-115F-413A-93B8-E884F509927C}" type="parTrans" cxnId="{AC68B1CC-6D4C-410B-BF8D-5E5674000A19}">
+      <dgm:prSet/>
+      <dgm:spPr/>
+      <dgm:t>
+        <a:bodyPr/>
+        <a:lstStyle/>
+        <a:p>
+          <a:endParaRPr lang="en-US"/>
+        </a:p>
+      </dgm:t>
+    </dgm:pt>
+    <dgm:pt modelId="{AA0749ED-D38F-46F8-A436-CC0C113F1282}" type="sibTrans" cxnId="{AC68B1CC-6D4C-410B-BF8D-5E5674000A19}">
+      <dgm:prSet/>
+      <dgm:spPr/>
+      <dgm:t>
+        <a:bodyPr/>
+        <a:lstStyle/>
+        <a:p>
+          <a:endParaRPr lang="en-US"/>
+        </a:p>
+      </dgm:t>
+    </dgm:pt>
+    <dgm:pt modelId="{C177E924-8195-468C-B1F2-987543E333A4}">
+      <dgm:prSet phldrT="[Text]" custT="1"/>
+      <dgm:spPr>
+        <a:solidFill>
+          <a:srgbClr val="00CC99"/>
+        </a:solidFill>
+      </dgm:spPr>
+      <dgm:t>
+        <a:bodyPr/>
+        <a:lstStyle/>
+        <a:p>
+          <a:r>
+            <a:rPr lang="en-US" sz="1100" b="0">
+              <a:latin typeface="Times New Roman" panose="02020603050405020304" pitchFamily="18" charset="0"/>
+              <a:cs typeface="Times New Roman" panose="02020603050405020304" pitchFamily="18" charset="0"/>
+            </a:rPr>
+            <a:t>B.12 Tính năng đăng ký làm gia sư</a:t>
+          </a:r>
+        </a:p>
+      </dgm:t>
+    </dgm:pt>
+    <dgm:pt modelId="{2947366D-7D9E-46DC-9CEB-A95323627E3B}" type="parTrans" cxnId="{4138C668-02E3-4E4A-AF28-16BA5A0DCF52}">
+      <dgm:prSet/>
+      <dgm:spPr/>
+      <dgm:t>
+        <a:bodyPr/>
+        <a:lstStyle/>
+        <a:p>
+          <a:endParaRPr lang="en-US"/>
+        </a:p>
+      </dgm:t>
+    </dgm:pt>
+    <dgm:pt modelId="{8C9F26C7-4815-4F13-B223-5B6BC6050879}" type="sibTrans" cxnId="{4138C668-02E3-4E4A-AF28-16BA5A0DCF52}">
+      <dgm:prSet/>
+      <dgm:spPr/>
+      <dgm:t>
+        <a:bodyPr/>
+        <a:lstStyle/>
+        <a:p>
+          <a:endParaRPr lang="en-US"/>
+        </a:p>
+      </dgm:t>
+    </dgm:pt>
+    <dgm:pt modelId="{67D19928-31DA-45F6-BA04-C018EA778208}">
+      <dgm:prSet phldrT="[Text]" custT="1"/>
+      <dgm:spPr/>
+      <dgm:t>
+        <a:bodyPr/>
+        <a:lstStyle/>
+        <a:p>
+          <a:r>
+            <a:rPr lang="en-US" sz="1100" b="0">
+              <a:latin typeface="Times New Roman" panose="02020603050405020304" pitchFamily="18" charset="0"/>
+              <a:cs typeface="Times New Roman" panose="02020603050405020304" pitchFamily="18" charset="0"/>
+            </a:rPr>
+            <a:t>B.12.1 Tạo form đăng ký làm gia sư</a:t>
+          </a:r>
+        </a:p>
+      </dgm:t>
+    </dgm:pt>
+    <dgm:pt modelId="{F1FCDDD1-DD4E-48EF-A1A0-E4F073740299}" type="parTrans" cxnId="{967D9A86-5D0E-4140-960D-243E5D414933}">
+      <dgm:prSet/>
+      <dgm:spPr/>
+      <dgm:t>
+        <a:bodyPr/>
+        <a:lstStyle/>
+        <a:p>
+          <a:endParaRPr lang="en-US"/>
+        </a:p>
+      </dgm:t>
+    </dgm:pt>
+    <dgm:pt modelId="{58EFECA1-B47A-4012-8BE8-CE14A8B901DF}" type="sibTrans" cxnId="{967D9A86-5D0E-4140-960D-243E5D414933}">
+      <dgm:prSet/>
+      <dgm:spPr/>
+      <dgm:t>
+        <a:bodyPr/>
+        <a:lstStyle/>
+        <a:p>
+          <a:endParaRPr lang="en-US"/>
+        </a:p>
+      </dgm:t>
+    </dgm:pt>
+    <dgm:pt modelId="{CF5A180D-272B-4F89-AD63-71A66497427C}">
+      <dgm:prSet phldrT="[Text]" custT="1"/>
+      <dgm:spPr/>
+      <dgm:t>
+        <a:bodyPr/>
+        <a:lstStyle/>
+        <a:p>
+          <a:r>
+            <a:rPr lang="en-US" sz="1100" b="0">
+              <a:latin typeface="Times New Roman" panose="02020603050405020304" pitchFamily="18" charset="0"/>
+              <a:cs typeface="Times New Roman" panose="02020603050405020304" pitchFamily="18" charset="0"/>
+            </a:rPr>
+            <a:t>B.12.2 Tạo CSDL lưu trữ</a:t>
+          </a:r>
+        </a:p>
+      </dgm:t>
+    </dgm:pt>
+    <dgm:pt modelId="{5F3AE241-E7F2-44AC-99C4-8BE88F71C43B}" type="parTrans" cxnId="{66BA2E1F-A9C2-421B-9241-23B83FB84E69}">
+      <dgm:prSet/>
+      <dgm:spPr/>
+      <dgm:t>
+        <a:bodyPr/>
+        <a:lstStyle/>
+        <a:p>
+          <a:endParaRPr lang="en-US"/>
+        </a:p>
+      </dgm:t>
+    </dgm:pt>
+    <dgm:pt modelId="{08B306DD-779F-424D-A8EE-B0A6B7FD819A}" type="sibTrans" cxnId="{66BA2E1F-A9C2-421B-9241-23B83FB84E69}">
+      <dgm:prSet/>
+      <dgm:spPr/>
+      <dgm:t>
+        <a:bodyPr/>
+        <a:lstStyle/>
+        <a:p>
+          <a:endParaRPr lang="en-US"/>
+        </a:p>
+      </dgm:t>
+    </dgm:pt>
+    <dgm:pt modelId="{1FC67C11-F846-4E37-A269-D16C20A72EFF}">
+      <dgm:prSet phldrT="[Text]" custT="1"/>
+      <dgm:spPr/>
+      <dgm:t>
+        <a:bodyPr/>
+        <a:lstStyle/>
+        <a:p>
+          <a:r>
+            <a:rPr lang="en-US" sz="1100" b="0">
+              <a:latin typeface="Times New Roman" panose="02020603050405020304" pitchFamily="18" charset="0"/>
+              <a:cs typeface="Times New Roman" panose="02020603050405020304" pitchFamily="18" charset="0"/>
+            </a:rPr>
+            <a:t>B.11.1 Tạo và thiết kế khung tìm kiếm</a:t>
+          </a:r>
+        </a:p>
+      </dgm:t>
+    </dgm:pt>
+    <dgm:pt modelId="{98262794-0C9B-483C-B1AC-8E8079B22567}" type="parTrans" cxnId="{D5FB2D86-0F71-4AA6-9D6F-AC7BAAC42412}">
+      <dgm:prSet/>
+      <dgm:spPr/>
+      <dgm:t>
+        <a:bodyPr/>
+        <a:lstStyle/>
+        <a:p>
+          <a:endParaRPr lang="en-US"/>
+        </a:p>
+      </dgm:t>
+    </dgm:pt>
+    <dgm:pt modelId="{32AF7B8F-F79C-4B58-A134-599F0D1DFC68}" type="sibTrans" cxnId="{D5FB2D86-0F71-4AA6-9D6F-AC7BAAC42412}">
+      <dgm:prSet/>
+      <dgm:spPr/>
+      <dgm:t>
+        <a:bodyPr/>
+        <a:lstStyle/>
+        <a:p>
+          <a:endParaRPr lang="en-US"/>
+        </a:p>
+      </dgm:t>
+    </dgm:pt>
+    <dgm:pt modelId="{C962F801-848A-4F67-BD10-63C4E5F9B366}">
+      <dgm:prSet phldrT="[Text]" custT="1"/>
+      <dgm:spPr/>
+      <dgm:t>
+        <a:bodyPr/>
+        <a:lstStyle/>
+        <a:p>
+          <a:r>
+            <a:rPr lang="en-US" sz="1100" b="0">
+              <a:latin typeface="Times New Roman" panose="02020603050405020304" pitchFamily="18" charset="0"/>
+              <a:cs typeface="Times New Roman" panose="02020603050405020304" pitchFamily="18" charset="0"/>
+            </a:rPr>
+            <a:t>B.11.2 Code truy vấn trích xuất dữ liệu từ CSDL</a:t>
+          </a:r>
+        </a:p>
+      </dgm:t>
+    </dgm:pt>
+    <dgm:pt modelId="{AA8A6A6A-B26B-43E2-BEAD-65229F5705ED}" type="parTrans" cxnId="{857427B5-9F5B-475D-A3DA-2D7504901DB0}">
+      <dgm:prSet/>
+      <dgm:spPr/>
+      <dgm:t>
+        <a:bodyPr/>
+        <a:lstStyle/>
+        <a:p>
+          <a:endParaRPr lang="en-US"/>
+        </a:p>
+      </dgm:t>
+    </dgm:pt>
+    <dgm:pt modelId="{CF237670-65B5-4E91-B5DE-391725BBCE34}" type="sibTrans" cxnId="{857427B5-9F5B-475D-A3DA-2D7504901DB0}">
+      <dgm:prSet/>
+      <dgm:spPr/>
+      <dgm:t>
+        <a:bodyPr/>
+        <a:lstStyle/>
+        <a:p>
+          <a:endParaRPr lang="en-US"/>
+        </a:p>
+      </dgm:t>
+    </dgm:pt>
+    <dgm:pt modelId="{BE2539A8-B660-4F8D-9679-EC2257B7EC1F}">
+      <dgm:prSet phldrT="[Text]" custT="1"/>
+      <dgm:spPr/>
+      <dgm:t>
+        <a:bodyPr/>
+        <a:lstStyle/>
+        <a:p>
+          <a:r>
+            <a:rPr lang="en-US" sz="1100" b="0">
+              <a:latin typeface="Times New Roman" panose="02020603050405020304" pitchFamily="18" charset="0"/>
+              <a:cs typeface="Times New Roman" panose="02020603050405020304" pitchFamily="18" charset="0"/>
+            </a:rPr>
+            <a:t>B.10. 1 Tạo khung chat</a:t>
+          </a:r>
+        </a:p>
+      </dgm:t>
+    </dgm:pt>
+    <dgm:pt modelId="{EAD38220-944B-4516-999E-32559C291B52}" type="parTrans" cxnId="{CCC193A4-C825-487D-8A63-FA7C8B87A76A}">
+      <dgm:prSet/>
+      <dgm:spPr/>
+      <dgm:t>
+        <a:bodyPr/>
+        <a:lstStyle/>
+        <a:p>
+          <a:endParaRPr lang="en-US"/>
+        </a:p>
+      </dgm:t>
+    </dgm:pt>
+    <dgm:pt modelId="{151B44F8-3DF7-4316-B07A-F095B5E6DE59}" type="sibTrans" cxnId="{CCC193A4-C825-487D-8A63-FA7C8B87A76A}">
+      <dgm:prSet/>
+      <dgm:spPr/>
+      <dgm:t>
+        <a:bodyPr/>
+        <a:lstStyle/>
+        <a:p>
+          <a:endParaRPr lang="en-US"/>
+        </a:p>
+      </dgm:t>
+    </dgm:pt>
+    <dgm:pt modelId="{B1A8B232-9304-436D-9C30-DE800F932ED1}">
+      <dgm:prSet phldrT="[Text]" custT="1"/>
+      <dgm:spPr/>
+      <dgm:t>
+        <a:bodyPr/>
+        <a:lstStyle/>
+        <a:p>
+          <a:r>
+            <a:rPr lang="en-US" sz="1100" b="0">
+              <a:latin typeface="Times New Roman" panose="02020603050405020304" pitchFamily="18" charset="0"/>
+              <a:cs typeface="Times New Roman" panose="02020603050405020304" pitchFamily="18" charset="0"/>
+            </a:rPr>
+            <a:t>B.9.1 Tạo, hiển thị nội dung các hướng dẫn</a:t>
+          </a:r>
+        </a:p>
+      </dgm:t>
+    </dgm:pt>
+    <dgm:pt modelId="{2A0F5DE3-31E8-4E25-AA15-C962194950E3}" type="parTrans" cxnId="{D4C0901C-5E3D-4F8D-BBFD-DADA4404DBF7}">
+      <dgm:prSet/>
+      <dgm:spPr/>
+      <dgm:t>
+        <a:bodyPr/>
+        <a:lstStyle/>
+        <a:p>
+          <a:endParaRPr lang="en-US"/>
+        </a:p>
+      </dgm:t>
+    </dgm:pt>
+    <dgm:pt modelId="{34D2B84B-BBF5-4204-A08F-6F4475DEE504}" type="sibTrans" cxnId="{D4C0901C-5E3D-4F8D-BBFD-DADA4404DBF7}">
       <dgm:prSet/>
       <dgm:spPr/>
       <dgm:t>
@@ -2644,7 +3080,7 @@
       <dgm:spPr/>
     </dgm:pt>
     <dgm:pt modelId="{6302EC25-0FA3-4522-B92F-9D3204F0624D}" type="pres">
-      <dgm:prSet presAssocID="{3D3E6FCA-8AEE-411D-A4E1-ACE6C7D8F9E3}" presName="rootText1" presStyleLbl="node0" presStyleIdx="0" presStyleCnt="1" custScaleX="345533" custScaleY="110392" custLinFactNeighborX="-63801" custLinFactNeighborY="-36180">
+      <dgm:prSet presAssocID="{3D3E6FCA-8AEE-411D-A4E1-ACE6C7D8F9E3}" presName="rootText1" presStyleLbl="node0" presStyleIdx="0" presStyleCnt="1" custScaleX="688448" custScaleY="197533" custLinFactNeighborX="-63801" custLinFactNeighborY="-36180">
         <dgm:presLayoutVars>
           <dgm:chPref val="3"/>
         </dgm:presLayoutVars>
@@ -2676,7 +3112,7 @@
       <dgm:spPr/>
     </dgm:pt>
     <dgm:pt modelId="{944860FD-94E1-4AC6-B10C-17A4ACDE3C20}" type="pres">
-      <dgm:prSet presAssocID="{28D4303A-1160-4269-9F32-C562151D69AB}" presName="rootText" presStyleLbl="node2" presStyleIdx="0" presStyleCnt="2" custLinFactNeighborX="19638" custLinFactNeighborY="-7481">
+      <dgm:prSet presAssocID="{28D4303A-1160-4269-9F32-C562151D69AB}" presName="rootText" presStyleLbl="node2" presStyleIdx="0" presStyleCnt="2" custScaleX="216184" custScaleY="102050" custLinFactNeighborX="19638" custLinFactNeighborY="-7481">
         <dgm:presLayoutVars>
           <dgm:chPref val="3"/>
         </dgm:presLayoutVars>
@@ -2692,7 +3128,7 @@
       <dgm:spPr/>
     </dgm:pt>
     <dgm:pt modelId="{2F5DF828-87F4-4FEB-9424-6DE04A74B74C}" type="pres">
-      <dgm:prSet presAssocID="{16106AD3-0154-4137-A7EC-4F8E2F958BA9}" presName="Name37" presStyleLbl="parChTrans1D3" presStyleIdx="0" presStyleCnt="11"/>
+      <dgm:prSet presAssocID="{16106AD3-0154-4137-A7EC-4F8E2F958BA9}" presName="Name37" presStyleLbl="parChTrans1D3" presStyleIdx="0" presStyleCnt="16"/>
       <dgm:spPr/>
     </dgm:pt>
     <dgm:pt modelId="{4AA9136D-6710-4DD9-BA5D-9876711D420C}" type="pres">
@@ -2708,7 +3144,7 @@
       <dgm:spPr/>
     </dgm:pt>
     <dgm:pt modelId="{9717F0D1-3146-4E87-A2D2-9ED039501628}" type="pres">
-      <dgm:prSet presAssocID="{A6987C49-3D43-42D9-A072-23F8B94A402F}" presName="rootText" presStyleLbl="node3" presStyleIdx="0" presStyleCnt="11">
+      <dgm:prSet presAssocID="{A6987C49-3D43-42D9-A072-23F8B94A402F}" presName="rootText" presStyleLbl="node3" presStyleIdx="0" presStyleCnt="16" custScaleY="336652">
         <dgm:presLayoutVars>
           <dgm:chPref val="3"/>
         </dgm:presLayoutVars>
@@ -2716,7 +3152,7 @@
       <dgm:spPr/>
     </dgm:pt>
     <dgm:pt modelId="{15D53CAC-FC8F-4852-ADF3-FC10F93F5803}" type="pres">
-      <dgm:prSet presAssocID="{A6987C49-3D43-42D9-A072-23F8B94A402F}" presName="rootConnector" presStyleLbl="node3" presStyleIdx="0" presStyleCnt="11"/>
+      <dgm:prSet presAssocID="{A6987C49-3D43-42D9-A072-23F8B94A402F}" presName="rootConnector" presStyleLbl="node3" presStyleIdx="0" presStyleCnt="16"/>
       <dgm:spPr/>
     </dgm:pt>
     <dgm:pt modelId="{9D0AD754-3413-41C7-B17B-B41DD0FF2193}" type="pres">
@@ -2724,7 +3160,7 @@
       <dgm:spPr/>
     </dgm:pt>
     <dgm:pt modelId="{8A3670DB-3CE8-4868-9FC4-A1C9C06459E0}" type="pres">
-      <dgm:prSet presAssocID="{72F3F161-AC00-4375-A9A2-ED17741A9442}" presName="Name37" presStyleLbl="parChTrans1D4" presStyleIdx="0" presStyleCnt="26"/>
+      <dgm:prSet presAssocID="{72F3F161-AC00-4375-A9A2-ED17741A9442}" presName="Name37" presStyleLbl="parChTrans1D4" presStyleIdx="0" presStyleCnt="32"/>
       <dgm:spPr/>
     </dgm:pt>
     <dgm:pt modelId="{E205A641-785F-458F-AA34-440F31BD226D}" type="pres">
@@ -2740,7 +3176,7 @@
       <dgm:spPr/>
     </dgm:pt>
     <dgm:pt modelId="{A195EF81-432E-40B1-973A-200211B5B643}" type="pres">
-      <dgm:prSet presAssocID="{97AEABBD-DC29-4F6C-8F5B-E9D45FAAC1B9}" presName="rootText" presStyleLbl="node4" presStyleIdx="0" presStyleCnt="26" custScaleY="170690" custLinFactNeighborX="-6187" custLinFactNeighborY="-29387">
+      <dgm:prSet presAssocID="{97AEABBD-DC29-4F6C-8F5B-E9D45FAAC1B9}" presName="rootText" presStyleLbl="node4" presStyleIdx="0" presStyleCnt="32" custScaleY="412524" custLinFactNeighborX="-6187" custLinFactNeighborY="-29387">
         <dgm:presLayoutVars>
           <dgm:chPref val="3"/>
         </dgm:presLayoutVars>
@@ -2748,7 +3184,7 @@
       <dgm:spPr/>
     </dgm:pt>
     <dgm:pt modelId="{71B461F5-9AF1-4694-AEC2-66ADEDEA8545}" type="pres">
-      <dgm:prSet presAssocID="{97AEABBD-DC29-4F6C-8F5B-E9D45FAAC1B9}" presName="rootConnector" presStyleLbl="node4" presStyleIdx="0" presStyleCnt="26"/>
+      <dgm:prSet presAssocID="{97AEABBD-DC29-4F6C-8F5B-E9D45FAAC1B9}" presName="rootConnector" presStyleLbl="node4" presStyleIdx="0" presStyleCnt="32"/>
       <dgm:spPr/>
     </dgm:pt>
     <dgm:pt modelId="{F7491341-6A12-4E0B-97F9-3A56BEB72480}" type="pres">
@@ -2759,44 +3195,8 @@
       <dgm:prSet presAssocID="{97AEABBD-DC29-4F6C-8F5B-E9D45FAAC1B9}" presName="hierChild5" presStyleCnt="0"/>
       <dgm:spPr/>
     </dgm:pt>
-    <dgm:pt modelId="{6BAE05D9-6A41-4091-95E8-68A33DF82B14}" type="pres">
-      <dgm:prSet presAssocID="{AEC748EA-71A3-4734-A8A3-9B1E03D3A743}" presName="Name37" presStyleLbl="parChTrans1D4" presStyleIdx="1" presStyleCnt="26"/>
-      <dgm:spPr/>
-    </dgm:pt>
-    <dgm:pt modelId="{F4962733-41E4-4A17-984F-FD00E2BC4580}" type="pres">
-      <dgm:prSet presAssocID="{01537F03-F3D9-4D1B-AC59-2593EC164C23}" presName="hierRoot2" presStyleCnt="0">
-        <dgm:presLayoutVars>
-          <dgm:hierBranch val="init"/>
-        </dgm:presLayoutVars>
-      </dgm:prSet>
-      <dgm:spPr/>
-    </dgm:pt>
-    <dgm:pt modelId="{353D6D8A-0E71-44CE-B94C-F813C22D9669}" type="pres">
-      <dgm:prSet presAssocID="{01537F03-F3D9-4D1B-AC59-2593EC164C23}" presName="rootComposite" presStyleCnt="0"/>
-      <dgm:spPr/>
-    </dgm:pt>
-    <dgm:pt modelId="{1507248B-4C77-4B46-962C-0E5912097852}" type="pres">
-      <dgm:prSet presAssocID="{01537F03-F3D9-4D1B-AC59-2593EC164C23}" presName="rootText" presStyleLbl="node4" presStyleIdx="1" presStyleCnt="26" custScaleY="206301">
-        <dgm:presLayoutVars>
-          <dgm:chPref val="3"/>
-        </dgm:presLayoutVars>
-      </dgm:prSet>
-      <dgm:spPr/>
-    </dgm:pt>
-    <dgm:pt modelId="{F499D5E6-F5FB-43AF-8130-AF3D13846AF0}" type="pres">
-      <dgm:prSet presAssocID="{01537F03-F3D9-4D1B-AC59-2593EC164C23}" presName="rootConnector" presStyleLbl="node4" presStyleIdx="1" presStyleCnt="26"/>
-      <dgm:spPr/>
-    </dgm:pt>
-    <dgm:pt modelId="{061A4F29-78DF-4267-8039-BCA454957592}" type="pres">
-      <dgm:prSet presAssocID="{01537F03-F3D9-4D1B-AC59-2593EC164C23}" presName="hierChild4" presStyleCnt="0"/>
-      <dgm:spPr/>
-    </dgm:pt>
-    <dgm:pt modelId="{80F8A69C-DE6B-4809-A613-C4EA93CA0C0F}" type="pres">
-      <dgm:prSet presAssocID="{01537F03-F3D9-4D1B-AC59-2593EC164C23}" presName="hierChild5" presStyleCnt="0"/>
-      <dgm:spPr/>
-    </dgm:pt>
     <dgm:pt modelId="{22E5391B-784F-4143-B6B3-25B2FC68E290}" type="pres">
-      <dgm:prSet presAssocID="{0CBE7315-D4C8-4475-9163-FD569F3B9D7F}" presName="Name37" presStyleLbl="parChTrans1D4" presStyleIdx="2" presStyleCnt="26"/>
+      <dgm:prSet presAssocID="{0CBE7315-D4C8-4475-9163-FD569F3B9D7F}" presName="Name37" presStyleLbl="parChTrans1D4" presStyleIdx="1" presStyleCnt="32"/>
       <dgm:spPr/>
     </dgm:pt>
     <dgm:pt modelId="{FB08BDCB-50CA-4269-8749-04D4B5FED4D1}" type="pres">
@@ -2812,7 +3212,7 @@
       <dgm:spPr/>
     </dgm:pt>
     <dgm:pt modelId="{057ADC8E-D401-4B7A-80F8-965E0B1DE7E7}" type="pres">
-      <dgm:prSet presAssocID="{CBEBEAC0-41EA-4E80-99AC-73D95F03DB44}" presName="rootText" presStyleLbl="node4" presStyleIdx="2" presStyleCnt="26" custScaleY="160648">
+      <dgm:prSet presAssocID="{CBEBEAC0-41EA-4E80-99AC-73D95F03DB44}" presName="rootText" presStyleLbl="node4" presStyleIdx="1" presStyleCnt="32" custScaleY="405578">
         <dgm:presLayoutVars>
           <dgm:chPref val="3"/>
         </dgm:presLayoutVars>
@@ -2820,7 +3220,7 @@
       <dgm:spPr/>
     </dgm:pt>
     <dgm:pt modelId="{A5696A52-CE52-412C-832C-92CA89BF4F76}" type="pres">
-      <dgm:prSet presAssocID="{CBEBEAC0-41EA-4E80-99AC-73D95F03DB44}" presName="rootConnector" presStyleLbl="node4" presStyleIdx="2" presStyleCnt="26"/>
+      <dgm:prSet presAssocID="{CBEBEAC0-41EA-4E80-99AC-73D95F03DB44}" presName="rootConnector" presStyleLbl="node4" presStyleIdx="1" presStyleCnt="32"/>
       <dgm:spPr/>
     </dgm:pt>
     <dgm:pt modelId="{5E2B17EC-12C3-4466-8831-1D03EBCB056D}" type="pres">
@@ -2836,7 +3236,7 @@
       <dgm:spPr/>
     </dgm:pt>
     <dgm:pt modelId="{8231ACE8-FC84-4A8D-94AC-EB56CD6C62A3}" type="pres">
-      <dgm:prSet presAssocID="{32ADFE88-65B1-4796-AD52-0DDDEA14F1FE}" presName="Name37" presStyleLbl="parChTrans1D3" presStyleIdx="1" presStyleCnt="11"/>
+      <dgm:prSet presAssocID="{32ADFE88-65B1-4796-AD52-0DDDEA14F1FE}" presName="Name37" presStyleLbl="parChTrans1D3" presStyleIdx="1" presStyleCnt="16"/>
       <dgm:spPr/>
     </dgm:pt>
     <dgm:pt modelId="{B1EFCA59-F93A-4805-8419-72B9F46A142D}" type="pres">
@@ -2852,7 +3252,7 @@
       <dgm:spPr/>
     </dgm:pt>
     <dgm:pt modelId="{72041271-086E-4F4E-9BA1-4757A5EBDB5C}" type="pres">
-      <dgm:prSet presAssocID="{B07BDF62-52A1-4C61-B36C-7E6DA29C4464}" presName="rootText" presStyleLbl="node3" presStyleIdx="1" presStyleCnt="11">
+      <dgm:prSet presAssocID="{B07BDF62-52A1-4C61-B36C-7E6DA29C4464}" presName="rootText" presStyleLbl="node3" presStyleIdx="1" presStyleCnt="16" custScaleY="225060">
         <dgm:presLayoutVars>
           <dgm:chPref val="3"/>
         </dgm:presLayoutVars>
@@ -2860,7 +3260,7 @@
       <dgm:spPr/>
     </dgm:pt>
     <dgm:pt modelId="{B76160C6-C0BC-45C7-BBC6-FCEE1C384201}" type="pres">
-      <dgm:prSet presAssocID="{B07BDF62-52A1-4C61-B36C-7E6DA29C4464}" presName="rootConnector" presStyleLbl="node3" presStyleIdx="1" presStyleCnt="11"/>
+      <dgm:prSet presAssocID="{B07BDF62-52A1-4C61-B36C-7E6DA29C4464}" presName="rootConnector" presStyleLbl="node3" presStyleIdx="1" presStyleCnt="16"/>
       <dgm:spPr/>
     </dgm:pt>
     <dgm:pt modelId="{F81D5371-9EFE-4478-8224-5D742AB6DEF6}" type="pres">
@@ -2868,7 +3268,7 @@
       <dgm:spPr/>
     </dgm:pt>
     <dgm:pt modelId="{C79509A8-C35F-46AB-A074-7B8DEE5D237D}" type="pres">
-      <dgm:prSet presAssocID="{1AD0514A-44FF-4115-9BBD-E3ABDA0CDA03}" presName="Name37" presStyleLbl="parChTrans1D4" presStyleIdx="3" presStyleCnt="26"/>
+      <dgm:prSet presAssocID="{1AD0514A-44FF-4115-9BBD-E3ABDA0CDA03}" presName="Name37" presStyleLbl="parChTrans1D4" presStyleIdx="2" presStyleCnt="32"/>
       <dgm:spPr/>
     </dgm:pt>
     <dgm:pt modelId="{E9A7E159-3F02-4407-AB6B-71834C5AB57B}" type="pres">
@@ -2884,7 +3284,7 @@
       <dgm:spPr/>
     </dgm:pt>
     <dgm:pt modelId="{D87EB8F4-D2A6-420C-A392-0F2348289EAB}" type="pres">
-      <dgm:prSet presAssocID="{CEE74021-399E-4E4C-BA61-9A29AC15D92B}" presName="rootText" presStyleLbl="node4" presStyleIdx="3" presStyleCnt="26" custScaleY="144853">
+      <dgm:prSet presAssocID="{CEE74021-399E-4E4C-BA61-9A29AC15D92B}" presName="rootText" presStyleLbl="node4" presStyleIdx="2" presStyleCnt="32" custScaleY="350670">
         <dgm:presLayoutVars>
           <dgm:chPref val="3"/>
         </dgm:presLayoutVars>
@@ -2892,7 +3292,7 @@
       <dgm:spPr/>
     </dgm:pt>
     <dgm:pt modelId="{9ADB31AE-363E-427C-A376-78F1A9C2BC60}" type="pres">
-      <dgm:prSet presAssocID="{CEE74021-399E-4E4C-BA61-9A29AC15D92B}" presName="rootConnector" presStyleLbl="node4" presStyleIdx="3" presStyleCnt="26"/>
+      <dgm:prSet presAssocID="{CEE74021-399E-4E4C-BA61-9A29AC15D92B}" presName="rootConnector" presStyleLbl="node4" presStyleIdx="2" presStyleCnt="32"/>
       <dgm:spPr/>
     </dgm:pt>
     <dgm:pt modelId="{FF3DC231-73AA-4A66-86F3-1F35425E8AE3}" type="pres">
@@ -2904,7 +3304,7 @@
       <dgm:spPr/>
     </dgm:pt>
     <dgm:pt modelId="{C134C906-810F-4953-9B94-F46FB84BAC3C}" type="pres">
-      <dgm:prSet presAssocID="{0E206134-7479-474E-96DD-1EC451F779C9}" presName="Name37" presStyleLbl="parChTrans1D4" presStyleIdx="4" presStyleCnt="26"/>
+      <dgm:prSet presAssocID="{0E206134-7479-474E-96DD-1EC451F779C9}" presName="Name37" presStyleLbl="parChTrans1D4" presStyleIdx="3" presStyleCnt="32"/>
       <dgm:spPr/>
     </dgm:pt>
     <dgm:pt modelId="{4BCC3319-F312-4F07-984E-6B78BEF9690F}" type="pres">
@@ -2920,7 +3320,7 @@
       <dgm:spPr/>
     </dgm:pt>
     <dgm:pt modelId="{D00CD897-9005-44A3-A210-E3BEA1543754}" type="pres">
-      <dgm:prSet presAssocID="{E997091C-0851-4FC7-988A-9300DEEC715B}" presName="rootText" presStyleLbl="node4" presStyleIdx="4" presStyleCnt="26" custScaleY="154119">
+      <dgm:prSet presAssocID="{E997091C-0851-4FC7-988A-9300DEEC715B}" presName="rootText" presStyleLbl="node4" presStyleIdx="3" presStyleCnt="32" custScaleY="349662">
         <dgm:presLayoutVars>
           <dgm:chPref val="3"/>
         </dgm:presLayoutVars>
@@ -2928,7 +3328,7 @@
       <dgm:spPr/>
     </dgm:pt>
     <dgm:pt modelId="{5F9820CE-0CBC-43AF-A010-B153AB19C692}" type="pres">
-      <dgm:prSet presAssocID="{E997091C-0851-4FC7-988A-9300DEEC715B}" presName="rootConnector" presStyleLbl="node4" presStyleIdx="4" presStyleCnt="26"/>
+      <dgm:prSet presAssocID="{E997091C-0851-4FC7-988A-9300DEEC715B}" presName="rootConnector" presStyleLbl="node4" presStyleIdx="3" presStyleCnt="32"/>
       <dgm:spPr/>
     </dgm:pt>
     <dgm:pt modelId="{47E5E5A8-7ED0-4CE8-A157-1A5B14DBF576}" type="pres">
@@ -2944,7 +3344,7 @@
       <dgm:spPr/>
     </dgm:pt>
     <dgm:pt modelId="{F4B1F69A-56D4-474E-8F40-ABA6F6E62EA1}" type="pres">
-      <dgm:prSet presAssocID="{8B601E00-D559-418A-AEB4-69B318B8B6B1}" presName="Name37" presStyleLbl="parChTrans1D3" presStyleIdx="2" presStyleCnt="11"/>
+      <dgm:prSet presAssocID="{8B601E00-D559-418A-AEB4-69B318B8B6B1}" presName="Name37" presStyleLbl="parChTrans1D3" presStyleIdx="2" presStyleCnt="16"/>
       <dgm:spPr/>
     </dgm:pt>
     <dgm:pt modelId="{6153F69F-399C-40D3-B0D8-D7F66BA7278E}" type="pres">
@@ -2960,7 +3360,7 @@
       <dgm:spPr/>
     </dgm:pt>
     <dgm:pt modelId="{2FFC276A-0E14-472D-A393-466F670FFD91}" type="pres">
-      <dgm:prSet presAssocID="{372B1EA8-094C-467E-A85E-8054D27A9E9B}" presName="rootText" presStyleLbl="node3" presStyleIdx="2" presStyleCnt="11">
+      <dgm:prSet presAssocID="{372B1EA8-094C-467E-A85E-8054D27A9E9B}" presName="rootText" presStyleLbl="node3" presStyleIdx="2" presStyleCnt="16" custScaleY="226659">
         <dgm:presLayoutVars>
           <dgm:chPref val="3"/>
         </dgm:presLayoutVars>
@@ -2968,7 +3368,7 @@
       <dgm:spPr/>
     </dgm:pt>
     <dgm:pt modelId="{FCD0086B-C723-4EA2-9CEA-BDF837746F74}" type="pres">
-      <dgm:prSet presAssocID="{372B1EA8-094C-467E-A85E-8054D27A9E9B}" presName="rootConnector" presStyleLbl="node3" presStyleIdx="2" presStyleCnt="11"/>
+      <dgm:prSet presAssocID="{372B1EA8-094C-467E-A85E-8054D27A9E9B}" presName="rootConnector" presStyleLbl="node3" presStyleIdx="2" presStyleCnt="16"/>
       <dgm:spPr/>
     </dgm:pt>
     <dgm:pt modelId="{8FCC5690-2B9A-44F0-B51A-291860C1CF5D}" type="pres">
@@ -2976,7 +3376,7 @@
       <dgm:spPr/>
     </dgm:pt>
     <dgm:pt modelId="{DF491AA7-2609-4004-9172-94358970DEFA}" type="pres">
-      <dgm:prSet presAssocID="{A962B823-1F6E-48B3-81D8-4786B054E895}" presName="Name37" presStyleLbl="parChTrans1D4" presStyleIdx="5" presStyleCnt="26"/>
+      <dgm:prSet presAssocID="{A962B823-1F6E-48B3-81D8-4786B054E895}" presName="Name37" presStyleLbl="parChTrans1D4" presStyleIdx="4" presStyleCnt="32"/>
       <dgm:spPr/>
     </dgm:pt>
     <dgm:pt modelId="{897CB597-4485-4A55-AFDF-2F8EC563CA30}" type="pres">
@@ -2992,7 +3392,7 @@
       <dgm:spPr/>
     </dgm:pt>
     <dgm:pt modelId="{F79599B6-5AA4-419C-A843-B014E267737D}" type="pres">
-      <dgm:prSet presAssocID="{CA6EC252-7BBB-4AB1-8E2E-E92B838C87AC}" presName="rootText" presStyleLbl="node4" presStyleIdx="5" presStyleCnt="26" custScaleY="128053">
+      <dgm:prSet presAssocID="{CA6EC252-7BBB-4AB1-8E2E-E92B838C87AC}" presName="rootText" presStyleLbl="node4" presStyleIdx="4" presStyleCnt="32" custScaleX="124469" custScaleY="247775">
         <dgm:presLayoutVars>
           <dgm:chPref val="3"/>
         </dgm:presLayoutVars>
@@ -3000,7 +3400,7 @@
       <dgm:spPr/>
     </dgm:pt>
     <dgm:pt modelId="{92ECA936-0850-4F06-86B0-00C66D9F7859}" type="pres">
-      <dgm:prSet presAssocID="{CA6EC252-7BBB-4AB1-8E2E-E92B838C87AC}" presName="rootConnector" presStyleLbl="node4" presStyleIdx="5" presStyleCnt="26"/>
+      <dgm:prSet presAssocID="{CA6EC252-7BBB-4AB1-8E2E-E92B838C87AC}" presName="rootConnector" presStyleLbl="node4" presStyleIdx="4" presStyleCnt="32"/>
       <dgm:spPr/>
     </dgm:pt>
     <dgm:pt modelId="{9989907D-6845-400A-8F0F-2167E8DDCE1C}" type="pres">
@@ -3012,7 +3412,7 @@
       <dgm:spPr/>
     </dgm:pt>
     <dgm:pt modelId="{AFD63886-2D9C-4A3F-95AF-EA105D23C88D}" type="pres">
-      <dgm:prSet presAssocID="{4E37C03E-C76D-43B3-8BCA-58BD79F48F58}" presName="Name37" presStyleLbl="parChTrans1D4" presStyleIdx="6" presStyleCnt="26"/>
+      <dgm:prSet presAssocID="{4E37C03E-C76D-43B3-8BCA-58BD79F48F58}" presName="Name37" presStyleLbl="parChTrans1D4" presStyleIdx="5" presStyleCnt="32"/>
       <dgm:spPr/>
     </dgm:pt>
     <dgm:pt modelId="{51C6CF09-2480-4143-A02D-8506B204D6F5}" type="pres">
@@ -3028,7 +3428,7 @@
       <dgm:spPr/>
     </dgm:pt>
     <dgm:pt modelId="{B21A6AC8-FFF2-425C-AC5E-CA7D615973BB}" type="pres">
-      <dgm:prSet presAssocID="{B857C1A6-326F-4F8C-8248-EF5B96F10141}" presName="rootText" presStyleLbl="node4" presStyleIdx="6" presStyleCnt="26" custScaleY="211797">
+      <dgm:prSet presAssocID="{B857C1A6-326F-4F8C-8248-EF5B96F10141}" presName="rootText" presStyleLbl="node4" presStyleIdx="5" presStyleCnt="32" custScaleX="130677" custScaleY="365216">
         <dgm:presLayoutVars>
           <dgm:chPref val="3"/>
         </dgm:presLayoutVars>
@@ -3036,7 +3436,7 @@
       <dgm:spPr/>
     </dgm:pt>
     <dgm:pt modelId="{5FE29621-C083-4554-AC03-9C340B68B2A8}" type="pres">
-      <dgm:prSet presAssocID="{B857C1A6-326F-4F8C-8248-EF5B96F10141}" presName="rootConnector" presStyleLbl="node4" presStyleIdx="6" presStyleCnt="26"/>
+      <dgm:prSet presAssocID="{B857C1A6-326F-4F8C-8248-EF5B96F10141}" presName="rootConnector" presStyleLbl="node4" presStyleIdx="5" presStyleCnt="32"/>
       <dgm:spPr/>
     </dgm:pt>
     <dgm:pt modelId="{47938B0A-C42F-43CD-8221-FA84E122CDA8}" type="pres">
@@ -3052,7 +3452,7 @@
       <dgm:spPr/>
     </dgm:pt>
     <dgm:pt modelId="{F86FCEE3-0E56-43A0-B480-F308801B86C6}" type="pres">
-      <dgm:prSet presAssocID="{118DB96C-A361-4AE2-A784-B73BD97C64F1}" presName="Name37" presStyleLbl="parChTrans1D3" presStyleIdx="3" presStyleCnt="11"/>
+      <dgm:prSet presAssocID="{118DB96C-A361-4AE2-A784-B73BD97C64F1}" presName="Name37" presStyleLbl="parChTrans1D3" presStyleIdx="3" presStyleCnt="16"/>
       <dgm:spPr/>
     </dgm:pt>
     <dgm:pt modelId="{EFFED77E-68C6-4031-92C7-AC04431E16AC}" type="pres">
@@ -3068,7 +3468,7 @@
       <dgm:spPr/>
     </dgm:pt>
     <dgm:pt modelId="{32C9AB5B-10B9-4F44-9859-626B9D531E18}" type="pres">
-      <dgm:prSet presAssocID="{34EFF2C1-D24A-4A68-BA15-9F9436464740}" presName="rootText" presStyleLbl="node3" presStyleIdx="3" presStyleCnt="11" custScaleY="155186">
+      <dgm:prSet presAssocID="{34EFF2C1-D24A-4A68-BA15-9F9436464740}" presName="rootText" presStyleLbl="node3" presStyleIdx="3" presStyleCnt="16" custScaleX="137333" custScaleY="311287">
         <dgm:presLayoutVars>
           <dgm:chPref val="3"/>
         </dgm:presLayoutVars>
@@ -3076,7 +3476,7 @@
       <dgm:spPr/>
     </dgm:pt>
     <dgm:pt modelId="{36CA30D9-5DEA-4841-AF31-B7E50EE1DF57}" type="pres">
-      <dgm:prSet presAssocID="{34EFF2C1-D24A-4A68-BA15-9F9436464740}" presName="rootConnector" presStyleLbl="node3" presStyleIdx="3" presStyleCnt="11"/>
+      <dgm:prSet presAssocID="{34EFF2C1-D24A-4A68-BA15-9F9436464740}" presName="rootConnector" presStyleLbl="node3" presStyleIdx="3" presStyleCnt="16"/>
       <dgm:spPr/>
     </dgm:pt>
     <dgm:pt modelId="{5C4670F0-83E8-426D-B9D5-184B3195F042}" type="pres">
@@ -3084,7 +3484,7 @@
       <dgm:spPr/>
     </dgm:pt>
     <dgm:pt modelId="{D5CD53A4-F7BE-464C-AC03-488250BE654E}" type="pres">
-      <dgm:prSet presAssocID="{5D3ACED8-760F-4869-AD3E-69AC72742C53}" presName="Name37" presStyleLbl="parChTrans1D4" presStyleIdx="7" presStyleCnt="26"/>
+      <dgm:prSet presAssocID="{5D3ACED8-760F-4869-AD3E-69AC72742C53}" presName="Name37" presStyleLbl="parChTrans1D4" presStyleIdx="6" presStyleCnt="32"/>
       <dgm:spPr/>
     </dgm:pt>
     <dgm:pt modelId="{7E97391D-BC8B-4F85-8543-981FB6C32CE1}" type="pres">
@@ -3100,7 +3500,7 @@
       <dgm:spPr/>
     </dgm:pt>
     <dgm:pt modelId="{32E150E0-EA9D-4225-9AF4-BA6A76BA4AC2}" type="pres">
-      <dgm:prSet presAssocID="{DD96F167-5C9D-4A08-9E07-9744C5377838}" presName="rootText" presStyleLbl="node4" presStyleIdx="7" presStyleCnt="26" custScaleY="226968">
+      <dgm:prSet presAssocID="{DD96F167-5C9D-4A08-9E07-9744C5377838}" presName="rootText" presStyleLbl="node4" presStyleIdx="6" presStyleCnt="32" custScaleY="226968">
         <dgm:presLayoutVars>
           <dgm:chPref val="3"/>
         </dgm:presLayoutVars>
@@ -3108,7 +3508,7 @@
       <dgm:spPr/>
     </dgm:pt>
     <dgm:pt modelId="{C5BB10D6-36DA-4E77-B8B1-88F7BA551BA7}" type="pres">
-      <dgm:prSet presAssocID="{DD96F167-5C9D-4A08-9E07-9744C5377838}" presName="rootConnector" presStyleLbl="node4" presStyleIdx="7" presStyleCnt="26"/>
+      <dgm:prSet presAssocID="{DD96F167-5C9D-4A08-9E07-9744C5377838}" presName="rootConnector" presStyleLbl="node4" presStyleIdx="6" presStyleCnt="32"/>
       <dgm:spPr/>
     </dgm:pt>
     <dgm:pt modelId="{35B99BE6-4F52-4897-A432-9B7B2875997E}" type="pres">
@@ -3117,6 +3517,78 @@
     </dgm:pt>
     <dgm:pt modelId="{CEAF2D6F-3442-4598-B979-EDBAAF846A22}" type="pres">
       <dgm:prSet presAssocID="{DD96F167-5C9D-4A08-9E07-9744C5377838}" presName="hierChild5" presStyleCnt="0"/>
+      <dgm:spPr/>
+    </dgm:pt>
+    <dgm:pt modelId="{BF95CEE1-0524-4F85-AE7B-48959E566471}" type="pres">
+      <dgm:prSet presAssocID="{7F983F57-0F8A-4912-851A-4617052E093A}" presName="Name37" presStyleLbl="parChTrans1D4" presStyleIdx="7" presStyleCnt="32"/>
+      <dgm:spPr/>
+    </dgm:pt>
+    <dgm:pt modelId="{8BE4EA0F-9F42-4105-9154-4528F426E182}" type="pres">
+      <dgm:prSet presAssocID="{7937C63B-2983-4F6C-B3AA-FD47C3CE5A7F}" presName="hierRoot2" presStyleCnt="0">
+        <dgm:presLayoutVars>
+          <dgm:hierBranch val="init"/>
+        </dgm:presLayoutVars>
+      </dgm:prSet>
+      <dgm:spPr/>
+    </dgm:pt>
+    <dgm:pt modelId="{92A161EF-E37F-4B2F-BF82-D1FA62CA9920}" type="pres">
+      <dgm:prSet presAssocID="{7937C63B-2983-4F6C-B3AA-FD47C3CE5A7F}" presName="rootComposite" presStyleCnt="0"/>
+      <dgm:spPr/>
+    </dgm:pt>
+    <dgm:pt modelId="{8026E577-DAFF-4166-AAAC-86AAB87EEC79}" type="pres">
+      <dgm:prSet presAssocID="{7937C63B-2983-4F6C-B3AA-FD47C3CE5A7F}" presName="rootText" presStyleLbl="node4" presStyleIdx="7" presStyleCnt="32" custScaleY="208519">
+        <dgm:presLayoutVars>
+          <dgm:chPref val="3"/>
+        </dgm:presLayoutVars>
+      </dgm:prSet>
+      <dgm:spPr/>
+    </dgm:pt>
+    <dgm:pt modelId="{17ADBE6B-840A-48B2-99B3-5F9FE3DC5C06}" type="pres">
+      <dgm:prSet presAssocID="{7937C63B-2983-4F6C-B3AA-FD47C3CE5A7F}" presName="rootConnector" presStyleLbl="node4" presStyleIdx="7" presStyleCnt="32"/>
+      <dgm:spPr/>
+    </dgm:pt>
+    <dgm:pt modelId="{D20F6D43-0756-436F-B765-96B6946CA25F}" type="pres">
+      <dgm:prSet presAssocID="{7937C63B-2983-4F6C-B3AA-FD47C3CE5A7F}" presName="hierChild4" presStyleCnt="0"/>
+      <dgm:spPr/>
+    </dgm:pt>
+    <dgm:pt modelId="{082457AF-29D2-4019-8E56-000BA175610A}" type="pres">
+      <dgm:prSet presAssocID="{7937C63B-2983-4F6C-B3AA-FD47C3CE5A7F}" presName="hierChild5" presStyleCnt="0"/>
+      <dgm:spPr/>
+    </dgm:pt>
+    <dgm:pt modelId="{97F904FE-713C-4227-8346-FFE81448AF6C}" type="pres">
+      <dgm:prSet presAssocID="{4E533A91-9EB6-4C0E-A316-D56EDD1D9C15}" presName="Name37" presStyleLbl="parChTrans1D4" presStyleIdx="8" presStyleCnt="32"/>
+      <dgm:spPr/>
+    </dgm:pt>
+    <dgm:pt modelId="{3D4B1E98-AFCF-46B2-98F2-D6858F6BE8E5}" type="pres">
+      <dgm:prSet presAssocID="{FF328F05-0183-4B89-A3DF-B23554307359}" presName="hierRoot2" presStyleCnt="0">
+        <dgm:presLayoutVars>
+          <dgm:hierBranch val="init"/>
+        </dgm:presLayoutVars>
+      </dgm:prSet>
+      <dgm:spPr/>
+    </dgm:pt>
+    <dgm:pt modelId="{4C53BCF7-E6DE-4ED5-BC8A-650C870D9B10}" type="pres">
+      <dgm:prSet presAssocID="{FF328F05-0183-4B89-A3DF-B23554307359}" presName="rootComposite" presStyleCnt="0"/>
+      <dgm:spPr/>
+    </dgm:pt>
+    <dgm:pt modelId="{623178DC-8111-43B7-8650-A319E423DF9A}" type="pres">
+      <dgm:prSet presAssocID="{FF328F05-0183-4B89-A3DF-B23554307359}" presName="rootText" presStyleLbl="node4" presStyleIdx="8" presStyleCnt="32" custScaleY="298734">
+        <dgm:presLayoutVars>
+          <dgm:chPref val="3"/>
+        </dgm:presLayoutVars>
+      </dgm:prSet>
+      <dgm:spPr/>
+    </dgm:pt>
+    <dgm:pt modelId="{F28C1C13-D81A-48C3-B296-65F655A8FC47}" type="pres">
+      <dgm:prSet presAssocID="{FF328F05-0183-4B89-A3DF-B23554307359}" presName="rootConnector" presStyleLbl="node4" presStyleIdx="8" presStyleCnt="32"/>
+      <dgm:spPr/>
+    </dgm:pt>
+    <dgm:pt modelId="{9BF04C4E-E8DB-47AE-B8D1-48F5C9462F24}" type="pres">
+      <dgm:prSet presAssocID="{FF328F05-0183-4B89-A3DF-B23554307359}" presName="hierChild4" presStyleCnt="0"/>
+      <dgm:spPr/>
+    </dgm:pt>
+    <dgm:pt modelId="{B28A1863-3D69-4BE6-8785-488115CB02BB}" type="pres">
+      <dgm:prSet presAssocID="{FF328F05-0183-4B89-A3DF-B23554307359}" presName="hierChild5" presStyleCnt="0"/>
       <dgm:spPr/>
     </dgm:pt>
     <dgm:pt modelId="{2E5539CE-2D77-47D7-B250-283F0B6BD149}" type="pres">
@@ -3144,7 +3616,7 @@
       <dgm:spPr/>
     </dgm:pt>
     <dgm:pt modelId="{02EEE9B5-B9B1-42CF-A276-4C5A2E131847}" type="pres">
-      <dgm:prSet presAssocID="{5DD5215F-282A-4DBC-8CFA-B92466F64176}" presName="rootText" presStyleLbl="node2" presStyleIdx="1" presStyleCnt="2">
+      <dgm:prSet presAssocID="{5DD5215F-282A-4DBC-8CFA-B92466F64176}" presName="rootText" presStyleLbl="node2" presStyleIdx="1" presStyleCnt="2" custScaleX="221959" custScaleY="106097">
         <dgm:presLayoutVars>
           <dgm:chPref val="3"/>
         </dgm:presLayoutVars>
@@ -3160,7 +3632,7 @@
       <dgm:spPr/>
     </dgm:pt>
     <dgm:pt modelId="{E9DF77F9-A7A8-4C25-8840-B0CBC3B54A41}" type="pres">
-      <dgm:prSet presAssocID="{675C4F1C-C396-4C25-A319-AC83AE009AA5}" presName="Name37" presStyleLbl="parChTrans1D3" presStyleIdx="4" presStyleCnt="11"/>
+      <dgm:prSet presAssocID="{675C4F1C-C396-4C25-A319-AC83AE009AA5}" presName="Name37" presStyleLbl="parChTrans1D3" presStyleIdx="4" presStyleCnt="16"/>
       <dgm:spPr/>
     </dgm:pt>
     <dgm:pt modelId="{0539FDBC-262B-4CFE-B66F-D812E7A8CBEC}" type="pres">
@@ -3176,7 +3648,7 @@
       <dgm:spPr/>
     </dgm:pt>
     <dgm:pt modelId="{B18747D8-A8AC-417D-B464-BDA8C868E1C1}" type="pres">
-      <dgm:prSet presAssocID="{40BD90D1-3943-4EB3-906D-84CDCE6C80CD}" presName="rootText" presStyleLbl="node3" presStyleIdx="4" presStyleCnt="11">
+      <dgm:prSet presAssocID="{40BD90D1-3943-4EB3-906D-84CDCE6C80CD}" presName="rootText" presStyleLbl="node3" presStyleIdx="4" presStyleCnt="16" custScaleY="337524">
         <dgm:presLayoutVars>
           <dgm:chPref val="3"/>
         </dgm:presLayoutVars>
@@ -3184,7 +3656,7 @@
       <dgm:spPr/>
     </dgm:pt>
     <dgm:pt modelId="{F3B428E0-27CC-4A79-B349-9073C91458E1}" type="pres">
-      <dgm:prSet presAssocID="{40BD90D1-3943-4EB3-906D-84CDCE6C80CD}" presName="rootConnector" presStyleLbl="node3" presStyleIdx="4" presStyleCnt="11"/>
+      <dgm:prSet presAssocID="{40BD90D1-3943-4EB3-906D-84CDCE6C80CD}" presName="rootConnector" presStyleLbl="node3" presStyleIdx="4" presStyleCnt="16"/>
       <dgm:spPr/>
     </dgm:pt>
     <dgm:pt modelId="{BC1CB206-8682-4485-AEE9-1AE83E527A6C}" type="pres">
@@ -3192,7 +3664,7 @@
       <dgm:spPr/>
     </dgm:pt>
     <dgm:pt modelId="{CE57E79B-91A1-45D9-9054-4AA806126F70}" type="pres">
-      <dgm:prSet presAssocID="{E2404425-DF5A-4900-AC6B-AD69ABF082BB}" presName="Name37" presStyleLbl="parChTrans1D4" presStyleIdx="8" presStyleCnt="26"/>
+      <dgm:prSet presAssocID="{E2404425-DF5A-4900-AC6B-AD69ABF082BB}" presName="Name37" presStyleLbl="parChTrans1D4" presStyleIdx="9" presStyleCnt="32"/>
       <dgm:spPr/>
     </dgm:pt>
     <dgm:pt modelId="{EDBAEEB4-8A0E-4BE2-9FB0-1764D8491C39}" type="pres">
@@ -3208,7 +3680,7 @@
       <dgm:spPr/>
     </dgm:pt>
     <dgm:pt modelId="{5B5A2CFE-D8A2-4D10-A223-7C772AA3761E}" type="pres">
-      <dgm:prSet presAssocID="{E95B3E6E-F4B6-4A9A-ACC6-03B477B2366A}" presName="rootText" presStyleLbl="node4" presStyleIdx="8" presStyleCnt="26" custScaleX="105972" custScaleY="152020" custLinFactNeighborX="-1533" custLinFactNeighborY="6759">
+      <dgm:prSet presAssocID="{E95B3E6E-F4B6-4A9A-ACC6-03B477B2366A}" presName="rootText" presStyleLbl="node4" presStyleIdx="9" presStyleCnt="32" custScaleX="105972" custScaleY="269187" custLinFactNeighborX="-1533" custLinFactNeighborY="6759">
         <dgm:presLayoutVars>
           <dgm:chPref val="3"/>
         </dgm:presLayoutVars>
@@ -3216,15 +3688,19 @@
       <dgm:spPr/>
     </dgm:pt>
     <dgm:pt modelId="{D1635F23-6BA6-420F-B347-F339D4FCB37A}" type="pres">
-      <dgm:prSet presAssocID="{E95B3E6E-F4B6-4A9A-ACC6-03B477B2366A}" presName="rootConnector" presStyleLbl="node4" presStyleIdx="8" presStyleCnt="26"/>
+      <dgm:prSet presAssocID="{E95B3E6E-F4B6-4A9A-ACC6-03B477B2366A}" presName="rootConnector" presStyleLbl="node4" presStyleIdx="9" presStyleCnt="32"/>
       <dgm:spPr/>
     </dgm:pt>
     <dgm:pt modelId="{A81D1323-823B-4F34-88D4-FBAAABEB7750}" type="pres">
       <dgm:prSet presAssocID="{E95B3E6E-F4B6-4A9A-ACC6-03B477B2366A}" presName="hierChild4" presStyleCnt="0"/>
       <dgm:spPr/>
     </dgm:pt>
+    <dgm:pt modelId="{35529A59-EDFB-4DE4-B7BA-AA7823688A6C}" type="pres">
+      <dgm:prSet presAssocID="{E95B3E6E-F4B6-4A9A-ACC6-03B477B2366A}" presName="hierChild5" presStyleCnt="0"/>
+      <dgm:spPr/>
+    </dgm:pt>
     <dgm:pt modelId="{91664526-4DB9-413C-9EC3-DA21462838F7}" type="pres">
-      <dgm:prSet presAssocID="{5FC77B26-0ADB-4E54-8BC0-333F96712607}" presName="Name37" presStyleLbl="parChTrans1D4" presStyleIdx="9" presStyleCnt="26"/>
+      <dgm:prSet presAssocID="{5FC77B26-0ADB-4E54-8BC0-333F96712607}" presName="Name37" presStyleLbl="parChTrans1D4" presStyleIdx="10" presStyleCnt="32"/>
       <dgm:spPr/>
     </dgm:pt>
     <dgm:pt modelId="{DF423A09-C453-4DCF-9464-7D030A9D09B1}" type="pres">
@@ -3240,7 +3716,7 @@
       <dgm:spPr/>
     </dgm:pt>
     <dgm:pt modelId="{26F50A34-2972-4CB4-B149-74B75042E0B2}" type="pres">
-      <dgm:prSet presAssocID="{14CB117C-5D8D-47FE-AD95-449999D2727A}" presName="rootText" presStyleLbl="node4" presStyleIdx="9" presStyleCnt="26" custScaleX="93931" custScaleY="137293" custLinFactNeighborX="-3108" custLinFactNeighborY="7552">
+      <dgm:prSet presAssocID="{14CB117C-5D8D-47FE-AD95-449999D2727A}" presName="rootText" presStyleLbl="node4" presStyleIdx="10" presStyleCnt="32" custScaleX="93931" custScaleY="405087" custLinFactNeighborX="-3108" custLinFactNeighborY="7552">
         <dgm:presLayoutVars>
           <dgm:chPref val="3"/>
         </dgm:presLayoutVars>
@@ -3248,7 +3724,7 @@
       <dgm:spPr/>
     </dgm:pt>
     <dgm:pt modelId="{B6534123-CA5E-40E6-8B0B-672F315DD99A}" type="pres">
-      <dgm:prSet presAssocID="{14CB117C-5D8D-47FE-AD95-449999D2727A}" presName="rootConnector" presStyleLbl="node4" presStyleIdx="9" presStyleCnt="26"/>
+      <dgm:prSet presAssocID="{14CB117C-5D8D-47FE-AD95-449999D2727A}" presName="rootConnector" presStyleLbl="node4" presStyleIdx="10" presStyleCnt="32"/>
       <dgm:spPr/>
     </dgm:pt>
     <dgm:pt modelId="{A4944CC1-86D2-4B52-98D2-6FEB23C770DC}" type="pres">
@@ -3259,84 +3735,12 @@
       <dgm:prSet presAssocID="{14CB117C-5D8D-47FE-AD95-449999D2727A}" presName="hierChild5" presStyleCnt="0"/>
       <dgm:spPr/>
     </dgm:pt>
-    <dgm:pt modelId="{D5B4410B-E7FA-4880-92E6-938163BF4B17}" type="pres">
-      <dgm:prSet presAssocID="{3989EAB0-CD04-49F3-A172-4CE0E3497E5B}" presName="Name37" presStyleLbl="parChTrans1D4" presStyleIdx="10" presStyleCnt="26"/>
-      <dgm:spPr/>
-    </dgm:pt>
-    <dgm:pt modelId="{CC9D4333-0876-4391-B97C-6A0633046B8A}" type="pres">
-      <dgm:prSet presAssocID="{5965E9D4-33CA-4441-B062-D12F26934982}" presName="hierRoot2" presStyleCnt="0">
-        <dgm:presLayoutVars>
-          <dgm:hierBranch val="init"/>
-        </dgm:presLayoutVars>
-      </dgm:prSet>
-      <dgm:spPr/>
-    </dgm:pt>
-    <dgm:pt modelId="{FA372B0F-F447-4E9F-AD1A-15E0ED03FC40}" type="pres">
-      <dgm:prSet presAssocID="{5965E9D4-33CA-4441-B062-D12F26934982}" presName="rootComposite" presStyleCnt="0"/>
-      <dgm:spPr/>
-    </dgm:pt>
-    <dgm:pt modelId="{F39452D4-698F-41D6-9282-939800A13C4F}" type="pres">
-      <dgm:prSet presAssocID="{5965E9D4-33CA-4441-B062-D12F26934982}" presName="rootText" presStyleLbl="node4" presStyleIdx="10" presStyleCnt="26" custScaleX="90823" custScaleY="118479">
-        <dgm:presLayoutVars>
-          <dgm:chPref val="3"/>
-        </dgm:presLayoutVars>
-      </dgm:prSet>
-      <dgm:spPr/>
-    </dgm:pt>
-    <dgm:pt modelId="{EF20A190-C364-41AF-9FFA-F5E6F4444129}" type="pres">
-      <dgm:prSet presAssocID="{5965E9D4-33CA-4441-B062-D12F26934982}" presName="rootConnector" presStyleLbl="node4" presStyleIdx="10" presStyleCnt="26"/>
-      <dgm:spPr/>
-    </dgm:pt>
-    <dgm:pt modelId="{6D357552-025A-4A3E-8D5E-DAA73CCD4055}" type="pres">
-      <dgm:prSet presAssocID="{5965E9D4-33CA-4441-B062-D12F26934982}" presName="hierChild4" presStyleCnt="0"/>
-      <dgm:spPr/>
-    </dgm:pt>
-    <dgm:pt modelId="{791A2F9E-0ED2-4200-BCC7-C8E1AF351378}" type="pres">
-      <dgm:prSet presAssocID="{5965E9D4-33CA-4441-B062-D12F26934982}" presName="hierChild5" presStyleCnt="0"/>
-      <dgm:spPr/>
-    </dgm:pt>
-    <dgm:pt modelId="{71AE1C3D-E1BE-4B56-ABD5-061FBA1493BC}" type="pres">
-      <dgm:prSet presAssocID="{A2C78E2B-5F78-4DBF-9417-040F124B0960}" presName="Name37" presStyleLbl="parChTrans1D4" presStyleIdx="11" presStyleCnt="26"/>
-      <dgm:spPr/>
-    </dgm:pt>
-    <dgm:pt modelId="{66138FD5-2EF9-4F75-AAB3-600C99B2AE28}" type="pres">
-      <dgm:prSet presAssocID="{6C254CC0-842F-4926-BB2C-76EFCE2790A3}" presName="hierRoot2" presStyleCnt="0">
-        <dgm:presLayoutVars>
-          <dgm:hierBranch val="init"/>
-        </dgm:presLayoutVars>
-      </dgm:prSet>
-      <dgm:spPr/>
-    </dgm:pt>
-    <dgm:pt modelId="{E66F274F-6076-4434-8B16-E8794A3DBB6E}" type="pres">
-      <dgm:prSet presAssocID="{6C254CC0-842F-4926-BB2C-76EFCE2790A3}" presName="rootComposite" presStyleCnt="0"/>
-      <dgm:spPr/>
-    </dgm:pt>
-    <dgm:pt modelId="{9E36C3EA-D343-48A9-BED7-585AFBFB178B}" type="pres">
-      <dgm:prSet presAssocID="{6C254CC0-842F-4926-BB2C-76EFCE2790A3}" presName="rootText" presStyleLbl="node4" presStyleIdx="11" presStyleCnt="26" custScaleX="89039" custScaleY="125397" custLinFactNeighborX="1198" custLinFactNeighborY="-11447">
-        <dgm:presLayoutVars>
-          <dgm:chPref val="3"/>
-        </dgm:presLayoutVars>
-      </dgm:prSet>
-      <dgm:spPr/>
-    </dgm:pt>
-    <dgm:pt modelId="{B55A76DA-6E35-44E0-8CC6-A49B0025AC0C}" type="pres">
-      <dgm:prSet presAssocID="{6C254CC0-842F-4926-BB2C-76EFCE2790A3}" presName="rootConnector" presStyleLbl="node4" presStyleIdx="11" presStyleCnt="26"/>
-      <dgm:spPr/>
-    </dgm:pt>
-    <dgm:pt modelId="{7F8EDADB-BB07-43CE-844B-35B1D412B94F}" type="pres">
-      <dgm:prSet presAssocID="{6C254CC0-842F-4926-BB2C-76EFCE2790A3}" presName="hierChild4" presStyleCnt="0"/>
-      <dgm:spPr/>
-    </dgm:pt>
-    <dgm:pt modelId="{BDACF9B8-35F2-4ED3-B300-938E3637CA24}" type="pres">
-      <dgm:prSet presAssocID="{6C254CC0-842F-4926-BB2C-76EFCE2790A3}" presName="hierChild5" presStyleCnt="0"/>
-      <dgm:spPr/>
-    </dgm:pt>
-    <dgm:pt modelId="{35529A59-EDFB-4DE4-B7BA-AA7823688A6C}" type="pres">
-      <dgm:prSet presAssocID="{E95B3E6E-F4B6-4A9A-ACC6-03B477B2366A}" presName="hierChild5" presStyleCnt="0"/>
+    <dgm:pt modelId="{A63FADA1-E8A5-4BEC-A120-5FF045442377}" type="pres">
+      <dgm:prSet presAssocID="{40BD90D1-3943-4EB3-906D-84CDCE6C80CD}" presName="hierChild5" presStyleCnt="0"/>
       <dgm:spPr/>
     </dgm:pt>
     <dgm:pt modelId="{EFD0AB61-B32D-405D-B64D-49F23D49F0CE}" type="pres">
-      <dgm:prSet presAssocID="{AB325E58-1A60-4F10-8E80-262F09BC46C9}" presName="Name37" presStyleLbl="parChTrans1D4" presStyleIdx="12" presStyleCnt="26"/>
+      <dgm:prSet presAssocID="{AB325E58-1A60-4F10-8E80-262F09BC46C9}" presName="Name37" presStyleLbl="parChTrans1D3" presStyleIdx="5" presStyleCnt="16"/>
       <dgm:spPr/>
     </dgm:pt>
     <dgm:pt modelId="{BBE52911-0C50-4C97-A8C0-8E0323A4F92E}" type="pres">
@@ -3352,7 +3756,7 @@
       <dgm:spPr/>
     </dgm:pt>
     <dgm:pt modelId="{A11CF4DF-4582-472F-9953-7C13703AA3AE}" type="pres">
-      <dgm:prSet presAssocID="{2E3F007D-E604-456A-BFA9-0F1C1408CFF8}" presName="rootText" presStyleLbl="node4" presStyleIdx="12" presStyleCnt="26" custScaleX="89252" custScaleY="124123" custLinFactNeighborX="-8772" custLinFactNeighborY="3509">
+      <dgm:prSet presAssocID="{2E3F007D-E604-456A-BFA9-0F1C1408CFF8}" presName="rootText" presStyleLbl="node3" presStyleIdx="5" presStyleCnt="16" custScaleX="164608" custScaleY="212531" custLinFactNeighborX="-8772" custLinFactNeighborY="3509">
         <dgm:presLayoutVars>
           <dgm:chPref val="3"/>
         </dgm:presLayoutVars>
@@ -3360,7 +3764,7 @@
       <dgm:spPr/>
     </dgm:pt>
     <dgm:pt modelId="{70094910-1505-4F8D-8C4E-07B41E2A6D4F}" type="pres">
-      <dgm:prSet presAssocID="{2E3F007D-E604-456A-BFA9-0F1C1408CFF8}" presName="rootConnector" presStyleLbl="node4" presStyleIdx="12" presStyleCnt="26"/>
+      <dgm:prSet presAssocID="{2E3F007D-E604-456A-BFA9-0F1C1408CFF8}" presName="rootConnector" presStyleLbl="node3" presStyleIdx="5" presStyleCnt="16"/>
       <dgm:spPr/>
     </dgm:pt>
     <dgm:pt modelId="{9FD60928-04D8-46DE-A380-631FB1B2FC00}" type="pres">
@@ -3368,7 +3772,7 @@
       <dgm:spPr/>
     </dgm:pt>
     <dgm:pt modelId="{73337C2E-84A7-45D4-BA2B-2EDA4AC1748C}" type="pres">
-      <dgm:prSet presAssocID="{474E1523-FA71-4651-868C-5B355AB66A8F}" presName="Name37" presStyleLbl="parChTrans1D4" presStyleIdx="13" presStyleCnt="26"/>
+      <dgm:prSet presAssocID="{474E1523-FA71-4651-868C-5B355AB66A8F}" presName="Name37" presStyleLbl="parChTrans1D4" presStyleIdx="11" presStyleCnt="32"/>
       <dgm:spPr/>
     </dgm:pt>
     <dgm:pt modelId="{66CB05A9-FB46-48FC-83F9-7F76607BA5FC}" type="pres">
@@ -3384,7 +3788,7 @@
       <dgm:spPr/>
     </dgm:pt>
     <dgm:pt modelId="{49B00A58-B398-46D7-A3F4-D5A929224F79}" type="pres">
-      <dgm:prSet presAssocID="{8EC5C32E-DC49-4E7C-9CD4-D84AE8625971}" presName="rootText" presStyleLbl="node4" presStyleIdx="13" presStyleCnt="26" custScaleY="120571" custLinFactNeighborX="-7017">
+      <dgm:prSet presAssocID="{8EC5C32E-DC49-4E7C-9CD4-D84AE8625971}" presName="rootText" presStyleLbl="node4" presStyleIdx="11" presStyleCnt="32" custScaleX="133135" custScaleY="370940" custLinFactNeighborX="-7017">
         <dgm:presLayoutVars>
           <dgm:chPref val="3"/>
         </dgm:presLayoutVars>
@@ -3392,7 +3796,7 @@
       <dgm:spPr/>
     </dgm:pt>
     <dgm:pt modelId="{B7FB0917-8213-4B59-9087-DBC4A12CD7A8}" type="pres">
-      <dgm:prSet presAssocID="{8EC5C32E-DC49-4E7C-9CD4-D84AE8625971}" presName="rootConnector" presStyleLbl="node4" presStyleIdx="13" presStyleCnt="26"/>
+      <dgm:prSet presAssocID="{8EC5C32E-DC49-4E7C-9CD4-D84AE8625971}" presName="rootConnector" presStyleLbl="node4" presStyleIdx="11" presStyleCnt="32"/>
       <dgm:spPr/>
     </dgm:pt>
     <dgm:pt modelId="{00C8FA00-0551-4B34-9615-4D3098DD4C6F}" type="pres">
@@ -3403,124 +3807,12 @@
       <dgm:prSet presAssocID="{8EC5C32E-DC49-4E7C-9CD4-D84AE8625971}" presName="hierChild5" presStyleCnt="0"/>
       <dgm:spPr/>
     </dgm:pt>
-    <dgm:pt modelId="{DF1A49CA-C4C6-4CC3-BD0A-E3EE3F60F4B9}" type="pres">
-      <dgm:prSet presAssocID="{F9D4094C-89B1-4093-B9AB-53BDFF585FF3}" presName="Name37" presStyleLbl="parChTrans1D4" presStyleIdx="14" presStyleCnt="26"/>
-      <dgm:spPr/>
-    </dgm:pt>
-    <dgm:pt modelId="{2FEF5612-00C3-4855-B88A-03B28963EE11}" type="pres">
-      <dgm:prSet presAssocID="{16E11150-6742-402A-BAB5-092FF2FEFC20}" presName="hierRoot2" presStyleCnt="0">
-        <dgm:presLayoutVars>
-          <dgm:hierBranch val="init"/>
-        </dgm:presLayoutVars>
-      </dgm:prSet>
-      <dgm:spPr/>
-    </dgm:pt>
-    <dgm:pt modelId="{A46C4DCD-D725-4F7E-B3CE-7327C039ED5C}" type="pres">
-      <dgm:prSet presAssocID="{16E11150-6742-402A-BAB5-092FF2FEFC20}" presName="rootComposite" presStyleCnt="0"/>
-      <dgm:spPr/>
-    </dgm:pt>
-    <dgm:pt modelId="{5D81A248-700D-4C8B-9866-4BDDF473C71D}" type="pres">
-      <dgm:prSet presAssocID="{16E11150-6742-402A-BAB5-092FF2FEFC20}" presName="rootText" presStyleLbl="node4" presStyleIdx="14" presStyleCnt="26" custScaleY="144984" custLinFactNeighborX="-7959" custLinFactNeighborY="-18006">
-        <dgm:presLayoutVars>
-          <dgm:chPref val="3"/>
-        </dgm:presLayoutVars>
-      </dgm:prSet>
-      <dgm:spPr/>
-    </dgm:pt>
-    <dgm:pt modelId="{11399B0C-D207-4924-A800-4DD8025D920F}" type="pres">
-      <dgm:prSet presAssocID="{16E11150-6742-402A-BAB5-092FF2FEFC20}" presName="rootConnector" presStyleLbl="node4" presStyleIdx="14" presStyleCnt="26"/>
-      <dgm:spPr/>
-    </dgm:pt>
-    <dgm:pt modelId="{7588DF8B-DC25-4BE1-AAB4-8907041D986D}" type="pres">
-      <dgm:prSet presAssocID="{16E11150-6742-402A-BAB5-092FF2FEFC20}" presName="hierChild4" presStyleCnt="0"/>
-      <dgm:spPr/>
-    </dgm:pt>
-    <dgm:pt modelId="{B9F4241C-E454-471E-8D77-3317578DCF37}" type="pres">
-      <dgm:prSet presAssocID="{16E11150-6742-402A-BAB5-092FF2FEFC20}" presName="hierChild5" presStyleCnt="0"/>
-      <dgm:spPr/>
-    </dgm:pt>
     <dgm:pt modelId="{933581B3-517E-451C-B806-345E0EEEB36C}" type="pres">
       <dgm:prSet presAssocID="{2E3F007D-E604-456A-BFA9-0F1C1408CFF8}" presName="hierChild5" presStyleCnt="0"/>
       <dgm:spPr/>
     </dgm:pt>
-    <dgm:pt modelId="{A63FADA1-E8A5-4BEC-A120-5FF045442377}" type="pres">
-      <dgm:prSet presAssocID="{40BD90D1-3943-4EB3-906D-84CDCE6C80CD}" presName="hierChild5" presStyleCnt="0"/>
-      <dgm:spPr/>
-    </dgm:pt>
-    <dgm:pt modelId="{9E0AE47D-26DC-4B27-AAF0-F66555219251}" type="pres">
-      <dgm:prSet presAssocID="{EBC982DF-151E-4344-9CF7-5A8CAAE23D03}" presName="Name37" presStyleLbl="parChTrans1D3" presStyleIdx="5" presStyleCnt="11"/>
-      <dgm:spPr/>
-    </dgm:pt>
-    <dgm:pt modelId="{7DD2E7F6-857F-4B82-A967-8DB7E508B033}" type="pres">
-      <dgm:prSet presAssocID="{46948CF3-05E0-42E2-A61A-CBFEED5B9BF3}" presName="hierRoot2" presStyleCnt="0">
-        <dgm:presLayoutVars>
-          <dgm:hierBranch val="init"/>
-        </dgm:presLayoutVars>
-      </dgm:prSet>
-      <dgm:spPr/>
-    </dgm:pt>
-    <dgm:pt modelId="{C5760BC6-2DAA-4A9E-9DE9-04260089ABF1}" type="pres">
-      <dgm:prSet presAssocID="{46948CF3-05E0-42E2-A61A-CBFEED5B9BF3}" presName="rootComposite" presStyleCnt="0"/>
-      <dgm:spPr/>
-    </dgm:pt>
-    <dgm:pt modelId="{DFBB2094-69A1-4A52-A92D-360B1A07D1A3}" type="pres">
-      <dgm:prSet presAssocID="{46948CF3-05E0-42E2-A61A-CBFEED5B9BF3}" presName="rootText" presStyleLbl="node3" presStyleIdx="5" presStyleCnt="11">
-        <dgm:presLayoutVars>
-          <dgm:chPref val="3"/>
-        </dgm:presLayoutVars>
-      </dgm:prSet>
-      <dgm:spPr/>
-    </dgm:pt>
-    <dgm:pt modelId="{B81295CD-D601-419B-8B46-33E6E75125C7}" type="pres">
-      <dgm:prSet presAssocID="{46948CF3-05E0-42E2-A61A-CBFEED5B9BF3}" presName="rootConnector" presStyleLbl="node3" presStyleIdx="5" presStyleCnt="11"/>
-      <dgm:spPr/>
-    </dgm:pt>
-    <dgm:pt modelId="{B860504E-2354-42C8-B02D-D2E80A98164F}" type="pres">
-      <dgm:prSet presAssocID="{46948CF3-05E0-42E2-A61A-CBFEED5B9BF3}" presName="hierChild4" presStyleCnt="0"/>
-      <dgm:spPr/>
-    </dgm:pt>
-    <dgm:pt modelId="{FD53E89B-641C-4DE1-BCAA-B1BE6DE402AA}" type="pres">
-      <dgm:prSet presAssocID="{E3984623-EF8F-45C7-A80A-238E6B9BC61B}" presName="Name37" presStyleLbl="parChTrans1D4" presStyleIdx="15" presStyleCnt="26"/>
-      <dgm:spPr/>
-    </dgm:pt>
-    <dgm:pt modelId="{F8A94415-CB36-41F3-8695-24D27DE38302}" type="pres">
-      <dgm:prSet presAssocID="{AF6B9632-F743-47ED-9C57-43057DABD278}" presName="hierRoot2" presStyleCnt="0">
-        <dgm:presLayoutVars>
-          <dgm:hierBranch val="init"/>
-        </dgm:presLayoutVars>
-      </dgm:prSet>
-      <dgm:spPr/>
-    </dgm:pt>
-    <dgm:pt modelId="{A7A20D8C-902B-47C7-B79B-91F782230596}" type="pres">
-      <dgm:prSet presAssocID="{AF6B9632-F743-47ED-9C57-43057DABD278}" presName="rootComposite" presStyleCnt="0"/>
-      <dgm:spPr/>
-    </dgm:pt>
-    <dgm:pt modelId="{23CCBA72-FE18-4FD3-A65C-DB406EB3BA0C}" type="pres">
-      <dgm:prSet presAssocID="{AF6B9632-F743-47ED-9C57-43057DABD278}" presName="rootText" presStyleLbl="node4" presStyleIdx="15" presStyleCnt="26" custScaleY="207535">
-        <dgm:presLayoutVars>
-          <dgm:chPref val="3"/>
-        </dgm:presLayoutVars>
-      </dgm:prSet>
-      <dgm:spPr/>
-    </dgm:pt>
-    <dgm:pt modelId="{45991460-B34E-4A4B-84B1-8741B1F8E571}" type="pres">
-      <dgm:prSet presAssocID="{AF6B9632-F743-47ED-9C57-43057DABD278}" presName="rootConnector" presStyleLbl="node4" presStyleIdx="15" presStyleCnt="26"/>
-      <dgm:spPr/>
-    </dgm:pt>
-    <dgm:pt modelId="{6A249C7F-EAD1-4B6E-91F6-98D9A19F4ACE}" type="pres">
-      <dgm:prSet presAssocID="{AF6B9632-F743-47ED-9C57-43057DABD278}" presName="hierChild4" presStyleCnt="0"/>
-      <dgm:spPr/>
-    </dgm:pt>
-    <dgm:pt modelId="{C742BD90-B31D-457F-83F1-17DF7E46FEB9}" type="pres">
-      <dgm:prSet presAssocID="{AF6B9632-F743-47ED-9C57-43057DABD278}" presName="hierChild5" presStyleCnt="0"/>
-      <dgm:spPr/>
-    </dgm:pt>
-    <dgm:pt modelId="{3A2D2C22-EBAA-4004-B70A-6169629333CD}" type="pres">
-      <dgm:prSet presAssocID="{46948CF3-05E0-42E2-A61A-CBFEED5B9BF3}" presName="hierChild5" presStyleCnt="0"/>
-      <dgm:spPr/>
-    </dgm:pt>
     <dgm:pt modelId="{DCA1E5F4-90DF-4E81-A0D7-28A5F3B01880}" type="pres">
-      <dgm:prSet presAssocID="{30235297-B831-4E18-B3D0-06C366E42845}" presName="Name37" presStyleLbl="parChTrans1D3" presStyleIdx="6" presStyleCnt="11"/>
+      <dgm:prSet presAssocID="{30235297-B831-4E18-B3D0-06C366E42845}" presName="Name37" presStyleLbl="parChTrans1D3" presStyleIdx="6" presStyleCnt="16"/>
       <dgm:spPr/>
     </dgm:pt>
     <dgm:pt modelId="{C7733892-2F6A-47DC-9F83-05913C4C8A3B}" type="pres">
@@ -3536,7 +3828,7 @@
       <dgm:spPr/>
     </dgm:pt>
     <dgm:pt modelId="{57B96674-772E-4E2C-94DF-4D142CFE3C18}" type="pres">
-      <dgm:prSet presAssocID="{DD283DBF-7238-4196-A281-ED2CE3A0B825}" presName="rootText" presStyleLbl="node3" presStyleIdx="6" presStyleCnt="11">
+      <dgm:prSet presAssocID="{DD283DBF-7238-4196-A281-ED2CE3A0B825}" presName="rootText" presStyleLbl="node3" presStyleIdx="6" presStyleCnt="16" custScaleY="275695">
         <dgm:presLayoutVars>
           <dgm:chPref val="3"/>
         </dgm:presLayoutVars>
@@ -3552,7 +3844,7 @@
       </dgm:spPr>
     </dgm:pt>
     <dgm:pt modelId="{FD62D8AB-4905-48A5-9900-109453920682}" type="pres">
-      <dgm:prSet presAssocID="{DD283DBF-7238-4196-A281-ED2CE3A0B825}" presName="rootConnector" presStyleLbl="node3" presStyleIdx="6" presStyleCnt="11"/>
+      <dgm:prSet presAssocID="{DD283DBF-7238-4196-A281-ED2CE3A0B825}" presName="rootConnector" presStyleLbl="node3" presStyleIdx="6" presStyleCnt="16"/>
       <dgm:spPr/>
     </dgm:pt>
     <dgm:pt modelId="{B5CCA07E-4847-4DCE-9BCF-8D16014DD58B}" type="pres">
@@ -3560,7 +3852,7 @@
       <dgm:spPr/>
     </dgm:pt>
     <dgm:pt modelId="{485591B9-5708-47A2-BAA5-824FF6E2DD2F}" type="pres">
-      <dgm:prSet presAssocID="{A70C1F43-52FE-4363-8A29-E38B9E801940}" presName="Name37" presStyleLbl="parChTrans1D4" presStyleIdx="16" presStyleCnt="26"/>
+      <dgm:prSet presAssocID="{A70C1F43-52FE-4363-8A29-E38B9E801940}" presName="Name37" presStyleLbl="parChTrans1D4" presStyleIdx="12" presStyleCnt="32"/>
       <dgm:spPr/>
     </dgm:pt>
     <dgm:pt modelId="{ACC89364-EA04-4D2D-A80A-7A6EA994F7B2}" type="pres">
@@ -3576,7 +3868,7 @@
       <dgm:spPr/>
     </dgm:pt>
     <dgm:pt modelId="{22C5D4E4-B183-4908-A417-8AFC2ABB6675}" type="pres">
-      <dgm:prSet presAssocID="{1AA9336A-8F84-4E05-B5DA-FC298999BD02}" presName="rootText" presStyleLbl="node4" presStyleIdx="16" presStyleCnt="26" custScaleY="161877">
+      <dgm:prSet presAssocID="{1AA9336A-8F84-4E05-B5DA-FC298999BD02}" presName="rootText" presStyleLbl="node4" presStyleIdx="12" presStyleCnt="32" custScaleY="290224">
         <dgm:presLayoutVars>
           <dgm:chPref val="3"/>
         </dgm:presLayoutVars>
@@ -3584,7 +3876,7 @@
       <dgm:spPr/>
     </dgm:pt>
     <dgm:pt modelId="{8F75B651-F2DB-4771-A33F-AC230E15378D}" type="pres">
-      <dgm:prSet presAssocID="{1AA9336A-8F84-4E05-B5DA-FC298999BD02}" presName="rootConnector" presStyleLbl="node4" presStyleIdx="16" presStyleCnt="26"/>
+      <dgm:prSet presAssocID="{1AA9336A-8F84-4E05-B5DA-FC298999BD02}" presName="rootConnector" presStyleLbl="node4" presStyleIdx="12" presStyleCnt="32"/>
       <dgm:spPr/>
     </dgm:pt>
     <dgm:pt modelId="{24E9373F-B877-45D2-9A00-894A6B6A677B}" type="pres">
@@ -3596,7 +3888,7 @@
       <dgm:spPr/>
     </dgm:pt>
     <dgm:pt modelId="{779DDC95-C78F-47F2-827D-246A24C3D463}" type="pres">
-      <dgm:prSet presAssocID="{F06EC88D-9AEE-4503-BAE4-FF30A832FD7D}" presName="Name37" presStyleLbl="parChTrans1D4" presStyleIdx="17" presStyleCnt="26"/>
+      <dgm:prSet presAssocID="{F06EC88D-9AEE-4503-BAE4-FF30A832FD7D}" presName="Name37" presStyleLbl="parChTrans1D4" presStyleIdx="13" presStyleCnt="32"/>
       <dgm:spPr/>
     </dgm:pt>
     <dgm:pt modelId="{CE8BEA3C-1AEB-4CE0-B09A-2B33D8DE115C}" type="pres">
@@ -3612,7 +3904,7 @@
       <dgm:spPr/>
     </dgm:pt>
     <dgm:pt modelId="{5A053106-4DC6-4069-98DF-7CCE0F31AF65}" type="pres">
-      <dgm:prSet presAssocID="{C49A89BA-FEBB-4221-B546-3FCF4E260CEE}" presName="rootText" presStyleLbl="node4" presStyleIdx="17" presStyleCnt="26" custScaleY="114323">
+      <dgm:prSet presAssocID="{C49A89BA-FEBB-4221-B546-3FCF4E260CEE}" presName="rootText" presStyleLbl="node4" presStyleIdx="13" presStyleCnt="32" custScaleX="112913" custScaleY="286026">
         <dgm:presLayoutVars>
           <dgm:chPref val="3"/>
         </dgm:presLayoutVars>
@@ -3620,7 +3912,7 @@
       <dgm:spPr/>
     </dgm:pt>
     <dgm:pt modelId="{D032EA75-E7E4-495D-BF2B-F6AB2780B1CD}" type="pres">
-      <dgm:prSet presAssocID="{C49A89BA-FEBB-4221-B546-3FCF4E260CEE}" presName="rootConnector" presStyleLbl="node4" presStyleIdx="17" presStyleCnt="26"/>
+      <dgm:prSet presAssocID="{C49A89BA-FEBB-4221-B546-3FCF4E260CEE}" presName="rootConnector" presStyleLbl="node4" presStyleIdx="13" presStyleCnt="32"/>
       <dgm:spPr/>
     </dgm:pt>
     <dgm:pt modelId="{B6A0AF89-1E94-40C9-9FD9-4D6A2FF74AF0}" type="pres">
@@ -3631,12 +3923,48 @@
       <dgm:prSet presAssocID="{C49A89BA-FEBB-4221-B546-3FCF4E260CEE}" presName="hierChild5" presStyleCnt="0"/>
       <dgm:spPr/>
     </dgm:pt>
+    <dgm:pt modelId="{2F305A85-6178-4EF2-8EA7-22D27AAE2DEF}" type="pres">
+      <dgm:prSet presAssocID="{74FACBEE-4D09-4A2A-B9C4-79239761E8F4}" presName="Name37" presStyleLbl="parChTrans1D4" presStyleIdx="14" presStyleCnt="32"/>
+      <dgm:spPr/>
+    </dgm:pt>
+    <dgm:pt modelId="{3DDA1044-4D21-4B9A-AA0C-8A68303929C5}" type="pres">
+      <dgm:prSet presAssocID="{29ABE36A-A02F-4902-94C2-FEBDCB25E7FD}" presName="hierRoot2" presStyleCnt="0">
+        <dgm:presLayoutVars>
+          <dgm:hierBranch val="init"/>
+        </dgm:presLayoutVars>
+      </dgm:prSet>
+      <dgm:spPr/>
+    </dgm:pt>
+    <dgm:pt modelId="{F2F1EDF6-2662-4241-87E0-C55392550DB7}" type="pres">
+      <dgm:prSet presAssocID="{29ABE36A-A02F-4902-94C2-FEBDCB25E7FD}" presName="rootComposite" presStyleCnt="0"/>
+      <dgm:spPr/>
+    </dgm:pt>
+    <dgm:pt modelId="{E62F8C15-1AF4-46B5-8C80-A918F5515FE0}" type="pres">
+      <dgm:prSet presAssocID="{29ABE36A-A02F-4902-94C2-FEBDCB25E7FD}" presName="rootText" presStyleLbl="node4" presStyleIdx="14" presStyleCnt="32" custScaleY="324992">
+        <dgm:presLayoutVars>
+          <dgm:chPref val="3"/>
+        </dgm:presLayoutVars>
+      </dgm:prSet>
+      <dgm:spPr/>
+    </dgm:pt>
+    <dgm:pt modelId="{F9502386-48DD-42B6-A3E9-866903A165AE}" type="pres">
+      <dgm:prSet presAssocID="{29ABE36A-A02F-4902-94C2-FEBDCB25E7FD}" presName="rootConnector" presStyleLbl="node4" presStyleIdx="14" presStyleCnt="32"/>
+      <dgm:spPr/>
+    </dgm:pt>
+    <dgm:pt modelId="{1AAE48C6-B0E8-456C-B095-1FB19E042662}" type="pres">
+      <dgm:prSet presAssocID="{29ABE36A-A02F-4902-94C2-FEBDCB25E7FD}" presName="hierChild4" presStyleCnt="0"/>
+      <dgm:spPr/>
+    </dgm:pt>
+    <dgm:pt modelId="{AA6EB2EE-EAEF-457C-B399-93ED51B63A8F}" type="pres">
+      <dgm:prSet presAssocID="{29ABE36A-A02F-4902-94C2-FEBDCB25E7FD}" presName="hierChild5" presStyleCnt="0"/>
+      <dgm:spPr/>
+    </dgm:pt>
     <dgm:pt modelId="{F65A2C51-D44E-49A8-9FC6-45E3ACDDDD04}" type="pres">
       <dgm:prSet presAssocID="{DD283DBF-7238-4196-A281-ED2CE3A0B825}" presName="hierChild5" presStyleCnt="0"/>
       <dgm:spPr/>
     </dgm:pt>
     <dgm:pt modelId="{520D2C64-044E-4AE5-9052-90F1A25D6BCA}" type="pres">
-      <dgm:prSet presAssocID="{685737CF-67AA-48C0-B251-9E42C69348CF}" presName="Name37" presStyleLbl="parChTrans1D3" presStyleIdx="7" presStyleCnt="11"/>
+      <dgm:prSet presAssocID="{685737CF-67AA-48C0-B251-9E42C69348CF}" presName="Name37" presStyleLbl="parChTrans1D3" presStyleIdx="7" presStyleCnt="16"/>
       <dgm:spPr/>
     </dgm:pt>
     <dgm:pt modelId="{457255EE-BEEB-4FA0-9B5C-F01FF5CF08E1}" type="pres">
@@ -3652,7 +3980,7 @@
       <dgm:spPr/>
     </dgm:pt>
     <dgm:pt modelId="{C3614074-BE64-4719-8F4C-2795D39F0663}" type="pres">
-      <dgm:prSet presAssocID="{3393CED3-3F25-46DA-9851-DCBC919C8ABB}" presName="rootText" presStyleLbl="node3" presStyleIdx="7" presStyleCnt="11" custScaleX="109110">
+      <dgm:prSet presAssocID="{3393CED3-3F25-46DA-9851-DCBC919C8ABB}" presName="rootText" presStyleLbl="node3" presStyleIdx="7" presStyleCnt="16" custScaleX="109110" custScaleY="427777">
         <dgm:presLayoutVars>
           <dgm:chPref val="3"/>
         </dgm:presLayoutVars>
@@ -3668,7 +3996,7 @@
       </dgm:spPr>
     </dgm:pt>
     <dgm:pt modelId="{D3BCF7EC-9E3C-4DBE-A030-2C55281B23F5}" type="pres">
-      <dgm:prSet presAssocID="{3393CED3-3F25-46DA-9851-DCBC919C8ABB}" presName="rootConnector" presStyleLbl="node3" presStyleIdx="7" presStyleCnt="11"/>
+      <dgm:prSet presAssocID="{3393CED3-3F25-46DA-9851-DCBC919C8ABB}" presName="rootConnector" presStyleLbl="node3" presStyleIdx="7" presStyleCnt="16"/>
       <dgm:spPr/>
     </dgm:pt>
     <dgm:pt modelId="{DD4D1A8E-973D-4069-9845-2B2C8B405D12}" type="pres">
@@ -3676,7 +4004,7 @@
       <dgm:spPr/>
     </dgm:pt>
     <dgm:pt modelId="{494C062B-A136-488A-92E0-72A9B999A4C7}" type="pres">
-      <dgm:prSet presAssocID="{F5CC9385-3F68-4461-A3D4-D990CBA25D9C}" presName="Name37" presStyleLbl="parChTrans1D4" presStyleIdx="18" presStyleCnt="26"/>
+      <dgm:prSet presAssocID="{F5CC9385-3F68-4461-A3D4-D990CBA25D9C}" presName="Name37" presStyleLbl="parChTrans1D4" presStyleIdx="15" presStyleCnt="32"/>
       <dgm:spPr/>
     </dgm:pt>
     <dgm:pt modelId="{0BD6E2AC-8758-4C74-B0D1-B2400357E9B4}" type="pres">
@@ -3692,7 +4020,7 @@
       <dgm:spPr/>
     </dgm:pt>
     <dgm:pt modelId="{98A4BD74-F07E-470E-BABA-EA955F4355E8}" type="pres">
-      <dgm:prSet presAssocID="{16B24D9E-3B96-47CF-AB63-B7EAE10F94C9}" presName="rootText" presStyleLbl="node4" presStyleIdx="18" presStyleCnt="26" custScaleY="163950">
+      <dgm:prSet presAssocID="{16B24D9E-3B96-47CF-AB63-B7EAE10F94C9}" presName="rootText" presStyleLbl="node4" presStyleIdx="15" presStyleCnt="32" custScaleY="299056">
         <dgm:presLayoutVars>
           <dgm:chPref val="3"/>
         </dgm:presLayoutVars>
@@ -3700,7 +4028,7 @@
       <dgm:spPr/>
     </dgm:pt>
     <dgm:pt modelId="{1AEA9C5E-E176-4070-92BF-AF000A600440}" type="pres">
-      <dgm:prSet presAssocID="{16B24D9E-3B96-47CF-AB63-B7EAE10F94C9}" presName="rootConnector" presStyleLbl="node4" presStyleIdx="18" presStyleCnt="26"/>
+      <dgm:prSet presAssocID="{16B24D9E-3B96-47CF-AB63-B7EAE10F94C9}" presName="rootConnector" presStyleLbl="node4" presStyleIdx="15" presStyleCnt="32"/>
       <dgm:spPr/>
     </dgm:pt>
     <dgm:pt modelId="{B3558CCC-BFC3-4DC3-9497-866EB41304E7}" type="pres">
@@ -3712,7 +4040,7 @@
       <dgm:spPr/>
     </dgm:pt>
     <dgm:pt modelId="{F47E7DFE-6025-479F-8924-BD5F0FBB723B}" type="pres">
-      <dgm:prSet presAssocID="{078A9EF8-7DC1-4C04-9CD5-6645FB548397}" presName="Name37" presStyleLbl="parChTrans1D4" presStyleIdx="19" presStyleCnt="26"/>
+      <dgm:prSet presAssocID="{078A9EF8-7DC1-4C04-9CD5-6645FB548397}" presName="Name37" presStyleLbl="parChTrans1D4" presStyleIdx="16" presStyleCnt="32"/>
       <dgm:spPr/>
     </dgm:pt>
     <dgm:pt modelId="{7F18BD66-07E0-4090-9FF9-96E10ECC7E1F}" type="pres">
@@ -3728,7 +4056,7 @@
       <dgm:spPr/>
     </dgm:pt>
     <dgm:pt modelId="{99227BDC-C259-45D0-A460-2210C1707885}" type="pres">
-      <dgm:prSet presAssocID="{775415AE-F9F6-4E93-B43E-75133F887C0A}" presName="rootText" presStyleLbl="node4" presStyleIdx="19" presStyleCnt="26" custScaleY="167960" custLinFactNeighborX="777" custLinFactNeighborY="-26417">
+      <dgm:prSet presAssocID="{775415AE-F9F6-4E93-B43E-75133F887C0A}" presName="rootText" presStyleLbl="node4" presStyleIdx="16" presStyleCnt="32" custScaleY="260900" custLinFactNeighborX="777" custLinFactNeighborY="-26417">
         <dgm:presLayoutVars>
           <dgm:chPref val="3"/>
         </dgm:presLayoutVars>
@@ -3736,7 +4064,7 @@
       <dgm:spPr/>
     </dgm:pt>
     <dgm:pt modelId="{3AC4ACA7-B183-438B-87DD-D51302E58CDD}" type="pres">
-      <dgm:prSet presAssocID="{775415AE-F9F6-4E93-B43E-75133F887C0A}" presName="rootConnector" presStyleLbl="node4" presStyleIdx="19" presStyleCnt="26"/>
+      <dgm:prSet presAssocID="{775415AE-F9F6-4E93-B43E-75133F887C0A}" presName="rootConnector" presStyleLbl="node4" presStyleIdx="16" presStyleCnt="32"/>
       <dgm:spPr/>
     </dgm:pt>
     <dgm:pt modelId="{73E93A0D-5A86-4FD1-98CC-73E3CB6503C6}" type="pres">
@@ -3748,7 +4076,7 @@
       <dgm:spPr/>
     </dgm:pt>
     <dgm:pt modelId="{AE778A62-DDF5-4A28-AC93-5293E77B3641}" type="pres">
-      <dgm:prSet presAssocID="{240259B6-DBFB-4919-9DDE-5CAF113EE454}" presName="Name37" presStyleLbl="parChTrans1D4" presStyleIdx="20" presStyleCnt="26"/>
+      <dgm:prSet presAssocID="{240259B6-DBFB-4919-9DDE-5CAF113EE454}" presName="Name37" presStyleLbl="parChTrans1D4" presStyleIdx="17" presStyleCnt="32"/>
       <dgm:spPr/>
     </dgm:pt>
     <dgm:pt modelId="{32B4A313-EB99-4D54-82C9-1D97568DBB4F}" type="pres">
@@ -3764,7 +4092,7 @@
       <dgm:spPr/>
     </dgm:pt>
     <dgm:pt modelId="{47A8CFEC-4A04-4D93-9934-806CA3DCC72D}" type="pres">
-      <dgm:prSet presAssocID="{CFBD6630-C7B3-41D5-A79C-D56203F6493D}" presName="rootText" presStyleLbl="node4" presStyleIdx="20" presStyleCnt="26" custScaleY="146256" custLinFactNeighborX="0" custLinFactNeighborY="-38848">
+      <dgm:prSet presAssocID="{CFBD6630-C7B3-41D5-A79C-D56203F6493D}" presName="rootText" presStyleLbl="node4" presStyleIdx="17" presStyleCnt="32" custScaleY="287586" custLinFactNeighborX="0" custLinFactNeighborY="-38848">
         <dgm:presLayoutVars>
           <dgm:chPref val="3"/>
         </dgm:presLayoutVars>
@@ -3772,7 +4100,7 @@
       <dgm:spPr/>
     </dgm:pt>
     <dgm:pt modelId="{DFA7A816-55DD-44E3-8D4E-7E58D086312E}" type="pres">
-      <dgm:prSet presAssocID="{CFBD6630-C7B3-41D5-A79C-D56203F6493D}" presName="rootConnector" presStyleLbl="node4" presStyleIdx="20" presStyleCnt="26"/>
+      <dgm:prSet presAssocID="{CFBD6630-C7B3-41D5-A79C-D56203F6493D}" presName="rootConnector" presStyleLbl="node4" presStyleIdx="17" presStyleCnt="32"/>
       <dgm:spPr/>
     </dgm:pt>
     <dgm:pt modelId="{5FF2D378-CDAF-4A7E-BB2A-5ED9A40068D4}" type="pres">
@@ -3788,7 +4116,7 @@
       <dgm:spPr/>
     </dgm:pt>
     <dgm:pt modelId="{D6D5100B-E9EA-4C6D-B08C-2F1A1B0007AB}" type="pres">
-      <dgm:prSet presAssocID="{0942F559-9E1E-412A-90DE-E72F4AA612A3}" presName="Name37" presStyleLbl="parChTrans1D3" presStyleIdx="8" presStyleCnt="11"/>
+      <dgm:prSet presAssocID="{0942F559-9E1E-412A-90DE-E72F4AA612A3}" presName="Name37" presStyleLbl="parChTrans1D3" presStyleIdx="8" presStyleCnt="16"/>
       <dgm:spPr/>
     </dgm:pt>
     <dgm:pt modelId="{26FAA5B1-5437-422F-9F2F-D4044E8F22BE}" type="pres">
@@ -3804,7 +4132,7 @@
       <dgm:spPr/>
     </dgm:pt>
     <dgm:pt modelId="{232BC1A4-5D42-4608-9C98-C1F86B699B19}" type="pres">
-      <dgm:prSet presAssocID="{7164FFB0-612A-4C9C-85D5-FA047A1EF429}" presName="rootText" presStyleLbl="node3" presStyleIdx="8" presStyleCnt="11" custScaleX="114051">
+      <dgm:prSet presAssocID="{7164FFB0-612A-4C9C-85D5-FA047A1EF429}" presName="rootText" presStyleLbl="node3" presStyleIdx="8" presStyleCnt="16" custScaleX="114051" custScaleY="293521">
         <dgm:presLayoutVars>
           <dgm:chPref val="3"/>
         </dgm:presLayoutVars>
@@ -3812,7 +4140,7 @@
       <dgm:spPr/>
     </dgm:pt>
     <dgm:pt modelId="{B388AA40-8467-4E35-A106-A74236907217}" type="pres">
-      <dgm:prSet presAssocID="{7164FFB0-612A-4C9C-85D5-FA047A1EF429}" presName="rootConnector" presStyleLbl="node3" presStyleIdx="8" presStyleCnt="11"/>
+      <dgm:prSet presAssocID="{7164FFB0-612A-4C9C-85D5-FA047A1EF429}" presName="rootConnector" presStyleLbl="node3" presStyleIdx="8" presStyleCnt="16"/>
       <dgm:spPr/>
     </dgm:pt>
     <dgm:pt modelId="{A1165CC1-F470-4131-A30A-0E53B08F5264}" type="pres">
@@ -3820,7 +4148,7 @@
       <dgm:spPr/>
     </dgm:pt>
     <dgm:pt modelId="{E563C1B3-C7EE-4AD2-9F4B-603C2E17D74F}" type="pres">
-      <dgm:prSet presAssocID="{8C9DE4D2-EFEE-46A7-BC53-8D203C90ACF8}" presName="Name37" presStyleLbl="parChTrans1D4" presStyleIdx="21" presStyleCnt="26"/>
+      <dgm:prSet presAssocID="{8C9DE4D2-EFEE-46A7-BC53-8D203C90ACF8}" presName="Name37" presStyleLbl="parChTrans1D4" presStyleIdx="18" presStyleCnt="32"/>
       <dgm:spPr/>
     </dgm:pt>
     <dgm:pt modelId="{92B93AD6-EA80-4560-968E-2CE20A12AA52}" type="pres">
@@ -3836,7 +4164,7 @@
       <dgm:spPr/>
     </dgm:pt>
     <dgm:pt modelId="{FE752E61-95AF-4158-9A59-C0E65CA926C8}" type="pres">
-      <dgm:prSet presAssocID="{865D5362-C4FA-4F2A-AA5C-076A123F6009}" presName="rootText" presStyleLbl="node4" presStyleIdx="21" presStyleCnt="26" custScaleY="168474">
+      <dgm:prSet presAssocID="{865D5362-C4FA-4F2A-AA5C-076A123F6009}" presName="rootText" presStyleLbl="node4" presStyleIdx="18" presStyleCnt="32" custScaleY="301903">
         <dgm:presLayoutVars>
           <dgm:chPref val="3"/>
         </dgm:presLayoutVars>
@@ -3844,7 +4172,7 @@
       <dgm:spPr/>
     </dgm:pt>
     <dgm:pt modelId="{5C63C944-FC6E-4491-A583-BB5782D6FF33}" type="pres">
-      <dgm:prSet presAssocID="{865D5362-C4FA-4F2A-AA5C-076A123F6009}" presName="rootConnector" presStyleLbl="node4" presStyleIdx="21" presStyleCnt="26"/>
+      <dgm:prSet presAssocID="{865D5362-C4FA-4F2A-AA5C-076A123F6009}" presName="rootConnector" presStyleLbl="node4" presStyleIdx="18" presStyleCnt="32"/>
       <dgm:spPr/>
     </dgm:pt>
     <dgm:pt modelId="{8F77C9DC-93E5-4B70-8592-43A34760BCCA}" type="pres">
@@ -3856,7 +4184,7 @@
       <dgm:spPr/>
     </dgm:pt>
     <dgm:pt modelId="{AC6F3EE0-ECEB-4902-A1BA-0E280E64D26A}" type="pres">
-      <dgm:prSet presAssocID="{6722DE6D-A4F9-48BE-A36B-8AE76FC8E0DC}" presName="Name37" presStyleLbl="parChTrans1D4" presStyleIdx="22" presStyleCnt="26"/>
+      <dgm:prSet presAssocID="{6722DE6D-A4F9-48BE-A36B-8AE76FC8E0DC}" presName="Name37" presStyleLbl="parChTrans1D4" presStyleIdx="19" presStyleCnt="32"/>
       <dgm:spPr/>
     </dgm:pt>
     <dgm:pt modelId="{5A725BB3-CCBE-473D-AFD0-447140D52D05}" type="pres">
@@ -3872,7 +4200,7 @@
       <dgm:spPr/>
     </dgm:pt>
     <dgm:pt modelId="{91098537-C4A3-489F-9CB3-D301620B7E77}" type="pres">
-      <dgm:prSet presAssocID="{5CF5E847-3D4A-4422-9636-3A118E07766D}" presName="rootText" presStyleLbl="node4" presStyleIdx="22" presStyleCnt="26" custScaleY="125722">
+      <dgm:prSet presAssocID="{5CF5E847-3D4A-4422-9636-3A118E07766D}" presName="rootText" presStyleLbl="node4" presStyleIdx="19" presStyleCnt="32" custScaleY="370922">
         <dgm:presLayoutVars>
           <dgm:chPref val="3"/>
         </dgm:presLayoutVars>
@@ -3880,7 +4208,7 @@
       <dgm:spPr/>
     </dgm:pt>
     <dgm:pt modelId="{4EAC9CA8-B42C-4FF0-8229-812721E7DA3E}" type="pres">
-      <dgm:prSet presAssocID="{5CF5E847-3D4A-4422-9636-3A118E07766D}" presName="rootConnector" presStyleLbl="node4" presStyleIdx="22" presStyleCnt="26"/>
+      <dgm:prSet presAssocID="{5CF5E847-3D4A-4422-9636-3A118E07766D}" presName="rootConnector" presStyleLbl="node4" presStyleIdx="19" presStyleCnt="32"/>
       <dgm:spPr/>
     </dgm:pt>
     <dgm:pt modelId="{C8CCCC43-5C61-4196-9B57-C08913929A34}" type="pres">
@@ -3896,7 +4224,7 @@
       <dgm:spPr/>
     </dgm:pt>
     <dgm:pt modelId="{2E95CB6A-B166-4064-9762-56809D1ADB03}" type="pres">
-      <dgm:prSet presAssocID="{A3E001BC-C2F3-48DE-947D-779583639E30}" presName="Name37" presStyleLbl="parChTrans1D3" presStyleIdx="9" presStyleCnt="11"/>
+      <dgm:prSet presAssocID="{A3E001BC-C2F3-48DE-947D-779583639E30}" presName="Name37" presStyleLbl="parChTrans1D3" presStyleIdx="9" presStyleCnt="16"/>
       <dgm:spPr/>
     </dgm:pt>
     <dgm:pt modelId="{6127739E-D0B4-497C-9D64-B6D596B631EC}" type="pres">
@@ -3912,7 +4240,7 @@
       <dgm:spPr/>
     </dgm:pt>
     <dgm:pt modelId="{CAA2CAD7-F6F3-4272-8434-87A293491845}" type="pres">
-      <dgm:prSet presAssocID="{D7AF68C1-A051-4FDD-AD7F-5CC5EFCD0C5F}" presName="rootText" presStyleLbl="node3" presStyleIdx="9" presStyleCnt="11" custScaleX="117932">
+      <dgm:prSet presAssocID="{D7AF68C1-A051-4FDD-AD7F-5CC5EFCD0C5F}" presName="rootText" presStyleLbl="node3" presStyleIdx="9" presStyleCnt="16" custScaleX="117932" custScaleY="365990">
         <dgm:presLayoutVars>
           <dgm:chPref val="3"/>
         </dgm:presLayoutVars>
@@ -3920,7 +4248,7 @@
       <dgm:spPr/>
     </dgm:pt>
     <dgm:pt modelId="{8C93B005-2B6E-4682-AB83-A05538D46545}" type="pres">
-      <dgm:prSet presAssocID="{D7AF68C1-A051-4FDD-AD7F-5CC5EFCD0C5F}" presName="rootConnector" presStyleLbl="node3" presStyleIdx="9" presStyleCnt="11"/>
+      <dgm:prSet presAssocID="{D7AF68C1-A051-4FDD-AD7F-5CC5EFCD0C5F}" presName="rootConnector" presStyleLbl="node3" presStyleIdx="9" presStyleCnt="16"/>
       <dgm:spPr/>
     </dgm:pt>
     <dgm:pt modelId="{67739CC3-B523-4917-9A5A-D4AD0067918E}" type="pres">
@@ -3928,7 +4256,7 @@
       <dgm:spPr/>
     </dgm:pt>
     <dgm:pt modelId="{D5D8680C-1E5D-4829-80FC-4C5F482CA7B4}" type="pres">
-      <dgm:prSet presAssocID="{0EDE459A-66FC-4014-A666-96497C7A4E8A}" presName="Name37" presStyleLbl="parChTrans1D4" presStyleIdx="23" presStyleCnt="26"/>
+      <dgm:prSet presAssocID="{0EDE459A-66FC-4014-A666-96497C7A4E8A}" presName="Name37" presStyleLbl="parChTrans1D4" presStyleIdx="20" presStyleCnt="32"/>
       <dgm:spPr/>
     </dgm:pt>
     <dgm:pt modelId="{43882B16-ED98-43B1-99FC-50FFE490D493}" type="pres">
@@ -3944,7 +4272,7 @@
       <dgm:spPr/>
     </dgm:pt>
     <dgm:pt modelId="{8BFCFC47-56C4-415E-8026-CC4EC0F7A329}" type="pres">
-      <dgm:prSet presAssocID="{2EB1F0B3-14EE-4818-9AF9-A40D705ED5F2}" presName="rootText" presStyleLbl="node4" presStyleIdx="23" presStyleCnt="26" custScaleY="165990">
+      <dgm:prSet presAssocID="{2EB1F0B3-14EE-4818-9AF9-A40D705ED5F2}" presName="rootText" presStyleLbl="node4" presStyleIdx="20" presStyleCnt="32" custScaleY="263695">
         <dgm:presLayoutVars>
           <dgm:chPref val="3"/>
         </dgm:presLayoutVars>
@@ -3952,7 +4280,7 @@
       <dgm:spPr/>
     </dgm:pt>
     <dgm:pt modelId="{B209973E-5613-4E4A-8599-D51EEF644DA9}" type="pres">
-      <dgm:prSet presAssocID="{2EB1F0B3-14EE-4818-9AF9-A40D705ED5F2}" presName="rootConnector" presStyleLbl="node4" presStyleIdx="23" presStyleCnt="26"/>
+      <dgm:prSet presAssocID="{2EB1F0B3-14EE-4818-9AF9-A40D705ED5F2}" presName="rootConnector" presStyleLbl="node4" presStyleIdx="20" presStyleCnt="32"/>
       <dgm:spPr/>
     </dgm:pt>
     <dgm:pt modelId="{08FE092E-DD68-4378-952E-C78B014B8A7E}" type="pres">
@@ -3964,7 +4292,7 @@
       <dgm:spPr/>
     </dgm:pt>
     <dgm:pt modelId="{31F31732-87E0-4733-AB71-1537200BE92E}" type="pres">
-      <dgm:prSet presAssocID="{03B1EFF5-4820-42E4-BF8E-E691A3DA3749}" presName="Name37" presStyleLbl="parChTrans1D4" presStyleIdx="24" presStyleCnt="26"/>
+      <dgm:prSet presAssocID="{03B1EFF5-4820-42E4-BF8E-E691A3DA3749}" presName="Name37" presStyleLbl="parChTrans1D4" presStyleIdx="21" presStyleCnt="32"/>
       <dgm:spPr/>
     </dgm:pt>
     <dgm:pt modelId="{6778F3B5-5AE7-46CD-B119-D56071F573E0}" type="pres">
@@ -3980,7 +4308,7 @@
       <dgm:spPr/>
     </dgm:pt>
     <dgm:pt modelId="{60F8C25F-5BC0-4AB1-B365-9DA0AC3B2CB8}" type="pres">
-      <dgm:prSet presAssocID="{5F7B9B9A-A4F4-450A-B791-4E41EC3C420B}" presName="rootText" presStyleLbl="node4" presStyleIdx="24" presStyleCnt="26" custScaleY="124945">
+      <dgm:prSet presAssocID="{5F7B9B9A-A4F4-450A-B791-4E41EC3C420B}" presName="rootText" presStyleLbl="node4" presStyleIdx="21" presStyleCnt="32" custScaleY="322520">
         <dgm:presLayoutVars>
           <dgm:chPref val="3"/>
         </dgm:presLayoutVars>
@@ -3988,7 +4316,7 @@
       <dgm:spPr/>
     </dgm:pt>
     <dgm:pt modelId="{128880AB-A96F-4B96-A7EB-40CF1335E0F4}" type="pres">
-      <dgm:prSet presAssocID="{5F7B9B9A-A4F4-450A-B791-4E41EC3C420B}" presName="rootConnector" presStyleLbl="node4" presStyleIdx="24" presStyleCnt="26"/>
+      <dgm:prSet presAssocID="{5F7B9B9A-A4F4-450A-B791-4E41EC3C420B}" presName="rootConnector" presStyleLbl="node4" presStyleIdx="21" presStyleCnt="32"/>
       <dgm:spPr/>
     </dgm:pt>
     <dgm:pt modelId="{0778EAEC-AC33-4C59-8027-E193F96B6957}" type="pres">
@@ -4004,7 +4332,7 @@
       <dgm:spPr/>
     </dgm:pt>
     <dgm:pt modelId="{3ACE5927-24F9-47B6-A431-4794C2FDD9C9}" type="pres">
-      <dgm:prSet presAssocID="{9B73C77F-40D8-4491-984B-E9D06DD1BC86}" presName="Name37" presStyleLbl="parChTrans1D3" presStyleIdx="10" presStyleCnt="11"/>
+      <dgm:prSet presAssocID="{9B73C77F-40D8-4491-984B-E9D06DD1BC86}" presName="Name37" presStyleLbl="parChTrans1D3" presStyleIdx="10" presStyleCnt="16"/>
       <dgm:spPr/>
     </dgm:pt>
     <dgm:pt modelId="{DB331C92-1246-40BB-BDEB-FC55A410695E}" type="pres">
@@ -4020,7 +4348,7 @@
       <dgm:spPr/>
     </dgm:pt>
     <dgm:pt modelId="{4D11E440-8D50-47A5-ACC1-F96AD06F61D5}" type="pres">
-      <dgm:prSet presAssocID="{5082563B-6E32-431B-B101-7F7DC0EA5AEC}" presName="rootText" presStyleLbl="node3" presStyleIdx="10" presStyleCnt="11" custScaleX="115391">
+      <dgm:prSet presAssocID="{5082563B-6E32-431B-B101-7F7DC0EA5AEC}" presName="rootText" presStyleLbl="node3" presStyleIdx="10" presStyleCnt="16" custScaleX="115391" custScaleY="298071">
         <dgm:presLayoutVars>
           <dgm:chPref val="3"/>
         </dgm:presLayoutVars>
@@ -4028,7 +4356,7 @@
       <dgm:spPr/>
     </dgm:pt>
     <dgm:pt modelId="{93FFD78B-CFAD-4242-9C93-E57619C4EAD6}" type="pres">
-      <dgm:prSet presAssocID="{5082563B-6E32-431B-B101-7F7DC0EA5AEC}" presName="rootConnector" presStyleLbl="node3" presStyleIdx="10" presStyleCnt="11"/>
+      <dgm:prSet presAssocID="{5082563B-6E32-431B-B101-7F7DC0EA5AEC}" presName="rootConnector" presStyleLbl="node3" presStyleIdx="10" presStyleCnt="16"/>
       <dgm:spPr/>
     </dgm:pt>
     <dgm:pt modelId="{761A2593-EBE2-49BA-A26C-4DD04DA7187C}" type="pres">
@@ -4036,7 +4364,7 @@
       <dgm:spPr/>
     </dgm:pt>
     <dgm:pt modelId="{0EC0C316-9124-498C-8D07-5534CAC3828F}" type="pres">
-      <dgm:prSet presAssocID="{914CE761-5665-4E8B-A42C-980CA1452463}" presName="Name37" presStyleLbl="parChTrans1D4" presStyleIdx="25" presStyleCnt="26"/>
+      <dgm:prSet presAssocID="{914CE761-5665-4E8B-A42C-980CA1452463}" presName="Name37" presStyleLbl="parChTrans1D4" presStyleIdx="22" presStyleCnt="32"/>
       <dgm:spPr/>
     </dgm:pt>
     <dgm:pt modelId="{E6FF80CC-054A-40F6-ABCA-651E74D00C00}" type="pres">
@@ -4052,7 +4380,7 @@
       <dgm:spPr/>
     </dgm:pt>
     <dgm:pt modelId="{35230603-A411-4B6C-B4C9-3745E89C0DDE}" type="pres">
-      <dgm:prSet presAssocID="{423DA2F3-8E29-4E37-B519-E45E3F027535}" presName="rootText" presStyleLbl="node4" presStyleIdx="25" presStyleCnt="26" custScaleY="141553" custLinFactNeighborX="-9649">
+      <dgm:prSet presAssocID="{423DA2F3-8E29-4E37-B519-E45E3F027535}" presName="rootText" presStyleLbl="node4" presStyleIdx="22" presStyleCnt="32" custScaleX="120142" custScaleY="369442" custLinFactNeighborX="-9649">
         <dgm:presLayoutVars>
           <dgm:chPref val="3"/>
         </dgm:presLayoutVars>
@@ -4060,7 +4388,7 @@
       <dgm:spPr/>
     </dgm:pt>
     <dgm:pt modelId="{17FA0A26-46B8-4784-AB79-2242AE18C577}" type="pres">
-      <dgm:prSet presAssocID="{423DA2F3-8E29-4E37-B519-E45E3F027535}" presName="rootConnector" presStyleLbl="node4" presStyleIdx="25" presStyleCnt="26"/>
+      <dgm:prSet presAssocID="{423DA2F3-8E29-4E37-B519-E45E3F027535}" presName="rootConnector" presStyleLbl="node4" presStyleIdx="22" presStyleCnt="32"/>
       <dgm:spPr/>
     </dgm:pt>
     <dgm:pt modelId="{DA3C7F52-BB33-48DA-A9C2-7DC1C7CC88A8}" type="pres">
@@ -4071,10 +4399,514 @@
       <dgm:prSet presAssocID="{423DA2F3-8E29-4E37-B519-E45E3F027535}" presName="hierChild5" presStyleCnt="0"/>
       <dgm:spPr/>
     </dgm:pt>
+    <dgm:pt modelId="{69A97A30-4F84-43CC-8CB7-67C7A750715F}" type="pres">
+      <dgm:prSet presAssocID="{AD558FFA-5E93-42FB-A76B-6456D223A77D}" presName="Name37" presStyleLbl="parChTrans1D4" presStyleIdx="23" presStyleCnt="32"/>
+      <dgm:spPr/>
+    </dgm:pt>
+    <dgm:pt modelId="{D90EA075-702B-433B-A271-B72AF5DAFF10}" type="pres">
+      <dgm:prSet presAssocID="{B1AF95EB-664F-4DF1-A3FB-EA214C68FE40}" presName="hierRoot2" presStyleCnt="0">
+        <dgm:presLayoutVars>
+          <dgm:hierBranch val="init"/>
+        </dgm:presLayoutVars>
+      </dgm:prSet>
+      <dgm:spPr/>
+    </dgm:pt>
+    <dgm:pt modelId="{967F9F2D-27E9-4703-B127-808359A0D3E9}" type="pres">
+      <dgm:prSet presAssocID="{B1AF95EB-664F-4DF1-A3FB-EA214C68FE40}" presName="rootComposite" presStyleCnt="0"/>
+      <dgm:spPr/>
+    </dgm:pt>
+    <dgm:pt modelId="{78AEEAAF-7125-40A8-891C-C0608C63ADE4}" type="pres">
+      <dgm:prSet presAssocID="{B1AF95EB-664F-4DF1-A3FB-EA214C68FE40}" presName="rootText" presStyleLbl="node4" presStyleIdx="23" presStyleCnt="32" custScaleX="121443" custScaleY="364116">
+        <dgm:presLayoutVars>
+          <dgm:chPref val="3"/>
+        </dgm:presLayoutVars>
+      </dgm:prSet>
+      <dgm:spPr/>
+    </dgm:pt>
+    <dgm:pt modelId="{FBBFD020-6485-437A-ACDA-63479B052D87}" type="pres">
+      <dgm:prSet presAssocID="{B1AF95EB-664F-4DF1-A3FB-EA214C68FE40}" presName="rootConnector" presStyleLbl="node4" presStyleIdx="23" presStyleCnt="32"/>
+      <dgm:spPr/>
+    </dgm:pt>
+    <dgm:pt modelId="{50173DFB-6A8B-4589-AB87-7E00E99221FA}" type="pres">
+      <dgm:prSet presAssocID="{B1AF95EB-664F-4DF1-A3FB-EA214C68FE40}" presName="hierChild4" presStyleCnt="0"/>
+      <dgm:spPr/>
+    </dgm:pt>
+    <dgm:pt modelId="{400380D3-F787-4D3B-A219-CF3E54FD3E61}" type="pres">
+      <dgm:prSet presAssocID="{B1AF95EB-664F-4DF1-A3FB-EA214C68FE40}" presName="hierChild5" presStyleCnt="0"/>
+      <dgm:spPr/>
+    </dgm:pt>
     <dgm:pt modelId="{681A63B4-FA88-4E3B-9395-01FC6B5499D7}" type="pres">
       <dgm:prSet presAssocID="{5082563B-6E32-431B-B101-7F7DC0EA5AEC}" presName="hierChild5" presStyleCnt="0"/>
       <dgm:spPr/>
     </dgm:pt>
+    <dgm:pt modelId="{575AD419-B761-4102-9DB0-98991BA43AA7}" type="pres">
+      <dgm:prSet presAssocID="{EA159134-99A1-4133-B855-C5A501646E3E}" presName="Name37" presStyleLbl="parChTrans1D3" presStyleIdx="11" presStyleCnt="16"/>
+      <dgm:spPr/>
+    </dgm:pt>
+    <dgm:pt modelId="{980F0568-99C1-4FF8-A17C-9B2549649815}" type="pres">
+      <dgm:prSet presAssocID="{A884A69C-E852-4409-B995-293F5246191A}" presName="hierRoot2" presStyleCnt="0">
+        <dgm:presLayoutVars>
+          <dgm:hierBranch val="init"/>
+        </dgm:presLayoutVars>
+      </dgm:prSet>
+      <dgm:spPr/>
+    </dgm:pt>
+    <dgm:pt modelId="{8E0F1FFC-5864-4B62-8C8F-83E02D0C2A74}" type="pres">
+      <dgm:prSet presAssocID="{A884A69C-E852-4409-B995-293F5246191A}" presName="rootComposite" presStyleCnt="0"/>
+      <dgm:spPr/>
+    </dgm:pt>
+    <dgm:pt modelId="{66AF7AA9-CD9C-44F0-8DC9-9FAED3FA149F}" type="pres">
+      <dgm:prSet presAssocID="{A884A69C-E852-4409-B995-293F5246191A}" presName="rootText" presStyleLbl="node3" presStyleIdx="11" presStyleCnt="16" custScaleY="341832">
+        <dgm:presLayoutVars>
+          <dgm:chPref val="3"/>
+        </dgm:presLayoutVars>
+      </dgm:prSet>
+      <dgm:spPr/>
+    </dgm:pt>
+    <dgm:pt modelId="{EE6615A2-D7E3-442B-B03B-1D73FED3D66A}" type="pres">
+      <dgm:prSet presAssocID="{A884A69C-E852-4409-B995-293F5246191A}" presName="rootConnector" presStyleLbl="node3" presStyleIdx="11" presStyleCnt="16"/>
+      <dgm:spPr/>
+    </dgm:pt>
+    <dgm:pt modelId="{AB3FFFDC-67B6-4BF1-8234-74AB7038296C}" type="pres">
+      <dgm:prSet presAssocID="{A884A69C-E852-4409-B995-293F5246191A}" presName="hierChild4" presStyleCnt="0"/>
+      <dgm:spPr/>
+    </dgm:pt>
+    <dgm:pt modelId="{43979444-E001-40FD-900F-2168A393BE10}" type="pres">
+      <dgm:prSet presAssocID="{75E135FB-F9A2-4F70-B4E0-49E731D980E4}" presName="Name37" presStyleLbl="parChTrans1D4" presStyleIdx="24" presStyleCnt="32"/>
+      <dgm:spPr/>
+    </dgm:pt>
+    <dgm:pt modelId="{B6962CAF-0D21-4A31-82D2-D3D47406F260}" type="pres">
+      <dgm:prSet presAssocID="{78256266-2C8A-4D31-9E4A-151A278E5A52}" presName="hierRoot2" presStyleCnt="0">
+        <dgm:presLayoutVars>
+          <dgm:hierBranch val="init"/>
+        </dgm:presLayoutVars>
+      </dgm:prSet>
+      <dgm:spPr/>
+    </dgm:pt>
+    <dgm:pt modelId="{7258A5D8-C32E-46C5-8DE7-EC0F8C0BB427}" type="pres">
+      <dgm:prSet presAssocID="{78256266-2C8A-4D31-9E4A-151A278E5A52}" presName="rootComposite" presStyleCnt="0"/>
+      <dgm:spPr/>
+    </dgm:pt>
+    <dgm:pt modelId="{B9EF88F3-9B21-45AC-83D7-751F1CD39F71}" type="pres">
+      <dgm:prSet presAssocID="{78256266-2C8A-4D31-9E4A-151A278E5A52}" presName="rootText" presStyleLbl="node4" presStyleIdx="24" presStyleCnt="32" custScaleY="351477">
+        <dgm:presLayoutVars>
+          <dgm:chPref val="3"/>
+        </dgm:presLayoutVars>
+      </dgm:prSet>
+      <dgm:spPr/>
+    </dgm:pt>
+    <dgm:pt modelId="{19E25694-34B9-4255-89BA-9B21BD115269}" type="pres">
+      <dgm:prSet presAssocID="{78256266-2C8A-4D31-9E4A-151A278E5A52}" presName="rootConnector" presStyleLbl="node4" presStyleIdx="24" presStyleCnt="32"/>
+      <dgm:spPr/>
+    </dgm:pt>
+    <dgm:pt modelId="{1C1E22C3-AC6B-439C-8DC7-875AD5D0802B}" type="pres">
+      <dgm:prSet presAssocID="{78256266-2C8A-4D31-9E4A-151A278E5A52}" presName="hierChild4" presStyleCnt="0"/>
+      <dgm:spPr/>
+    </dgm:pt>
+    <dgm:pt modelId="{A201F9F4-68FD-4B51-A77D-2DA66ACF63B0}" type="pres">
+      <dgm:prSet presAssocID="{78256266-2C8A-4D31-9E4A-151A278E5A52}" presName="hierChild5" presStyleCnt="0"/>
+      <dgm:spPr/>
+    </dgm:pt>
+    <dgm:pt modelId="{7B21975F-B10A-4B38-85BD-CE6DAF2EAF96}" type="pres">
+      <dgm:prSet presAssocID="{A09C3195-0960-4176-96E5-08CCF2386905}" presName="Name37" presStyleLbl="parChTrans1D4" presStyleIdx="25" presStyleCnt="32"/>
+      <dgm:spPr/>
+    </dgm:pt>
+    <dgm:pt modelId="{6E864092-F9F1-43FA-9A07-7A5424ADF600}" type="pres">
+      <dgm:prSet presAssocID="{08676534-0F05-4BFA-943C-BF9EBFB1C25B}" presName="hierRoot2" presStyleCnt="0">
+        <dgm:presLayoutVars>
+          <dgm:hierBranch val="init"/>
+        </dgm:presLayoutVars>
+      </dgm:prSet>
+      <dgm:spPr/>
+    </dgm:pt>
+    <dgm:pt modelId="{07AB2A0E-FF9C-4787-9086-6921EDA7A623}" type="pres">
+      <dgm:prSet presAssocID="{08676534-0F05-4BFA-943C-BF9EBFB1C25B}" presName="rootComposite" presStyleCnt="0"/>
+      <dgm:spPr/>
+    </dgm:pt>
+    <dgm:pt modelId="{F30AB5ED-3504-4A8A-BD3C-4F641E0F1A53}" type="pres">
+      <dgm:prSet presAssocID="{08676534-0F05-4BFA-943C-BF9EBFB1C25B}" presName="rootText" presStyleLbl="node4" presStyleIdx="25" presStyleCnt="32" custScaleY="390312">
+        <dgm:presLayoutVars>
+          <dgm:chPref val="3"/>
+        </dgm:presLayoutVars>
+      </dgm:prSet>
+      <dgm:spPr/>
+    </dgm:pt>
+    <dgm:pt modelId="{37BD64B8-8579-464B-9855-52AF195B45B9}" type="pres">
+      <dgm:prSet presAssocID="{08676534-0F05-4BFA-943C-BF9EBFB1C25B}" presName="rootConnector" presStyleLbl="node4" presStyleIdx="25" presStyleCnt="32"/>
+      <dgm:spPr/>
+    </dgm:pt>
+    <dgm:pt modelId="{A7069CB7-B882-4542-97D8-8179C6360D1A}" type="pres">
+      <dgm:prSet presAssocID="{08676534-0F05-4BFA-943C-BF9EBFB1C25B}" presName="hierChild4" presStyleCnt="0"/>
+      <dgm:spPr/>
+    </dgm:pt>
+    <dgm:pt modelId="{970469DC-BF88-4723-B2BA-00D960AE7A2F}" type="pres">
+      <dgm:prSet presAssocID="{08676534-0F05-4BFA-943C-BF9EBFB1C25B}" presName="hierChild5" presStyleCnt="0"/>
+      <dgm:spPr/>
+    </dgm:pt>
+    <dgm:pt modelId="{7B0DBB4A-EA63-4242-8951-0692F2D00802}" type="pres">
+      <dgm:prSet presAssocID="{A884A69C-E852-4409-B995-293F5246191A}" presName="hierChild5" presStyleCnt="0"/>
+      <dgm:spPr/>
+    </dgm:pt>
+    <dgm:pt modelId="{C62612B2-78B7-4C39-9648-22B273FE613C}" type="pres">
+      <dgm:prSet presAssocID="{4CB64E0F-E34F-4C27-A909-3D91622779AE}" presName="Name37" presStyleLbl="parChTrans1D3" presStyleIdx="12" presStyleCnt="16"/>
+      <dgm:spPr/>
+    </dgm:pt>
+    <dgm:pt modelId="{26AC79CF-B9A0-42DD-8294-A960CB0E11DF}" type="pres">
+      <dgm:prSet presAssocID="{BF661DDF-C9D4-4AC4-9C67-7A0B0516C7C5}" presName="hierRoot2" presStyleCnt="0">
+        <dgm:presLayoutVars>
+          <dgm:hierBranch val="init"/>
+        </dgm:presLayoutVars>
+      </dgm:prSet>
+      <dgm:spPr/>
+    </dgm:pt>
+    <dgm:pt modelId="{3EF23724-543F-4D47-9DE2-96ADE7D5F670}" type="pres">
+      <dgm:prSet presAssocID="{BF661DDF-C9D4-4AC4-9C67-7A0B0516C7C5}" presName="rootComposite" presStyleCnt="0"/>
+      <dgm:spPr/>
+    </dgm:pt>
+    <dgm:pt modelId="{DBF305FE-E50B-4909-8D05-AA5CC83E7826}" type="pres">
+      <dgm:prSet presAssocID="{BF661DDF-C9D4-4AC4-9C67-7A0B0516C7C5}" presName="rootText" presStyleLbl="node3" presStyleIdx="12" presStyleCnt="16" custScaleX="116571" custScaleY="359479">
+        <dgm:presLayoutVars>
+          <dgm:chPref val="3"/>
+        </dgm:presLayoutVars>
+      </dgm:prSet>
+      <dgm:spPr/>
+    </dgm:pt>
+    <dgm:pt modelId="{AA83FA3D-F953-4A21-9165-53F268C4EC02}" type="pres">
+      <dgm:prSet presAssocID="{BF661DDF-C9D4-4AC4-9C67-7A0B0516C7C5}" presName="rootConnector" presStyleLbl="node3" presStyleIdx="12" presStyleCnt="16"/>
+      <dgm:spPr/>
+    </dgm:pt>
+    <dgm:pt modelId="{1CB6B9C7-98F0-480D-B57D-27CB852EFAAE}" type="pres">
+      <dgm:prSet presAssocID="{BF661DDF-C9D4-4AC4-9C67-7A0B0516C7C5}" presName="hierChild4" presStyleCnt="0"/>
+      <dgm:spPr/>
+    </dgm:pt>
+    <dgm:pt modelId="{5FC2D794-95A2-4581-AB06-D640700ADE57}" type="pres">
+      <dgm:prSet presAssocID="{2A0F5DE3-31E8-4E25-AA15-C962194950E3}" presName="Name37" presStyleLbl="parChTrans1D4" presStyleIdx="26" presStyleCnt="32"/>
+      <dgm:spPr/>
+    </dgm:pt>
+    <dgm:pt modelId="{76545F66-42DD-4DCC-A708-89905B389083}" type="pres">
+      <dgm:prSet presAssocID="{B1A8B232-9304-436D-9C30-DE800F932ED1}" presName="hierRoot2" presStyleCnt="0">
+        <dgm:presLayoutVars>
+          <dgm:hierBranch val="init"/>
+        </dgm:presLayoutVars>
+      </dgm:prSet>
+      <dgm:spPr/>
+    </dgm:pt>
+    <dgm:pt modelId="{095795CE-7946-4A6F-B93B-5F54C4919776}" type="pres">
+      <dgm:prSet presAssocID="{B1A8B232-9304-436D-9C30-DE800F932ED1}" presName="rootComposite" presStyleCnt="0"/>
+      <dgm:spPr/>
+    </dgm:pt>
+    <dgm:pt modelId="{F6BFBF6E-2EAD-455D-B4B7-6EFBDE87DAA6}" type="pres">
+      <dgm:prSet presAssocID="{B1A8B232-9304-436D-9C30-DE800F932ED1}" presName="rootText" presStyleLbl="node4" presStyleIdx="26" presStyleCnt="32" custScaleY="402987">
+        <dgm:presLayoutVars>
+          <dgm:chPref val="3"/>
+        </dgm:presLayoutVars>
+      </dgm:prSet>
+      <dgm:spPr/>
+    </dgm:pt>
+    <dgm:pt modelId="{6310751B-309F-462D-A562-5981B5CAE82F}" type="pres">
+      <dgm:prSet presAssocID="{B1A8B232-9304-436D-9C30-DE800F932ED1}" presName="rootConnector" presStyleLbl="node4" presStyleIdx="26" presStyleCnt="32"/>
+      <dgm:spPr/>
+    </dgm:pt>
+    <dgm:pt modelId="{29FCD317-6300-4F8A-A897-013AD14CD43F}" type="pres">
+      <dgm:prSet presAssocID="{B1A8B232-9304-436D-9C30-DE800F932ED1}" presName="hierChild4" presStyleCnt="0"/>
+      <dgm:spPr/>
+    </dgm:pt>
+    <dgm:pt modelId="{FE563FF5-6E53-422D-96AC-32E77B7EA5A2}" type="pres">
+      <dgm:prSet presAssocID="{B1A8B232-9304-436D-9C30-DE800F932ED1}" presName="hierChild5" presStyleCnt="0"/>
+      <dgm:spPr/>
+    </dgm:pt>
+    <dgm:pt modelId="{63DE3401-05BB-45B9-A62E-E0B09DD36C2F}" type="pres">
+      <dgm:prSet presAssocID="{BF661DDF-C9D4-4AC4-9C67-7A0B0516C7C5}" presName="hierChild5" presStyleCnt="0"/>
+      <dgm:spPr/>
+    </dgm:pt>
+    <dgm:pt modelId="{79D3D683-FC36-4099-BA46-18038E55183E}" type="pres">
+      <dgm:prSet presAssocID="{5176FAB4-FE8D-42D6-BB1C-281AAC0CE160}" presName="Name37" presStyleLbl="parChTrans1D3" presStyleIdx="13" presStyleCnt="16"/>
+      <dgm:spPr/>
+    </dgm:pt>
+    <dgm:pt modelId="{575CA054-6303-4B37-B96F-CCD59CE8CFC7}" type="pres">
+      <dgm:prSet presAssocID="{FB639B9A-CF5E-4000-A8BC-04CACCA9C104}" presName="hierRoot2" presStyleCnt="0">
+        <dgm:presLayoutVars>
+          <dgm:hierBranch val="init"/>
+        </dgm:presLayoutVars>
+      </dgm:prSet>
+      <dgm:spPr/>
+    </dgm:pt>
+    <dgm:pt modelId="{0A191CE8-CA13-4D51-9F04-E19229B33447}" type="pres">
+      <dgm:prSet presAssocID="{FB639B9A-CF5E-4000-A8BC-04CACCA9C104}" presName="rootComposite" presStyleCnt="0"/>
+      <dgm:spPr/>
+    </dgm:pt>
+    <dgm:pt modelId="{E4C31DD3-96AC-4A52-8F92-71B070015481}" type="pres">
+      <dgm:prSet presAssocID="{FB639B9A-CF5E-4000-A8BC-04CACCA9C104}" presName="rootText" presStyleLbl="node3" presStyleIdx="13" presStyleCnt="16" custScaleY="259162">
+        <dgm:presLayoutVars>
+          <dgm:chPref val="3"/>
+        </dgm:presLayoutVars>
+      </dgm:prSet>
+      <dgm:spPr/>
+    </dgm:pt>
+    <dgm:pt modelId="{FF29E6B8-1EF3-44A3-A509-CF74697DF120}" type="pres">
+      <dgm:prSet presAssocID="{FB639B9A-CF5E-4000-A8BC-04CACCA9C104}" presName="rootConnector" presStyleLbl="node3" presStyleIdx="13" presStyleCnt="16"/>
+      <dgm:spPr/>
+    </dgm:pt>
+    <dgm:pt modelId="{7F5F132E-9232-4F3D-BD02-5F0ED047898C}" type="pres">
+      <dgm:prSet presAssocID="{FB639B9A-CF5E-4000-A8BC-04CACCA9C104}" presName="hierChild4" presStyleCnt="0"/>
+      <dgm:spPr/>
+    </dgm:pt>
+    <dgm:pt modelId="{CEE4E38D-1C29-4B96-94C1-EF57006D9BFB}" type="pres">
+      <dgm:prSet presAssocID="{EAD38220-944B-4516-999E-32559C291B52}" presName="Name37" presStyleLbl="parChTrans1D4" presStyleIdx="27" presStyleCnt="32"/>
+      <dgm:spPr/>
+    </dgm:pt>
+    <dgm:pt modelId="{E69ABDBB-026E-4250-9B8D-D715A0ABC220}" type="pres">
+      <dgm:prSet presAssocID="{BE2539A8-B660-4F8D-9679-EC2257B7EC1F}" presName="hierRoot2" presStyleCnt="0">
+        <dgm:presLayoutVars>
+          <dgm:hierBranch val="init"/>
+        </dgm:presLayoutVars>
+      </dgm:prSet>
+      <dgm:spPr/>
+    </dgm:pt>
+    <dgm:pt modelId="{20DC5665-0C20-4738-B893-926764CD22BA}" type="pres">
+      <dgm:prSet presAssocID="{BE2539A8-B660-4F8D-9679-EC2257B7EC1F}" presName="rootComposite" presStyleCnt="0"/>
+      <dgm:spPr/>
+    </dgm:pt>
+    <dgm:pt modelId="{2419436C-6EE9-405D-B1EB-B108E451B52E}" type="pres">
+      <dgm:prSet presAssocID="{BE2539A8-B660-4F8D-9679-EC2257B7EC1F}" presName="rootText" presStyleLbl="node4" presStyleIdx="27" presStyleCnt="32" custScaleY="292296">
+        <dgm:presLayoutVars>
+          <dgm:chPref val="3"/>
+        </dgm:presLayoutVars>
+      </dgm:prSet>
+      <dgm:spPr/>
+    </dgm:pt>
+    <dgm:pt modelId="{3838B8FA-A011-4F77-A349-E7AFCCEB82F6}" type="pres">
+      <dgm:prSet presAssocID="{BE2539A8-B660-4F8D-9679-EC2257B7EC1F}" presName="rootConnector" presStyleLbl="node4" presStyleIdx="27" presStyleCnt="32"/>
+      <dgm:spPr/>
+    </dgm:pt>
+    <dgm:pt modelId="{A540F169-80BB-400F-A863-26D033F87F15}" type="pres">
+      <dgm:prSet presAssocID="{BE2539A8-B660-4F8D-9679-EC2257B7EC1F}" presName="hierChild4" presStyleCnt="0"/>
+      <dgm:spPr/>
+    </dgm:pt>
+    <dgm:pt modelId="{A4E303E8-3ABF-48AA-9EB6-EB241D311E01}" type="pres">
+      <dgm:prSet presAssocID="{BE2539A8-B660-4F8D-9679-EC2257B7EC1F}" presName="hierChild5" presStyleCnt="0"/>
+      <dgm:spPr/>
+    </dgm:pt>
+    <dgm:pt modelId="{60479145-5DD9-478D-A5FB-ACFA4C02E955}" type="pres">
+      <dgm:prSet presAssocID="{FB639B9A-CF5E-4000-A8BC-04CACCA9C104}" presName="hierChild5" presStyleCnt="0"/>
+      <dgm:spPr/>
+    </dgm:pt>
+    <dgm:pt modelId="{A954811E-88FF-47BC-9FAB-AD2AC924D537}" type="pres">
+      <dgm:prSet presAssocID="{6B854B9F-115F-413A-93B8-E884F509927C}" presName="Name37" presStyleLbl="parChTrans1D3" presStyleIdx="14" presStyleCnt="16"/>
+      <dgm:spPr/>
+    </dgm:pt>
+    <dgm:pt modelId="{5B200CA4-1CB8-4E41-9604-F1D1750707BB}" type="pres">
+      <dgm:prSet presAssocID="{32EEBD9B-38F4-4B3E-AD63-8C6A30DB2EE3}" presName="hierRoot2" presStyleCnt="0">
+        <dgm:presLayoutVars>
+          <dgm:hierBranch val="init"/>
+        </dgm:presLayoutVars>
+      </dgm:prSet>
+      <dgm:spPr/>
+    </dgm:pt>
+    <dgm:pt modelId="{5AFB6A44-AAFB-471E-9ADD-41E52041233A}" type="pres">
+      <dgm:prSet presAssocID="{32EEBD9B-38F4-4B3E-AD63-8C6A30DB2EE3}" presName="rootComposite" presStyleCnt="0"/>
+      <dgm:spPr/>
+    </dgm:pt>
+    <dgm:pt modelId="{02044577-2E7E-4AB7-B46C-3DCF3C2030C9}" type="pres">
+      <dgm:prSet presAssocID="{32EEBD9B-38F4-4B3E-AD63-8C6A30DB2EE3}" presName="rootText" presStyleLbl="node3" presStyleIdx="14" presStyleCnt="16" custScaleY="352967">
+        <dgm:presLayoutVars>
+          <dgm:chPref val="3"/>
+        </dgm:presLayoutVars>
+      </dgm:prSet>
+      <dgm:spPr/>
+    </dgm:pt>
+    <dgm:pt modelId="{E4854C1D-CEC9-43F2-A6A0-D63D4A5597B6}" type="pres">
+      <dgm:prSet presAssocID="{32EEBD9B-38F4-4B3E-AD63-8C6A30DB2EE3}" presName="rootConnector" presStyleLbl="node3" presStyleIdx="14" presStyleCnt="16"/>
+      <dgm:spPr/>
+    </dgm:pt>
+    <dgm:pt modelId="{380EE4A3-8455-4933-BBCF-96D51F919E53}" type="pres">
+      <dgm:prSet presAssocID="{32EEBD9B-38F4-4B3E-AD63-8C6A30DB2EE3}" presName="hierChild4" presStyleCnt="0"/>
+      <dgm:spPr/>
+    </dgm:pt>
+    <dgm:pt modelId="{CA706B94-5E65-48B9-9CB5-BA024FE34DC6}" type="pres">
+      <dgm:prSet presAssocID="{98262794-0C9B-483C-B1AC-8E8079B22567}" presName="Name37" presStyleLbl="parChTrans1D4" presStyleIdx="28" presStyleCnt="32"/>
+      <dgm:spPr/>
+    </dgm:pt>
+    <dgm:pt modelId="{6F9BCD47-E66A-4833-AF26-FEC818502A50}" type="pres">
+      <dgm:prSet presAssocID="{1FC67C11-F846-4E37-A269-D16C20A72EFF}" presName="hierRoot2" presStyleCnt="0">
+        <dgm:presLayoutVars>
+          <dgm:hierBranch val="init"/>
+        </dgm:presLayoutVars>
+      </dgm:prSet>
+      <dgm:spPr/>
+    </dgm:pt>
+    <dgm:pt modelId="{3F5CEFF6-AFE5-4A0D-9C61-0633574C3132}" type="pres">
+      <dgm:prSet presAssocID="{1FC67C11-F846-4E37-A269-D16C20A72EFF}" presName="rootComposite" presStyleCnt="0"/>
+      <dgm:spPr/>
+    </dgm:pt>
+    <dgm:pt modelId="{7DD0BDA0-C7DB-42B8-B5FE-A45C950271DB}" type="pres">
+      <dgm:prSet presAssocID="{1FC67C11-F846-4E37-A269-D16C20A72EFF}" presName="rootText" presStyleLbl="node4" presStyleIdx="28" presStyleCnt="32" custScaleY="386823">
+        <dgm:presLayoutVars>
+          <dgm:chPref val="3"/>
+        </dgm:presLayoutVars>
+      </dgm:prSet>
+      <dgm:spPr/>
+    </dgm:pt>
+    <dgm:pt modelId="{9446FE94-65AF-4E6A-B486-3380BCEF5DE0}" type="pres">
+      <dgm:prSet presAssocID="{1FC67C11-F846-4E37-A269-D16C20A72EFF}" presName="rootConnector" presStyleLbl="node4" presStyleIdx="28" presStyleCnt="32"/>
+      <dgm:spPr/>
+    </dgm:pt>
+    <dgm:pt modelId="{A83B1300-6D8F-49A6-95B8-FB6F08C04ECB}" type="pres">
+      <dgm:prSet presAssocID="{1FC67C11-F846-4E37-A269-D16C20A72EFF}" presName="hierChild4" presStyleCnt="0"/>
+      <dgm:spPr/>
+    </dgm:pt>
+    <dgm:pt modelId="{D3FD3846-0C8E-4C2C-996C-7310E87946A7}" type="pres">
+      <dgm:prSet presAssocID="{1FC67C11-F846-4E37-A269-D16C20A72EFF}" presName="hierChild5" presStyleCnt="0"/>
+      <dgm:spPr/>
+    </dgm:pt>
+    <dgm:pt modelId="{CA3119D7-4288-4B9E-AD9C-5FCCB3B445D9}" type="pres">
+      <dgm:prSet presAssocID="{AA8A6A6A-B26B-43E2-BEAD-65229F5705ED}" presName="Name37" presStyleLbl="parChTrans1D4" presStyleIdx="29" presStyleCnt="32"/>
+      <dgm:spPr/>
+    </dgm:pt>
+    <dgm:pt modelId="{A4B2DA53-7ECF-4069-A480-33C8F0179DF6}" type="pres">
+      <dgm:prSet presAssocID="{C962F801-848A-4F67-BD10-63C4E5F9B366}" presName="hierRoot2" presStyleCnt="0">
+        <dgm:presLayoutVars>
+          <dgm:hierBranch val="init"/>
+        </dgm:presLayoutVars>
+      </dgm:prSet>
+      <dgm:spPr/>
+    </dgm:pt>
+    <dgm:pt modelId="{3090D9C2-DF12-4237-AF64-65B9E7E99563}" type="pres">
+      <dgm:prSet presAssocID="{C962F801-848A-4F67-BD10-63C4E5F9B366}" presName="rootComposite" presStyleCnt="0"/>
+      <dgm:spPr/>
+    </dgm:pt>
+    <dgm:pt modelId="{A9B28837-7259-4D76-98A6-5DD78A473F78}" type="pres">
+      <dgm:prSet presAssocID="{C962F801-848A-4F67-BD10-63C4E5F9B366}" presName="rootText" presStyleLbl="node4" presStyleIdx="29" presStyleCnt="32" custScaleY="433740">
+        <dgm:presLayoutVars>
+          <dgm:chPref val="3"/>
+        </dgm:presLayoutVars>
+      </dgm:prSet>
+      <dgm:spPr/>
+    </dgm:pt>
+    <dgm:pt modelId="{A215A299-5122-4657-A52D-0DE9988BE292}" type="pres">
+      <dgm:prSet presAssocID="{C962F801-848A-4F67-BD10-63C4E5F9B366}" presName="rootConnector" presStyleLbl="node4" presStyleIdx="29" presStyleCnt="32"/>
+      <dgm:spPr/>
+    </dgm:pt>
+    <dgm:pt modelId="{B14CB345-9834-487E-AEEF-0A7B66C8CC58}" type="pres">
+      <dgm:prSet presAssocID="{C962F801-848A-4F67-BD10-63C4E5F9B366}" presName="hierChild4" presStyleCnt="0"/>
+      <dgm:spPr/>
+    </dgm:pt>
+    <dgm:pt modelId="{746BCB16-DED9-4855-87FE-751099B1BBF7}" type="pres">
+      <dgm:prSet presAssocID="{C962F801-848A-4F67-BD10-63C4E5F9B366}" presName="hierChild5" presStyleCnt="0"/>
+      <dgm:spPr/>
+    </dgm:pt>
+    <dgm:pt modelId="{E8392852-6EA7-497D-811D-F04C24A90B36}" type="pres">
+      <dgm:prSet presAssocID="{32EEBD9B-38F4-4B3E-AD63-8C6A30DB2EE3}" presName="hierChild5" presStyleCnt="0"/>
+      <dgm:spPr/>
+    </dgm:pt>
+    <dgm:pt modelId="{8F66F803-E952-4BCB-8813-CE70FB0B729E}" type="pres">
+      <dgm:prSet presAssocID="{2947366D-7D9E-46DC-9CEB-A95323627E3B}" presName="Name37" presStyleLbl="parChTrans1D3" presStyleIdx="15" presStyleCnt="16"/>
+      <dgm:spPr/>
+    </dgm:pt>
+    <dgm:pt modelId="{A3D5452C-2A3B-4018-B2ED-071949852C59}" type="pres">
+      <dgm:prSet presAssocID="{C177E924-8195-468C-B1F2-987543E333A4}" presName="hierRoot2" presStyleCnt="0">
+        <dgm:presLayoutVars>
+          <dgm:hierBranch val="init"/>
+        </dgm:presLayoutVars>
+      </dgm:prSet>
+      <dgm:spPr/>
+    </dgm:pt>
+    <dgm:pt modelId="{E84BF202-F56A-4B07-AF21-A4D35DA10538}" type="pres">
+      <dgm:prSet presAssocID="{C177E924-8195-468C-B1F2-987543E333A4}" presName="rootComposite" presStyleCnt="0"/>
+      <dgm:spPr/>
+    </dgm:pt>
+    <dgm:pt modelId="{318966AF-9770-4C8B-BAA5-174ACAAC4435}" type="pres">
+      <dgm:prSet presAssocID="{C177E924-8195-468C-B1F2-987543E333A4}" presName="rootText" presStyleLbl="node3" presStyleIdx="15" presStyleCnt="16" custScaleY="381612">
+        <dgm:presLayoutVars>
+          <dgm:chPref val="3"/>
+        </dgm:presLayoutVars>
+      </dgm:prSet>
+      <dgm:spPr/>
+    </dgm:pt>
+    <dgm:pt modelId="{8BB9C188-C6DF-4980-8219-FFE5E6939B22}" type="pres">
+      <dgm:prSet presAssocID="{C177E924-8195-468C-B1F2-987543E333A4}" presName="rootConnector" presStyleLbl="node3" presStyleIdx="15" presStyleCnt="16"/>
+      <dgm:spPr/>
+    </dgm:pt>
+    <dgm:pt modelId="{18672604-6673-47DD-BFFB-2E31C6AB01EE}" type="pres">
+      <dgm:prSet presAssocID="{C177E924-8195-468C-B1F2-987543E333A4}" presName="hierChild4" presStyleCnt="0"/>
+      <dgm:spPr/>
+    </dgm:pt>
+    <dgm:pt modelId="{934C441C-9995-4323-87F1-1E9FDD713C86}" type="pres">
+      <dgm:prSet presAssocID="{F1FCDDD1-DD4E-48EF-A1A0-E4F073740299}" presName="Name37" presStyleLbl="parChTrans1D4" presStyleIdx="30" presStyleCnt="32"/>
+      <dgm:spPr/>
+    </dgm:pt>
+    <dgm:pt modelId="{5B8CA3A2-AD88-408A-9F14-F8E9A879D9D7}" type="pres">
+      <dgm:prSet presAssocID="{67D19928-31DA-45F6-BA04-C018EA778208}" presName="hierRoot2" presStyleCnt="0">
+        <dgm:presLayoutVars>
+          <dgm:hierBranch val="init"/>
+        </dgm:presLayoutVars>
+      </dgm:prSet>
+      <dgm:spPr/>
+    </dgm:pt>
+    <dgm:pt modelId="{6948B21E-65EF-440D-A6D5-575B79FCD9F8}" type="pres">
+      <dgm:prSet presAssocID="{67D19928-31DA-45F6-BA04-C018EA778208}" presName="rootComposite" presStyleCnt="0"/>
+      <dgm:spPr/>
+    </dgm:pt>
+    <dgm:pt modelId="{BB2293ED-1455-4D49-8173-90BDFA3E1590}" type="pres">
+      <dgm:prSet presAssocID="{67D19928-31DA-45F6-BA04-C018EA778208}" presName="rootText" presStyleLbl="node4" presStyleIdx="30" presStyleCnt="32" custScaleY="341145">
+        <dgm:presLayoutVars>
+          <dgm:chPref val="3"/>
+        </dgm:presLayoutVars>
+      </dgm:prSet>
+      <dgm:spPr/>
+    </dgm:pt>
+    <dgm:pt modelId="{1F02A064-24B5-4F91-884F-B5D8BA27A182}" type="pres">
+      <dgm:prSet presAssocID="{67D19928-31DA-45F6-BA04-C018EA778208}" presName="rootConnector" presStyleLbl="node4" presStyleIdx="30" presStyleCnt="32"/>
+      <dgm:spPr/>
+    </dgm:pt>
+    <dgm:pt modelId="{20A128E5-94C7-4E18-AA93-D4BCAFB7AD32}" type="pres">
+      <dgm:prSet presAssocID="{67D19928-31DA-45F6-BA04-C018EA778208}" presName="hierChild4" presStyleCnt="0"/>
+      <dgm:spPr/>
+    </dgm:pt>
+    <dgm:pt modelId="{0D020BA1-7872-4737-AA01-5FD3942189D9}" type="pres">
+      <dgm:prSet presAssocID="{67D19928-31DA-45F6-BA04-C018EA778208}" presName="hierChild5" presStyleCnt="0"/>
+      <dgm:spPr/>
+    </dgm:pt>
+    <dgm:pt modelId="{7A6D22AB-4901-444F-953C-49C8573C8BC1}" type="pres">
+      <dgm:prSet presAssocID="{5F3AE241-E7F2-44AC-99C4-8BE88F71C43B}" presName="Name37" presStyleLbl="parChTrans1D4" presStyleIdx="31" presStyleCnt="32"/>
+      <dgm:spPr/>
+    </dgm:pt>
+    <dgm:pt modelId="{F0C76438-44A9-4755-9794-FBEBB1A44941}" type="pres">
+      <dgm:prSet presAssocID="{CF5A180D-272B-4F89-AD63-71A66497427C}" presName="hierRoot2" presStyleCnt="0">
+        <dgm:presLayoutVars>
+          <dgm:hierBranch val="init"/>
+        </dgm:presLayoutVars>
+      </dgm:prSet>
+      <dgm:spPr/>
+    </dgm:pt>
+    <dgm:pt modelId="{DFBED703-399C-4FB8-BD49-2D78319F045C}" type="pres">
+      <dgm:prSet presAssocID="{CF5A180D-272B-4F89-AD63-71A66497427C}" presName="rootComposite" presStyleCnt="0"/>
+      <dgm:spPr/>
+    </dgm:pt>
+    <dgm:pt modelId="{C4EBA92A-9CD8-462A-8DB4-A3CD6E3191A9}" type="pres">
+      <dgm:prSet presAssocID="{CF5A180D-272B-4F89-AD63-71A66497427C}" presName="rootText" presStyleLbl="node4" presStyleIdx="31" presStyleCnt="32" custScaleY="304115">
+        <dgm:presLayoutVars>
+          <dgm:chPref val="3"/>
+        </dgm:presLayoutVars>
+      </dgm:prSet>
+      <dgm:spPr/>
+    </dgm:pt>
+    <dgm:pt modelId="{2F7F43B4-0D21-415C-B75D-5A7033DA2193}" type="pres">
+      <dgm:prSet presAssocID="{CF5A180D-272B-4F89-AD63-71A66497427C}" presName="rootConnector" presStyleLbl="node4" presStyleIdx="31" presStyleCnt="32"/>
+      <dgm:spPr/>
+    </dgm:pt>
+    <dgm:pt modelId="{E79F24E7-1319-4C78-A494-4699A3324962}" type="pres">
+      <dgm:prSet presAssocID="{CF5A180D-272B-4F89-AD63-71A66497427C}" presName="hierChild4" presStyleCnt="0"/>
+      <dgm:spPr/>
+    </dgm:pt>
+    <dgm:pt modelId="{1C6F2D61-8B60-410F-BEF6-BC45B91B8F4F}" type="pres">
+      <dgm:prSet presAssocID="{CF5A180D-272B-4F89-AD63-71A66497427C}" presName="hierChild5" presStyleCnt="0"/>
+      <dgm:spPr/>
+    </dgm:pt>
+    <dgm:pt modelId="{12E93B9E-7A18-4F99-848B-05D7E4D99ECA}" type="pres">
+      <dgm:prSet presAssocID="{C177E924-8195-468C-B1F2-987543E333A4}" presName="hierChild5" presStyleCnt="0"/>
+      <dgm:spPr/>
+    </dgm:pt>
     <dgm:pt modelId="{A0D261AE-538D-46B9-8A12-D28FF473A667}" type="pres">
       <dgm:prSet presAssocID="{5DD5215F-282A-4DBC-8CFA-B92466F64176}" presName="hierChild5" presStyleCnt="0"/>
       <dgm:spPr/>
@@ -4085,22 +4917,22 @@
     </dgm:pt>
   </dgm:ptLst>
   <dgm:cxnLst>
+    <dgm:cxn modelId="{E7B72E00-C861-460C-9F4B-40754F79CE62}" type="presOf" srcId="{F1FCDDD1-DD4E-48EF-A1A0-E4F073740299}" destId="{934C441C-9995-4323-87F1-1E9FDD713C86}" srcOrd="0" destOrd="0" presId="urn:microsoft.com/office/officeart/2005/8/layout/orgChart1"/>
     <dgm:cxn modelId="{46A42C04-ABA6-441D-8D90-1D1ACBEFE718}" type="presOf" srcId="{28D4303A-1160-4269-9F32-C562151D69AB}" destId="{944860FD-94E1-4AC6-B10C-17A4ACDE3C20}" srcOrd="0" destOrd="0" presId="urn:microsoft.com/office/officeart/2005/8/layout/orgChart1"/>
+    <dgm:cxn modelId="{64FFE604-1FF0-41B1-A4BA-395681276F72}" type="presOf" srcId="{A884A69C-E852-4409-B995-293F5246191A}" destId="{66AF7AA9-CD9C-44F0-8DC9-9FAED3FA149F}" srcOrd="0" destOrd="0" presId="urn:microsoft.com/office/officeart/2005/8/layout/orgChart1"/>
     <dgm:cxn modelId="{45947F05-0C56-46D1-9F30-DEFE8F86AF16}" type="presOf" srcId="{34EFF2C1-D24A-4A68-BA15-9F9436464740}" destId="{36CA30D9-5DEA-4841-AF31-B7E50EE1DF57}" srcOrd="1" destOrd="0" presId="urn:microsoft.com/office/officeart/2005/8/layout/orgChart1"/>
     <dgm:cxn modelId="{13CFD305-A0F0-4605-94D9-4705BA4B0D68}" type="presOf" srcId="{16106AD3-0154-4137-A7EC-4F8E2F958BA9}" destId="{2F5DF828-87F4-4FEB-9424-6DE04A74B74C}" srcOrd="0" destOrd="0" presId="urn:microsoft.com/office/officeart/2005/8/layout/orgChart1"/>
     <dgm:cxn modelId="{4135DB07-7864-49AA-A337-F924684A3637}" type="presOf" srcId="{5F7B9B9A-A4F4-450A-B791-4E41EC3C420B}" destId="{60F8C25F-5BC0-4AB1-B365-9DA0AC3B2CB8}" srcOrd="0" destOrd="0" presId="urn:microsoft.com/office/officeart/2005/8/layout/orgChart1"/>
+    <dgm:cxn modelId="{0983DE08-1E09-4B72-BF55-6EF4D63BB798}" type="presOf" srcId="{67D19928-31DA-45F6-BA04-C018EA778208}" destId="{BB2293ED-1455-4D49-8173-90BDFA3E1590}" srcOrd="0" destOrd="0" presId="urn:microsoft.com/office/officeart/2005/8/layout/orgChart1"/>
     <dgm:cxn modelId="{92C6F208-CFB4-4CAB-8A54-9E30E22C391B}" type="presOf" srcId="{32ADFE88-65B1-4796-AD52-0DDDEA14F1FE}" destId="{8231ACE8-FC84-4A8D-94AC-EB56CD6C62A3}" srcOrd="0" destOrd="0" presId="urn:microsoft.com/office/officeart/2005/8/layout/orgChart1"/>
     <dgm:cxn modelId="{359C090A-B55F-4ECA-AAD4-FBE9BE74F72A}" type="presOf" srcId="{7164FFB0-612A-4C9C-85D5-FA047A1EF429}" destId="{B388AA40-8467-4E35-A106-A74236907217}" srcOrd="1" destOrd="0" presId="urn:microsoft.com/office/officeart/2005/8/layout/orgChart1"/>
     <dgm:cxn modelId="{8036170A-7AE7-4D7D-A975-39691930CCD3}" type="presOf" srcId="{1AA9336A-8F84-4E05-B5DA-FC298999BD02}" destId="{8F75B651-F2DB-4771-A33F-AC230E15378D}" srcOrd="1" destOrd="0" presId="urn:microsoft.com/office/officeart/2005/8/layout/orgChart1"/>
-    <dgm:cxn modelId="{3D98470A-587A-437B-A8B0-C51CB34F3EE8}" srcId="{A6987C49-3D43-42D9-A072-23F8B94A402F}" destId="{CBEBEAC0-41EA-4E80-99AC-73D95F03DB44}" srcOrd="2" destOrd="0" parTransId="{0CBE7315-D4C8-4475-9163-FD569F3B9D7F}" sibTransId="{43D20239-8212-473D-8999-964A212E048C}"/>
+    <dgm:cxn modelId="{3D98470A-587A-437B-A8B0-C51CB34F3EE8}" srcId="{A6987C49-3D43-42D9-A072-23F8B94A402F}" destId="{CBEBEAC0-41EA-4E80-99AC-73D95F03DB44}" srcOrd="1" destOrd="0" parTransId="{0CBE7315-D4C8-4475-9163-FD569F3B9D7F}" sibTransId="{43D20239-8212-473D-8999-964A212E048C}"/>
     <dgm:cxn modelId="{3B438F0A-6705-4A7A-B68B-0D73DF6D5CB0}" type="presOf" srcId="{A3E001BC-C2F3-48DE-947D-779583639E30}" destId="{2E95CB6A-B166-4064-9762-56809D1ADB03}" srcOrd="0" destOrd="0" presId="urn:microsoft.com/office/officeart/2005/8/layout/orgChart1"/>
-    <dgm:cxn modelId="{E90C9C0D-7EE3-41C3-A51E-441E6D33A078}" type="presOf" srcId="{5FC77B26-0ADB-4E54-8BC0-333F96712607}" destId="{91664526-4DB9-413C-9EC3-DA21462838F7}" srcOrd="0" destOrd="0" presId="urn:microsoft.com/office/officeart/2005/8/layout/orgChart1"/>
+    <dgm:cxn modelId="{F8A90A0E-5BD9-4AD9-A10E-7F84630627C1}" type="presOf" srcId="{67D19928-31DA-45F6-BA04-C018EA778208}" destId="{1F02A064-24B5-4F91-884F-B5D8BA27A182}" srcOrd="1" destOrd="0" presId="urn:microsoft.com/office/officeart/2005/8/layout/orgChart1"/>
     <dgm:cxn modelId="{7511250E-9294-4399-8F45-7426C6874379}" srcId="{372B1EA8-094C-467E-A85E-8054D27A9E9B}" destId="{CA6EC252-7BBB-4AB1-8E2E-E92B838C87AC}" srcOrd="0" destOrd="0" parTransId="{A962B823-1F6E-48B3-81D8-4786B054E895}" sibTransId="{34D381F3-741B-4779-A146-65684F50F8BE}"/>
     <dgm:cxn modelId="{EA186B0E-9BC0-4FC3-8249-8D4827A306EF}" srcId="{5DD5215F-282A-4DBC-8CFA-B92466F64176}" destId="{D7AF68C1-A051-4FDD-AD7F-5CC5EFCD0C5F}" srcOrd="5" destOrd="0" parTransId="{A3E001BC-C2F3-48DE-947D-779583639E30}" sibTransId="{60904C26-9F06-4AAA-BCB8-CB0B86F25467}"/>
-    <dgm:cxn modelId="{549AA10E-D666-4261-9468-DA3B6BDB0398}" type="presOf" srcId="{16E11150-6742-402A-BAB5-092FF2FEFC20}" destId="{5D81A248-700D-4C8B-9866-4BDDF473C71D}" srcOrd="0" destOrd="0" presId="urn:microsoft.com/office/officeart/2005/8/layout/orgChart1"/>
     <dgm:cxn modelId="{835F0C0F-4153-4330-9FA7-FD360304F9DD}" type="presOf" srcId="{4E37C03E-C76D-43B3-8BCA-58BD79F48F58}" destId="{AFD63886-2D9C-4A3F-95AF-EA105D23C88D}" srcOrd="0" destOrd="0" presId="urn:microsoft.com/office/officeart/2005/8/layout/orgChart1"/>
-    <dgm:cxn modelId="{9A8B420F-DE70-4A2B-B216-59AD1BCA434A}" type="presOf" srcId="{5965E9D4-33CA-4441-B062-D12F26934982}" destId="{F39452D4-698F-41D6-9282-939800A13C4F}" srcOrd="0" destOrd="0" presId="urn:microsoft.com/office/officeart/2005/8/layout/orgChart1"/>
-    <dgm:cxn modelId="{88CD590F-AD5C-4945-A2A7-EC85E7BE0015}" type="presOf" srcId="{46948CF3-05E0-42E2-A61A-CBFEED5B9BF3}" destId="{B81295CD-D601-419B-8B46-33E6E75125C7}" srcOrd="1" destOrd="0" presId="urn:microsoft.com/office/officeart/2005/8/layout/orgChart1"/>
     <dgm:cxn modelId="{A337990F-B4AC-475A-BC8B-2A79D95C19DC}" type="presOf" srcId="{018AC4CD-BFA6-4B7D-895B-C67B47569663}" destId="{D5F350A2-DF08-457D-AD3A-C4E861E74202}" srcOrd="0" destOrd="0" presId="urn:microsoft.com/office/officeart/2005/8/layout/orgChart1"/>
     <dgm:cxn modelId="{4BCA9A10-FECF-4A8F-B85A-39045B1B9070}" type="presOf" srcId="{240259B6-DBFB-4919-9DDE-5CAF113EE454}" destId="{AE778A62-DDF5-4A28-AC93-5293E77B3641}" srcOrd="0" destOrd="0" presId="urn:microsoft.com/office/officeart/2005/8/layout/orgChart1"/>
     <dgm:cxn modelId="{F2A29B10-3E45-4BC3-9453-F48F56F2EEDA}" type="presOf" srcId="{30235297-B831-4E18-B3D0-06C366E42845}" destId="{DCA1E5F4-90DF-4E81-A0D7-28A5F3B01880}" srcOrd="0" destOrd="0" presId="urn:microsoft.com/office/officeart/2005/8/layout/orgChart1"/>
@@ -4108,143 +4940,187 @@
     <dgm:cxn modelId="{453AEB12-02CC-4017-9BA7-9156E3271BC6}" type="presOf" srcId="{16B24D9E-3B96-47CF-AB63-B7EAE10F94C9}" destId="{1AEA9C5E-E176-4070-92BF-AF000A600440}" srcOrd="1" destOrd="0" presId="urn:microsoft.com/office/officeart/2005/8/layout/orgChart1"/>
     <dgm:cxn modelId="{659CC214-D616-4B0B-87BA-50F1ED263232}" type="presOf" srcId="{CEE74021-399E-4E4C-BA61-9A29AC15D92B}" destId="{D87EB8F4-D2A6-420C-A392-0F2348289EAB}" srcOrd="0" destOrd="0" presId="urn:microsoft.com/office/officeart/2005/8/layout/orgChart1"/>
     <dgm:cxn modelId="{55900E15-A02E-437D-A7AA-E503E3448308}" type="presOf" srcId="{675C4F1C-C396-4C25-A319-AC83AE009AA5}" destId="{E9DF77F9-A7A8-4C25-8840-B0CBC3B54A41}" srcOrd="0" destOrd="0" presId="urn:microsoft.com/office/officeart/2005/8/layout/orgChart1"/>
-    <dgm:cxn modelId="{67933A16-7AEC-4852-B1FA-2362B29D29A7}" type="presOf" srcId="{AF6B9632-F743-47ED-9C57-43057DABD278}" destId="{23CCBA72-FE18-4FD3-A65C-DB406EB3BA0C}" srcOrd="0" destOrd="0" presId="urn:microsoft.com/office/officeart/2005/8/layout/orgChart1"/>
+    <dgm:cxn modelId="{1FFF7618-627D-4641-A0B1-8B2819BD8E67}" type="presOf" srcId="{32EEBD9B-38F4-4B3E-AD63-8C6A30DB2EE3}" destId="{E4854C1D-CEC9-43F2-A6A0-D63D4A5597B6}" srcOrd="1" destOrd="0" presId="urn:microsoft.com/office/officeart/2005/8/layout/orgChart1"/>
     <dgm:cxn modelId="{19A0D618-0E0C-4B27-9AAE-5C58EB5DF60A}" type="presOf" srcId="{078A9EF8-7DC1-4C04-9CD5-6645FB548397}" destId="{F47E7DFE-6025-479F-8924-BD5F0FBB723B}" srcOrd="0" destOrd="0" presId="urn:microsoft.com/office/officeart/2005/8/layout/orgChart1"/>
     <dgm:cxn modelId="{5FEDA419-068F-4C18-B49C-7990A8BC579D}" type="presOf" srcId="{B07BDF62-52A1-4C61-B36C-7E6DA29C4464}" destId="{72041271-086E-4F4E-9BA1-4757A5EBDB5C}" srcOrd="0" destOrd="0" presId="urn:microsoft.com/office/officeart/2005/8/layout/orgChart1"/>
     <dgm:cxn modelId="{AB4A8C1A-9ADA-4E02-B1CE-1CA53569037A}" type="presOf" srcId="{3393CED3-3F25-46DA-9851-DCBC919C8ABB}" destId="{C3614074-BE64-4719-8F4C-2795D39F0663}" srcOrd="0" destOrd="0" presId="urn:microsoft.com/office/officeart/2005/8/layout/orgChart1"/>
-    <dgm:cxn modelId="{6D6AC91A-D2D0-4E1E-A6AF-90BBD7F759F9}" srcId="{A6987C49-3D43-42D9-A072-23F8B94A402F}" destId="{01537F03-F3D9-4D1B-AC59-2593EC164C23}" srcOrd="1" destOrd="0" parTransId="{AEC748EA-71A3-4734-A8A3-9B1E03D3A743}" sibTransId="{3CB9475C-C461-4A6D-9D6A-C954FDD68E97}"/>
+    <dgm:cxn modelId="{225C341B-9813-4952-B9D2-0826A37FC385}" type="presOf" srcId="{AD558FFA-5E93-42FB-A76B-6456D223A77D}" destId="{69A97A30-4F84-43CC-8CB7-67C7A750715F}" srcOrd="0" destOrd="0" presId="urn:microsoft.com/office/officeart/2005/8/layout/orgChart1"/>
     <dgm:cxn modelId="{FFB7CE1B-2CCA-45C2-966F-548BAABDEF19}" type="presOf" srcId="{865D5362-C4FA-4F2A-AA5C-076A123F6009}" destId="{FE752E61-95AF-4158-9A59-C0E65CA926C8}" srcOrd="0" destOrd="0" presId="urn:microsoft.com/office/officeart/2005/8/layout/orgChart1"/>
-    <dgm:cxn modelId="{CD1A7B1E-6D14-4519-A559-E6F888578769}" type="presOf" srcId="{474E1523-FA71-4651-868C-5B355AB66A8F}" destId="{73337C2E-84A7-45D4-BA2B-2EDA4AC1748C}" srcOrd="0" destOrd="0" presId="urn:microsoft.com/office/officeart/2005/8/layout/orgChart1"/>
-    <dgm:cxn modelId="{BEA9E821-6631-4F32-AFEC-0858DACE064D}" type="presOf" srcId="{A2C78E2B-5F78-4DBF-9417-040F124B0960}" destId="{71AE1C3D-E1BE-4B56-ABD5-061FBA1493BC}" srcOrd="0" destOrd="0" presId="urn:microsoft.com/office/officeart/2005/8/layout/orgChart1"/>
+    <dgm:cxn modelId="{2B1CE31B-5E56-46C3-B9AF-A922E6CC77D4}" type="presOf" srcId="{6B854B9F-115F-413A-93B8-E884F509927C}" destId="{A954811E-88FF-47BC-9FAB-AD2AC924D537}" srcOrd="0" destOrd="0" presId="urn:microsoft.com/office/officeart/2005/8/layout/orgChart1"/>
+    <dgm:cxn modelId="{D4C0901C-5E3D-4F8D-BBFD-DADA4404DBF7}" srcId="{BF661DDF-C9D4-4AC4-9C67-7A0B0516C7C5}" destId="{B1A8B232-9304-436D-9C30-DE800F932ED1}" srcOrd="0" destOrd="0" parTransId="{2A0F5DE3-31E8-4E25-AA15-C962194950E3}" sibTransId="{34D2B84B-BBF5-4204-A08F-6F4475DEE504}"/>
+    <dgm:cxn modelId="{66BA2E1F-A9C2-421B-9241-23B83FB84E69}" srcId="{C177E924-8195-468C-B1F2-987543E333A4}" destId="{CF5A180D-272B-4F89-AD63-71A66497427C}" srcOrd="1" destOrd="0" parTransId="{5F3AE241-E7F2-44AC-99C4-8BE88F71C43B}" sibTransId="{08B306DD-779F-424D-A8EE-B0A6B7FD819A}"/>
     <dgm:cxn modelId="{B6CD9F24-1E73-4DF7-AC31-0D918298FDE8}" type="presOf" srcId="{72F3F161-AC00-4375-A9A2-ED17741A9442}" destId="{8A3670DB-3CE8-4868-9FC4-A1C9C06459E0}" srcOrd="0" destOrd="0" presId="urn:microsoft.com/office/officeart/2005/8/layout/orgChart1"/>
+    <dgm:cxn modelId="{991FFB25-A56A-4D47-855D-FF614BC3DFBA}" type="presOf" srcId="{C962F801-848A-4F67-BD10-63C4E5F9B366}" destId="{A9B28837-7259-4D76-98A6-5DD78A473F78}" srcOrd="0" destOrd="0" presId="urn:microsoft.com/office/officeart/2005/8/layout/orgChart1"/>
+    <dgm:cxn modelId="{FE31A226-9F39-40EC-86B9-C91C84DA4152}" type="presOf" srcId="{4E533A91-9EB6-4C0E-A316-D56EDD1D9C15}" destId="{97F904FE-713C-4227-8346-FFE81448AF6C}" srcOrd="0" destOrd="0" presId="urn:microsoft.com/office/officeart/2005/8/layout/orgChart1"/>
+    <dgm:cxn modelId="{C4CC4F28-A808-4134-A9AF-8A94798B7E3B}" type="presOf" srcId="{32EEBD9B-38F4-4B3E-AD63-8C6A30DB2EE3}" destId="{02044577-2E7E-4AB7-B46C-3DCF3C2030C9}" srcOrd="0" destOrd="0" presId="urn:microsoft.com/office/officeart/2005/8/layout/orgChart1"/>
     <dgm:cxn modelId="{59C70F2A-1FF0-405E-9BE5-108645484F83}" srcId="{B2F4B0F2-6F26-4578-AD95-3D8619D80688}" destId="{3D3E6FCA-8AEE-411D-A4E1-ACE6C7D8F9E3}" srcOrd="0" destOrd="0" parTransId="{CE8D6AE1-682B-4652-A5E1-D2A7E3364C0C}" sibTransId="{0D11EBC2-978D-4DAB-B38F-BEAACA46F2A2}"/>
+    <dgm:cxn modelId="{7B17702B-EAF3-4306-9671-7E8FC81269D8}" type="presOf" srcId="{B1A8B232-9304-436D-9C30-DE800F932ED1}" destId="{6310751B-309F-462D-A562-5981B5CAE82F}" srcOrd="1" destOrd="0" presId="urn:microsoft.com/office/officeart/2005/8/layout/orgChart1"/>
     <dgm:cxn modelId="{E040E82B-868E-42AD-AA4B-E1600EC3A32B}" type="presOf" srcId="{CA6EC252-7BBB-4AB1-8E2E-E92B838C87AC}" destId="{F79599B6-5AA4-419C-A843-B014E267737D}" srcOrd="0" destOrd="0" presId="urn:microsoft.com/office/officeart/2005/8/layout/orgChart1"/>
     <dgm:cxn modelId="{DA2A9F2E-114D-4D3A-96F8-9B2603E6B6FC}" type="presOf" srcId="{DD283DBF-7238-4196-A281-ED2CE3A0B825}" destId="{FD62D8AB-4905-48A5-9900-109453920682}" srcOrd="1" destOrd="0" presId="urn:microsoft.com/office/officeart/2005/8/layout/orgChart1"/>
-    <dgm:cxn modelId="{4F29962F-4433-4071-88BD-5313811C4786}" type="presOf" srcId="{14CB117C-5D8D-47FE-AD95-449999D2727A}" destId="{B6534123-CA5E-40E6-8B0B-672F315DD99A}" srcOrd="1" destOrd="0" presId="urn:microsoft.com/office/officeart/2005/8/layout/orgChart1"/>
     <dgm:cxn modelId="{740FD935-3D43-4AA4-BFEB-850F41BA736B}" type="presOf" srcId="{A6987C49-3D43-42D9-A072-23F8B94A402F}" destId="{9717F0D1-3146-4E87-A2D2-9ED039501628}" srcOrd="0" destOrd="0" presId="urn:microsoft.com/office/officeart/2005/8/layout/orgChart1"/>
-    <dgm:cxn modelId="{65D5ED36-D739-4B4B-B1C2-F343CCA9D456}" type="presOf" srcId="{2E3F007D-E604-456A-BFA9-0F1C1408CFF8}" destId="{70094910-1505-4F8D-8C4E-07B41E2A6D4F}" srcOrd="1" destOrd="0" presId="urn:microsoft.com/office/officeart/2005/8/layout/orgChart1"/>
+    <dgm:cxn modelId="{BB4E5636-51A8-4EEE-91DF-1D2756A2E47C}" type="presOf" srcId="{29ABE36A-A02F-4902-94C2-FEBDCB25E7FD}" destId="{F9502386-48DD-42B6-A3E9-866903A165AE}" srcOrd="1" destOrd="0" presId="urn:microsoft.com/office/officeart/2005/8/layout/orgChart1"/>
+    <dgm:cxn modelId="{F0690C38-117D-442F-BFA9-485BC2B03BA5}" type="presOf" srcId="{2947366D-7D9E-46DC-9CEB-A95323627E3B}" destId="{8F66F803-E952-4BCB-8813-CE70FB0B729E}" srcOrd="0" destOrd="0" presId="urn:microsoft.com/office/officeart/2005/8/layout/orgChart1"/>
     <dgm:cxn modelId="{9580503A-A77D-42E3-8384-49E0C93D1308}" type="presOf" srcId="{0CBE7315-D4C8-4475-9163-FD569F3B9D7F}" destId="{22E5391B-784F-4143-B6B3-25B2FC68E290}" srcOrd="0" destOrd="0" presId="urn:microsoft.com/office/officeart/2005/8/layout/orgChart1"/>
     <dgm:cxn modelId="{7BFF733A-1567-4A8D-AE97-C4194B2A1F9F}" srcId="{DD283DBF-7238-4196-A281-ED2CE3A0B825}" destId="{1AA9336A-8F84-4E05-B5DA-FC298999BD02}" srcOrd="0" destOrd="0" parTransId="{A70C1F43-52FE-4363-8A29-E38B9E801940}" sibTransId="{25D285C3-27E4-4879-B208-51538971B042}"/>
     <dgm:cxn modelId="{3D4AF63A-6CD7-41D7-BA93-B5B192D5C676}" srcId="{A6987C49-3D43-42D9-A072-23F8B94A402F}" destId="{97AEABBD-DC29-4F6C-8F5B-E9D45FAAC1B9}" srcOrd="0" destOrd="0" parTransId="{72F3F161-AC00-4375-A9A2-ED17741A9442}" sibTransId="{1FF38391-3A7B-4FCA-A9E1-EB21313D5AE3}"/>
-    <dgm:cxn modelId="{92F41C3B-F5B6-44D2-9158-1A4AFB19964E}" srcId="{E95B3E6E-F4B6-4A9A-ACC6-03B477B2366A}" destId="{14CB117C-5D8D-47FE-AD95-449999D2727A}" srcOrd="0" destOrd="0" parTransId="{5FC77B26-0ADB-4E54-8BC0-333F96712607}" sibTransId="{E56DDED0-A072-4973-A68A-C7FAA2D58B43}"/>
+    <dgm:cxn modelId="{92F41C3B-F5B6-44D2-9158-1A4AFB19964E}" srcId="{40BD90D1-3943-4EB3-906D-84CDCE6C80CD}" destId="{14CB117C-5D8D-47FE-AD95-449999D2727A}" srcOrd="1" destOrd="0" parTransId="{5FC77B26-0ADB-4E54-8BC0-333F96712607}" sibTransId="{E56DDED0-A072-4973-A68A-C7FAA2D58B43}"/>
     <dgm:cxn modelId="{22D66F3B-5E9F-4783-A75A-DDE90AFC664A}" type="presOf" srcId="{5CF5E847-3D4A-4422-9636-3A118E07766D}" destId="{4EAC9CA8-B42C-4FF0-8229-812721E7DA3E}" srcOrd="1" destOrd="0" presId="urn:microsoft.com/office/officeart/2005/8/layout/orgChart1"/>
+    <dgm:cxn modelId="{E69F103D-21C5-4921-B442-D6D4B48E92A0}" type="presOf" srcId="{B1A8B232-9304-436D-9C30-DE800F932ED1}" destId="{F6BFBF6E-2EAD-455D-B4B7-6EFBDE87DAA6}" srcOrd="0" destOrd="0" presId="urn:microsoft.com/office/officeart/2005/8/layout/orgChart1"/>
     <dgm:cxn modelId="{D36E1D3D-3AA3-4654-A0BA-AEE656524FFE}" type="presOf" srcId="{8C9DE4D2-EFEE-46A7-BC53-8D203C90ACF8}" destId="{E563C1B3-C7EE-4AD2-9F4B-603C2E17D74F}" srcOrd="0" destOrd="0" presId="urn:microsoft.com/office/officeart/2005/8/layout/orgChart1"/>
     <dgm:cxn modelId="{02C1C33F-C0B3-4D07-BD0A-71E3BEB17121}" type="presOf" srcId="{3D3E6FCA-8AEE-411D-A4E1-ACE6C7D8F9E3}" destId="{CC54ACDD-C69B-41B0-8270-9B61DB409DE6}" srcOrd="1" destOrd="0" presId="urn:microsoft.com/office/officeart/2005/8/layout/orgChart1"/>
     <dgm:cxn modelId="{5A2ACC40-9D48-4028-A8E1-7AB076CB82DB}" type="presOf" srcId="{914CE761-5665-4E8B-A42C-980CA1452463}" destId="{0EC0C316-9124-498C-8D07-5534CAC3828F}" srcOrd="0" destOrd="0" presId="urn:microsoft.com/office/officeart/2005/8/layout/orgChart1"/>
+    <dgm:cxn modelId="{31BB695B-4D88-477E-A7DE-031F01F4DB7A}" type="presOf" srcId="{EA159134-99A1-4133-B855-C5A501646E3E}" destId="{575AD419-B761-4102-9DB0-98991BA43AA7}" srcOrd="0" destOrd="0" presId="urn:microsoft.com/office/officeart/2005/8/layout/orgChart1"/>
     <dgm:cxn modelId="{A59F835B-55B8-4106-A112-C79168C2BEFA}" type="presOf" srcId="{0942F559-9E1E-412A-90DE-E72F4AA612A3}" destId="{D6D5100B-E9EA-4C6D-B08C-2F1A1B0007AB}" srcOrd="0" destOrd="0" presId="urn:microsoft.com/office/officeart/2005/8/layout/orgChart1"/>
     <dgm:cxn modelId="{DEF5815E-DCA4-4299-B0C4-5AB0FD076407}" srcId="{D7AF68C1-A051-4FDD-AD7F-5CC5EFCD0C5F}" destId="{5F7B9B9A-A4F4-450A-B791-4E41EC3C420B}" srcOrd="1" destOrd="0" parTransId="{03B1EFF5-4820-42E4-BF8E-E691A3DA3749}" sibTransId="{13919C24-17D8-4C2C-B717-B093354B6698}"/>
     <dgm:cxn modelId="{F39E175F-7933-413A-8B6D-B99F1E90BCFC}" type="presOf" srcId="{97AEABBD-DC29-4F6C-8F5B-E9D45FAAC1B9}" destId="{71B461F5-9AF1-4694-AEC2-66ADEDEA8545}" srcOrd="1" destOrd="0" presId="urn:microsoft.com/office/officeart/2005/8/layout/orgChart1"/>
     <dgm:cxn modelId="{1D2EB95F-EA08-4C55-9900-2339706DA9D5}" type="presOf" srcId="{03B1EFF5-4820-42E4-BF8E-E691A3DA3749}" destId="{31F31732-87E0-4733-AB71-1537200BE92E}" srcOrd="0" destOrd="0" presId="urn:microsoft.com/office/officeart/2005/8/layout/orgChart1"/>
+    <dgm:cxn modelId="{A9EAA361-5141-4B6A-8FE2-4A4015A2F8CE}" type="presOf" srcId="{4CB64E0F-E34F-4C27-A909-3D91622779AE}" destId="{C62612B2-78B7-4C39-9648-22B273FE613C}" srcOrd="0" destOrd="0" presId="urn:microsoft.com/office/officeart/2005/8/layout/orgChart1"/>
     <dgm:cxn modelId="{14135C42-ECAC-41FA-B18C-E23765BCB243}" type="presOf" srcId="{A962B823-1F6E-48B3-81D8-4786B054E895}" destId="{DF491AA7-2609-4004-9172-94358970DEFA}" srcOrd="0" destOrd="0" presId="urn:microsoft.com/office/officeart/2005/8/layout/orgChart1"/>
     <dgm:cxn modelId="{572F6444-1B03-44BB-B283-F2AC6D8AA96A}" type="presOf" srcId="{B857C1A6-326F-4F8C-8248-EF5B96F10141}" destId="{5FE29621-C083-4554-AC03-9C340B68B2A8}" srcOrd="1" destOrd="0" presId="urn:microsoft.com/office/officeart/2005/8/layout/orgChart1"/>
     <dgm:cxn modelId="{77FB1B45-1735-488A-A8BC-4E8BA8B0200D}" srcId="{3D3E6FCA-8AEE-411D-A4E1-ACE6C7D8F9E3}" destId="{5DD5215F-282A-4DBC-8CFA-B92466F64176}" srcOrd="1" destOrd="0" parTransId="{03AB5D06-18E3-407C-986C-0CAFC72E1B8C}" sibTransId="{F71961DD-550F-4455-9A75-7BEA91778B89}"/>
+    <dgm:cxn modelId="{EEFD8E45-0F76-4428-A5F6-2286CAF305FA}" type="presOf" srcId="{FB639B9A-CF5E-4000-A8BC-04CACCA9C104}" destId="{FF29E6B8-1EF3-44A3-A509-CF74697DF120}" srcOrd="1" destOrd="0" presId="urn:microsoft.com/office/officeart/2005/8/layout/orgChart1"/>
+    <dgm:cxn modelId="{D4470866-A3B8-45FC-AD1D-1A00359C5F05}" type="presOf" srcId="{A884A69C-E852-4409-B995-293F5246191A}" destId="{EE6615A2-D7E3-442B-B03B-1D73FED3D66A}" srcOrd="1" destOrd="0" presId="urn:microsoft.com/office/officeart/2005/8/layout/orgChart1"/>
     <dgm:cxn modelId="{927FA047-A90B-42AA-866E-7089BF66EE50}" srcId="{28D4303A-1160-4269-9F32-C562151D69AB}" destId="{B07BDF62-52A1-4C61-B36C-7E6DA29C4464}" srcOrd="1" destOrd="0" parTransId="{32ADFE88-65B1-4796-AD52-0DDDEA14F1FE}" sibTransId="{DC83873D-958D-4F46-A45B-EAF7937825AE}"/>
     <dgm:cxn modelId="{8A9FB467-C531-42CE-AAF5-13085A9D24EC}" type="presOf" srcId="{B857C1A6-326F-4F8C-8248-EF5B96F10141}" destId="{B21A6AC8-FFF2-425C-AC5E-CA7D615973BB}" srcOrd="0" destOrd="0" presId="urn:microsoft.com/office/officeart/2005/8/layout/orgChart1"/>
     <dgm:cxn modelId="{A049DE47-A524-4B72-93CF-078AC36D399D}" srcId="{B07BDF62-52A1-4C61-B36C-7E6DA29C4464}" destId="{E997091C-0851-4FC7-988A-9300DEEC715B}" srcOrd="1" destOrd="0" parTransId="{0E206134-7479-474E-96DD-1EC451F779C9}" sibTransId="{42652B16-35E3-4D4D-B2BC-3FC394095BEF}"/>
     <dgm:cxn modelId="{17725248-DDE8-40E8-B58B-D372A7094278}" type="presOf" srcId="{5F7B9B9A-A4F4-450A-B791-4E41EC3C420B}" destId="{128880AB-A96F-4B96-A7EB-40CF1335E0F4}" srcOrd="1" destOrd="0" presId="urn:microsoft.com/office/officeart/2005/8/layout/orgChart1"/>
+    <dgm:cxn modelId="{C4CD9A48-7B5C-46A1-A7FE-B2F059CA5EAC}" type="presOf" srcId="{C177E924-8195-468C-B1F2-987543E333A4}" destId="{318966AF-9770-4C8B-BAA5-174ACAAC4435}" srcOrd="0" destOrd="0" presId="urn:microsoft.com/office/officeart/2005/8/layout/orgChart1"/>
+    <dgm:cxn modelId="{5AB2AF68-78A1-4D44-A57B-D7C67804F1B3}" type="presOf" srcId="{A09C3195-0960-4176-96E5-08CCF2386905}" destId="{7B21975F-B10A-4B38-85BD-CE6DAF2EAF96}" srcOrd="0" destOrd="0" presId="urn:microsoft.com/office/officeart/2005/8/layout/orgChart1"/>
+    <dgm:cxn modelId="{4138C668-02E3-4E4A-AF28-16BA5A0DCF52}" srcId="{5DD5215F-282A-4DBC-8CFA-B92466F64176}" destId="{C177E924-8195-468C-B1F2-987543E333A4}" srcOrd="11" destOrd="0" parTransId="{2947366D-7D9E-46DC-9CEB-A95323627E3B}" sibTransId="{8C9F26C7-4815-4F13-B223-5B6BC6050879}"/>
     <dgm:cxn modelId="{D62BD048-3F13-49D1-A513-A7ECD0B60F9A}" type="presOf" srcId="{6722DE6D-A4F9-48BE-A36B-8AE76FC8E0DC}" destId="{AC6F3EE0-ECEB-4902-A1BA-0E280E64D26A}" srcOrd="0" destOrd="0" presId="urn:microsoft.com/office/officeart/2005/8/layout/orgChart1"/>
     <dgm:cxn modelId="{CC99654A-072E-493F-B296-34AC1C887643}" srcId="{28D4303A-1160-4269-9F32-C562151D69AB}" destId="{34EFF2C1-D24A-4A68-BA15-9F9436464740}" srcOrd="3" destOrd="0" parTransId="{118DB96C-A361-4AE2-A784-B73BD97C64F1}" sibTransId="{6705BE10-459A-487C-ADCF-D848063CCA35}"/>
     <dgm:cxn modelId="{FCE3986A-A1AB-4C46-9F8B-00108BC6F5BC}" type="presOf" srcId="{5D3ACED8-760F-4869-AD3E-69AC72742C53}" destId="{D5CD53A4-F7BE-464C-AC03-488250BE654E}" srcOrd="0" destOrd="0" presId="urn:microsoft.com/office/officeart/2005/8/layout/orgChart1"/>
     <dgm:cxn modelId="{E92CF04B-8F2B-43A1-99B5-BF91925D56B5}" type="presOf" srcId="{2EB1F0B3-14EE-4818-9AF9-A40D705ED5F2}" destId="{8BFCFC47-56C4-415E-8026-CC4EC0F7A329}" srcOrd="0" destOrd="0" presId="urn:microsoft.com/office/officeart/2005/8/layout/orgChart1"/>
-    <dgm:cxn modelId="{54E3366C-6BF2-44B0-BFD7-A87FC8072C3D}" type="presOf" srcId="{F9D4094C-89B1-4093-B9AB-53BDFF585FF3}" destId="{DF1A49CA-C4C6-4CC3-BD0A-E3EE3F60F4B9}" srcOrd="0" destOrd="0" presId="urn:microsoft.com/office/officeart/2005/8/layout/orgChart1"/>
+    <dgm:cxn modelId="{D077B64C-2EC5-4DF4-9015-A60E0F9E0D1E}" type="presOf" srcId="{CF5A180D-272B-4F89-AD63-71A66497427C}" destId="{C4EBA92A-9CD8-462A-8DB4-A3CD6E3191A9}" srcOrd="0" destOrd="0" presId="urn:microsoft.com/office/officeart/2005/8/layout/orgChart1"/>
     <dgm:cxn modelId="{A039E46C-4F2D-45FA-8238-9271D759EFB7}" srcId="{5DD5215F-282A-4DBC-8CFA-B92466F64176}" destId="{40BD90D1-3943-4EB3-906D-84CDCE6C80CD}" srcOrd="0" destOrd="0" parTransId="{675C4F1C-C396-4C25-A319-AC83AE009AA5}" sibTransId="{D8ABC79C-4223-493A-AF2E-691F1437B264}"/>
     <dgm:cxn modelId="{95FEFE6C-B39E-4160-A9C4-C287D38457AD}" type="presOf" srcId="{C49A89BA-FEBB-4221-B546-3FCF4E260CEE}" destId="{5A053106-4DC6-4069-98DF-7CCE0F31AF65}" srcOrd="0" destOrd="0" presId="urn:microsoft.com/office/officeart/2005/8/layout/orgChart1"/>
-    <dgm:cxn modelId="{6D6B406D-D223-4E2D-8E04-0F759A96BE97}" type="presOf" srcId="{3989EAB0-CD04-49F3-A172-4CE0E3497E5B}" destId="{D5B4410B-E7FA-4880-92E6-938163BF4B17}" srcOrd="0" destOrd="0" presId="urn:microsoft.com/office/officeart/2005/8/layout/orgChart1"/>
+    <dgm:cxn modelId="{94DD296E-1FAC-4E4C-BBB0-28B86E3DCAA5}" srcId="{5DD5215F-282A-4DBC-8CFA-B92466F64176}" destId="{A884A69C-E852-4409-B995-293F5246191A}" srcOrd="7" destOrd="0" parTransId="{EA159134-99A1-4133-B855-C5A501646E3E}" sibTransId="{32808636-57F3-4C61-8FED-DD61514AC526}"/>
+    <dgm:cxn modelId="{3AEE384F-E432-4CFA-9F0B-9F0349C8050F}" srcId="{A884A69C-E852-4409-B995-293F5246191A}" destId="{78256266-2C8A-4D31-9E4A-151A278E5A52}" srcOrd="0" destOrd="0" parTransId="{75E135FB-F9A2-4F70-B4E0-49E731D980E4}" sibTransId="{D48CBAE9-EAAC-49F6-8F44-3BD915705A7E}"/>
     <dgm:cxn modelId="{EA1B436F-FEF1-48C1-9393-87E0B8D4F46E}" type="presOf" srcId="{1AA9336A-8F84-4E05-B5DA-FC298999BD02}" destId="{22C5D4E4-B183-4908-A417-8AFC2ABB6675}" srcOrd="0" destOrd="0" presId="urn:microsoft.com/office/officeart/2005/8/layout/orgChart1"/>
     <dgm:cxn modelId="{5783784F-A463-4D28-BBF3-4BC48AE0A953}" type="presOf" srcId="{7164FFB0-612A-4C9C-85D5-FA047A1EF429}" destId="{232BC1A4-5D42-4608-9C98-C1F86B699B19}" srcOrd="0" destOrd="0" presId="urn:microsoft.com/office/officeart/2005/8/layout/orgChart1"/>
-    <dgm:cxn modelId="{C7750770-28F6-4728-B3E2-FC067A9EC553}" type="presOf" srcId="{AEC748EA-71A3-4734-A8A3-9B1E03D3A743}" destId="{6BAE05D9-6A41-4091-95E8-68A33DF82B14}" srcOrd="0" destOrd="0" presId="urn:microsoft.com/office/officeart/2005/8/layout/orgChart1"/>
     <dgm:cxn modelId="{EF7B2950-7D6C-4BC5-BFA2-AFC6C70014B2}" srcId="{D7AF68C1-A051-4FDD-AD7F-5CC5EFCD0C5F}" destId="{2EB1F0B3-14EE-4818-9AF9-A40D705ED5F2}" srcOrd="0" destOrd="0" parTransId="{0EDE459A-66FC-4014-A666-96497C7A4E8A}" sibTransId="{DF539FB6-9A51-4367-9295-29B74F06BE25}"/>
     <dgm:cxn modelId="{C461C772-A877-4AEB-A6E6-3C65A1DFF3DA}" type="presOf" srcId="{D7AF68C1-A051-4FDD-AD7F-5CC5EFCD0C5F}" destId="{CAA2CAD7-F6F3-4272-8434-87A293491845}" srcOrd="0" destOrd="0" presId="urn:microsoft.com/office/officeart/2005/8/layout/orgChart1"/>
     <dgm:cxn modelId="{AD010353-2B63-4595-B077-01DED801AFB6}" type="presOf" srcId="{423DA2F3-8E29-4E37-B519-E45E3F027535}" destId="{35230603-A411-4B6C-B4C9-3745E89C0DDE}" srcOrd="0" destOrd="0" presId="urn:microsoft.com/office/officeart/2005/8/layout/orgChart1"/>
     <dgm:cxn modelId="{AC870A73-ED92-4903-AEAF-9EDC77BE053F}" srcId="{7164FFB0-612A-4C9C-85D5-FA047A1EF429}" destId="{5CF5E847-3D4A-4422-9636-3A118E07766D}" srcOrd="1" destOrd="0" parTransId="{6722DE6D-A4F9-48BE-A36B-8AE76FC8E0DC}" sibTransId="{3D14D67F-473B-4780-9338-D8EE82C400C0}"/>
     <dgm:cxn modelId="{2BAA2A74-099D-4428-B0AC-8D24A7FE40F2}" srcId="{3393CED3-3F25-46DA-9851-DCBC919C8ABB}" destId="{775415AE-F9F6-4E93-B43E-75133F887C0A}" srcOrd="1" destOrd="0" parTransId="{078A9EF8-7DC1-4C04-9CD5-6645FB548397}" sibTransId="{558EE6C3-BD92-451E-9A2C-44E0D86A520C}"/>
+    <dgm:cxn modelId="{62DB6654-33D5-48CC-9567-B070CCB47BBE}" type="presOf" srcId="{1FC67C11-F846-4E37-A269-D16C20A72EFF}" destId="{9446FE94-65AF-4E6A-B486-3380BCEF5DE0}" srcOrd="1" destOrd="0" presId="urn:microsoft.com/office/officeart/2005/8/layout/orgChart1"/>
     <dgm:cxn modelId="{13224955-2242-4F93-A3D3-10E2DB4F1676}" srcId="{DD283DBF-7238-4196-A281-ED2CE3A0B825}" destId="{C49A89BA-FEBB-4221-B546-3FCF4E260CEE}" srcOrd="1" destOrd="0" parTransId="{F06EC88D-9AEE-4503-BAE4-FF30A832FD7D}" sibTransId="{0EDBC54D-4266-4B6B-A840-378238CB1614}"/>
+    <dgm:cxn modelId="{44D89655-E3C1-4118-B378-F287C9C58BEF}" type="presOf" srcId="{7937C63B-2983-4F6C-B3AA-FD47C3CE5A7F}" destId="{17ADBE6B-840A-48B2-99B3-5F9FE3DC5C06}" srcOrd="1" destOrd="0" presId="urn:microsoft.com/office/officeart/2005/8/layout/orgChart1"/>
+    <dgm:cxn modelId="{DB080178-E9CB-497B-B0EE-E6D3043385AE}" srcId="{34EFF2C1-D24A-4A68-BA15-9F9436464740}" destId="{FF328F05-0183-4B89-A3DF-B23554307359}" srcOrd="2" destOrd="0" parTransId="{4E533A91-9EB6-4C0E-A316-D56EDD1D9C15}" sibTransId="{1419CB3D-37BD-48FE-A124-61AB1ABE526F}"/>
+    <dgm:cxn modelId="{6F411C58-C58A-4015-B631-FFC53EA7B7E5}" type="presOf" srcId="{CF5A180D-272B-4F89-AD63-71A66497427C}" destId="{2F7F43B4-0D21-415C-B75D-5A7033DA2193}" srcOrd="1" destOrd="0" presId="urn:microsoft.com/office/officeart/2005/8/layout/orgChart1"/>
+    <dgm:cxn modelId="{BC972E58-EDFB-4B02-8007-6F5E59F3B855}" type="presOf" srcId="{08676534-0F05-4BFA-943C-BF9EBFB1C25B}" destId="{F30AB5ED-3504-4A8A-BD3C-4F641E0F1A53}" srcOrd="0" destOrd="0" presId="urn:microsoft.com/office/officeart/2005/8/layout/orgChart1"/>
     <dgm:cxn modelId="{E5F7AA78-CB84-4D31-B562-180120224DAB}" type="presOf" srcId="{9B73C77F-40D8-4491-984B-E9D06DD1BC86}" destId="{3ACE5927-24F9-47B6-A431-4794C2FDD9C9}" srcOrd="0" destOrd="0" presId="urn:microsoft.com/office/officeart/2005/8/layout/orgChart1"/>
+    <dgm:cxn modelId="{E5B7857A-1402-4851-89EB-57F8298D399F}" srcId="{5082563B-6E32-431B-B101-7F7DC0EA5AEC}" destId="{B1AF95EB-664F-4DF1-A3FB-EA214C68FE40}" srcOrd="1" destOrd="0" parTransId="{AD558FFA-5E93-42FB-A76B-6456D223A77D}" sibTransId="{CEDBAEDE-F002-43D2-BA75-2C087EF5C4F2}"/>
     <dgm:cxn modelId="{787FD67A-F436-4C7A-893C-2772AF73C29F}" type="presOf" srcId="{03AB5D06-18E3-407C-986C-0CAFC72E1B8C}" destId="{58A7D03D-DE21-4D2A-AB70-798F7F5CC173}" srcOrd="0" destOrd="0" presId="urn:microsoft.com/office/officeart/2005/8/layout/orgChart1"/>
-    <dgm:cxn modelId="{0DB1D65A-FD0D-4E34-A563-210B3D3E3DD2}" type="presOf" srcId="{5965E9D4-33CA-4441-B062-D12F26934982}" destId="{EF20A190-C364-41AF-9FFA-F5E6F4444129}" srcOrd="1" destOrd="0" presId="urn:microsoft.com/office/officeart/2005/8/layout/orgChart1"/>
-    <dgm:cxn modelId="{0114947C-D123-4942-AC3E-FB1ED86D945E}" type="presOf" srcId="{46948CF3-05E0-42E2-A61A-CBFEED5B9BF3}" destId="{DFBB2094-69A1-4A52-A92D-360B1A07D1A3}" srcOrd="0" destOrd="0" presId="urn:microsoft.com/office/officeart/2005/8/layout/orgChart1"/>
     <dgm:cxn modelId="{34CAF17F-641A-40A1-96AD-4F49B8C699A0}" type="presOf" srcId="{F06EC88D-9AEE-4503-BAE4-FF30A832FD7D}" destId="{779DDC95-C78F-47F2-827D-246A24C3D463}" srcOrd="0" destOrd="0" presId="urn:microsoft.com/office/officeart/2005/8/layout/orgChart1"/>
     <dgm:cxn modelId="{599A5780-5B30-4969-B553-282D2C6D5C5C}" type="presOf" srcId="{E997091C-0851-4FC7-988A-9300DEEC715B}" destId="{5F9820CE-0CBC-43AF-A010-B153AB19C692}" srcOrd="1" destOrd="0" presId="urn:microsoft.com/office/officeart/2005/8/layout/orgChart1"/>
     <dgm:cxn modelId="{B1FAD981-4E2C-4893-B4F5-91514B45CCFB}" type="presOf" srcId="{CA6EC252-7BBB-4AB1-8E2E-E92B838C87AC}" destId="{92ECA936-0850-4F06-86B0-00C66D9F7859}" srcOrd="1" destOrd="0" presId="urn:microsoft.com/office/officeart/2005/8/layout/orgChart1"/>
+    <dgm:cxn modelId="{03B56182-C1FB-4ACD-A80D-1427A7F47207}" type="presOf" srcId="{98262794-0C9B-483C-B1AC-8E8079B22567}" destId="{CA706B94-5E65-48B9-9CB5-BA024FE34DC6}" srcOrd="0" destOrd="0" presId="urn:microsoft.com/office/officeart/2005/8/layout/orgChart1"/>
     <dgm:cxn modelId="{342EB682-F49A-45F9-A849-6DB036DA3F3A}" type="presOf" srcId="{40BD90D1-3943-4EB3-906D-84CDCE6C80CD}" destId="{F3B428E0-27CC-4A79-B349-9073C91458E1}" srcOrd="1" destOrd="0" presId="urn:microsoft.com/office/officeart/2005/8/layout/orgChart1"/>
-    <dgm:cxn modelId="{90B1AB8B-118B-4BA2-9CF3-F5019F99CBE1}" srcId="{5DD5215F-282A-4DBC-8CFA-B92466F64176}" destId="{46948CF3-05E0-42E2-A61A-CBFEED5B9BF3}" srcOrd="1" destOrd="0" parTransId="{EBC982DF-151E-4344-9CF7-5A8CAAE23D03}" sibTransId="{5999E493-6D58-4F51-8A7C-8B58F4D69AA8}"/>
+    <dgm:cxn modelId="{D5FB2D86-0F71-4AA6-9D6F-AC7BAAC42412}" srcId="{32EEBD9B-38F4-4B3E-AD63-8C6A30DB2EE3}" destId="{1FC67C11-F846-4E37-A269-D16C20A72EFF}" srcOrd="0" destOrd="0" parTransId="{98262794-0C9B-483C-B1AC-8E8079B22567}" sibTransId="{32AF7B8F-F79C-4B58-A134-599F0D1DFC68}"/>
+    <dgm:cxn modelId="{05118A86-1FF8-4B2E-AB5D-60C101923D69}" type="presOf" srcId="{75E135FB-F9A2-4F70-B4E0-49E731D980E4}" destId="{43979444-E001-40FD-900F-2168A393BE10}" srcOrd="0" destOrd="0" presId="urn:microsoft.com/office/officeart/2005/8/layout/orgChart1"/>
+    <dgm:cxn modelId="{967D9A86-5D0E-4140-960D-243E5D414933}" srcId="{C177E924-8195-468C-B1F2-987543E333A4}" destId="{67D19928-31DA-45F6-BA04-C018EA778208}" srcOrd="0" destOrd="0" parTransId="{F1FCDDD1-DD4E-48EF-A1A0-E4F073740299}" sibTransId="{58EFECA1-B47A-4012-8BE8-CE14A8B901DF}"/>
+    <dgm:cxn modelId="{5AE39F88-4DE6-459B-BCFF-9B9070831B8E}" type="presOf" srcId="{BF661DDF-C9D4-4AC4-9C67-7A0B0516C7C5}" destId="{AA83FA3D-F953-4A21-9165-53F268C4EC02}" srcOrd="1" destOrd="0" presId="urn:microsoft.com/office/officeart/2005/8/layout/orgChart1"/>
+    <dgm:cxn modelId="{C848AA88-99F0-4368-9352-91C7FCD0E415}" type="presOf" srcId="{C962F801-848A-4F67-BD10-63C4E5F9B366}" destId="{A215A299-5122-4657-A52D-0DE9988BE292}" srcOrd="1" destOrd="0" presId="urn:microsoft.com/office/officeart/2005/8/layout/orgChart1"/>
+    <dgm:cxn modelId="{38B2FF88-1755-4F1E-BC14-0FCED5EB8A79}" type="presOf" srcId="{2A0F5DE3-31E8-4E25-AA15-C962194950E3}" destId="{5FC2D794-95A2-4581-AB06-D640700ADE57}" srcOrd="0" destOrd="0" presId="urn:microsoft.com/office/officeart/2005/8/layout/orgChart1"/>
+    <dgm:cxn modelId="{96A4248B-5F14-4EBA-8D5F-712EF21CE15A}" type="presOf" srcId="{7F983F57-0F8A-4912-851A-4617052E093A}" destId="{BF95CEE1-0524-4F85-AE7B-48959E566471}" srcOrd="0" destOrd="0" presId="urn:microsoft.com/office/officeart/2005/8/layout/orgChart1"/>
     <dgm:cxn modelId="{9A4C2A8D-B0E7-401D-82F6-FE38AE0A1A80}" srcId="{5DD5215F-282A-4DBC-8CFA-B92466F64176}" destId="{7164FFB0-612A-4C9C-85D5-FA047A1EF429}" srcOrd="4" destOrd="0" parTransId="{0942F559-9E1E-412A-90DE-E72F4AA612A3}" sibTransId="{B8611C63-EEAC-4F2F-84FB-1AC4FC2BB046}"/>
+    <dgm:cxn modelId="{3C25DA8F-8F68-4B12-999B-C70EF45D53F1}" type="presOf" srcId="{EAD38220-944B-4516-999E-32559C291B52}" destId="{CEE4E38D-1C29-4B96-94C1-EF57006D9BFB}" srcOrd="0" destOrd="0" presId="urn:microsoft.com/office/officeart/2005/8/layout/orgChart1"/>
     <dgm:cxn modelId="{A4852891-8BD5-43C5-B59C-73583860D9AD}" srcId="{7164FFB0-612A-4C9C-85D5-FA047A1EF429}" destId="{865D5362-C4FA-4F2A-AA5C-076A123F6009}" srcOrd="0" destOrd="0" parTransId="{8C9DE4D2-EFEE-46A7-BC53-8D203C90ACF8}" sibTransId="{391EB5EE-91B3-441C-8DC5-48641DD49188}"/>
-    <dgm:cxn modelId="{64DFA191-D1E6-4A76-8DCA-98CAD2210AEC}" type="presOf" srcId="{01537F03-F3D9-4D1B-AC59-2593EC164C23}" destId="{1507248B-4C77-4B46-962C-0E5912097852}" srcOrd="0" destOrd="0" presId="urn:microsoft.com/office/officeart/2005/8/layout/orgChart1"/>
     <dgm:cxn modelId="{EB73D291-915A-46CE-B4D1-4B4B2A25A947}" type="presOf" srcId="{3393CED3-3F25-46DA-9851-DCBC919C8ABB}" destId="{D3BCF7EC-9E3C-4DBE-A030-2C55281B23F5}" srcOrd="1" destOrd="0" presId="urn:microsoft.com/office/officeart/2005/8/layout/orgChart1"/>
+    <dgm:cxn modelId="{138B7493-3F27-455A-B9E1-A80CCCA3CE66}" type="presOf" srcId="{FB639B9A-CF5E-4000-A8BC-04CACCA9C104}" destId="{E4C31DD3-96AC-4A52-8F92-71B070015481}" srcOrd="0" destOrd="0" presId="urn:microsoft.com/office/officeart/2005/8/layout/orgChart1"/>
     <dgm:cxn modelId="{BEEA8993-6043-4303-8D79-98E147D6309A}" type="presOf" srcId="{28D4303A-1160-4269-9F32-C562151D69AB}" destId="{DB9AF2F1-0156-461B-A9CD-3DD9944DDADF}" srcOrd="1" destOrd="0" presId="urn:microsoft.com/office/officeart/2005/8/layout/orgChart1"/>
     <dgm:cxn modelId="{E3098294-D411-481B-8907-0EFEF525F32C}" type="presOf" srcId="{E997091C-0851-4FC7-988A-9300DEEC715B}" destId="{D00CD897-9005-44A3-A210-E3BEA1543754}" srcOrd="0" destOrd="0" presId="urn:microsoft.com/office/officeart/2005/8/layout/orgChart1"/>
     <dgm:cxn modelId="{2A007796-2CF2-42A3-9436-2663AE019223}" srcId="{B07BDF62-52A1-4C61-B36C-7E6DA29C4464}" destId="{CEE74021-399E-4E4C-BA61-9A29AC15D92B}" srcOrd="0" destOrd="0" parTransId="{1AD0514A-44FF-4115-9BBD-E3ABDA0CDA03}" sibTransId="{3E3725D0-21E1-411A-97EF-29C0AC2E4219}"/>
+    <dgm:cxn modelId="{2246DE97-4CDC-4F8D-928A-5EBA897FF13F}" type="presOf" srcId="{29ABE36A-A02F-4902-94C2-FEBDCB25E7FD}" destId="{E62F8C15-1AF4-46B5-8C80-A918F5515FE0}" srcOrd="0" destOrd="0" presId="urn:microsoft.com/office/officeart/2005/8/layout/orgChart1"/>
     <dgm:cxn modelId="{019CC398-4388-4882-8AFF-5F071C9002D2}" type="presOf" srcId="{A6987C49-3D43-42D9-A072-23F8B94A402F}" destId="{15D53CAC-FC8F-4852-ADF3-FC10F93F5803}" srcOrd="1" destOrd="0" presId="urn:microsoft.com/office/officeart/2005/8/layout/orgChart1"/>
+    <dgm:cxn modelId="{A55BEC99-571B-4E0C-8CF0-D05B34E548CE}" type="presOf" srcId="{78256266-2C8A-4D31-9E4A-151A278E5A52}" destId="{B9EF88F3-9B21-45AC-83D7-751F1CD39F71}" srcOrd="0" destOrd="0" presId="urn:microsoft.com/office/officeart/2005/8/layout/orgChart1"/>
     <dgm:cxn modelId="{F81C099B-E864-443A-9443-E4F3A3D84784}" type="presOf" srcId="{B07BDF62-52A1-4C61-B36C-7E6DA29C4464}" destId="{B76160C6-C0BC-45C7-BBC6-FCEE1C384201}" srcOrd="1" destOrd="0" presId="urn:microsoft.com/office/officeart/2005/8/layout/orgChart1"/>
     <dgm:cxn modelId="{3C94489B-704A-4FD1-B3D5-DE47380A8EDA}" type="presOf" srcId="{8B601E00-D559-418A-AEB4-69B318B8B6B1}" destId="{F4B1F69A-56D4-474E-8F40-ABA6F6E62EA1}" srcOrd="0" destOrd="0" presId="urn:microsoft.com/office/officeart/2005/8/layout/orgChart1"/>
+    <dgm:cxn modelId="{73A8499B-B8F7-452A-869D-1CCE4679D86E}" srcId="{A884A69C-E852-4409-B995-293F5246191A}" destId="{08676534-0F05-4BFA-943C-BF9EBFB1C25B}" srcOrd="1" destOrd="0" parTransId="{A09C3195-0960-4176-96E5-08CCF2386905}" sibTransId="{34FFBE1D-7691-49E9-B9D2-20656C52FD14}"/>
+    <dgm:cxn modelId="{7A60779C-CD13-4A7B-A9FD-19B4A8D5920A}" type="presOf" srcId="{BE2539A8-B660-4F8D-9679-EC2257B7EC1F}" destId="{2419436C-6EE9-405D-B1EB-B108E451B52E}" srcOrd="0" destOrd="0" presId="urn:microsoft.com/office/officeart/2005/8/layout/orgChart1"/>
     <dgm:cxn modelId="{8FF7E39C-B64B-4B50-B370-DB3476901CD6}" srcId="{3D3E6FCA-8AEE-411D-A4E1-ACE6C7D8F9E3}" destId="{28D4303A-1160-4269-9F32-C562151D69AB}" srcOrd="0" destOrd="0" parTransId="{018AC4CD-BFA6-4B7D-895B-C67B47569663}" sibTransId="{6EAF074C-6402-430A-9A5F-25218A7F3F3B}"/>
+    <dgm:cxn modelId="{D73FB79E-497C-467F-BB05-E2F263C13640}" srcId="{DD283DBF-7238-4196-A281-ED2CE3A0B825}" destId="{29ABE36A-A02F-4902-94C2-FEBDCB25E7FD}" srcOrd="2" destOrd="0" parTransId="{74FACBEE-4D09-4A2A-B9C4-79239761E8F4}" sibTransId="{73208AB8-6A43-4A9D-9056-64A9CEF0EE68}"/>
     <dgm:cxn modelId="{55DAE59E-F636-4EEC-8440-4DD6634153EB}" type="presOf" srcId="{3D3E6FCA-8AEE-411D-A4E1-ACE6C7D8F9E3}" destId="{6302EC25-0FA3-4522-B92F-9D3204F0624D}" srcOrd="0" destOrd="0" presId="urn:microsoft.com/office/officeart/2005/8/layout/orgChart1"/>
-    <dgm:cxn modelId="{A9EA1E9F-68BD-47F5-A936-0376EDE41F07}" type="presOf" srcId="{EBC982DF-151E-4344-9CF7-5A8CAAE23D03}" destId="{9E0AE47D-26DC-4B27-AAF0-F66555219251}" srcOrd="0" destOrd="0" presId="urn:microsoft.com/office/officeart/2005/8/layout/orgChart1"/>
-    <dgm:cxn modelId="{8DA8AB9F-B3D0-427B-B91C-948278427D91}" type="presOf" srcId="{6C254CC0-842F-4926-BB2C-76EFCE2790A3}" destId="{9E36C3EA-D343-48A9-BED7-585AFBFB178B}" srcOrd="0" destOrd="0" presId="urn:microsoft.com/office/officeart/2005/8/layout/orgChart1"/>
     <dgm:cxn modelId="{0E9DF49F-5644-4E89-B439-F79D0302F034}" type="presOf" srcId="{2EB1F0B3-14EE-4818-9AF9-A40D705ED5F2}" destId="{B209973E-5613-4E4A-8599-D51EEF644DA9}" srcOrd="1" destOrd="0" presId="urn:microsoft.com/office/officeart/2005/8/layout/orgChart1"/>
-    <dgm:cxn modelId="{F6F2DFA0-CEA6-4377-AB5D-C3239D154B07}" type="presOf" srcId="{6C254CC0-842F-4926-BB2C-76EFCE2790A3}" destId="{B55A76DA-6E35-44E0-8CC6-A49B0025AC0C}" srcOrd="1" destOrd="0" presId="urn:microsoft.com/office/officeart/2005/8/layout/orgChart1"/>
     <dgm:cxn modelId="{100D41A3-C380-4BA7-B1F6-8C312A5ED8F4}" type="presOf" srcId="{372B1EA8-094C-467E-A85E-8054D27A9E9B}" destId="{2FFC276A-0E14-472D-A393-466F670FFD91}" srcOrd="0" destOrd="0" presId="urn:microsoft.com/office/officeart/2005/8/layout/orgChart1"/>
+    <dgm:cxn modelId="{CCC193A4-C825-487D-8A63-FA7C8B87A76A}" srcId="{FB639B9A-CF5E-4000-A8BC-04CACCA9C104}" destId="{BE2539A8-B660-4F8D-9679-EC2257B7EC1F}" srcOrd="0" destOrd="0" parTransId="{EAD38220-944B-4516-999E-32559C291B52}" sibTransId="{151B44F8-3DF7-4316-B07A-F095B5E6DE59}"/>
+    <dgm:cxn modelId="{616781A5-AFF0-450F-827E-877E2499692F}" type="presOf" srcId="{1FC67C11-F846-4E37-A269-D16C20A72EFF}" destId="{7DD0BDA0-C7DB-42B8-B5FE-A45C950271DB}" srcOrd="0" destOrd="0" presId="urn:microsoft.com/office/officeart/2005/8/layout/orgChart1"/>
+    <dgm:cxn modelId="{55D1BBA6-4163-4CE7-BEF9-B03D02C8C1BB}" type="presOf" srcId="{14CB117C-5D8D-47FE-AD95-449999D2727A}" destId="{26F50A34-2972-4CB4-B149-74B75042E0B2}" srcOrd="0" destOrd="0" presId="urn:microsoft.com/office/officeart/2005/8/layout/orgChart1"/>
     <dgm:cxn modelId="{9B5B1BA7-880E-4384-8D98-494B7B1508D6}" type="presOf" srcId="{E95B3E6E-F4B6-4A9A-ACC6-03B477B2366A}" destId="{D1635F23-6BA6-420F-B347-F339D4FCB37A}" srcOrd="1" destOrd="0" presId="urn:microsoft.com/office/officeart/2005/8/layout/orgChart1"/>
     <dgm:cxn modelId="{107709AA-C663-4C72-A7A4-F16320D92D64}" type="presOf" srcId="{1AD0514A-44FF-4115-9BBD-E3ABDA0CDA03}" destId="{C79509A8-C35F-46AB-A074-7B8DEE5D237D}" srcOrd="0" destOrd="0" presId="urn:microsoft.com/office/officeart/2005/8/layout/orgChart1"/>
     <dgm:cxn modelId="{D9243CAA-7E30-4779-9A09-EF42C61F091F}" srcId="{5DD5215F-282A-4DBC-8CFA-B92466F64176}" destId="{5082563B-6E32-431B-B101-7F7DC0EA5AEC}" srcOrd="6" destOrd="0" parTransId="{9B73C77F-40D8-4491-984B-E9D06DD1BC86}" sibTransId="{B85B20CC-65AE-408B-8805-8E70E90805E6}"/>
     <dgm:cxn modelId="{142238AD-1575-4F1E-8C9D-1DA018A011F9}" type="presOf" srcId="{A70C1F43-52FE-4363-8A29-E38B9E801940}" destId="{485591B9-5708-47A2-BAA5-824FF6E2DD2F}" srcOrd="0" destOrd="0" presId="urn:microsoft.com/office/officeart/2005/8/layout/orgChart1"/>
     <dgm:cxn modelId="{715A68AD-4613-45D1-A1FA-F8A1F50B1398}" srcId="{5DD5215F-282A-4DBC-8CFA-B92466F64176}" destId="{DD283DBF-7238-4196-A281-ED2CE3A0B825}" srcOrd="2" destOrd="0" parTransId="{30235297-B831-4E18-B3D0-06C366E42845}" sibTransId="{794B10F7-A36C-40C0-95EE-6B9A85766A67}"/>
     <dgm:cxn modelId="{90110FAF-676E-4E16-B1FC-B98957141B25}" type="presOf" srcId="{E95B3E6E-F4B6-4A9A-ACC6-03B477B2366A}" destId="{5B5A2CFE-D8A2-4D10-A223-7C772AA3761E}" srcOrd="0" destOrd="0" presId="urn:microsoft.com/office/officeart/2005/8/layout/orgChart1"/>
+    <dgm:cxn modelId="{CD8433AF-BF96-448A-A219-14E42FE27F11}" type="presOf" srcId="{AB325E58-1A60-4F10-8E80-262F09BC46C9}" destId="{EFD0AB61-B32D-405D-B64D-49F23D49F0CE}" srcOrd="0" destOrd="0" presId="urn:microsoft.com/office/officeart/2005/8/layout/orgChart1"/>
+    <dgm:cxn modelId="{9CB650AF-F310-4CDA-9D5F-7BA368537DDC}" srcId="{34EFF2C1-D24A-4A68-BA15-9F9436464740}" destId="{7937C63B-2983-4F6C-B3AA-FD47C3CE5A7F}" srcOrd="1" destOrd="0" parTransId="{7F983F57-0F8A-4912-851A-4617052E093A}" sibTransId="{C3D12B92-CD3B-4998-87F4-240E67A547FC}"/>
+    <dgm:cxn modelId="{30C882AF-6DED-483F-A9D4-0A3179C45434}" srcId="{5DD5215F-282A-4DBC-8CFA-B92466F64176}" destId="{BF661DDF-C9D4-4AC4-9C67-7A0B0516C7C5}" srcOrd="8" destOrd="0" parTransId="{4CB64E0F-E34F-4C27-A909-3D91622779AE}" sibTransId="{A9CADBB2-CBBC-4C0B-84FC-B9C49C1B4DAB}"/>
     <dgm:cxn modelId="{D776BEAF-41A0-4C5D-85B3-CADCD5FA04CD}" type="presOf" srcId="{5CF5E847-3D4A-4422-9636-3A118E07766D}" destId="{91098537-C4A3-489F-9CB3-D301620B7E77}" srcOrd="0" destOrd="0" presId="urn:microsoft.com/office/officeart/2005/8/layout/orgChart1"/>
-    <dgm:cxn modelId="{E29C96B1-138C-459B-9E78-17393E7106AA}" srcId="{E95B3E6E-F4B6-4A9A-ACC6-03B477B2366A}" destId="{5965E9D4-33CA-4441-B062-D12F26934982}" srcOrd="1" destOrd="0" parTransId="{3989EAB0-CD04-49F3-A172-4CE0E3497E5B}" sibTransId="{49BEF1FF-0364-4D5A-AC7B-2652444F6F6D}"/>
     <dgm:cxn modelId="{828858B2-573B-4D9F-8784-30B8A45FAA46}" srcId="{40BD90D1-3943-4EB3-906D-84CDCE6C80CD}" destId="{E95B3E6E-F4B6-4A9A-ACC6-03B477B2366A}" srcOrd="0" destOrd="0" parTransId="{E2404425-DF5A-4900-AC6B-AD69ABF082BB}" sibTransId="{E684EC3F-5288-4465-B6D3-2DE133715D63}"/>
+    <dgm:cxn modelId="{C31509B3-ED7C-44E9-B067-F88459E2D41E}" type="presOf" srcId="{5176FAB4-FE8D-42D6-BB1C-281AAC0CE160}" destId="{79D3D683-FC36-4099-BA46-18038E55183E}" srcOrd="0" destOrd="0" presId="urn:microsoft.com/office/officeart/2005/8/layout/orgChart1"/>
     <dgm:cxn modelId="{5CBAA2B4-6001-46E9-A68C-FDF575CB0BDA}" srcId="{5082563B-6E32-431B-B101-7F7DC0EA5AEC}" destId="{423DA2F3-8E29-4E37-B519-E45E3F027535}" srcOrd="0" destOrd="0" parTransId="{914CE761-5665-4E8B-A42C-980CA1452463}" sibTransId="{84E4EF3F-DE44-4631-A001-F73E3C96C5DB}"/>
-    <dgm:cxn modelId="{C00428B6-6AF4-4EC1-9B38-ADD4E5362780}" type="presOf" srcId="{16E11150-6742-402A-BAB5-092FF2FEFC20}" destId="{11399B0C-D207-4924-A800-4DD8025D920F}" srcOrd="1" destOrd="0" presId="urn:microsoft.com/office/officeart/2005/8/layout/orgChart1"/>
+    <dgm:cxn modelId="{857427B5-9F5B-475D-A3DA-2D7504901DB0}" srcId="{32EEBD9B-38F4-4B3E-AD63-8C6A30DB2EE3}" destId="{C962F801-848A-4F67-BD10-63C4E5F9B366}" srcOrd="1" destOrd="0" parTransId="{AA8A6A6A-B26B-43E2-BEAD-65229F5705ED}" sibTransId="{CF237670-65B5-4E91-B5DE-391725BBCE34}"/>
     <dgm:cxn modelId="{7B8341B6-8267-4F29-84A3-5EEEF3A28D83}" type="presOf" srcId="{5DD5215F-282A-4DBC-8CFA-B92466F64176}" destId="{8394D798-86E8-4CDE-9B60-547676A9B319}" srcOrd="1" destOrd="0" presId="urn:microsoft.com/office/officeart/2005/8/layout/orgChart1"/>
     <dgm:cxn modelId="{79183BB7-0478-40A3-9199-E6573B037296}" type="presOf" srcId="{E2404425-DF5A-4900-AC6B-AD69ABF082BB}" destId="{CE57E79B-91A1-45D9-9054-4AA806126F70}" srcOrd="0" destOrd="0" presId="urn:microsoft.com/office/officeart/2005/8/layout/orgChart1"/>
-    <dgm:cxn modelId="{01256ABD-A83F-441F-9960-5FF1D9639562}" srcId="{46948CF3-05E0-42E2-A61A-CBFEED5B9BF3}" destId="{AF6B9632-F743-47ED-9C57-43057DABD278}" srcOrd="0" destOrd="0" parTransId="{E3984623-EF8F-45C7-A80A-238E6B9BC61B}" sibTransId="{06ADA712-0D93-4082-BBEE-3FE501F9A3E3}"/>
+    <dgm:cxn modelId="{E4DCF9BB-0799-42DA-9647-C52F2D15F4F5}" type="presOf" srcId="{08676534-0F05-4BFA-943C-BF9EBFB1C25B}" destId="{37BD64B8-8579-464B-9855-52AF195B45B9}" srcOrd="1" destOrd="0" presId="urn:microsoft.com/office/officeart/2005/8/layout/orgChart1"/>
+    <dgm:cxn modelId="{32EE91BD-1E9F-4DA9-B9EA-2480C4290737}" type="presOf" srcId="{C177E924-8195-468C-B1F2-987543E333A4}" destId="{8BB9C188-C6DF-4980-8219-FFE5E6939B22}" srcOrd="1" destOrd="0" presId="urn:microsoft.com/office/officeart/2005/8/layout/orgChart1"/>
+    <dgm:cxn modelId="{84C149BE-6351-4F03-8E3A-E28DA445D14D}" type="presOf" srcId="{14CB117C-5D8D-47FE-AD95-449999D2727A}" destId="{B6534123-CA5E-40E6-8B0B-672F315DD99A}" srcOrd="1" destOrd="0" presId="urn:microsoft.com/office/officeart/2005/8/layout/orgChart1"/>
     <dgm:cxn modelId="{2F0B9BBE-7241-4AC1-94AE-3C02ED8D6CCB}" srcId="{2E3F007D-E604-456A-BFA9-0F1C1408CFF8}" destId="{8EC5C32E-DC49-4E7C-9CD4-D84AE8625971}" srcOrd="0" destOrd="0" parTransId="{474E1523-FA71-4651-868C-5B355AB66A8F}" sibTransId="{4371FFA7-97DA-438A-A02A-1CE58549A3E2}"/>
+    <dgm:cxn modelId="{05F900BF-05EE-46A7-A92A-9DA86E75355A}" srcId="{5DD5215F-282A-4DBC-8CFA-B92466F64176}" destId="{FB639B9A-CF5E-4000-A8BC-04CACCA9C104}" srcOrd="9" destOrd="0" parTransId="{5176FAB4-FE8D-42D6-BB1C-281AAC0CE160}" sibTransId="{FF4AE07E-F461-4B61-AF77-C87F2CA2BFD9}"/>
+    <dgm:cxn modelId="{D3ABF8BF-9D5A-4B5E-B658-AF20B933B45E}" type="presOf" srcId="{5F3AE241-E7F2-44AC-99C4-8BE88F71C43B}" destId="{7A6D22AB-4901-444F-953C-49C8573C8BC1}" srcOrd="0" destOrd="0" presId="urn:microsoft.com/office/officeart/2005/8/layout/orgChart1"/>
     <dgm:cxn modelId="{FEFD39C0-3B9B-4B4D-857D-F42E3B6B7DC1}" type="presOf" srcId="{F5CC9385-3F68-4461-A3D4-D990CBA25D9C}" destId="{494C062B-A136-488A-92E0-72A9B999A4C7}" srcOrd="0" destOrd="0" presId="urn:microsoft.com/office/officeart/2005/8/layout/orgChart1"/>
+    <dgm:cxn modelId="{516F8BC0-7D1E-4526-950F-F73AD3EFEB9E}" type="presOf" srcId="{FF328F05-0183-4B89-A3DF-B23554307359}" destId="{F28C1C13-D81A-48C3-B296-65F655A8FC47}" srcOrd="1" destOrd="0" presId="urn:microsoft.com/office/officeart/2005/8/layout/orgChart1"/>
+    <dgm:cxn modelId="{CBD38BC1-C230-417B-8A06-2FBCB8C24CDB}" type="presOf" srcId="{78256266-2C8A-4D31-9E4A-151A278E5A52}" destId="{19E25694-34B9-4255-89BA-9B21BD115269}" srcOrd="1" destOrd="0" presId="urn:microsoft.com/office/officeart/2005/8/layout/orgChart1"/>
     <dgm:cxn modelId="{1C9EECC4-EE4B-4830-AFDB-3EBA4C0F069D}" type="presOf" srcId="{775415AE-F9F6-4E93-B43E-75133F887C0A}" destId="{99227BDC-C259-45D0-A460-2210C1707885}" srcOrd="0" destOrd="0" presId="urn:microsoft.com/office/officeart/2005/8/layout/orgChart1"/>
+    <dgm:cxn modelId="{A4E7F8C4-1105-48A3-8D30-271BDA1E1ADA}" type="presOf" srcId="{474E1523-FA71-4651-868C-5B355AB66A8F}" destId="{73337C2E-84A7-45D4-BA2B-2EDA4AC1748C}" srcOrd="0" destOrd="0" presId="urn:microsoft.com/office/officeart/2005/8/layout/orgChart1"/>
     <dgm:cxn modelId="{B56625C5-F3DE-415F-8C78-CAF609A9D12B}" type="presOf" srcId="{CBEBEAC0-41EA-4E80-99AC-73D95F03DB44}" destId="{A5696A52-CE52-412C-832C-92CA89BF4F76}" srcOrd="1" destOrd="0" presId="urn:microsoft.com/office/officeart/2005/8/layout/orgChart1"/>
     <dgm:cxn modelId="{2713F3C5-7E0C-4FE9-AC88-9511BF4DB42A}" type="presOf" srcId="{34EFF2C1-D24A-4A68-BA15-9F9436464740}" destId="{32C9AB5B-10B9-4F44-9859-626B9D531E18}" srcOrd="0" destOrd="0" presId="urn:microsoft.com/office/officeart/2005/8/layout/orgChart1"/>
-    <dgm:cxn modelId="{A8EC5BC6-007E-43BB-BAC7-CAFF5D80AF50}" srcId="{40BD90D1-3943-4EB3-906D-84CDCE6C80CD}" destId="{2E3F007D-E604-456A-BFA9-0F1C1408CFF8}" srcOrd="1" destOrd="0" parTransId="{AB325E58-1A60-4F10-8E80-262F09BC46C9}" sibTransId="{984992FE-94E8-45B5-8D4F-AEE882FC7EAB}"/>
+    <dgm:cxn modelId="{A8EC5BC6-007E-43BB-BAC7-CAFF5D80AF50}" srcId="{5DD5215F-282A-4DBC-8CFA-B92466F64176}" destId="{2E3F007D-E604-456A-BFA9-0F1C1408CFF8}" srcOrd="1" destOrd="0" parTransId="{AB325E58-1A60-4F10-8E80-262F09BC46C9}" sibTransId="{984992FE-94E8-45B5-8D4F-AEE882FC7EAB}"/>
     <dgm:cxn modelId="{6FDEF9C6-5347-40D8-885B-72DFCF1034DB}" type="presOf" srcId="{0EDE459A-66FC-4014-A666-96497C7A4E8A}" destId="{D5D8680C-1E5D-4829-80FC-4C5F482CA7B4}" srcOrd="0" destOrd="0" presId="urn:microsoft.com/office/officeart/2005/8/layout/orgChart1"/>
-    <dgm:cxn modelId="{1BB6FBC8-83D4-4B21-8336-9E5171C4DB69}" type="presOf" srcId="{E3984623-EF8F-45C7-A80A-238E6B9BC61B}" destId="{FD53E89B-641C-4DE1-BCAA-B1BE6DE402AA}" srcOrd="0" destOrd="0" presId="urn:microsoft.com/office/officeart/2005/8/layout/orgChart1"/>
+    <dgm:cxn modelId="{9A4D27C7-A0E8-4D36-A86A-32443B9AEB6E}" type="presOf" srcId="{BF661DDF-C9D4-4AC4-9C67-7A0B0516C7C5}" destId="{DBF305FE-E50B-4909-8D05-AA5CC83E7826}" srcOrd="0" destOrd="0" presId="urn:microsoft.com/office/officeart/2005/8/layout/orgChart1"/>
+    <dgm:cxn modelId="{3A5DADCB-A8F3-4AD3-A6DC-FB3BFFFD0A58}" type="presOf" srcId="{B1AF95EB-664F-4DF1-A3FB-EA214C68FE40}" destId="{FBBFD020-6485-437A-ACDA-63479B052D87}" srcOrd="1" destOrd="0" presId="urn:microsoft.com/office/officeart/2005/8/layout/orgChart1"/>
     <dgm:cxn modelId="{36AB8DCC-7ABF-461D-A8CF-29D15ABD271C}" type="presOf" srcId="{DD96F167-5C9D-4A08-9E07-9744C5377838}" destId="{32E150E0-EA9D-4225-9AF4-BA6A76BA4AC2}" srcOrd="0" destOrd="0" presId="urn:microsoft.com/office/officeart/2005/8/layout/orgChart1"/>
-    <dgm:cxn modelId="{26F3DED0-8580-4ADA-945A-1302BD26E298}" srcId="{E95B3E6E-F4B6-4A9A-ACC6-03B477B2366A}" destId="{6C254CC0-842F-4926-BB2C-76EFCE2790A3}" srcOrd="2" destOrd="0" parTransId="{A2C78E2B-5F78-4DBF-9417-040F124B0960}" sibTransId="{3BFE953F-51C5-483B-B117-CE93D3F23636}"/>
+    <dgm:cxn modelId="{AC68B1CC-6D4C-410B-BF8D-5E5674000A19}" srcId="{5DD5215F-282A-4DBC-8CFA-B92466F64176}" destId="{32EEBD9B-38F4-4B3E-AD63-8C6A30DB2EE3}" srcOrd="10" destOrd="0" parTransId="{6B854B9F-115F-413A-93B8-E884F509927C}" sibTransId="{AA0749ED-D38F-46F8-A436-CC0C113F1282}"/>
+    <dgm:cxn modelId="{80818FCD-E03B-49D5-82EA-20B7041C4F66}" type="presOf" srcId="{74FACBEE-4D09-4A2A-B9C4-79239761E8F4}" destId="{2F305A85-6178-4EF2-8EA7-22D27AAE2DEF}" srcOrd="0" destOrd="0" presId="urn:microsoft.com/office/officeart/2005/8/layout/orgChart1"/>
+    <dgm:cxn modelId="{47E706CF-AEF1-49D9-8391-5C59AD072C27}" type="presOf" srcId="{8EC5C32E-DC49-4E7C-9CD4-D84AE8625971}" destId="{B7FB0917-8213-4B59-9087-DBC4A12CD7A8}" srcOrd="1" destOrd="0" presId="urn:microsoft.com/office/officeart/2005/8/layout/orgChart1"/>
     <dgm:cxn modelId="{91105BD1-F1AA-4145-A707-62131350E4C9}" type="presOf" srcId="{40BD90D1-3943-4EB3-906D-84CDCE6C80CD}" destId="{B18747D8-A8AC-417D-B464-BDA8C868E1C1}" srcOrd="0" destOrd="0" presId="urn:microsoft.com/office/officeart/2005/8/layout/orgChart1"/>
-    <dgm:cxn modelId="{0BB7D0D1-433B-436A-86FA-8C61A1902FA1}" type="presOf" srcId="{01537F03-F3D9-4D1B-AC59-2593EC164C23}" destId="{F499D5E6-F5FB-43AF-8130-AF3D13846AF0}" srcOrd="1" destOrd="0" presId="urn:microsoft.com/office/officeart/2005/8/layout/orgChart1"/>
     <dgm:cxn modelId="{3951CAD2-5A73-4439-AFC9-9E37543A5A92}" type="presOf" srcId="{DD283DBF-7238-4196-A281-ED2CE3A0B825}" destId="{57B96674-772E-4E2C-94DF-4D142CFE3C18}" srcOrd="0" destOrd="0" presId="urn:microsoft.com/office/officeart/2005/8/layout/orgChart1"/>
     <dgm:cxn modelId="{EA09ABD3-4D3C-4BC2-B8C5-BC1EA05DF732}" srcId="{3393CED3-3F25-46DA-9851-DCBC919C8ABB}" destId="{CFBD6630-C7B3-41D5-A79C-D56203F6493D}" srcOrd="2" destOrd="0" parTransId="{240259B6-DBFB-4919-9DDE-5CAF113EE454}" sibTransId="{73BF0FD4-EABA-49B1-9DD9-354B093B29C4}"/>
+    <dgm:cxn modelId="{18ECFFD3-D555-4ADC-A920-5823C9A653B0}" type="presOf" srcId="{B1AF95EB-664F-4DF1-A3FB-EA214C68FE40}" destId="{78AEEAAF-7125-40A8-891C-C0608C63ADE4}" srcOrd="0" destOrd="0" presId="urn:microsoft.com/office/officeart/2005/8/layout/orgChart1"/>
     <dgm:cxn modelId="{C14463D6-8CF1-4CA9-ADFD-A63DA634A9CD}" type="presOf" srcId="{5082563B-6E32-431B-B101-7F7DC0EA5AEC}" destId="{93FFD78B-CFAD-4242-9C93-E57619C4EAD6}" srcOrd="1" destOrd="0" presId="urn:microsoft.com/office/officeart/2005/8/layout/orgChart1"/>
     <dgm:cxn modelId="{58C4C5D7-C659-457E-86C4-DB9B83D8F29C}" srcId="{28D4303A-1160-4269-9F32-C562151D69AB}" destId="{A6987C49-3D43-42D9-A072-23F8B94A402F}" srcOrd="0" destOrd="0" parTransId="{16106AD3-0154-4137-A7EC-4F8E2F958BA9}" sibTransId="{1116C81B-C613-4AD8-AE12-EFDA10E5D562}"/>
     <dgm:cxn modelId="{999D67D9-0C67-4F1A-A3B6-B58A692D0EB7}" type="presOf" srcId="{C49A89BA-FEBB-4221-B546-3FCF4E260CEE}" destId="{D032EA75-E7E4-495D-BF2B-F6AB2780B1CD}" srcOrd="1" destOrd="0" presId="urn:microsoft.com/office/officeart/2005/8/layout/orgChart1"/>
     <dgm:cxn modelId="{078257D9-6B42-42B2-ADB5-275792613F13}" type="presOf" srcId="{97AEABBD-DC29-4F6C-8F5B-E9D45FAAC1B9}" destId="{A195EF81-432E-40B1-973A-200211B5B643}" srcOrd="0" destOrd="0" presId="urn:microsoft.com/office/officeart/2005/8/layout/orgChart1"/>
-    <dgm:cxn modelId="{E39ED3DA-E98E-4A67-A569-373D779F5A80}" type="presOf" srcId="{8EC5C32E-DC49-4E7C-9CD4-D84AE8625971}" destId="{49B00A58-B398-46D7-A3F4-D5A929224F79}" srcOrd="0" destOrd="0" presId="urn:microsoft.com/office/officeart/2005/8/layout/orgChart1"/>
-    <dgm:cxn modelId="{D767C6DC-E0E0-4895-9FA0-E9B3892E618C}" type="presOf" srcId="{2E3F007D-E604-456A-BFA9-0F1C1408CFF8}" destId="{A11CF4DF-4582-472F-9953-7C13703AA3AE}" srcOrd="0" destOrd="0" presId="urn:microsoft.com/office/officeart/2005/8/layout/orgChart1"/>
     <dgm:cxn modelId="{4E301ADE-ECDC-4F49-9683-844FC0E4593D}" srcId="{3393CED3-3F25-46DA-9851-DCBC919C8ABB}" destId="{16B24D9E-3B96-47CF-AB63-B7EAE10F94C9}" srcOrd="0" destOrd="0" parTransId="{F5CC9385-3F68-4461-A3D4-D990CBA25D9C}" sibTransId="{B2BDBF7D-72C7-4DB8-9263-0B10B0CA4E56}"/>
     <dgm:cxn modelId="{5A0632DE-E62E-4BF3-9D4B-9FAAC2095EC1}" type="presOf" srcId="{CFBD6630-C7B3-41D5-A79C-D56203F6493D}" destId="{47A8CFEC-4A04-4D93-9934-806CA3DCC72D}" srcOrd="0" destOrd="0" presId="urn:microsoft.com/office/officeart/2005/8/layout/orgChart1"/>
     <dgm:cxn modelId="{64689BDF-ACBB-4CEF-B5B6-F52DF0F853B0}" type="presOf" srcId="{372B1EA8-094C-467E-A85E-8054D27A9E9B}" destId="{FCD0086B-C723-4EA2-9CEA-BDF837746F74}" srcOrd="1" destOrd="0" presId="urn:microsoft.com/office/officeart/2005/8/layout/orgChart1"/>
     <dgm:cxn modelId="{0D6B1EE0-813C-46A6-8D5F-4F52C697FFD2}" type="presOf" srcId="{423DA2F3-8E29-4E37-B519-E45E3F027535}" destId="{17FA0A26-46B8-4784-AB79-2242AE18C577}" srcOrd="1" destOrd="0" presId="urn:microsoft.com/office/officeart/2005/8/layout/orgChart1"/>
-    <dgm:cxn modelId="{A4B1E4E2-8EA7-4071-9D08-5CAC66F69430}" srcId="{2E3F007D-E604-456A-BFA9-0F1C1408CFF8}" destId="{16E11150-6742-402A-BAB5-092FF2FEFC20}" srcOrd="1" destOrd="0" parTransId="{F9D4094C-89B1-4093-B9AB-53BDFF585FF3}" sibTransId="{BA2143E9-6C7E-460B-8711-C229E13FFBED}"/>
     <dgm:cxn modelId="{D5B930E4-70C5-4D61-A77B-93413279E6CB}" type="presOf" srcId="{16B24D9E-3B96-47CF-AB63-B7EAE10F94C9}" destId="{98A4BD74-F07E-470E-BABA-EA955F4355E8}" srcOrd="0" destOrd="0" presId="urn:microsoft.com/office/officeart/2005/8/layout/orgChart1"/>
     <dgm:cxn modelId="{1CF505E5-D9BB-41AA-B27B-0D3D92E25F28}" type="presOf" srcId="{DD96F167-5C9D-4A08-9E07-9744C5377838}" destId="{C5BB10D6-36DA-4E77-B8B1-88F7BA551BA7}" srcOrd="1" destOrd="0" presId="urn:microsoft.com/office/officeart/2005/8/layout/orgChart1"/>
     <dgm:cxn modelId="{B8E2D6E5-DE8C-468D-8F9E-3E36D9B7F1CE}" type="presOf" srcId="{CBEBEAC0-41EA-4E80-99AC-73D95F03DB44}" destId="{057ADC8E-D401-4B7A-80F8-965E0B1DE7E7}" srcOrd="0" destOrd="0" presId="urn:microsoft.com/office/officeart/2005/8/layout/orgChart1"/>
     <dgm:cxn modelId="{23ABF6E5-8F12-450C-9FBE-12C31952DAE6}" srcId="{5DD5215F-282A-4DBC-8CFA-B92466F64176}" destId="{3393CED3-3F25-46DA-9851-DCBC919C8ABB}" srcOrd="3" destOrd="0" parTransId="{685737CF-67AA-48C0-B251-9E42C69348CF}" sibTransId="{CC4AD53B-4B44-4C73-B6E6-CAE3EB22815C}"/>
     <dgm:cxn modelId="{95E9E0E8-6B16-4BDE-A6C8-1404C3808838}" type="presOf" srcId="{B2F4B0F2-6F26-4578-AD95-3D8619D80688}" destId="{FB260E04-35B6-4E8C-83AC-FB6F2C8E4EFD}" srcOrd="0" destOrd="0" presId="urn:microsoft.com/office/officeart/2005/8/layout/orgChart1"/>
-    <dgm:cxn modelId="{F00BF4E9-0AA7-4F4C-8571-9D60B7BB0A90}" type="presOf" srcId="{AF6B9632-F743-47ED-9C57-43057DABD278}" destId="{45991460-B34E-4A4B-84B1-8741B1F8E571}" srcOrd="1" destOrd="0" presId="urn:microsoft.com/office/officeart/2005/8/layout/orgChart1"/>
+    <dgm:cxn modelId="{C3B868EA-BEB9-461A-8C96-29FF59EC3FF9}" type="presOf" srcId="{2E3F007D-E604-456A-BFA9-0F1C1408CFF8}" destId="{A11CF4DF-4582-472F-9953-7C13703AA3AE}" srcOrd="0" destOrd="0" presId="urn:microsoft.com/office/officeart/2005/8/layout/orgChart1"/>
+    <dgm:cxn modelId="{D8CD3AEB-2A18-4F57-AD24-CD60114D27C7}" type="presOf" srcId="{5FC77B26-0ADB-4E54-8BC0-333F96712607}" destId="{91664526-4DB9-413C-9EC3-DA21462838F7}" srcOrd="0" destOrd="0" presId="urn:microsoft.com/office/officeart/2005/8/layout/orgChart1"/>
     <dgm:cxn modelId="{1F115FEB-3DEC-4016-B47F-AD8125551B65}" srcId="{372B1EA8-094C-467E-A85E-8054D27A9E9B}" destId="{B857C1A6-326F-4F8C-8248-EF5B96F10141}" srcOrd="1" destOrd="0" parTransId="{4E37C03E-C76D-43B3-8BCA-58BD79F48F58}" sibTransId="{BDB7F256-2D16-4FB9-BBA5-FFAE750B32B9}"/>
-    <dgm:cxn modelId="{99E07EEC-1DB1-46D4-8054-77123371E838}" type="presOf" srcId="{14CB117C-5D8D-47FE-AD95-449999D2727A}" destId="{26F50A34-2972-4CB4-B149-74B75042E0B2}" srcOrd="0" destOrd="0" presId="urn:microsoft.com/office/officeart/2005/8/layout/orgChart1"/>
     <dgm:cxn modelId="{855FFBEC-4818-4995-B706-FD019A96547B}" type="presOf" srcId="{775415AE-F9F6-4E93-B43E-75133F887C0A}" destId="{3AC4ACA7-B183-438B-87DD-D51302E58CDD}" srcOrd="1" destOrd="0" presId="urn:microsoft.com/office/officeart/2005/8/layout/orgChart1"/>
-    <dgm:cxn modelId="{8D9A38EE-56C8-4E7D-8262-04E14D0C88B6}" type="presOf" srcId="{AB325E58-1A60-4F10-8E80-262F09BC46C9}" destId="{EFD0AB61-B32D-405D-B64D-49F23D49F0CE}" srcOrd="0" destOrd="0" presId="urn:microsoft.com/office/officeart/2005/8/layout/orgChart1"/>
     <dgm:cxn modelId="{7A9510EF-1D07-4E2F-B1CF-D660D5891140}" srcId="{34EFF2C1-D24A-4A68-BA15-9F9436464740}" destId="{DD96F167-5C9D-4A08-9E07-9744C5377838}" srcOrd="0" destOrd="0" parTransId="{5D3ACED8-760F-4869-AD3E-69AC72742C53}" sibTransId="{E4E1AD9B-EBB9-4A09-A856-ED0A81DDF270}"/>
     <dgm:cxn modelId="{A1D216EF-1CEE-4F30-BFB2-2974A5255E0B}" type="presOf" srcId="{0E206134-7479-474E-96DD-1EC451F779C9}" destId="{C134C906-810F-4953-9B94-F46FB84BAC3C}" srcOrd="0" destOrd="0" presId="urn:microsoft.com/office/officeart/2005/8/layout/orgChart1"/>
     <dgm:cxn modelId="{1C1E87EF-2A9C-4A8A-881C-13758D1B3581}" type="presOf" srcId="{5082563B-6E32-431B-B101-7F7DC0EA5AEC}" destId="{4D11E440-8D50-47A5-ACC1-F96AD06F61D5}" srcOrd="0" destOrd="0" presId="urn:microsoft.com/office/officeart/2005/8/layout/orgChart1"/>
+    <dgm:cxn modelId="{E3EE17F0-E18C-4C87-9C47-6EF6DAA3A171}" type="presOf" srcId="{7937C63B-2983-4F6C-B3AA-FD47C3CE5A7F}" destId="{8026E577-DAFF-4166-AAAC-86AAB87EEC79}" srcOrd="0" destOrd="0" presId="urn:microsoft.com/office/officeart/2005/8/layout/orgChart1"/>
     <dgm:cxn modelId="{224707F1-BC71-4897-B21C-8B9AEAD3163A}" srcId="{28D4303A-1160-4269-9F32-C562151D69AB}" destId="{372B1EA8-094C-467E-A85E-8054D27A9E9B}" srcOrd="2" destOrd="0" parTransId="{8B601E00-D559-418A-AEB4-69B318B8B6B1}" sibTransId="{5AD3D811-5515-4D03-AA96-C87F011DB2B0}"/>
     <dgm:cxn modelId="{C823B5F1-6C36-4DC0-9E00-D301F9B251D8}" type="presOf" srcId="{CFBD6630-C7B3-41D5-A79C-D56203F6493D}" destId="{DFA7A816-55DD-44E3-8D4E-7E58D086312E}" srcOrd="1" destOrd="0" presId="urn:microsoft.com/office/officeart/2005/8/layout/orgChart1"/>
+    <dgm:cxn modelId="{FD06C9F1-EF86-45A6-86EE-E8FA9AE4E784}" type="presOf" srcId="{BE2539A8-B660-4F8D-9679-EC2257B7EC1F}" destId="{3838B8FA-A011-4F77-A349-E7AFCCEB82F6}" srcOrd="1" destOrd="0" presId="urn:microsoft.com/office/officeart/2005/8/layout/orgChart1"/>
     <dgm:cxn modelId="{F8481EF3-4535-463F-BABD-E37A5E5B483C}" type="presOf" srcId="{685737CF-67AA-48C0-B251-9E42C69348CF}" destId="{520D2C64-044E-4AE5-9052-90F1A25D6BCA}" srcOrd="0" destOrd="0" presId="urn:microsoft.com/office/officeart/2005/8/layout/orgChart1"/>
     <dgm:cxn modelId="{C83427F3-241C-4D04-B53C-C15223B81085}" type="presOf" srcId="{CEE74021-399E-4E4C-BA61-9A29AC15D92B}" destId="{9ADB31AE-363E-427C-A376-78F1A9C2BC60}" srcOrd="1" destOrd="0" presId="urn:microsoft.com/office/officeart/2005/8/layout/orgChart1"/>
     <dgm:cxn modelId="{6639A4F7-A359-4C17-9C14-FA49A7C3B550}" type="presOf" srcId="{118DB96C-A361-4AE2-A784-B73BD97C64F1}" destId="{F86FCEE3-0E56-43A0-B480-F308801B86C6}" srcOrd="0" destOrd="0" presId="urn:microsoft.com/office/officeart/2005/8/layout/orgChart1"/>
+    <dgm:cxn modelId="{26F83DF8-72ED-4CA3-88F9-6F0E4E001D4A}" type="presOf" srcId="{2E3F007D-E604-456A-BFA9-0F1C1408CFF8}" destId="{70094910-1505-4F8D-8C4E-07B41E2A6D4F}" srcOrd="1" destOrd="0" presId="urn:microsoft.com/office/officeart/2005/8/layout/orgChart1"/>
+    <dgm:cxn modelId="{6165B0F8-58AB-4680-B5CE-FB599F68287E}" type="presOf" srcId="{FF328F05-0183-4B89-A3DF-B23554307359}" destId="{623178DC-8111-43B7-8650-A319E423DF9A}" srcOrd="0" destOrd="0" presId="urn:microsoft.com/office/officeart/2005/8/layout/orgChart1"/>
     <dgm:cxn modelId="{B40139FA-6172-4110-BE09-B346B5E85A58}" type="presOf" srcId="{5DD5215F-282A-4DBC-8CFA-B92466F64176}" destId="{02EEE9B5-B9B1-42CF-A276-4C5A2E131847}" srcOrd="0" destOrd="0" presId="urn:microsoft.com/office/officeart/2005/8/layout/orgChart1"/>
     <dgm:cxn modelId="{C72FCDFA-D65F-4584-887F-2DD16FF92AB2}" type="presOf" srcId="{865D5362-C4FA-4F2A-AA5C-076A123F6009}" destId="{5C63C944-FC6E-4491-A583-BB5782D6FF33}" srcOrd="1" destOrd="0" presId="urn:microsoft.com/office/officeart/2005/8/layout/orgChart1"/>
-    <dgm:cxn modelId="{F6F870FD-8330-408F-815E-85B4E44EC785}" type="presOf" srcId="{8EC5C32E-DC49-4E7C-9CD4-D84AE8625971}" destId="{B7FB0917-8213-4B59-9087-DBC4A12CD7A8}" srcOrd="1" destOrd="0" presId="urn:microsoft.com/office/officeart/2005/8/layout/orgChart1"/>
+    <dgm:cxn modelId="{386BD7FC-80E8-4791-8F09-0C0A802CA6D3}" type="presOf" srcId="{AA8A6A6A-B26B-43E2-BEAD-65229F5705ED}" destId="{CA3119D7-4288-4B9E-AD9C-5FCCB3B445D9}" srcOrd="0" destOrd="0" presId="urn:microsoft.com/office/officeart/2005/8/layout/orgChart1"/>
+    <dgm:cxn modelId="{E47B3DFE-1718-43EB-835A-C7230452586B}" type="presOf" srcId="{8EC5C32E-DC49-4E7C-9CD4-D84AE8625971}" destId="{49B00A58-B398-46D7-A3F4-D5A929224F79}" srcOrd="0" destOrd="0" presId="urn:microsoft.com/office/officeart/2005/8/layout/orgChart1"/>
     <dgm:cxn modelId="{7D1989A1-DC06-42D7-B1CC-DD67F622C24C}" type="presParOf" srcId="{FB260E04-35B6-4E8C-83AC-FB6F2C8E4EFD}" destId="{ABA68C5E-5AFA-4F21-BA24-A8B6A4239079}" srcOrd="0" destOrd="0" presId="urn:microsoft.com/office/officeart/2005/8/layout/orgChart1"/>
     <dgm:cxn modelId="{F8DAEDB9-1973-4FC5-BF4F-D33D479EB563}" type="presParOf" srcId="{ABA68C5E-5AFA-4F21-BA24-A8B6A4239079}" destId="{43FE3209-4024-423B-87F1-C408715C1932}" srcOrd="0" destOrd="0" presId="urn:microsoft.com/office/officeart/2005/8/layout/orgChart1"/>
     <dgm:cxn modelId="{90E68657-179F-4068-8B02-DD330F7CC78B}" type="presParOf" srcId="{43FE3209-4024-423B-87F1-C408715C1932}" destId="{6302EC25-0FA3-4522-B92F-9D3204F0624D}" srcOrd="0" destOrd="0" presId="urn:microsoft.com/office/officeart/2005/8/layout/orgChart1"/>
@@ -4269,15 +5145,8 @@
     <dgm:cxn modelId="{89A67BCD-768A-4192-A03D-2558258C02A8}" type="presParOf" srcId="{6774EB68-E6FA-45EE-B446-34862DED7EA2}" destId="{71B461F5-9AF1-4694-AEC2-66ADEDEA8545}" srcOrd="1" destOrd="0" presId="urn:microsoft.com/office/officeart/2005/8/layout/orgChart1"/>
     <dgm:cxn modelId="{CF43F184-3A11-4C59-8C42-86E4DFACE863}" type="presParOf" srcId="{E205A641-785F-458F-AA34-440F31BD226D}" destId="{F7491341-6A12-4E0B-97F9-3A56BEB72480}" srcOrd="1" destOrd="0" presId="urn:microsoft.com/office/officeart/2005/8/layout/orgChart1"/>
     <dgm:cxn modelId="{8ADF180A-6D45-4E7B-A3CE-41733BB2D8A7}" type="presParOf" srcId="{E205A641-785F-458F-AA34-440F31BD226D}" destId="{60CE6503-6F9C-4BF0-87D8-91A4E98734B7}" srcOrd="2" destOrd="0" presId="urn:microsoft.com/office/officeart/2005/8/layout/orgChart1"/>
-    <dgm:cxn modelId="{17310B25-9A44-4BCB-B20F-305A6FB0F96E}" type="presParOf" srcId="{9D0AD754-3413-41C7-B17B-B41DD0FF2193}" destId="{6BAE05D9-6A41-4091-95E8-68A33DF82B14}" srcOrd="2" destOrd="0" presId="urn:microsoft.com/office/officeart/2005/8/layout/orgChart1"/>
-    <dgm:cxn modelId="{A3D281BE-44FC-45BF-8BA5-FDC91B9D712A}" type="presParOf" srcId="{9D0AD754-3413-41C7-B17B-B41DD0FF2193}" destId="{F4962733-41E4-4A17-984F-FD00E2BC4580}" srcOrd="3" destOrd="0" presId="urn:microsoft.com/office/officeart/2005/8/layout/orgChart1"/>
-    <dgm:cxn modelId="{F1ADE047-4AD9-4843-A3FD-87E714E09564}" type="presParOf" srcId="{F4962733-41E4-4A17-984F-FD00E2BC4580}" destId="{353D6D8A-0E71-44CE-B94C-F813C22D9669}" srcOrd="0" destOrd="0" presId="urn:microsoft.com/office/officeart/2005/8/layout/orgChart1"/>
-    <dgm:cxn modelId="{6020DD21-1ABE-4EEA-8496-C947915CA4D4}" type="presParOf" srcId="{353D6D8A-0E71-44CE-B94C-F813C22D9669}" destId="{1507248B-4C77-4B46-962C-0E5912097852}" srcOrd="0" destOrd="0" presId="urn:microsoft.com/office/officeart/2005/8/layout/orgChart1"/>
-    <dgm:cxn modelId="{8ADEE78A-FEA8-41C6-A999-49A6497E2093}" type="presParOf" srcId="{353D6D8A-0E71-44CE-B94C-F813C22D9669}" destId="{F499D5E6-F5FB-43AF-8130-AF3D13846AF0}" srcOrd="1" destOrd="0" presId="urn:microsoft.com/office/officeart/2005/8/layout/orgChart1"/>
-    <dgm:cxn modelId="{2E44F090-C0A4-4241-AF76-E532F67C6250}" type="presParOf" srcId="{F4962733-41E4-4A17-984F-FD00E2BC4580}" destId="{061A4F29-78DF-4267-8039-BCA454957592}" srcOrd="1" destOrd="0" presId="urn:microsoft.com/office/officeart/2005/8/layout/orgChart1"/>
-    <dgm:cxn modelId="{EAB89FD2-9AB6-4F6A-A543-01DB61C97A92}" type="presParOf" srcId="{F4962733-41E4-4A17-984F-FD00E2BC4580}" destId="{80F8A69C-DE6B-4809-A613-C4EA93CA0C0F}" srcOrd="2" destOrd="0" presId="urn:microsoft.com/office/officeart/2005/8/layout/orgChart1"/>
-    <dgm:cxn modelId="{1B96C809-AAAF-4E29-89B3-110AABA00D57}" type="presParOf" srcId="{9D0AD754-3413-41C7-B17B-B41DD0FF2193}" destId="{22E5391B-784F-4143-B6B3-25B2FC68E290}" srcOrd="4" destOrd="0" presId="urn:microsoft.com/office/officeart/2005/8/layout/orgChart1"/>
-    <dgm:cxn modelId="{D4699FE8-0527-426C-BB13-DD79C77FE2DE}" type="presParOf" srcId="{9D0AD754-3413-41C7-B17B-B41DD0FF2193}" destId="{FB08BDCB-50CA-4269-8749-04D4B5FED4D1}" srcOrd="5" destOrd="0" presId="urn:microsoft.com/office/officeart/2005/8/layout/orgChart1"/>
+    <dgm:cxn modelId="{1B96C809-AAAF-4E29-89B3-110AABA00D57}" type="presParOf" srcId="{9D0AD754-3413-41C7-B17B-B41DD0FF2193}" destId="{22E5391B-784F-4143-B6B3-25B2FC68E290}" srcOrd="2" destOrd="0" presId="urn:microsoft.com/office/officeart/2005/8/layout/orgChart1"/>
+    <dgm:cxn modelId="{D4699FE8-0527-426C-BB13-DD79C77FE2DE}" type="presParOf" srcId="{9D0AD754-3413-41C7-B17B-B41DD0FF2193}" destId="{FB08BDCB-50CA-4269-8749-04D4B5FED4D1}" srcOrd="3" destOrd="0" presId="urn:microsoft.com/office/officeart/2005/8/layout/orgChart1"/>
     <dgm:cxn modelId="{6E2B55B8-AA0E-4FBE-BB41-97FE1F2A80D2}" type="presParOf" srcId="{FB08BDCB-50CA-4269-8749-04D4B5FED4D1}" destId="{3EC2CB39-3548-4131-B711-B9B11EA1F41D}" srcOrd="0" destOrd="0" presId="urn:microsoft.com/office/officeart/2005/8/layout/orgChart1"/>
     <dgm:cxn modelId="{2C36914F-7B5B-41BA-9257-D62A0E8F3275}" type="presParOf" srcId="{3EC2CB39-3548-4131-B711-B9B11EA1F41D}" destId="{057ADC8E-D401-4B7A-80F8-965E0B1DE7E7}" srcOrd="0" destOrd="0" presId="urn:microsoft.com/office/officeart/2005/8/layout/orgChart1"/>
     <dgm:cxn modelId="{778D6BA1-42B2-4BF2-A057-C741EABEB7EC}" type="presParOf" srcId="{3EC2CB39-3548-4131-B711-B9B11EA1F41D}" destId="{A5696A52-CE52-412C-832C-92CA89BF4F76}" srcOrd="1" destOrd="0" presId="urn:microsoft.com/office/officeart/2005/8/layout/orgChart1"/>
@@ -4339,6 +5208,20 @@
     <dgm:cxn modelId="{B9D361FE-DAE6-4FAB-AE02-AD99F1FB5949}" type="presParOf" srcId="{417377DF-2823-417C-B6E9-C5BE30BB0094}" destId="{C5BB10D6-36DA-4E77-B8B1-88F7BA551BA7}" srcOrd="1" destOrd="0" presId="urn:microsoft.com/office/officeart/2005/8/layout/orgChart1"/>
     <dgm:cxn modelId="{A533F086-0420-41F0-98E8-E63D9A29A0D1}" type="presParOf" srcId="{7E97391D-BC8B-4F85-8543-981FB6C32CE1}" destId="{35B99BE6-4F52-4897-A432-9B7B2875997E}" srcOrd="1" destOrd="0" presId="urn:microsoft.com/office/officeart/2005/8/layout/orgChart1"/>
     <dgm:cxn modelId="{5CACF961-0F3B-4893-80EE-ECA0EE36EC94}" type="presParOf" srcId="{7E97391D-BC8B-4F85-8543-981FB6C32CE1}" destId="{CEAF2D6F-3442-4598-B979-EDBAAF846A22}" srcOrd="2" destOrd="0" presId="urn:microsoft.com/office/officeart/2005/8/layout/orgChart1"/>
+    <dgm:cxn modelId="{39B83995-F882-4CBD-A64E-2F23BD1146D8}" type="presParOf" srcId="{5C4670F0-83E8-426D-B9D5-184B3195F042}" destId="{BF95CEE1-0524-4F85-AE7B-48959E566471}" srcOrd="2" destOrd="0" presId="urn:microsoft.com/office/officeart/2005/8/layout/orgChart1"/>
+    <dgm:cxn modelId="{5D6B251D-7E99-4AAB-BEB4-AE007F722801}" type="presParOf" srcId="{5C4670F0-83E8-426D-B9D5-184B3195F042}" destId="{8BE4EA0F-9F42-4105-9154-4528F426E182}" srcOrd="3" destOrd="0" presId="urn:microsoft.com/office/officeart/2005/8/layout/orgChart1"/>
+    <dgm:cxn modelId="{779F6544-14E4-405A-9A47-E339F3ED5F82}" type="presParOf" srcId="{8BE4EA0F-9F42-4105-9154-4528F426E182}" destId="{92A161EF-E37F-4B2F-BF82-D1FA62CA9920}" srcOrd="0" destOrd="0" presId="urn:microsoft.com/office/officeart/2005/8/layout/orgChart1"/>
+    <dgm:cxn modelId="{72DAB328-22B0-4952-8F06-A67BF00F69AF}" type="presParOf" srcId="{92A161EF-E37F-4B2F-BF82-D1FA62CA9920}" destId="{8026E577-DAFF-4166-AAAC-86AAB87EEC79}" srcOrd="0" destOrd="0" presId="urn:microsoft.com/office/officeart/2005/8/layout/orgChart1"/>
+    <dgm:cxn modelId="{558EEF7F-CA54-4109-8E5E-7CF292C17537}" type="presParOf" srcId="{92A161EF-E37F-4B2F-BF82-D1FA62CA9920}" destId="{17ADBE6B-840A-48B2-99B3-5F9FE3DC5C06}" srcOrd="1" destOrd="0" presId="urn:microsoft.com/office/officeart/2005/8/layout/orgChart1"/>
+    <dgm:cxn modelId="{D572FA2A-0CFF-47C1-827B-F7F20BAECBAD}" type="presParOf" srcId="{8BE4EA0F-9F42-4105-9154-4528F426E182}" destId="{D20F6D43-0756-436F-B765-96B6946CA25F}" srcOrd="1" destOrd="0" presId="urn:microsoft.com/office/officeart/2005/8/layout/orgChart1"/>
+    <dgm:cxn modelId="{DBC51F4F-3FF9-40C1-84EB-75243915340D}" type="presParOf" srcId="{8BE4EA0F-9F42-4105-9154-4528F426E182}" destId="{082457AF-29D2-4019-8E56-000BA175610A}" srcOrd="2" destOrd="0" presId="urn:microsoft.com/office/officeart/2005/8/layout/orgChart1"/>
+    <dgm:cxn modelId="{090E01B0-ACA1-4220-B714-3D24868EB871}" type="presParOf" srcId="{5C4670F0-83E8-426D-B9D5-184B3195F042}" destId="{97F904FE-713C-4227-8346-FFE81448AF6C}" srcOrd="4" destOrd="0" presId="urn:microsoft.com/office/officeart/2005/8/layout/orgChart1"/>
+    <dgm:cxn modelId="{6259A7D0-FDEB-4A22-89FB-0B06538863E4}" type="presParOf" srcId="{5C4670F0-83E8-426D-B9D5-184B3195F042}" destId="{3D4B1E98-AFCF-46B2-98F2-D6858F6BE8E5}" srcOrd="5" destOrd="0" presId="urn:microsoft.com/office/officeart/2005/8/layout/orgChart1"/>
+    <dgm:cxn modelId="{0F385ABB-A6A8-42C5-A1C9-0A5BB5EB1FDC}" type="presParOf" srcId="{3D4B1E98-AFCF-46B2-98F2-D6858F6BE8E5}" destId="{4C53BCF7-E6DE-4ED5-BC8A-650C870D9B10}" srcOrd="0" destOrd="0" presId="urn:microsoft.com/office/officeart/2005/8/layout/orgChart1"/>
+    <dgm:cxn modelId="{B560995E-F1F0-497C-9CAC-D45B3CF56806}" type="presParOf" srcId="{4C53BCF7-E6DE-4ED5-BC8A-650C870D9B10}" destId="{623178DC-8111-43B7-8650-A319E423DF9A}" srcOrd="0" destOrd="0" presId="urn:microsoft.com/office/officeart/2005/8/layout/orgChart1"/>
+    <dgm:cxn modelId="{0CAB8313-5C5B-4DAB-A230-3DC364316E4E}" type="presParOf" srcId="{4C53BCF7-E6DE-4ED5-BC8A-650C870D9B10}" destId="{F28C1C13-D81A-48C3-B296-65F655A8FC47}" srcOrd="1" destOrd="0" presId="urn:microsoft.com/office/officeart/2005/8/layout/orgChart1"/>
+    <dgm:cxn modelId="{4E330E4B-F5C2-4E4D-9143-D305C05EEE91}" type="presParOf" srcId="{3D4B1E98-AFCF-46B2-98F2-D6858F6BE8E5}" destId="{9BF04C4E-E8DB-47AE-B8D1-48F5C9462F24}" srcOrd="1" destOrd="0" presId="urn:microsoft.com/office/officeart/2005/8/layout/orgChart1"/>
+    <dgm:cxn modelId="{72CB6F80-D561-4A9B-9A33-FCCCBFBEA115}" type="presParOf" srcId="{3D4B1E98-AFCF-46B2-98F2-D6858F6BE8E5}" destId="{B28A1863-3D69-4BE6-8785-488115CB02BB}" srcOrd="2" destOrd="0" presId="urn:microsoft.com/office/officeart/2005/8/layout/orgChart1"/>
     <dgm:cxn modelId="{8E69E475-E0B4-4591-802C-661426B1E5EE}" type="presParOf" srcId="{EFFED77E-68C6-4031-92C7-AC04431E16AC}" destId="{2E5539CE-2D77-47D7-B250-283F0B6BD149}" srcOrd="2" destOrd="0" presId="urn:microsoft.com/office/officeart/2005/8/layout/orgChart1"/>
     <dgm:cxn modelId="{07FD210B-DD05-4CAE-B123-14C5686C20C6}" type="presParOf" srcId="{BC14034E-5435-404A-81FE-DAB633C4DD1C}" destId="{11A48BFF-443A-49B7-9496-1A868AE72A47}" srcOrd="2" destOrd="0" presId="urn:microsoft.com/office/officeart/2005/8/layout/orgChart1"/>
     <dgm:cxn modelId="{73A4D928-C9E4-42AB-BB26-1FCCE0A95CF7}" type="presParOf" srcId="{AB8B45BD-FFB7-46AA-B065-C8615184BE03}" destId="{58A7D03D-DE21-4D2A-AB70-798F7F5CC173}" srcOrd="2" destOrd="0" presId="urn:microsoft.com/office/officeart/2005/8/layout/orgChart1"/>
@@ -4359,64 +5242,29 @@
     <dgm:cxn modelId="{4E0A73E1-977A-4B46-A89E-847F01F672D0}" type="presParOf" srcId="{6E0427C3-802E-4D16-8180-6640983290E4}" destId="{5B5A2CFE-D8A2-4D10-A223-7C772AA3761E}" srcOrd="0" destOrd="0" presId="urn:microsoft.com/office/officeart/2005/8/layout/orgChart1"/>
     <dgm:cxn modelId="{F0A4716D-F1C9-4A84-B56C-A01F2C5B358D}" type="presParOf" srcId="{6E0427C3-802E-4D16-8180-6640983290E4}" destId="{D1635F23-6BA6-420F-B347-F339D4FCB37A}" srcOrd="1" destOrd="0" presId="urn:microsoft.com/office/officeart/2005/8/layout/orgChart1"/>
     <dgm:cxn modelId="{0451A3C0-A58D-4895-87CD-FE2279A698A9}" type="presParOf" srcId="{EDBAEEB4-8A0E-4BE2-9FB0-1764D8491C39}" destId="{A81D1323-823B-4F34-88D4-FBAAABEB7750}" srcOrd="1" destOrd="0" presId="urn:microsoft.com/office/officeart/2005/8/layout/orgChart1"/>
-    <dgm:cxn modelId="{9843E1C1-7AF0-4A2C-8753-DDA7CE863F27}" type="presParOf" srcId="{A81D1323-823B-4F34-88D4-FBAAABEB7750}" destId="{91664526-4DB9-413C-9EC3-DA21462838F7}" srcOrd="0" destOrd="0" presId="urn:microsoft.com/office/officeart/2005/8/layout/orgChart1"/>
-    <dgm:cxn modelId="{1A58EADA-15F5-4133-92DD-9B447290E608}" type="presParOf" srcId="{A81D1323-823B-4F34-88D4-FBAAABEB7750}" destId="{DF423A09-C453-4DCF-9464-7D030A9D09B1}" srcOrd="1" destOrd="0" presId="urn:microsoft.com/office/officeart/2005/8/layout/orgChart1"/>
-    <dgm:cxn modelId="{A229C9D2-C3A4-4937-939C-7D67C57D9714}" type="presParOf" srcId="{DF423A09-C453-4DCF-9464-7D030A9D09B1}" destId="{E336D751-3BA6-4831-A38B-C21DDE03440E}" srcOrd="0" destOrd="0" presId="urn:microsoft.com/office/officeart/2005/8/layout/orgChart1"/>
-    <dgm:cxn modelId="{746A5224-9428-4771-BC7C-5B964646AD44}" type="presParOf" srcId="{E336D751-3BA6-4831-A38B-C21DDE03440E}" destId="{26F50A34-2972-4CB4-B149-74B75042E0B2}" srcOrd="0" destOrd="0" presId="urn:microsoft.com/office/officeart/2005/8/layout/orgChart1"/>
-    <dgm:cxn modelId="{766340B7-C338-4905-B879-4C3BCE77E64D}" type="presParOf" srcId="{E336D751-3BA6-4831-A38B-C21DDE03440E}" destId="{B6534123-CA5E-40E6-8B0B-672F315DD99A}" srcOrd="1" destOrd="0" presId="urn:microsoft.com/office/officeart/2005/8/layout/orgChart1"/>
-    <dgm:cxn modelId="{E7CA6E3F-35ED-4317-92E1-40F21B47BED7}" type="presParOf" srcId="{DF423A09-C453-4DCF-9464-7D030A9D09B1}" destId="{A4944CC1-86D2-4B52-98D2-6FEB23C770DC}" srcOrd="1" destOrd="0" presId="urn:microsoft.com/office/officeart/2005/8/layout/orgChart1"/>
-    <dgm:cxn modelId="{4F654578-9961-4687-9281-53AB22ABB323}" type="presParOf" srcId="{DF423A09-C453-4DCF-9464-7D030A9D09B1}" destId="{0FB913F4-9BDD-4070-9776-47CAB67494B8}" srcOrd="2" destOrd="0" presId="urn:microsoft.com/office/officeart/2005/8/layout/orgChart1"/>
-    <dgm:cxn modelId="{20F4B34E-963E-4F7B-8D77-063F26E0C94D}" type="presParOf" srcId="{A81D1323-823B-4F34-88D4-FBAAABEB7750}" destId="{D5B4410B-E7FA-4880-92E6-938163BF4B17}" srcOrd="2" destOrd="0" presId="urn:microsoft.com/office/officeart/2005/8/layout/orgChart1"/>
-    <dgm:cxn modelId="{ABDCCFE1-4C48-4CEF-B1E1-F4BB16BDCF61}" type="presParOf" srcId="{A81D1323-823B-4F34-88D4-FBAAABEB7750}" destId="{CC9D4333-0876-4391-B97C-6A0633046B8A}" srcOrd="3" destOrd="0" presId="urn:microsoft.com/office/officeart/2005/8/layout/orgChart1"/>
-    <dgm:cxn modelId="{41213B4D-4EF7-4D2A-81EF-E20E94A0B0F4}" type="presParOf" srcId="{CC9D4333-0876-4391-B97C-6A0633046B8A}" destId="{FA372B0F-F447-4E9F-AD1A-15E0ED03FC40}" srcOrd="0" destOrd="0" presId="urn:microsoft.com/office/officeart/2005/8/layout/orgChart1"/>
-    <dgm:cxn modelId="{0B3D52CD-B1C8-4347-B061-7EFBE5BB42E5}" type="presParOf" srcId="{FA372B0F-F447-4E9F-AD1A-15E0ED03FC40}" destId="{F39452D4-698F-41D6-9282-939800A13C4F}" srcOrd="0" destOrd="0" presId="urn:microsoft.com/office/officeart/2005/8/layout/orgChart1"/>
-    <dgm:cxn modelId="{87011ABA-D439-43C4-81B7-E70D7AF3AF98}" type="presParOf" srcId="{FA372B0F-F447-4E9F-AD1A-15E0ED03FC40}" destId="{EF20A190-C364-41AF-9FFA-F5E6F4444129}" srcOrd="1" destOrd="0" presId="urn:microsoft.com/office/officeart/2005/8/layout/orgChart1"/>
-    <dgm:cxn modelId="{D6ECD3B2-F970-4A8D-8A50-E2D72F54BB33}" type="presParOf" srcId="{CC9D4333-0876-4391-B97C-6A0633046B8A}" destId="{6D357552-025A-4A3E-8D5E-DAA73CCD4055}" srcOrd="1" destOrd="0" presId="urn:microsoft.com/office/officeart/2005/8/layout/orgChart1"/>
-    <dgm:cxn modelId="{32BE86FD-01DB-4138-BAD7-824EA85A6626}" type="presParOf" srcId="{CC9D4333-0876-4391-B97C-6A0633046B8A}" destId="{791A2F9E-0ED2-4200-BCC7-C8E1AF351378}" srcOrd="2" destOrd="0" presId="urn:microsoft.com/office/officeart/2005/8/layout/orgChart1"/>
-    <dgm:cxn modelId="{B8D2198C-58D3-4833-BFE7-FD1DEEAFA278}" type="presParOf" srcId="{A81D1323-823B-4F34-88D4-FBAAABEB7750}" destId="{71AE1C3D-E1BE-4B56-ABD5-061FBA1493BC}" srcOrd="4" destOrd="0" presId="urn:microsoft.com/office/officeart/2005/8/layout/orgChart1"/>
-    <dgm:cxn modelId="{C6596527-7272-49DD-BDDA-FC68A14B36A2}" type="presParOf" srcId="{A81D1323-823B-4F34-88D4-FBAAABEB7750}" destId="{66138FD5-2EF9-4F75-AAB3-600C99B2AE28}" srcOrd="5" destOrd="0" presId="urn:microsoft.com/office/officeart/2005/8/layout/orgChart1"/>
-    <dgm:cxn modelId="{96C5D0BF-D079-40B6-A3E2-02CCF1B24600}" type="presParOf" srcId="{66138FD5-2EF9-4F75-AAB3-600C99B2AE28}" destId="{E66F274F-6076-4434-8B16-E8794A3DBB6E}" srcOrd="0" destOrd="0" presId="urn:microsoft.com/office/officeart/2005/8/layout/orgChart1"/>
-    <dgm:cxn modelId="{1C1FDF1B-33A1-49C5-BA41-F8D1C9368DAB}" type="presParOf" srcId="{E66F274F-6076-4434-8B16-E8794A3DBB6E}" destId="{9E36C3EA-D343-48A9-BED7-585AFBFB178B}" srcOrd="0" destOrd="0" presId="urn:microsoft.com/office/officeart/2005/8/layout/orgChart1"/>
-    <dgm:cxn modelId="{5349B2F4-10C1-461C-9DAA-7A8220766BFD}" type="presParOf" srcId="{E66F274F-6076-4434-8B16-E8794A3DBB6E}" destId="{B55A76DA-6E35-44E0-8CC6-A49B0025AC0C}" srcOrd="1" destOrd="0" presId="urn:microsoft.com/office/officeart/2005/8/layout/orgChart1"/>
-    <dgm:cxn modelId="{340E18B3-9A0B-4CE7-9229-A38D2C7129CF}" type="presParOf" srcId="{66138FD5-2EF9-4F75-AAB3-600C99B2AE28}" destId="{7F8EDADB-BB07-43CE-844B-35B1D412B94F}" srcOrd="1" destOrd="0" presId="urn:microsoft.com/office/officeart/2005/8/layout/orgChart1"/>
-    <dgm:cxn modelId="{905A86B7-BB0D-4E22-9550-8F0F162C5D4B}" type="presParOf" srcId="{66138FD5-2EF9-4F75-AAB3-600C99B2AE28}" destId="{BDACF9B8-35F2-4ED3-B300-938E3637CA24}" srcOrd="2" destOrd="0" presId="urn:microsoft.com/office/officeart/2005/8/layout/orgChart1"/>
     <dgm:cxn modelId="{0A6E2D68-0D65-4D13-9C8E-BA6DBA6A4F93}" type="presParOf" srcId="{EDBAEEB4-8A0E-4BE2-9FB0-1764D8491C39}" destId="{35529A59-EDFB-4DE4-B7BA-AA7823688A6C}" srcOrd="2" destOrd="0" presId="urn:microsoft.com/office/officeart/2005/8/layout/orgChart1"/>
-    <dgm:cxn modelId="{7940A633-2A11-4D67-9B38-92B621E51644}" type="presParOf" srcId="{BC1CB206-8682-4485-AEE9-1AE83E527A6C}" destId="{EFD0AB61-B32D-405D-B64D-49F23D49F0CE}" srcOrd="2" destOrd="0" presId="urn:microsoft.com/office/officeart/2005/8/layout/orgChart1"/>
-    <dgm:cxn modelId="{1FBDE23F-ACDC-4DC6-9E75-219363A49BFB}" type="presParOf" srcId="{BC1CB206-8682-4485-AEE9-1AE83E527A6C}" destId="{BBE52911-0C50-4C97-A8C0-8E0323A4F92E}" srcOrd="3" destOrd="0" presId="urn:microsoft.com/office/officeart/2005/8/layout/orgChart1"/>
-    <dgm:cxn modelId="{3540EFF3-559D-41DA-9527-8AD8D274986E}" type="presParOf" srcId="{BBE52911-0C50-4C97-A8C0-8E0323A4F92E}" destId="{CD30DE9C-CD94-4514-9C21-DF0F5D72E557}" srcOrd="0" destOrd="0" presId="urn:microsoft.com/office/officeart/2005/8/layout/orgChart1"/>
-    <dgm:cxn modelId="{8639F7F1-64C2-4284-93C7-8BCAECFC1224}" type="presParOf" srcId="{CD30DE9C-CD94-4514-9C21-DF0F5D72E557}" destId="{A11CF4DF-4582-472F-9953-7C13703AA3AE}" srcOrd="0" destOrd="0" presId="urn:microsoft.com/office/officeart/2005/8/layout/orgChart1"/>
-    <dgm:cxn modelId="{62619ED5-2C55-41EE-8158-C4E257970BD9}" type="presParOf" srcId="{CD30DE9C-CD94-4514-9C21-DF0F5D72E557}" destId="{70094910-1505-4F8D-8C4E-07B41E2A6D4F}" srcOrd="1" destOrd="0" presId="urn:microsoft.com/office/officeart/2005/8/layout/orgChart1"/>
-    <dgm:cxn modelId="{0D9F4658-C838-477A-8B4A-C74492E5ED09}" type="presParOf" srcId="{BBE52911-0C50-4C97-A8C0-8E0323A4F92E}" destId="{9FD60928-04D8-46DE-A380-631FB1B2FC00}" srcOrd="1" destOrd="0" presId="urn:microsoft.com/office/officeart/2005/8/layout/orgChart1"/>
-    <dgm:cxn modelId="{B4B261A8-606E-4EC9-8C04-DBACABBEFEEF}" type="presParOf" srcId="{9FD60928-04D8-46DE-A380-631FB1B2FC00}" destId="{73337C2E-84A7-45D4-BA2B-2EDA4AC1748C}" srcOrd="0" destOrd="0" presId="urn:microsoft.com/office/officeart/2005/8/layout/orgChart1"/>
-    <dgm:cxn modelId="{B52EE7F0-1F32-4D90-8FF9-4DF543844198}" type="presParOf" srcId="{9FD60928-04D8-46DE-A380-631FB1B2FC00}" destId="{66CB05A9-FB46-48FC-83F9-7F76607BA5FC}" srcOrd="1" destOrd="0" presId="urn:microsoft.com/office/officeart/2005/8/layout/orgChart1"/>
-    <dgm:cxn modelId="{19C81559-A713-4B43-8CFF-2CD4EBDE028A}" type="presParOf" srcId="{66CB05A9-FB46-48FC-83F9-7F76607BA5FC}" destId="{FC51B9AB-97AB-438D-9EA2-F571A397D939}" srcOrd="0" destOrd="0" presId="urn:microsoft.com/office/officeart/2005/8/layout/orgChart1"/>
-    <dgm:cxn modelId="{AE3E1E95-0D7D-4FA2-A483-3074D00CC33A}" type="presParOf" srcId="{FC51B9AB-97AB-438D-9EA2-F571A397D939}" destId="{49B00A58-B398-46D7-A3F4-D5A929224F79}" srcOrd="0" destOrd="0" presId="urn:microsoft.com/office/officeart/2005/8/layout/orgChart1"/>
-    <dgm:cxn modelId="{DBB55364-A2DA-430E-B1D7-92DD36ABA2A5}" type="presParOf" srcId="{FC51B9AB-97AB-438D-9EA2-F571A397D939}" destId="{B7FB0917-8213-4B59-9087-DBC4A12CD7A8}" srcOrd="1" destOrd="0" presId="urn:microsoft.com/office/officeart/2005/8/layout/orgChart1"/>
-    <dgm:cxn modelId="{3CDBDEE7-0DB2-40EF-999A-5A68C0D3771D}" type="presParOf" srcId="{66CB05A9-FB46-48FC-83F9-7F76607BA5FC}" destId="{00C8FA00-0551-4B34-9615-4D3098DD4C6F}" srcOrd="1" destOrd="0" presId="urn:microsoft.com/office/officeart/2005/8/layout/orgChart1"/>
-    <dgm:cxn modelId="{286D8059-0B8B-43DF-9444-BF433DCB280B}" type="presParOf" srcId="{66CB05A9-FB46-48FC-83F9-7F76607BA5FC}" destId="{DB0E1026-E620-45B8-B397-A0B1154D5033}" srcOrd="2" destOrd="0" presId="urn:microsoft.com/office/officeart/2005/8/layout/orgChart1"/>
-    <dgm:cxn modelId="{979ADEAF-F86E-4368-9303-A298B911847E}" type="presParOf" srcId="{9FD60928-04D8-46DE-A380-631FB1B2FC00}" destId="{DF1A49CA-C4C6-4CC3-BD0A-E3EE3F60F4B9}" srcOrd="2" destOrd="0" presId="urn:microsoft.com/office/officeart/2005/8/layout/orgChart1"/>
-    <dgm:cxn modelId="{A68DF2E4-5616-4D75-99F5-5F341E4653B0}" type="presParOf" srcId="{9FD60928-04D8-46DE-A380-631FB1B2FC00}" destId="{2FEF5612-00C3-4855-B88A-03B28963EE11}" srcOrd="3" destOrd="0" presId="urn:microsoft.com/office/officeart/2005/8/layout/orgChart1"/>
-    <dgm:cxn modelId="{540DF10B-C274-4A4F-8DA1-7C11FA5606A8}" type="presParOf" srcId="{2FEF5612-00C3-4855-B88A-03B28963EE11}" destId="{A46C4DCD-D725-4F7E-B3CE-7327C039ED5C}" srcOrd="0" destOrd="0" presId="urn:microsoft.com/office/officeart/2005/8/layout/orgChart1"/>
-    <dgm:cxn modelId="{655734A3-1E31-4F0D-8128-93CF3A64411C}" type="presParOf" srcId="{A46C4DCD-D725-4F7E-B3CE-7327C039ED5C}" destId="{5D81A248-700D-4C8B-9866-4BDDF473C71D}" srcOrd="0" destOrd="0" presId="urn:microsoft.com/office/officeart/2005/8/layout/orgChart1"/>
-    <dgm:cxn modelId="{0850B7B0-2448-4CDD-82C3-52B8204F8965}" type="presParOf" srcId="{A46C4DCD-D725-4F7E-B3CE-7327C039ED5C}" destId="{11399B0C-D207-4924-A800-4DD8025D920F}" srcOrd="1" destOrd="0" presId="urn:microsoft.com/office/officeart/2005/8/layout/orgChart1"/>
-    <dgm:cxn modelId="{51A39955-AC47-4C4E-93B1-C51F12B7B084}" type="presParOf" srcId="{2FEF5612-00C3-4855-B88A-03B28963EE11}" destId="{7588DF8B-DC25-4BE1-AAB4-8907041D986D}" srcOrd="1" destOrd="0" presId="urn:microsoft.com/office/officeart/2005/8/layout/orgChart1"/>
-    <dgm:cxn modelId="{6792D991-354E-4AD6-8B3F-013A34BDEB15}" type="presParOf" srcId="{2FEF5612-00C3-4855-B88A-03B28963EE11}" destId="{B9F4241C-E454-471E-8D77-3317578DCF37}" srcOrd="2" destOrd="0" presId="urn:microsoft.com/office/officeart/2005/8/layout/orgChart1"/>
-    <dgm:cxn modelId="{7B6A1E19-CD5A-4363-B066-92D37FD8D360}" type="presParOf" srcId="{BBE52911-0C50-4C97-A8C0-8E0323A4F92E}" destId="{933581B3-517E-451C-B806-345E0EEEB36C}" srcOrd="2" destOrd="0" presId="urn:microsoft.com/office/officeart/2005/8/layout/orgChart1"/>
+    <dgm:cxn modelId="{3288F46C-9188-47D6-A48F-1150A685A701}" type="presParOf" srcId="{BC1CB206-8682-4485-AEE9-1AE83E527A6C}" destId="{91664526-4DB9-413C-9EC3-DA21462838F7}" srcOrd="2" destOrd="0" presId="urn:microsoft.com/office/officeart/2005/8/layout/orgChart1"/>
+    <dgm:cxn modelId="{12B7C503-68D7-4497-ADCD-F619567E0167}" type="presParOf" srcId="{BC1CB206-8682-4485-AEE9-1AE83E527A6C}" destId="{DF423A09-C453-4DCF-9464-7D030A9D09B1}" srcOrd="3" destOrd="0" presId="urn:microsoft.com/office/officeart/2005/8/layout/orgChart1"/>
+    <dgm:cxn modelId="{BD05C556-6FA8-40DF-A879-B96296379481}" type="presParOf" srcId="{DF423A09-C453-4DCF-9464-7D030A9D09B1}" destId="{E336D751-3BA6-4831-A38B-C21DDE03440E}" srcOrd="0" destOrd="0" presId="urn:microsoft.com/office/officeart/2005/8/layout/orgChart1"/>
+    <dgm:cxn modelId="{6858AF35-4ED1-4596-964C-BC673DBE60C1}" type="presParOf" srcId="{E336D751-3BA6-4831-A38B-C21DDE03440E}" destId="{26F50A34-2972-4CB4-B149-74B75042E0B2}" srcOrd="0" destOrd="0" presId="urn:microsoft.com/office/officeart/2005/8/layout/orgChart1"/>
+    <dgm:cxn modelId="{9102BBC7-3178-4AE3-A01B-F06396CE59DF}" type="presParOf" srcId="{E336D751-3BA6-4831-A38B-C21DDE03440E}" destId="{B6534123-CA5E-40E6-8B0B-672F315DD99A}" srcOrd="1" destOrd="0" presId="urn:microsoft.com/office/officeart/2005/8/layout/orgChart1"/>
+    <dgm:cxn modelId="{62DEB97E-B05D-4B9E-9D22-BAB18D59F9C3}" type="presParOf" srcId="{DF423A09-C453-4DCF-9464-7D030A9D09B1}" destId="{A4944CC1-86D2-4B52-98D2-6FEB23C770DC}" srcOrd="1" destOrd="0" presId="urn:microsoft.com/office/officeart/2005/8/layout/orgChart1"/>
+    <dgm:cxn modelId="{3F324BA7-53CF-4969-A724-D06B970C91DD}" type="presParOf" srcId="{DF423A09-C453-4DCF-9464-7D030A9D09B1}" destId="{0FB913F4-9BDD-4070-9776-47CAB67494B8}" srcOrd="2" destOrd="0" presId="urn:microsoft.com/office/officeart/2005/8/layout/orgChart1"/>
     <dgm:cxn modelId="{59E33543-295F-471F-9416-C446CEBF53B1}" type="presParOf" srcId="{0539FDBC-262B-4CFE-B66F-D812E7A8CBEC}" destId="{A63FADA1-E8A5-4BEC-A120-5FF045442377}" srcOrd="2" destOrd="0" presId="urn:microsoft.com/office/officeart/2005/8/layout/orgChart1"/>
-    <dgm:cxn modelId="{2FAF05A8-7B99-4E60-91D3-7EA3A4B37D6D}" type="presParOf" srcId="{4E52EE05-4E36-462E-957F-368C16F40CB0}" destId="{9E0AE47D-26DC-4B27-AAF0-F66555219251}" srcOrd="2" destOrd="0" presId="urn:microsoft.com/office/officeart/2005/8/layout/orgChart1"/>
-    <dgm:cxn modelId="{DE75E7F5-6292-4E8C-9060-C535903E7043}" type="presParOf" srcId="{4E52EE05-4E36-462E-957F-368C16F40CB0}" destId="{7DD2E7F6-857F-4B82-A967-8DB7E508B033}" srcOrd="3" destOrd="0" presId="urn:microsoft.com/office/officeart/2005/8/layout/orgChart1"/>
-    <dgm:cxn modelId="{1D0D951E-D485-4063-91D4-5D463C11BEA4}" type="presParOf" srcId="{7DD2E7F6-857F-4B82-A967-8DB7E508B033}" destId="{C5760BC6-2DAA-4A9E-9DE9-04260089ABF1}" srcOrd="0" destOrd="0" presId="urn:microsoft.com/office/officeart/2005/8/layout/orgChart1"/>
-    <dgm:cxn modelId="{DBFBED3A-7076-40F0-A92B-095C00E934FC}" type="presParOf" srcId="{C5760BC6-2DAA-4A9E-9DE9-04260089ABF1}" destId="{DFBB2094-69A1-4A52-A92D-360B1A07D1A3}" srcOrd="0" destOrd="0" presId="urn:microsoft.com/office/officeart/2005/8/layout/orgChart1"/>
-    <dgm:cxn modelId="{4E0CFC0F-6148-4D30-AB58-344BC235335D}" type="presParOf" srcId="{C5760BC6-2DAA-4A9E-9DE9-04260089ABF1}" destId="{B81295CD-D601-419B-8B46-33E6E75125C7}" srcOrd="1" destOrd="0" presId="urn:microsoft.com/office/officeart/2005/8/layout/orgChart1"/>
-    <dgm:cxn modelId="{C25B43D9-144E-4F9A-A094-BC5D6DF050C3}" type="presParOf" srcId="{7DD2E7F6-857F-4B82-A967-8DB7E508B033}" destId="{B860504E-2354-42C8-B02D-D2E80A98164F}" srcOrd="1" destOrd="0" presId="urn:microsoft.com/office/officeart/2005/8/layout/orgChart1"/>
-    <dgm:cxn modelId="{2CEC2C7B-F272-4F15-AAF3-FD3CA4E27290}" type="presParOf" srcId="{B860504E-2354-42C8-B02D-D2E80A98164F}" destId="{FD53E89B-641C-4DE1-BCAA-B1BE6DE402AA}" srcOrd="0" destOrd="0" presId="urn:microsoft.com/office/officeart/2005/8/layout/orgChart1"/>
-    <dgm:cxn modelId="{B11807CE-D7C0-40D4-B29B-2D6DA8BF21EB}" type="presParOf" srcId="{B860504E-2354-42C8-B02D-D2E80A98164F}" destId="{F8A94415-CB36-41F3-8695-24D27DE38302}" srcOrd="1" destOrd="0" presId="urn:microsoft.com/office/officeart/2005/8/layout/orgChart1"/>
-    <dgm:cxn modelId="{4E2DA71F-0D81-47E6-9248-D589211802E8}" type="presParOf" srcId="{F8A94415-CB36-41F3-8695-24D27DE38302}" destId="{A7A20D8C-902B-47C7-B79B-91F782230596}" srcOrd="0" destOrd="0" presId="urn:microsoft.com/office/officeart/2005/8/layout/orgChart1"/>
-    <dgm:cxn modelId="{1064CAB3-13CC-41BE-969C-32F55AD72C9E}" type="presParOf" srcId="{A7A20D8C-902B-47C7-B79B-91F782230596}" destId="{23CCBA72-FE18-4FD3-A65C-DB406EB3BA0C}" srcOrd="0" destOrd="0" presId="urn:microsoft.com/office/officeart/2005/8/layout/orgChart1"/>
-    <dgm:cxn modelId="{143C6303-5D83-4F4F-81E7-5EB0C9DFD05F}" type="presParOf" srcId="{A7A20D8C-902B-47C7-B79B-91F782230596}" destId="{45991460-B34E-4A4B-84B1-8741B1F8E571}" srcOrd="1" destOrd="0" presId="urn:microsoft.com/office/officeart/2005/8/layout/orgChart1"/>
-    <dgm:cxn modelId="{D7E83121-FC31-4003-9E84-B7AD5176BD09}" type="presParOf" srcId="{F8A94415-CB36-41F3-8695-24D27DE38302}" destId="{6A249C7F-EAD1-4B6E-91F6-98D9A19F4ACE}" srcOrd="1" destOrd="0" presId="urn:microsoft.com/office/officeart/2005/8/layout/orgChart1"/>
-    <dgm:cxn modelId="{34D19228-7922-4A2A-85A5-CDD1851B105D}" type="presParOf" srcId="{F8A94415-CB36-41F3-8695-24D27DE38302}" destId="{C742BD90-B31D-457F-83F1-17DF7E46FEB9}" srcOrd="2" destOrd="0" presId="urn:microsoft.com/office/officeart/2005/8/layout/orgChart1"/>
-    <dgm:cxn modelId="{71D2D66A-15D1-4731-8816-155A3FDA88F2}" type="presParOf" srcId="{7DD2E7F6-857F-4B82-A967-8DB7E508B033}" destId="{3A2D2C22-EBAA-4004-B70A-6169629333CD}" srcOrd="2" destOrd="0" presId="urn:microsoft.com/office/officeart/2005/8/layout/orgChart1"/>
+    <dgm:cxn modelId="{CC85755C-C3A4-45D6-ADD0-23BB6F63901D}" type="presParOf" srcId="{4E52EE05-4E36-462E-957F-368C16F40CB0}" destId="{EFD0AB61-B32D-405D-B64D-49F23D49F0CE}" srcOrd="2" destOrd="0" presId="urn:microsoft.com/office/officeart/2005/8/layout/orgChart1"/>
+    <dgm:cxn modelId="{1F10C98D-7A4F-43AD-98A2-EE005E03FF74}" type="presParOf" srcId="{4E52EE05-4E36-462E-957F-368C16F40CB0}" destId="{BBE52911-0C50-4C97-A8C0-8E0323A4F92E}" srcOrd="3" destOrd="0" presId="urn:microsoft.com/office/officeart/2005/8/layout/orgChart1"/>
+    <dgm:cxn modelId="{B49D7DD7-F4D0-432E-83FC-8D49F0A7B0D0}" type="presParOf" srcId="{BBE52911-0C50-4C97-A8C0-8E0323A4F92E}" destId="{CD30DE9C-CD94-4514-9C21-DF0F5D72E557}" srcOrd="0" destOrd="0" presId="urn:microsoft.com/office/officeart/2005/8/layout/orgChart1"/>
+    <dgm:cxn modelId="{36AA6669-643D-4844-8CFB-43AFCB21374A}" type="presParOf" srcId="{CD30DE9C-CD94-4514-9C21-DF0F5D72E557}" destId="{A11CF4DF-4582-472F-9953-7C13703AA3AE}" srcOrd="0" destOrd="0" presId="urn:microsoft.com/office/officeart/2005/8/layout/orgChart1"/>
+    <dgm:cxn modelId="{DD743946-C68B-469E-A90A-DBF72CB18F12}" type="presParOf" srcId="{CD30DE9C-CD94-4514-9C21-DF0F5D72E557}" destId="{70094910-1505-4F8D-8C4E-07B41E2A6D4F}" srcOrd="1" destOrd="0" presId="urn:microsoft.com/office/officeart/2005/8/layout/orgChart1"/>
+    <dgm:cxn modelId="{53267A32-FEF2-4A7E-98B3-720CB13F46C9}" type="presParOf" srcId="{BBE52911-0C50-4C97-A8C0-8E0323A4F92E}" destId="{9FD60928-04D8-46DE-A380-631FB1B2FC00}" srcOrd="1" destOrd="0" presId="urn:microsoft.com/office/officeart/2005/8/layout/orgChart1"/>
+    <dgm:cxn modelId="{995F96BA-083A-4567-9C39-E5CED442D9F9}" type="presParOf" srcId="{9FD60928-04D8-46DE-A380-631FB1B2FC00}" destId="{73337C2E-84A7-45D4-BA2B-2EDA4AC1748C}" srcOrd="0" destOrd="0" presId="urn:microsoft.com/office/officeart/2005/8/layout/orgChart1"/>
+    <dgm:cxn modelId="{959194B4-2B9C-4051-A011-1D6E92DC17A0}" type="presParOf" srcId="{9FD60928-04D8-46DE-A380-631FB1B2FC00}" destId="{66CB05A9-FB46-48FC-83F9-7F76607BA5FC}" srcOrd="1" destOrd="0" presId="urn:microsoft.com/office/officeart/2005/8/layout/orgChart1"/>
+    <dgm:cxn modelId="{40CCB536-6E3B-4D4C-B528-551CB44DD88B}" type="presParOf" srcId="{66CB05A9-FB46-48FC-83F9-7F76607BA5FC}" destId="{FC51B9AB-97AB-438D-9EA2-F571A397D939}" srcOrd="0" destOrd="0" presId="urn:microsoft.com/office/officeart/2005/8/layout/orgChart1"/>
+    <dgm:cxn modelId="{B35F95CC-8C9B-4884-B5CD-1740D148A4AF}" type="presParOf" srcId="{FC51B9AB-97AB-438D-9EA2-F571A397D939}" destId="{49B00A58-B398-46D7-A3F4-D5A929224F79}" srcOrd="0" destOrd="0" presId="urn:microsoft.com/office/officeart/2005/8/layout/orgChart1"/>
+    <dgm:cxn modelId="{BE99D5FB-BF84-4213-A616-D9C5EC283200}" type="presParOf" srcId="{FC51B9AB-97AB-438D-9EA2-F571A397D939}" destId="{B7FB0917-8213-4B59-9087-DBC4A12CD7A8}" srcOrd="1" destOrd="0" presId="urn:microsoft.com/office/officeart/2005/8/layout/orgChart1"/>
+    <dgm:cxn modelId="{7526E9BD-6614-423A-993D-123F98D05D73}" type="presParOf" srcId="{66CB05A9-FB46-48FC-83F9-7F76607BA5FC}" destId="{00C8FA00-0551-4B34-9615-4D3098DD4C6F}" srcOrd="1" destOrd="0" presId="urn:microsoft.com/office/officeart/2005/8/layout/orgChart1"/>
+    <dgm:cxn modelId="{838EED3B-B606-4E60-A706-A826C5D2B91B}" type="presParOf" srcId="{66CB05A9-FB46-48FC-83F9-7F76607BA5FC}" destId="{DB0E1026-E620-45B8-B397-A0B1154D5033}" srcOrd="2" destOrd="0" presId="urn:microsoft.com/office/officeart/2005/8/layout/orgChart1"/>
+    <dgm:cxn modelId="{E0307E1D-6E31-47B2-A4A5-A27F41551440}" type="presParOf" srcId="{BBE52911-0C50-4C97-A8C0-8E0323A4F92E}" destId="{933581B3-517E-451C-B806-345E0EEEB36C}" srcOrd="2" destOrd="0" presId="urn:microsoft.com/office/officeart/2005/8/layout/orgChart1"/>
     <dgm:cxn modelId="{FE81EBBB-D584-4402-9A63-7F84FFD83EAA}" type="presParOf" srcId="{4E52EE05-4E36-462E-957F-368C16F40CB0}" destId="{DCA1E5F4-90DF-4E81-A0D7-28A5F3B01880}" srcOrd="4" destOrd="0" presId="urn:microsoft.com/office/officeart/2005/8/layout/orgChart1"/>
     <dgm:cxn modelId="{B7996CC7-0F62-42D9-AE7F-70732FB3870B}" type="presParOf" srcId="{4E52EE05-4E36-462E-957F-368C16F40CB0}" destId="{C7733892-2F6A-47DC-9F83-05913C4C8A3B}" srcOrd="5" destOrd="0" presId="urn:microsoft.com/office/officeart/2005/8/layout/orgChart1"/>
     <dgm:cxn modelId="{973A7BE2-B4C7-46C7-A361-2C0E880B56FA}" type="presParOf" srcId="{C7733892-2F6A-47DC-9F83-05913C4C8A3B}" destId="{8D34C620-61AD-43D4-B205-A811FFEFAE69}" srcOrd="0" destOrd="0" presId="urn:microsoft.com/office/officeart/2005/8/layout/orgChart1"/>
@@ -4437,6 +5285,13 @@
     <dgm:cxn modelId="{F7DB85AD-08CA-4D96-9EDB-089CF38ABCED}" type="presParOf" srcId="{F6A85987-59C8-4022-A083-76EA1ABC3238}" destId="{D032EA75-E7E4-495D-BF2B-F6AB2780B1CD}" srcOrd="1" destOrd="0" presId="urn:microsoft.com/office/officeart/2005/8/layout/orgChart1"/>
     <dgm:cxn modelId="{4C7E0641-3CD5-48F9-A861-250DCADC08F6}" type="presParOf" srcId="{CE8BEA3C-1AEB-4CE0-B09A-2B33D8DE115C}" destId="{B6A0AF89-1E94-40C9-9FD9-4D6A2FF74AF0}" srcOrd="1" destOrd="0" presId="urn:microsoft.com/office/officeart/2005/8/layout/orgChart1"/>
     <dgm:cxn modelId="{D6FC138A-695D-4B39-A729-694F2827D32D}" type="presParOf" srcId="{CE8BEA3C-1AEB-4CE0-B09A-2B33D8DE115C}" destId="{26862958-80AD-421E-8A52-C2A9E91EC0DB}" srcOrd="2" destOrd="0" presId="urn:microsoft.com/office/officeart/2005/8/layout/orgChart1"/>
+    <dgm:cxn modelId="{54738980-2E09-49F7-AD17-82C39DCB0FD8}" type="presParOf" srcId="{B5CCA07E-4847-4DCE-9BCF-8D16014DD58B}" destId="{2F305A85-6178-4EF2-8EA7-22D27AAE2DEF}" srcOrd="4" destOrd="0" presId="urn:microsoft.com/office/officeart/2005/8/layout/orgChart1"/>
+    <dgm:cxn modelId="{B8AC24E6-2E17-4E0A-B63D-92A73032713F}" type="presParOf" srcId="{B5CCA07E-4847-4DCE-9BCF-8D16014DD58B}" destId="{3DDA1044-4D21-4B9A-AA0C-8A68303929C5}" srcOrd="5" destOrd="0" presId="urn:microsoft.com/office/officeart/2005/8/layout/orgChart1"/>
+    <dgm:cxn modelId="{EC562B86-564D-4CD0-9FBA-D2E4DFB325D0}" type="presParOf" srcId="{3DDA1044-4D21-4B9A-AA0C-8A68303929C5}" destId="{F2F1EDF6-2662-4241-87E0-C55392550DB7}" srcOrd="0" destOrd="0" presId="urn:microsoft.com/office/officeart/2005/8/layout/orgChart1"/>
+    <dgm:cxn modelId="{6741AA06-EB32-4A02-8643-2952187DB9A4}" type="presParOf" srcId="{F2F1EDF6-2662-4241-87E0-C55392550DB7}" destId="{E62F8C15-1AF4-46B5-8C80-A918F5515FE0}" srcOrd="0" destOrd="0" presId="urn:microsoft.com/office/officeart/2005/8/layout/orgChart1"/>
+    <dgm:cxn modelId="{B8616196-BF17-47F6-860E-8550311C2D61}" type="presParOf" srcId="{F2F1EDF6-2662-4241-87E0-C55392550DB7}" destId="{F9502386-48DD-42B6-A3E9-866903A165AE}" srcOrd="1" destOrd="0" presId="urn:microsoft.com/office/officeart/2005/8/layout/orgChart1"/>
+    <dgm:cxn modelId="{6B65C5B4-BBEF-4649-87C1-7BCBE1FB818C}" type="presParOf" srcId="{3DDA1044-4D21-4B9A-AA0C-8A68303929C5}" destId="{1AAE48C6-B0E8-456C-B095-1FB19E042662}" srcOrd="1" destOrd="0" presId="urn:microsoft.com/office/officeart/2005/8/layout/orgChart1"/>
+    <dgm:cxn modelId="{31B0150F-BF62-493A-82BA-4798497FF971}" type="presParOf" srcId="{3DDA1044-4D21-4B9A-AA0C-8A68303929C5}" destId="{AA6EB2EE-EAEF-457C-B399-93ED51B63A8F}" srcOrd="2" destOrd="0" presId="urn:microsoft.com/office/officeart/2005/8/layout/orgChart1"/>
     <dgm:cxn modelId="{C732F633-B610-422F-9827-01B0FF3C2D38}" type="presParOf" srcId="{C7733892-2F6A-47DC-9F83-05913C4C8A3B}" destId="{F65A2C51-D44E-49A8-9FC6-45E3ACDDDD04}" srcOrd="2" destOrd="0" presId="urn:microsoft.com/office/officeart/2005/8/layout/orgChart1"/>
     <dgm:cxn modelId="{B79B5C28-01F7-44E1-950F-0E9AF90004A8}" type="presParOf" srcId="{4E52EE05-4E36-462E-957F-368C16F40CB0}" destId="{520D2C64-044E-4AE5-9052-90F1A25D6BCA}" srcOrd="6" destOrd="0" presId="urn:microsoft.com/office/officeart/2005/8/layout/orgChart1"/>
     <dgm:cxn modelId="{68689CBF-40AB-4735-9217-27B5CF0BC5AC}" type="presParOf" srcId="{4E52EE05-4E36-462E-957F-368C16F40CB0}" destId="{457255EE-BEEB-4FA0-9B5C-F01FF5CF08E1}" srcOrd="7" destOrd="0" presId="urn:microsoft.com/office/officeart/2005/8/layout/orgChart1"/>
@@ -4521,7 +5376,105 @@
     <dgm:cxn modelId="{AF803459-40E3-4444-861A-DDA2E2EDC06F}" type="presParOf" srcId="{6BF27CF5-C48E-4D4E-ADBA-6A60F6795E34}" destId="{17FA0A26-46B8-4784-AB79-2242AE18C577}" srcOrd="1" destOrd="0" presId="urn:microsoft.com/office/officeart/2005/8/layout/orgChart1"/>
     <dgm:cxn modelId="{00E22869-65E1-4469-9D58-C1D4419AC62E}" type="presParOf" srcId="{E6FF80CC-054A-40F6-ABCA-651E74D00C00}" destId="{DA3C7F52-BB33-48DA-A9C2-7DC1C7CC88A8}" srcOrd="1" destOrd="0" presId="urn:microsoft.com/office/officeart/2005/8/layout/orgChart1"/>
     <dgm:cxn modelId="{785D5C7C-D788-4757-AE6B-29410DB3004E}" type="presParOf" srcId="{E6FF80CC-054A-40F6-ABCA-651E74D00C00}" destId="{023FDAD4-10F5-4074-B796-550B8B8B8571}" srcOrd="2" destOrd="0" presId="urn:microsoft.com/office/officeart/2005/8/layout/orgChart1"/>
+    <dgm:cxn modelId="{C4CBAA1F-7415-4F87-816E-949CD703B91A}" type="presParOf" srcId="{761A2593-EBE2-49BA-A26C-4DD04DA7187C}" destId="{69A97A30-4F84-43CC-8CB7-67C7A750715F}" srcOrd="2" destOrd="0" presId="urn:microsoft.com/office/officeart/2005/8/layout/orgChart1"/>
+    <dgm:cxn modelId="{C190A36D-D78E-4BE9-A64C-F4DBFB59B0AB}" type="presParOf" srcId="{761A2593-EBE2-49BA-A26C-4DD04DA7187C}" destId="{D90EA075-702B-433B-A271-B72AF5DAFF10}" srcOrd="3" destOrd="0" presId="urn:microsoft.com/office/officeart/2005/8/layout/orgChart1"/>
+    <dgm:cxn modelId="{872DDED3-41F1-4804-90B7-8AC1FAD58EF8}" type="presParOf" srcId="{D90EA075-702B-433B-A271-B72AF5DAFF10}" destId="{967F9F2D-27E9-4703-B127-808359A0D3E9}" srcOrd="0" destOrd="0" presId="urn:microsoft.com/office/officeart/2005/8/layout/orgChart1"/>
+    <dgm:cxn modelId="{43CEBE4A-CB0E-49FA-8048-2C7D6F95FEA2}" type="presParOf" srcId="{967F9F2D-27E9-4703-B127-808359A0D3E9}" destId="{78AEEAAF-7125-40A8-891C-C0608C63ADE4}" srcOrd="0" destOrd="0" presId="urn:microsoft.com/office/officeart/2005/8/layout/orgChart1"/>
+    <dgm:cxn modelId="{7C0C38F4-0749-4A41-B939-204F4BE90C65}" type="presParOf" srcId="{967F9F2D-27E9-4703-B127-808359A0D3E9}" destId="{FBBFD020-6485-437A-ACDA-63479B052D87}" srcOrd="1" destOrd="0" presId="urn:microsoft.com/office/officeart/2005/8/layout/orgChart1"/>
+    <dgm:cxn modelId="{DF6885D6-772D-41ED-B2AA-9BF09908377D}" type="presParOf" srcId="{D90EA075-702B-433B-A271-B72AF5DAFF10}" destId="{50173DFB-6A8B-4589-AB87-7E00E99221FA}" srcOrd="1" destOrd="0" presId="urn:microsoft.com/office/officeart/2005/8/layout/orgChart1"/>
+    <dgm:cxn modelId="{0481C8BE-C8C4-4364-8EC6-8BCA658E30A0}" type="presParOf" srcId="{D90EA075-702B-433B-A271-B72AF5DAFF10}" destId="{400380D3-F787-4D3B-A219-CF3E54FD3E61}" srcOrd="2" destOrd="0" presId="urn:microsoft.com/office/officeart/2005/8/layout/orgChart1"/>
     <dgm:cxn modelId="{970643E5-559F-442E-B5F7-C64FDEB64EB1}" type="presParOf" srcId="{DB331C92-1246-40BB-BDEB-FC55A410695E}" destId="{681A63B4-FA88-4E3B-9395-01FC6B5499D7}" srcOrd="2" destOrd="0" presId="urn:microsoft.com/office/officeart/2005/8/layout/orgChart1"/>
+    <dgm:cxn modelId="{9DDC0534-0096-4CFA-88F1-D9B8895F0ADD}" type="presParOf" srcId="{4E52EE05-4E36-462E-957F-368C16F40CB0}" destId="{575AD419-B761-4102-9DB0-98991BA43AA7}" srcOrd="14" destOrd="0" presId="urn:microsoft.com/office/officeart/2005/8/layout/orgChart1"/>
+    <dgm:cxn modelId="{698D7994-C269-4EC3-9D9C-8534AB7420A5}" type="presParOf" srcId="{4E52EE05-4E36-462E-957F-368C16F40CB0}" destId="{980F0568-99C1-4FF8-A17C-9B2549649815}" srcOrd="15" destOrd="0" presId="urn:microsoft.com/office/officeart/2005/8/layout/orgChart1"/>
+    <dgm:cxn modelId="{72CEA53C-EBA4-4DDE-AA3C-6E216C251055}" type="presParOf" srcId="{980F0568-99C1-4FF8-A17C-9B2549649815}" destId="{8E0F1FFC-5864-4B62-8C8F-83E02D0C2A74}" srcOrd="0" destOrd="0" presId="urn:microsoft.com/office/officeart/2005/8/layout/orgChart1"/>
+    <dgm:cxn modelId="{6B18580A-0077-4093-9999-2A4980BCFF25}" type="presParOf" srcId="{8E0F1FFC-5864-4B62-8C8F-83E02D0C2A74}" destId="{66AF7AA9-CD9C-44F0-8DC9-9FAED3FA149F}" srcOrd="0" destOrd="0" presId="urn:microsoft.com/office/officeart/2005/8/layout/orgChart1"/>
+    <dgm:cxn modelId="{BA3491AC-2A23-451E-9A40-F74EDB742129}" type="presParOf" srcId="{8E0F1FFC-5864-4B62-8C8F-83E02D0C2A74}" destId="{EE6615A2-D7E3-442B-B03B-1D73FED3D66A}" srcOrd="1" destOrd="0" presId="urn:microsoft.com/office/officeart/2005/8/layout/orgChart1"/>
+    <dgm:cxn modelId="{F98799AF-C75B-4871-942C-5E3052A662A0}" type="presParOf" srcId="{980F0568-99C1-4FF8-A17C-9B2549649815}" destId="{AB3FFFDC-67B6-4BF1-8234-74AB7038296C}" srcOrd="1" destOrd="0" presId="urn:microsoft.com/office/officeart/2005/8/layout/orgChart1"/>
+    <dgm:cxn modelId="{7A2F9C0D-117C-46FB-9374-8F8DBE2C16D2}" type="presParOf" srcId="{AB3FFFDC-67B6-4BF1-8234-74AB7038296C}" destId="{43979444-E001-40FD-900F-2168A393BE10}" srcOrd="0" destOrd="0" presId="urn:microsoft.com/office/officeart/2005/8/layout/orgChart1"/>
+    <dgm:cxn modelId="{6D2F6FEB-5D51-4713-85A7-F5D0771D1D74}" type="presParOf" srcId="{AB3FFFDC-67B6-4BF1-8234-74AB7038296C}" destId="{B6962CAF-0D21-4A31-82D2-D3D47406F260}" srcOrd="1" destOrd="0" presId="urn:microsoft.com/office/officeart/2005/8/layout/orgChart1"/>
+    <dgm:cxn modelId="{DEF4EBB5-5B8E-4B06-8B9A-1D9FD2059518}" type="presParOf" srcId="{B6962CAF-0D21-4A31-82D2-D3D47406F260}" destId="{7258A5D8-C32E-46C5-8DE7-EC0F8C0BB427}" srcOrd="0" destOrd="0" presId="urn:microsoft.com/office/officeart/2005/8/layout/orgChart1"/>
+    <dgm:cxn modelId="{8DE22552-C913-4047-A100-10D1A793BBA5}" type="presParOf" srcId="{7258A5D8-C32E-46C5-8DE7-EC0F8C0BB427}" destId="{B9EF88F3-9B21-45AC-83D7-751F1CD39F71}" srcOrd="0" destOrd="0" presId="urn:microsoft.com/office/officeart/2005/8/layout/orgChart1"/>
+    <dgm:cxn modelId="{50A0F2DD-B328-403C-8D8D-4DB89F82E63E}" type="presParOf" srcId="{7258A5D8-C32E-46C5-8DE7-EC0F8C0BB427}" destId="{19E25694-34B9-4255-89BA-9B21BD115269}" srcOrd="1" destOrd="0" presId="urn:microsoft.com/office/officeart/2005/8/layout/orgChart1"/>
+    <dgm:cxn modelId="{D8E83BA0-B52B-4803-AA24-5D90CF655AB8}" type="presParOf" srcId="{B6962CAF-0D21-4A31-82D2-D3D47406F260}" destId="{1C1E22C3-AC6B-439C-8DC7-875AD5D0802B}" srcOrd="1" destOrd="0" presId="urn:microsoft.com/office/officeart/2005/8/layout/orgChart1"/>
+    <dgm:cxn modelId="{8D0C6A6F-1628-4F9B-9D33-7A8AF92C044E}" type="presParOf" srcId="{B6962CAF-0D21-4A31-82D2-D3D47406F260}" destId="{A201F9F4-68FD-4B51-A77D-2DA66ACF63B0}" srcOrd="2" destOrd="0" presId="urn:microsoft.com/office/officeart/2005/8/layout/orgChart1"/>
+    <dgm:cxn modelId="{B766C8E0-E914-4C55-BFB1-E7CCE1B90C8A}" type="presParOf" srcId="{AB3FFFDC-67B6-4BF1-8234-74AB7038296C}" destId="{7B21975F-B10A-4B38-85BD-CE6DAF2EAF96}" srcOrd="2" destOrd="0" presId="urn:microsoft.com/office/officeart/2005/8/layout/orgChart1"/>
+    <dgm:cxn modelId="{C3C1B462-4092-44F1-928F-94A55E5192B1}" type="presParOf" srcId="{AB3FFFDC-67B6-4BF1-8234-74AB7038296C}" destId="{6E864092-F9F1-43FA-9A07-7A5424ADF600}" srcOrd="3" destOrd="0" presId="urn:microsoft.com/office/officeart/2005/8/layout/orgChart1"/>
+    <dgm:cxn modelId="{01180389-870A-45A3-9F82-0207DC1E4A03}" type="presParOf" srcId="{6E864092-F9F1-43FA-9A07-7A5424ADF600}" destId="{07AB2A0E-FF9C-4787-9086-6921EDA7A623}" srcOrd="0" destOrd="0" presId="urn:microsoft.com/office/officeart/2005/8/layout/orgChart1"/>
+    <dgm:cxn modelId="{AE85BE6E-92F4-430A-941D-30E1CAF8D435}" type="presParOf" srcId="{07AB2A0E-FF9C-4787-9086-6921EDA7A623}" destId="{F30AB5ED-3504-4A8A-BD3C-4F641E0F1A53}" srcOrd="0" destOrd="0" presId="urn:microsoft.com/office/officeart/2005/8/layout/orgChart1"/>
+    <dgm:cxn modelId="{67FCAEA5-5EFC-408D-AAD2-64F64E8ECC99}" type="presParOf" srcId="{07AB2A0E-FF9C-4787-9086-6921EDA7A623}" destId="{37BD64B8-8579-464B-9855-52AF195B45B9}" srcOrd="1" destOrd="0" presId="urn:microsoft.com/office/officeart/2005/8/layout/orgChart1"/>
+    <dgm:cxn modelId="{9DDF13FE-ECAB-4453-8B1C-34DEB1835BA9}" type="presParOf" srcId="{6E864092-F9F1-43FA-9A07-7A5424ADF600}" destId="{A7069CB7-B882-4542-97D8-8179C6360D1A}" srcOrd="1" destOrd="0" presId="urn:microsoft.com/office/officeart/2005/8/layout/orgChart1"/>
+    <dgm:cxn modelId="{E77327C3-5CD3-4A1E-8CE2-751B171A4376}" type="presParOf" srcId="{6E864092-F9F1-43FA-9A07-7A5424ADF600}" destId="{970469DC-BF88-4723-B2BA-00D960AE7A2F}" srcOrd="2" destOrd="0" presId="urn:microsoft.com/office/officeart/2005/8/layout/orgChart1"/>
+    <dgm:cxn modelId="{FCA94A1C-4B8C-4A2F-AC45-5A71EE69BEE6}" type="presParOf" srcId="{980F0568-99C1-4FF8-A17C-9B2549649815}" destId="{7B0DBB4A-EA63-4242-8951-0692F2D00802}" srcOrd="2" destOrd="0" presId="urn:microsoft.com/office/officeart/2005/8/layout/orgChart1"/>
+    <dgm:cxn modelId="{8637C5C7-899B-481F-9038-B8B712AB4C39}" type="presParOf" srcId="{4E52EE05-4E36-462E-957F-368C16F40CB0}" destId="{C62612B2-78B7-4C39-9648-22B273FE613C}" srcOrd="16" destOrd="0" presId="urn:microsoft.com/office/officeart/2005/8/layout/orgChart1"/>
+    <dgm:cxn modelId="{ADF91BB8-F842-40BF-B7F6-6521AD3E59F9}" type="presParOf" srcId="{4E52EE05-4E36-462E-957F-368C16F40CB0}" destId="{26AC79CF-B9A0-42DD-8294-A960CB0E11DF}" srcOrd="17" destOrd="0" presId="urn:microsoft.com/office/officeart/2005/8/layout/orgChart1"/>
+    <dgm:cxn modelId="{E7F5DA50-5796-4FD6-B85A-BA76E3D014DD}" type="presParOf" srcId="{26AC79CF-B9A0-42DD-8294-A960CB0E11DF}" destId="{3EF23724-543F-4D47-9DE2-96ADE7D5F670}" srcOrd="0" destOrd="0" presId="urn:microsoft.com/office/officeart/2005/8/layout/orgChart1"/>
+    <dgm:cxn modelId="{2D706AD6-7254-40DA-8FBB-DA393DB8D39A}" type="presParOf" srcId="{3EF23724-543F-4D47-9DE2-96ADE7D5F670}" destId="{DBF305FE-E50B-4909-8D05-AA5CC83E7826}" srcOrd="0" destOrd="0" presId="urn:microsoft.com/office/officeart/2005/8/layout/orgChart1"/>
+    <dgm:cxn modelId="{57C8B96A-CB25-43F1-8B9D-9935668EB0D3}" type="presParOf" srcId="{3EF23724-543F-4D47-9DE2-96ADE7D5F670}" destId="{AA83FA3D-F953-4A21-9165-53F268C4EC02}" srcOrd="1" destOrd="0" presId="urn:microsoft.com/office/officeart/2005/8/layout/orgChart1"/>
+    <dgm:cxn modelId="{03632CED-7904-4229-9235-1EBAC6A065A0}" type="presParOf" srcId="{26AC79CF-B9A0-42DD-8294-A960CB0E11DF}" destId="{1CB6B9C7-98F0-480D-B57D-27CB852EFAAE}" srcOrd="1" destOrd="0" presId="urn:microsoft.com/office/officeart/2005/8/layout/orgChart1"/>
+    <dgm:cxn modelId="{613B6907-899D-4111-99AD-6D5735EFA21D}" type="presParOf" srcId="{1CB6B9C7-98F0-480D-B57D-27CB852EFAAE}" destId="{5FC2D794-95A2-4581-AB06-D640700ADE57}" srcOrd="0" destOrd="0" presId="urn:microsoft.com/office/officeart/2005/8/layout/orgChart1"/>
+    <dgm:cxn modelId="{9CE56F3B-1350-43F6-AE0B-6E13C3604142}" type="presParOf" srcId="{1CB6B9C7-98F0-480D-B57D-27CB852EFAAE}" destId="{76545F66-42DD-4DCC-A708-89905B389083}" srcOrd="1" destOrd="0" presId="urn:microsoft.com/office/officeart/2005/8/layout/orgChart1"/>
+    <dgm:cxn modelId="{0FADD5BA-AEC8-4DFA-AE6D-F956C212BD5F}" type="presParOf" srcId="{76545F66-42DD-4DCC-A708-89905B389083}" destId="{095795CE-7946-4A6F-B93B-5F54C4919776}" srcOrd="0" destOrd="0" presId="urn:microsoft.com/office/officeart/2005/8/layout/orgChart1"/>
+    <dgm:cxn modelId="{44991E1A-711A-4A40-AB53-69154EA76B56}" type="presParOf" srcId="{095795CE-7946-4A6F-B93B-5F54C4919776}" destId="{F6BFBF6E-2EAD-455D-B4B7-6EFBDE87DAA6}" srcOrd="0" destOrd="0" presId="urn:microsoft.com/office/officeart/2005/8/layout/orgChart1"/>
+    <dgm:cxn modelId="{6AF46C75-1677-448D-B426-C9E4E9EB6F41}" type="presParOf" srcId="{095795CE-7946-4A6F-B93B-5F54C4919776}" destId="{6310751B-309F-462D-A562-5981B5CAE82F}" srcOrd="1" destOrd="0" presId="urn:microsoft.com/office/officeart/2005/8/layout/orgChart1"/>
+    <dgm:cxn modelId="{E59A375B-3042-4223-BE94-ADFD7C47BC0D}" type="presParOf" srcId="{76545F66-42DD-4DCC-A708-89905B389083}" destId="{29FCD317-6300-4F8A-A897-013AD14CD43F}" srcOrd="1" destOrd="0" presId="urn:microsoft.com/office/officeart/2005/8/layout/orgChart1"/>
+    <dgm:cxn modelId="{2712F931-9EF6-4327-99C9-050C4597C4D4}" type="presParOf" srcId="{76545F66-42DD-4DCC-A708-89905B389083}" destId="{FE563FF5-6E53-422D-96AC-32E77B7EA5A2}" srcOrd="2" destOrd="0" presId="urn:microsoft.com/office/officeart/2005/8/layout/orgChart1"/>
+    <dgm:cxn modelId="{DC22EBC3-7B5D-436C-A2B9-D91D5CA30BBA}" type="presParOf" srcId="{26AC79CF-B9A0-42DD-8294-A960CB0E11DF}" destId="{63DE3401-05BB-45B9-A62E-E0B09DD36C2F}" srcOrd="2" destOrd="0" presId="urn:microsoft.com/office/officeart/2005/8/layout/orgChart1"/>
+    <dgm:cxn modelId="{B47A9D44-804B-406F-9661-EDD90F87277C}" type="presParOf" srcId="{4E52EE05-4E36-462E-957F-368C16F40CB0}" destId="{79D3D683-FC36-4099-BA46-18038E55183E}" srcOrd="18" destOrd="0" presId="urn:microsoft.com/office/officeart/2005/8/layout/orgChart1"/>
+    <dgm:cxn modelId="{FA48AAA4-4B33-4D3B-9B62-C72BBBA57191}" type="presParOf" srcId="{4E52EE05-4E36-462E-957F-368C16F40CB0}" destId="{575CA054-6303-4B37-B96F-CCD59CE8CFC7}" srcOrd="19" destOrd="0" presId="urn:microsoft.com/office/officeart/2005/8/layout/orgChart1"/>
+    <dgm:cxn modelId="{CD5FC48D-8CC9-4C9A-AAD7-E51DCE360656}" type="presParOf" srcId="{575CA054-6303-4B37-B96F-CCD59CE8CFC7}" destId="{0A191CE8-CA13-4D51-9F04-E19229B33447}" srcOrd="0" destOrd="0" presId="urn:microsoft.com/office/officeart/2005/8/layout/orgChart1"/>
+    <dgm:cxn modelId="{9FDC99A4-E292-4E11-A1AC-56CCD9303269}" type="presParOf" srcId="{0A191CE8-CA13-4D51-9F04-E19229B33447}" destId="{E4C31DD3-96AC-4A52-8F92-71B070015481}" srcOrd="0" destOrd="0" presId="urn:microsoft.com/office/officeart/2005/8/layout/orgChart1"/>
+    <dgm:cxn modelId="{9F2A266F-DAC1-4AFD-8675-522E53B5E151}" type="presParOf" srcId="{0A191CE8-CA13-4D51-9F04-E19229B33447}" destId="{FF29E6B8-1EF3-44A3-A509-CF74697DF120}" srcOrd="1" destOrd="0" presId="urn:microsoft.com/office/officeart/2005/8/layout/orgChart1"/>
+    <dgm:cxn modelId="{64B07744-AEE3-4E07-BBCD-5B54E2D10F71}" type="presParOf" srcId="{575CA054-6303-4B37-B96F-CCD59CE8CFC7}" destId="{7F5F132E-9232-4F3D-BD02-5F0ED047898C}" srcOrd="1" destOrd="0" presId="urn:microsoft.com/office/officeart/2005/8/layout/orgChart1"/>
+    <dgm:cxn modelId="{B94215C1-43BB-48B7-8B2E-E9FDB298092B}" type="presParOf" srcId="{7F5F132E-9232-4F3D-BD02-5F0ED047898C}" destId="{CEE4E38D-1C29-4B96-94C1-EF57006D9BFB}" srcOrd="0" destOrd="0" presId="urn:microsoft.com/office/officeart/2005/8/layout/orgChart1"/>
+    <dgm:cxn modelId="{A009E1EC-BC64-4A4B-98ED-8B4947256F20}" type="presParOf" srcId="{7F5F132E-9232-4F3D-BD02-5F0ED047898C}" destId="{E69ABDBB-026E-4250-9B8D-D715A0ABC220}" srcOrd="1" destOrd="0" presId="urn:microsoft.com/office/officeart/2005/8/layout/orgChart1"/>
+    <dgm:cxn modelId="{F4A43100-B0E3-4C97-9A2C-3165E3983A12}" type="presParOf" srcId="{E69ABDBB-026E-4250-9B8D-D715A0ABC220}" destId="{20DC5665-0C20-4738-B893-926764CD22BA}" srcOrd="0" destOrd="0" presId="urn:microsoft.com/office/officeart/2005/8/layout/orgChart1"/>
+    <dgm:cxn modelId="{AA2F9875-1164-4A80-9D90-DFA46029A4A1}" type="presParOf" srcId="{20DC5665-0C20-4738-B893-926764CD22BA}" destId="{2419436C-6EE9-405D-B1EB-B108E451B52E}" srcOrd="0" destOrd="0" presId="urn:microsoft.com/office/officeart/2005/8/layout/orgChart1"/>
+    <dgm:cxn modelId="{31B8F5E5-DFA5-40D1-B66A-9741FA32FC8D}" type="presParOf" srcId="{20DC5665-0C20-4738-B893-926764CD22BA}" destId="{3838B8FA-A011-4F77-A349-E7AFCCEB82F6}" srcOrd="1" destOrd="0" presId="urn:microsoft.com/office/officeart/2005/8/layout/orgChart1"/>
+    <dgm:cxn modelId="{A7B7161B-6B34-4062-B8E2-A14F3BEC1535}" type="presParOf" srcId="{E69ABDBB-026E-4250-9B8D-D715A0ABC220}" destId="{A540F169-80BB-400F-A863-26D033F87F15}" srcOrd="1" destOrd="0" presId="urn:microsoft.com/office/officeart/2005/8/layout/orgChart1"/>
+    <dgm:cxn modelId="{C655D167-1BE6-43BB-8F49-376544C2376C}" type="presParOf" srcId="{E69ABDBB-026E-4250-9B8D-D715A0ABC220}" destId="{A4E303E8-3ABF-48AA-9EB6-EB241D311E01}" srcOrd="2" destOrd="0" presId="urn:microsoft.com/office/officeart/2005/8/layout/orgChart1"/>
+    <dgm:cxn modelId="{312C0DAD-9BF8-4824-A7D5-4148A3DD3BB4}" type="presParOf" srcId="{575CA054-6303-4B37-B96F-CCD59CE8CFC7}" destId="{60479145-5DD9-478D-A5FB-ACFA4C02E955}" srcOrd="2" destOrd="0" presId="urn:microsoft.com/office/officeart/2005/8/layout/orgChart1"/>
+    <dgm:cxn modelId="{15FC5110-769F-4B4E-8DB2-05B792235845}" type="presParOf" srcId="{4E52EE05-4E36-462E-957F-368C16F40CB0}" destId="{A954811E-88FF-47BC-9FAB-AD2AC924D537}" srcOrd="20" destOrd="0" presId="urn:microsoft.com/office/officeart/2005/8/layout/orgChart1"/>
+    <dgm:cxn modelId="{760F8473-0969-46BB-97EF-34A887DB2D8C}" type="presParOf" srcId="{4E52EE05-4E36-462E-957F-368C16F40CB0}" destId="{5B200CA4-1CB8-4E41-9604-F1D1750707BB}" srcOrd="21" destOrd="0" presId="urn:microsoft.com/office/officeart/2005/8/layout/orgChart1"/>
+    <dgm:cxn modelId="{703C1FD6-9FE1-4D81-BBAF-B6756BE2B4F8}" type="presParOf" srcId="{5B200CA4-1CB8-4E41-9604-F1D1750707BB}" destId="{5AFB6A44-AAFB-471E-9ADD-41E52041233A}" srcOrd="0" destOrd="0" presId="urn:microsoft.com/office/officeart/2005/8/layout/orgChart1"/>
+    <dgm:cxn modelId="{10D65248-5FC0-4BEA-806C-D3E786CC1546}" type="presParOf" srcId="{5AFB6A44-AAFB-471E-9ADD-41E52041233A}" destId="{02044577-2E7E-4AB7-B46C-3DCF3C2030C9}" srcOrd="0" destOrd="0" presId="urn:microsoft.com/office/officeart/2005/8/layout/orgChart1"/>
+    <dgm:cxn modelId="{B522DC2B-D97E-46D9-9A8D-879AC4450D85}" type="presParOf" srcId="{5AFB6A44-AAFB-471E-9ADD-41E52041233A}" destId="{E4854C1D-CEC9-43F2-A6A0-D63D4A5597B6}" srcOrd="1" destOrd="0" presId="urn:microsoft.com/office/officeart/2005/8/layout/orgChart1"/>
+    <dgm:cxn modelId="{36633B87-CAA1-48B9-A23F-100C402F201E}" type="presParOf" srcId="{5B200CA4-1CB8-4E41-9604-F1D1750707BB}" destId="{380EE4A3-8455-4933-BBCF-96D51F919E53}" srcOrd="1" destOrd="0" presId="urn:microsoft.com/office/officeart/2005/8/layout/orgChart1"/>
+    <dgm:cxn modelId="{F1719F96-CF0C-472A-B26E-702C71634F3D}" type="presParOf" srcId="{380EE4A3-8455-4933-BBCF-96D51F919E53}" destId="{CA706B94-5E65-48B9-9CB5-BA024FE34DC6}" srcOrd="0" destOrd="0" presId="urn:microsoft.com/office/officeart/2005/8/layout/orgChart1"/>
+    <dgm:cxn modelId="{09E79B46-B3D3-4EAB-BD83-9E4664900BDC}" type="presParOf" srcId="{380EE4A3-8455-4933-BBCF-96D51F919E53}" destId="{6F9BCD47-E66A-4833-AF26-FEC818502A50}" srcOrd="1" destOrd="0" presId="urn:microsoft.com/office/officeart/2005/8/layout/orgChart1"/>
+    <dgm:cxn modelId="{0111A8ED-C6EB-4B1E-B91B-03FD4C614C36}" type="presParOf" srcId="{6F9BCD47-E66A-4833-AF26-FEC818502A50}" destId="{3F5CEFF6-AFE5-4A0D-9C61-0633574C3132}" srcOrd="0" destOrd="0" presId="urn:microsoft.com/office/officeart/2005/8/layout/orgChart1"/>
+    <dgm:cxn modelId="{B4438180-3F7A-4F7C-B6C7-7148179ED9EC}" type="presParOf" srcId="{3F5CEFF6-AFE5-4A0D-9C61-0633574C3132}" destId="{7DD0BDA0-C7DB-42B8-B5FE-A45C950271DB}" srcOrd="0" destOrd="0" presId="urn:microsoft.com/office/officeart/2005/8/layout/orgChart1"/>
+    <dgm:cxn modelId="{D3D0CBEC-166C-4AC9-A762-E5993248730A}" type="presParOf" srcId="{3F5CEFF6-AFE5-4A0D-9C61-0633574C3132}" destId="{9446FE94-65AF-4E6A-B486-3380BCEF5DE0}" srcOrd="1" destOrd="0" presId="urn:microsoft.com/office/officeart/2005/8/layout/orgChart1"/>
+    <dgm:cxn modelId="{A173726E-204D-46D6-BE61-5FB425BDF7D1}" type="presParOf" srcId="{6F9BCD47-E66A-4833-AF26-FEC818502A50}" destId="{A83B1300-6D8F-49A6-95B8-FB6F08C04ECB}" srcOrd="1" destOrd="0" presId="urn:microsoft.com/office/officeart/2005/8/layout/orgChart1"/>
+    <dgm:cxn modelId="{F3C4AE97-8408-453C-889F-76BE6F070986}" type="presParOf" srcId="{6F9BCD47-E66A-4833-AF26-FEC818502A50}" destId="{D3FD3846-0C8E-4C2C-996C-7310E87946A7}" srcOrd="2" destOrd="0" presId="urn:microsoft.com/office/officeart/2005/8/layout/orgChart1"/>
+    <dgm:cxn modelId="{CCD4CA74-033A-423E-A6E5-FE316A4C2251}" type="presParOf" srcId="{380EE4A3-8455-4933-BBCF-96D51F919E53}" destId="{CA3119D7-4288-4B9E-AD9C-5FCCB3B445D9}" srcOrd="2" destOrd="0" presId="urn:microsoft.com/office/officeart/2005/8/layout/orgChart1"/>
+    <dgm:cxn modelId="{0F2DD652-52A4-490F-9364-23F5B5691535}" type="presParOf" srcId="{380EE4A3-8455-4933-BBCF-96D51F919E53}" destId="{A4B2DA53-7ECF-4069-A480-33C8F0179DF6}" srcOrd="3" destOrd="0" presId="urn:microsoft.com/office/officeart/2005/8/layout/orgChart1"/>
+    <dgm:cxn modelId="{EED6A7AA-C08C-419E-9A25-38341E7793DC}" type="presParOf" srcId="{A4B2DA53-7ECF-4069-A480-33C8F0179DF6}" destId="{3090D9C2-DF12-4237-AF64-65B9E7E99563}" srcOrd="0" destOrd="0" presId="urn:microsoft.com/office/officeart/2005/8/layout/orgChart1"/>
+    <dgm:cxn modelId="{A9DA6BEA-4943-41A8-8ABB-64C15C02165D}" type="presParOf" srcId="{3090D9C2-DF12-4237-AF64-65B9E7E99563}" destId="{A9B28837-7259-4D76-98A6-5DD78A473F78}" srcOrd="0" destOrd="0" presId="urn:microsoft.com/office/officeart/2005/8/layout/orgChart1"/>
+    <dgm:cxn modelId="{CB2EF7D8-A7DF-419C-8471-11E3485EA1D3}" type="presParOf" srcId="{3090D9C2-DF12-4237-AF64-65B9E7E99563}" destId="{A215A299-5122-4657-A52D-0DE9988BE292}" srcOrd="1" destOrd="0" presId="urn:microsoft.com/office/officeart/2005/8/layout/orgChart1"/>
+    <dgm:cxn modelId="{D8553058-7A08-41AE-AA3B-8B063585AD35}" type="presParOf" srcId="{A4B2DA53-7ECF-4069-A480-33C8F0179DF6}" destId="{B14CB345-9834-487E-AEEF-0A7B66C8CC58}" srcOrd="1" destOrd="0" presId="urn:microsoft.com/office/officeart/2005/8/layout/orgChart1"/>
+    <dgm:cxn modelId="{6B6D21AA-E6EF-409A-8B48-C1206E41459C}" type="presParOf" srcId="{A4B2DA53-7ECF-4069-A480-33C8F0179DF6}" destId="{746BCB16-DED9-4855-87FE-751099B1BBF7}" srcOrd="2" destOrd="0" presId="urn:microsoft.com/office/officeart/2005/8/layout/orgChart1"/>
+    <dgm:cxn modelId="{FE4554B1-C0E2-4C88-BA1F-783DF8F951F7}" type="presParOf" srcId="{5B200CA4-1CB8-4E41-9604-F1D1750707BB}" destId="{E8392852-6EA7-497D-811D-F04C24A90B36}" srcOrd="2" destOrd="0" presId="urn:microsoft.com/office/officeart/2005/8/layout/orgChart1"/>
+    <dgm:cxn modelId="{4BE215C6-2FE1-4E6F-8804-AC1BB7BBE381}" type="presParOf" srcId="{4E52EE05-4E36-462E-957F-368C16F40CB0}" destId="{8F66F803-E952-4BCB-8813-CE70FB0B729E}" srcOrd="22" destOrd="0" presId="urn:microsoft.com/office/officeart/2005/8/layout/orgChart1"/>
+    <dgm:cxn modelId="{2CAFC005-A9DA-4EEC-B63D-12356055F0B3}" type="presParOf" srcId="{4E52EE05-4E36-462E-957F-368C16F40CB0}" destId="{A3D5452C-2A3B-4018-B2ED-071949852C59}" srcOrd="23" destOrd="0" presId="urn:microsoft.com/office/officeart/2005/8/layout/orgChart1"/>
+    <dgm:cxn modelId="{51B44C56-DCDB-490C-8D51-9F20443765D1}" type="presParOf" srcId="{A3D5452C-2A3B-4018-B2ED-071949852C59}" destId="{E84BF202-F56A-4B07-AF21-A4D35DA10538}" srcOrd="0" destOrd="0" presId="urn:microsoft.com/office/officeart/2005/8/layout/orgChart1"/>
+    <dgm:cxn modelId="{07FF628C-6A66-4533-9EA0-27F3BEE8393A}" type="presParOf" srcId="{E84BF202-F56A-4B07-AF21-A4D35DA10538}" destId="{318966AF-9770-4C8B-BAA5-174ACAAC4435}" srcOrd="0" destOrd="0" presId="urn:microsoft.com/office/officeart/2005/8/layout/orgChart1"/>
+    <dgm:cxn modelId="{C8DE191E-F3DF-49DF-A402-B45A87C16F75}" type="presParOf" srcId="{E84BF202-F56A-4B07-AF21-A4D35DA10538}" destId="{8BB9C188-C6DF-4980-8219-FFE5E6939B22}" srcOrd="1" destOrd="0" presId="urn:microsoft.com/office/officeart/2005/8/layout/orgChart1"/>
+    <dgm:cxn modelId="{266D4024-7E93-40DC-9818-D23CDD9DF6B5}" type="presParOf" srcId="{A3D5452C-2A3B-4018-B2ED-071949852C59}" destId="{18672604-6673-47DD-BFFB-2E31C6AB01EE}" srcOrd="1" destOrd="0" presId="urn:microsoft.com/office/officeart/2005/8/layout/orgChart1"/>
+    <dgm:cxn modelId="{419E0ED4-F207-4FE9-B6A8-4BC3F80C24AD}" type="presParOf" srcId="{18672604-6673-47DD-BFFB-2E31C6AB01EE}" destId="{934C441C-9995-4323-87F1-1E9FDD713C86}" srcOrd="0" destOrd="0" presId="urn:microsoft.com/office/officeart/2005/8/layout/orgChart1"/>
+    <dgm:cxn modelId="{D56450AC-68F1-4820-9105-060BD82BC70E}" type="presParOf" srcId="{18672604-6673-47DD-BFFB-2E31C6AB01EE}" destId="{5B8CA3A2-AD88-408A-9F14-F8E9A879D9D7}" srcOrd="1" destOrd="0" presId="urn:microsoft.com/office/officeart/2005/8/layout/orgChart1"/>
+    <dgm:cxn modelId="{7E61C7E1-485A-499D-BF2F-033D8E3FD547}" type="presParOf" srcId="{5B8CA3A2-AD88-408A-9F14-F8E9A879D9D7}" destId="{6948B21E-65EF-440D-A6D5-575B79FCD9F8}" srcOrd="0" destOrd="0" presId="urn:microsoft.com/office/officeart/2005/8/layout/orgChart1"/>
+    <dgm:cxn modelId="{8686D3A0-A21C-46A3-9124-5EF9AC2BFCC5}" type="presParOf" srcId="{6948B21E-65EF-440D-A6D5-575B79FCD9F8}" destId="{BB2293ED-1455-4D49-8173-90BDFA3E1590}" srcOrd="0" destOrd="0" presId="urn:microsoft.com/office/officeart/2005/8/layout/orgChart1"/>
+    <dgm:cxn modelId="{BACEE9DF-FC0A-4008-B9F8-66DCDB92F6E1}" type="presParOf" srcId="{6948B21E-65EF-440D-A6D5-575B79FCD9F8}" destId="{1F02A064-24B5-4F91-884F-B5D8BA27A182}" srcOrd="1" destOrd="0" presId="urn:microsoft.com/office/officeart/2005/8/layout/orgChart1"/>
+    <dgm:cxn modelId="{D169D539-97F4-48CA-93F4-9774FDE2F873}" type="presParOf" srcId="{5B8CA3A2-AD88-408A-9F14-F8E9A879D9D7}" destId="{20A128E5-94C7-4E18-AA93-D4BCAFB7AD32}" srcOrd="1" destOrd="0" presId="urn:microsoft.com/office/officeart/2005/8/layout/orgChart1"/>
+    <dgm:cxn modelId="{4AE46FA1-A7EC-4DCD-894A-AEBBD473F0D8}" type="presParOf" srcId="{5B8CA3A2-AD88-408A-9F14-F8E9A879D9D7}" destId="{0D020BA1-7872-4737-AA01-5FD3942189D9}" srcOrd="2" destOrd="0" presId="urn:microsoft.com/office/officeart/2005/8/layout/orgChart1"/>
+    <dgm:cxn modelId="{4C9BAAC0-BD48-419D-984C-3399554EBA73}" type="presParOf" srcId="{18672604-6673-47DD-BFFB-2E31C6AB01EE}" destId="{7A6D22AB-4901-444F-953C-49C8573C8BC1}" srcOrd="2" destOrd="0" presId="urn:microsoft.com/office/officeart/2005/8/layout/orgChart1"/>
+    <dgm:cxn modelId="{44E302E2-A79E-4853-8B3F-C9CC0417FB4D}" type="presParOf" srcId="{18672604-6673-47DD-BFFB-2E31C6AB01EE}" destId="{F0C76438-44A9-4755-9794-FBEBB1A44941}" srcOrd="3" destOrd="0" presId="urn:microsoft.com/office/officeart/2005/8/layout/orgChart1"/>
+    <dgm:cxn modelId="{3A0FE5AC-E447-40DC-9B1C-909719D14C7E}" type="presParOf" srcId="{F0C76438-44A9-4755-9794-FBEBB1A44941}" destId="{DFBED703-399C-4FB8-BD49-2D78319F045C}" srcOrd="0" destOrd="0" presId="urn:microsoft.com/office/officeart/2005/8/layout/orgChart1"/>
+    <dgm:cxn modelId="{97E45323-3D3C-46B7-AA60-C31AD342DF6B}" type="presParOf" srcId="{DFBED703-399C-4FB8-BD49-2D78319F045C}" destId="{C4EBA92A-9CD8-462A-8DB4-A3CD6E3191A9}" srcOrd="0" destOrd="0" presId="urn:microsoft.com/office/officeart/2005/8/layout/orgChart1"/>
+    <dgm:cxn modelId="{9623A08B-A75E-40AE-B183-2B5B6E6C3F8C}" type="presParOf" srcId="{DFBED703-399C-4FB8-BD49-2D78319F045C}" destId="{2F7F43B4-0D21-415C-B75D-5A7033DA2193}" srcOrd="1" destOrd="0" presId="urn:microsoft.com/office/officeart/2005/8/layout/orgChart1"/>
+    <dgm:cxn modelId="{18F844BF-82F5-4583-A7AD-78FA73018F31}" type="presParOf" srcId="{F0C76438-44A9-4755-9794-FBEBB1A44941}" destId="{E79F24E7-1319-4C78-A494-4699A3324962}" srcOrd="1" destOrd="0" presId="urn:microsoft.com/office/officeart/2005/8/layout/orgChart1"/>
+    <dgm:cxn modelId="{F442FCEB-8DE3-4789-A299-91A104C9A529}" type="presParOf" srcId="{F0C76438-44A9-4755-9794-FBEBB1A44941}" destId="{1C6F2D61-8B60-410F-BEF6-BC45B91B8F4F}" srcOrd="2" destOrd="0" presId="urn:microsoft.com/office/officeart/2005/8/layout/orgChart1"/>
+    <dgm:cxn modelId="{7A9E4966-858D-4E9B-8DC7-0EF9A6C06435}" type="presParOf" srcId="{A3D5452C-2A3B-4018-B2ED-071949852C59}" destId="{12E93B9E-7A18-4F99-848B-05D7E4D99ECA}" srcOrd="2" destOrd="0" presId="urn:microsoft.com/office/officeart/2005/8/layout/orgChart1"/>
     <dgm:cxn modelId="{3AFEA7A0-6076-4516-B66C-C2CF599144FD}" type="presParOf" srcId="{B87F61BE-3DE9-45C4-83FC-26D9F3A3675F}" destId="{A0D261AE-538D-46B9-8A12-D28FF473A667}" srcOrd="2" destOrd="0" presId="urn:microsoft.com/office/officeart/2005/8/layout/orgChart1"/>
     <dgm:cxn modelId="{66515FEF-6023-4189-A65B-161AE030DF28}" type="presParOf" srcId="{ABA68C5E-5AFA-4F21-BA24-A8B6A4239079}" destId="{32F68EAB-1720-4715-B4EA-67BEB3D48800}" srcOrd="2" destOrd="0" presId="urn:microsoft.com/office/officeart/2005/8/layout/orgChart1"/>
   </dgm:cxnLst>
@@ -4545,15 +5498,15 @@
       <dsp:cNvGrpSpPr/>
     </dsp:nvGrpSpPr>
     <dsp:grpSpPr/>
-    <dsp:sp modelId="{0EC0C316-9124-498C-8D07-5534CAC3828F}">
+    <dsp:sp modelId="{7A6D22AB-4901-444F-953C-49C8573C8BC1}">
       <dsp:nvSpPr>
         <dsp:cNvPr id="0" name=""/>
         <dsp:cNvSpPr/>
       </dsp:nvSpPr>
       <dsp:spPr>
         <a:xfrm>
-          <a:off x="11224055" y="2827571"/>
-          <a:ext cx="91440" cy="442161"/>
+          <a:off x="11451052" y="3095547"/>
+          <a:ext cx="91440" cy="1536900"/>
         </a:xfrm>
         <a:custGeom>
           <a:avLst/>
@@ -4567,10 +5520,10 @@
                 <a:pt x="45720" y="0"/>
               </a:moveTo>
               <a:lnTo>
-                <a:pt x="45720" y="442161"/>
+                <a:pt x="45720" y="1536900"/>
               </a:lnTo>
               <a:lnTo>
-                <a:pt x="105782" y="442161"/>
+                <a:pt x="125600" y="1536900"/>
               </a:lnTo>
             </a:path>
           </a:pathLst>
@@ -4604,15 +5557,15 @@
         <a:fontRef idx="minor"/>
       </dsp:style>
     </dsp:sp>
-    <dsp:sp modelId="{3ACE5927-24F9-47B6-A431-4794C2FDD9C9}">
+    <dsp:sp modelId="{934C441C-9995-4323-87F1-1E9FDD713C86}">
       <dsp:nvSpPr>
         <dsp:cNvPr id="0" name=""/>
         <dsp:cNvSpPr/>
       </dsp:nvSpPr>
       <dsp:spPr>
         <a:xfrm>
-          <a:off x="8364727" y="2270833"/>
-          <a:ext cx="3266978" cy="164669"/>
+          <a:off x="11451052" y="3095547"/>
+          <a:ext cx="91440" cy="566010"/>
         </a:xfrm>
         <a:custGeom>
           <a:avLst/>
@@ -4623,16 +5576,13 @@
           <a:pathLst>
             <a:path>
               <a:moveTo>
-                <a:pt x="0" y="0"/>
+                <a:pt x="45720" y="0"/>
               </a:moveTo>
               <a:lnTo>
-                <a:pt x="0" y="82334"/>
+                <a:pt x="45720" y="566010"/>
               </a:lnTo>
               <a:lnTo>
-                <a:pt x="3266978" y="82334"/>
-              </a:lnTo>
-              <a:lnTo>
-                <a:pt x="3266978" y="164669"/>
+                <a:pt x="125600" y="566010"/>
               </a:lnTo>
             </a:path>
           </a:pathLst>
@@ -4666,15 +5616,15 @@
         <a:fontRef idx="minor"/>
       </dsp:style>
     </dsp:sp>
-    <dsp:sp modelId="{31F31732-87E0-4733-AB71-1537200BE92E}">
+    <dsp:sp modelId="{8F66F803-E952-4BCB-8813-CE70FB0B729E}">
       <dsp:nvSpPr>
         <dsp:cNvPr id="0" name=""/>
         <dsp:cNvSpPr/>
       </dsp:nvSpPr>
       <dsp:spPr>
         <a:xfrm>
-          <a:off x="10182349" y="2827571"/>
-          <a:ext cx="138712" cy="1225068"/>
+          <a:off x="7512345" y="1967607"/>
+          <a:ext cx="4197440" cy="111832"/>
         </a:xfrm>
         <a:custGeom>
           <a:avLst/>
@@ -4688,10 +5638,13 @@
                 <a:pt x="0" y="0"/>
               </a:moveTo>
               <a:lnTo>
-                <a:pt x="0" y="1225068"/>
+                <a:pt x="0" y="55916"/>
               </a:lnTo>
               <a:lnTo>
-                <a:pt x="138712" y="1225068"/>
+                <a:pt x="4197440" y="55916"/>
+              </a:lnTo>
+              <a:lnTo>
+                <a:pt x="4197440" y="111832"/>
               </a:lnTo>
             </a:path>
           </a:pathLst>
@@ -4725,15 +5678,15 @@
         <a:fontRef idx="minor"/>
       </dsp:style>
     </dsp:sp>
-    <dsp:sp modelId="{D5D8680C-1E5D-4829-80FC-4C5F482CA7B4}">
+    <dsp:sp modelId="{CA3119D7-4288-4B9E-AD9C-5FCCB3B445D9}">
       <dsp:nvSpPr>
         <dsp:cNvPr id="0" name=""/>
         <dsp:cNvSpPr/>
       </dsp:nvSpPr>
       <dsp:spPr>
         <a:xfrm>
-          <a:off x="10182349" y="2827571"/>
-          <a:ext cx="138712" cy="490066"/>
+          <a:off x="10806686" y="3019274"/>
+          <a:ext cx="91440" cy="1831099"/>
         </a:xfrm>
         <a:custGeom>
           <a:avLst/>
@@ -4744,13 +5697,13 @@
           <a:pathLst>
             <a:path>
               <a:moveTo>
-                <a:pt x="0" y="0"/>
+                <a:pt x="45720" y="0"/>
               </a:moveTo>
               <a:lnTo>
-                <a:pt x="0" y="490066"/>
+                <a:pt x="45720" y="1831099"/>
               </a:lnTo>
               <a:lnTo>
-                <a:pt x="138712" y="490066"/>
+                <a:pt x="125600" y="1831099"/>
               </a:lnTo>
             </a:path>
           </a:pathLst>
@@ -4784,15 +5737,15 @@
         <a:fontRef idx="minor"/>
       </dsp:style>
     </dsp:sp>
-    <dsp:sp modelId="{2E95CB6A-B166-4064-9762-56809D1ADB03}">
+    <dsp:sp modelId="{CA706B94-5E65-48B9-9CB5-BA024FE34DC6}">
       <dsp:nvSpPr>
         <dsp:cNvPr id="0" name=""/>
         <dsp:cNvSpPr/>
       </dsp:nvSpPr>
       <dsp:spPr>
         <a:xfrm>
-          <a:off x="8364727" y="2270833"/>
-          <a:ext cx="2187521" cy="164669"/>
+          <a:off x="10806686" y="3019274"/>
+          <a:ext cx="91440" cy="626823"/>
         </a:xfrm>
         <a:custGeom>
           <a:avLst/>
@@ -4803,16 +5756,13 @@
           <a:pathLst>
             <a:path>
               <a:moveTo>
-                <a:pt x="0" y="0"/>
+                <a:pt x="45720" y="0"/>
               </a:moveTo>
               <a:lnTo>
-                <a:pt x="0" y="82334"/>
+                <a:pt x="45720" y="626823"/>
               </a:lnTo>
               <a:lnTo>
-                <a:pt x="2187521" y="82334"/>
-              </a:lnTo>
-              <a:lnTo>
-                <a:pt x="2187521" y="164669"/>
+                <a:pt x="125600" y="626823"/>
               </a:lnTo>
             </a:path>
           </a:pathLst>
@@ -4846,15 +5796,15 @@
         <a:fontRef idx="minor"/>
       </dsp:style>
     </dsp:sp>
-    <dsp:sp modelId="{AC6F3EE0-ECEB-4902-A1BA-0E280E64D26A}">
+    <dsp:sp modelId="{A954811E-88FF-47BC-9FAB-AD2AC924D537}">
       <dsp:nvSpPr>
         <dsp:cNvPr id="0" name=""/>
         <dsp:cNvSpPr/>
       </dsp:nvSpPr>
       <dsp:spPr>
         <a:xfrm>
-          <a:off x="9120320" y="2827571"/>
-          <a:ext cx="134147" cy="1236330"/>
+          <a:off x="7512345" y="1967607"/>
+          <a:ext cx="3553074" cy="111832"/>
         </a:xfrm>
         <a:custGeom>
           <a:avLst/>
@@ -4868,10 +5818,13 @@
                 <a:pt x="0" y="0"/>
               </a:moveTo>
               <a:lnTo>
-                <a:pt x="0" y="1236330"/>
+                <a:pt x="0" y="55916"/>
               </a:lnTo>
               <a:lnTo>
-                <a:pt x="134147" y="1236330"/>
+                <a:pt x="3553074" y="55916"/>
+              </a:lnTo>
+              <a:lnTo>
+                <a:pt x="3553074" y="111832"/>
               </a:lnTo>
             </a:path>
           </a:pathLst>
@@ -4905,15 +5858,15 @@
         <a:fontRef idx="minor"/>
       </dsp:style>
     </dsp:sp>
-    <dsp:sp modelId="{E563C1B3-C7EE-4AD2-9F4B-603C2E17D74F}">
+    <dsp:sp modelId="{CEE4E38D-1C29-4B96-94C1-EF57006D9BFB}">
       <dsp:nvSpPr>
         <dsp:cNvPr id="0" name=""/>
         <dsp:cNvSpPr/>
       </dsp:nvSpPr>
       <dsp:spPr>
         <a:xfrm>
-          <a:off x="9120320" y="2827571"/>
-          <a:ext cx="134147" cy="494936"/>
+          <a:off x="10029186" y="2769503"/>
+          <a:ext cx="91440" cy="500976"/>
         </a:xfrm>
         <a:custGeom>
           <a:avLst/>
@@ -4924,13 +5877,13 @@
           <a:pathLst>
             <a:path>
               <a:moveTo>
-                <a:pt x="0" y="0"/>
+                <a:pt x="45720" y="0"/>
               </a:moveTo>
               <a:lnTo>
-                <a:pt x="0" y="494936"/>
+                <a:pt x="45720" y="500976"/>
               </a:lnTo>
               <a:lnTo>
-                <a:pt x="134147" y="494936"/>
+                <a:pt x="125600" y="500976"/>
               </a:lnTo>
             </a:path>
           </a:pathLst>
@@ -4964,15 +5917,15 @@
         <a:fontRef idx="minor"/>
       </dsp:style>
     </dsp:sp>
-    <dsp:sp modelId="{D6D5100B-E9EA-4C6D-B08C-2F1A1B0007AB}">
+    <dsp:sp modelId="{79D3D683-FC36-4099-BA46-18038E55183E}">
       <dsp:nvSpPr>
         <dsp:cNvPr id="0" name=""/>
         <dsp:cNvSpPr/>
       </dsp:nvSpPr>
       <dsp:spPr>
         <a:xfrm>
-          <a:off x="8364727" y="2270833"/>
-          <a:ext cx="1113319" cy="164669"/>
+          <a:off x="7512345" y="1967607"/>
+          <a:ext cx="2775574" cy="111832"/>
         </a:xfrm>
         <a:custGeom>
           <a:avLst/>
@@ -4986,13 +5939,13 @@
                 <a:pt x="0" y="0"/>
               </a:moveTo>
               <a:lnTo>
-                <a:pt x="0" y="82334"/>
+                <a:pt x="0" y="55916"/>
               </a:lnTo>
               <a:lnTo>
-                <a:pt x="1113319" y="82334"/>
+                <a:pt x="2775574" y="55916"/>
               </a:lnTo>
               <a:lnTo>
-                <a:pt x="1113319" y="164669"/>
+                <a:pt x="2775574" y="111832"/>
               </a:lnTo>
             </a:path>
           </a:pathLst>
@@ -5026,15 +5979,15 @@
         <a:fontRef idx="minor"/>
       </dsp:style>
     </dsp:sp>
-    <dsp:sp modelId="{AE778A62-DDF5-4A28-AC93-5293E77B3641}">
+    <dsp:sp modelId="{5FC2D794-95A2-4581-AB06-D640700ADE57}">
       <dsp:nvSpPr>
         <dsp:cNvPr id="0" name=""/>
         <dsp:cNvSpPr/>
       </dsp:nvSpPr>
       <dsp:spPr>
         <a:xfrm>
-          <a:off x="8096203" y="2827571"/>
-          <a:ext cx="128335" cy="1929724"/>
+          <a:off x="9351118" y="3036614"/>
+          <a:ext cx="93117" cy="648342"/>
         </a:xfrm>
         <a:custGeom>
           <a:avLst/>
@@ -5048,10 +6001,10 @@
                 <a:pt x="0" y="0"/>
               </a:moveTo>
               <a:lnTo>
-                <a:pt x="0" y="1929724"/>
+                <a:pt x="0" y="648342"/>
               </a:lnTo>
               <a:lnTo>
-                <a:pt x="128335" y="1929724"/>
+                <a:pt x="93117" y="648342"/>
               </a:lnTo>
             </a:path>
           </a:pathLst>
@@ -5085,15 +6038,15 @@
         <a:fontRef idx="minor"/>
       </dsp:style>
     </dsp:sp>
-    <dsp:sp modelId="{F47E7DFE-6025-479F-8924-BD5F0FBB723B}">
+    <dsp:sp modelId="{C62612B2-78B7-4C39-9648-22B273FE613C}">
       <dsp:nvSpPr>
         <dsp:cNvPr id="0" name=""/>
         <dsp:cNvSpPr/>
       </dsp:nvSpPr>
       <dsp:spPr>
         <a:xfrm>
-          <a:off x="8096203" y="2827571"/>
-          <a:ext cx="134428" cy="1197821"/>
+          <a:off x="7512345" y="1967607"/>
+          <a:ext cx="2087085" cy="111832"/>
         </a:xfrm>
         <a:custGeom>
           <a:avLst/>
@@ -5107,10 +6060,13 @@
                 <a:pt x="0" y="0"/>
               </a:moveTo>
               <a:lnTo>
-                <a:pt x="0" y="1197821"/>
+                <a:pt x="0" y="55916"/>
               </a:lnTo>
               <a:lnTo>
-                <a:pt x="134428" y="1197821"/>
+                <a:pt x="2087085" y="55916"/>
+              </a:lnTo>
+              <a:lnTo>
+                <a:pt x="2087085" y="111832"/>
               </a:lnTo>
             </a:path>
           </a:pathLst>
@@ -5144,15 +6100,15 @@
         <a:fontRef idx="minor"/>
       </dsp:style>
     </dsp:sp>
-    <dsp:sp modelId="{494C062B-A136-488A-92E0-72A9B999A4C7}">
+    <dsp:sp modelId="{7B21975F-B10A-4B38-85BD-CE6DAF2EAF96}">
       <dsp:nvSpPr>
         <dsp:cNvPr id="0" name=""/>
         <dsp:cNvSpPr/>
       </dsp:nvSpPr>
       <dsp:spPr>
         <a:xfrm>
-          <a:off x="8096203" y="2827571"/>
-          <a:ext cx="128335" cy="486067"/>
+          <a:off x="8652208" y="2989626"/>
+          <a:ext cx="91440" cy="1679167"/>
         </a:xfrm>
         <a:custGeom>
           <a:avLst/>
@@ -5163,13 +6119,13 @@
           <a:pathLst>
             <a:path>
               <a:moveTo>
-                <a:pt x="0" y="0"/>
+                <a:pt x="45720" y="0"/>
               </a:moveTo>
               <a:lnTo>
-                <a:pt x="0" y="486067"/>
+                <a:pt x="45720" y="1679167"/>
               </a:lnTo>
               <a:lnTo>
-                <a:pt x="128335" y="486067"/>
+                <a:pt x="125600" y="1679167"/>
               </a:lnTo>
             </a:path>
           </a:pathLst>
@@ -5203,15 +6159,15 @@
         <a:fontRef idx="minor"/>
       </dsp:style>
     </dsp:sp>
-    <dsp:sp modelId="{520D2C64-044E-4AE5-9052-90F1A25D6BCA}">
+    <dsp:sp modelId="{43979444-E001-40FD-900F-2168A393BE10}">
       <dsp:nvSpPr>
         <dsp:cNvPr id="0" name=""/>
         <dsp:cNvSpPr/>
       </dsp:nvSpPr>
       <dsp:spPr>
         <a:xfrm>
-          <a:off x="8319007" y="2270833"/>
-          <a:ext cx="91440" cy="164669"/>
+          <a:off x="8652208" y="2989626"/>
+          <a:ext cx="91440" cy="579765"/>
         </a:xfrm>
         <a:custGeom>
           <a:avLst/>
@@ -5225,13 +6181,10 @@
                 <a:pt x="45720" y="0"/>
               </a:moveTo>
               <a:lnTo>
-                <a:pt x="45720" y="82334"/>
+                <a:pt x="45720" y="579765"/>
               </a:lnTo>
               <a:lnTo>
-                <a:pt x="119425" y="82334"/>
-              </a:lnTo>
-              <a:lnTo>
-                <a:pt x="119425" y="164669"/>
+                <a:pt x="125600" y="579765"/>
               </a:lnTo>
             </a:path>
           </a:pathLst>
@@ -5265,15 +6218,15 @@
         <a:fontRef idx="minor"/>
       </dsp:style>
     </dsp:sp>
-    <dsp:sp modelId="{779DDC95-C78F-47F2-827D-246A24C3D463}">
+    <dsp:sp modelId="{575AD419-B761-4102-9DB0-98991BA43AA7}">
       <dsp:nvSpPr>
         <dsp:cNvPr id="0" name=""/>
         <dsp:cNvSpPr/>
       </dsp:nvSpPr>
       <dsp:spPr>
         <a:xfrm>
-          <a:off x="7140252" y="2827571"/>
-          <a:ext cx="117620" cy="1188120"/>
+          <a:off x="7512345" y="1967607"/>
+          <a:ext cx="1398595" cy="111832"/>
         </a:xfrm>
         <a:custGeom>
           <a:avLst/>
@@ -5287,10 +6240,13 @@
                 <a:pt x="0" y="0"/>
               </a:moveTo>
               <a:lnTo>
-                <a:pt x="0" y="1188120"/>
+                <a:pt x="0" y="55916"/>
               </a:lnTo>
               <a:lnTo>
-                <a:pt x="117620" y="1188120"/>
+                <a:pt x="1398595" y="55916"/>
+              </a:lnTo>
+              <a:lnTo>
+                <a:pt x="1398595" y="111832"/>
               </a:lnTo>
             </a:path>
           </a:pathLst>
@@ -5324,15 +6280,15 @@
         <a:fontRef idx="minor"/>
       </dsp:style>
     </dsp:sp>
-    <dsp:sp modelId="{485591B9-5708-47A2-BAA5-824FF6E2DD2F}">
+    <dsp:sp modelId="{69A97A30-4F84-43CC-8CB7-67C7A750715F}">
       <dsp:nvSpPr>
         <dsp:cNvPr id="0" name=""/>
         <dsp:cNvSpPr/>
       </dsp:nvSpPr>
       <dsp:spPr>
         <a:xfrm>
-          <a:off x="7140252" y="2827571"/>
-          <a:ext cx="117620" cy="482003"/>
+          <a:off x="7800870" y="2873104"/>
+          <a:ext cx="92174" cy="1692127"/>
         </a:xfrm>
         <a:custGeom>
           <a:avLst/>
@@ -5346,10 +6302,10 @@
                 <a:pt x="0" y="0"/>
               </a:moveTo>
               <a:lnTo>
-                <a:pt x="0" y="482003"/>
+                <a:pt x="0" y="1692127"/>
               </a:lnTo>
               <a:lnTo>
-                <a:pt x="117620" y="482003"/>
+                <a:pt x="92174" y="1692127"/>
               </a:lnTo>
             </a:path>
           </a:pathLst>
@@ -5383,15 +6339,15 @@
         <a:fontRef idx="minor"/>
       </dsp:style>
     </dsp:sp>
-    <dsp:sp modelId="{DCA1E5F4-90DF-4E81-A0D7-28A5F3B01880}">
+    <dsp:sp modelId="{0EC0C316-9124-498C-8D07-5534CAC3828F}">
       <dsp:nvSpPr>
         <dsp:cNvPr id="0" name=""/>
         <dsp:cNvSpPr/>
       </dsp:nvSpPr>
       <dsp:spPr>
         <a:xfrm>
-          <a:off x="7453908" y="2270833"/>
-          <a:ext cx="910819" cy="164669"/>
+          <a:off x="7755150" y="2873104"/>
+          <a:ext cx="91440" cy="603683"/>
         </a:xfrm>
         <a:custGeom>
           <a:avLst/>
@@ -5402,16 +6358,13 @@
           <a:pathLst>
             <a:path>
               <a:moveTo>
-                <a:pt x="910819" y="0"/>
+                <a:pt x="45720" y="0"/>
               </a:moveTo>
               <a:lnTo>
-                <a:pt x="910819" y="82334"/>
+                <a:pt x="45720" y="603683"/>
               </a:lnTo>
               <a:lnTo>
-                <a:pt x="0" y="82334"/>
-              </a:lnTo>
-              <a:lnTo>
-                <a:pt x="0" y="164669"/>
+                <a:pt x="86510" y="603683"/>
               </a:lnTo>
             </a:path>
           </a:pathLst>
@@ -5445,15 +6398,15 @@
         <a:fontRef idx="minor"/>
       </dsp:style>
     </dsp:sp>
-    <dsp:sp modelId="{FD53E89B-641C-4DE1-BCAA-B1BE6DE402AA}">
+    <dsp:sp modelId="{3ACE5927-24F9-47B6-A431-4794C2FDD9C9}">
       <dsp:nvSpPr>
         <dsp:cNvPr id="0" name=""/>
         <dsp:cNvSpPr/>
       </dsp:nvSpPr>
       <dsp:spPr>
         <a:xfrm>
-          <a:off x="6191445" y="2827571"/>
-          <a:ext cx="117620" cy="571509"/>
+          <a:off x="7512345" y="1967607"/>
+          <a:ext cx="534323" cy="111832"/>
         </a:xfrm>
         <a:custGeom>
           <a:avLst/>
@@ -5467,10 +6420,13 @@
                 <a:pt x="0" y="0"/>
               </a:moveTo>
               <a:lnTo>
-                <a:pt x="0" y="571509"/>
+                <a:pt x="0" y="55916"/>
               </a:lnTo>
               <a:lnTo>
-                <a:pt x="117620" y="571509"/>
+                <a:pt x="534323" y="55916"/>
+              </a:lnTo>
+              <a:lnTo>
+                <a:pt x="534323" y="111832"/>
               </a:lnTo>
             </a:path>
           </a:pathLst>
@@ -5504,15 +6460,15 @@
         <a:fontRef idx="minor"/>
       </dsp:style>
     </dsp:sp>
-    <dsp:sp modelId="{9E0AE47D-26DC-4B27-AAF0-F66555219251}">
+    <dsp:sp modelId="{31F31732-87E0-4733-AB71-1537200BE92E}">
       <dsp:nvSpPr>
         <dsp:cNvPr id="0" name=""/>
         <dsp:cNvSpPr/>
       </dsp:nvSpPr>
       <dsp:spPr>
         <a:xfrm>
-          <a:off x="6505101" y="2270833"/>
-          <a:ext cx="1859626" cy="164669"/>
+          <a:off x="7062363" y="3053950"/>
+          <a:ext cx="94204" cy="1355179"/>
         </a:xfrm>
         <a:custGeom>
           <a:avLst/>
@@ -5523,16 +6479,13 @@
           <a:pathLst>
             <a:path>
               <a:moveTo>
-                <a:pt x="1859626" y="0"/>
+                <a:pt x="0" y="0"/>
               </a:moveTo>
               <a:lnTo>
-                <a:pt x="1859626" y="82334"/>
+                <a:pt x="0" y="1355179"/>
               </a:lnTo>
               <a:lnTo>
-                <a:pt x="0" y="82334"/>
-              </a:lnTo>
-              <a:lnTo>
-                <a:pt x="0" y="164669"/>
+                <a:pt x="94204" y="1355179"/>
               </a:lnTo>
             </a:path>
           </a:pathLst>
@@ -5566,15 +6519,15 @@
         <a:fontRef idx="minor"/>
       </dsp:style>
     </dsp:sp>
-    <dsp:sp modelId="{DF1A49CA-C4C6-4CC3-BD0A-E3EE3F60F4B9}">
+    <dsp:sp modelId="{D5D8680C-1E5D-4829-80FC-4C5F482CA7B4}">
       <dsp:nvSpPr>
         <dsp:cNvPr id="0" name=""/>
         <dsp:cNvSpPr/>
       </dsp:nvSpPr>
       <dsp:spPr>
         <a:xfrm>
-          <a:off x="5186495" y="3492646"/>
-          <a:ext cx="111353" cy="1001924"/>
+          <a:off x="7062363" y="3053950"/>
+          <a:ext cx="94204" cy="462898"/>
         </a:xfrm>
         <a:custGeom>
           <a:avLst/>
@@ -5588,10 +6541,10 @@
                 <a:pt x="0" y="0"/>
               </a:moveTo>
               <a:lnTo>
-                <a:pt x="0" y="1001924"/>
+                <a:pt x="0" y="462898"/>
               </a:lnTo>
               <a:lnTo>
-                <a:pt x="111353" y="1001924"/>
+                <a:pt x="94204" y="462898"/>
               </a:lnTo>
             </a:path>
           </a:pathLst>
@@ -5625,15 +6578,15 @@
         <a:fontRef idx="minor"/>
       </dsp:style>
     </dsp:sp>
-    <dsp:sp modelId="{73337C2E-84A7-45D4-BA2B-2EDA4AC1748C}">
+    <dsp:sp modelId="{2E95CB6A-B166-4064-9762-56809D1ADB03}">
       <dsp:nvSpPr>
         <dsp:cNvPr id="0" name=""/>
         <dsp:cNvSpPr/>
       </dsp:nvSpPr>
       <dsp:spPr>
         <a:xfrm>
-          <a:off x="5186495" y="3492646"/>
-          <a:ext cx="118740" cy="387272"/>
+          <a:off x="7313574" y="1967607"/>
+          <a:ext cx="198771" cy="111832"/>
         </a:xfrm>
         <a:custGeom>
           <a:avLst/>
@@ -5644,13 +6597,16 @@
           <a:pathLst>
             <a:path>
               <a:moveTo>
-                <a:pt x="0" y="0"/>
+                <a:pt x="198771" y="0"/>
               </a:moveTo>
               <a:lnTo>
-                <a:pt x="0" y="387272"/>
+                <a:pt x="198771" y="55916"/>
               </a:lnTo>
               <a:lnTo>
-                <a:pt x="118740" y="387272"/>
+                <a:pt x="0" y="55916"/>
+              </a:lnTo>
+              <a:lnTo>
+                <a:pt x="0" y="111832"/>
               </a:lnTo>
             </a:path>
           </a:pathLst>
@@ -5684,15 +6640,15 @@
         <a:fontRef idx="minor"/>
       </dsp:style>
     </dsp:sp>
-    <dsp:sp modelId="{EFD0AB61-B32D-405D-B64D-49F23D49F0CE}">
+    <dsp:sp modelId="{AC6F3EE0-ECEB-4902-A1BA-0E280E64D26A}">
       <dsp:nvSpPr>
         <dsp:cNvPr id="0" name=""/>
         <dsp:cNvSpPr/>
       </dsp:nvSpPr>
       <dsp:spPr>
         <a:xfrm>
-          <a:off x="5037406" y="2827571"/>
-          <a:ext cx="429033" cy="178426"/>
+          <a:off x="6218370" y="2860989"/>
+          <a:ext cx="91440" cy="1521354"/>
         </a:xfrm>
         <a:custGeom>
           <a:avLst/>
@@ -5703,16 +6659,13 @@
           <a:pathLst>
             <a:path>
               <a:moveTo>
-                <a:pt x="0" y="0"/>
+                <a:pt x="45720" y="0"/>
               </a:moveTo>
               <a:lnTo>
-                <a:pt x="0" y="96092"/>
+                <a:pt x="45720" y="1521354"/>
               </a:lnTo>
               <a:lnTo>
-                <a:pt x="429033" y="96092"/>
-              </a:lnTo>
-              <a:lnTo>
-                <a:pt x="429033" y="178426"/>
+                <a:pt x="136824" y="1521354"/>
               </a:lnTo>
             </a:path>
           </a:pathLst>
@@ -5746,15 +6699,15 @@
         <a:fontRef idx="minor"/>
       </dsp:style>
     </dsp:sp>
-    <dsp:sp modelId="{71AE1C3D-E1BE-4B56-ABD5-061FBA1493BC}">
+    <dsp:sp modelId="{E563C1B3-C7EE-4AD2-9F4B-603C2E17D74F}">
       <dsp:nvSpPr>
         <dsp:cNvPr id="0" name=""/>
         <dsp:cNvSpPr/>
       </dsp:nvSpPr>
       <dsp:spPr>
         <a:xfrm>
-          <a:off x="4260734" y="3614764"/>
-          <a:ext cx="146059" cy="1671251"/>
+          <a:off x="6218370" y="2860989"/>
+          <a:ext cx="91440" cy="513766"/>
         </a:xfrm>
         <a:custGeom>
           <a:avLst/>
@@ -5765,13 +6718,13 @@
           <a:pathLst>
             <a:path>
               <a:moveTo>
-                <a:pt x="0" y="0"/>
+                <a:pt x="45720" y="0"/>
               </a:moveTo>
               <a:lnTo>
-                <a:pt x="0" y="1671251"/>
+                <a:pt x="45720" y="513766"/>
               </a:lnTo>
               <a:lnTo>
-                <a:pt x="146059" y="1671251"/>
+                <a:pt x="136824" y="513766"/>
               </a:lnTo>
             </a:path>
           </a:pathLst>
@@ -5805,15 +6758,15 @@
         <a:fontRef idx="minor"/>
       </dsp:style>
     </dsp:sp>
-    <dsp:sp modelId="{D5B4410B-E7FA-4880-92E6-938163BF4B17}">
+    <dsp:sp modelId="{D6D5100B-E9EA-4C6D-B08C-2F1A1B0007AB}">
       <dsp:nvSpPr>
         <dsp:cNvPr id="0" name=""/>
         <dsp:cNvSpPr/>
       </dsp:nvSpPr>
       <dsp:spPr>
         <a:xfrm>
-          <a:off x="4260734" y="3614764"/>
-          <a:ext cx="136665" cy="1073381"/>
+          <a:off x="6507034" y="1967607"/>
+          <a:ext cx="1005311" cy="111832"/>
         </a:xfrm>
         <a:custGeom>
           <a:avLst/>
@@ -5824,13 +6777,16 @@
           <a:pathLst>
             <a:path>
               <a:moveTo>
-                <a:pt x="0" y="0"/>
+                <a:pt x="1005311" y="0"/>
               </a:moveTo>
               <a:lnTo>
-                <a:pt x="0" y="1073381"/>
+                <a:pt x="1005311" y="55916"/>
               </a:lnTo>
               <a:lnTo>
-                <a:pt x="136665" y="1073381"/>
+                <a:pt x="0" y="55916"/>
+              </a:lnTo>
+              <a:lnTo>
+                <a:pt x="0" y="111832"/>
               </a:lnTo>
             </a:path>
           </a:pathLst>
@@ -5864,15 +6820,15 @@
         <a:fontRef idx="minor"/>
       </dsp:style>
     </dsp:sp>
-    <dsp:sp modelId="{91664526-4DB9-413C-9EC3-DA21462838F7}">
+    <dsp:sp modelId="{AE778A62-DDF5-4A28-AC93-5293E77B3641}">
       <dsp:nvSpPr>
         <dsp:cNvPr id="0" name=""/>
         <dsp:cNvSpPr/>
       </dsp:nvSpPr>
       <dsp:spPr>
         <a:xfrm>
-          <a:off x="4260734" y="3614764"/>
-          <a:ext cx="112294" cy="436919"/>
+          <a:off x="5522859" y="3218469"/>
+          <a:ext cx="91440" cy="2105908"/>
         </a:xfrm>
         <a:custGeom>
           <a:avLst/>
@@ -5883,13 +6839,13 @@
           <a:pathLst>
             <a:path>
               <a:moveTo>
-                <a:pt x="0" y="0"/>
+                <a:pt x="45720" y="0"/>
               </a:moveTo>
               <a:lnTo>
-                <a:pt x="0" y="436919"/>
+                <a:pt x="45720" y="2105908"/>
               </a:lnTo>
               <a:lnTo>
-                <a:pt x="112294" y="436919"/>
+                <a:pt x="132877" y="2105908"/>
               </a:lnTo>
             </a:path>
           </a:pathLst>
@@ -5923,15 +6879,15 @@
         <a:fontRef idx="minor"/>
       </dsp:style>
     </dsp:sp>
-    <dsp:sp modelId="{CE57E79B-91A1-45D9-9054-4AA806126F70}">
+    <dsp:sp modelId="{F47E7DFE-6025-479F-8924-BD5F0FBB723B}">
       <dsp:nvSpPr>
         <dsp:cNvPr id="0" name=""/>
         <dsp:cNvSpPr/>
       </dsp:nvSpPr>
       <dsp:spPr>
         <a:xfrm>
-          <a:off x="4593121" y="2827571"/>
-          <a:ext cx="444284" cy="191168"/>
+          <a:off x="5522859" y="3218469"/>
+          <a:ext cx="91440" cy="1296957"/>
         </a:xfrm>
         <a:custGeom>
           <a:avLst/>
@@ -5942,16 +6898,13 @@
           <a:pathLst>
             <a:path>
               <a:moveTo>
-                <a:pt x="444284" y="0"/>
+                <a:pt x="45720" y="0"/>
               </a:moveTo>
               <a:lnTo>
-                <a:pt x="444284" y="108834"/>
+                <a:pt x="45720" y="1296957"/>
               </a:lnTo>
               <a:lnTo>
-                <a:pt x="0" y="108834"/>
-              </a:lnTo>
-              <a:lnTo>
-                <a:pt x="0" y="191168"/>
+                <a:pt x="137014" y="1296957"/>
               </a:lnTo>
             </a:path>
           </a:pathLst>
@@ -5985,15 +6938,15 @@
         <a:fontRef idx="minor"/>
       </dsp:style>
     </dsp:sp>
-    <dsp:sp modelId="{E9DF77F9-A7A8-4C25-8840-B0CBC3B54A41}">
+    <dsp:sp modelId="{494C062B-A136-488A-92E0-72A9B999A4C7}">
       <dsp:nvSpPr>
         <dsp:cNvPr id="0" name=""/>
         <dsp:cNvSpPr/>
       </dsp:nvSpPr>
       <dsp:spPr>
         <a:xfrm>
-          <a:off x="5037406" y="2270833"/>
-          <a:ext cx="3327321" cy="164669"/>
+          <a:off x="5522859" y="3218469"/>
+          <a:ext cx="91440" cy="509975"/>
         </a:xfrm>
         <a:custGeom>
           <a:avLst/>
@@ -6004,16 +6957,13 @@
           <a:pathLst>
             <a:path>
               <a:moveTo>
-                <a:pt x="3327321" y="0"/>
+                <a:pt x="45720" y="0"/>
               </a:moveTo>
               <a:lnTo>
-                <a:pt x="3327321" y="82334"/>
+                <a:pt x="45720" y="509975"/>
               </a:lnTo>
               <a:lnTo>
-                <a:pt x="0" y="82334"/>
-              </a:lnTo>
-              <a:lnTo>
-                <a:pt x="0" y="164669"/>
+                <a:pt x="132877" y="509975"/>
               </a:lnTo>
             </a:path>
           </a:pathLst>
@@ -6047,15 +6997,316 @@
         <a:fontRef idx="minor"/>
       </dsp:style>
     </dsp:sp>
-    <dsp:sp modelId="{58A7D03D-DE21-4D2A-AB70-798F7F5CC173}">
+    <dsp:sp modelId="{520D2C64-044E-4AE5-9052-90F1A25D6BCA}">
       <dsp:nvSpPr>
         <dsp:cNvPr id="0" name=""/>
         <dsp:cNvSpPr/>
       </dsp:nvSpPr>
       <dsp:spPr>
         <a:xfrm>
-          <a:off x="4639905" y="1572245"/>
-          <a:ext cx="3724822" cy="306519"/>
+          <a:off x="5800998" y="1967607"/>
+          <a:ext cx="1711347" cy="111832"/>
+        </a:xfrm>
+        <a:custGeom>
+          <a:avLst/>
+          <a:gdLst/>
+          <a:ahLst/>
+          <a:cxnLst/>
+          <a:rect l="0" t="0" r="0" b="0"/>
+          <a:pathLst>
+            <a:path>
+              <a:moveTo>
+                <a:pt x="1711347" y="0"/>
+              </a:moveTo>
+              <a:lnTo>
+                <a:pt x="1711347" y="55916"/>
+              </a:lnTo>
+              <a:lnTo>
+                <a:pt x="0" y="55916"/>
+              </a:lnTo>
+              <a:lnTo>
+                <a:pt x="0" y="111832"/>
+              </a:lnTo>
+            </a:path>
+          </a:pathLst>
+        </a:custGeom>
+        <a:noFill/>
+        <a:ln w="12700" cap="flat" cmpd="sng" algn="ctr">
+          <a:solidFill>
+            <a:schemeClr val="accent1">
+              <a:shade val="80000"/>
+              <a:hueOff val="0"/>
+              <a:satOff val="0"/>
+              <a:lumOff val="0"/>
+              <a:alphaOff val="0"/>
+            </a:schemeClr>
+          </a:solidFill>
+          <a:prstDash val="solid"/>
+          <a:miter lim="800000"/>
+        </a:ln>
+        <a:effectLst/>
+      </dsp:spPr>
+      <dsp:style>
+        <a:lnRef idx="2">
+          <a:scrgbClr r="0" g="0" b="0"/>
+        </a:lnRef>
+        <a:fillRef idx="0">
+          <a:scrgbClr r="0" g="0" b="0"/>
+        </a:fillRef>
+        <a:effectRef idx="0">
+          <a:scrgbClr r="0" g="0" b="0"/>
+        </a:effectRef>
+        <a:fontRef idx="minor"/>
+      </dsp:style>
+    </dsp:sp>
+    <dsp:sp modelId="{2F305A85-6178-4EF2-8EA7-22D27AAE2DEF}">
+      <dsp:nvSpPr>
+        <dsp:cNvPr id="0" name=""/>
+        <dsp:cNvSpPr/>
+      </dsp:nvSpPr>
+      <dsp:spPr>
+        <a:xfrm>
+          <a:off x="4740507" y="2813525"/>
+          <a:ext cx="91440" cy="2302533"/>
+        </a:xfrm>
+        <a:custGeom>
+          <a:avLst/>
+          <a:gdLst/>
+          <a:ahLst/>
+          <a:cxnLst/>
+          <a:rect l="0" t="0" r="0" b="0"/>
+          <a:pathLst>
+            <a:path>
+              <a:moveTo>
+                <a:pt x="45720" y="0"/>
+              </a:moveTo>
+              <a:lnTo>
+                <a:pt x="45720" y="2302533"/>
+              </a:lnTo>
+              <a:lnTo>
+                <a:pt x="125600" y="2302533"/>
+              </a:lnTo>
+            </a:path>
+          </a:pathLst>
+        </a:custGeom>
+        <a:noFill/>
+        <a:ln w="12700" cap="flat" cmpd="sng" algn="ctr">
+          <a:solidFill>
+            <a:schemeClr val="accent1">
+              <a:shade val="80000"/>
+              <a:hueOff val="0"/>
+              <a:satOff val="0"/>
+              <a:lumOff val="0"/>
+              <a:alphaOff val="0"/>
+            </a:schemeClr>
+          </a:solidFill>
+          <a:prstDash val="solid"/>
+          <a:miter lim="800000"/>
+        </a:ln>
+        <a:effectLst/>
+      </dsp:spPr>
+      <dsp:style>
+        <a:lnRef idx="2">
+          <a:scrgbClr r="0" g="0" b="0"/>
+        </a:lnRef>
+        <a:fillRef idx="0">
+          <a:scrgbClr r="0" g="0" b="0"/>
+        </a:fillRef>
+        <a:effectRef idx="0">
+          <a:scrgbClr r="0" g="0" b="0"/>
+        </a:effectRef>
+        <a:fontRef idx="minor"/>
+      </dsp:style>
+    </dsp:sp>
+    <dsp:sp modelId="{779DDC95-C78F-47F2-827D-246A24C3D463}">
+      <dsp:nvSpPr>
+        <dsp:cNvPr id="0" name=""/>
+        <dsp:cNvSpPr/>
+      </dsp:nvSpPr>
+      <dsp:spPr>
+        <a:xfrm>
+          <a:off x="4740507" y="2813525"/>
+          <a:ext cx="91440" cy="1377231"/>
+        </a:xfrm>
+        <a:custGeom>
+          <a:avLst/>
+          <a:gdLst/>
+          <a:ahLst/>
+          <a:cxnLst/>
+          <a:rect l="0" t="0" r="0" b="0"/>
+          <a:pathLst>
+            <a:path>
+              <a:moveTo>
+                <a:pt x="45720" y="0"/>
+              </a:moveTo>
+              <a:lnTo>
+                <a:pt x="45720" y="1377231"/>
+              </a:lnTo>
+              <a:lnTo>
+                <a:pt x="125600" y="1377231"/>
+              </a:lnTo>
+            </a:path>
+          </a:pathLst>
+        </a:custGeom>
+        <a:noFill/>
+        <a:ln w="12700" cap="flat" cmpd="sng" algn="ctr">
+          <a:solidFill>
+            <a:schemeClr val="accent1">
+              <a:shade val="80000"/>
+              <a:hueOff val="0"/>
+              <a:satOff val="0"/>
+              <a:lumOff val="0"/>
+              <a:alphaOff val="0"/>
+            </a:schemeClr>
+          </a:solidFill>
+          <a:prstDash val="solid"/>
+          <a:miter lim="800000"/>
+        </a:ln>
+        <a:effectLst/>
+      </dsp:spPr>
+      <dsp:style>
+        <a:lnRef idx="2">
+          <a:scrgbClr r="0" g="0" b="0"/>
+        </a:lnRef>
+        <a:fillRef idx="0">
+          <a:scrgbClr r="0" g="0" b="0"/>
+        </a:fillRef>
+        <a:effectRef idx="0">
+          <a:scrgbClr r="0" g="0" b="0"/>
+        </a:effectRef>
+        <a:fontRef idx="minor"/>
+      </dsp:style>
+    </dsp:sp>
+    <dsp:sp modelId="{485591B9-5708-47A2-BAA5-824FF6E2DD2F}">
+      <dsp:nvSpPr>
+        <dsp:cNvPr id="0" name=""/>
+        <dsp:cNvSpPr/>
+      </dsp:nvSpPr>
+      <dsp:spPr>
+        <a:xfrm>
+          <a:off x="4740507" y="2813525"/>
+          <a:ext cx="91440" cy="498217"/>
+        </a:xfrm>
+        <a:custGeom>
+          <a:avLst/>
+          <a:gdLst/>
+          <a:ahLst/>
+          <a:cxnLst/>
+          <a:rect l="0" t="0" r="0" b="0"/>
+          <a:pathLst>
+            <a:path>
+              <a:moveTo>
+                <a:pt x="45720" y="0"/>
+              </a:moveTo>
+              <a:lnTo>
+                <a:pt x="45720" y="498217"/>
+              </a:lnTo>
+              <a:lnTo>
+                <a:pt x="125600" y="498217"/>
+              </a:lnTo>
+            </a:path>
+          </a:pathLst>
+        </a:custGeom>
+        <a:noFill/>
+        <a:ln w="12700" cap="flat" cmpd="sng" algn="ctr">
+          <a:solidFill>
+            <a:schemeClr val="accent1">
+              <a:shade val="80000"/>
+              <a:hueOff val="0"/>
+              <a:satOff val="0"/>
+              <a:lumOff val="0"/>
+              <a:alphaOff val="0"/>
+            </a:schemeClr>
+          </a:solidFill>
+          <a:prstDash val="solid"/>
+          <a:miter lim="800000"/>
+        </a:ln>
+        <a:effectLst/>
+      </dsp:spPr>
+      <dsp:style>
+        <a:lnRef idx="2">
+          <a:scrgbClr r="0" g="0" b="0"/>
+        </a:lnRef>
+        <a:fillRef idx="0">
+          <a:scrgbClr r="0" g="0" b="0"/>
+        </a:fillRef>
+        <a:effectRef idx="0">
+          <a:scrgbClr r="0" g="0" b="0"/>
+        </a:effectRef>
+        <a:fontRef idx="minor"/>
+      </dsp:style>
+    </dsp:sp>
+    <dsp:sp modelId="{DCA1E5F4-90DF-4E81-A0D7-28A5F3B01880}">
+      <dsp:nvSpPr>
+        <dsp:cNvPr id="0" name=""/>
+        <dsp:cNvSpPr/>
+      </dsp:nvSpPr>
+      <dsp:spPr>
+        <a:xfrm>
+          <a:off x="4999241" y="1967607"/>
+          <a:ext cx="2513104" cy="111832"/>
+        </a:xfrm>
+        <a:custGeom>
+          <a:avLst/>
+          <a:gdLst/>
+          <a:ahLst/>
+          <a:cxnLst/>
+          <a:rect l="0" t="0" r="0" b="0"/>
+          <a:pathLst>
+            <a:path>
+              <a:moveTo>
+                <a:pt x="2513104" y="0"/>
+              </a:moveTo>
+              <a:lnTo>
+                <a:pt x="2513104" y="55916"/>
+              </a:lnTo>
+              <a:lnTo>
+                <a:pt x="0" y="55916"/>
+              </a:lnTo>
+              <a:lnTo>
+                <a:pt x="0" y="111832"/>
+              </a:lnTo>
+            </a:path>
+          </a:pathLst>
+        </a:custGeom>
+        <a:noFill/>
+        <a:ln w="12700" cap="flat" cmpd="sng" algn="ctr">
+          <a:solidFill>
+            <a:schemeClr val="accent1">
+              <a:shade val="80000"/>
+              <a:hueOff val="0"/>
+              <a:satOff val="0"/>
+              <a:lumOff val="0"/>
+              <a:alphaOff val="0"/>
+            </a:schemeClr>
+          </a:solidFill>
+          <a:prstDash val="solid"/>
+          <a:miter lim="800000"/>
+        </a:ln>
+        <a:effectLst/>
+      </dsp:spPr>
+      <dsp:style>
+        <a:lnRef idx="2">
+          <a:scrgbClr r="0" g="0" b="0"/>
+        </a:lnRef>
+        <a:fillRef idx="0">
+          <a:scrgbClr r="0" g="0" b="0"/>
+        </a:fillRef>
+        <a:effectRef idx="0">
+          <a:scrgbClr r="0" g="0" b="0"/>
+        </a:effectRef>
+        <a:fontRef idx="minor"/>
+      </dsp:style>
+    </dsp:sp>
+    <dsp:sp modelId="{73337C2E-84A7-45D4-BA2B-2EDA4AC1748C}">
+      <dsp:nvSpPr>
+        <dsp:cNvPr id="0" name=""/>
+        <dsp:cNvSpPr/>
+      </dsp:nvSpPr>
+      <dsp:spPr>
+        <a:xfrm>
+          <a:off x="3733950" y="2654683"/>
+          <a:ext cx="140835" cy="596334"/>
         </a:xfrm>
         <a:custGeom>
           <a:avLst/>
@@ -6069,13 +7320,314 @@
                 <a:pt x="0" y="0"/>
               </a:moveTo>
               <a:lnTo>
-                <a:pt x="0" y="224185"/>
+                <a:pt x="0" y="596334"/>
               </a:lnTo>
               <a:lnTo>
-                <a:pt x="3724822" y="224185"/>
+                <a:pt x="140835" y="596334"/>
+              </a:lnTo>
+            </a:path>
+          </a:pathLst>
+        </a:custGeom>
+        <a:noFill/>
+        <a:ln w="12700" cap="flat" cmpd="sng" algn="ctr">
+          <a:solidFill>
+            <a:schemeClr val="accent1">
+              <a:shade val="80000"/>
+              <a:hueOff val="0"/>
+              <a:satOff val="0"/>
+              <a:lumOff val="0"/>
+              <a:alphaOff val="0"/>
+            </a:schemeClr>
+          </a:solidFill>
+          <a:prstDash val="solid"/>
+          <a:miter lim="800000"/>
+        </a:ln>
+        <a:effectLst/>
+      </dsp:spPr>
+      <dsp:style>
+        <a:lnRef idx="2">
+          <a:scrgbClr r="0" g="0" b="0"/>
+        </a:lnRef>
+        <a:fillRef idx="0">
+          <a:scrgbClr r="0" g="0" b="0"/>
+        </a:fillRef>
+        <a:effectRef idx="0">
+          <a:scrgbClr r="0" g="0" b="0"/>
+        </a:effectRef>
+        <a:fontRef idx="minor"/>
+      </dsp:style>
+    </dsp:sp>
+    <dsp:sp modelId="{EFD0AB61-B32D-405D-B64D-49F23D49F0CE}">
+      <dsp:nvSpPr>
+        <dsp:cNvPr id="0" name=""/>
+        <dsp:cNvSpPr/>
+      </dsp:nvSpPr>
+      <dsp:spPr>
+        <a:xfrm>
+          <a:off x="4084587" y="1967607"/>
+          <a:ext cx="3427758" cy="121175"/>
+        </a:xfrm>
+        <a:custGeom>
+          <a:avLst/>
+          <a:gdLst/>
+          <a:ahLst/>
+          <a:cxnLst/>
+          <a:rect l="0" t="0" r="0" b="0"/>
+          <a:pathLst>
+            <a:path>
+              <a:moveTo>
+                <a:pt x="3427758" y="0"/>
+              </a:moveTo>
+              <a:lnTo>
+                <a:pt x="3427758" y="65259"/>
               </a:lnTo>
               <a:lnTo>
-                <a:pt x="3724822" y="306519"/>
+                <a:pt x="0" y="65259"/>
+              </a:lnTo>
+              <a:lnTo>
+                <a:pt x="0" y="121175"/>
+              </a:lnTo>
+            </a:path>
+          </a:pathLst>
+        </a:custGeom>
+        <a:noFill/>
+        <a:ln w="12700" cap="flat" cmpd="sng" algn="ctr">
+          <a:solidFill>
+            <a:schemeClr val="accent1">
+              <a:shade val="80000"/>
+              <a:hueOff val="0"/>
+              <a:satOff val="0"/>
+              <a:lumOff val="0"/>
+              <a:alphaOff val="0"/>
+            </a:schemeClr>
+          </a:solidFill>
+          <a:prstDash val="solid"/>
+          <a:miter lim="800000"/>
+        </a:ln>
+        <a:effectLst/>
+      </dsp:spPr>
+      <dsp:style>
+        <a:lnRef idx="2">
+          <a:scrgbClr r="0" g="0" b="0"/>
+        </a:lnRef>
+        <a:fillRef idx="0">
+          <a:scrgbClr r="0" g="0" b="0"/>
+        </a:fillRef>
+        <a:effectRef idx="0">
+          <a:scrgbClr r="0" g="0" b="0"/>
+        </a:effectRef>
+        <a:fontRef idx="minor"/>
+      </dsp:style>
+    </dsp:sp>
+    <dsp:sp modelId="{91664526-4DB9-413C-9EC3-DA21462838F7}">
+      <dsp:nvSpPr>
+        <dsp:cNvPr id="0" name=""/>
+        <dsp:cNvSpPr/>
+      </dsp:nvSpPr>
+      <dsp:spPr>
+        <a:xfrm>
+          <a:off x="3056171" y="2978155"/>
+          <a:ext cx="91440" cy="1499835"/>
+        </a:xfrm>
+        <a:custGeom>
+          <a:avLst/>
+          <a:gdLst/>
+          <a:ahLst/>
+          <a:cxnLst/>
+          <a:rect l="0" t="0" r="0" b="0"/>
+          <a:pathLst>
+            <a:path>
+              <a:moveTo>
+                <a:pt x="45720" y="0"/>
+              </a:moveTo>
+              <a:lnTo>
+                <a:pt x="45720" y="1499835"/>
+              </a:lnTo>
+              <a:lnTo>
+                <a:pt x="109048" y="1499835"/>
+              </a:lnTo>
+            </a:path>
+          </a:pathLst>
+        </a:custGeom>
+        <a:noFill/>
+        <a:ln w="12700" cap="flat" cmpd="sng" algn="ctr">
+          <a:solidFill>
+            <a:schemeClr val="accent1">
+              <a:shade val="80000"/>
+              <a:hueOff val="0"/>
+              <a:satOff val="0"/>
+              <a:lumOff val="0"/>
+              <a:alphaOff val="0"/>
+            </a:schemeClr>
+          </a:solidFill>
+          <a:prstDash val="solid"/>
+          <a:miter lim="800000"/>
+        </a:ln>
+        <a:effectLst/>
+      </dsp:spPr>
+      <dsp:style>
+        <a:lnRef idx="2">
+          <a:scrgbClr r="0" g="0" b="0"/>
+        </a:lnRef>
+        <a:fillRef idx="0">
+          <a:scrgbClr r="0" g="0" b="0"/>
+        </a:fillRef>
+        <a:effectRef idx="0">
+          <a:scrgbClr r="0" g="0" b="0"/>
+        </a:effectRef>
+        <a:fontRef idx="minor"/>
+      </dsp:style>
+    </dsp:sp>
+    <dsp:sp modelId="{CE57E79B-91A1-45D9-9054-4AA806126F70}">
+      <dsp:nvSpPr>
+        <dsp:cNvPr id="0" name=""/>
+        <dsp:cNvSpPr/>
+      </dsp:nvSpPr>
+      <dsp:spPr>
+        <a:xfrm>
+          <a:off x="3056171" y="2978155"/>
+          <a:ext cx="91440" cy="488207"/>
+        </a:xfrm>
+        <a:custGeom>
+          <a:avLst/>
+          <a:gdLst/>
+          <a:ahLst/>
+          <a:cxnLst/>
+          <a:rect l="0" t="0" r="0" b="0"/>
+          <a:pathLst>
+            <a:path>
+              <a:moveTo>
+                <a:pt x="45720" y="0"/>
+              </a:moveTo>
+              <a:lnTo>
+                <a:pt x="45720" y="488207"/>
+              </a:lnTo>
+              <a:lnTo>
+                <a:pt x="117436" y="488207"/>
+              </a:lnTo>
+            </a:path>
+          </a:pathLst>
+        </a:custGeom>
+        <a:noFill/>
+        <a:ln w="12700" cap="flat" cmpd="sng" algn="ctr">
+          <a:solidFill>
+            <a:schemeClr val="accent1">
+              <a:shade val="80000"/>
+              <a:hueOff val="0"/>
+              <a:satOff val="0"/>
+              <a:lumOff val="0"/>
+              <a:alphaOff val="0"/>
+            </a:schemeClr>
+          </a:solidFill>
+          <a:prstDash val="solid"/>
+          <a:miter lim="800000"/>
+        </a:ln>
+        <a:effectLst/>
+      </dsp:spPr>
+      <dsp:style>
+        <a:lnRef idx="2">
+          <a:scrgbClr r="0" g="0" b="0"/>
+        </a:lnRef>
+        <a:fillRef idx="0">
+          <a:scrgbClr r="0" g="0" b="0"/>
+        </a:fillRef>
+        <a:effectRef idx="0">
+          <a:scrgbClr r="0" g="0" b="0"/>
+        </a:effectRef>
+        <a:fontRef idx="minor"/>
+      </dsp:style>
+    </dsp:sp>
+    <dsp:sp modelId="{E9DF77F9-A7A8-4C25-8840-B0CBC3B54A41}">
+      <dsp:nvSpPr>
+        <dsp:cNvPr id="0" name=""/>
+        <dsp:cNvSpPr/>
+      </dsp:nvSpPr>
+      <dsp:spPr>
+        <a:xfrm>
+          <a:off x="3314905" y="1967607"/>
+          <a:ext cx="4197440" cy="111832"/>
+        </a:xfrm>
+        <a:custGeom>
+          <a:avLst/>
+          <a:gdLst/>
+          <a:ahLst/>
+          <a:cxnLst/>
+          <a:rect l="0" t="0" r="0" b="0"/>
+          <a:pathLst>
+            <a:path>
+              <a:moveTo>
+                <a:pt x="4197440" y="0"/>
+              </a:moveTo>
+              <a:lnTo>
+                <a:pt x="4197440" y="55916"/>
+              </a:lnTo>
+              <a:lnTo>
+                <a:pt x="0" y="55916"/>
+              </a:lnTo>
+              <a:lnTo>
+                <a:pt x="0" y="111832"/>
+              </a:lnTo>
+            </a:path>
+          </a:pathLst>
+        </a:custGeom>
+        <a:noFill/>
+        <a:ln w="12700" cap="flat" cmpd="sng" algn="ctr">
+          <a:solidFill>
+            <a:schemeClr val="accent1">
+              <a:shade val="80000"/>
+              <a:hueOff val="0"/>
+              <a:satOff val="0"/>
+              <a:lumOff val="0"/>
+              <a:alphaOff val="0"/>
+            </a:schemeClr>
+          </a:solidFill>
+          <a:prstDash val="solid"/>
+          <a:miter lim="800000"/>
+        </a:ln>
+        <a:effectLst/>
+      </dsp:spPr>
+      <dsp:style>
+        <a:lnRef idx="2">
+          <a:scrgbClr r="0" g="0" b="0"/>
+        </a:lnRef>
+        <a:fillRef idx="0">
+          <a:scrgbClr r="0" g="0" b="0"/>
+        </a:fillRef>
+        <a:effectRef idx="0">
+          <a:scrgbClr r="0" g="0" b="0"/>
+        </a:effectRef>
+        <a:fontRef idx="minor"/>
+      </dsp:style>
+    </dsp:sp>
+    <dsp:sp modelId="{58A7D03D-DE21-4D2A-AB70-798F7F5CC173}">
+      <dsp:nvSpPr>
+        <dsp:cNvPr id="0" name=""/>
+        <dsp:cNvSpPr/>
+      </dsp:nvSpPr>
+      <dsp:spPr>
+        <a:xfrm>
+          <a:off x="4160531" y="1476938"/>
+          <a:ext cx="3351814" cy="208167"/>
+        </a:xfrm>
+        <a:custGeom>
+          <a:avLst/>
+          <a:gdLst/>
+          <a:ahLst/>
+          <a:cxnLst/>
+          <a:rect l="0" t="0" r="0" b="0"/>
+          <a:pathLst>
+            <a:path>
+              <a:moveTo>
+                <a:pt x="0" y="0"/>
+              </a:moveTo>
+              <a:lnTo>
+                <a:pt x="0" y="152251"/>
+              </a:lnTo>
+              <a:lnTo>
+                <a:pt x="3351814" y="152251"/>
+              </a:lnTo>
+              <a:lnTo>
+                <a:pt x="3351814" y="208167"/>
               </a:lnTo>
             </a:path>
           </a:pathLst>
@@ -6109,15 +7661,15 @@
         <a:fontRef idx="minor"/>
       </dsp:style>
     </dsp:sp>
-    <dsp:sp modelId="{D5CD53A4-F7BE-464C-AC03-488250BE654E}">
+    <dsp:sp modelId="{97F904FE-713C-4227-8346-FFE81448AF6C}">
       <dsp:nvSpPr>
         <dsp:cNvPr id="0" name=""/>
         <dsp:cNvSpPr/>
       </dsp:nvSpPr>
       <dsp:spPr>
         <a:xfrm>
-          <a:off x="3123230" y="3043939"/>
-          <a:ext cx="117620" cy="609604"/>
+          <a:off x="2278595" y="2897518"/>
+          <a:ext cx="109701" cy="1892770"/>
         </a:xfrm>
         <a:custGeom>
           <a:avLst/>
@@ -6131,10 +7683,10 @@
                 <a:pt x="0" y="0"/>
               </a:moveTo>
               <a:lnTo>
-                <a:pt x="0" y="609604"/>
+                <a:pt x="0" y="1892770"/>
               </a:lnTo>
               <a:lnTo>
-                <a:pt x="117620" y="609604"/>
+                <a:pt x="109701" y="1892770"/>
               </a:lnTo>
             </a:path>
           </a:pathLst>
@@ -6168,15 +7720,15 @@
         <a:fontRef idx="minor"/>
       </dsp:style>
     </dsp:sp>
-    <dsp:sp modelId="{F86FCEE3-0E56-43A0-B480-F308801B86C6}">
+    <dsp:sp modelId="{BF95CEE1-0524-4F85-AE7B-48959E566471}">
       <dsp:nvSpPr>
         <dsp:cNvPr id="0" name=""/>
         <dsp:cNvSpPr/>
       </dsp:nvSpPr>
       <dsp:spPr>
         <a:xfrm>
-          <a:off x="2069647" y="2241503"/>
-          <a:ext cx="1367238" cy="193999"/>
+          <a:off x="2278595" y="2897518"/>
+          <a:ext cx="109701" cy="1105614"/>
         </a:xfrm>
         <a:custGeom>
           <a:avLst/>
@@ -6190,13 +7742,10 @@
                 <a:pt x="0" y="0"/>
               </a:moveTo>
               <a:lnTo>
-                <a:pt x="0" y="111665"/>
+                <a:pt x="0" y="1105614"/>
               </a:lnTo>
               <a:lnTo>
-                <a:pt x="1367238" y="111665"/>
-              </a:lnTo>
-              <a:lnTo>
-                <a:pt x="1367238" y="193999"/>
+                <a:pt x="109701" y="1105614"/>
               </a:lnTo>
             </a:path>
           </a:pathLst>
@@ -6230,15 +7779,15 @@
         <a:fontRef idx="minor"/>
       </dsp:style>
     </dsp:sp>
-    <dsp:sp modelId="{AFD63886-2D9C-4A3F-95AF-EA105D23C88D}">
+    <dsp:sp modelId="{D5CD53A4-F7BE-464C-AC03-488250BE654E}">
       <dsp:nvSpPr>
         <dsp:cNvPr id="0" name=""/>
         <dsp:cNvSpPr/>
       </dsp:nvSpPr>
       <dsp:spPr>
         <a:xfrm>
-          <a:off x="1978389" y="2827571"/>
-          <a:ext cx="117620" cy="1246589"/>
+          <a:off x="2278595" y="2897518"/>
+          <a:ext cx="109701" cy="414002"/>
         </a:xfrm>
         <a:custGeom>
           <a:avLst/>
@@ -6252,10 +7801,10 @@
                 <a:pt x="0" y="0"/>
               </a:moveTo>
               <a:lnTo>
-                <a:pt x="0" y="1246589"/>
+                <a:pt x="0" y="414002"/>
               </a:lnTo>
               <a:lnTo>
-                <a:pt x="117620" y="1246589"/>
+                <a:pt x="109701" y="414002"/>
               </a:lnTo>
             </a:path>
           </a:pathLst>
@@ -6289,15 +7838,15 @@
         <a:fontRef idx="minor"/>
       </dsp:style>
     </dsp:sp>
-    <dsp:sp modelId="{DF491AA7-2609-4004-9172-94358970DEFA}">
+    <dsp:sp modelId="{F86FCEE3-0E56-43A0-B480-F308801B86C6}">
       <dsp:nvSpPr>
         <dsp:cNvPr id="0" name=""/>
         <dsp:cNvSpPr/>
       </dsp:nvSpPr>
       <dsp:spPr>
         <a:xfrm>
-          <a:off x="1978389" y="2827571"/>
-          <a:ext cx="117620" cy="415697"/>
+          <a:off x="1577443" y="1936912"/>
+          <a:ext cx="993690" cy="131751"/>
         </a:xfrm>
         <a:custGeom>
           <a:avLst/>
@@ -6311,10 +7860,13 @@
                 <a:pt x="0" y="0"/>
               </a:moveTo>
               <a:lnTo>
-                <a:pt x="0" y="415697"/>
+                <a:pt x="0" y="75835"/>
               </a:lnTo>
               <a:lnTo>
-                <a:pt x="117620" y="415697"/>
+                <a:pt x="993690" y="75835"/>
+              </a:lnTo>
+              <a:lnTo>
+                <a:pt x="993690" y="131751"/>
               </a:lnTo>
             </a:path>
           </a:pathLst>
@@ -6348,15 +7900,15 @@
         <a:fontRef idx="minor"/>
       </dsp:style>
     </dsp:sp>
-    <dsp:sp modelId="{F4B1F69A-56D4-474E-8F40-ABA6F6E62EA1}">
+    <dsp:sp modelId="{AFD63886-2D9C-4A3F-95AF-EA105D23C88D}">
       <dsp:nvSpPr>
         <dsp:cNvPr id="0" name=""/>
         <dsp:cNvSpPr/>
       </dsp:nvSpPr>
       <dsp:spPr>
         <a:xfrm>
-          <a:off x="2069647" y="2241503"/>
-          <a:ext cx="222397" cy="193999"/>
+          <a:off x="1305188" y="2672182"/>
+          <a:ext cx="91440" cy="1369632"/>
         </a:xfrm>
         <a:custGeom>
           <a:avLst/>
@@ -6367,16 +7919,13 @@
           <a:pathLst>
             <a:path>
               <a:moveTo>
-                <a:pt x="0" y="0"/>
+                <a:pt x="45720" y="0"/>
               </a:moveTo>
               <a:lnTo>
-                <a:pt x="0" y="111665"/>
+                <a:pt x="45720" y="1369632"/>
               </a:lnTo>
               <a:lnTo>
-                <a:pt x="222397" y="111665"/>
-              </a:lnTo>
-              <a:lnTo>
-                <a:pt x="222397" y="193999"/>
+                <a:pt x="125600" y="1369632"/>
               </a:lnTo>
             </a:path>
           </a:pathLst>
@@ -6410,15 +7959,15 @@
         <a:fontRef idx="minor"/>
       </dsp:style>
     </dsp:sp>
-    <dsp:sp modelId="{C134C906-810F-4953-9B94-F46FB84BAC3C}">
+    <dsp:sp modelId="{DF491AA7-2609-4004-9172-94358970DEFA}">
       <dsp:nvSpPr>
         <dsp:cNvPr id="0" name=""/>
         <dsp:cNvSpPr/>
       </dsp:nvSpPr>
       <dsp:spPr>
         <a:xfrm>
-          <a:off x="1029582" y="2827571"/>
-          <a:ext cx="117620" cy="1199388"/>
+          <a:off x="1305188" y="2672182"/>
+          <a:ext cx="91440" cy="441703"/>
         </a:xfrm>
         <a:custGeom>
           <a:avLst/>
@@ -6429,13 +7978,13 @@
           <a:pathLst>
             <a:path>
               <a:moveTo>
-                <a:pt x="0" y="0"/>
+                <a:pt x="45720" y="0"/>
               </a:moveTo>
               <a:lnTo>
-                <a:pt x="0" y="1199388"/>
+                <a:pt x="45720" y="441703"/>
               </a:lnTo>
               <a:lnTo>
-                <a:pt x="117620" y="1199388"/>
+                <a:pt x="125600" y="441703"/>
               </a:lnTo>
             </a:path>
           </a:pathLst>
@@ -6469,15 +8018,15 @@
         <a:fontRef idx="minor"/>
       </dsp:style>
     </dsp:sp>
-    <dsp:sp modelId="{C79509A8-C35F-46AB-A074-7B8DEE5D237D}">
+    <dsp:sp modelId="{F4B1F69A-56D4-474E-8F40-ABA6F6E62EA1}">
       <dsp:nvSpPr>
         <dsp:cNvPr id="0" name=""/>
         <dsp:cNvSpPr/>
       </dsp:nvSpPr>
       <dsp:spPr>
         <a:xfrm>
-          <a:off x="1029582" y="2827571"/>
-          <a:ext cx="117620" cy="448630"/>
+          <a:off x="1518202" y="1936912"/>
+          <a:ext cx="91440" cy="131751"/>
         </a:xfrm>
         <a:custGeom>
           <a:avLst/>
@@ -6488,13 +8037,16 @@
           <a:pathLst>
             <a:path>
               <a:moveTo>
-                <a:pt x="0" y="0"/>
+                <a:pt x="59241" y="0"/>
               </a:moveTo>
               <a:lnTo>
-                <a:pt x="0" y="448630"/>
+                <a:pt x="59241" y="75835"/>
               </a:lnTo>
               <a:lnTo>
-                <a:pt x="117620" y="448630"/>
+                <a:pt x="45720" y="75835"/>
+              </a:lnTo>
+              <a:lnTo>
+                <a:pt x="45720" y="131751"/>
               </a:lnTo>
             </a:path>
           </a:pathLst>
@@ -6528,15 +8080,15 @@
         <a:fontRef idx="minor"/>
       </dsp:style>
     </dsp:sp>
-    <dsp:sp modelId="{8231ACE8-FC84-4A8D-94AC-EB56CD6C62A3}">
+    <dsp:sp modelId="{C134C906-810F-4953-9B94-F46FB84BAC3C}">
       <dsp:nvSpPr>
         <dsp:cNvPr id="0" name=""/>
         <dsp:cNvSpPr/>
       </dsp:nvSpPr>
       <dsp:spPr>
         <a:xfrm>
-          <a:off x="1343237" y="2241503"/>
-          <a:ext cx="726409" cy="193999"/>
+          <a:off x="660822" y="2667924"/>
+          <a:ext cx="91440" cy="1622900"/>
         </a:xfrm>
         <a:custGeom>
           <a:avLst/>
@@ -6547,16 +8099,13 @@
           <a:pathLst>
             <a:path>
               <a:moveTo>
-                <a:pt x="726409" y="0"/>
+                <a:pt x="45720" y="0"/>
               </a:moveTo>
               <a:lnTo>
-                <a:pt x="726409" y="111665"/>
+                <a:pt x="45720" y="1622900"/>
               </a:lnTo>
               <a:lnTo>
-                <a:pt x="0" y="111665"/>
-              </a:lnTo>
-              <a:lnTo>
-                <a:pt x="0" y="193999"/>
+                <a:pt x="125600" y="1622900"/>
               </a:lnTo>
             </a:path>
           </a:pathLst>
@@ -6590,15 +8139,15 @@
         <a:fontRef idx="minor"/>
       </dsp:style>
     </dsp:sp>
-    <dsp:sp modelId="{22E5391B-784F-4143-B6B3-25B2FC68E290}">
+    <dsp:sp modelId="{C79509A8-C35F-46AB-A074-7B8DEE5D237D}">
       <dsp:nvSpPr>
         <dsp:cNvPr id="0" name=""/>
         <dsp:cNvSpPr/>
       </dsp:nvSpPr>
       <dsp:spPr>
         <a:xfrm>
-          <a:off x="80775" y="2827571"/>
-          <a:ext cx="117620" cy="2286997"/>
+          <a:off x="660822" y="2667924"/>
+          <a:ext cx="91440" cy="578691"/>
         </a:xfrm>
         <a:custGeom>
           <a:avLst/>
@@ -6609,13 +8158,13 @@
           <a:pathLst>
             <a:path>
               <a:moveTo>
-                <a:pt x="0" y="0"/>
+                <a:pt x="45720" y="0"/>
               </a:moveTo>
               <a:lnTo>
-                <a:pt x="0" y="2286997"/>
+                <a:pt x="45720" y="578691"/>
               </a:lnTo>
               <a:lnTo>
-                <a:pt x="117620" y="2286997"/>
+                <a:pt x="125600" y="578691"/>
               </a:lnTo>
             </a:path>
           </a:pathLst>
@@ -6649,15 +8198,15 @@
         <a:fontRef idx="minor"/>
       </dsp:style>
     </dsp:sp>
-    <dsp:sp modelId="{6BAE05D9-6A41-4091-95E8-68A33DF82B14}">
+    <dsp:sp modelId="{8231ACE8-FC84-4A8D-94AC-EB56CD6C62A3}">
       <dsp:nvSpPr>
         <dsp:cNvPr id="0" name=""/>
         <dsp:cNvSpPr/>
       </dsp:nvSpPr>
       <dsp:spPr>
         <a:xfrm>
-          <a:off x="80775" y="2827571"/>
-          <a:ext cx="117620" cy="1402981"/>
+          <a:off x="919556" y="1936912"/>
+          <a:ext cx="657887" cy="131751"/>
         </a:xfrm>
         <a:custGeom>
           <a:avLst/>
@@ -6668,13 +8217,16 @@
           <a:pathLst>
             <a:path>
               <a:moveTo>
-                <a:pt x="0" y="0"/>
+                <a:pt x="657887" y="0"/>
               </a:moveTo>
               <a:lnTo>
-                <a:pt x="0" y="1402981"/>
+                <a:pt x="657887" y="75835"/>
               </a:lnTo>
               <a:lnTo>
-                <a:pt x="117620" y="1402981"/>
+                <a:pt x="0" y="75835"/>
+              </a:lnTo>
+              <a:lnTo>
+                <a:pt x="0" y="131751"/>
               </a:lnTo>
             </a:path>
           </a:pathLst>
@@ -6708,15 +8260,15 @@
         <a:fontRef idx="minor"/>
       </dsp:style>
     </dsp:sp>
-    <dsp:sp modelId="{8A3670DB-3CE8-4868-9FC4-A1C9C06459E0}">
+    <dsp:sp modelId="{22E5391B-784F-4143-B6B3-25B2FC68E290}">
       <dsp:nvSpPr>
         <dsp:cNvPr id="0" name=""/>
         <dsp:cNvSpPr/>
       </dsp:nvSpPr>
       <dsp:spPr>
         <a:xfrm>
-          <a:off x="35055" y="2827571"/>
-          <a:ext cx="91440" cy="384063"/>
+          <a:off x="16456" y="2965057"/>
+          <a:ext cx="91440" cy="1862040"/>
         </a:xfrm>
         <a:custGeom>
           <a:avLst/>
@@ -6730,10 +8282,10 @@
                 <a:pt x="45720" y="0"/>
               </a:moveTo>
               <a:lnTo>
-                <a:pt x="45720" y="384063"/>
+                <a:pt x="45720" y="1862040"/>
               </a:lnTo>
               <a:lnTo>
-                <a:pt x="114826" y="384063"/>
+                <a:pt x="125600" y="1862040"/>
               </a:lnTo>
             </a:path>
           </a:pathLst>
@@ -6767,15 +8319,15 @@
         <a:fontRef idx="minor"/>
       </dsp:style>
     </dsp:sp>
-    <dsp:sp modelId="{2F5DF828-87F4-4FEB-9424-6DE04A74B74C}">
+    <dsp:sp modelId="{8A3670DB-3CE8-4868-9FC4-A1C9C06459E0}">
       <dsp:nvSpPr>
         <dsp:cNvPr id="0" name=""/>
         <dsp:cNvSpPr/>
       </dsp:nvSpPr>
       <dsp:spPr>
         <a:xfrm>
-          <a:off x="394430" y="2241503"/>
-          <a:ext cx="1675216" cy="193999"/>
+          <a:off x="16456" y="2965057"/>
+          <a:ext cx="91440" cy="582792"/>
         </a:xfrm>
         <a:custGeom>
           <a:avLst/>
@@ -6786,16 +8338,13 @@
           <a:pathLst>
             <a:path>
               <a:moveTo>
-                <a:pt x="1675216" y="0"/>
+                <a:pt x="45720" y="0"/>
               </a:moveTo>
               <a:lnTo>
-                <a:pt x="1675216" y="111665"/>
+                <a:pt x="45720" y="582792"/>
               </a:lnTo>
               <a:lnTo>
-                <a:pt x="0" y="111665"/>
-              </a:lnTo>
-              <a:lnTo>
-                <a:pt x="0" y="193999"/>
+                <a:pt x="92652" y="582792"/>
               </a:lnTo>
             </a:path>
           </a:pathLst>
@@ -6829,15 +8378,15 @@
         <a:fontRef idx="minor"/>
       </dsp:style>
     </dsp:sp>
-    <dsp:sp modelId="{D5F350A2-DF08-457D-AD3A-C4E861E74202}">
+    <dsp:sp modelId="{2F5DF828-87F4-4FEB-9424-6DE04A74B74C}">
       <dsp:nvSpPr>
         <dsp:cNvPr id="0" name=""/>
         <dsp:cNvSpPr/>
       </dsp:nvSpPr>
       <dsp:spPr>
         <a:xfrm>
-          <a:off x="2069647" y="1572245"/>
-          <a:ext cx="2570257" cy="277188"/>
+          <a:off x="275189" y="1936912"/>
+          <a:ext cx="1302253" cy="131751"/>
         </a:xfrm>
         <a:custGeom>
           <a:avLst/>
@@ -6848,16 +8397,78 @@
           <a:pathLst>
             <a:path>
               <a:moveTo>
-                <a:pt x="2570257" y="0"/>
+                <a:pt x="1302253" y="0"/>
               </a:moveTo>
               <a:lnTo>
-                <a:pt x="2570257" y="194854"/>
+                <a:pt x="1302253" y="75835"/>
               </a:lnTo>
               <a:lnTo>
-                <a:pt x="0" y="194854"/>
+                <a:pt x="0" y="75835"/>
               </a:lnTo>
               <a:lnTo>
-                <a:pt x="0" y="277188"/>
+                <a:pt x="0" y="131751"/>
+              </a:lnTo>
+            </a:path>
+          </a:pathLst>
+        </a:custGeom>
+        <a:noFill/>
+        <a:ln w="12700" cap="flat" cmpd="sng" algn="ctr">
+          <a:solidFill>
+            <a:schemeClr val="accent1">
+              <a:shade val="80000"/>
+              <a:hueOff val="0"/>
+              <a:satOff val="0"/>
+              <a:lumOff val="0"/>
+              <a:alphaOff val="0"/>
+            </a:schemeClr>
+          </a:solidFill>
+          <a:prstDash val="solid"/>
+          <a:miter lim="800000"/>
+        </a:ln>
+        <a:effectLst/>
+      </dsp:spPr>
+      <dsp:style>
+        <a:lnRef idx="2">
+          <a:scrgbClr r="0" g="0" b="0"/>
+        </a:lnRef>
+        <a:fillRef idx="0">
+          <a:scrgbClr r="0" g="0" b="0"/>
+        </a:fillRef>
+        <a:effectRef idx="0">
+          <a:scrgbClr r="0" g="0" b="0"/>
+        </a:effectRef>
+        <a:fontRef idx="minor"/>
+      </dsp:style>
+    </dsp:sp>
+    <dsp:sp modelId="{D5F350A2-DF08-457D-AD3A-C4E861E74202}">
+      <dsp:nvSpPr>
+        <dsp:cNvPr id="0" name=""/>
+        <dsp:cNvSpPr/>
+      </dsp:nvSpPr>
+      <dsp:spPr>
+        <a:xfrm>
+          <a:off x="1577443" y="1476938"/>
+          <a:ext cx="2583088" cy="188248"/>
+        </a:xfrm>
+        <a:custGeom>
+          <a:avLst/>
+          <a:gdLst/>
+          <a:ahLst/>
+          <a:cxnLst/>
+          <a:rect l="0" t="0" r="0" b="0"/>
+          <a:pathLst>
+            <a:path>
+              <a:moveTo>
+                <a:pt x="2583088" y="0"/>
+              </a:moveTo>
+              <a:lnTo>
+                <a:pt x="2583088" y="132332"/>
+              </a:lnTo>
+              <a:lnTo>
+                <a:pt x="0" y="132332"/>
+              </a:lnTo>
+              <a:lnTo>
+                <a:pt x="0" y="188248"/>
               </a:lnTo>
             </a:path>
           </a:pathLst>
@@ -6898,8 +8509,8 @@
       </dsp:nvSpPr>
       <dsp:spPr>
         <a:xfrm>
-          <a:off x="3285177" y="1139432"/>
-          <a:ext cx="2709455" cy="432812"/>
+          <a:off x="2327421" y="950973"/>
+          <a:ext cx="3666220" cy="525965"/>
         </a:xfrm>
         <a:prstGeom prst="rect">
           <a:avLst/>
@@ -6984,8 +8595,8 @@
         </a:p>
       </dsp:txBody>
       <dsp:txXfrm>
-        <a:off x="3285177" y="1139432"/>
-        <a:ext cx="2709455" cy="432812"/>
+        <a:off x="2327421" y="950973"/>
+        <a:ext cx="3666220" cy="525965"/>
       </dsp:txXfrm>
     </dsp:sp>
     <dsp:sp modelId="{944860FD-94E1-4AC6-B10C-17A4ACDE3C20}">
@@ -6995,8 +8606,8 @@
       </dsp:nvSpPr>
       <dsp:spPr>
         <a:xfrm>
-          <a:off x="1677578" y="1849434"/>
-          <a:ext cx="784138" cy="392069"/>
+          <a:off x="1001816" y="1665187"/>
+          <a:ext cx="1151253" cy="271725"/>
         </a:xfrm>
         <a:prstGeom prst="rect">
           <a:avLst/>
@@ -7060,8 +8671,8 @@
         </a:p>
       </dsp:txBody>
       <dsp:txXfrm>
-        <a:off x="1677578" y="1849434"/>
-        <a:ext cx="784138" cy="392069"/>
+        <a:off x="1001816" y="1665187"/>
+        <a:ext cx="1151253" cy="271725"/>
       </dsp:txXfrm>
     </dsp:sp>
     <dsp:sp modelId="{9717F0D1-3146-4E87-A2D2-9ED039501628}">
@@ -7071,8 +8682,8 @@
       </dsp:nvSpPr>
       <dsp:spPr>
         <a:xfrm>
-          <a:off x="2361" y="2435502"/>
-          <a:ext cx="784138" cy="392069"/>
+          <a:off x="8922" y="2068664"/>
+          <a:ext cx="532534" cy="896393"/>
         </a:xfrm>
         <a:prstGeom prst="rect">
           <a:avLst/>
@@ -7131,13 +8742,13 @@
               <a:latin typeface="Times New Roman" panose="02020603050405020304" pitchFamily="18" charset="0"/>
               <a:cs typeface="Times New Roman" panose="02020603050405020304" pitchFamily="18" charset="0"/>
             </a:rPr>
-            <a:t>A.1 Tài khoản</a:t>
+            <a:t>A.1 Tính năng quản lý tài khoản user</a:t>
           </a:r>
         </a:p>
       </dsp:txBody>
       <dsp:txXfrm>
-        <a:off x="2361" y="2435502"/>
-        <a:ext cx="784138" cy="392069"/>
+        <a:off x="8922" y="2068664"/>
+        <a:ext cx="532534" cy="896393"/>
       </dsp:txXfrm>
     </dsp:sp>
     <dsp:sp modelId="{A195EF81-432E-40B1-973A-200211B5B643}">
@@ -7147,8 +8758,8 @@
       </dsp:nvSpPr>
       <dsp:spPr>
         <a:xfrm>
-          <a:off x="149881" y="2877023"/>
-          <a:ext cx="784138" cy="669222"/>
+          <a:off x="109108" y="2998641"/>
+          <a:ext cx="532534" cy="1098415"/>
         </a:xfrm>
         <a:prstGeom prst="rect">
           <a:avLst/>
@@ -7217,19 +8828,19 @@
         </a:p>
       </dsp:txBody>
       <dsp:txXfrm>
-        <a:off x="149881" y="2877023"/>
-        <a:ext cx="784138" cy="669222"/>
+        <a:off x="109108" y="2998641"/>
+        <a:ext cx="532534" cy="1098415"/>
       </dsp:txXfrm>
     </dsp:sp>
-    <dsp:sp modelId="{1507248B-4C77-4B46-962C-0E5912097852}">
+    <dsp:sp modelId="{057ADC8E-D401-4B7A-80F8-965E0B1DE7E7}">
       <dsp:nvSpPr>
         <dsp:cNvPr id="0" name=""/>
         <dsp:cNvSpPr/>
       </dsp:nvSpPr>
       <dsp:spPr>
         <a:xfrm>
-          <a:off x="198395" y="3826132"/>
-          <a:ext cx="784138" cy="808842"/>
+          <a:off x="142056" y="4287137"/>
+          <a:ext cx="532534" cy="1079920"/>
         </a:xfrm>
         <a:prstGeom prst="rect">
           <a:avLst/>
@@ -7293,24 +8904,100 @@
               <a:latin typeface="Times New Roman" panose="02020603050405020304" pitchFamily="18" charset="0"/>
               <a:cs typeface="Times New Roman" panose="02020603050405020304" pitchFamily="18" charset="0"/>
             </a:rPr>
-            <a:t>A.1.2 Tạo tính năng thêm, sửa, xóa, đổi mật khẩu user</a:t>
+            <a:t>A.1.2 Tạo tính năng Phân quyền user</a:t>
           </a:r>
         </a:p>
       </dsp:txBody>
       <dsp:txXfrm>
-        <a:off x="198395" y="3826132"/>
-        <a:ext cx="784138" cy="808842"/>
+        <a:off x="142056" y="4287137"/>
+        <a:ext cx="532534" cy="1079920"/>
       </dsp:txXfrm>
     </dsp:sp>
-    <dsp:sp modelId="{057ADC8E-D401-4B7A-80F8-965E0B1DE7E7}">
+    <dsp:sp modelId="{72041271-086E-4F4E-9BA1-4757A5EBDB5C}">
       <dsp:nvSpPr>
         <dsp:cNvPr id="0" name=""/>
         <dsp:cNvSpPr/>
       </dsp:nvSpPr>
       <dsp:spPr>
         <a:xfrm>
-          <a:off x="198395" y="4799644"/>
-          <a:ext cx="784138" cy="629851"/>
+          <a:off x="653289" y="2068664"/>
+          <a:ext cx="532534" cy="599260"/>
+        </a:xfrm>
+        <a:prstGeom prst="rect">
+          <a:avLst/>
+        </a:prstGeom>
+        <a:solidFill>
+          <a:srgbClr val="00CC99"/>
+        </a:solidFill>
+        <a:ln w="12700" cap="flat" cmpd="sng" algn="ctr">
+          <a:solidFill>
+            <a:schemeClr val="lt1">
+              <a:hueOff val="0"/>
+              <a:satOff val="0"/>
+              <a:lumOff val="0"/>
+              <a:alphaOff val="0"/>
+            </a:schemeClr>
+          </a:solidFill>
+          <a:prstDash val="solid"/>
+          <a:miter lim="800000"/>
+        </a:ln>
+        <a:effectLst/>
+      </dsp:spPr>
+      <dsp:style>
+        <a:lnRef idx="2">
+          <a:scrgbClr r="0" g="0" b="0"/>
+        </a:lnRef>
+        <a:fillRef idx="1">
+          <a:scrgbClr r="0" g="0" b="0"/>
+        </a:fillRef>
+        <a:effectRef idx="0">
+          <a:scrgbClr r="0" g="0" b="0"/>
+        </a:effectRef>
+        <a:fontRef idx="minor">
+          <a:schemeClr val="lt1"/>
+        </a:fontRef>
+      </dsp:style>
+      <dsp:txBody>
+        <a:bodyPr spcFirstLastPara="0" vert="horz" wrap="square" lIns="6985" tIns="6985" rIns="6985" bIns="6985" numCol="1" spcCol="1270" anchor="ctr" anchorCtr="0">
+          <a:noAutofit/>
+        </a:bodyPr>
+        <a:lstStyle/>
+        <a:p>
+          <a:pPr marL="0" lvl="0" indent="0" algn="ctr" defTabSz="488950">
+            <a:lnSpc>
+              <a:spcPct val="90000"/>
+            </a:lnSpc>
+            <a:spcBef>
+              <a:spcPct val="0"/>
+            </a:spcBef>
+            <a:spcAft>
+              <a:spcPct val="35000"/>
+            </a:spcAft>
+            <a:buNone/>
+          </a:pPr>
+          <a:r>
+            <a:rPr lang="en-US" sz="1100" b="0" kern="1200">
+              <a:latin typeface="Times New Roman" panose="02020603050405020304" pitchFamily="18" charset="0"/>
+              <a:cs typeface="Times New Roman" panose="02020603050405020304" pitchFamily="18" charset="0"/>
+            </a:rPr>
+            <a:t>A.2 Tính năng cập nhật suất dạy</a:t>
+          </a:r>
+        </a:p>
+      </dsp:txBody>
+      <dsp:txXfrm>
+        <a:off x="653289" y="2068664"/>
+        <a:ext cx="532534" cy="599260"/>
+      </dsp:txXfrm>
+    </dsp:sp>
+    <dsp:sp modelId="{D87EB8F4-D2A6-420C-A392-0F2348289EAB}">
+      <dsp:nvSpPr>
+        <dsp:cNvPr id="0" name=""/>
+        <dsp:cNvSpPr/>
+      </dsp:nvSpPr>
+      <dsp:spPr>
+        <a:xfrm>
+          <a:off x="786422" y="2779757"/>
+          <a:ext cx="532534" cy="933718"/>
         </a:xfrm>
         <a:prstGeom prst="rect">
           <a:avLst/>
@@ -7374,100 +9061,24 @@
               <a:latin typeface="Times New Roman" panose="02020603050405020304" pitchFamily="18" charset="0"/>
               <a:cs typeface="Times New Roman" panose="02020603050405020304" pitchFamily="18" charset="0"/>
             </a:rPr>
-            <a:t>A.1.3 Tạo tính năng Phân quyền user</a:t>
+            <a:t>A.2.1 Tạo form nhập thông tin suất dạy</a:t>
           </a:r>
         </a:p>
       </dsp:txBody>
       <dsp:txXfrm>
-        <a:off x="198395" y="4799644"/>
-        <a:ext cx="784138" cy="629851"/>
+        <a:off x="786422" y="2779757"/>
+        <a:ext cx="532534" cy="933718"/>
       </dsp:txXfrm>
     </dsp:sp>
-    <dsp:sp modelId="{72041271-086E-4F4E-9BA1-4757A5EBDB5C}">
+    <dsp:sp modelId="{D00CD897-9005-44A3-A210-E3BEA1543754}">
       <dsp:nvSpPr>
         <dsp:cNvPr id="0" name=""/>
         <dsp:cNvSpPr/>
       </dsp:nvSpPr>
       <dsp:spPr>
         <a:xfrm>
-          <a:off x="951168" y="2435502"/>
-          <a:ext cx="784138" cy="392069"/>
-        </a:xfrm>
-        <a:prstGeom prst="rect">
-          <a:avLst/>
-        </a:prstGeom>
-        <a:solidFill>
-          <a:srgbClr val="00CC99"/>
-        </a:solidFill>
-        <a:ln w="12700" cap="flat" cmpd="sng" algn="ctr">
-          <a:solidFill>
-            <a:schemeClr val="lt1">
-              <a:hueOff val="0"/>
-              <a:satOff val="0"/>
-              <a:lumOff val="0"/>
-              <a:alphaOff val="0"/>
-            </a:schemeClr>
-          </a:solidFill>
-          <a:prstDash val="solid"/>
-          <a:miter lim="800000"/>
-        </a:ln>
-        <a:effectLst/>
-      </dsp:spPr>
-      <dsp:style>
-        <a:lnRef idx="2">
-          <a:scrgbClr r="0" g="0" b="0"/>
-        </a:lnRef>
-        <a:fillRef idx="1">
-          <a:scrgbClr r="0" g="0" b="0"/>
-        </a:fillRef>
-        <a:effectRef idx="0">
-          <a:scrgbClr r="0" g="0" b="0"/>
-        </a:effectRef>
-        <a:fontRef idx="minor">
-          <a:schemeClr val="lt1"/>
-        </a:fontRef>
-      </dsp:style>
-      <dsp:txBody>
-        <a:bodyPr spcFirstLastPara="0" vert="horz" wrap="square" lIns="6985" tIns="6985" rIns="6985" bIns="6985" numCol="1" spcCol="1270" anchor="ctr" anchorCtr="0">
-          <a:noAutofit/>
-        </a:bodyPr>
-        <a:lstStyle/>
-        <a:p>
-          <a:pPr marL="0" lvl="0" indent="0" algn="ctr" defTabSz="488950">
-            <a:lnSpc>
-              <a:spcPct val="90000"/>
-            </a:lnSpc>
-            <a:spcBef>
-              <a:spcPct val="0"/>
-            </a:spcBef>
-            <a:spcAft>
-              <a:spcPct val="35000"/>
-            </a:spcAft>
-            <a:buNone/>
-          </a:pPr>
-          <a:r>
-            <a:rPr lang="en-US" sz="1100" b="0" kern="1200">
-              <a:latin typeface="Times New Roman" panose="02020603050405020304" pitchFamily="18" charset="0"/>
-              <a:cs typeface="Times New Roman" panose="02020603050405020304" pitchFamily="18" charset="0"/>
-            </a:rPr>
-            <a:t>A.2 Quản lý suất dạy</a:t>
-          </a:r>
-        </a:p>
-      </dsp:txBody>
-      <dsp:txXfrm>
-        <a:off x="951168" y="2435502"/>
-        <a:ext cx="784138" cy="392069"/>
-      </dsp:txXfrm>
-    </dsp:sp>
-    <dsp:sp modelId="{D87EB8F4-D2A6-420C-A392-0F2348289EAB}">
-      <dsp:nvSpPr>
-        <dsp:cNvPr id="0" name=""/>
-        <dsp:cNvSpPr/>
-      </dsp:nvSpPr>
-      <dsp:spPr>
-        <a:xfrm>
-          <a:off x="1147202" y="2992240"/>
-          <a:ext cx="784138" cy="567923"/>
+          <a:off x="786422" y="3825307"/>
+          <a:ext cx="532534" cy="931034"/>
         </a:xfrm>
         <a:prstGeom prst="rect">
           <a:avLst/>
@@ -7531,24 +9142,100 @@
               <a:latin typeface="Times New Roman" panose="02020603050405020304" pitchFamily="18" charset="0"/>
               <a:cs typeface="Times New Roman" panose="02020603050405020304" pitchFamily="18" charset="0"/>
             </a:rPr>
-            <a:t>A.2.1 Tạo tính năng thống kê suất dạy</a:t>
+            <a:t>A.2.2 Tạo tính năng cập nhật, xóa suất dạy</a:t>
           </a:r>
         </a:p>
       </dsp:txBody>
       <dsp:txXfrm>
-        <a:off x="1147202" y="2992240"/>
-        <a:ext cx="784138" cy="567923"/>
+        <a:off x="786422" y="3825307"/>
+        <a:ext cx="532534" cy="931034"/>
       </dsp:txXfrm>
     </dsp:sp>
-    <dsp:sp modelId="{D00CD897-9005-44A3-A210-E3BEA1543754}">
+    <dsp:sp modelId="{2FFC276A-0E14-472D-A393-466F670FFD91}">
       <dsp:nvSpPr>
         <dsp:cNvPr id="0" name=""/>
         <dsp:cNvSpPr/>
       </dsp:nvSpPr>
       <dsp:spPr>
         <a:xfrm>
-          <a:off x="1147202" y="3724833"/>
-          <a:ext cx="784138" cy="604252"/>
+          <a:off x="1297655" y="2068664"/>
+          <a:ext cx="532534" cy="603518"/>
+        </a:xfrm>
+        <a:prstGeom prst="rect">
+          <a:avLst/>
+        </a:prstGeom>
+        <a:solidFill>
+          <a:srgbClr val="00CC99"/>
+        </a:solidFill>
+        <a:ln w="12700" cap="flat" cmpd="sng" algn="ctr">
+          <a:solidFill>
+            <a:schemeClr val="lt1">
+              <a:hueOff val="0"/>
+              <a:satOff val="0"/>
+              <a:lumOff val="0"/>
+              <a:alphaOff val="0"/>
+            </a:schemeClr>
+          </a:solidFill>
+          <a:prstDash val="solid"/>
+          <a:miter lim="800000"/>
+        </a:ln>
+        <a:effectLst/>
+      </dsp:spPr>
+      <dsp:style>
+        <a:lnRef idx="2">
+          <a:scrgbClr r="0" g="0" b="0"/>
+        </a:lnRef>
+        <a:fillRef idx="1">
+          <a:scrgbClr r="0" g="0" b="0"/>
+        </a:fillRef>
+        <a:effectRef idx="0">
+          <a:scrgbClr r="0" g="0" b="0"/>
+        </a:effectRef>
+        <a:fontRef idx="minor">
+          <a:schemeClr val="lt1"/>
+        </a:fontRef>
+      </dsp:style>
+      <dsp:txBody>
+        <a:bodyPr spcFirstLastPara="0" vert="horz" wrap="square" lIns="6985" tIns="6985" rIns="6985" bIns="6985" numCol="1" spcCol="1270" anchor="ctr" anchorCtr="0">
+          <a:noAutofit/>
+        </a:bodyPr>
+        <a:lstStyle/>
+        <a:p>
+          <a:pPr marL="0" lvl="0" indent="0" algn="ctr" defTabSz="488950">
+            <a:lnSpc>
+              <a:spcPct val="90000"/>
+            </a:lnSpc>
+            <a:spcBef>
+              <a:spcPct val="0"/>
+            </a:spcBef>
+            <a:spcAft>
+              <a:spcPct val="35000"/>
+            </a:spcAft>
+            <a:buNone/>
+          </a:pPr>
+          <a:r>
+            <a:rPr lang="en-US" sz="1100" b="0" kern="1200">
+              <a:latin typeface="Times New Roman" panose="02020603050405020304" pitchFamily="18" charset="0"/>
+              <a:cs typeface="Times New Roman" panose="02020603050405020304" pitchFamily="18" charset="0"/>
+            </a:rPr>
+            <a:t>A.3 Quản lý trang tài liệu</a:t>
+          </a:r>
+        </a:p>
+      </dsp:txBody>
+      <dsp:txXfrm>
+        <a:off x="1297655" y="2068664"/>
+        <a:ext cx="532534" cy="603518"/>
+      </dsp:txXfrm>
+    </dsp:sp>
+    <dsp:sp modelId="{F79599B6-5AA4-419C-A843-B014E267737D}">
+      <dsp:nvSpPr>
+        <dsp:cNvPr id="0" name=""/>
+        <dsp:cNvSpPr/>
+      </dsp:nvSpPr>
+      <dsp:spPr>
+        <a:xfrm>
+          <a:off x="1430788" y="2784014"/>
+          <a:ext cx="662839" cy="659743"/>
         </a:xfrm>
         <a:prstGeom prst="rect">
           <a:avLst/>
@@ -7612,100 +9299,24 @@
               <a:latin typeface="Times New Roman" panose="02020603050405020304" pitchFamily="18" charset="0"/>
               <a:cs typeface="Times New Roman" panose="02020603050405020304" pitchFamily="18" charset="0"/>
             </a:rPr>
-            <a:t>A.2.2 Tạo tính năng cập nhật suất dạy</a:t>
+            <a:t>A.3.1 Tạo tính năng upload file</a:t>
           </a:r>
         </a:p>
       </dsp:txBody>
       <dsp:txXfrm>
-        <a:off x="1147202" y="3724833"/>
-        <a:ext cx="784138" cy="604252"/>
+        <a:off x="1430788" y="2784014"/>
+        <a:ext cx="662839" cy="659743"/>
       </dsp:txXfrm>
     </dsp:sp>
-    <dsp:sp modelId="{2FFC276A-0E14-472D-A393-466F670FFD91}">
+    <dsp:sp modelId="{B21A6AC8-FFF2-425C-AC5E-CA7D615973BB}">
       <dsp:nvSpPr>
         <dsp:cNvPr id="0" name=""/>
         <dsp:cNvSpPr/>
       </dsp:nvSpPr>
       <dsp:spPr>
         <a:xfrm>
-          <a:off x="1899975" y="2435502"/>
-          <a:ext cx="784138" cy="392069"/>
-        </a:xfrm>
-        <a:prstGeom prst="rect">
-          <a:avLst/>
-        </a:prstGeom>
-        <a:solidFill>
-          <a:srgbClr val="00CC99"/>
-        </a:solidFill>
-        <a:ln w="12700" cap="flat" cmpd="sng" algn="ctr">
-          <a:solidFill>
-            <a:schemeClr val="lt1">
-              <a:hueOff val="0"/>
-              <a:satOff val="0"/>
-              <a:lumOff val="0"/>
-              <a:alphaOff val="0"/>
-            </a:schemeClr>
-          </a:solidFill>
-          <a:prstDash val="solid"/>
-          <a:miter lim="800000"/>
-        </a:ln>
-        <a:effectLst/>
-      </dsp:spPr>
-      <dsp:style>
-        <a:lnRef idx="2">
-          <a:scrgbClr r="0" g="0" b="0"/>
-        </a:lnRef>
-        <a:fillRef idx="1">
-          <a:scrgbClr r="0" g="0" b="0"/>
-        </a:fillRef>
-        <a:effectRef idx="0">
-          <a:scrgbClr r="0" g="0" b="0"/>
-        </a:effectRef>
-        <a:fontRef idx="minor">
-          <a:schemeClr val="lt1"/>
-        </a:fontRef>
-      </dsp:style>
-      <dsp:txBody>
-        <a:bodyPr spcFirstLastPara="0" vert="horz" wrap="square" lIns="6985" tIns="6985" rIns="6985" bIns="6985" numCol="1" spcCol="1270" anchor="ctr" anchorCtr="0">
-          <a:noAutofit/>
-        </a:bodyPr>
-        <a:lstStyle/>
-        <a:p>
-          <a:pPr marL="0" lvl="0" indent="0" algn="ctr" defTabSz="488950">
-            <a:lnSpc>
-              <a:spcPct val="90000"/>
-            </a:lnSpc>
-            <a:spcBef>
-              <a:spcPct val="0"/>
-            </a:spcBef>
-            <a:spcAft>
-              <a:spcPct val="35000"/>
-            </a:spcAft>
-            <a:buNone/>
-          </a:pPr>
-          <a:r>
-            <a:rPr lang="en-US" sz="1100" b="0" kern="1200">
-              <a:latin typeface="Times New Roman" panose="02020603050405020304" pitchFamily="18" charset="0"/>
-              <a:cs typeface="Times New Roman" panose="02020603050405020304" pitchFamily="18" charset="0"/>
-            </a:rPr>
-            <a:t>A.3 Quản lý trang tài liệu</a:t>
-          </a:r>
-        </a:p>
-      </dsp:txBody>
-      <dsp:txXfrm>
-        <a:off x="1899975" y="2435502"/>
-        <a:ext cx="784138" cy="392069"/>
-      </dsp:txXfrm>
-    </dsp:sp>
-    <dsp:sp modelId="{F79599B6-5AA4-419C-A843-B014E267737D}">
-      <dsp:nvSpPr>
-        <dsp:cNvPr id="0" name=""/>
-        <dsp:cNvSpPr/>
-      </dsp:nvSpPr>
-      <dsp:spPr>
-        <a:xfrm>
-          <a:off x="2096009" y="2992240"/>
-          <a:ext cx="784138" cy="502056"/>
+          <a:off x="1430788" y="3555590"/>
+          <a:ext cx="695899" cy="972449"/>
         </a:xfrm>
         <a:prstGeom prst="rect">
           <a:avLst/>
@@ -7769,24 +9380,100 @@
               <a:latin typeface="Times New Roman" panose="02020603050405020304" pitchFamily="18" charset="0"/>
               <a:cs typeface="Times New Roman" panose="02020603050405020304" pitchFamily="18" charset="0"/>
             </a:rPr>
-            <a:t>A.3.1 Tạo tính năng upload file</a:t>
+            <a:t>A.3.2 Tạo tính năng thêm, sửa, xóa danh mục tài liệu</a:t>
           </a:r>
         </a:p>
       </dsp:txBody>
       <dsp:txXfrm>
-        <a:off x="2096009" y="2992240"/>
-        <a:ext cx="784138" cy="502056"/>
+        <a:off x="1430788" y="3555590"/>
+        <a:ext cx="695899" cy="972449"/>
       </dsp:txXfrm>
     </dsp:sp>
-    <dsp:sp modelId="{B21A6AC8-FFF2-425C-AC5E-CA7D615973BB}">
+    <dsp:sp modelId="{32C9AB5B-10B9-4F44-9859-626B9D531E18}">
       <dsp:nvSpPr>
         <dsp:cNvPr id="0" name=""/>
         <dsp:cNvSpPr/>
       </dsp:nvSpPr>
       <dsp:spPr>
         <a:xfrm>
-          <a:off x="2096009" y="3658966"/>
-          <a:ext cx="784138" cy="830390"/>
+          <a:off x="2205460" y="2068664"/>
+          <a:ext cx="731345" cy="828854"/>
+        </a:xfrm>
+        <a:prstGeom prst="rect">
+          <a:avLst/>
+        </a:prstGeom>
+        <a:solidFill>
+          <a:srgbClr val="00CC99"/>
+        </a:solidFill>
+        <a:ln w="12700" cap="flat" cmpd="sng" algn="ctr">
+          <a:solidFill>
+            <a:schemeClr val="lt1">
+              <a:hueOff val="0"/>
+              <a:satOff val="0"/>
+              <a:lumOff val="0"/>
+              <a:alphaOff val="0"/>
+            </a:schemeClr>
+          </a:solidFill>
+          <a:prstDash val="solid"/>
+          <a:miter lim="800000"/>
+        </a:ln>
+        <a:effectLst/>
+      </dsp:spPr>
+      <dsp:style>
+        <a:lnRef idx="2">
+          <a:scrgbClr r="0" g="0" b="0"/>
+        </a:lnRef>
+        <a:fillRef idx="1">
+          <a:scrgbClr r="0" g="0" b="0"/>
+        </a:fillRef>
+        <a:effectRef idx="0">
+          <a:scrgbClr r="0" g="0" b="0"/>
+        </a:effectRef>
+        <a:fontRef idx="minor">
+          <a:schemeClr val="lt1"/>
+        </a:fontRef>
+      </dsp:style>
+      <dsp:txBody>
+        <a:bodyPr spcFirstLastPara="0" vert="horz" wrap="square" lIns="6985" tIns="6985" rIns="6985" bIns="6985" numCol="1" spcCol="1270" anchor="ctr" anchorCtr="0">
+          <a:noAutofit/>
+        </a:bodyPr>
+        <a:lstStyle/>
+        <a:p>
+          <a:pPr marL="0" lvl="0" indent="0" algn="ctr" defTabSz="488950">
+            <a:lnSpc>
+              <a:spcPct val="90000"/>
+            </a:lnSpc>
+            <a:spcBef>
+              <a:spcPct val="0"/>
+            </a:spcBef>
+            <a:spcAft>
+              <a:spcPct val="35000"/>
+            </a:spcAft>
+            <a:buNone/>
+          </a:pPr>
+          <a:r>
+            <a:rPr lang="en-US" sz="1100" b="0" kern="1200">
+              <a:latin typeface="Times New Roman" panose="02020603050405020304" pitchFamily="18" charset="0"/>
+              <a:cs typeface="Times New Roman" panose="02020603050405020304" pitchFamily="18" charset="0"/>
+            </a:rPr>
+            <a:t>A.4 Tính năng quản lý thông tin gia sư đăng ký suất dạy</a:t>
+          </a:r>
+        </a:p>
+      </dsp:txBody>
+      <dsp:txXfrm>
+        <a:off x="2205460" y="2068664"/>
+        <a:ext cx="731345" cy="828854"/>
+      </dsp:txXfrm>
+    </dsp:sp>
+    <dsp:sp modelId="{32E150E0-EA9D-4225-9AF4-BA6A76BA4AC2}">
+      <dsp:nvSpPr>
+        <dsp:cNvPr id="0" name=""/>
+        <dsp:cNvSpPr/>
+      </dsp:nvSpPr>
+      <dsp:spPr>
+        <a:xfrm>
+          <a:off x="2388297" y="3009351"/>
+          <a:ext cx="532534" cy="604341"/>
         </a:xfrm>
         <a:prstGeom prst="rect">
           <a:avLst/>
@@ -7850,100 +9537,24 @@
               <a:latin typeface="Times New Roman" panose="02020603050405020304" pitchFamily="18" charset="0"/>
               <a:cs typeface="Times New Roman" panose="02020603050405020304" pitchFamily="18" charset="0"/>
             </a:rPr>
-            <a:t>A.3.2 Tạo tính năng thêm, sửa, xóa danh mục</a:t>
+            <a:t>A.4.1 Tạo tính năng cập nhật thông tin gia sư</a:t>
           </a:r>
         </a:p>
       </dsp:txBody>
       <dsp:txXfrm>
-        <a:off x="2096009" y="3658966"/>
-        <a:ext cx="784138" cy="830390"/>
+        <a:off x="2388297" y="3009351"/>
+        <a:ext cx="532534" cy="604341"/>
       </dsp:txXfrm>
     </dsp:sp>
-    <dsp:sp modelId="{32C9AB5B-10B9-4F44-9859-626B9D531E18}">
+    <dsp:sp modelId="{8026E577-DAFF-4166-AAAC-86AAB87EEC79}">
       <dsp:nvSpPr>
         <dsp:cNvPr id="0" name=""/>
         <dsp:cNvSpPr/>
       </dsp:nvSpPr>
       <dsp:spPr>
         <a:xfrm>
-          <a:off x="3044817" y="2435502"/>
-          <a:ext cx="784138" cy="608436"/>
-        </a:xfrm>
-        <a:prstGeom prst="rect">
-          <a:avLst/>
-        </a:prstGeom>
-        <a:solidFill>
-          <a:srgbClr val="00CC99"/>
-        </a:solidFill>
-        <a:ln w="12700" cap="flat" cmpd="sng" algn="ctr">
-          <a:solidFill>
-            <a:schemeClr val="lt1">
-              <a:hueOff val="0"/>
-              <a:satOff val="0"/>
-              <a:lumOff val="0"/>
-              <a:alphaOff val="0"/>
-            </a:schemeClr>
-          </a:solidFill>
-          <a:prstDash val="solid"/>
-          <a:miter lim="800000"/>
-        </a:ln>
-        <a:effectLst/>
-      </dsp:spPr>
-      <dsp:style>
-        <a:lnRef idx="2">
-          <a:scrgbClr r="0" g="0" b="0"/>
-        </a:lnRef>
-        <a:fillRef idx="1">
-          <a:scrgbClr r="0" g="0" b="0"/>
-        </a:fillRef>
-        <a:effectRef idx="0">
-          <a:scrgbClr r="0" g="0" b="0"/>
-        </a:effectRef>
-        <a:fontRef idx="minor">
-          <a:schemeClr val="lt1"/>
-        </a:fontRef>
-      </dsp:style>
-      <dsp:txBody>
-        <a:bodyPr spcFirstLastPara="0" vert="horz" wrap="square" lIns="6985" tIns="6985" rIns="6985" bIns="6985" numCol="1" spcCol="1270" anchor="ctr" anchorCtr="0">
-          <a:noAutofit/>
-        </a:bodyPr>
-        <a:lstStyle/>
-        <a:p>
-          <a:pPr marL="0" lvl="0" indent="0" algn="ctr" defTabSz="488950">
-            <a:lnSpc>
-              <a:spcPct val="90000"/>
-            </a:lnSpc>
-            <a:spcBef>
-              <a:spcPct val="0"/>
-            </a:spcBef>
-            <a:spcAft>
-              <a:spcPct val="35000"/>
-            </a:spcAft>
-            <a:buNone/>
-          </a:pPr>
-          <a:r>
-            <a:rPr lang="en-US" sz="1100" b="0" kern="1200">
-              <a:latin typeface="Times New Roman" panose="02020603050405020304" pitchFamily="18" charset="0"/>
-              <a:cs typeface="Times New Roman" panose="02020603050405020304" pitchFamily="18" charset="0"/>
-            </a:rPr>
-            <a:t>A.4 Quản lý thông tin gia sư đăng ký suất dạy</a:t>
-          </a:r>
-        </a:p>
-      </dsp:txBody>
-      <dsp:txXfrm>
-        <a:off x="3044817" y="2435502"/>
-        <a:ext cx="784138" cy="608436"/>
-      </dsp:txXfrm>
-    </dsp:sp>
-    <dsp:sp modelId="{32E150E0-EA9D-4225-9AF4-BA6A76BA4AC2}">
-      <dsp:nvSpPr>
-        <dsp:cNvPr id="0" name=""/>
-        <dsp:cNvSpPr/>
-      </dsp:nvSpPr>
-      <dsp:spPr>
-        <a:xfrm>
-          <a:off x="3240851" y="3208608"/>
-          <a:ext cx="784138" cy="889871"/>
+          <a:off x="2388297" y="3725524"/>
+          <a:ext cx="532534" cy="555217"/>
         </a:xfrm>
         <a:prstGeom prst="rect">
           <a:avLst/>
@@ -8007,252 +9618,24 @@
               <a:latin typeface="Times New Roman" panose="02020603050405020304" pitchFamily="18" charset="0"/>
               <a:cs typeface="Times New Roman" panose="02020603050405020304" pitchFamily="18" charset="0"/>
             </a:rPr>
-            <a:t>A.4.1 Tạo tính năng quản lý thông tin gia sư đăng ký suất dạy</a:t>
+            <a:t>A.4.2 Tạo bộ lọc</a:t>
           </a:r>
         </a:p>
       </dsp:txBody>
       <dsp:txXfrm>
-        <a:off x="3240851" y="3208608"/>
-        <a:ext cx="784138" cy="889871"/>
+        <a:off x="2388297" y="3725524"/>
+        <a:ext cx="532534" cy="555217"/>
       </dsp:txXfrm>
     </dsp:sp>
-    <dsp:sp modelId="{02EEE9B5-B9B1-42CF-A276-4C5A2E131847}">
+    <dsp:sp modelId="{623178DC-8111-43B7-8650-A319E423DF9A}">
       <dsp:nvSpPr>
         <dsp:cNvPr id="0" name=""/>
         <dsp:cNvSpPr/>
       </dsp:nvSpPr>
       <dsp:spPr>
         <a:xfrm>
-          <a:off x="7972658" y="1878764"/>
-          <a:ext cx="784138" cy="392069"/>
-        </a:xfrm>
-        <a:prstGeom prst="rect">
-          <a:avLst/>
-        </a:prstGeom>
-        <a:solidFill>
-          <a:schemeClr val="accent2"/>
-        </a:solidFill>
-        <a:ln w="12700" cap="flat" cmpd="sng" algn="ctr">
-          <a:solidFill>
-            <a:schemeClr val="lt1">
-              <a:hueOff val="0"/>
-              <a:satOff val="0"/>
-              <a:lumOff val="0"/>
-              <a:alphaOff val="0"/>
-            </a:schemeClr>
-          </a:solidFill>
-          <a:prstDash val="solid"/>
-          <a:miter lim="800000"/>
-        </a:ln>
-        <a:effectLst/>
-      </dsp:spPr>
-      <dsp:style>
-        <a:lnRef idx="2">
-          <a:scrgbClr r="0" g="0" b="0"/>
-        </a:lnRef>
-        <a:fillRef idx="1">
-          <a:scrgbClr r="0" g="0" b="0"/>
-        </a:fillRef>
-        <a:effectRef idx="0">
-          <a:scrgbClr r="0" g="0" b="0"/>
-        </a:effectRef>
-        <a:fontRef idx="minor">
-          <a:schemeClr val="lt1"/>
-        </a:fontRef>
-      </dsp:style>
-      <dsp:txBody>
-        <a:bodyPr spcFirstLastPara="0" vert="horz" wrap="square" lIns="6985" tIns="6985" rIns="6985" bIns="6985" numCol="1" spcCol="1270" anchor="ctr" anchorCtr="0">
-          <a:noAutofit/>
-        </a:bodyPr>
-        <a:lstStyle/>
-        <a:p>
-          <a:pPr marL="0" lvl="0" indent="0" algn="ctr" defTabSz="488950">
-            <a:lnSpc>
-              <a:spcPct val="90000"/>
-            </a:lnSpc>
-            <a:spcBef>
-              <a:spcPct val="0"/>
-            </a:spcBef>
-            <a:spcAft>
-              <a:spcPct val="35000"/>
-            </a:spcAft>
-            <a:buNone/>
-          </a:pPr>
-          <a:r>
-            <a:rPr lang="en-US" sz="1100" b="0" kern="1200">
-              <a:latin typeface="Times New Roman" panose="02020603050405020304" pitchFamily="18" charset="0"/>
-              <a:cs typeface="Times New Roman" panose="02020603050405020304" pitchFamily="18" charset="0"/>
-            </a:rPr>
-            <a:t>B. USER</a:t>
-          </a:r>
-        </a:p>
-      </dsp:txBody>
-      <dsp:txXfrm>
-        <a:off x="7972658" y="1878764"/>
-        <a:ext cx="784138" cy="392069"/>
-      </dsp:txXfrm>
-    </dsp:sp>
-    <dsp:sp modelId="{B18747D8-A8AC-417D-B464-BDA8C868E1C1}">
-      <dsp:nvSpPr>
-        <dsp:cNvPr id="0" name=""/>
-        <dsp:cNvSpPr/>
-      </dsp:nvSpPr>
-      <dsp:spPr>
-        <a:xfrm>
-          <a:off x="4645337" y="2435502"/>
-          <a:ext cx="784138" cy="392069"/>
-        </a:xfrm>
-        <a:prstGeom prst="rect">
-          <a:avLst/>
-        </a:prstGeom>
-        <a:solidFill>
-          <a:srgbClr val="00CC99"/>
-        </a:solidFill>
-        <a:ln w="12700" cap="flat" cmpd="sng" algn="ctr">
-          <a:solidFill>
-            <a:schemeClr val="lt1">
-              <a:hueOff val="0"/>
-              <a:satOff val="0"/>
-              <a:lumOff val="0"/>
-              <a:alphaOff val="0"/>
-            </a:schemeClr>
-          </a:solidFill>
-          <a:prstDash val="solid"/>
-          <a:miter lim="800000"/>
-        </a:ln>
-        <a:effectLst/>
-      </dsp:spPr>
-      <dsp:style>
-        <a:lnRef idx="2">
-          <a:scrgbClr r="0" g="0" b="0"/>
-        </a:lnRef>
-        <a:fillRef idx="1">
-          <a:scrgbClr r="0" g="0" b="0"/>
-        </a:fillRef>
-        <a:effectRef idx="0">
-          <a:scrgbClr r="0" g="0" b="0"/>
-        </a:effectRef>
-        <a:fontRef idx="minor">
-          <a:schemeClr val="lt1"/>
-        </a:fontRef>
-      </dsp:style>
-      <dsp:txBody>
-        <a:bodyPr spcFirstLastPara="0" vert="horz" wrap="square" lIns="6985" tIns="6985" rIns="6985" bIns="6985" numCol="1" spcCol="1270" anchor="ctr" anchorCtr="0">
-          <a:noAutofit/>
-        </a:bodyPr>
-        <a:lstStyle/>
-        <a:p>
-          <a:pPr marL="0" lvl="0" indent="0" algn="ctr" defTabSz="488950">
-            <a:lnSpc>
-              <a:spcPct val="90000"/>
-            </a:lnSpc>
-            <a:spcBef>
-              <a:spcPct val="0"/>
-            </a:spcBef>
-            <a:spcAft>
-              <a:spcPct val="35000"/>
-            </a:spcAft>
-            <a:buNone/>
-          </a:pPr>
-          <a:r>
-            <a:rPr lang="en-US" sz="1100" b="0" kern="1200">
-              <a:latin typeface="Times New Roman" panose="02020603050405020304" pitchFamily="18" charset="0"/>
-              <a:cs typeface="Times New Roman" panose="02020603050405020304" pitchFamily="18" charset="0"/>
-            </a:rPr>
-            <a:t> B.1 Tài khoản</a:t>
-          </a:r>
-        </a:p>
-      </dsp:txBody>
-      <dsp:txXfrm>
-        <a:off x="4645337" y="2435502"/>
-        <a:ext cx="784138" cy="392069"/>
-      </dsp:txXfrm>
-    </dsp:sp>
-    <dsp:sp modelId="{5B5A2CFE-D8A2-4D10-A223-7C772AA3761E}">
-      <dsp:nvSpPr>
-        <dsp:cNvPr id="0" name=""/>
-        <dsp:cNvSpPr/>
-      </dsp:nvSpPr>
-      <dsp:spPr>
-        <a:xfrm>
-          <a:off x="4177637" y="3018740"/>
-          <a:ext cx="830966" cy="596023"/>
-        </a:xfrm>
-        <a:prstGeom prst="rect">
-          <a:avLst/>
-        </a:prstGeom>
-        <a:solidFill>
-          <a:srgbClr val="00CC99"/>
-        </a:solidFill>
-        <a:ln w="12700" cap="flat" cmpd="sng" algn="ctr">
-          <a:solidFill>
-            <a:schemeClr val="lt1">
-              <a:hueOff val="0"/>
-              <a:satOff val="0"/>
-              <a:lumOff val="0"/>
-              <a:alphaOff val="0"/>
-            </a:schemeClr>
-          </a:solidFill>
-          <a:prstDash val="solid"/>
-          <a:miter lim="800000"/>
-        </a:ln>
-        <a:effectLst/>
-      </dsp:spPr>
-      <dsp:style>
-        <a:lnRef idx="2">
-          <a:scrgbClr r="0" g="0" b="0"/>
-        </a:lnRef>
-        <a:fillRef idx="1">
-          <a:scrgbClr r="0" g="0" b="0"/>
-        </a:fillRef>
-        <a:effectRef idx="0">
-          <a:scrgbClr r="0" g="0" b="0"/>
-        </a:effectRef>
-        <a:fontRef idx="minor">
-          <a:schemeClr val="lt1"/>
-        </a:fontRef>
-      </dsp:style>
-      <dsp:txBody>
-        <a:bodyPr spcFirstLastPara="0" vert="horz" wrap="square" lIns="6985" tIns="6985" rIns="6985" bIns="6985" numCol="1" spcCol="1270" anchor="ctr" anchorCtr="0">
-          <a:noAutofit/>
-        </a:bodyPr>
-        <a:lstStyle/>
-        <a:p>
-          <a:pPr marL="0" lvl="0" indent="0" algn="ctr" defTabSz="488950">
-            <a:lnSpc>
-              <a:spcPct val="90000"/>
-            </a:lnSpc>
-            <a:spcBef>
-              <a:spcPct val="0"/>
-            </a:spcBef>
-            <a:spcAft>
-              <a:spcPct val="35000"/>
-            </a:spcAft>
-            <a:buNone/>
-          </a:pPr>
-          <a:r>
-            <a:rPr lang="en-US" sz="1100" b="0" kern="1200">
-              <a:latin typeface="Times New Roman" panose="02020603050405020304" pitchFamily="18" charset="0"/>
-              <a:cs typeface="Times New Roman" panose="02020603050405020304" pitchFamily="18" charset="0"/>
-            </a:rPr>
-            <a:t>B.1.1 Đăng ký, đăng nhập, đăng xuất tài khoản</a:t>
-          </a:r>
-        </a:p>
-      </dsp:txBody>
-      <dsp:txXfrm>
-        <a:off x="4177637" y="3018740"/>
-        <a:ext cx="830966" cy="596023"/>
-      </dsp:txXfrm>
-    </dsp:sp>
-    <dsp:sp modelId="{26F50A34-2972-4CB4-B149-74B75042E0B2}">
-      <dsp:nvSpPr>
-        <dsp:cNvPr id="0" name=""/>
-        <dsp:cNvSpPr/>
-      </dsp:nvSpPr>
-      <dsp:spPr>
-        <a:xfrm>
-          <a:off x="4373029" y="3782542"/>
-          <a:ext cx="736548" cy="538283"/>
+          <a:off x="2388297" y="4392573"/>
+          <a:ext cx="532534" cy="795430"/>
         </a:xfrm>
         <a:prstGeom prst="rect">
           <a:avLst/>
@@ -8316,24 +9699,252 @@
               <a:latin typeface="Times New Roman" panose="02020603050405020304" pitchFamily="18" charset="0"/>
               <a:cs typeface="Times New Roman" panose="02020603050405020304" pitchFamily="18" charset="0"/>
             </a:rPr>
-            <a:t>B.1.1.1 Tạo trang đăng ký</a:t>
+            <a:t>A.4.3 Thiết kế bố cục trang</a:t>
           </a:r>
         </a:p>
       </dsp:txBody>
       <dsp:txXfrm>
-        <a:off x="4373029" y="3782542"/>
-        <a:ext cx="736548" cy="538283"/>
+        <a:off x="2388297" y="4392573"/>
+        <a:ext cx="532534" cy="795430"/>
       </dsp:txXfrm>
     </dsp:sp>
-    <dsp:sp modelId="{F39452D4-698F-41D6-9282-939800A13C4F}">
+    <dsp:sp modelId="{02EEE9B5-B9B1-42CF-A276-4C5A2E131847}">
       <dsp:nvSpPr>
         <dsp:cNvPr id="0" name=""/>
         <dsp:cNvSpPr/>
       </dsp:nvSpPr>
       <dsp:spPr>
         <a:xfrm>
-          <a:off x="4397400" y="4455885"/>
-          <a:ext cx="712177" cy="464519"/>
+          <a:off x="6921342" y="1685106"/>
+          <a:ext cx="1182007" cy="282501"/>
+        </a:xfrm>
+        <a:prstGeom prst="rect">
+          <a:avLst/>
+        </a:prstGeom>
+        <a:solidFill>
+          <a:schemeClr val="accent2"/>
+        </a:solidFill>
+        <a:ln w="12700" cap="flat" cmpd="sng" algn="ctr">
+          <a:solidFill>
+            <a:schemeClr val="lt1">
+              <a:hueOff val="0"/>
+              <a:satOff val="0"/>
+              <a:lumOff val="0"/>
+              <a:alphaOff val="0"/>
+            </a:schemeClr>
+          </a:solidFill>
+          <a:prstDash val="solid"/>
+          <a:miter lim="800000"/>
+        </a:ln>
+        <a:effectLst/>
+      </dsp:spPr>
+      <dsp:style>
+        <a:lnRef idx="2">
+          <a:scrgbClr r="0" g="0" b="0"/>
+        </a:lnRef>
+        <a:fillRef idx="1">
+          <a:scrgbClr r="0" g="0" b="0"/>
+        </a:fillRef>
+        <a:effectRef idx="0">
+          <a:scrgbClr r="0" g="0" b="0"/>
+        </a:effectRef>
+        <a:fontRef idx="minor">
+          <a:schemeClr val="lt1"/>
+        </a:fontRef>
+      </dsp:style>
+      <dsp:txBody>
+        <a:bodyPr spcFirstLastPara="0" vert="horz" wrap="square" lIns="6985" tIns="6985" rIns="6985" bIns="6985" numCol="1" spcCol="1270" anchor="ctr" anchorCtr="0">
+          <a:noAutofit/>
+        </a:bodyPr>
+        <a:lstStyle/>
+        <a:p>
+          <a:pPr marL="0" lvl="0" indent="0" algn="ctr" defTabSz="488950">
+            <a:lnSpc>
+              <a:spcPct val="90000"/>
+            </a:lnSpc>
+            <a:spcBef>
+              <a:spcPct val="0"/>
+            </a:spcBef>
+            <a:spcAft>
+              <a:spcPct val="35000"/>
+            </a:spcAft>
+            <a:buNone/>
+          </a:pPr>
+          <a:r>
+            <a:rPr lang="en-US" sz="1100" b="0" kern="1200">
+              <a:latin typeface="Times New Roman" panose="02020603050405020304" pitchFamily="18" charset="0"/>
+              <a:cs typeface="Times New Roman" panose="02020603050405020304" pitchFamily="18" charset="0"/>
+            </a:rPr>
+            <a:t>B. USER</a:t>
+          </a:r>
+        </a:p>
+      </dsp:txBody>
+      <dsp:txXfrm>
+        <a:off x="6921342" y="1685106"/>
+        <a:ext cx="1182007" cy="282501"/>
+      </dsp:txXfrm>
+    </dsp:sp>
+    <dsp:sp modelId="{B18747D8-A8AC-417D-B464-BDA8C868E1C1}">
+      <dsp:nvSpPr>
+        <dsp:cNvPr id="0" name=""/>
+        <dsp:cNvSpPr/>
+      </dsp:nvSpPr>
+      <dsp:spPr>
+        <a:xfrm>
+          <a:off x="3048638" y="2079440"/>
+          <a:ext cx="532534" cy="898715"/>
+        </a:xfrm>
+        <a:prstGeom prst="rect">
+          <a:avLst/>
+        </a:prstGeom>
+        <a:solidFill>
+          <a:srgbClr val="00CC99"/>
+        </a:solidFill>
+        <a:ln w="12700" cap="flat" cmpd="sng" algn="ctr">
+          <a:solidFill>
+            <a:schemeClr val="lt1">
+              <a:hueOff val="0"/>
+              <a:satOff val="0"/>
+              <a:lumOff val="0"/>
+              <a:alphaOff val="0"/>
+            </a:schemeClr>
+          </a:solidFill>
+          <a:prstDash val="solid"/>
+          <a:miter lim="800000"/>
+        </a:ln>
+        <a:effectLst/>
+      </dsp:spPr>
+      <dsp:style>
+        <a:lnRef idx="2">
+          <a:scrgbClr r="0" g="0" b="0"/>
+        </a:lnRef>
+        <a:fillRef idx="1">
+          <a:scrgbClr r="0" g="0" b="0"/>
+        </a:fillRef>
+        <a:effectRef idx="0">
+          <a:scrgbClr r="0" g="0" b="0"/>
+        </a:effectRef>
+        <a:fontRef idx="minor">
+          <a:schemeClr val="lt1"/>
+        </a:fontRef>
+      </dsp:style>
+      <dsp:txBody>
+        <a:bodyPr spcFirstLastPara="0" vert="horz" wrap="square" lIns="6985" tIns="6985" rIns="6985" bIns="6985" numCol="1" spcCol="1270" anchor="ctr" anchorCtr="0">
+          <a:noAutofit/>
+        </a:bodyPr>
+        <a:lstStyle/>
+        <a:p>
+          <a:pPr marL="0" lvl="0" indent="0" algn="ctr" defTabSz="488950">
+            <a:lnSpc>
+              <a:spcPct val="90000"/>
+            </a:lnSpc>
+            <a:spcBef>
+              <a:spcPct val="0"/>
+            </a:spcBef>
+            <a:spcAft>
+              <a:spcPct val="35000"/>
+            </a:spcAft>
+            <a:buNone/>
+          </a:pPr>
+          <a:r>
+            <a:rPr lang="en-US" sz="1100" b="0" kern="1200">
+              <a:latin typeface="Times New Roman" panose="02020603050405020304" pitchFamily="18" charset="0"/>
+              <a:cs typeface="Times New Roman" panose="02020603050405020304" pitchFamily="18" charset="0"/>
+            </a:rPr>
+            <a:t> B.1 Tính năng quản lý tài khoản</a:t>
+          </a:r>
+        </a:p>
+      </dsp:txBody>
+      <dsp:txXfrm>
+        <a:off x="3048638" y="2079440"/>
+        <a:ext cx="532534" cy="898715"/>
+      </dsp:txXfrm>
+    </dsp:sp>
+    <dsp:sp modelId="{5B5A2CFE-D8A2-4D10-A223-7C772AA3761E}">
+      <dsp:nvSpPr>
+        <dsp:cNvPr id="0" name=""/>
+        <dsp:cNvSpPr/>
+      </dsp:nvSpPr>
+      <dsp:spPr>
+        <a:xfrm>
+          <a:off x="3173608" y="3107984"/>
+          <a:ext cx="564337" cy="716756"/>
+        </a:xfrm>
+        <a:prstGeom prst="rect">
+          <a:avLst/>
+        </a:prstGeom>
+        <a:solidFill>
+          <a:srgbClr val="0070C0"/>
+        </a:solidFill>
+        <a:ln w="12700" cap="flat" cmpd="sng" algn="ctr">
+          <a:solidFill>
+            <a:schemeClr val="lt1">
+              <a:hueOff val="0"/>
+              <a:satOff val="0"/>
+              <a:lumOff val="0"/>
+              <a:alphaOff val="0"/>
+            </a:schemeClr>
+          </a:solidFill>
+          <a:prstDash val="solid"/>
+          <a:miter lim="800000"/>
+        </a:ln>
+        <a:effectLst/>
+      </dsp:spPr>
+      <dsp:style>
+        <a:lnRef idx="2">
+          <a:scrgbClr r="0" g="0" b="0"/>
+        </a:lnRef>
+        <a:fillRef idx="1">
+          <a:scrgbClr r="0" g="0" b="0"/>
+        </a:fillRef>
+        <a:effectRef idx="0">
+          <a:scrgbClr r="0" g="0" b="0"/>
+        </a:effectRef>
+        <a:fontRef idx="minor">
+          <a:schemeClr val="lt1"/>
+        </a:fontRef>
+      </dsp:style>
+      <dsp:txBody>
+        <a:bodyPr spcFirstLastPara="0" vert="horz" wrap="square" lIns="6985" tIns="6985" rIns="6985" bIns="6985" numCol="1" spcCol="1270" anchor="ctr" anchorCtr="0">
+          <a:noAutofit/>
+        </a:bodyPr>
+        <a:lstStyle/>
+        <a:p>
+          <a:pPr marL="0" lvl="0" indent="0" algn="ctr" defTabSz="488950">
+            <a:lnSpc>
+              <a:spcPct val="90000"/>
+            </a:lnSpc>
+            <a:spcBef>
+              <a:spcPct val="0"/>
+            </a:spcBef>
+            <a:spcAft>
+              <a:spcPct val="35000"/>
+            </a:spcAft>
+            <a:buNone/>
+          </a:pPr>
+          <a:r>
+            <a:rPr lang="en-US" sz="1100" b="0" kern="1200">
+              <a:latin typeface="Times New Roman" panose="02020603050405020304" pitchFamily="18" charset="0"/>
+              <a:cs typeface="Times New Roman" panose="02020603050405020304" pitchFamily="18" charset="0"/>
+            </a:rPr>
+            <a:t>B.1.1 Tạo tính năng đổi mật khẩu</a:t>
+          </a:r>
+        </a:p>
+      </dsp:txBody>
+      <dsp:txXfrm>
+        <a:off x="3173608" y="3107984"/>
+        <a:ext cx="564337" cy="716756"/>
+      </dsp:txXfrm>
+    </dsp:sp>
+    <dsp:sp modelId="{26F50A34-2972-4CB4-B149-74B75042E0B2}">
+      <dsp:nvSpPr>
+        <dsp:cNvPr id="0" name=""/>
+        <dsp:cNvSpPr/>
+      </dsp:nvSpPr>
+      <dsp:spPr>
+        <a:xfrm>
+          <a:off x="3165220" y="3938684"/>
+          <a:ext cx="500214" cy="1078613"/>
         </a:xfrm>
         <a:prstGeom prst="rect">
           <a:avLst/>
@@ -8397,24 +10008,100 @@
               <a:latin typeface="Times New Roman" panose="02020603050405020304" pitchFamily="18" charset="0"/>
               <a:cs typeface="Times New Roman" panose="02020603050405020304" pitchFamily="18" charset="0"/>
             </a:rPr>
-            <a:t>B.1.1.2 Tạo trang đăng nhập</a:t>
+            <a:t>B.1.2 Tạo tính năng chỉnh sửa hồ sơ</a:t>
           </a:r>
         </a:p>
       </dsp:txBody>
       <dsp:txXfrm>
-        <a:off x="4397400" y="4455885"/>
-        <a:ext cx="712177" cy="464519"/>
+        <a:off x="3165220" y="3938684"/>
+        <a:ext cx="500214" cy="1078613"/>
       </dsp:txXfrm>
     </dsp:sp>
-    <dsp:sp modelId="{9E36C3EA-D343-48A9-BED7-585AFBFB178B}">
+    <dsp:sp modelId="{A11CF4DF-4582-472F-9953-7C13703AA3AE}">
       <dsp:nvSpPr>
         <dsp:cNvPr id="0" name=""/>
         <dsp:cNvSpPr/>
       </dsp:nvSpPr>
       <dsp:spPr>
         <a:xfrm>
-          <a:off x="4406794" y="5040194"/>
-          <a:ext cx="698188" cy="491642"/>
+          <a:off x="3646290" y="2088783"/>
+          <a:ext cx="876593" cy="565900"/>
+        </a:xfrm>
+        <a:prstGeom prst="rect">
+          <a:avLst/>
+        </a:prstGeom>
+        <a:solidFill>
+          <a:srgbClr val="00CC99"/>
+        </a:solidFill>
+        <a:ln w="12700" cap="flat" cmpd="sng" algn="ctr">
+          <a:solidFill>
+            <a:schemeClr val="lt1">
+              <a:hueOff val="0"/>
+              <a:satOff val="0"/>
+              <a:lumOff val="0"/>
+              <a:alphaOff val="0"/>
+            </a:schemeClr>
+          </a:solidFill>
+          <a:prstDash val="solid"/>
+          <a:miter lim="800000"/>
+        </a:ln>
+        <a:effectLst/>
+      </dsp:spPr>
+      <dsp:style>
+        <a:lnRef idx="2">
+          <a:scrgbClr r="0" g="0" b="0"/>
+        </a:lnRef>
+        <a:fillRef idx="1">
+          <a:scrgbClr r="0" g="0" b="0"/>
+        </a:fillRef>
+        <a:effectRef idx="0">
+          <a:scrgbClr r="0" g="0" b="0"/>
+        </a:effectRef>
+        <a:fontRef idx="minor">
+          <a:schemeClr val="lt1"/>
+        </a:fontRef>
+      </dsp:style>
+      <dsp:txBody>
+        <a:bodyPr spcFirstLastPara="0" vert="horz" wrap="square" lIns="6985" tIns="6985" rIns="6985" bIns="6985" numCol="1" spcCol="1270" anchor="ctr" anchorCtr="0">
+          <a:noAutofit/>
+        </a:bodyPr>
+        <a:lstStyle/>
+        <a:p>
+          <a:pPr marL="0" lvl="0" indent="0" algn="ctr" defTabSz="488950">
+            <a:lnSpc>
+              <a:spcPct val="90000"/>
+            </a:lnSpc>
+            <a:spcBef>
+              <a:spcPct val="0"/>
+            </a:spcBef>
+            <a:spcAft>
+              <a:spcPct val="35000"/>
+            </a:spcAft>
+            <a:buNone/>
+          </a:pPr>
+          <a:r>
+            <a:rPr lang="en-US" sz="1100" b="0" kern="1200">
+              <a:latin typeface="Times New Roman" panose="02020603050405020304" pitchFamily="18" charset="0"/>
+              <a:cs typeface="Times New Roman" panose="02020603050405020304" pitchFamily="18" charset="0"/>
+            </a:rPr>
+            <a:t>B.2.Tính năng download tài liệu</a:t>
+          </a:r>
+        </a:p>
+      </dsp:txBody>
+      <dsp:txXfrm>
+        <a:off x="3646290" y="2088783"/>
+        <a:ext cx="876593" cy="565900"/>
+      </dsp:txXfrm>
+    </dsp:sp>
+    <dsp:sp modelId="{49B00A58-B398-46D7-A3F4-D5A929224F79}">
+      <dsp:nvSpPr>
+        <dsp:cNvPr id="0" name=""/>
+        <dsp:cNvSpPr/>
+      </dsp:nvSpPr>
+      <dsp:spPr>
+        <a:xfrm>
+          <a:off x="3874785" y="2757172"/>
+          <a:ext cx="708989" cy="987691"/>
         </a:xfrm>
         <a:prstGeom prst="rect">
           <a:avLst/>
@@ -8478,24 +10165,24 @@
               <a:latin typeface="Times New Roman" panose="02020603050405020304" pitchFamily="18" charset="0"/>
               <a:cs typeface="Times New Roman" panose="02020603050405020304" pitchFamily="18" charset="0"/>
             </a:rPr>
-            <a:t>B.1.1.3 Tạo tính năng Đăng xuất</a:t>
+            <a:t>B.2.1 Tạo nút download và hiển thị lượt dowload</a:t>
           </a:r>
         </a:p>
       </dsp:txBody>
       <dsp:txXfrm>
-        <a:off x="4406794" y="5040194"/>
-        <a:ext cx="698188" cy="491642"/>
+        <a:off x="3874785" y="2757172"/>
+        <a:ext cx="708989" cy="987691"/>
       </dsp:txXfrm>
     </dsp:sp>
-    <dsp:sp modelId="{A11CF4DF-4582-472F-9953-7C13703AA3AE}">
+    <dsp:sp modelId="{57B96674-772E-4E2C-94DF-4D142CFE3C18}">
       <dsp:nvSpPr>
         <dsp:cNvPr id="0" name=""/>
         <dsp:cNvSpPr/>
       </dsp:nvSpPr>
       <dsp:spPr>
         <a:xfrm>
-          <a:off x="5116510" y="3005998"/>
-          <a:ext cx="699858" cy="486647"/>
+          <a:off x="4732974" y="2079440"/>
+          <a:ext cx="532534" cy="734084"/>
         </a:xfrm>
         <a:prstGeom prst="rect">
           <a:avLst/>
@@ -8505,12 +10192,12 @@
         </a:solidFill>
         <a:ln w="12700" cap="flat" cmpd="sng" algn="ctr">
           <a:solidFill>
-            <a:schemeClr val="lt1">
+            <a:prstClr val="white">
               <a:hueOff val="0"/>
               <a:satOff val="0"/>
               <a:lumOff val="0"/>
               <a:alphaOff val="0"/>
-            </a:schemeClr>
+            </a:prstClr>
           </a:solidFill>
           <a:prstDash val="solid"/>
           <a:miter lim="800000"/>
@@ -8532,12 +10219,12 @@
         </a:fontRef>
       </dsp:style>
       <dsp:txBody>
-        <a:bodyPr spcFirstLastPara="0" vert="horz" wrap="square" lIns="6985" tIns="6985" rIns="6985" bIns="6985" numCol="1" spcCol="1270" anchor="ctr" anchorCtr="0">
+        <a:bodyPr spcFirstLastPara="0" vert="horz" wrap="square" lIns="8890" tIns="8890" rIns="8890" bIns="8890" numCol="1" spcCol="1270" anchor="ctr" anchorCtr="0">
           <a:noAutofit/>
         </a:bodyPr>
         <a:lstStyle/>
         <a:p>
-          <a:pPr marL="0" lvl="0" indent="0" algn="ctr" defTabSz="488950">
+          <a:pPr marL="0" lvl="0" indent="0" algn="ctr" defTabSz="622300">
             <a:lnSpc>
               <a:spcPct val="90000"/>
             </a:lnSpc>
@@ -8554,24 +10241,35 @@
               <a:latin typeface="Times New Roman" panose="02020603050405020304" pitchFamily="18" charset="0"/>
               <a:cs typeface="Times New Roman" panose="02020603050405020304" pitchFamily="18" charset="0"/>
             </a:rPr>
-            <a:t>B.1.2 Quản lý tài khoản</a:t>
+            <a:t>B.</a:t>
+          </a:r>
+          <a:r>
+            <a:rPr lang="en-US" sz="1100" b="0" kern="1200">
+              <a:solidFill>
+                <a:prstClr val="white"/>
+              </a:solidFill>
+              <a:latin typeface="Times New Roman" panose="02020603050405020304" pitchFamily="18" charset="0"/>
+              <a:ea typeface="+mn-ea"/>
+              <a:cs typeface="Times New Roman" panose="02020603050405020304" pitchFamily="18" charset="0"/>
+            </a:rPr>
+            <a:t>3. Thiết kế bố cục website</a:t>
           </a:r>
         </a:p>
       </dsp:txBody>
       <dsp:txXfrm>
-        <a:off x="5116510" y="3005998"/>
-        <a:ext cx="699858" cy="486647"/>
+        <a:off x="4732974" y="2079440"/>
+        <a:ext cx="532534" cy="734084"/>
       </dsp:txXfrm>
     </dsp:sp>
-    <dsp:sp modelId="{49B00A58-B398-46D7-A3F4-D5A929224F79}">
+    <dsp:sp modelId="{22C5D4E4-B183-4908-A417-8AFC2ABB6675}">
       <dsp:nvSpPr>
         <dsp:cNvPr id="0" name=""/>
         <dsp:cNvSpPr/>
       </dsp:nvSpPr>
       <dsp:spPr>
         <a:xfrm>
-          <a:off x="5305236" y="3643557"/>
-          <a:ext cx="784138" cy="472721"/>
+          <a:off x="4866107" y="2925357"/>
+          <a:ext cx="532534" cy="772770"/>
         </a:xfrm>
         <a:prstGeom prst="rect">
           <a:avLst/>
@@ -8635,24 +10333,24 @@
               <a:latin typeface="Times New Roman" panose="02020603050405020304" pitchFamily="18" charset="0"/>
               <a:cs typeface="Times New Roman" panose="02020603050405020304" pitchFamily="18" charset="0"/>
             </a:rPr>
-            <a:t>B.1.2.1 Tạo tính năng Đổi mật khẩu</a:t>
+            <a:t>B.3.1 Lựa chọn thêm, plugin</a:t>
           </a:r>
         </a:p>
       </dsp:txBody>
       <dsp:txXfrm>
-        <a:off x="5305236" y="3643557"/>
-        <a:ext cx="784138" cy="472721"/>
+        <a:off x="4866107" y="2925357"/>
+        <a:ext cx="532534" cy="772770"/>
       </dsp:txXfrm>
     </dsp:sp>
-    <dsp:sp modelId="{5D81A248-700D-4C8B-9866-4BDDF473C71D}">
+    <dsp:sp modelId="{5A053106-4DC6-4069-98DF-7CCE0F31AF65}">
       <dsp:nvSpPr>
         <dsp:cNvPr id="0" name=""/>
         <dsp:cNvSpPr/>
       </dsp:nvSpPr>
       <dsp:spPr>
         <a:xfrm>
-          <a:off x="5297849" y="4210352"/>
-          <a:ext cx="784138" cy="568437"/>
+          <a:off x="4866107" y="3809960"/>
+          <a:ext cx="601300" cy="761593"/>
         </a:xfrm>
         <a:prstGeom prst="rect">
           <a:avLst/>
@@ -8716,100 +10414,24 @@
               <a:latin typeface="Times New Roman" panose="02020603050405020304" pitchFamily="18" charset="0"/>
               <a:cs typeface="Times New Roman" panose="02020603050405020304" pitchFamily="18" charset="0"/>
             </a:rPr>
-            <a:t>B.1.2.2 Tạo tính năng Chỉnh sửa hồ sơ</a:t>
+            <a:t>B.3.2 Chỉnh sửa menu chính, slidebar</a:t>
           </a:r>
         </a:p>
       </dsp:txBody>
       <dsp:txXfrm>
-        <a:off x="5297849" y="4210352"/>
-        <a:ext cx="784138" cy="568437"/>
+        <a:off x="4866107" y="3809960"/>
+        <a:ext cx="601300" cy="761593"/>
       </dsp:txXfrm>
     </dsp:sp>
-    <dsp:sp modelId="{DFBB2094-69A1-4A52-A92D-360B1A07D1A3}">
+    <dsp:sp modelId="{E62F8C15-1AF4-46B5-8C80-A918F5515FE0}">
       <dsp:nvSpPr>
         <dsp:cNvPr id="0" name=""/>
         <dsp:cNvSpPr/>
       </dsp:nvSpPr>
       <dsp:spPr>
         <a:xfrm>
-          <a:off x="6113031" y="2435502"/>
-          <a:ext cx="784138" cy="392069"/>
-        </a:xfrm>
-        <a:prstGeom prst="rect">
-          <a:avLst/>
-        </a:prstGeom>
-        <a:solidFill>
-          <a:srgbClr val="00CC99"/>
-        </a:solidFill>
-        <a:ln w="12700" cap="flat" cmpd="sng" algn="ctr">
-          <a:solidFill>
-            <a:schemeClr val="lt1">
-              <a:hueOff val="0"/>
-              <a:satOff val="0"/>
-              <a:lumOff val="0"/>
-              <a:alphaOff val="0"/>
-            </a:schemeClr>
-          </a:solidFill>
-          <a:prstDash val="solid"/>
-          <a:miter lim="800000"/>
-        </a:ln>
-        <a:effectLst/>
-      </dsp:spPr>
-      <dsp:style>
-        <a:lnRef idx="2">
-          <a:scrgbClr r="0" g="0" b="0"/>
-        </a:lnRef>
-        <a:fillRef idx="1">
-          <a:scrgbClr r="0" g="0" b="0"/>
-        </a:fillRef>
-        <a:effectRef idx="0">
-          <a:scrgbClr r="0" g="0" b="0"/>
-        </a:effectRef>
-        <a:fontRef idx="minor">
-          <a:schemeClr val="lt1"/>
-        </a:fontRef>
-      </dsp:style>
-      <dsp:txBody>
-        <a:bodyPr spcFirstLastPara="0" vert="horz" wrap="square" lIns="6985" tIns="6985" rIns="6985" bIns="6985" numCol="1" spcCol="1270" anchor="ctr" anchorCtr="0">
-          <a:noAutofit/>
-        </a:bodyPr>
-        <a:lstStyle/>
-        <a:p>
-          <a:pPr marL="0" lvl="0" indent="0" algn="ctr" defTabSz="488950">
-            <a:lnSpc>
-              <a:spcPct val="90000"/>
-            </a:lnSpc>
-            <a:spcBef>
-              <a:spcPct val="0"/>
-            </a:spcBef>
-            <a:spcAft>
-              <a:spcPct val="35000"/>
-            </a:spcAft>
-            <a:buNone/>
-          </a:pPr>
-          <a:r>
-            <a:rPr lang="en-US" sz="1100" b="0" kern="1200">
-              <a:latin typeface="Times New Roman" panose="02020603050405020304" pitchFamily="18" charset="0"/>
-              <a:cs typeface="Times New Roman" panose="02020603050405020304" pitchFamily="18" charset="0"/>
-            </a:rPr>
-            <a:t>B.2. Trang chủ</a:t>
-          </a:r>
-        </a:p>
-      </dsp:txBody>
-      <dsp:txXfrm>
-        <a:off x="6113031" y="2435502"/>
-        <a:ext cx="784138" cy="392069"/>
-      </dsp:txXfrm>
-    </dsp:sp>
-    <dsp:sp modelId="{23CCBA72-FE18-4FD3-A65C-DB406EB3BA0C}">
-      <dsp:nvSpPr>
-        <dsp:cNvPr id="0" name=""/>
-        <dsp:cNvSpPr/>
-      </dsp:nvSpPr>
-      <dsp:spPr>
-        <a:xfrm>
-          <a:off x="6309066" y="2992240"/>
-          <a:ext cx="784138" cy="813680"/>
+          <a:off x="4866107" y="4683385"/>
+          <a:ext cx="532534" cy="865346"/>
         </a:xfrm>
         <a:prstGeom prst="rect">
           <a:avLst/>
@@ -8873,24 +10495,24 @@
               <a:latin typeface="Times New Roman" panose="02020603050405020304" pitchFamily="18" charset="0"/>
               <a:cs typeface="Times New Roman" panose="02020603050405020304" pitchFamily="18" charset="0"/>
             </a:rPr>
-            <a:t>B.2.1 Tạo các đoạn trích dẫn nội dung của các trang khác</a:t>
+            <a:t>B.3.3 Chỉnh sửa header, footer</a:t>
           </a:r>
         </a:p>
       </dsp:txBody>
       <dsp:txXfrm>
-        <a:off x="6309066" y="2992240"/>
-        <a:ext cx="784138" cy="813680"/>
+        <a:off x="4866107" y="4683385"/>
+        <a:ext cx="532534" cy="865346"/>
       </dsp:txXfrm>
     </dsp:sp>
-    <dsp:sp modelId="{57B96674-772E-4E2C-94DF-4D142CFE3C18}">
+    <dsp:sp modelId="{C3614074-BE64-4719-8F4C-2795D39F0663}">
       <dsp:nvSpPr>
         <dsp:cNvPr id="0" name=""/>
         <dsp:cNvSpPr/>
       </dsp:nvSpPr>
       <dsp:spPr>
         <a:xfrm>
-          <a:off x="7061839" y="2435502"/>
-          <a:ext cx="784138" cy="392069"/>
+          <a:off x="5510474" y="2079440"/>
+          <a:ext cx="581047" cy="1139029"/>
         </a:xfrm>
         <a:prstGeom prst="rect">
           <a:avLst/>
@@ -8932,7 +10554,7 @@
         </a:bodyPr>
         <a:lstStyle/>
         <a:p>
-          <a:pPr marL="0" lvl="0" indent="0" algn="ctr" defTabSz="622300">
+          <a:pPr marL="0" lvl="0" indent="0" algn="ctr" defTabSz="488950">
             <a:lnSpc>
               <a:spcPct val="90000"/>
             </a:lnSpc>
@@ -8949,35 +10571,24 @@
               <a:latin typeface="Times New Roman" panose="02020603050405020304" pitchFamily="18" charset="0"/>
               <a:cs typeface="Times New Roman" panose="02020603050405020304" pitchFamily="18" charset="0"/>
             </a:rPr>
-            <a:t>B.</a:t>
-          </a:r>
-          <a:r>
-            <a:rPr lang="en-US" sz="1100" b="0" kern="1200">
-              <a:solidFill>
-                <a:prstClr val="white"/>
-              </a:solidFill>
-              <a:latin typeface="Times New Roman" panose="02020603050405020304" pitchFamily="18" charset="0"/>
-              <a:ea typeface="+mn-ea"/>
-              <a:cs typeface="Times New Roman" panose="02020603050405020304" pitchFamily="18" charset="0"/>
-            </a:rPr>
-            <a:t>3. Giới thiệu</a:t>
+            <a:t>B.4. Tính năng đăng ký, đăng nhập, đăng xuất tài khoản</a:t>
           </a:r>
         </a:p>
       </dsp:txBody>
       <dsp:txXfrm>
-        <a:off x="7061839" y="2435502"/>
-        <a:ext cx="784138" cy="392069"/>
+        <a:off x="5510474" y="2079440"/>
+        <a:ext cx="581047" cy="1139029"/>
       </dsp:txXfrm>
     </dsp:sp>
-    <dsp:sp modelId="{22C5D4E4-B183-4908-A417-8AFC2ABB6675}">
+    <dsp:sp modelId="{98A4BD74-F07E-470E-BABA-EA955F4355E8}">
       <dsp:nvSpPr>
         <dsp:cNvPr id="0" name=""/>
         <dsp:cNvSpPr/>
       </dsp:nvSpPr>
       <dsp:spPr>
         <a:xfrm>
-          <a:off x="7257873" y="2992240"/>
-          <a:ext cx="784138" cy="634669"/>
+          <a:off x="5655736" y="3330301"/>
+          <a:ext cx="532534" cy="796287"/>
         </a:xfrm>
         <a:prstGeom prst="rect">
           <a:avLst/>
@@ -9041,24 +10652,24 @@
               <a:latin typeface="Times New Roman" panose="02020603050405020304" pitchFamily="18" charset="0"/>
               <a:cs typeface="Times New Roman" panose="02020603050405020304" pitchFamily="18" charset="0"/>
             </a:rPr>
-            <a:t>B.3.1 Tạo trang giới thiệu trung tâm</a:t>
+            <a:t>B.4.1 Tạo tính năng đăng xuất</a:t>
           </a:r>
         </a:p>
       </dsp:txBody>
       <dsp:txXfrm>
-        <a:off x="7257873" y="2992240"/>
-        <a:ext cx="784138" cy="634669"/>
+        <a:off x="5655736" y="3330301"/>
+        <a:ext cx="532534" cy="796287"/>
       </dsp:txXfrm>
     </dsp:sp>
-    <dsp:sp modelId="{5A053106-4DC6-4069-98DF-7CCE0F31AF65}">
+    <dsp:sp modelId="{99227BDC-C259-45D0-A460-2210C1707885}">
       <dsp:nvSpPr>
         <dsp:cNvPr id="0" name=""/>
         <dsp:cNvSpPr/>
       </dsp:nvSpPr>
       <dsp:spPr>
         <a:xfrm>
-          <a:off x="7257873" y="3791579"/>
-          <a:ext cx="784138" cy="448225"/>
+          <a:off x="5659874" y="4168081"/>
+          <a:ext cx="532534" cy="694690"/>
         </a:xfrm>
         <a:prstGeom prst="rect">
           <a:avLst/>
@@ -9122,100 +10733,24 @@
               <a:latin typeface="Times New Roman" panose="02020603050405020304" pitchFamily="18" charset="0"/>
               <a:cs typeface="Times New Roman" panose="02020603050405020304" pitchFamily="18" charset="0"/>
             </a:rPr>
-            <a:t>B.3.2 Tạo trang Hướng dẫn</a:t>
+            <a:t>B.4.2 Tạo tính năng đăng nhập</a:t>
           </a:r>
         </a:p>
       </dsp:txBody>
       <dsp:txXfrm>
-        <a:off x="7257873" y="3791579"/>
-        <a:ext cx="784138" cy="448225"/>
+        <a:off x="5659874" y="4168081"/>
+        <a:ext cx="532534" cy="694690"/>
       </dsp:txXfrm>
     </dsp:sp>
-    <dsp:sp modelId="{C3614074-BE64-4719-8F4C-2795D39F0663}">
+    <dsp:sp modelId="{47A8CFEC-4A04-4D93-9934-806CA3DCC72D}">
       <dsp:nvSpPr>
         <dsp:cNvPr id="0" name=""/>
         <dsp:cNvSpPr/>
       </dsp:nvSpPr>
       <dsp:spPr>
         <a:xfrm>
-          <a:off x="8010646" y="2435502"/>
-          <a:ext cx="855573" cy="392069"/>
-        </a:xfrm>
-        <a:prstGeom prst="rect">
-          <a:avLst/>
-        </a:prstGeom>
-        <a:solidFill>
-          <a:srgbClr val="00CC99"/>
-        </a:solidFill>
-        <a:ln w="12700" cap="flat" cmpd="sng" algn="ctr">
-          <a:solidFill>
-            <a:prstClr val="white">
-              <a:hueOff val="0"/>
-              <a:satOff val="0"/>
-              <a:lumOff val="0"/>
-              <a:alphaOff val="0"/>
-            </a:prstClr>
-          </a:solidFill>
-          <a:prstDash val="solid"/>
-          <a:miter lim="800000"/>
-        </a:ln>
-        <a:effectLst/>
-      </dsp:spPr>
-      <dsp:style>
-        <a:lnRef idx="2">
-          <a:scrgbClr r="0" g="0" b="0"/>
-        </a:lnRef>
-        <a:fillRef idx="1">
-          <a:scrgbClr r="0" g="0" b="0"/>
-        </a:fillRef>
-        <a:effectRef idx="0">
-          <a:scrgbClr r="0" g="0" b="0"/>
-        </a:effectRef>
-        <a:fontRef idx="minor">
-          <a:schemeClr val="lt1"/>
-        </a:fontRef>
-      </dsp:style>
-      <dsp:txBody>
-        <a:bodyPr spcFirstLastPara="0" vert="horz" wrap="square" lIns="8890" tIns="8890" rIns="8890" bIns="8890" numCol="1" spcCol="1270" anchor="ctr" anchorCtr="0">
-          <a:noAutofit/>
-        </a:bodyPr>
-        <a:lstStyle/>
-        <a:p>
-          <a:pPr marL="0" lvl="0" indent="0" algn="ctr" defTabSz="488950">
-            <a:lnSpc>
-              <a:spcPct val="90000"/>
-            </a:lnSpc>
-            <a:spcBef>
-              <a:spcPct val="0"/>
-            </a:spcBef>
-            <a:spcAft>
-              <a:spcPct val="35000"/>
-            </a:spcAft>
-            <a:buNone/>
-          </a:pPr>
-          <a:r>
-            <a:rPr lang="en-US" sz="1100" b="0" kern="1200">
-              <a:latin typeface="Times New Roman" panose="02020603050405020304" pitchFamily="18" charset="0"/>
-              <a:cs typeface="Times New Roman" panose="02020603050405020304" pitchFamily="18" charset="0"/>
-            </a:rPr>
-            <a:t>B.4. Danh mục Gia Sư</a:t>
-          </a:r>
-        </a:p>
-      </dsp:txBody>
-      <dsp:txXfrm>
-        <a:off x="8010646" y="2435502"/>
-        <a:ext cx="855573" cy="392069"/>
-      </dsp:txXfrm>
-    </dsp:sp>
-    <dsp:sp modelId="{98A4BD74-F07E-470E-BABA-EA955F4355E8}">
-      <dsp:nvSpPr>
-        <dsp:cNvPr id="0" name=""/>
-        <dsp:cNvSpPr/>
-      </dsp:nvSpPr>
-      <dsp:spPr>
-        <a:xfrm>
-          <a:off x="8224539" y="2992240"/>
-          <a:ext cx="784138" cy="642797"/>
+          <a:off x="5655736" y="4941504"/>
+          <a:ext cx="532534" cy="765746"/>
         </a:xfrm>
         <a:prstGeom prst="rect">
           <a:avLst/>
@@ -9279,24 +10814,100 @@
               <a:latin typeface="Times New Roman" panose="02020603050405020304" pitchFamily="18" charset="0"/>
               <a:cs typeface="Times New Roman" panose="02020603050405020304" pitchFamily="18" charset="0"/>
             </a:rPr>
-            <a:t>B.4.1 Tạo tính năng Đăng ký suất dạy</a:t>
+            <a:t>B.4.3 Tạo tính năng đăng ký</a:t>
           </a:r>
         </a:p>
       </dsp:txBody>
       <dsp:txXfrm>
-        <a:off x="8224539" y="2992240"/>
-        <a:ext cx="784138" cy="642797"/>
+        <a:off x="5655736" y="4941504"/>
+        <a:ext cx="532534" cy="765746"/>
       </dsp:txXfrm>
     </dsp:sp>
-    <dsp:sp modelId="{99227BDC-C259-45D0-A460-2210C1707885}">
+    <dsp:sp modelId="{232BC1A4-5D42-4608-9C98-C1F86B699B19}">
       <dsp:nvSpPr>
         <dsp:cNvPr id="0" name=""/>
         <dsp:cNvSpPr/>
       </dsp:nvSpPr>
       <dsp:spPr>
         <a:xfrm>
-          <a:off x="8230632" y="3696134"/>
-          <a:ext cx="784138" cy="658519"/>
+          <a:off x="6203354" y="2079440"/>
+          <a:ext cx="607360" cy="781549"/>
+        </a:xfrm>
+        <a:prstGeom prst="rect">
+          <a:avLst/>
+        </a:prstGeom>
+        <a:solidFill>
+          <a:srgbClr val="00CC99"/>
+        </a:solidFill>
+        <a:ln w="12700" cap="flat" cmpd="sng" algn="ctr">
+          <a:solidFill>
+            <a:schemeClr val="lt1">
+              <a:hueOff val="0"/>
+              <a:satOff val="0"/>
+              <a:lumOff val="0"/>
+              <a:alphaOff val="0"/>
+            </a:schemeClr>
+          </a:solidFill>
+          <a:prstDash val="solid"/>
+          <a:miter lim="800000"/>
+        </a:ln>
+        <a:effectLst/>
+      </dsp:spPr>
+      <dsp:style>
+        <a:lnRef idx="2">
+          <a:scrgbClr r="0" g="0" b="0"/>
+        </a:lnRef>
+        <a:fillRef idx="1">
+          <a:scrgbClr r="0" g="0" b="0"/>
+        </a:fillRef>
+        <a:effectRef idx="0">
+          <a:scrgbClr r="0" g="0" b="0"/>
+        </a:effectRef>
+        <a:fontRef idx="minor">
+          <a:schemeClr val="lt1"/>
+        </a:fontRef>
+      </dsp:style>
+      <dsp:txBody>
+        <a:bodyPr spcFirstLastPara="0" vert="horz" wrap="square" lIns="6985" tIns="6985" rIns="6985" bIns="6985" numCol="1" spcCol="1270" anchor="ctr" anchorCtr="0">
+          <a:noAutofit/>
+        </a:bodyPr>
+        <a:lstStyle/>
+        <a:p>
+          <a:pPr marL="0" lvl="0" indent="0" algn="ctr" defTabSz="488950">
+            <a:lnSpc>
+              <a:spcPct val="90000"/>
+            </a:lnSpc>
+            <a:spcBef>
+              <a:spcPct val="0"/>
+            </a:spcBef>
+            <a:spcAft>
+              <a:spcPct val="35000"/>
+            </a:spcAft>
+            <a:buNone/>
+          </a:pPr>
+          <a:r>
+            <a:rPr lang="en-US" sz="1100" b="0" kern="1200">
+              <a:latin typeface="Times New Roman" panose="02020603050405020304" pitchFamily="18" charset="0"/>
+              <a:cs typeface="Times New Roman" panose="02020603050405020304" pitchFamily="18" charset="0"/>
+            </a:rPr>
+            <a:t>B.5. Tính năng hiển thị các suất dạy mới</a:t>
+          </a:r>
+        </a:p>
+      </dsp:txBody>
+      <dsp:txXfrm>
+        <a:off x="6203354" y="2079440"/>
+        <a:ext cx="607360" cy="781549"/>
+      </dsp:txXfrm>
+    </dsp:sp>
+    <dsp:sp modelId="{FE752E61-95AF-4158-9A59-C0E65CA926C8}">
+      <dsp:nvSpPr>
+        <dsp:cNvPr id="0" name=""/>
+        <dsp:cNvSpPr/>
+      </dsp:nvSpPr>
+      <dsp:spPr>
+        <a:xfrm>
+          <a:off x="6355194" y="2972821"/>
+          <a:ext cx="532534" cy="803868"/>
         </a:xfrm>
         <a:prstGeom prst="rect">
           <a:avLst/>
@@ -9360,24 +10971,24 @@
               <a:latin typeface="Times New Roman" panose="02020603050405020304" pitchFamily="18" charset="0"/>
               <a:cs typeface="Times New Roman" panose="02020603050405020304" pitchFamily="18" charset="0"/>
             </a:rPr>
-            <a:t>B.4.2 Tạo trang hiển thị các suất dạy mới</a:t>
+            <a:t>B.5.1 Tạo trang hiển thị suất dạy</a:t>
           </a:r>
         </a:p>
       </dsp:txBody>
       <dsp:txXfrm>
-        <a:off x="8230632" y="3696134"/>
-        <a:ext cx="784138" cy="658519"/>
+        <a:off x="6355194" y="2972821"/>
+        <a:ext cx="532534" cy="803868"/>
       </dsp:txXfrm>
     </dsp:sp>
-    <dsp:sp modelId="{47A8CFEC-4A04-4D93-9934-806CA3DCC72D}">
+    <dsp:sp modelId="{91098537-C4A3-489F-9CB3-D301620B7E77}">
       <dsp:nvSpPr>
         <dsp:cNvPr id="0" name=""/>
         <dsp:cNvSpPr/>
       </dsp:nvSpPr>
       <dsp:spPr>
         <a:xfrm>
-          <a:off x="8224539" y="4470584"/>
-          <a:ext cx="784138" cy="573424"/>
+          <a:off x="6355194" y="3888522"/>
+          <a:ext cx="532534" cy="987643"/>
         </a:xfrm>
         <a:prstGeom prst="rect">
           <a:avLst/>
@@ -9441,24 +11052,24 @@
               <a:latin typeface="Times New Roman" panose="02020603050405020304" pitchFamily="18" charset="0"/>
               <a:cs typeface="Times New Roman" panose="02020603050405020304" pitchFamily="18" charset="0"/>
             </a:rPr>
-            <a:t>B.4.3 Thiết lập Bộ lọc tìm kiếm suất dạy</a:t>
+            <a:t>B.5.2 Trích xuất dữ liệu từ CSDL ra</a:t>
           </a:r>
         </a:p>
       </dsp:txBody>
       <dsp:txXfrm>
-        <a:off x="8224539" y="4470584"/>
-        <a:ext cx="784138" cy="573424"/>
+        <a:off x="6355194" y="3888522"/>
+        <a:ext cx="532534" cy="987643"/>
       </dsp:txXfrm>
     </dsp:sp>
-    <dsp:sp modelId="{232BC1A4-5D42-4608-9C98-C1F86B699B19}">
+    <dsp:sp modelId="{CAA2CAD7-F6F3-4272-8434-87A293491845}">
       <dsp:nvSpPr>
         <dsp:cNvPr id="0" name=""/>
         <dsp:cNvSpPr/>
       </dsp:nvSpPr>
       <dsp:spPr>
         <a:xfrm>
-          <a:off x="9030888" y="2435502"/>
-          <a:ext cx="894317" cy="392069"/>
+          <a:off x="6999560" y="2079440"/>
+          <a:ext cx="628028" cy="974510"/>
         </a:xfrm>
         <a:prstGeom prst="rect">
           <a:avLst/>
@@ -9517,24 +11128,24 @@
               <a:latin typeface="Times New Roman" panose="02020603050405020304" pitchFamily="18" charset="0"/>
               <a:cs typeface="Times New Roman" panose="02020603050405020304" pitchFamily="18" charset="0"/>
             </a:rPr>
-            <a:t>B.5. Danh mục Phụ huynh</a:t>
+            <a:t>B.6. Tính năng đăng ký tìm gia sư (cho PH)</a:t>
           </a:r>
         </a:p>
       </dsp:txBody>
       <dsp:txXfrm>
-        <a:off x="9030888" y="2435502"/>
-        <a:ext cx="894317" cy="392069"/>
+        <a:off x="6999560" y="2079440"/>
+        <a:ext cx="628028" cy="974510"/>
       </dsp:txXfrm>
     </dsp:sp>
-    <dsp:sp modelId="{FE752E61-95AF-4158-9A59-C0E65CA926C8}">
+    <dsp:sp modelId="{8BFCFC47-56C4-415E-8026-CC4EC0F7A329}">
       <dsp:nvSpPr>
         <dsp:cNvPr id="0" name=""/>
         <dsp:cNvSpPr/>
       </dsp:nvSpPr>
       <dsp:spPr>
         <a:xfrm>
-          <a:off x="9254467" y="2992240"/>
-          <a:ext cx="784138" cy="660534"/>
+          <a:off x="7156567" y="3165783"/>
+          <a:ext cx="532534" cy="702132"/>
         </a:xfrm>
         <a:prstGeom prst="rect">
           <a:avLst/>
@@ -9598,24 +11209,24 @@
               <a:latin typeface="Times New Roman" panose="02020603050405020304" pitchFamily="18" charset="0"/>
               <a:cs typeface="Times New Roman" panose="02020603050405020304" pitchFamily="18" charset="0"/>
             </a:rPr>
-            <a:t>B.5.1 Tạo tính năng hiển thị gia sư tiêu biểu</a:t>
+            <a:t>B.6.1 Tạo CSDL lưu trữ</a:t>
           </a:r>
         </a:p>
       </dsp:txBody>
       <dsp:txXfrm>
-        <a:off x="9254467" y="2992240"/>
-        <a:ext cx="784138" cy="660534"/>
+        <a:off x="7156567" y="3165783"/>
+        <a:ext cx="532534" cy="702132"/>
       </dsp:txXfrm>
     </dsp:sp>
-    <dsp:sp modelId="{91098537-C4A3-489F-9CB3-D301620B7E77}">
+    <dsp:sp modelId="{60F8C25F-5BC0-4AB1-B365-9DA0AC3B2CB8}">
       <dsp:nvSpPr>
         <dsp:cNvPr id="0" name=""/>
         <dsp:cNvSpPr/>
       </dsp:nvSpPr>
       <dsp:spPr>
         <a:xfrm>
-          <a:off x="9254467" y="3817444"/>
-          <a:ext cx="784138" cy="492917"/>
+          <a:off x="7156567" y="3979748"/>
+          <a:ext cx="532534" cy="858764"/>
         </a:xfrm>
         <a:prstGeom prst="rect">
           <a:avLst/>
@@ -9679,24 +11290,24 @@
               <a:latin typeface="Times New Roman" panose="02020603050405020304" pitchFamily="18" charset="0"/>
               <a:cs typeface="Times New Roman" panose="02020603050405020304" pitchFamily="18" charset="0"/>
             </a:rPr>
-            <a:t>B.5.2 Tạo form Đăng ký tìm gia sư</a:t>
+            <a:t>B.6.2 Tạo form đăng ký tìm gia sư</a:t>
           </a:r>
         </a:p>
       </dsp:txBody>
       <dsp:txXfrm>
-        <a:off x="9254467" y="3817444"/>
-        <a:ext cx="784138" cy="492917"/>
+        <a:off x="7156567" y="3979748"/>
+        <a:ext cx="532534" cy="858764"/>
       </dsp:txXfrm>
     </dsp:sp>
-    <dsp:sp modelId="{CAA2CAD7-F6F3-4272-8434-87A293491845}">
+    <dsp:sp modelId="{4D11E440-8D50-47A5-ACC1-F96AD06F61D5}">
       <dsp:nvSpPr>
         <dsp:cNvPr id="0" name=""/>
         <dsp:cNvSpPr/>
       </dsp:nvSpPr>
       <dsp:spPr>
         <a:xfrm>
-          <a:off x="10089874" y="2435502"/>
-          <a:ext cx="924749" cy="392069"/>
+          <a:off x="7739421" y="2079440"/>
+          <a:ext cx="614496" cy="793664"/>
         </a:xfrm>
         <a:prstGeom prst="rect">
           <a:avLst/>
@@ -9755,24 +11366,24 @@
               <a:latin typeface="Times New Roman" panose="02020603050405020304" pitchFamily="18" charset="0"/>
               <a:cs typeface="Times New Roman" panose="02020603050405020304" pitchFamily="18" charset="0"/>
             </a:rPr>
-            <a:t>B.6. Trang tài liệu học tập</a:t>
+            <a:t>B.7. Tạo trang giới thiệu trung tâm</a:t>
           </a:r>
         </a:p>
       </dsp:txBody>
       <dsp:txXfrm>
-        <a:off x="10089874" y="2435502"/>
-        <a:ext cx="924749" cy="392069"/>
+        <a:off x="7739421" y="2079440"/>
+        <a:ext cx="614496" cy="793664"/>
       </dsp:txXfrm>
     </dsp:sp>
-    <dsp:sp modelId="{8BFCFC47-56C4-415E-8026-CC4EC0F7A329}">
+    <dsp:sp modelId="{35230603-A411-4B6C-B4C9-3745E89C0DDE}">
       <dsp:nvSpPr>
         <dsp:cNvPr id="0" name=""/>
         <dsp:cNvSpPr/>
       </dsp:nvSpPr>
       <dsp:spPr>
         <a:xfrm>
-          <a:off x="10321062" y="2992240"/>
-          <a:ext cx="784138" cy="650795"/>
+          <a:off x="7841661" y="2984937"/>
+          <a:ext cx="639797" cy="983702"/>
         </a:xfrm>
         <a:prstGeom prst="rect">
           <a:avLst/>
@@ -9836,24 +11447,24 @@
               <a:latin typeface="Times New Roman" panose="02020603050405020304" pitchFamily="18" charset="0"/>
               <a:cs typeface="Times New Roman" panose="02020603050405020304" pitchFamily="18" charset="0"/>
             </a:rPr>
-            <a:t>B.6.1 Thiết lập danh mục theo lớp, môn học</a:t>
+            <a:t>B.7.1 Tạo trang giới thiệu và thêm nội dung</a:t>
           </a:r>
         </a:p>
       </dsp:txBody>
       <dsp:txXfrm>
-        <a:off x="10321062" y="2992240"/>
-        <a:ext cx="784138" cy="650795"/>
+        <a:off x="7841661" y="2984937"/>
+        <a:ext cx="639797" cy="983702"/>
       </dsp:txXfrm>
     </dsp:sp>
-    <dsp:sp modelId="{60F8C25F-5BC0-4AB1-B365-9DA0AC3B2CB8}">
+    <dsp:sp modelId="{78AEEAAF-7125-40A8-891C-C0608C63ADE4}">
       <dsp:nvSpPr>
         <dsp:cNvPr id="0" name=""/>
         <dsp:cNvSpPr/>
       </dsp:nvSpPr>
       <dsp:spPr>
         <a:xfrm>
-          <a:off x="10321062" y="3807705"/>
-          <a:ext cx="784138" cy="489870"/>
+          <a:off x="7893045" y="4080471"/>
+          <a:ext cx="646725" cy="969520"/>
         </a:xfrm>
         <a:prstGeom prst="rect">
           <a:avLst/>
@@ -9917,24 +11528,24 @@
               <a:latin typeface="Times New Roman" panose="02020603050405020304" pitchFamily="18" charset="0"/>
               <a:cs typeface="Times New Roman" panose="02020603050405020304" pitchFamily="18" charset="0"/>
             </a:rPr>
-            <a:t>B.6.2 Tạo tính năng download file</a:t>
+            <a:t>B.7.2 Thêm nút dẫn đến bài viết giới thiệu chi tiết</a:t>
           </a:r>
         </a:p>
       </dsp:txBody>
       <dsp:txXfrm>
-        <a:off x="10321062" y="3807705"/>
-        <a:ext cx="784138" cy="489870"/>
+        <a:off x="7893045" y="4080471"/>
+        <a:ext cx="646725" cy="969520"/>
       </dsp:txXfrm>
     </dsp:sp>
-    <dsp:sp modelId="{4D11E440-8D50-47A5-ACC1-F96AD06F61D5}">
+    <dsp:sp modelId="{66AF7AA9-CD9C-44F0-8DC9-9FAED3FA149F}">
       <dsp:nvSpPr>
         <dsp:cNvPr id="0" name=""/>
         <dsp:cNvSpPr/>
       </dsp:nvSpPr>
       <dsp:spPr>
         <a:xfrm>
-          <a:off x="11179293" y="2435502"/>
-          <a:ext cx="904824" cy="392069"/>
+          <a:off x="8644674" y="2079440"/>
+          <a:ext cx="532534" cy="910186"/>
         </a:xfrm>
         <a:prstGeom prst="rect">
           <a:avLst/>
@@ -9993,24 +11604,24 @@
               <a:latin typeface="Times New Roman" panose="02020603050405020304" pitchFamily="18" charset="0"/>
               <a:cs typeface="Times New Roman" panose="02020603050405020304" pitchFamily="18" charset="0"/>
             </a:rPr>
-            <a:t>B.7. Khung chat</a:t>
+            <a:t>B.8 Tạo tính năng hiển thị gia sư tiêu biểu</a:t>
           </a:r>
         </a:p>
       </dsp:txBody>
       <dsp:txXfrm>
-        <a:off x="11179293" y="2435502"/>
-        <a:ext cx="904824" cy="392069"/>
+        <a:off x="8644674" y="2079440"/>
+        <a:ext cx="532534" cy="910186"/>
       </dsp:txXfrm>
     </dsp:sp>
-    <dsp:sp modelId="{35230603-A411-4B6C-B4C9-3745E89C0DDE}">
+    <dsp:sp modelId="{B9EF88F3-9B21-45AC-83D7-751F1CD39F71}">
       <dsp:nvSpPr>
         <dsp:cNvPr id="0" name=""/>
         <dsp:cNvSpPr/>
       </dsp:nvSpPr>
       <dsp:spPr>
         <a:xfrm>
-          <a:off x="11329838" y="2992240"/>
-          <a:ext cx="784138" cy="554985"/>
+          <a:off x="8777808" y="3101458"/>
+          <a:ext cx="532534" cy="935867"/>
         </a:xfrm>
         <a:prstGeom prst="rect">
           <a:avLst/>
@@ -10074,13 +11685,884 @@
               <a:latin typeface="Times New Roman" panose="02020603050405020304" pitchFamily="18" charset="0"/>
               <a:cs typeface="Times New Roman" panose="02020603050405020304" pitchFamily="18" charset="0"/>
             </a:rPr>
-            <a:t>B.7.1 Tạo khung chat với trung tâm.</a:t>
+            <a:t>B.8.1 Tạo và thiết kế bố cục trang hiển thị</a:t>
           </a:r>
         </a:p>
       </dsp:txBody>
       <dsp:txXfrm>
-        <a:off x="11329838" y="2992240"/>
-        <a:ext cx="784138" cy="554985"/>
+        <a:off x="8777808" y="3101458"/>
+        <a:ext cx="532534" cy="935867"/>
+      </dsp:txXfrm>
+    </dsp:sp>
+    <dsp:sp modelId="{F30AB5ED-3504-4A8A-BD3C-4F641E0F1A53}">
+      <dsp:nvSpPr>
+        <dsp:cNvPr id="0" name=""/>
+        <dsp:cNvSpPr/>
+      </dsp:nvSpPr>
+      <dsp:spPr>
+        <a:xfrm>
+          <a:off x="8777808" y="4149157"/>
+          <a:ext cx="532534" cy="1039272"/>
+        </a:xfrm>
+        <a:prstGeom prst="rect">
+          <a:avLst/>
+        </a:prstGeom>
+        <a:solidFill>
+          <a:schemeClr val="accent1">
+            <a:hueOff val="0"/>
+            <a:satOff val="0"/>
+            <a:lumOff val="0"/>
+            <a:alphaOff val="0"/>
+          </a:schemeClr>
+        </a:solidFill>
+        <a:ln w="12700" cap="flat" cmpd="sng" algn="ctr">
+          <a:solidFill>
+            <a:schemeClr val="lt1">
+              <a:hueOff val="0"/>
+              <a:satOff val="0"/>
+              <a:lumOff val="0"/>
+              <a:alphaOff val="0"/>
+            </a:schemeClr>
+          </a:solidFill>
+          <a:prstDash val="solid"/>
+          <a:miter lim="800000"/>
+        </a:ln>
+        <a:effectLst/>
+      </dsp:spPr>
+      <dsp:style>
+        <a:lnRef idx="2">
+          <a:scrgbClr r="0" g="0" b="0"/>
+        </a:lnRef>
+        <a:fillRef idx="1">
+          <a:scrgbClr r="0" g="0" b="0"/>
+        </a:fillRef>
+        <a:effectRef idx="0">
+          <a:scrgbClr r="0" g="0" b="0"/>
+        </a:effectRef>
+        <a:fontRef idx="minor">
+          <a:schemeClr val="lt1"/>
+        </a:fontRef>
+      </dsp:style>
+      <dsp:txBody>
+        <a:bodyPr spcFirstLastPara="0" vert="horz" wrap="square" lIns="6985" tIns="6985" rIns="6985" bIns="6985" numCol="1" spcCol="1270" anchor="ctr" anchorCtr="0">
+          <a:noAutofit/>
+        </a:bodyPr>
+        <a:lstStyle/>
+        <a:p>
+          <a:pPr marL="0" lvl="0" indent="0" algn="ctr" defTabSz="488950">
+            <a:lnSpc>
+              <a:spcPct val="90000"/>
+            </a:lnSpc>
+            <a:spcBef>
+              <a:spcPct val="0"/>
+            </a:spcBef>
+            <a:spcAft>
+              <a:spcPct val="35000"/>
+            </a:spcAft>
+            <a:buNone/>
+          </a:pPr>
+          <a:r>
+            <a:rPr lang="en-US" sz="1100" b="0" kern="1200">
+              <a:latin typeface="Times New Roman" panose="02020603050405020304" pitchFamily="18" charset="0"/>
+              <a:cs typeface="Times New Roman" panose="02020603050405020304" pitchFamily="18" charset="0"/>
+            </a:rPr>
+            <a:t>B.8.2 Nhập, hiển thị thông tin 10 gia sư tiêu biểu</a:t>
+          </a:r>
+        </a:p>
+      </dsp:txBody>
+      <dsp:txXfrm>
+        <a:off x="8777808" y="4149157"/>
+        <a:ext cx="532534" cy="1039272"/>
+      </dsp:txXfrm>
+    </dsp:sp>
+    <dsp:sp modelId="{DBF305FE-E50B-4909-8D05-AA5CC83E7826}">
+      <dsp:nvSpPr>
+        <dsp:cNvPr id="0" name=""/>
+        <dsp:cNvSpPr/>
+      </dsp:nvSpPr>
+      <dsp:spPr>
+        <a:xfrm>
+          <a:off x="9289040" y="2079440"/>
+          <a:ext cx="620780" cy="957174"/>
+        </a:xfrm>
+        <a:prstGeom prst="rect">
+          <a:avLst/>
+        </a:prstGeom>
+        <a:solidFill>
+          <a:srgbClr val="00CC99"/>
+        </a:solidFill>
+        <a:ln w="12700" cap="flat" cmpd="sng" algn="ctr">
+          <a:solidFill>
+            <a:schemeClr val="lt1">
+              <a:hueOff val="0"/>
+              <a:satOff val="0"/>
+              <a:lumOff val="0"/>
+              <a:alphaOff val="0"/>
+            </a:schemeClr>
+          </a:solidFill>
+          <a:prstDash val="solid"/>
+          <a:miter lim="800000"/>
+        </a:ln>
+        <a:effectLst/>
+      </dsp:spPr>
+      <dsp:style>
+        <a:lnRef idx="2">
+          <a:scrgbClr r="0" g="0" b="0"/>
+        </a:lnRef>
+        <a:fillRef idx="1">
+          <a:scrgbClr r="0" g="0" b="0"/>
+        </a:fillRef>
+        <a:effectRef idx="0">
+          <a:scrgbClr r="0" g="0" b="0"/>
+        </a:effectRef>
+        <a:fontRef idx="minor">
+          <a:schemeClr val="lt1"/>
+        </a:fontRef>
+      </dsp:style>
+      <dsp:txBody>
+        <a:bodyPr spcFirstLastPara="0" vert="horz" wrap="square" lIns="6985" tIns="6985" rIns="6985" bIns="6985" numCol="1" spcCol="1270" anchor="ctr" anchorCtr="0">
+          <a:noAutofit/>
+        </a:bodyPr>
+        <a:lstStyle/>
+        <a:p>
+          <a:pPr marL="0" lvl="0" indent="0" algn="ctr" defTabSz="488950">
+            <a:lnSpc>
+              <a:spcPct val="90000"/>
+            </a:lnSpc>
+            <a:spcBef>
+              <a:spcPct val="0"/>
+            </a:spcBef>
+            <a:spcAft>
+              <a:spcPct val="35000"/>
+            </a:spcAft>
+            <a:buNone/>
+          </a:pPr>
+          <a:r>
+            <a:rPr lang="en-US" sz="1100" b="0" kern="1200">
+              <a:latin typeface="Times New Roman" panose="02020603050405020304" pitchFamily="18" charset="0"/>
+              <a:cs typeface="Times New Roman" panose="02020603050405020304" pitchFamily="18" charset="0"/>
+            </a:rPr>
+            <a:t>B.9 Trang hướng dẫn gia sư, phụ huynh đăng ký</a:t>
+          </a:r>
+        </a:p>
+      </dsp:txBody>
+      <dsp:txXfrm>
+        <a:off x="9289040" y="2079440"/>
+        <a:ext cx="620780" cy="957174"/>
+      </dsp:txXfrm>
+    </dsp:sp>
+    <dsp:sp modelId="{F6BFBF6E-2EAD-455D-B4B7-6EFBDE87DAA6}">
+      <dsp:nvSpPr>
+        <dsp:cNvPr id="0" name=""/>
+        <dsp:cNvSpPr/>
+      </dsp:nvSpPr>
+      <dsp:spPr>
+        <a:xfrm>
+          <a:off x="9444236" y="3148446"/>
+          <a:ext cx="532534" cy="1073021"/>
+        </a:xfrm>
+        <a:prstGeom prst="rect">
+          <a:avLst/>
+        </a:prstGeom>
+        <a:solidFill>
+          <a:schemeClr val="accent1">
+            <a:hueOff val="0"/>
+            <a:satOff val="0"/>
+            <a:lumOff val="0"/>
+            <a:alphaOff val="0"/>
+          </a:schemeClr>
+        </a:solidFill>
+        <a:ln w="12700" cap="flat" cmpd="sng" algn="ctr">
+          <a:solidFill>
+            <a:schemeClr val="lt1">
+              <a:hueOff val="0"/>
+              <a:satOff val="0"/>
+              <a:lumOff val="0"/>
+              <a:alphaOff val="0"/>
+            </a:schemeClr>
+          </a:solidFill>
+          <a:prstDash val="solid"/>
+          <a:miter lim="800000"/>
+        </a:ln>
+        <a:effectLst/>
+      </dsp:spPr>
+      <dsp:style>
+        <a:lnRef idx="2">
+          <a:scrgbClr r="0" g="0" b="0"/>
+        </a:lnRef>
+        <a:fillRef idx="1">
+          <a:scrgbClr r="0" g="0" b="0"/>
+        </a:fillRef>
+        <a:effectRef idx="0">
+          <a:scrgbClr r="0" g="0" b="0"/>
+        </a:effectRef>
+        <a:fontRef idx="minor">
+          <a:schemeClr val="lt1"/>
+        </a:fontRef>
+      </dsp:style>
+      <dsp:txBody>
+        <a:bodyPr spcFirstLastPara="0" vert="horz" wrap="square" lIns="6985" tIns="6985" rIns="6985" bIns="6985" numCol="1" spcCol="1270" anchor="ctr" anchorCtr="0">
+          <a:noAutofit/>
+        </a:bodyPr>
+        <a:lstStyle/>
+        <a:p>
+          <a:pPr marL="0" lvl="0" indent="0" algn="ctr" defTabSz="488950">
+            <a:lnSpc>
+              <a:spcPct val="90000"/>
+            </a:lnSpc>
+            <a:spcBef>
+              <a:spcPct val="0"/>
+            </a:spcBef>
+            <a:spcAft>
+              <a:spcPct val="35000"/>
+            </a:spcAft>
+            <a:buNone/>
+          </a:pPr>
+          <a:r>
+            <a:rPr lang="en-US" sz="1100" b="0" kern="1200">
+              <a:latin typeface="Times New Roman" panose="02020603050405020304" pitchFamily="18" charset="0"/>
+              <a:cs typeface="Times New Roman" panose="02020603050405020304" pitchFamily="18" charset="0"/>
+            </a:rPr>
+            <a:t>B.9.1 Tạo, hiển thị nội dung các hướng dẫn</a:t>
+          </a:r>
+        </a:p>
+      </dsp:txBody>
+      <dsp:txXfrm>
+        <a:off x="9444236" y="3148446"/>
+        <a:ext cx="532534" cy="1073021"/>
+      </dsp:txXfrm>
+    </dsp:sp>
+    <dsp:sp modelId="{E4C31DD3-96AC-4A52-8F92-71B070015481}">
+      <dsp:nvSpPr>
+        <dsp:cNvPr id="0" name=""/>
+        <dsp:cNvSpPr/>
+      </dsp:nvSpPr>
+      <dsp:spPr>
+        <a:xfrm>
+          <a:off x="10021653" y="2079440"/>
+          <a:ext cx="532534" cy="690063"/>
+        </a:xfrm>
+        <a:prstGeom prst="rect">
+          <a:avLst/>
+        </a:prstGeom>
+        <a:solidFill>
+          <a:srgbClr val="00CC99"/>
+        </a:solidFill>
+        <a:ln w="12700" cap="flat" cmpd="sng" algn="ctr">
+          <a:solidFill>
+            <a:schemeClr val="lt1">
+              <a:hueOff val="0"/>
+              <a:satOff val="0"/>
+              <a:lumOff val="0"/>
+              <a:alphaOff val="0"/>
+            </a:schemeClr>
+          </a:solidFill>
+          <a:prstDash val="solid"/>
+          <a:miter lim="800000"/>
+        </a:ln>
+        <a:effectLst/>
+      </dsp:spPr>
+      <dsp:style>
+        <a:lnRef idx="2">
+          <a:scrgbClr r="0" g="0" b="0"/>
+        </a:lnRef>
+        <a:fillRef idx="1">
+          <a:scrgbClr r="0" g="0" b="0"/>
+        </a:fillRef>
+        <a:effectRef idx="0">
+          <a:scrgbClr r="0" g="0" b="0"/>
+        </a:effectRef>
+        <a:fontRef idx="minor">
+          <a:schemeClr val="lt1"/>
+        </a:fontRef>
+      </dsp:style>
+      <dsp:txBody>
+        <a:bodyPr spcFirstLastPara="0" vert="horz" wrap="square" lIns="6985" tIns="6985" rIns="6985" bIns="6985" numCol="1" spcCol="1270" anchor="ctr" anchorCtr="0">
+          <a:noAutofit/>
+        </a:bodyPr>
+        <a:lstStyle/>
+        <a:p>
+          <a:pPr marL="0" lvl="0" indent="0" algn="ctr" defTabSz="488950">
+            <a:lnSpc>
+              <a:spcPct val="90000"/>
+            </a:lnSpc>
+            <a:spcBef>
+              <a:spcPct val="0"/>
+            </a:spcBef>
+            <a:spcAft>
+              <a:spcPct val="35000"/>
+            </a:spcAft>
+            <a:buNone/>
+          </a:pPr>
+          <a:r>
+            <a:rPr lang="en-US" sz="1100" b="0" kern="1200">
+              <a:latin typeface="Times New Roman" panose="02020603050405020304" pitchFamily="18" charset="0"/>
+              <a:cs typeface="Times New Roman" panose="02020603050405020304" pitchFamily="18" charset="0"/>
+            </a:rPr>
+            <a:t>B.10 Tính năng chat</a:t>
+          </a:r>
+        </a:p>
+      </dsp:txBody>
+      <dsp:txXfrm>
+        <a:off x="10021653" y="2079440"/>
+        <a:ext cx="532534" cy="690063"/>
+      </dsp:txXfrm>
+    </dsp:sp>
+    <dsp:sp modelId="{2419436C-6EE9-405D-B1EB-B108E451B52E}">
+      <dsp:nvSpPr>
+        <dsp:cNvPr id="0" name=""/>
+        <dsp:cNvSpPr/>
+      </dsp:nvSpPr>
+      <dsp:spPr>
+        <a:xfrm>
+          <a:off x="10154786" y="2881335"/>
+          <a:ext cx="532534" cy="778287"/>
+        </a:xfrm>
+        <a:prstGeom prst="rect">
+          <a:avLst/>
+        </a:prstGeom>
+        <a:solidFill>
+          <a:schemeClr val="accent1">
+            <a:hueOff val="0"/>
+            <a:satOff val="0"/>
+            <a:lumOff val="0"/>
+            <a:alphaOff val="0"/>
+          </a:schemeClr>
+        </a:solidFill>
+        <a:ln w="12700" cap="flat" cmpd="sng" algn="ctr">
+          <a:solidFill>
+            <a:schemeClr val="lt1">
+              <a:hueOff val="0"/>
+              <a:satOff val="0"/>
+              <a:lumOff val="0"/>
+              <a:alphaOff val="0"/>
+            </a:schemeClr>
+          </a:solidFill>
+          <a:prstDash val="solid"/>
+          <a:miter lim="800000"/>
+        </a:ln>
+        <a:effectLst/>
+      </dsp:spPr>
+      <dsp:style>
+        <a:lnRef idx="2">
+          <a:scrgbClr r="0" g="0" b="0"/>
+        </a:lnRef>
+        <a:fillRef idx="1">
+          <a:scrgbClr r="0" g="0" b="0"/>
+        </a:fillRef>
+        <a:effectRef idx="0">
+          <a:scrgbClr r="0" g="0" b="0"/>
+        </a:effectRef>
+        <a:fontRef idx="minor">
+          <a:schemeClr val="lt1"/>
+        </a:fontRef>
+      </dsp:style>
+      <dsp:txBody>
+        <a:bodyPr spcFirstLastPara="0" vert="horz" wrap="square" lIns="6985" tIns="6985" rIns="6985" bIns="6985" numCol="1" spcCol="1270" anchor="ctr" anchorCtr="0">
+          <a:noAutofit/>
+        </a:bodyPr>
+        <a:lstStyle/>
+        <a:p>
+          <a:pPr marL="0" lvl="0" indent="0" algn="ctr" defTabSz="488950">
+            <a:lnSpc>
+              <a:spcPct val="90000"/>
+            </a:lnSpc>
+            <a:spcBef>
+              <a:spcPct val="0"/>
+            </a:spcBef>
+            <a:spcAft>
+              <a:spcPct val="35000"/>
+            </a:spcAft>
+            <a:buNone/>
+          </a:pPr>
+          <a:r>
+            <a:rPr lang="en-US" sz="1100" b="0" kern="1200">
+              <a:latin typeface="Times New Roman" panose="02020603050405020304" pitchFamily="18" charset="0"/>
+              <a:cs typeface="Times New Roman" panose="02020603050405020304" pitchFamily="18" charset="0"/>
+            </a:rPr>
+            <a:t>B.10. 1 Tạo khung chat</a:t>
+          </a:r>
+        </a:p>
+      </dsp:txBody>
+      <dsp:txXfrm>
+        <a:off x="10154786" y="2881335"/>
+        <a:ext cx="532534" cy="778287"/>
+      </dsp:txXfrm>
+    </dsp:sp>
+    <dsp:sp modelId="{02044577-2E7E-4AB7-B46C-3DCF3C2030C9}">
+      <dsp:nvSpPr>
+        <dsp:cNvPr id="0" name=""/>
+        <dsp:cNvSpPr/>
+      </dsp:nvSpPr>
+      <dsp:spPr>
+        <a:xfrm>
+          <a:off x="10799153" y="2079440"/>
+          <a:ext cx="532534" cy="939834"/>
+        </a:xfrm>
+        <a:prstGeom prst="rect">
+          <a:avLst/>
+        </a:prstGeom>
+        <a:solidFill>
+          <a:srgbClr val="00CC99"/>
+        </a:solidFill>
+        <a:ln w="12700" cap="flat" cmpd="sng" algn="ctr">
+          <a:solidFill>
+            <a:schemeClr val="lt1">
+              <a:hueOff val="0"/>
+              <a:satOff val="0"/>
+              <a:lumOff val="0"/>
+              <a:alphaOff val="0"/>
+            </a:schemeClr>
+          </a:solidFill>
+          <a:prstDash val="solid"/>
+          <a:miter lim="800000"/>
+        </a:ln>
+        <a:effectLst/>
+      </dsp:spPr>
+      <dsp:style>
+        <a:lnRef idx="2">
+          <a:scrgbClr r="0" g="0" b="0"/>
+        </a:lnRef>
+        <a:fillRef idx="1">
+          <a:scrgbClr r="0" g="0" b="0"/>
+        </a:fillRef>
+        <a:effectRef idx="0">
+          <a:scrgbClr r="0" g="0" b="0"/>
+        </a:effectRef>
+        <a:fontRef idx="minor">
+          <a:schemeClr val="lt1"/>
+        </a:fontRef>
+      </dsp:style>
+      <dsp:txBody>
+        <a:bodyPr spcFirstLastPara="0" vert="horz" wrap="square" lIns="6985" tIns="6985" rIns="6985" bIns="6985" numCol="1" spcCol="1270" anchor="ctr" anchorCtr="0">
+          <a:noAutofit/>
+        </a:bodyPr>
+        <a:lstStyle/>
+        <a:p>
+          <a:pPr marL="0" lvl="0" indent="0" algn="ctr" defTabSz="488950">
+            <a:lnSpc>
+              <a:spcPct val="90000"/>
+            </a:lnSpc>
+            <a:spcBef>
+              <a:spcPct val="0"/>
+            </a:spcBef>
+            <a:spcAft>
+              <a:spcPct val="35000"/>
+            </a:spcAft>
+            <a:buNone/>
+          </a:pPr>
+          <a:r>
+            <a:rPr lang="en-US" sz="1100" b="0" kern="1200">
+              <a:latin typeface="Times New Roman" panose="02020603050405020304" pitchFamily="18" charset="0"/>
+              <a:cs typeface="Times New Roman" panose="02020603050405020304" pitchFamily="18" charset="0"/>
+            </a:rPr>
+            <a:t>B.11 Tính năng tìm kiếm suất dạy</a:t>
+          </a:r>
+        </a:p>
+      </dsp:txBody>
+      <dsp:txXfrm>
+        <a:off x="10799153" y="2079440"/>
+        <a:ext cx="532534" cy="939834"/>
+      </dsp:txXfrm>
+    </dsp:sp>
+    <dsp:sp modelId="{7DD0BDA0-C7DB-42B8-B5FE-A45C950271DB}">
+      <dsp:nvSpPr>
+        <dsp:cNvPr id="0" name=""/>
+        <dsp:cNvSpPr/>
+      </dsp:nvSpPr>
+      <dsp:spPr>
+        <a:xfrm>
+          <a:off x="10932286" y="3131107"/>
+          <a:ext cx="532534" cy="1029982"/>
+        </a:xfrm>
+        <a:prstGeom prst="rect">
+          <a:avLst/>
+        </a:prstGeom>
+        <a:solidFill>
+          <a:schemeClr val="accent1">
+            <a:hueOff val="0"/>
+            <a:satOff val="0"/>
+            <a:lumOff val="0"/>
+            <a:alphaOff val="0"/>
+          </a:schemeClr>
+        </a:solidFill>
+        <a:ln w="12700" cap="flat" cmpd="sng" algn="ctr">
+          <a:solidFill>
+            <a:schemeClr val="lt1">
+              <a:hueOff val="0"/>
+              <a:satOff val="0"/>
+              <a:lumOff val="0"/>
+              <a:alphaOff val="0"/>
+            </a:schemeClr>
+          </a:solidFill>
+          <a:prstDash val="solid"/>
+          <a:miter lim="800000"/>
+        </a:ln>
+        <a:effectLst/>
+      </dsp:spPr>
+      <dsp:style>
+        <a:lnRef idx="2">
+          <a:scrgbClr r="0" g="0" b="0"/>
+        </a:lnRef>
+        <a:fillRef idx="1">
+          <a:scrgbClr r="0" g="0" b="0"/>
+        </a:fillRef>
+        <a:effectRef idx="0">
+          <a:scrgbClr r="0" g="0" b="0"/>
+        </a:effectRef>
+        <a:fontRef idx="minor">
+          <a:schemeClr val="lt1"/>
+        </a:fontRef>
+      </dsp:style>
+      <dsp:txBody>
+        <a:bodyPr spcFirstLastPara="0" vert="horz" wrap="square" lIns="6985" tIns="6985" rIns="6985" bIns="6985" numCol="1" spcCol="1270" anchor="ctr" anchorCtr="0">
+          <a:noAutofit/>
+        </a:bodyPr>
+        <a:lstStyle/>
+        <a:p>
+          <a:pPr marL="0" lvl="0" indent="0" algn="ctr" defTabSz="488950">
+            <a:lnSpc>
+              <a:spcPct val="90000"/>
+            </a:lnSpc>
+            <a:spcBef>
+              <a:spcPct val="0"/>
+            </a:spcBef>
+            <a:spcAft>
+              <a:spcPct val="35000"/>
+            </a:spcAft>
+            <a:buNone/>
+          </a:pPr>
+          <a:r>
+            <a:rPr lang="en-US" sz="1100" b="0" kern="1200">
+              <a:latin typeface="Times New Roman" panose="02020603050405020304" pitchFamily="18" charset="0"/>
+              <a:cs typeface="Times New Roman" panose="02020603050405020304" pitchFamily="18" charset="0"/>
+            </a:rPr>
+            <a:t>B.11.1 Tạo và thiết kế khung tìm kiếm</a:t>
+          </a:r>
+        </a:p>
+      </dsp:txBody>
+      <dsp:txXfrm>
+        <a:off x="10932286" y="3131107"/>
+        <a:ext cx="532534" cy="1029982"/>
+      </dsp:txXfrm>
+    </dsp:sp>
+    <dsp:sp modelId="{A9B28837-7259-4D76-98A6-5DD78A473F78}">
+      <dsp:nvSpPr>
+        <dsp:cNvPr id="0" name=""/>
+        <dsp:cNvSpPr/>
+      </dsp:nvSpPr>
+      <dsp:spPr>
+        <a:xfrm>
+          <a:off x="10932286" y="4272921"/>
+          <a:ext cx="532534" cy="1154906"/>
+        </a:xfrm>
+        <a:prstGeom prst="rect">
+          <a:avLst/>
+        </a:prstGeom>
+        <a:solidFill>
+          <a:schemeClr val="accent1">
+            <a:hueOff val="0"/>
+            <a:satOff val="0"/>
+            <a:lumOff val="0"/>
+            <a:alphaOff val="0"/>
+          </a:schemeClr>
+        </a:solidFill>
+        <a:ln w="12700" cap="flat" cmpd="sng" algn="ctr">
+          <a:solidFill>
+            <a:schemeClr val="lt1">
+              <a:hueOff val="0"/>
+              <a:satOff val="0"/>
+              <a:lumOff val="0"/>
+              <a:alphaOff val="0"/>
+            </a:schemeClr>
+          </a:solidFill>
+          <a:prstDash val="solid"/>
+          <a:miter lim="800000"/>
+        </a:ln>
+        <a:effectLst/>
+      </dsp:spPr>
+      <dsp:style>
+        <a:lnRef idx="2">
+          <a:scrgbClr r="0" g="0" b="0"/>
+        </a:lnRef>
+        <a:fillRef idx="1">
+          <a:scrgbClr r="0" g="0" b="0"/>
+        </a:fillRef>
+        <a:effectRef idx="0">
+          <a:scrgbClr r="0" g="0" b="0"/>
+        </a:effectRef>
+        <a:fontRef idx="minor">
+          <a:schemeClr val="lt1"/>
+        </a:fontRef>
+      </dsp:style>
+      <dsp:txBody>
+        <a:bodyPr spcFirstLastPara="0" vert="horz" wrap="square" lIns="6985" tIns="6985" rIns="6985" bIns="6985" numCol="1" spcCol="1270" anchor="ctr" anchorCtr="0">
+          <a:noAutofit/>
+        </a:bodyPr>
+        <a:lstStyle/>
+        <a:p>
+          <a:pPr marL="0" lvl="0" indent="0" algn="ctr" defTabSz="488950">
+            <a:lnSpc>
+              <a:spcPct val="90000"/>
+            </a:lnSpc>
+            <a:spcBef>
+              <a:spcPct val="0"/>
+            </a:spcBef>
+            <a:spcAft>
+              <a:spcPct val="35000"/>
+            </a:spcAft>
+            <a:buNone/>
+          </a:pPr>
+          <a:r>
+            <a:rPr lang="en-US" sz="1100" b="0" kern="1200">
+              <a:latin typeface="Times New Roman" panose="02020603050405020304" pitchFamily="18" charset="0"/>
+              <a:cs typeface="Times New Roman" panose="02020603050405020304" pitchFamily="18" charset="0"/>
+            </a:rPr>
+            <a:t>B.11.2 Code truy vấn trích xuất dữ liệu từ CSDL</a:t>
+          </a:r>
+        </a:p>
+      </dsp:txBody>
+      <dsp:txXfrm>
+        <a:off x="10932286" y="4272921"/>
+        <a:ext cx="532534" cy="1154906"/>
+      </dsp:txXfrm>
+    </dsp:sp>
+    <dsp:sp modelId="{318966AF-9770-4C8B-BAA5-174ACAAC4435}">
+      <dsp:nvSpPr>
+        <dsp:cNvPr id="0" name=""/>
+        <dsp:cNvSpPr/>
+      </dsp:nvSpPr>
+      <dsp:spPr>
+        <a:xfrm>
+          <a:off x="11443519" y="2079440"/>
+          <a:ext cx="532534" cy="1016107"/>
+        </a:xfrm>
+        <a:prstGeom prst="rect">
+          <a:avLst/>
+        </a:prstGeom>
+        <a:solidFill>
+          <a:srgbClr val="00CC99"/>
+        </a:solidFill>
+        <a:ln w="12700" cap="flat" cmpd="sng" algn="ctr">
+          <a:solidFill>
+            <a:schemeClr val="lt1">
+              <a:hueOff val="0"/>
+              <a:satOff val="0"/>
+              <a:lumOff val="0"/>
+              <a:alphaOff val="0"/>
+            </a:schemeClr>
+          </a:solidFill>
+          <a:prstDash val="solid"/>
+          <a:miter lim="800000"/>
+        </a:ln>
+        <a:effectLst/>
+      </dsp:spPr>
+      <dsp:style>
+        <a:lnRef idx="2">
+          <a:scrgbClr r="0" g="0" b="0"/>
+        </a:lnRef>
+        <a:fillRef idx="1">
+          <a:scrgbClr r="0" g="0" b="0"/>
+        </a:fillRef>
+        <a:effectRef idx="0">
+          <a:scrgbClr r="0" g="0" b="0"/>
+        </a:effectRef>
+        <a:fontRef idx="minor">
+          <a:schemeClr val="lt1"/>
+        </a:fontRef>
+      </dsp:style>
+      <dsp:txBody>
+        <a:bodyPr spcFirstLastPara="0" vert="horz" wrap="square" lIns="6985" tIns="6985" rIns="6985" bIns="6985" numCol="1" spcCol="1270" anchor="ctr" anchorCtr="0">
+          <a:noAutofit/>
+        </a:bodyPr>
+        <a:lstStyle/>
+        <a:p>
+          <a:pPr marL="0" lvl="0" indent="0" algn="ctr" defTabSz="488950">
+            <a:lnSpc>
+              <a:spcPct val="90000"/>
+            </a:lnSpc>
+            <a:spcBef>
+              <a:spcPct val="0"/>
+            </a:spcBef>
+            <a:spcAft>
+              <a:spcPct val="35000"/>
+            </a:spcAft>
+            <a:buNone/>
+          </a:pPr>
+          <a:r>
+            <a:rPr lang="en-US" sz="1100" b="0" kern="1200">
+              <a:latin typeface="Times New Roman" panose="02020603050405020304" pitchFamily="18" charset="0"/>
+              <a:cs typeface="Times New Roman" panose="02020603050405020304" pitchFamily="18" charset="0"/>
+            </a:rPr>
+            <a:t>B.12 Tính năng đăng ký làm gia sư</a:t>
+          </a:r>
+        </a:p>
+      </dsp:txBody>
+      <dsp:txXfrm>
+        <a:off x="11443519" y="2079440"/>
+        <a:ext cx="532534" cy="1016107"/>
+      </dsp:txXfrm>
+    </dsp:sp>
+    <dsp:sp modelId="{BB2293ED-1455-4D49-8173-90BDFA3E1590}">
+      <dsp:nvSpPr>
+        <dsp:cNvPr id="0" name=""/>
+        <dsp:cNvSpPr/>
+      </dsp:nvSpPr>
+      <dsp:spPr>
+        <a:xfrm>
+          <a:off x="11576653" y="3207379"/>
+          <a:ext cx="532534" cy="908356"/>
+        </a:xfrm>
+        <a:prstGeom prst="rect">
+          <a:avLst/>
+        </a:prstGeom>
+        <a:solidFill>
+          <a:schemeClr val="accent1">
+            <a:hueOff val="0"/>
+            <a:satOff val="0"/>
+            <a:lumOff val="0"/>
+            <a:alphaOff val="0"/>
+          </a:schemeClr>
+        </a:solidFill>
+        <a:ln w="12700" cap="flat" cmpd="sng" algn="ctr">
+          <a:solidFill>
+            <a:schemeClr val="lt1">
+              <a:hueOff val="0"/>
+              <a:satOff val="0"/>
+              <a:lumOff val="0"/>
+              <a:alphaOff val="0"/>
+            </a:schemeClr>
+          </a:solidFill>
+          <a:prstDash val="solid"/>
+          <a:miter lim="800000"/>
+        </a:ln>
+        <a:effectLst/>
+      </dsp:spPr>
+      <dsp:style>
+        <a:lnRef idx="2">
+          <a:scrgbClr r="0" g="0" b="0"/>
+        </a:lnRef>
+        <a:fillRef idx="1">
+          <a:scrgbClr r="0" g="0" b="0"/>
+        </a:fillRef>
+        <a:effectRef idx="0">
+          <a:scrgbClr r="0" g="0" b="0"/>
+        </a:effectRef>
+        <a:fontRef idx="minor">
+          <a:schemeClr val="lt1"/>
+        </a:fontRef>
+      </dsp:style>
+      <dsp:txBody>
+        <a:bodyPr spcFirstLastPara="0" vert="horz" wrap="square" lIns="6985" tIns="6985" rIns="6985" bIns="6985" numCol="1" spcCol="1270" anchor="ctr" anchorCtr="0">
+          <a:noAutofit/>
+        </a:bodyPr>
+        <a:lstStyle/>
+        <a:p>
+          <a:pPr marL="0" lvl="0" indent="0" algn="ctr" defTabSz="488950">
+            <a:lnSpc>
+              <a:spcPct val="90000"/>
+            </a:lnSpc>
+            <a:spcBef>
+              <a:spcPct val="0"/>
+            </a:spcBef>
+            <a:spcAft>
+              <a:spcPct val="35000"/>
+            </a:spcAft>
+            <a:buNone/>
+          </a:pPr>
+          <a:r>
+            <a:rPr lang="en-US" sz="1100" b="0" kern="1200">
+              <a:latin typeface="Times New Roman" panose="02020603050405020304" pitchFamily="18" charset="0"/>
+              <a:cs typeface="Times New Roman" panose="02020603050405020304" pitchFamily="18" charset="0"/>
+            </a:rPr>
+            <a:t>B.12.1 Tạo form đăng ký làm gia sư</a:t>
+          </a:r>
+        </a:p>
+      </dsp:txBody>
+      <dsp:txXfrm>
+        <a:off x="11576653" y="3207379"/>
+        <a:ext cx="532534" cy="908356"/>
+      </dsp:txXfrm>
+    </dsp:sp>
+    <dsp:sp modelId="{C4EBA92A-9CD8-462A-8DB4-A3CD6E3191A9}">
+      <dsp:nvSpPr>
+        <dsp:cNvPr id="0" name=""/>
+        <dsp:cNvSpPr/>
+      </dsp:nvSpPr>
+      <dsp:spPr>
+        <a:xfrm>
+          <a:off x="11576653" y="4227568"/>
+          <a:ext cx="532534" cy="809758"/>
+        </a:xfrm>
+        <a:prstGeom prst="rect">
+          <a:avLst/>
+        </a:prstGeom>
+        <a:solidFill>
+          <a:schemeClr val="accent1">
+            <a:hueOff val="0"/>
+            <a:satOff val="0"/>
+            <a:lumOff val="0"/>
+            <a:alphaOff val="0"/>
+          </a:schemeClr>
+        </a:solidFill>
+        <a:ln w="12700" cap="flat" cmpd="sng" algn="ctr">
+          <a:solidFill>
+            <a:schemeClr val="lt1">
+              <a:hueOff val="0"/>
+              <a:satOff val="0"/>
+              <a:lumOff val="0"/>
+              <a:alphaOff val="0"/>
+            </a:schemeClr>
+          </a:solidFill>
+          <a:prstDash val="solid"/>
+          <a:miter lim="800000"/>
+        </a:ln>
+        <a:effectLst/>
+      </dsp:spPr>
+      <dsp:style>
+        <a:lnRef idx="2">
+          <a:scrgbClr r="0" g="0" b="0"/>
+        </a:lnRef>
+        <a:fillRef idx="1">
+          <a:scrgbClr r="0" g="0" b="0"/>
+        </a:fillRef>
+        <a:effectRef idx="0">
+          <a:scrgbClr r="0" g="0" b="0"/>
+        </a:effectRef>
+        <a:fontRef idx="minor">
+          <a:schemeClr val="lt1"/>
+        </a:fontRef>
+      </dsp:style>
+      <dsp:txBody>
+        <a:bodyPr spcFirstLastPara="0" vert="horz" wrap="square" lIns="6985" tIns="6985" rIns="6985" bIns="6985" numCol="1" spcCol="1270" anchor="ctr" anchorCtr="0">
+          <a:noAutofit/>
+        </a:bodyPr>
+        <a:lstStyle/>
+        <a:p>
+          <a:pPr marL="0" lvl="0" indent="0" algn="ctr" defTabSz="488950">
+            <a:lnSpc>
+              <a:spcPct val="90000"/>
+            </a:lnSpc>
+            <a:spcBef>
+              <a:spcPct val="0"/>
+            </a:spcBef>
+            <a:spcAft>
+              <a:spcPct val="35000"/>
+            </a:spcAft>
+            <a:buNone/>
+          </a:pPr>
+          <a:r>
+            <a:rPr lang="en-US" sz="1100" b="0" kern="1200">
+              <a:latin typeface="Times New Roman" panose="02020603050405020304" pitchFamily="18" charset="0"/>
+              <a:cs typeface="Times New Roman" panose="02020603050405020304" pitchFamily="18" charset="0"/>
+            </a:rPr>
+            <a:t>B.12.2 Tạo CSDL lưu trữ</a:t>
+          </a:r>
+        </a:p>
+      </dsp:txBody>
+      <dsp:txXfrm>
+        <a:off x="11576653" y="4227568"/>
+        <a:ext cx="532534" cy="809758"/>
       </dsp:txXfrm>
     </dsp:sp>
   </dsp:spTree>
@@ -12414,7 +14896,7 @@
           <a:p>
             <a:fld id="{49DA504F-0E7D-4DF3-BC26-4F28BB22433E}" type="datetimeFigureOut">
               <a:rPr lang="en-US" smtClean="0"/>
-              <a:t>10/5/2020</a:t>
+              <a:t>10/26/2020</a:t>
             </a:fld>
             <a:endParaRPr lang="en-US"/>
           </a:p>
@@ -12612,7 +15094,7 @@
           <a:p>
             <a:fld id="{49DA504F-0E7D-4DF3-BC26-4F28BB22433E}" type="datetimeFigureOut">
               <a:rPr lang="en-US" smtClean="0"/>
-              <a:t>10/5/2020</a:t>
+              <a:t>10/26/2020</a:t>
             </a:fld>
             <a:endParaRPr lang="en-US"/>
           </a:p>
@@ -12820,7 +15302,7 @@
           <a:p>
             <a:fld id="{49DA504F-0E7D-4DF3-BC26-4F28BB22433E}" type="datetimeFigureOut">
               <a:rPr lang="en-US" smtClean="0"/>
-              <a:t>10/5/2020</a:t>
+              <a:t>10/26/2020</a:t>
             </a:fld>
             <a:endParaRPr lang="en-US"/>
           </a:p>
@@ -13018,7 +15500,7 @@
           <a:p>
             <a:fld id="{49DA504F-0E7D-4DF3-BC26-4F28BB22433E}" type="datetimeFigureOut">
               <a:rPr lang="en-US" smtClean="0"/>
-              <a:t>10/5/2020</a:t>
+              <a:t>10/26/2020</a:t>
             </a:fld>
             <a:endParaRPr lang="en-US"/>
           </a:p>
@@ -13293,7 +15775,7 @@
           <a:p>
             <a:fld id="{49DA504F-0E7D-4DF3-BC26-4F28BB22433E}" type="datetimeFigureOut">
               <a:rPr lang="en-US" smtClean="0"/>
-              <a:t>10/5/2020</a:t>
+              <a:t>10/26/2020</a:t>
             </a:fld>
             <a:endParaRPr lang="en-US"/>
           </a:p>
@@ -13558,7 +16040,7 @@
           <a:p>
             <a:fld id="{49DA504F-0E7D-4DF3-BC26-4F28BB22433E}" type="datetimeFigureOut">
               <a:rPr lang="en-US" smtClean="0"/>
-              <a:t>10/5/2020</a:t>
+              <a:t>10/26/2020</a:t>
             </a:fld>
             <a:endParaRPr lang="en-US"/>
           </a:p>
@@ -13970,7 +16452,7 @@
           <a:p>
             <a:fld id="{49DA504F-0E7D-4DF3-BC26-4F28BB22433E}" type="datetimeFigureOut">
               <a:rPr lang="en-US" smtClean="0"/>
-              <a:t>10/5/2020</a:t>
+              <a:t>10/26/2020</a:t>
             </a:fld>
             <a:endParaRPr lang="en-US"/>
           </a:p>
@@ -14111,7 +16593,7 @@
           <a:p>
             <a:fld id="{49DA504F-0E7D-4DF3-BC26-4F28BB22433E}" type="datetimeFigureOut">
               <a:rPr lang="en-US" smtClean="0"/>
-              <a:t>10/5/2020</a:t>
+              <a:t>10/26/2020</a:t>
             </a:fld>
             <a:endParaRPr lang="en-US"/>
           </a:p>
@@ -14224,7 +16706,7 @@
           <a:p>
             <a:fld id="{49DA504F-0E7D-4DF3-BC26-4F28BB22433E}" type="datetimeFigureOut">
               <a:rPr lang="en-US" smtClean="0"/>
-              <a:t>10/5/2020</a:t>
+              <a:t>10/26/2020</a:t>
             </a:fld>
             <a:endParaRPr lang="en-US"/>
           </a:p>
@@ -14535,7 +17017,7 @@
           <a:p>
             <a:fld id="{49DA504F-0E7D-4DF3-BC26-4F28BB22433E}" type="datetimeFigureOut">
               <a:rPr lang="en-US" smtClean="0"/>
-              <a:t>10/5/2020</a:t>
+              <a:t>10/26/2020</a:t>
             </a:fld>
             <a:endParaRPr lang="en-US"/>
           </a:p>
@@ -14823,7 +17305,7 @@
           <a:p>
             <a:fld id="{49DA504F-0E7D-4DF3-BC26-4F28BB22433E}" type="datetimeFigureOut">
               <a:rPr lang="en-US" smtClean="0"/>
-              <a:t>10/5/2020</a:t>
+              <a:t>10/26/2020</a:t>
             </a:fld>
             <a:endParaRPr lang="en-US"/>
           </a:p>
@@ -15064,7 +17546,7 @@
           <a:p>
             <a:fld id="{49DA504F-0E7D-4DF3-BC26-4F28BB22433E}" type="datetimeFigureOut">
               <a:rPr lang="en-US" smtClean="0"/>
-              <a:t>10/5/2020</a:t>
+              <a:t>10/26/2020</a:t>
             </a:fld>
             <a:endParaRPr lang="en-US"/>
           </a:p>
@@ -15494,14 +17976,14 @@
           <p:nvPr>
             <p:extLst>
               <p:ext uri="{D42A27DB-BD31-4B8C-83A1-F6EECF244321}">
-                <p14:modId xmlns:p14="http://schemas.microsoft.com/office/powerpoint/2010/main" val="4164591712"/>
+                <p14:modId xmlns:p14="http://schemas.microsoft.com/office/powerpoint/2010/main" val="361142441"/>
               </p:ext>
             </p:extLst>
           </p:nvPr>
         </p:nvGraphicFramePr>
         <p:xfrm>
-          <a:off x="73890" y="0"/>
-          <a:ext cx="12191999" cy="6858000"/>
+          <a:off x="73891" y="0"/>
+          <a:ext cx="12118110" cy="6858000"/>
         </p:xfrm>
         <a:graphic>
           <a:graphicData uri="http://schemas.openxmlformats.org/drawingml/2006/diagram">
